--- a/slides/T319_Introdução.pptx
+++ b/slides/T319_Introdução.pptx
@@ -315,7 +315,7 @@
           <a:p>
             <a:fld id="{144F1436-6906-4D93-B7A2-786C327BFA14}" type="datetimeFigureOut">
               <a:rPr lang="nl-BE" smtClean="0"/>
-              <a:t>14/07/2021</a:t>
+              <a:t>22/07/2021</a:t>
             </a:fld>
             <a:endParaRPr lang="nl-BE"/>
           </a:p>
@@ -480,7 +480,7 @@
           <a:p>
             <a:fld id="{AA8CD09E-2914-4F47-B6C1-51B2C31814C9}" type="datetimeFigureOut">
               <a:rPr lang="pt-BR" smtClean="0"/>
-              <a:t>14/07/2021</a:t>
+              <a:t>22/07/2021</a:t>
             </a:fld>
             <a:endParaRPr lang="pt-BR"/>
           </a:p>
@@ -6267,7 +6267,7 @@
           <a:p>
             <a:fld id="{63289F7E-B80B-496E-81B4-D396C37C9454}" type="datetimeFigureOut">
               <a:rPr lang="pt-BR" smtClean="0"/>
-              <a:t>14/07/2021</a:t>
+              <a:t>22/07/2021</a:t>
             </a:fld>
             <a:endParaRPr lang="pt-BR"/>
           </a:p>
@@ -6465,7 +6465,7 @@
           <a:p>
             <a:fld id="{63289F7E-B80B-496E-81B4-D396C37C9454}" type="datetimeFigureOut">
               <a:rPr lang="pt-BR" smtClean="0"/>
-              <a:t>14/07/2021</a:t>
+              <a:t>22/07/2021</a:t>
             </a:fld>
             <a:endParaRPr lang="pt-BR"/>
           </a:p>
@@ -6673,7 +6673,7 @@
           <a:p>
             <a:fld id="{63289F7E-B80B-496E-81B4-D396C37C9454}" type="datetimeFigureOut">
               <a:rPr lang="pt-BR" smtClean="0"/>
-              <a:t>14/07/2021</a:t>
+              <a:t>22/07/2021</a:t>
             </a:fld>
             <a:endParaRPr lang="pt-BR"/>
           </a:p>
@@ -6871,7 +6871,7 @@
           <a:p>
             <a:fld id="{63289F7E-B80B-496E-81B4-D396C37C9454}" type="datetimeFigureOut">
               <a:rPr lang="pt-BR" smtClean="0"/>
-              <a:t>14/07/2021</a:t>
+              <a:t>22/07/2021</a:t>
             </a:fld>
             <a:endParaRPr lang="pt-BR"/>
           </a:p>
@@ -7146,7 +7146,7 @@
           <a:p>
             <a:fld id="{63289F7E-B80B-496E-81B4-D396C37C9454}" type="datetimeFigureOut">
               <a:rPr lang="pt-BR" smtClean="0"/>
-              <a:t>14/07/2021</a:t>
+              <a:t>22/07/2021</a:t>
             </a:fld>
             <a:endParaRPr lang="pt-BR"/>
           </a:p>
@@ -7411,7 +7411,7 @@
           <a:p>
             <a:fld id="{63289F7E-B80B-496E-81B4-D396C37C9454}" type="datetimeFigureOut">
               <a:rPr lang="pt-BR" smtClean="0"/>
-              <a:t>14/07/2021</a:t>
+              <a:t>22/07/2021</a:t>
             </a:fld>
             <a:endParaRPr lang="pt-BR"/>
           </a:p>
@@ -7823,7 +7823,7 @@
           <a:p>
             <a:fld id="{63289F7E-B80B-496E-81B4-D396C37C9454}" type="datetimeFigureOut">
               <a:rPr lang="pt-BR" smtClean="0"/>
-              <a:t>14/07/2021</a:t>
+              <a:t>22/07/2021</a:t>
             </a:fld>
             <a:endParaRPr lang="pt-BR"/>
           </a:p>
@@ -7964,7 +7964,7 @@
           <a:p>
             <a:fld id="{63289F7E-B80B-496E-81B4-D396C37C9454}" type="datetimeFigureOut">
               <a:rPr lang="pt-BR" smtClean="0"/>
-              <a:t>14/07/2021</a:t>
+              <a:t>22/07/2021</a:t>
             </a:fld>
             <a:endParaRPr lang="pt-BR"/>
           </a:p>
@@ -8077,7 +8077,7 @@
           <a:p>
             <a:fld id="{63289F7E-B80B-496E-81B4-D396C37C9454}" type="datetimeFigureOut">
               <a:rPr lang="pt-BR" smtClean="0"/>
-              <a:t>14/07/2021</a:t>
+              <a:t>22/07/2021</a:t>
             </a:fld>
             <a:endParaRPr lang="pt-BR"/>
           </a:p>
@@ -8388,7 +8388,7 @@
           <a:p>
             <a:fld id="{63289F7E-B80B-496E-81B4-D396C37C9454}" type="datetimeFigureOut">
               <a:rPr lang="pt-BR" smtClean="0"/>
-              <a:t>14/07/2021</a:t>
+              <a:t>22/07/2021</a:t>
             </a:fld>
             <a:endParaRPr lang="pt-BR"/>
           </a:p>
@@ -8676,7 +8676,7 @@
           <a:p>
             <a:fld id="{63289F7E-B80B-496E-81B4-D396C37C9454}" type="datetimeFigureOut">
               <a:rPr lang="pt-BR" smtClean="0"/>
-              <a:t>14/07/2021</a:t>
+              <a:t>22/07/2021</a:t>
             </a:fld>
             <a:endParaRPr lang="pt-BR"/>
           </a:p>
@@ -8917,7 +8917,7 @@
           <a:p>
             <a:fld id="{63289F7E-B80B-496E-81B4-D396C37C9454}" type="datetimeFigureOut">
               <a:rPr lang="pt-BR" smtClean="0"/>
-              <a:t>14/07/2021</a:t>
+              <a:t>22/07/2021</a:t>
             </a:fld>
             <a:endParaRPr lang="pt-BR"/>
           </a:p>
@@ -25804,7 +25804,7 @@
             <a:pPr lvl="1"/>
             <a:r>
               <a:rPr lang="pt-BR" dirty="0" smtClean="0"/>
-              <a:t>Monitora (Bruna): Todas as Sextas-feiras das 17:30 às 18:30.</a:t>
+              <a:t>Monitora (Bruna): Todas as Quintas-feiras das 17:30 às 18:30.</a:t>
             </a:r>
           </a:p>
         </p:txBody>
@@ -25898,15 +25898,19 @@
             </a:r>
             <a:r>
               <a:rPr lang="pt-BR" i="1" dirty="0"/>
-              <a:t>- Quiz - Introdução (1S2021</a:t>
+              <a:t>- Quiz - </a:t>
             </a:r>
             <a:r>
               <a:rPr lang="pt-BR" i="1" dirty="0" smtClean="0"/>
-              <a:t>)</a:t>
+              <a:t>Introdução</a:t>
             </a:r>
             <a:r>
               <a:rPr lang="pt-BR" dirty="0" smtClean="0"/>
-              <a:t>” que se encontra no MS Teams.</a:t>
+              <a:t>” </a:t>
+            </a:r>
+            <a:r>
+              <a:rPr lang="pt-BR" dirty="0" smtClean="0"/>
+              <a:t>que se encontra no MS Teams.</a:t>
             </a:r>
           </a:p>
           <a:p>
@@ -27913,7 +27917,6 @@
               <a:rPr lang="pt-BR" dirty="0" smtClean="0"/>
               <a:t>Atividades</a:t>
             </a:r>
-            <a:endParaRPr lang="pt-BR" dirty="0" smtClean="0"/>
           </a:p>
           <a:p>
             <a:pPr lvl="1"/>
@@ -27923,11 +27926,15 @@
             </a:r>
             <a:r>
               <a:rPr lang="pt-BR" dirty="0"/>
-              <a:t>e quizzes em </a:t>
+              <a:t>e quizzes </a:t>
             </a:r>
             <a:r>
               <a:rPr lang="pt-BR" dirty="0" smtClean="0"/>
-              <a:t>grupo valendo 15% da nota.</a:t>
+              <a:t>valendo </a:t>
+            </a:r>
+            <a:r>
+              <a:rPr lang="pt-BR" dirty="0" smtClean="0"/>
+              <a:t>15% da nota.</a:t>
             </a:r>
           </a:p>
           <a:p>

--- a/slides/T319_Introdução.pptx
+++ b/slides/T319_Introdução.pptx
@@ -6142,7 +6142,7 @@
           <p:cNvPr id="2" name="Título 1">
             <a:extLst>
               <a:ext uri="{FF2B5EF4-FFF2-40B4-BE49-F238E27FC236}">
-                <a16:creationId xmlns:a16="http://schemas.microsoft.com/office/drawing/2014/main" xmlns="" id="{1DB9B4FF-B06E-403C-A326-BDC64D8FF94E}"/>
+                <a16:creationId xmlns="" xmlns:a16="http://schemas.microsoft.com/office/drawing/2014/main" id="{1DB9B4FF-B06E-403C-A326-BDC64D8FF94E}"/>
               </a:ext>
             </a:extLst>
           </p:cNvPr>
@@ -6179,7 +6179,7 @@
           <p:cNvPr id="3" name="Subtítulo 2">
             <a:extLst>
               <a:ext uri="{FF2B5EF4-FFF2-40B4-BE49-F238E27FC236}">
-                <a16:creationId xmlns:a16="http://schemas.microsoft.com/office/drawing/2014/main" xmlns="" id="{247BDFCE-746E-45BF-A319-4733D58D1632}"/>
+                <a16:creationId xmlns="" xmlns:a16="http://schemas.microsoft.com/office/drawing/2014/main" id="{247BDFCE-746E-45BF-A319-4733D58D1632}"/>
               </a:ext>
             </a:extLst>
           </p:cNvPr>
@@ -6249,7 +6249,7 @@
           <p:cNvPr id="4" name="Espaço Reservado para Data 3">
             <a:extLst>
               <a:ext uri="{FF2B5EF4-FFF2-40B4-BE49-F238E27FC236}">
-                <a16:creationId xmlns:a16="http://schemas.microsoft.com/office/drawing/2014/main" xmlns="" id="{9EDE2778-5372-4104-B96D-968184DA8288}"/>
+                <a16:creationId xmlns="" xmlns:a16="http://schemas.microsoft.com/office/drawing/2014/main" id="{9EDE2778-5372-4104-B96D-968184DA8288}"/>
               </a:ext>
             </a:extLst>
           </p:cNvPr>
@@ -6278,7 +6278,7 @@
           <p:cNvPr id="5" name="Espaço Reservado para Rodapé 4">
             <a:extLst>
               <a:ext uri="{FF2B5EF4-FFF2-40B4-BE49-F238E27FC236}">
-                <a16:creationId xmlns:a16="http://schemas.microsoft.com/office/drawing/2014/main" xmlns="" id="{C1DD0F41-C861-4051-988D-3024A37A4B93}"/>
+                <a16:creationId xmlns="" xmlns:a16="http://schemas.microsoft.com/office/drawing/2014/main" id="{C1DD0F41-C861-4051-988D-3024A37A4B93}"/>
               </a:ext>
             </a:extLst>
           </p:cNvPr>
@@ -6303,7 +6303,7 @@
           <p:cNvPr id="6" name="Espaço Reservado para Número de Slide 5">
             <a:extLst>
               <a:ext uri="{FF2B5EF4-FFF2-40B4-BE49-F238E27FC236}">
-                <a16:creationId xmlns:a16="http://schemas.microsoft.com/office/drawing/2014/main" xmlns="" id="{07E5967E-D980-431A-A5DB-3F0C5030A81E}"/>
+                <a16:creationId xmlns="" xmlns:a16="http://schemas.microsoft.com/office/drawing/2014/main" id="{07E5967E-D980-431A-A5DB-3F0C5030A81E}"/>
               </a:ext>
             </a:extLst>
           </p:cNvPr>
@@ -6362,7 +6362,7 @@
           <p:cNvPr id="2" name="Título 1">
             <a:extLst>
               <a:ext uri="{FF2B5EF4-FFF2-40B4-BE49-F238E27FC236}">
-                <a16:creationId xmlns:a16="http://schemas.microsoft.com/office/drawing/2014/main" xmlns="" id="{9036C49F-3E68-4175-81BA-3C3FEE44308A}"/>
+                <a16:creationId xmlns="" xmlns:a16="http://schemas.microsoft.com/office/drawing/2014/main" id="{9036C49F-3E68-4175-81BA-3C3FEE44308A}"/>
               </a:ext>
             </a:extLst>
           </p:cNvPr>
@@ -6390,7 +6390,7 @@
           <p:cNvPr id="3" name="Espaço Reservado para Texto Vertical 2">
             <a:extLst>
               <a:ext uri="{FF2B5EF4-FFF2-40B4-BE49-F238E27FC236}">
-                <a16:creationId xmlns:a16="http://schemas.microsoft.com/office/drawing/2014/main" xmlns="" id="{426FA736-3DD3-4D4E-B57B-BBE1D8F7D424}"/>
+                <a16:creationId xmlns="" xmlns:a16="http://schemas.microsoft.com/office/drawing/2014/main" id="{426FA736-3DD3-4D4E-B57B-BBE1D8F7D424}"/>
               </a:ext>
             </a:extLst>
           </p:cNvPr>
@@ -6447,7 +6447,7 @@
           <p:cNvPr id="4" name="Espaço Reservado para Data 3">
             <a:extLst>
               <a:ext uri="{FF2B5EF4-FFF2-40B4-BE49-F238E27FC236}">
-                <a16:creationId xmlns:a16="http://schemas.microsoft.com/office/drawing/2014/main" xmlns="" id="{99E8855C-D8FD-48F6-B14E-861E0DE4D915}"/>
+                <a16:creationId xmlns="" xmlns:a16="http://schemas.microsoft.com/office/drawing/2014/main" id="{99E8855C-D8FD-48F6-B14E-861E0DE4D915}"/>
               </a:ext>
             </a:extLst>
           </p:cNvPr>
@@ -6476,7 +6476,7 @@
           <p:cNvPr id="5" name="Espaço Reservado para Rodapé 4">
             <a:extLst>
               <a:ext uri="{FF2B5EF4-FFF2-40B4-BE49-F238E27FC236}">
-                <a16:creationId xmlns:a16="http://schemas.microsoft.com/office/drawing/2014/main" xmlns="" id="{97C0BB88-2F21-42A5-ACFF-83DA47F2D340}"/>
+                <a16:creationId xmlns="" xmlns:a16="http://schemas.microsoft.com/office/drawing/2014/main" id="{97C0BB88-2F21-42A5-ACFF-83DA47F2D340}"/>
               </a:ext>
             </a:extLst>
           </p:cNvPr>
@@ -6501,7 +6501,7 @@
           <p:cNvPr id="6" name="Espaço Reservado para Número de Slide 5">
             <a:extLst>
               <a:ext uri="{FF2B5EF4-FFF2-40B4-BE49-F238E27FC236}">
-                <a16:creationId xmlns:a16="http://schemas.microsoft.com/office/drawing/2014/main" xmlns="" id="{6CB462B3-1F22-4C05-B4B8-7A279FB7D5E9}"/>
+                <a16:creationId xmlns="" xmlns:a16="http://schemas.microsoft.com/office/drawing/2014/main" id="{6CB462B3-1F22-4C05-B4B8-7A279FB7D5E9}"/>
               </a:ext>
             </a:extLst>
           </p:cNvPr>
@@ -6560,7 +6560,7 @@
           <p:cNvPr id="2" name="Título Vertical 1">
             <a:extLst>
               <a:ext uri="{FF2B5EF4-FFF2-40B4-BE49-F238E27FC236}">
-                <a16:creationId xmlns:a16="http://schemas.microsoft.com/office/drawing/2014/main" xmlns="" id="{EAEAB728-701C-4207-A9D5-23FF45C60502}"/>
+                <a16:creationId xmlns="" xmlns:a16="http://schemas.microsoft.com/office/drawing/2014/main" id="{EAEAB728-701C-4207-A9D5-23FF45C60502}"/>
               </a:ext>
             </a:extLst>
           </p:cNvPr>
@@ -6593,7 +6593,7 @@
           <p:cNvPr id="3" name="Espaço Reservado para Texto Vertical 2">
             <a:extLst>
               <a:ext uri="{FF2B5EF4-FFF2-40B4-BE49-F238E27FC236}">
-                <a16:creationId xmlns:a16="http://schemas.microsoft.com/office/drawing/2014/main" xmlns="" id="{BA8C8CCF-7823-480A-9A19-0F664DD17E3B}"/>
+                <a16:creationId xmlns="" xmlns:a16="http://schemas.microsoft.com/office/drawing/2014/main" id="{BA8C8CCF-7823-480A-9A19-0F664DD17E3B}"/>
               </a:ext>
             </a:extLst>
           </p:cNvPr>
@@ -6655,7 +6655,7 @@
           <p:cNvPr id="4" name="Espaço Reservado para Data 3">
             <a:extLst>
               <a:ext uri="{FF2B5EF4-FFF2-40B4-BE49-F238E27FC236}">
-                <a16:creationId xmlns:a16="http://schemas.microsoft.com/office/drawing/2014/main" xmlns="" id="{721D5734-7B1F-425D-942F-6EB73344027C}"/>
+                <a16:creationId xmlns="" xmlns:a16="http://schemas.microsoft.com/office/drawing/2014/main" id="{721D5734-7B1F-425D-942F-6EB73344027C}"/>
               </a:ext>
             </a:extLst>
           </p:cNvPr>
@@ -6684,7 +6684,7 @@
           <p:cNvPr id="5" name="Espaço Reservado para Rodapé 4">
             <a:extLst>
               <a:ext uri="{FF2B5EF4-FFF2-40B4-BE49-F238E27FC236}">
-                <a16:creationId xmlns:a16="http://schemas.microsoft.com/office/drawing/2014/main" xmlns="" id="{1E1AAEAC-F08D-45FE-89EC-B1B349A868C9}"/>
+                <a16:creationId xmlns="" xmlns:a16="http://schemas.microsoft.com/office/drawing/2014/main" id="{1E1AAEAC-F08D-45FE-89EC-B1B349A868C9}"/>
               </a:ext>
             </a:extLst>
           </p:cNvPr>
@@ -6709,7 +6709,7 @@
           <p:cNvPr id="6" name="Espaço Reservado para Número de Slide 5">
             <a:extLst>
               <a:ext uri="{FF2B5EF4-FFF2-40B4-BE49-F238E27FC236}">
-                <a16:creationId xmlns:a16="http://schemas.microsoft.com/office/drawing/2014/main" xmlns="" id="{BAA44493-9911-47B2-87A6-C2141A972BC8}"/>
+                <a16:creationId xmlns="" xmlns:a16="http://schemas.microsoft.com/office/drawing/2014/main" id="{BAA44493-9911-47B2-87A6-C2141A972BC8}"/>
               </a:ext>
             </a:extLst>
           </p:cNvPr>
@@ -6768,7 +6768,7 @@
           <p:cNvPr id="2" name="Título 1">
             <a:extLst>
               <a:ext uri="{FF2B5EF4-FFF2-40B4-BE49-F238E27FC236}">
-                <a16:creationId xmlns:a16="http://schemas.microsoft.com/office/drawing/2014/main" xmlns="" id="{71BD44A5-8F21-4626-A01D-48A1C874B1D5}"/>
+                <a16:creationId xmlns="" xmlns:a16="http://schemas.microsoft.com/office/drawing/2014/main" id="{71BD44A5-8F21-4626-A01D-48A1C874B1D5}"/>
               </a:ext>
             </a:extLst>
           </p:cNvPr>
@@ -6796,7 +6796,7 @@
           <p:cNvPr id="3" name="Espaço Reservado para Conteúdo 2">
             <a:extLst>
               <a:ext uri="{FF2B5EF4-FFF2-40B4-BE49-F238E27FC236}">
-                <a16:creationId xmlns:a16="http://schemas.microsoft.com/office/drawing/2014/main" xmlns="" id="{B79E8085-65A9-48AA-951D-71D978BFF4ED}"/>
+                <a16:creationId xmlns="" xmlns:a16="http://schemas.microsoft.com/office/drawing/2014/main" id="{B79E8085-65A9-48AA-951D-71D978BFF4ED}"/>
               </a:ext>
             </a:extLst>
           </p:cNvPr>
@@ -6853,7 +6853,7 @@
           <p:cNvPr id="4" name="Espaço Reservado para Data 3">
             <a:extLst>
               <a:ext uri="{FF2B5EF4-FFF2-40B4-BE49-F238E27FC236}">
-                <a16:creationId xmlns:a16="http://schemas.microsoft.com/office/drawing/2014/main" xmlns="" id="{F05BE1AF-51EA-425D-B188-DE7BD675009F}"/>
+                <a16:creationId xmlns="" xmlns:a16="http://schemas.microsoft.com/office/drawing/2014/main" id="{F05BE1AF-51EA-425D-B188-DE7BD675009F}"/>
               </a:ext>
             </a:extLst>
           </p:cNvPr>
@@ -6882,7 +6882,7 @@
           <p:cNvPr id="5" name="Espaço Reservado para Rodapé 4">
             <a:extLst>
               <a:ext uri="{FF2B5EF4-FFF2-40B4-BE49-F238E27FC236}">
-                <a16:creationId xmlns:a16="http://schemas.microsoft.com/office/drawing/2014/main" xmlns="" id="{121BE632-29CF-4CB9-B365-C9EF38F89BE6}"/>
+                <a16:creationId xmlns="" xmlns:a16="http://schemas.microsoft.com/office/drawing/2014/main" id="{121BE632-29CF-4CB9-B365-C9EF38F89BE6}"/>
               </a:ext>
             </a:extLst>
           </p:cNvPr>
@@ -6907,7 +6907,7 @@
           <p:cNvPr id="6" name="Espaço Reservado para Número de Slide 5">
             <a:extLst>
               <a:ext uri="{FF2B5EF4-FFF2-40B4-BE49-F238E27FC236}">
-                <a16:creationId xmlns:a16="http://schemas.microsoft.com/office/drawing/2014/main" xmlns="" id="{60CF3DD1-9AEC-4A57-B461-4E4DD86FAC18}"/>
+                <a16:creationId xmlns="" xmlns:a16="http://schemas.microsoft.com/office/drawing/2014/main" id="{60CF3DD1-9AEC-4A57-B461-4E4DD86FAC18}"/>
               </a:ext>
             </a:extLst>
           </p:cNvPr>
@@ -6966,7 +6966,7 @@
           <p:cNvPr id="2" name="Título 1">
             <a:extLst>
               <a:ext uri="{FF2B5EF4-FFF2-40B4-BE49-F238E27FC236}">
-                <a16:creationId xmlns:a16="http://schemas.microsoft.com/office/drawing/2014/main" xmlns="" id="{34AB2FF0-A4D7-4E28-991D-FF26140D5988}"/>
+                <a16:creationId xmlns="" xmlns:a16="http://schemas.microsoft.com/office/drawing/2014/main" id="{34AB2FF0-A4D7-4E28-991D-FF26140D5988}"/>
               </a:ext>
             </a:extLst>
           </p:cNvPr>
@@ -7003,7 +7003,7 @@
           <p:cNvPr id="3" name="Espaço Reservado para Texto 2">
             <a:extLst>
               <a:ext uri="{FF2B5EF4-FFF2-40B4-BE49-F238E27FC236}">
-                <a16:creationId xmlns:a16="http://schemas.microsoft.com/office/drawing/2014/main" xmlns="" id="{E2AC45B0-4145-40DB-8E61-105461170604}"/>
+                <a16:creationId xmlns="" xmlns:a16="http://schemas.microsoft.com/office/drawing/2014/main" id="{E2AC45B0-4145-40DB-8E61-105461170604}"/>
               </a:ext>
             </a:extLst>
           </p:cNvPr>
@@ -7128,7 +7128,7 @@
           <p:cNvPr id="4" name="Espaço Reservado para Data 3">
             <a:extLst>
               <a:ext uri="{FF2B5EF4-FFF2-40B4-BE49-F238E27FC236}">
-                <a16:creationId xmlns:a16="http://schemas.microsoft.com/office/drawing/2014/main" xmlns="" id="{50F1D3FB-740A-4EBA-A309-2CE71D12ECFB}"/>
+                <a16:creationId xmlns="" xmlns:a16="http://schemas.microsoft.com/office/drawing/2014/main" id="{50F1D3FB-740A-4EBA-A309-2CE71D12ECFB}"/>
               </a:ext>
             </a:extLst>
           </p:cNvPr>
@@ -7157,7 +7157,7 @@
           <p:cNvPr id="5" name="Espaço Reservado para Rodapé 4">
             <a:extLst>
               <a:ext uri="{FF2B5EF4-FFF2-40B4-BE49-F238E27FC236}">
-                <a16:creationId xmlns:a16="http://schemas.microsoft.com/office/drawing/2014/main" xmlns="" id="{BDCAB18F-8715-4465-A940-F9C193A2ACE9}"/>
+                <a16:creationId xmlns="" xmlns:a16="http://schemas.microsoft.com/office/drawing/2014/main" id="{BDCAB18F-8715-4465-A940-F9C193A2ACE9}"/>
               </a:ext>
             </a:extLst>
           </p:cNvPr>
@@ -7182,7 +7182,7 @@
           <p:cNvPr id="6" name="Espaço Reservado para Número de Slide 5">
             <a:extLst>
               <a:ext uri="{FF2B5EF4-FFF2-40B4-BE49-F238E27FC236}">
-                <a16:creationId xmlns:a16="http://schemas.microsoft.com/office/drawing/2014/main" xmlns="" id="{353466C6-8248-429F-8056-FF040BF509EB}"/>
+                <a16:creationId xmlns="" xmlns:a16="http://schemas.microsoft.com/office/drawing/2014/main" id="{353466C6-8248-429F-8056-FF040BF509EB}"/>
               </a:ext>
             </a:extLst>
           </p:cNvPr>
@@ -7241,7 +7241,7 @@
           <p:cNvPr id="2" name="Título 1">
             <a:extLst>
               <a:ext uri="{FF2B5EF4-FFF2-40B4-BE49-F238E27FC236}">
-                <a16:creationId xmlns:a16="http://schemas.microsoft.com/office/drawing/2014/main" xmlns="" id="{BC7BB9F0-F14B-4A91-B2B7-35BC47FE4DE7}"/>
+                <a16:creationId xmlns="" xmlns:a16="http://schemas.microsoft.com/office/drawing/2014/main" id="{BC7BB9F0-F14B-4A91-B2B7-35BC47FE4DE7}"/>
               </a:ext>
             </a:extLst>
           </p:cNvPr>
@@ -7269,7 +7269,7 @@
           <p:cNvPr id="3" name="Espaço Reservado para Conteúdo 2">
             <a:extLst>
               <a:ext uri="{FF2B5EF4-FFF2-40B4-BE49-F238E27FC236}">
-                <a16:creationId xmlns:a16="http://schemas.microsoft.com/office/drawing/2014/main" xmlns="" id="{EC1FC1C4-73DA-47A6-8496-B0B457F7D39A}"/>
+                <a16:creationId xmlns="" xmlns:a16="http://schemas.microsoft.com/office/drawing/2014/main" id="{EC1FC1C4-73DA-47A6-8496-B0B457F7D39A}"/>
               </a:ext>
             </a:extLst>
           </p:cNvPr>
@@ -7331,7 +7331,7 @@
           <p:cNvPr id="4" name="Espaço Reservado para Conteúdo 3">
             <a:extLst>
               <a:ext uri="{FF2B5EF4-FFF2-40B4-BE49-F238E27FC236}">
-                <a16:creationId xmlns:a16="http://schemas.microsoft.com/office/drawing/2014/main" xmlns="" id="{E92F06A8-A449-4D92-9912-76873E529B38}"/>
+                <a16:creationId xmlns="" xmlns:a16="http://schemas.microsoft.com/office/drawing/2014/main" id="{E92F06A8-A449-4D92-9912-76873E529B38}"/>
               </a:ext>
             </a:extLst>
           </p:cNvPr>
@@ -7393,7 +7393,7 @@
           <p:cNvPr id="5" name="Espaço Reservado para Data 4">
             <a:extLst>
               <a:ext uri="{FF2B5EF4-FFF2-40B4-BE49-F238E27FC236}">
-                <a16:creationId xmlns:a16="http://schemas.microsoft.com/office/drawing/2014/main" xmlns="" id="{938070A4-BC2F-4D55-BD8D-DEAF11BB9EE9}"/>
+                <a16:creationId xmlns="" xmlns:a16="http://schemas.microsoft.com/office/drawing/2014/main" id="{938070A4-BC2F-4D55-BD8D-DEAF11BB9EE9}"/>
               </a:ext>
             </a:extLst>
           </p:cNvPr>
@@ -7422,7 +7422,7 @@
           <p:cNvPr id="6" name="Espaço Reservado para Rodapé 5">
             <a:extLst>
               <a:ext uri="{FF2B5EF4-FFF2-40B4-BE49-F238E27FC236}">
-                <a16:creationId xmlns:a16="http://schemas.microsoft.com/office/drawing/2014/main" xmlns="" id="{45CC2DB8-844A-465F-BA9A-7734C80C7F43}"/>
+                <a16:creationId xmlns="" xmlns:a16="http://schemas.microsoft.com/office/drawing/2014/main" id="{45CC2DB8-844A-465F-BA9A-7734C80C7F43}"/>
               </a:ext>
             </a:extLst>
           </p:cNvPr>
@@ -7447,7 +7447,7 @@
           <p:cNvPr id="7" name="Espaço Reservado para Número de Slide 6">
             <a:extLst>
               <a:ext uri="{FF2B5EF4-FFF2-40B4-BE49-F238E27FC236}">
-                <a16:creationId xmlns:a16="http://schemas.microsoft.com/office/drawing/2014/main" xmlns="" id="{4CC606A8-097B-4040-94E0-CD8C88280D8F}"/>
+                <a16:creationId xmlns="" xmlns:a16="http://schemas.microsoft.com/office/drawing/2014/main" id="{4CC606A8-097B-4040-94E0-CD8C88280D8F}"/>
               </a:ext>
             </a:extLst>
           </p:cNvPr>
@@ -7506,7 +7506,7 @@
           <p:cNvPr id="2" name="Título 1">
             <a:extLst>
               <a:ext uri="{FF2B5EF4-FFF2-40B4-BE49-F238E27FC236}">
-                <a16:creationId xmlns:a16="http://schemas.microsoft.com/office/drawing/2014/main" xmlns="" id="{76D66686-0143-4CB6-8C09-BA326F1E7ACA}"/>
+                <a16:creationId xmlns="" xmlns:a16="http://schemas.microsoft.com/office/drawing/2014/main" id="{76D66686-0143-4CB6-8C09-BA326F1E7ACA}"/>
               </a:ext>
             </a:extLst>
           </p:cNvPr>
@@ -7539,7 +7539,7 @@
           <p:cNvPr id="3" name="Espaço Reservado para Texto 2">
             <a:extLst>
               <a:ext uri="{FF2B5EF4-FFF2-40B4-BE49-F238E27FC236}">
-                <a16:creationId xmlns:a16="http://schemas.microsoft.com/office/drawing/2014/main" xmlns="" id="{0227AB85-F59E-4BCE-B846-4FA0992C2F23}"/>
+                <a16:creationId xmlns="" xmlns:a16="http://schemas.microsoft.com/office/drawing/2014/main" id="{0227AB85-F59E-4BCE-B846-4FA0992C2F23}"/>
               </a:ext>
             </a:extLst>
           </p:cNvPr>
@@ -7610,7 +7610,7 @@
           <p:cNvPr id="4" name="Espaço Reservado para Conteúdo 3">
             <a:extLst>
               <a:ext uri="{FF2B5EF4-FFF2-40B4-BE49-F238E27FC236}">
-                <a16:creationId xmlns:a16="http://schemas.microsoft.com/office/drawing/2014/main" xmlns="" id="{3373456C-7319-4D0A-827D-D29F6B083F5D}"/>
+                <a16:creationId xmlns="" xmlns:a16="http://schemas.microsoft.com/office/drawing/2014/main" id="{3373456C-7319-4D0A-827D-D29F6B083F5D}"/>
               </a:ext>
             </a:extLst>
           </p:cNvPr>
@@ -7672,7 +7672,7 @@
           <p:cNvPr id="5" name="Espaço Reservado para Texto 4">
             <a:extLst>
               <a:ext uri="{FF2B5EF4-FFF2-40B4-BE49-F238E27FC236}">
-                <a16:creationId xmlns:a16="http://schemas.microsoft.com/office/drawing/2014/main" xmlns="" id="{4CD109D0-2E83-4262-8029-A871CEC47406}"/>
+                <a16:creationId xmlns="" xmlns:a16="http://schemas.microsoft.com/office/drawing/2014/main" id="{4CD109D0-2E83-4262-8029-A871CEC47406}"/>
               </a:ext>
             </a:extLst>
           </p:cNvPr>
@@ -7743,7 +7743,7 @@
           <p:cNvPr id="6" name="Espaço Reservado para Conteúdo 5">
             <a:extLst>
               <a:ext uri="{FF2B5EF4-FFF2-40B4-BE49-F238E27FC236}">
-                <a16:creationId xmlns:a16="http://schemas.microsoft.com/office/drawing/2014/main" xmlns="" id="{AD706E3A-CFBB-4A6C-A65F-D0360A9E74FE}"/>
+                <a16:creationId xmlns="" xmlns:a16="http://schemas.microsoft.com/office/drawing/2014/main" id="{AD706E3A-CFBB-4A6C-A65F-D0360A9E74FE}"/>
               </a:ext>
             </a:extLst>
           </p:cNvPr>
@@ -7805,7 +7805,7 @@
           <p:cNvPr id="7" name="Espaço Reservado para Data 6">
             <a:extLst>
               <a:ext uri="{FF2B5EF4-FFF2-40B4-BE49-F238E27FC236}">
-                <a16:creationId xmlns:a16="http://schemas.microsoft.com/office/drawing/2014/main" xmlns="" id="{4172C0E5-5AF0-4805-BB51-443733CD2BD5}"/>
+                <a16:creationId xmlns="" xmlns:a16="http://schemas.microsoft.com/office/drawing/2014/main" id="{4172C0E5-5AF0-4805-BB51-443733CD2BD5}"/>
               </a:ext>
             </a:extLst>
           </p:cNvPr>
@@ -7834,7 +7834,7 @@
           <p:cNvPr id="8" name="Espaço Reservado para Rodapé 7">
             <a:extLst>
               <a:ext uri="{FF2B5EF4-FFF2-40B4-BE49-F238E27FC236}">
-                <a16:creationId xmlns:a16="http://schemas.microsoft.com/office/drawing/2014/main" xmlns="" id="{0E801648-156F-497E-99CF-797DF48051E1}"/>
+                <a16:creationId xmlns="" xmlns:a16="http://schemas.microsoft.com/office/drawing/2014/main" id="{0E801648-156F-497E-99CF-797DF48051E1}"/>
               </a:ext>
             </a:extLst>
           </p:cNvPr>
@@ -7859,7 +7859,7 @@
           <p:cNvPr id="9" name="Espaço Reservado para Número de Slide 8">
             <a:extLst>
               <a:ext uri="{FF2B5EF4-FFF2-40B4-BE49-F238E27FC236}">
-                <a16:creationId xmlns:a16="http://schemas.microsoft.com/office/drawing/2014/main" xmlns="" id="{EEE23D32-80E7-4796-A137-66BF842E4B53}"/>
+                <a16:creationId xmlns="" xmlns:a16="http://schemas.microsoft.com/office/drawing/2014/main" id="{EEE23D32-80E7-4796-A137-66BF842E4B53}"/>
               </a:ext>
             </a:extLst>
           </p:cNvPr>
@@ -7918,7 +7918,7 @@
           <p:cNvPr id="2" name="Título 1">
             <a:extLst>
               <a:ext uri="{FF2B5EF4-FFF2-40B4-BE49-F238E27FC236}">
-                <a16:creationId xmlns:a16="http://schemas.microsoft.com/office/drawing/2014/main" xmlns="" id="{2BCE2379-C78F-47E1-8CFC-B846E7AF148D}"/>
+                <a16:creationId xmlns="" xmlns:a16="http://schemas.microsoft.com/office/drawing/2014/main" id="{2BCE2379-C78F-47E1-8CFC-B846E7AF148D}"/>
               </a:ext>
             </a:extLst>
           </p:cNvPr>
@@ -7946,7 +7946,7 @@
           <p:cNvPr id="3" name="Espaço Reservado para Data 2">
             <a:extLst>
               <a:ext uri="{FF2B5EF4-FFF2-40B4-BE49-F238E27FC236}">
-                <a16:creationId xmlns:a16="http://schemas.microsoft.com/office/drawing/2014/main" xmlns="" id="{342600A9-7F92-4E22-9D94-E4717252A817}"/>
+                <a16:creationId xmlns="" xmlns:a16="http://schemas.microsoft.com/office/drawing/2014/main" id="{342600A9-7F92-4E22-9D94-E4717252A817}"/>
               </a:ext>
             </a:extLst>
           </p:cNvPr>
@@ -7975,7 +7975,7 @@
           <p:cNvPr id="4" name="Espaço Reservado para Rodapé 3">
             <a:extLst>
               <a:ext uri="{FF2B5EF4-FFF2-40B4-BE49-F238E27FC236}">
-                <a16:creationId xmlns:a16="http://schemas.microsoft.com/office/drawing/2014/main" xmlns="" id="{192E6BED-F546-40CC-A2DF-99CBA853654E}"/>
+                <a16:creationId xmlns="" xmlns:a16="http://schemas.microsoft.com/office/drawing/2014/main" id="{192E6BED-F546-40CC-A2DF-99CBA853654E}"/>
               </a:ext>
             </a:extLst>
           </p:cNvPr>
@@ -8000,7 +8000,7 @@
           <p:cNvPr id="5" name="Espaço Reservado para Número de Slide 4">
             <a:extLst>
               <a:ext uri="{FF2B5EF4-FFF2-40B4-BE49-F238E27FC236}">
-                <a16:creationId xmlns:a16="http://schemas.microsoft.com/office/drawing/2014/main" xmlns="" id="{6091CC40-A8C4-4063-80EB-CC5099621678}"/>
+                <a16:creationId xmlns="" xmlns:a16="http://schemas.microsoft.com/office/drawing/2014/main" id="{6091CC40-A8C4-4063-80EB-CC5099621678}"/>
               </a:ext>
             </a:extLst>
           </p:cNvPr>
@@ -8059,7 +8059,7 @@
           <p:cNvPr id="2" name="Espaço Reservado para Data 1">
             <a:extLst>
               <a:ext uri="{FF2B5EF4-FFF2-40B4-BE49-F238E27FC236}">
-                <a16:creationId xmlns:a16="http://schemas.microsoft.com/office/drawing/2014/main" xmlns="" id="{DD19515C-212C-4EAE-84A3-8FF4BC844F1B}"/>
+                <a16:creationId xmlns="" xmlns:a16="http://schemas.microsoft.com/office/drawing/2014/main" id="{DD19515C-212C-4EAE-84A3-8FF4BC844F1B}"/>
               </a:ext>
             </a:extLst>
           </p:cNvPr>
@@ -8088,7 +8088,7 @@
           <p:cNvPr id="3" name="Espaço Reservado para Rodapé 2">
             <a:extLst>
               <a:ext uri="{FF2B5EF4-FFF2-40B4-BE49-F238E27FC236}">
-                <a16:creationId xmlns:a16="http://schemas.microsoft.com/office/drawing/2014/main" xmlns="" id="{94D3D120-B3E8-4C96-861D-7A4F12F49B3A}"/>
+                <a16:creationId xmlns="" xmlns:a16="http://schemas.microsoft.com/office/drawing/2014/main" id="{94D3D120-B3E8-4C96-861D-7A4F12F49B3A}"/>
               </a:ext>
             </a:extLst>
           </p:cNvPr>
@@ -8113,7 +8113,7 @@
           <p:cNvPr id="4" name="Espaço Reservado para Número de Slide 3">
             <a:extLst>
               <a:ext uri="{FF2B5EF4-FFF2-40B4-BE49-F238E27FC236}">
-                <a16:creationId xmlns:a16="http://schemas.microsoft.com/office/drawing/2014/main" xmlns="" id="{42E49B68-FA1B-468B-9F17-D5C09243D454}"/>
+                <a16:creationId xmlns="" xmlns:a16="http://schemas.microsoft.com/office/drawing/2014/main" id="{42E49B68-FA1B-468B-9F17-D5C09243D454}"/>
               </a:ext>
             </a:extLst>
           </p:cNvPr>
@@ -8172,7 +8172,7 @@
           <p:cNvPr id="2" name="Título 1">
             <a:extLst>
               <a:ext uri="{FF2B5EF4-FFF2-40B4-BE49-F238E27FC236}">
-                <a16:creationId xmlns:a16="http://schemas.microsoft.com/office/drawing/2014/main" xmlns="" id="{1C17BCBE-A897-4319-85EC-D87909C24980}"/>
+                <a16:creationId xmlns="" xmlns:a16="http://schemas.microsoft.com/office/drawing/2014/main" id="{1C17BCBE-A897-4319-85EC-D87909C24980}"/>
               </a:ext>
             </a:extLst>
           </p:cNvPr>
@@ -8209,7 +8209,7 @@
           <p:cNvPr id="3" name="Espaço Reservado para Conteúdo 2">
             <a:extLst>
               <a:ext uri="{FF2B5EF4-FFF2-40B4-BE49-F238E27FC236}">
-                <a16:creationId xmlns:a16="http://schemas.microsoft.com/office/drawing/2014/main" xmlns="" id="{4226F885-0204-4913-868B-4B8B82576F17}"/>
+                <a16:creationId xmlns="" xmlns:a16="http://schemas.microsoft.com/office/drawing/2014/main" id="{4226F885-0204-4913-868B-4B8B82576F17}"/>
               </a:ext>
             </a:extLst>
           </p:cNvPr>
@@ -8299,7 +8299,7 @@
           <p:cNvPr id="4" name="Espaço Reservado para Texto 3">
             <a:extLst>
               <a:ext uri="{FF2B5EF4-FFF2-40B4-BE49-F238E27FC236}">
-                <a16:creationId xmlns:a16="http://schemas.microsoft.com/office/drawing/2014/main" xmlns="" id="{00F9F784-A858-441B-8AB5-697098141751}"/>
+                <a16:creationId xmlns="" xmlns:a16="http://schemas.microsoft.com/office/drawing/2014/main" id="{00F9F784-A858-441B-8AB5-697098141751}"/>
               </a:ext>
             </a:extLst>
           </p:cNvPr>
@@ -8370,7 +8370,7 @@
           <p:cNvPr id="5" name="Espaço Reservado para Data 4">
             <a:extLst>
               <a:ext uri="{FF2B5EF4-FFF2-40B4-BE49-F238E27FC236}">
-                <a16:creationId xmlns:a16="http://schemas.microsoft.com/office/drawing/2014/main" xmlns="" id="{A4DC363A-5000-472E-8B17-02E7DCB8840A}"/>
+                <a16:creationId xmlns="" xmlns:a16="http://schemas.microsoft.com/office/drawing/2014/main" id="{A4DC363A-5000-472E-8B17-02E7DCB8840A}"/>
               </a:ext>
             </a:extLst>
           </p:cNvPr>
@@ -8399,7 +8399,7 @@
           <p:cNvPr id="6" name="Espaço Reservado para Rodapé 5">
             <a:extLst>
               <a:ext uri="{FF2B5EF4-FFF2-40B4-BE49-F238E27FC236}">
-                <a16:creationId xmlns:a16="http://schemas.microsoft.com/office/drawing/2014/main" xmlns="" id="{5548425D-2C21-4C56-BAD4-662978775C28}"/>
+                <a16:creationId xmlns="" xmlns:a16="http://schemas.microsoft.com/office/drawing/2014/main" id="{5548425D-2C21-4C56-BAD4-662978775C28}"/>
               </a:ext>
             </a:extLst>
           </p:cNvPr>
@@ -8424,7 +8424,7 @@
           <p:cNvPr id="7" name="Espaço Reservado para Número de Slide 6">
             <a:extLst>
               <a:ext uri="{FF2B5EF4-FFF2-40B4-BE49-F238E27FC236}">
-                <a16:creationId xmlns:a16="http://schemas.microsoft.com/office/drawing/2014/main" xmlns="" id="{C63E9726-E64C-42B2-AE8A-8C235A956B48}"/>
+                <a16:creationId xmlns="" xmlns:a16="http://schemas.microsoft.com/office/drawing/2014/main" id="{C63E9726-E64C-42B2-AE8A-8C235A956B48}"/>
               </a:ext>
             </a:extLst>
           </p:cNvPr>
@@ -8483,7 +8483,7 @@
           <p:cNvPr id="2" name="Título 1">
             <a:extLst>
               <a:ext uri="{FF2B5EF4-FFF2-40B4-BE49-F238E27FC236}">
-                <a16:creationId xmlns:a16="http://schemas.microsoft.com/office/drawing/2014/main" xmlns="" id="{11086A78-3E74-450C-96A6-CA8AC37AF772}"/>
+                <a16:creationId xmlns="" xmlns:a16="http://schemas.microsoft.com/office/drawing/2014/main" id="{11086A78-3E74-450C-96A6-CA8AC37AF772}"/>
               </a:ext>
             </a:extLst>
           </p:cNvPr>
@@ -8520,7 +8520,7 @@
           <p:cNvPr id="3" name="Espaço Reservado para Imagem 2">
             <a:extLst>
               <a:ext uri="{FF2B5EF4-FFF2-40B4-BE49-F238E27FC236}">
-                <a16:creationId xmlns:a16="http://schemas.microsoft.com/office/drawing/2014/main" xmlns="" id="{5F5B7312-975A-4DBC-9B2F-3652ADA006FD}"/>
+                <a16:creationId xmlns="" xmlns:a16="http://schemas.microsoft.com/office/drawing/2014/main" id="{5F5B7312-975A-4DBC-9B2F-3652ADA006FD}"/>
               </a:ext>
             </a:extLst>
           </p:cNvPr>
@@ -8587,7 +8587,7 @@
           <p:cNvPr id="4" name="Espaço Reservado para Texto 3">
             <a:extLst>
               <a:ext uri="{FF2B5EF4-FFF2-40B4-BE49-F238E27FC236}">
-                <a16:creationId xmlns:a16="http://schemas.microsoft.com/office/drawing/2014/main" xmlns="" id="{AAF805F5-1DFF-41C6-944C-7D79FE0D0963}"/>
+                <a16:creationId xmlns="" xmlns:a16="http://schemas.microsoft.com/office/drawing/2014/main" id="{AAF805F5-1DFF-41C6-944C-7D79FE0D0963}"/>
               </a:ext>
             </a:extLst>
           </p:cNvPr>
@@ -8658,7 +8658,7 @@
           <p:cNvPr id="5" name="Espaço Reservado para Data 4">
             <a:extLst>
               <a:ext uri="{FF2B5EF4-FFF2-40B4-BE49-F238E27FC236}">
-                <a16:creationId xmlns:a16="http://schemas.microsoft.com/office/drawing/2014/main" xmlns="" id="{02113D81-8665-4516-BD81-C6A1F254EECD}"/>
+                <a16:creationId xmlns="" xmlns:a16="http://schemas.microsoft.com/office/drawing/2014/main" id="{02113D81-8665-4516-BD81-C6A1F254EECD}"/>
               </a:ext>
             </a:extLst>
           </p:cNvPr>
@@ -8687,7 +8687,7 @@
           <p:cNvPr id="6" name="Espaço Reservado para Rodapé 5">
             <a:extLst>
               <a:ext uri="{FF2B5EF4-FFF2-40B4-BE49-F238E27FC236}">
-                <a16:creationId xmlns:a16="http://schemas.microsoft.com/office/drawing/2014/main" xmlns="" id="{2B00C88B-FF32-40AA-A187-727D96FD7862}"/>
+                <a16:creationId xmlns="" xmlns:a16="http://schemas.microsoft.com/office/drawing/2014/main" id="{2B00C88B-FF32-40AA-A187-727D96FD7862}"/>
               </a:ext>
             </a:extLst>
           </p:cNvPr>
@@ -8712,7 +8712,7 @@
           <p:cNvPr id="7" name="Espaço Reservado para Número de Slide 6">
             <a:extLst>
               <a:ext uri="{FF2B5EF4-FFF2-40B4-BE49-F238E27FC236}">
-                <a16:creationId xmlns:a16="http://schemas.microsoft.com/office/drawing/2014/main" xmlns="" id="{A04D1A2D-69F7-4B8F-A730-BC26DC340BA6}"/>
+                <a16:creationId xmlns="" xmlns:a16="http://schemas.microsoft.com/office/drawing/2014/main" id="{A04D1A2D-69F7-4B8F-A730-BC26DC340BA6}"/>
               </a:ext>
             </a:extLst>
           </p:cNvPr>
@@ -8776,7 +8776,7 @@
           <p:cNvPr id="2" name="Espaço Reservado para Título 1">
             <a:extLst>
               <a:ext uri="{FF2B5EF4-FFF2-40B4-BE49-F238E27FC236}">
-                <a16:creationId xmlns:a16="http://schemas.microsoft.com/office/drawing/2014/main" xmlns="" id="{E69A0273-1966-4A1B-9370-4C1CE5036371}"/>
+                <a16:creationId xmlns="" xmlns:a16="http://schemas.microsoft.com/office/drawing/2014/main" id="{E69A0273-1966-4A1B-9370-4C1CE5036371}"/>
               </a:ext>
             </a:extLst>
           </p:cNvPr>
@@ -8814,7 +8814,7 @@
           <p:cNvPr id="3" name="Espaço Reservado para Texto 2">
             <a:extLst>
               <a:ext uri="{FF2B5EF4-FFF2-40B4-BE49-F238E27FC236}">
-                <a16:creationId xmlns:a16="http://schemas.microsoft.com/office/drawing/2014/main" xmlns="" id="{3B9CF87A-0448-49A7-AB25-EBC1D56A40EF}"/>
+                <a16:creationId xmlns="" xmlns:a16="http://schemas.microsoft.com/office/drawing/2014/main" id="{3B9CF87A-0448-49A7-AB25-EBC1D56A40EF}"/>
               </a:ext>
             </a:extLst>
           </p:cNvPr>
@@ -8881,7 +8881,7 @@
           <p:cNvPr id="4" name="Espaço Reservado para Data 3">
             <a:extLst>
               <a:ext uri="{FF2B5EF4-FFF2-40B4-BE49-F238E27FC236}">
-                <a16:creationId xmlns:a16="http://schemas.microsoft.com/office/drawing/2014/main" xmlns="" id="{2EF7B1F2-BB5A-44D0-816D-16AD2C71430E}"/>
+                <a16:creationId xmlns="" xmlns:a16="http://schemas.microsoft.com/office/drawing/2014/main" id="{2EF7B1F2-BB5A-44D0-816D-16AD2C71430E}"/>
               </a:ext>
             </a:extLst>
           </p:cNvPr>
@@ -8928,7 +8928,7 @@
           <p:cNvPr id="5" name="Espaço Reservado para Rodapé 4">
             <a:extLst>
               <a:ext uri="{FF2B5EF4-FFF2-40B4-BE49-F238E27FC236}">
-                <a16:creationId xmlns:a16="http://schemas.microsoft.com/office/drawing/2014/main" xmlns="" id="{C703F94C-2CC8-4DAA-BC35-14FC3E841DCD}"/>
+                <a16:creationId xmlns="" xmlns:a16="http://schemas.microsoft.com/office/drawing/2014/main" id="{C703F94C-2CC8-4DAA-BC35-14FC3E841DCD}"/>
               </a:ext>
             </a:extLst>
           </p:cNvPr>
@@ -8971,7 +8971,7 @@
           <p:cNvPr id="6" name="Espaço Reservado para Número de Slide 5">
             <a:extLst>
               <a:ext uri="{FF2B5EF4-FFF2-40B4-BE49-F238E27FC236}">
-                <a16:creationId xmlns:a16="http://schemas.microsoft.com/office/drawing/2014/main" xmlns="" id="{64051336-7048-457A-8B61-D94291D71648}"/>
+                <a16:creationId xmlns="" xmlns:a16="http://schemas.microsoft.com/office/drawing/2014/main" id="{64051336-7048-457A-8B61-D94291D71648}"/>
               </a:ext>
             </a:extLst>
           </p:cNvPr>
@@ -9339,7 +9339,7 @@
           <p:cNvPr id="2" name="Título 1">
             <a:extLst>
               <a:ext uri="{FF2B5EF4-FFF2-40B4-BE49-F238E27FC236}">
-                <a16:creationId xmlns:a16="http://schemas.microsoft.com/office/drawing/2014/main" xmlns="" id="{32666AC8-2E17-4DB4-B0F5-60C640CCFD2E}"/>
+                <a16:creationId xmlns="" xmlns:a16="http://schemas.microsoft.com/office/drawing/2014/main" id="{32666AC8-2E17-4DB4-B0F5-60C640CCFD2E}"/>
               </a:ext>
             </a:extLst>
           </p:cNvPr>
@@ -9386,7 +9386,7 @@
           <p:cNvPr id="4" name="CaixaDeTexto 3">
             <a:extLst>
               <a:ext uri="{FF2B5EF4-FFF2-40B4-BE49-F238E27FC236}">
-                <a16:creationId xmlns:a16="http://schemas.microsoft.com/office/drawing/2014/main" xmlns="" id="{430EB894-B7D4-434C-9D1A-A14094D9BEEC}"/>
+                <a16:creationId xmlns="" xmlns:a16="http://schemas.microsoft.com/office/drawing/2014/main" id="{430EB894-B7D4-434C-9D1A-A14094D9BEEC}"/>
               </a:ext>
             </a:extLst>
           </p:cNvPr>
@@ -9427,7 +9427,7 @@
           <p:cNvPr id="1026" name="Picture 2" descr="Logo">
             <a:extLst>
               <a:ext uri="{FF2B5EF4-FFF2-40B4-BE49-F238E27FC236}">
-                <a16:creationId xmlns:a16="http://schemas.microsoft.com/office/drawing/2014/main" xmlns="" id="{3F2642E0-4F6A-4196-8F58-E77D36E9A33F}"/>
+                <a16:creationId xmlns="" xmlns:a16="http://schemas.microsoft.com/office/drawing/2014/main" id="{3F2642E0-4F6A-4196-8F58-E77D36E9A33F}"/>
               </a:ext>
             </a:extLst>
           </p:cNvPr>
@@ -9472,7 +9472,7 @@
           <p:cNvPr id="5122" name="Picture 2" descr="Image result for machine learning">
             <a:extLst>
               <a:ext uri="{FF2B5EF4-FFF2-40B4-BE49-F238E27FC236}">
-                <a16:creationId xmlns:a16="http://schemas.microsoft.com/office/drawing/2014/main" xmlns="" id="{810CE0A2-4102-44A6-A370-175E7896CDCB}"/>
+                <a16:creationId xmlns="" xmlns:a16="http://schemas.microsoft.com/office/drawing/2014/main" id="{810CE0A2-4102-44A6-A370-175E7896CDCB}"/>
               </a:ext>
             </a:extLst>
           </p:cNvPr>
@@ -9547,7 +9547,7 @@
           <p:cNvPr id="2" name="Título 1">
             <a:extLst>
               <a:ext uri="{FF2B5EF4-FFF2-40B4-BE49-F238E27FC236}">
-                <a16:creationId xmlns:a16="http://schemas.microsoft.com/office/drawing/2014/main" xmlns="" id="{FB5E40AD-63D4-4F2D-B72E-B9FAC596C094}"/>
+                <a16:creationId xmlns="" xmlns:a16="http://schemas.microsoft.com/office/drawing/2014/main" id="{FB5E40AD-63D4-4F2D-B72E-B9FAC596C094}"/>
               </a:ext>
             </a:extLst>
           </p:cNvPr>
@@ -9580,7 +9580,7 @@
           <p:cNvPr id="3" name="Espaço Reservado para Conteúdo 2">
             <a:extLst>
               <a:ext uri="{FF2B5EF4-FFF2-40B4-BE49-F238E27FC236}">
-                <a16:creationId xmlns:a16="http://schemas.microsoft.com/office/drawing/2014/main" xmlns="" id="{77711CBE-86B4-40EB-868C-65C504F92159}"/>
+                <a16:creationId xmlns="" xmlns:a16="http://schemas.microsoft.com/office/drawing/2014/main" id="{77711CBE-86B4-40EB-868C-65C504F92159}"/>
               </a:ext>
             </a:extLst>
           </p:cNvPr>
@@ -9756,7 +9756,7 @@
           <p:cNvPr id="6" name="Picture 2" descr="AI Enabled Systems">
             <a:extLst>
               <a:ext uri="{FF2B5EF4-FFF2-40B4-BE49-F238E27FC236}">
-                <a16:creationId xmlns:a16="http://schemas.microsoft.com/office/drawing/2014/main" xmlns="" id="{092A9583-5601-45C8-BA1B-716E4A8EF5E4}"/>
+                <a16:creationId xmlns="" xmlns:a16="http://schemas.microsoft.com/office/drawing/2014/main" id="{092A9583-5601-45C8-BA1B-716E4A8EF5E4}"/>
               </a:ext>
             </a:extLst>
           </p:cNvPr>
@@ -9803,7 +9803,7 @@
           <p:cNvPr id="2052" name="Picture 4" descr="Image result for aprendizado de máquina">
             <a:extLst>
               <a:ext uri="{FF2B5EF4-FFF2-40B4-BE49-F238E27FC236}">
-                <a16:creationId xmlns:a16="http://schemas.microsoft.com/office/drawing/2014/main" xmlns="" id="{4530CE78-625F-49E3-B829-A2E7FD1CE262}"/>
+                <a16:creationId xmlns="" xmlns:a16="http://schemas.microsoft.com/office/drawing/2014/main" id="{4530CE78-625F-49E3-B829-A2E7FD1CE262}"/>
               </a:ext>
             </a:extLst>
           </p:cNvPr>
@@ -9885,7 +9885,7 @@
           <p:cNvPr id="2" name="Título 1">
             <a:extLst>
               <a:ext uri="{FF2B5EF4-FFF2-40B4-BE49-F238E27FC236}">
-                <a16:creationId xmlns:a16="http://schemas.microsoft.com/office/drawing/2014/main" xmlns="" id="{495FF1AF-6B81-43EF-BE92-BCF1CDD14F74}"/>
+                <a16:creationId xmlns="" xmlns:a16="http://schemas.microsoft.com/office/drawing/2014/main" id="{495FF1AF-6B81-43EF-BE92-BCF1CDD14F74}"/>
               </a:ext>
             </a:extLst>
           </p:cNvPr>
@@ -9922,7 +9922,7 @@
           <p:cNvPr id="3" name="Espaço Reservado para Conteúdo 2">
             <a:extLst>
               <a:ext uri="{FF2B5EF4-FFF2-40B4-BE49-F238E27FC236}">
-                <a16:creationId xmlns:a16="http://schemas.microsoft.com/office/drawing/2014/main" xmlns="" id="{1DC35696-D7B6-4CDE-8C2A-EEC8E7C03603}"/>
+                <a16:creationId xmlns="" xmlns:a16="http://schemas.microsoft.com/office/drawing/2014/main" id="{1DC35696-D7B6-4CDE-8C2A-EEC8E7C03603}"/>
               </a:ext>
             </a:extLst>
           </p:cNvPr>
@@ -10095,7 +10095,7 @@
           <p:cNvPr id="5122" name="Picture 2" descr="https://www.oulu.fi/sites/default/files/11/machines%20_decide.jpg">
             <a:extLst>
               <a:ext uri="{FF2B5EF4-FFF2-40B4-BE49-F238E27FC236}">
-                <a16:creationId xmlns:a16="http://schemas.microsoft.com/office/drawing/2014/main" xmlns="" id="{6B8DD7A2-43EE-406C-8FF3-BC9A04CF3BD4}"/>
+                <a16:creationId xmlns="" xmlns:a16="http://schemas.microsoft.com/office/drawing/2014/main" id="{6B8DD7A2-43EE-406C-8FF3-BC9A04CF3BD4}"/>
               </a:ext>
             </a:extLst>
           </p:cNvPr>
@@ -10142,7 +10142,7 @@
           <p:cNvPr id="2050" name="Picture 2" descr="https://i.vas3k.ru/full/80c.jpg">
             <a:extLst>
               <a:ext uri="{FF2B5EF4-FFF2-40B4-BE49-F238E27FC236}">
-                <a16:creationId xmlns:a16="http://schemas.microsoft.com/office/drawing/2014/main" xmlns="" id="{034238ED-6058-4E7C-B5D5-B2771BDD3049}"/>
+                <a16:creationId xmlns="" xmlns:a16="http://schemas.microsoft.com/office/drawing/2014/main" id="{034238ED-6058-4E7C-B5D5-B2771BDD3049}"/>
               </a:ext>
             </a:extLst>
           </p:cNvPr>
@@ -10892,7 +10892,7 @@
           <p:cNvPr id="2" name="Título 1">
             <a:extLst>
               <a:ext uri="{FF2B5EF4-FFF2-40B4-BE49-F238E27FC236}">
-                <a16:creationId xmlns:a16="http://schemas.microsoft.com/office/drawing/2014/main" xmlns="" id="{784E2DCF-FDA9-4ABD-8E85-844A20C70ACB}"/>
+                <a16:creationId xmlns="" xmlns:a16="http://schemas.microsoft.com/office/drawing/2014/main" id="{784E2DCF-FDA9-4ABD-8E85-844A20C70ACB}"/>
               </a:ext>
             </a:extLst>
           </p:cNvPr>
@@ -10938,7 +10938,7 @@
           <p:cNvPr id="3" name="Espaço Reservado para Conteúdo 2">
             <a:extLst>
               <a:ext uri="{FF2B5EF4-FFF2-40B4-BE49-F238E27FC236}">
-                <a16:creationId xmlns:a16="http://schemas.microsoft.com/office/drawing/2014/main" xmlns="" id="{D1E156CA-EDE6-4AAA-95E9-0EE6CEBF17AD}"/>
+                <a16:creationId xmlns="" xmlns:a16="http://schemas.microsoft.com/office/drawing/2014/main" id="{D1E156CA-EDE6-4AAA-95E9-0EE6CEBF17AD}"/>
               </a:ext>
             </a:extLst>
           </p:cNvPr>
@@ -11092,7 +11092,7 @@
           <p:cNvPr id="4098" name="Picture 2" descr="Image result for tensorflow logo">
             <a:extLst>
               <a:ext uri="{FF2B5EF4-FFF2-40B4-BE49-F238E27FC236}">
-                <a16:creationId xmlns:a16="http://schemas.microsoft.com/office/drawing/2014/main" xmlns="" id="{B9A1D4E3-9D1C-4A3E-944D-BA941DCBD60B}"/>
+                <a16:creationId xmlns="" xmlns:a16="http://schemas.microsoft.com/office/drawing/2014/main" id="{B9A1D4E3-9D1C-4A3E-944D-BA941DCBD60B}"/>
               </a:ext>
             </a:extLst>
           </p:cNvPr>
@@ -11139,7 +11139,7 @@
           <p:cNvPr id="4100" name="Picture 4" descr="Image result for pytorch logo">
             <a:extLst>
               <a:ext uri="{FF2B5EF4-FFF2-40B4-BE49-F238E27FC236}">
-                <a16:creationId xmlns:a16="http://schemas.microsoft.com/office/drawing/2014/main" xmlns="" id="{6A0D8B6B-9A8B-4981-B678-86257C33AF3C}"/>
+                <a16:creationId xmlns="" xmlns:a16="http://schemas.microsoft.com/office/drawing/2014/main" id="{6A0D8B6B-9A8B-4981-B678-86257C33AF3C}"/>
               </a:ext>
             </a:extLst>
           </p:cNvPr>
@@ -11186,7 +11186,7 @@
           <p:cNvPr id="4102" name="Picture 6" descr="Image result for scikit learn logo">
             <a:extLst>
               <a:ext uri="{FF2B5EF4-FFF2-40B4-BE49-F238E27FC236}">
-                <a16:creationId xmlns:a16="http://schemas.microsoft.com/office/drawing/2014/main" xmlns="" id="{87129D40-D136-4716-8871-12CAEC603994}"/>
+                <a16:creationId xmlns="" xmlns:a16="http://schemas.microsoft.com/office/drawing/2014/main" id="{87129D40-D136-4716-8871-12CAEC603994}"/>
               </a:ext>
             </a:extLst>
           </p:cNvPr>
@@ -11233,7 +11233,7 @@
           <p:cNvPr id="4104" name="Picture 8" descr="Image result for keras logo">
             <a:extLst>
               <a:ext uri="{FF2B5EF4-FFF2-40B4-BE49-F238E27FC236}">
-                <a16:creationId xmlns:a16="http://schemas.microsoft.com/office/drawing/2014/main" xmlns="" id="{33CCF501-0E9C-4C8C-BFCC-713767570EF0}"/>
+                <a16:creationId xmlns="" xmlns:a16="http://schemas.microsoft.com/office/drawing/2014/main" id="{33CCF501-0E9C-4C8C-BFCC-713767570EF0}"/>
               </a:ext>
             </a:extLst>
           </p:cNvPr>
@@ -11280,7 +11280,7 @@
           <p:cNvPr id="4106" name="Picture 10" descr="Image result for theano logo">
             <a:extLst>
               <a:ext uri="{FF2B5EF4-FFF2-40B4-BE49-F238E27FC236}">
-                <a16:creationId xmlns:a16="http://schemas.microsoft.com/office/drawing/2014/main" xmlns="" id="{579B04DE-B2DC-4ED7-AA9D-5AAA9580572E}"/>
+                <a16:creationId xmlns="" xmlns:a16="http://schemas.microsoft.com/office/drawing/2014/main" id="{579B04DE-B2DC-4ED7-AA9D-5AAA9580572E}"/>
               </a:ext>
             </a:extLst>
           </p:cNvPr>
@@ -11327,7 +11327,7 @@
           <p:cNvPr id="4108" name="Picture 12" descr="Image result for pandas data mining logo">
             <a:extLst>
               <a:ext uri="{FF2B5EF4-FFF2-40B4-BE49-F238E27FC236}">
-                <a16:creationId xmlns:a16="http://schemas.microsoft.com/office/drawing/2014/main" xmlns="" id="{A9345AF3-EF63-4F70-A5B2-8F8ED0E283FD}"/>
+                <a16:creationId xmlns="" xmlns:a16="http://schemas.microsoft.com/office/drawing/2014/main" id="{A9345AF3-EF63-4F70-A5B2-8F8ED0E283FD}"/>
               </a:ext>
             </a:extLst>
           </p:cNvPr>
@@ -11404,7 +11404,7 @@
           <p:cNvPr id="2" name="Título 1">
             <a:extLst>
               <a:ext uri="{FF2B5EF4-FFF2-40B4-BE49-F238E27FC236}">
-                <a16:creationId xmlns:a16="http://schemas.microsoft.com/office/drawing/2014/main" xmlns="" id="{220079F9-71B9-4466-B35D-68523A745D24}"/>
+                <a16:creationId xmlns="" xmlns:a16="http://schemas.microsoft.com/office/drawing/2014/main" id="{220079F9-71B9-4466-B35D-68523A745D24}"/>
               </a:ext>
             </a:extLst>
           </p:cNvPr>
@@ -11437,7 +11437,7 @@
           <p:cNvPr id="3" name="Espaço Reservado para Conteúdo 2">
             <a:extLst>
               <a:ext uri="{FF2B5EF4-FFF2-40B4-BE49-F238E27FC236}">
-                <a16:creationId xmlns:a16="http://schemas.microsoft.com/office/drawing/2014/main" xmlns="" id="{5BA8D271-087B-414B-ABC6-D7C5E7367E33}"/>
+                <a16:creationId xmlns="" xmlns:a16="http://schemas.microsoft.com/office/drawing/2014/main" id="{5BA8D271-087B-414B-ABC6-D7C5E7367E33}"/>
               </a:ext>
             </a:extLst>
           </p:cNvPr>
@@ -11519,7 +11519,7 @@
           <p:cNvPr id="3074" name="Picture 2" descr="Image result for machine learning">
             <a:extLst>
               <a:ext uri="{FF2B5EF4-FFF2-40B4-BE49-F238E27FC236}">
-                <a16:creationId xmlns:a16="http://schemas.microsoft.com/office/drawing/2014/main" xmlns="" id="{0F1D94CB-2EF0-4960-BC00-8889565E93D1}"/>
+                <a16:creationId xmlns="" xmlns:a16="http://schemas.microsoft.com/office/drawing/2014/main" id="{0F1D94CB-2EF0-4960-BC00-8889565E93D1}"/>
               </a:ext>
             </a:extLst>
           </p:cNvPr>
@@ -11603,7 +11603,7 @@
           <p:cNvPr id="2" name="Título 1">
             <a:extLst>
               <a:ext uri="{FF2B5EF4-FFF2-40B4-BE49-F238E27FC236}">
-                <a16:creationId xmlns:a16="http://schemas.microsoft.com/office/drawing/2014/main" xmlns="" id="{1F3CD54D-41DC-4133-94C4-3D55FAE4E35C}"/>
+                <a16:creationId xmlns="" xmlns:a16="http://schemas.microsoft.com/office/drawing/2014/main" id="{1F3CD54D-41DC-4133-94C4-3D55FAE4E35C}"/>
               </a:ext>
             </a:extLst>
           </p:cNvPr>
@@ -11636,7 +11636,7 @@
           <p:cNvPr id="1028" name="Picture 4" descr="Image result for supervised learning">
             <a:extLst>
               <a:ext uri="{FF2B5EF4-FFF2-40B4-BE49-F238E27FC236}">
-                <a16:creationId xmlns:a16="http://schemas.microsoft.com/office/drawing/2014/main" xmlns="" id="{2520F4EA-1E3E-4F3B-97C0-DF47861DCD42}"/>
+                <a16:creationId xmlns="" xmlns:a16="http://schemas.microsoft.com/office/drawing/2014/main" id="{2520F4EA-1E3E-4F3B-97C0-DF47861DCD42}"/>
               </a:ext>
             </a:extLst>
           </p:cNvPr>
@@ -11683,7 +11683,7 @@
           <p:cNvPr id="1030" name="Picture 6" descr="https://miro.medium.com/max/552/1*jxtW98_gbItw728vFB-0HA.png">
             <a:extLst>
               <a:ext uri="{FF2B5EF4-FFF2-40B4-BE49-F238E27FC236}">
-                <a16:creationId xmlns:a16="http://schemas.microsoft.com/office/drawing/2014/main" xmlns="" id="{9E902420-A711-4761-85CD-304C79D0C453}"/>
+                <a16:creationId xmlns="" xmlns:a16="http://schemas.microsoft.com/office/drawing/2014/main" id="{9E902420-A711-4761-85CD-304C79D0C453}"/>
               </a:ext>
             </a:extLst>
           </p:cNvPr>
@@ -11728,7 +11728,7 @@
           <p:cNvPr id="1032" name="Picture 8" descr="Image result for classification supervised learning">
             <a:extLst>
               <a:ext uri="{FF2B5EF4-FFF2-40B4-BE49-F238E27FC236}">
-                <a16:creationId xmlns:a16="http://schemas.microsoft.com/office/drawing/2014/main" xmlns="" id="{E760E9A0-55F1-4D37-8AA3-36758861E0A2}"/>
+                <a16:creationId xmlns="" xmlns:a16="http://schemas.microsoft.com/office/drawing/2014/main" id="{E760E9A0-55F1-4D37-8AA3-36758861E0A2}"/>
               </a:ext>
             </a:extLst>
           </p:cNvPr>
@@ -11777,7 +11777,7 @@
               <p:cNvPr id="3" name="Espaço Reservado para Conteúdo 2">
                 <a:extLst>
                   <a:ext uri="{FF2B5EF4-FFF2-40B4-BE49-F238E27FC236}">
-                    <a16:creationId xmlns:a16="http://schemas.microsoft.com/office/drawing/2014/main" xmlns="" id="{979D29AC-E01B-406F-AC75-55866B75A7CC}"/>
+                    <a16:creationId xmlns="" xmlns:a16="http://schemas.microsoft.com/office/drawing/2014/main" id="{979D29AC-E01B-406F-AC75-55866B75A7CC}"/>
                   </a:ext>
                 </a:extLst>
               </p:cNvPr>
@@ -12259,7 +12259,7 @@
           <p:cNvPr id="2" name="Título 1">
             <a:extLst>
               <a:ext uri="{FF2B5EF4-FFF2-40B4-BE49-F238E27FC236}">
-                <a16:creationId xmlns:a16="http://schemas.microsoft.com/office/drawing/2014/main" xmlns="" id="{CE99E848-1AFD-48E3-BD45-EA959AA414F5}"/>
+                <a16:creationId xmlns="" xmlns:a16="http://schemas.microsoft.com/office/drawing/2014/main" id="{CE99E848-1AFD-48E3-BD45-EA959AA414F5}"/>
               </a:ext>
             </a:extLst>
           </p:cNvPr>
@@ -12292,7 +12292,7 @@
           <p:cNvPr id="3" name="Espaço Reservado para Conteúdo 2">
             <a:extLst>
               <a:ext uri="{FF2B5EF4-FFF2-40B4-BE49-F238E27FC236}">
-                <a16:creationId xmlns:a16="http://schemas.microsoft.com/office/drawing/2014/main" xmlns="" id="{79FFA3EA-68FD-404F-984C-E8FFF3827C6D}"/>
+                <a16:creationId xmlns="" xmlns:a16="http://schemas.microsoft.com/office/drawing/2014/main" id="{79FFA3EA-68FD-404F-984C-E8FFF3827C6D}"/>
               </a:ext>
             </a:extLst>
           </p:cNvPr>
@@ -12706,7 +12706,7 @@
           <p:cNvPr id="2" name="Título 1">
             <a:extLst>
               <a:ext uri="{FF2B5EF4-FFF2-40B4-BE49-F238E27FC236}">
-                <a16:creationId xmlns:a16="http://schemas.microsoft.com/office/drawing/2014/main" xmlns="" id="{6CB39B9C-599D-4DED-8180-FA8AD66BB117}"/>
+                <a16:creationId xmlns="" xmlns:a16="http://schemas.microsoft.com/office/drawing/2014/main" id="{6CB39B9C-599D-4DED-8180-FA8AD66BB117}"/>
               </a:ext>
             </a:extLst>
           </p:cNvPr>
@@ -12741,7 +12741,7 @@
               <p:cNvPr id="3" name="Espaço Reservado para Conteúdo 2">
                 <a:extLst>
                   <a:ext uri="{FF2B5EF4-FFF2-40B4-BE49-F238E27FC236}">
-                    <a16:creationId xmlns:a16="http://schemas.microsoft.com/office/drawing/2014/main" xmlns="" id="{5E0262E2-3A0F-4805-BCCB-6745237D1574}"/>
+                    <a16:creationId xmlns="" xmlns:a16="http://schemas.microsoft.com/office/drawing/2014/main" id="{5E0262E2-3A0F-4805-BCCB-6745237D1574}"/>
                   </a:ext>
                 </a:extLst>
               </p:cNvPr>
@@ -12966,7 +12966,7 @@
           <p:cNvPr id="3074" name="Picture 2" descr="https://www.ecloudvalley.com/wp-content/uploads/2019/09/Unsupervised-learning.png">
             <a:extLst>
               <a:ext uri="{FF2B5EF4-FFF2-40B4-BE49-F238E27FC236}">
-                <a16:creationId xmlns:a16="http://schemas.microsoft.com/office/drawing/2014/main" xmlns="" id="{E1E9C2D9-93F7-4EA6-9C7E-D658C2452746}"/>
+                <a16:creationId xmlns="" xmlns:a16="http://schemas.microsoft.com/office/drawing/2014/main" id="{E1E9C2D9-93F7-4EA6-9C7E-D658C2452746}"/>
               </a:ext>
             </a:extLst>
           </p:cNvPr>
@@ -13011,7 +13011,7 @@
           <p:cNvPr id="1028" name="Picture 4" descr="https://slideplayer.com/slide/13055479/79/images/6/Data+Compression+Reduce+data+from+3D+to+2D+Andrew+Ng.jpg">
             <a:extLst>
               <a:ext uri="{FF2B5EF4-FFF2-40B4-BE49-F238E27FC236}">
-                <a16:creationId xmlns:a16="http://schemas.microsoft.com/office/drawing/2014/main" xmlns="" id="{F20F10B0-B790-4630-9FD0-F82B2B0DFAD5}"/>
+                <a16:creationId xmlns="" xmlns:a16="http://schemas.microsoft.com/office/drawing/2014/main" id="{F20F10B0-B790-4630-9FD0-F82B2B0DFAD5}"/>
               </a:ext>
             </a:extLst>
           </p:cNvPr>
@@ -13056,7 +13056,7 @@
           <p:cNvPr id="1030" name="Picture 6" descr="Image result for outlier ">
             <a:extLst>
               <a:ext uri="{FF2B5EF4-FFF2-40B4-BE49-F238E27FC236}">
-                <a16:creationId xmlns:a16="http://schemas.microsoft.com/office/drawing/2014/main" xmlns="" id="{5E7788A9-1556-48E2-A68C-C98CBCD57CE7}"/>
+                <a16:creationId xmlns="" xmlns:a16="http://schemas.microsoft.com/office/drawing/2014/main" id="{5E7788A9-1556-48E2-A68C-C98CBCD57CE7}"/>
               </a:ext>
             </a:extLst>
           </p:cNvPr>
@@ -13101,7 +13101,7 @@
           <p:cNvPr id="1032" name="Picture 8" descr="http://users.telenet.be/martialluyts/img/basket.jpg">
             <a:extLst>
               <a:ext uri="{FF2B5EF4-FFF2-40B4-BE49-F238E27FC236}">
-                <a16:creationId xmlns:a16="http://schemas.microsoft.com/office/drawing/2014/main" xmlns="" id="{91C7F0A4-66BC-4E4C-B7C9-061F60727247}"/>
+                <a16:creationId xmlns="" xmlns:a16="http://schemas.microsoft.com/office/drawing/2014/main" id="{91C7F0A4-66BC-4E4C-B7C9-061F60727247}"/>
               </a:ext>
             </a:extLst>
           </p:cNvPr>
@@ -13301,7 +13301,7 @@
           <p:cNvPr id="2" name="Título 1">
             <a:extLst>
               <a:ext uri="{FF2B5EF4-FFF2-40B4-BE49-F238E27FC236}">
-                <a16:creationId xmlns:a16="http://schemas.microsoft.com/office/drawing/2014/main" xmlns="" id="{CE99E848-1AFD-48E3-BD45-EA959AA414F5}"/>
+                <a16:creationId xmlns="" xmlns:a16="http://schemas.microsoft.com/office/drawing/2014/main" id="{CE99E848-1AFD-48E3-BD45-EA959AA414F5}"/>
               </a:ext>
             </a:extLst>
           </p:cNvPr>
@@ -13329,7 +13329,7 @@
           <p:cNvPr id="3" name="Espaço Reservado para Conteúdo 2">
             <a:extLst>
               <a:ext uri="{FF2B5EF4-FFF2-40B4-BE49-F238E27FC236}">
-                <a16:creationId xmlns:a16="http://schemas.microsoft.com/office/drawing/2014/main" xmlns="" id="{79FFA3EA-68FD-404F-984C-E8FFF3827C6D}"/>
+                <a16:creationId xmlns="" xmlns:a16="http://schemas.microsoft.com/office/drawing/2014/main" id="{79FFA3EA-68FD-404F-984C-E8FFF3827C6D}"/>
               </a:ext>
             </a:extLst>
           </p:cNvPr>
@@ -13576,7 +13576,7 @@
           <p:cNvPr id="2" name="Título 1">
             <a:extLst>
               <a:ext uri="{FF2B5EF4-FFF2-40B4-BE49-F238E27FC236}">
-                <a16:creationId xmlns="" xmlns:a16="http://schemas.microsoft.com/office/drawing/2014/main" id="{E8C072B4-08DC-4EC3-807C-FF1F20479966}"/>
+                <a16:creationId xmlns:a16="http://schemas.microsoft.com/office/drawing/2014/main" xmlns="" id="{E8C072B4-08DC-4EC3-807C-FF1F20479966}"/>
               </a:ext>
             </a:extLst>
           </p:cNvPr>
@@ -13609,7 +13609,7 @@
           <p:cNvPr id="3" name="Espaço Reservado para Conteúdo 2">
             <a:extLst>
               <a:ext uri="{FF2B5EF4-FFF2-40B4-BE49-F238E27FC236}">
-                <a16:creationId xmlns="" xmlns:a16="http://schemas.microsoft.com/office/drawing/2014/main" id="{95B7F092-8157-4160-92C8-7BB3445DAFEA}"/>
+                <a16:creationId xmlns:a16="http://schemas.microsoft.com/office/drawing/2014/main" xmlns="" id="{95B7F092-8157-4160-92C8-7BB3445DAFEA}"/>
               </a:ext>
             </a:extLst>
           </p:cNvPr>
@@ -14089,7 +14089,7 @@
           <p:cNvPr id="2" name="Título 1">
             <a:extLst>
               <a:ext uri="{FF2B5EF4-FFF2-40B4-BE49-F238E27FC236}">
-                <a16:creationId xmlns:a16="http://schemas.microsoft.com/office/drawing/2014/main" xmlns="" id="{646F6830-B3DF-4F50-823F-7E36C43380D1}"/>
+                <a16:creationId xmlns="" xmlns:a16="http://schemas.microsoft.com/office/drawing/2014/main" id="{646F6830-B3DF-4F50-823F-7E36C43380D1}"/>
               </a:ext>
             </a:extLst>
           </p:cNvPr>
@@ -14122,7 +14122,7 @@
           <p:cNvPr id="3" name="Espaço Reservado para Conteúdo 2">
             <a:extLst>
               <a:ext uri="{FF2B5EF4-FFF2-40B4-BE49-F238E27FC236}">
-                <a16:creationId xmlns:a16="http://schemas.microsoft.com/office/drawing/2014/main" xmlns="" xmlns:a14="http://schemas.microsoft.com/office/drawing/2010/main" xmlns:mc="http://schemas.openxmlformats.org/markup-compatibility/2006" id="{071E0B55-13FE-4ADE-80F7-AFEDEF27C875}"/>
+                <a16:creationId xmlns:mc="http://schemas.openxmlformats.org/markup-compatibility/2006" xmlns:a14="http://schemas.microsoft.com/office/drawing/2010/main" xmlns="" xmlns:a16="http://schemas.microsoft.com/office/drawing/2014/main" id="{071E0B55-13FE-4ADE-80F7-AFEDEF27C875}"/>
               </a:ext>
             </a:extLst>
           </p:cNvPr>
@@ -20144,7 +20144,7 @@
           <p:cNvPr id="4" name="Título 1">
             <a:extLst>
               <a:ext uri="{FF2B5EF4-FFF2-40B4-BE49-F238E27FC236}">
-                <a16:creationId xmlns:a16="http://schemas.microsoft.com/office/drawing/2014/main" xmlns="" id="{32666AC8-2E17-4DB4-B0F5-60C640CCFD2E}"/>
+                <a16:creationId xmlns="" xmlns:a16="http://schemas.microsoft.com/office/drawing/2014/main" id="{32666AC8-2E17-4DB4-B0F5-60C640CCFD2E}"/>
               </a:ext>
             </a:extLst>
           </p:cNvPr>
@@ -25319,7 +25319,7 @@
           <p:cNvPr id="2" name="Título 1">
             <a:extLst>
               <a:ext uri="{FF2B5EF4-FFF2-40B4-BE49-F238E27FC236}">
-                <a16:creationId xmlns:a16="http://schemas.microsoft.com/office/drawing/2014/main" xmlns="" id="{A2A4684C-1159-4F88-A2B1-6BABEDE38C4D}"/>
+                <a16:creationId xmlns="" xmlns:a16="http://schemas.microsoft.com/office/drawing/2014/main" id="{A2A4684C-1159-4F88-A2B1-6BABEDE38C4D}"/>
               </a:ext>
             </a:extLst>
           </p:cNvPr>
@@ -25347,7 +25347,7 @@
           <p:cNvPr id="3" name="Espaço Reservado para Conteúdo 2">
             <a:extLst>
               <a:ext uri="{FF2B5EF4-FFF2-40B4-BE49-F238E27FC236}">
-                <a16:creationId xmlns:a16="http://schemas.microsoft.com/office/drawing/2014/main" xmlns="" id="{EC432B31-D382-41FF-BB6B-2ABDD322424B}"/>
+                <a16:creationId xmlns="" xmlns:a16="http://schemas.microsoft.com/office/drawing/2014/main" id="{EC432B31-D382-41FF-BB6B-2ABDD322424B}"/>
               </a:ext>
             </a:extLst>
           </p:cNvPr>
@@ -25906,11 +25906,7 @@
             </a:r>
             <a:r>
               <a:rPr lang="pt-BR" dirty="0" smtClean="0"/>
-              <a:t>” </a:t>
-            </a:r>
-            <a:r>
-              <a:rPr lang="pt-BR" dirty="0" smtClean="0"/>
-              <a:t>que se encontra no MS Teams.</a:t>
+              <a:t>” que se encontra no MS Teams.</a:t>
             </a:r>
           </a:p>
           <a:p>
@@ -26008,7 +26004,7 @@
           <p:cNvPr id="4" name="Título 1">
             <a:extLst>
               <a:ext uri="{FF2B5EF4-FFF2-40B4-BE49-F238E27FC236}">
-                <a16:creationId xmlns:a16="http://schemas.microsoft.com/office/drawing/2014/main" xmlns="" id="{32666AC8-2E17-4DB4-B0F5-60C640CCFD2E}"/>
+                <a16:creationId xmlns="" xmlns:a16="http://schemas.microsoft.com/office/drawing/2014/main" id="{32666AC8-2E17-4DB4-B0F5-60C640CCFD2E}"/>
               </a:ext>
             </a:extLst>
           </p:cNvPr>
@@ -26196,7 +26192,7 @@
           <p:cNvPr id="2" name="Título 1">
             <a:extLst>
               <a:ext uri="{FF2B5EF4-FFF2-40B4-BE49-F238E27FC236}">
-                <a16:creationId xmlns:a16="http://schemas.microsoft.com/office/drawing/2014/main" xmlns="" id="{C4F48192-B348-4C3E-8621-D3755D2230F8}"/>
+                <a16:creationId xmlns="" xmlns:a16="http://schemas.microsoft.com/office/drawing/2014/main" id="{C4F48192-B348-4C3E-8621-D3755D2230F8}"/>
               </a:ext>
             </a:extLst>
           </p:cNvPr>
@@ -26233,7 +26229,7 @@
           <p:cNvPr id="3" name="Espaço Reservado para Conteúdo 2">
             <a:extLst>
               <a:ext uri="{FF2B5EF4-FFF2-40B4-BE49-F238E27FC236}">
-                <a16:creationId xmlns:a16="http://schemas.microsoft.com/office/drawing/2014/main" xmlns="" id="{E3DECB90-AFD9-4AC6-A356-C93A7442A6E6}"/>
+                <a16:creationId xmlns="" xmlns:a16="http://schemas.microsoft.com/office/drawing/2014/main" id="{E3DECB90-AFD9-4AC6-A356-C93A7442A6E6}"/>
               </a:ext>
             </a:extLst>
           </p:cNvPr>
@@ -26387,7 +26383,7 @@
           <p:cNvPr id="3074" name="Picture 2" descr="Image result for machine learning">
             <a:extLst>
               <a:ext uri="{FF2B5EF4-FFF2-40B4-BE49-F238E27FC236}">
-                <a16:creationId xmlns:a16="http://schemas.microsoft.com/office/drawing/2014/main" xmlns="" id="{78A93243-9634-4B0E-B1B2-37A218EAEADD}"/>
+                <a16:creationId xmlns="" xmlns:a16="http://schemas.microsoft.com/office/drawing/2014/main" id="{78A93243-9634-4B0E-B1B2-37A218EAEADD}"/>
               </a:ext>
             </a:extLst>
           </p:cNvPr>
@@ -26505,7 +26501,7 @@
           <p:cNvPr id="4" name="Agrupar 9">
             <a:extLst>
               <a:ext uri="{FF2B5EF4-FFF2-40B4-BE49-F238E27FC236}">
-                <a16:creationId xmlns:a16="http://schemas.microsoft.com/office/drawing/2014/main" xmlns="" id="{0B96ABED-DB41-410B-A604-C06F86EA7584}"/>
+                <a16:creationId xmlns="" xmlns:a16="http://schemas.microsoft.com/office/drawing/2014/main" id="{0B96ABED-DB41-410B-A604-C06F86EA7584}"/>
               </a:ext>
             </a:extLst>
           </p:cNvPr>
@@ -26525,7 +26521,7 @@
             <p:cNvPr id="5" name="Elipse 3">
               <a:extLst>
                 <a:ext uri="{FF2B5EF4-FFF2-40B4-BE49-F238E27FC236}">
-                  <a16:creationId xmlns:a16="http://schemas.microsoft.com/office/drawing/2014/main" xmlns="" id="{78EA9474-9E04-44C4-9E19-67FD40FBA058}"/>
+                  <a16:creationId xmlns="" xmlns:a16="http://schemas.microsoft.com/office/drawing/2014/main" id="{78EA9474-9E04-44C4-9E19-67FD40FBA058}"/>
                 </a:ext>
               </a:extLst>
             </p:cNvPr>
@@ -26582,7 +26578,7 @@
             <p:cNvPr id="6" name="Elipse 4">
               <a:extLst>
                 <a:ext uri="{FF2B5EF4-FFF2-40B4-BE49-F238E27FC236}">
-                  <a16:creationId xmlns:a16="http://schemas.microsoft.com/office/drawing/2014/main" xmlns="" id="{DA23CE7C-64D2-4FF1-83C3-4920F0AD635C}"/>
+                  <a16:creationId xmlns="" xmlns:a16="http://schemas.microsoft.com/office/drawing/2014/main" id="{DA23CE7C-64D2-4FF1-83C3-4920F0AD635C}"/>
                 </a:ext>
               </a:extLst>
             </p:cNvPr>
@@ -26640,7 +26636,7 @@
             <p:cNvPr id="7" name="Elipse 5">
               <a:extLst>
                 <a:ext uri="{FF2B5EF4-FFF2-40B4-BE49-F238E27FC236}">
-                  <a16:creationId xmlns:a16="http://schemas.microsoft.com/office/drawing/2014/main" xmlns="" id="{BDF2AACA-BD34-40AD-9FDE-4F93EBB4342D}"/>
+                  <a16:creationId xmlns="" xmlns:a16="http://schemas.microsoft.com/office/drawing/2014/main" id="{BDF2AACA-BD34-40AD-9FDE-4F93EBB4342D}"/>
                 </a:ext>
               </a:extLst>
             </p:cNvPr>
@@ -26698,7 +26694,7 @@
             <p:cNvPr id="8" name="CaixaDeTexto 10">
               <a:extLst>
                 <a:ext uri="{FF2B5EF4-FFF2-40B4-BE49-F238E27FC236}">
-                  <a16:creationId xmlns:a16="http://schemas.microsoft.com/office/drawing/2014/main" xmlns="" id="{51F63BB8-6AA0-41B8-AF42-7EF062B069A1}"/>
+                  <a16:creationId xmlns="" xmlns:a16="http://schemas.microsoft.com/office/drawing/2014/main" id="{51F63BB8-6AA0-41B8-AF42-7EF062B069A1}"/>
                 </a:ext>
               </a:extLst>
             </p:cNvPr>
@@ -26749,7 +26745,7 @@
             <p:cNvPr id="9" name="CaixaDeTexto 11">
               <a:extLst>
                 <a:ext uri="{FF2B5EF4-FFF2-40B4-BE49-F238E27FC236}">
-                  <a16:creationId xmlns:a16="http://schemas.microsoft.com/office/drawing/2014/main" xmlns="" id="{DFD039E3-20CE-44F5-92EF-195036537592}"/>
+                  <a16:creationId xmlns="" xmlns:a16="http://schemas.microsoft.com/office/drawing/2014/main" id="{DFD039E3-20CE-44F5-92EF-195036537592}"/>
                 </a:ext>
               </a:extLst>
             </p:cNvPr>
@@ -26800,7 +26796,7 @@
             <p:cNvPr id="10" name="CaixaDeTexto 12">
               <a:extLst>
                 <a:ext uri="{FF2B5EF4-FFF2-40B4-BE49-F238E27FC236}">
-                  <a16:creationId xmlns:a16="http://schemas.microsoft.com/office/drawing/2014/main" xmlns="" id="{2BA92F8A-1455-40AE-B18C-EA6C3DE256D6}"/>
+                  <a16:creationId xmlns="" xmlns:a16="http://schemas.microsoft.com/office/drawing/2014/main" id="{2BA92F8A-1455-40AE-B18C-EA6C3DE256D6}"/>
                 </a:ext>
               </a:extLst>
             </p:cNvPr>
@@ -27930,11 +27926,7 @@
             </a:r>
             <a:r>
               <a:rPr lang="pt-BR" dirty="0" smtClean="0"/>
-              <a:t>valendo </a:t>
-            </a:r>
-            <a:r>
-              <a:rPr lang="pt-BR" dirty="0" smtClean="0"/>
-              <a:t>15% da nota.</a:t>
+              <a:t>valendo 15% da nota.</a:t>
             </a:r>
           </a:p>
           <a:p>
@@ -28090,7 +28082,7 @@
           <p:cNvPr id="2" name="Título 1">
             <a:extLst>
               <a:ext uri="{FF2B5EF4-FFF2-40B4-BE49-F238E27FC236}">
-                <a16:creationId xmlns:a16="http://schemas.microsoft.com/office/drawing/2014/main" xmlns="" id="{323B9288-93D4-4CC5-BE00-B2E741C4A62E}"/>
+                <a16:creationId xmlns="" xmlns:a16="http://schemas.microsoft.com/office/drawing/2014/main" id="{323B9288-93D4-4CC5-BE00-B2E741C4A62E}"/>
               </a:ext>
             </a:extLst>
           </p:cNvPr>
@@ -28118,7 +28110,7 @@
           <p:cNvPr id="3" name="Espaço Reservado para Conteúdo 2">
             <a:extLst>
               <a:ext uri="{FF2B5EF4-FFF2-40B4-BE49-F238E27FC236}">
-                <a16:creationId xmlns:a16="http://schemas.microsoft.com/office/drawing/2014/main" xmlns="" id="{C04549A7-FF67-48B8-B0EE-75CF43A83803}"/>
+                <a16:creationId xmlns="" xmlns:a16="http://schemas.microsoft.com/office/drawing/2014/main" id="{C04549A7-FF67-48B8-B0EE-75CF43A83803}"/>
               </a:ext>
             </a:extLst>
           </p:cNvPr>
@@ -28200,7 +28192,7 @@
           <p:cNvPr id="2050" name="Picture 2" descr="Image result for facebook">
             <a:extLst>
               <a:ext uri="{FF2B5EF4-FFF2-40B4-BE49-F238E27FC236}">
-                <a16:creationId xmlns:a16="http://schemas.microsoft.com/office/drawing/2014/main" xmlns="" id="{629596EE-D27E-4FA4-917F-4B2F4A295C7D}"/>
+                <a16:creationId xmlns="" xmlns:a16="http://schemas.microsoft.com/office/drawing/2014/main" id="{629596EE-D27E-4FA4-917F-4B2F4A295C7D}"/>
               </a:ext>
             </a:extLst>
           </p:cNvPr>
@@ -28245,7 +28237,7 @@
           <p:cNvPr id="2052" name="Picture 4" descr="Image result for google">
             <a:extLst>
               <a:ext uri="{FF2B5EF4-FFF2-40B4-BE49-F238E27FC236}">
-                <a16:creationId xmlns:a16="http://schemas.microsoft.com/office/drawing/2014/main" xmlns="" id="{438DFBB1-BCAF-4232-8212-13512A523B87}"/>
+                <a16:creationId xmlns="" xmlns:a16="http://schemas.microsoft.com/office/drawing/2014/main" id="{438DFBB1-BCAF-4232-8212-13512A523B87}"/>
               </a:ext>
             </a:extLst>
           </p:cNvPr>
@@ -28290,7 +28282,7 @@
           <p:cNvPr id="2054" name="Picture 6" descr="Image result for amazon">
             <a:extLst>
               <a:ext uri="{FF2B5EF4-FFF2-40B4-BE49-F238E27FC236}">
-                <a16:creationId xmlns:a16="http://schemas.microsoft.com/office/drawing/2014/main" xmlns="" id="{0F346A9F-5169-48E9-BC8D-A7A5601546B4}"/>
+                <a16:creationId xmlns="" xmlns:a16="http://schemas.microsoft.com/office/drawing/2014/main" id="{0F346A9F-5169-48E9-BC8D-A7A5601546B4}"/>
               </a:ext>
             </a:extLst>
           </p:cNvPr>
@@ -28335,7 +28327,7 @@
           <p:cNvPr id="2056" name="Picture 8" descr="Image result for IBM">
             <a:extLst>
               <a:ext uri="{FF2B5EF4-FFF2-40B4-BE49-F238E27FC236}">
-                <a16:creationId xmlns:a16="http://schemas.microsoft.com/office/drawing/2014/main" xmlns="" id="{F4203440-F9CD-4A35-AECB-4F9069DDD8D8}"/>
+                <a16:creationId xmlns="" xmlns:a16="http://schemas.microsoft.com/office/drawing/2014/main" id="{F4203440-F9CD-4A35-AECB-4F9069DDD8D8}"/>
               </a:ext>
             </a:extLst>
           </p:cNvPr>
@@ -28382,7 +28374,7 @@
           <p:cNvPr id="2058" name="Picture 10" descr="Image result for microsoft">
             <a:extLst>
               <a:ext uri="{FF2B5EF4-FFF2-40B4-BE49-F238E27FC236}">
-                <a16:creationId xmlns:a16="http://schemas.microsoft.com/office/drawing/2014/main" xmlns="" id="{889DF1D8-7481-4A46-9FD7-52BAF8D9886D}"/>
+                <a16:creationId xmlns="" xmlns:a16="http://schemas.microsoft.com/office/drawing/2014/main" id="{889DF1D8-7481-4A46-9FD7-52BAF8D9886D}"/>
               </a:ext>
             </a:extLst>
           </p:cNvPr>
@@ -28427,7 +28419,7 @@
           <p:cNvPr id="2060" name="Picture 12" descr="Image result for nvidia">
             <a:extLst>
               <a:ext uri="{FF2B5EF4-FFF2-40B4-BE49-F238E27FC236}">
-                <a16:creationId xmlns:a16="http://schemas.microsoft.com/office/drawing/2014/main" xmlns="" id="{62F81BFB-278E-4928-A70C-E7AC83E93D8A}"/>
+                <a16:creationId xmlns="" xmlns:a16="http://schemas.microsoft.com/office/drawing/2014/main" id="{62F81BFB-278E-4928-A70C-E7AC83E93D8A}"/>
               </a:ext>
             </a:extLst>
           </p:cNvPr>
@@ -28474,7 +28466,7 @@
           <p:cNvPr id="2062" name="Picture 14" descr="Image result for apple">
             <a:extLst>
               <a:ext uri="{FF2B5EF4-FFF2-40B4-BE49-F238E27FC236}">
-                <a16:creationId xmlns:a16="http://schemas.microsoft.com/office/drawing/2014/main" xmlns="" id="{E6493393-D074-45B9-BE4A-3BA749178941}"/>
+                <a16:creationId xmlns="" xmlns:a16="http://schemas.microsoft.com/office/drawing/2014/main" id="{E6493393-D074-45B9-BE4A-3BA749178941}"/>
               </a:ext>
             </a:extLst>
           </p:cNvPr>
@@ -28519,7 +28511,7 @@
           <p:cNvPr id="4" name="Picture 2" descr="Image result for baidu">
             <a:extLst>
               <a:ext uri="{FF2B5EF4-FFF2-40B4-BE49-F238E27FC236}">
-                <a16:creationId xmlns:a16="http://schemas.microsoft.com/office/drawing/2014/main" xmlns="" id="{D995E053-2A75-4A0F-81A8-28CEE3F8C212}"/>
+                <a16:creationId xmlns="" xmlns:a16="http://schemas.microsoft.com/office/drawing/2014/main" id="{D995E053-2A75-4A0F-81A8-28CEE3F8C212}"/>
               </a:ext>
             </a:extLst>
           </p:cNvPr>
@@ -28566,7 +28558,7 @@
           <p:cNvPr id="5" name="Picture 4" descr="Image result for ericsson logo">
             <a:extLst>
               <a:ext uri="{FF2B5EF4-FFF2-40B4-BE49-F238E27FC236}">
-                <a16:creationId xmlns:a16="http://schemas.microsoft.com/office/drawing/2014/main" xmlns="" id="{D2E42DB6-DBED-40AD-BE13-35A320551592}"/>
+                <a16:creationId xmlns="" xmlns:a16="http://schemas.microsoft.com/office/drawing/2014/main" id="{D2E42DB6-DBED-40AD-BE13-35A320551592}"/>
               </a:ext>
             </a:extLst>
           </p:cNvPr>
@@ -28613,7 +28605,7 @@
           <p:cNvPr id="6" name="Picture 6" descr="Image result for qualcomm logo">
             <a:extLst>
               <a:ext uri="{FF2B5EF4-FFF2-40B4-BE49-F238E27FC236}">
-                <a16:creationId xmlns:a16="http://schemas.microsoft.com/office/drawing/2014/main" xmlns="" id="{16E08342-ACB0-45D6-9003-A412614BF63C}"/>
+                <a16:creationId xmlns="" xmlns:a16="http://schemas.microsoft.com/office/drawing/2014/main" id="{16E08342-ACB0-45D6-9003-A412614BF63C}"/>
               </a:ext>
             </a:extLst>
           </p:cNvPr>
@@ -28658,7 +28650,7 @@
           <p:cNvPr id="7" name="Picture 8" descr="Image result for huawei logo">
             <a:extLst>
               <a:ext uri="{FF2B5EF4-FFF2-40B4-BE49-F238E27FC236}">
-                <a16:creationId xmlns:a16="http://schemas.microsoft.com/office/drawing/2014/main" xmlns="" id="{4D4C2FC0-11E7-423E-ADFE-E40E3FBE955B}"/>
+                <a16:creationId xmlns="" xmlns:a16="http://schemas.microsoft.com/office/drawing/2014/main" id="{4D4C2FC0-11E7-423E-ADFE-E40E3FBE955B}"/>
               </a:ext>
             </a:extLst>
           </p:cNvPr>
@@ -29375,7 +29367,7 @@
             <p:cNvPr id="5" name="Agrupar 4">
               <a:extLst>
                 <a:ext uri="{FF2B5EF4-FFF2-40B4-BE49-F238E27FC236}">
-                  <a16:creationId xmlns:a16="http://schemas.microsoft.com/office/drawing/2014/main" xmlns="" id="{7463A6D3-5626-4043-85E5-66DFB2E72B8A}"/>
+                  <a16:creationId xmlns="" xmlns:a16="http://schemas.microsoft.com/office/drawing/2014/main" id="{7463A6D3-5626-4043-85E5-66DFB2E72B8A}"/>
                 </a:ext>
               </a:extLst>
             </p:cNvPr>
@@ -29395,7 +29387,7 @@
               <p:cNvPr id="11" name="Picture 2" descr="Image result for umbrella">
                 <a:extLst>
                   <a:ext uri="{FF2B5EF4-FFF2-40B4-BE49-F238E27FC236}">
-                    <a16:creationId xmlns:a16="http://schemas.microsoft.com/office/drawing/2014/main" xmlns="" id="{46CE05B1-E4CB-4173-8A0C-9C000F3F0A67}"/>
+                    <a16:creationId xmlns="" xmlns:a16="http://schemas.microsoft.com/office/drawing/2014/main" id="{46CE05B1-E4CB-4173-8A0C-9C000F3F0A67}"/>
                   </a:ext>
                 </a:extLst>
               </p:cNvPr>
@@ -29440,7 +29432,7 @@
               <p:cNvPr id="12" name="CaixaDeTexto 3">
                 <a:extLst>
                   <a:ext uri="{FF2B5EF4-FFF2-40B4-BE49-F238E27FC236}">
-                    <a16:creationId xmlns:a16="http://schemas.microsoft.com/office/drawing/2014/main" xmlns="" id="{CC08EDBF-9120-4A11-84A9-24A056EA1046}"/>
+                    <a16:creationId xmlns="" xmlns:a16="http://schemas.microsoft.com/office/drawing/2014/main" id="{CC08EDBF-9120-4A11-84A9-24A056EA1046}"/>
                   </a:ext>
                 </a:extLst>
               </p:cNvPr>
@@ -29697,7 +29689,7 @@
           <p:cNvPr id="2" name="Título 1">
             <a:extLst>
               <a:ext uri="{FF2B5EF4-FFF2-40B4-BE49-F238E27FC236}">
-                <a16:creationId xmlns:a16="http://schemas.microsoft.com/office/drawing/2014/main" xmlns="" id="{FDFF2B75-1942-4F18-A824-07C14E6E46AC}"/>
+                <a16:creationId xmlns="" xmlns:a16="http://schemas.microsoft.com/office/drawing/2014/main" id="{FDFF2B75-1942-4F18-A824-07C14E6E46AC}"/>
               </a:ext>
             </a:extLst>
           </p:cNvPr>
@@ -29733,7 +29725,7 @@
           <p:cNvPr id="3" name="Espaço Reservado para Conteúdo 2">
             <a:extLst>
               <a:ext uri="{FF2B5EF4-FFF2-40B4-BE49-F238E27FC236}">
-                <a16:creationId xmlns:a16="http://schemas.microsoft.com/office/drawing/2014/main" xmlns="" id="{AE5A5501-ABF4-4534-B552-5A90A1ACE78C}"/>
+                <a16:creationId xmlns="" xmlns:a16="http://schemas.microsoft.com/office/drawing/2014/main" id="{AE5A5501-ABF4-4534-B552-5A90A1ACE78C}"/>
               </a:ext>
             </a:extLst>
           </p:cNvPr>
@@ -29939,7 +29931,7 @@
           <p:cNvPr id="4104" name="Picture 8" descr="Image result for applications of artificial intelligence">
             <a:extLst>
               <a:ext uri="{FF2B5EF4-FFF2-40B4-BE49-F238E27FC236}">
-                <a16:creationId xmlns:a16="http://schemas.microsoft.com/office/drawing/2014/main" xmlns="" id="{030E6182-967A-44D7-8BED-F8E414DAE678}"/>
+                <a16:creationId xmlns="" xmlns:a16="http://schemas.microsoft.com/office/drawing/2014/main" id="{030E6182-967A-44D7-8BED-F8E414DAE678}"/>
               </a:ext>
             </a:extLst>
           </p:cNvPr>
@@ -29986,7 +29978,7 @@
           <p:cNvPr id="4098" name="Picture 2" descr="Image result for artificial intelligence">
             <a:extLst>
               <a:ext uri="{FF2B5EF4-FFF2-40B4-BE49-F238E27FC236}">
-                <a16:creationId xmlns:a16="http://schemas.microsoft.com/office/drawing/2014/main" xmlns="" id="{0DAEA2E1-C284-43E2-8055-9522C82515CA}"/>
+                <a16:creationId xmlns="" xmlns:a16="http://schemas.microsoft.com/office/drawing/2014/main" id="{0DAEA2E1-C284-43E2-8055-9522C82515CA}"/>
               </a:ext>
             </a:extLst>
           </p:cNvPr>
@@ -30033,7 +30025,7 @@
           <p:cNvPr id="7" name="Picture 2" descr="Image result for artificial intelligence goals">
             <a:extLst>
               <a:ext uri="{FF2B5EF4-FFF2-40B4-BE49-F238E27FC236}">
-                <a16:creationId xmlns:a16="http://schemas.microsoft.com/office/drawing/2014/main" xmlns="" id="{7FBD82B4-DA96-42DF-892E-B5268497AA3E}"/>
+                <a16:creationId xmlns="" xmlns:a16="http://schemas.microsoft.com/office/drawing/2014/main" id="{7FBD82B4-DA96-42DF-892E-B5268497AA3E}"/>
               </a:ext>
             </a:extLst>
           </p:cNvPr>

--- a/slides/T319_Introdução.pptx
+++ b/slides/T319_Introdução.pptx
@@ -41,7 +41,7 @@
     <p:sldId id="322" r:id="rId29"/>
     <p:sldId id="291" r:id="rId30"/>
     <p:sldId id="309" r:id="rId31"/>
-    <p:sldId id="310" r:id="rId32"/>
+    <p:sldId id="332" r:id="rId32"/>
     <p:sldId id="295" r:id="rId33"/>
     <p:sldId id="296" r:id="rId34"/>
     <p:sldId id="294" r:id="rId35"/>
@@ -315,7 +315,7 @@
           <a:p>
             <a:fld id="{144F1436-6906-4D93-B7A2-786C327BFA14}" type="datetimeFigureOut">
               <a:rPr lang="nl-BE" smtClean="0"/>
-              <a:t>22/07/2021</a:t>
+              <a:t>6/08/2021</a:t>
             </a:fld>
             <a:endParaRPr lang="nl-BE"/>
           </a:p>
@@ -480,7 +480,7 @@
           <a:p>
             <a:fld id="{AA8CD09E-2914-4F47-B6C1-51B2C31814C9}" type="datetimeFigureOut">
               <a:rPr lang="pt-BR" smtClean="0"/>
-              <a:t>22/07/2021</a:t>
+              <a:t>06/08/2021</a:t>
             </a:fld>
             <a:endParaRPr lang="pt-BR"/>
           </a:p>
@@ -6267,7 +6267,7 @@
           <a:p>
             <a:fld id="{63289F7E-B80B-496E-81B4-D396C37C9454}" type="datetimeFigureOut">
               <a:rPr lang="pt-BR" smtClean="0"/>
-              <a:t>22/07/2021</a:t>
+              <a:t>06/08/2021</a:t>
             </a:fld>
             <a:endParaRPr lang="pt-BR"/>
           </a:p>
@@ -6465,7 +6465,7 @@
           <a:p>
             <a:fld id="{63289F7E-B80B-496E-81B4-D396C37C9454}" type="datetimeFigureOut">
               <a:rPr lang="pt-BR" smtClean="0"/>
-              <a:t>22/07/2021</a:t>
+              <a:t>06/08/2021</a:t>
             </a:fld>
             <a:endParaRPr lang="pt-BR"/>
           </a:p>
@@ -6673,7 +6673,7 @@
           <a:p>
             <a:fld id="{63289F7E-B80B-496E-81B4-D396C37C9454}" type="datetimeFigureOut">
               <a:rPr lang="pt-BR" smtClean="0"/>
-              <a:t>22/07/2021</a:t>
+              <a:t>06/08/2021</a:t>
             </a:fld>
             <a:endParaRPr lang="pt-BR"/>
           </a:p>
@@ -6871,7 +6871,7 @@
           <a:p>
             <a:fld id="{63289F7E-B80B-496E-81B4-D396C37C9454}" type="datetimeFigureOut">
               <a:rPr lang="pt-BR" smtClean="0"/>
-              <a:t>22/07/2021</a:t>
+              <a:t>06/08/2021</a:t>
             </a:fld>
             <a:endParaRPr lang="pt-BR"/>
           </a:p>
@@ -7146,7 +7146,7 @@
           <a:p>
             <a:fld id="{63289F7E-B80B-496E-81B4-D396C37C9454}" type="datetimeFigureOut">
               <a:rPr lang="pt-BR" smtClean="0"/>
-              <a:t>22/07/2021</a:t>
+              <a:t>06/08/2021</a:t>
             </a:fld>
             <a:endParaRPr lang="pt-BR"/>
           </a:p>
@@ -7411,7 +7411,7 @@
           <a:p>
             <a:fld id="{63289F7E-B80B-496E-81B4-D396C37C9454}" type="datetimeFigureOut">
               <a:rPr lang="pt-BR" smtClean="0"/>
-              <a:t>22/07/2021</a:t>
+              <a:t>06/08/2021</a:t>
             </a:fld>
             <a:endParaRPr lang="pt-BR"/>
           </a:p>
@@ -7823,7 +7823,7 @@
           <a:p>
             <a:fld id="{63289F7E-B80B-496E-81B4-D396C37C9454}" type="datetimeFigureOut">
               <a:rPr lang="pt-BR" smtClean="0"/>
-              <a:t>22/07/2021</a:t>
+              <a:t>06/08/2021</a:t>
             </a:fld>
             <a:endParaRPr lang="pt-BR"/>
           </a:p>
@@ -7964,7 +7964,7 @@
           <a:p>
             <a:fld id="{63289F7E-B80B-496E-81B4-D396C37C9454}" type="datetimeFigureOut">
               <a:rPr lang="pt-BR" smtClean="0"/>
-              <a:t>22/07/2021</a:t>
+              <a:t>06/08/2021</a:t>
             </a:fld>
             <a:endParaRPr lang="pt-BR"/>
           </a:p>
@@ -8077,7 +8077,7 @@
           <a:p>
             <a:fld id="{63289F7E-B80B-496E-81B4-D396C37C9454}" type="datetimeFigureOut">
               <a:rPr lang="pt-BR" smtClean="0"/>
-              <a:t>22/07/2021</a:t>
+              <a:t>06/08/2021</a:t>
             </a:fld>
             <a:endParaRPr lang="pt-BR"/>
           </a:p>
@@ -8388,7 +8388,7 @@
           <a:p>
             <a:fld id="{63289F7E-B80B-496E-81B4-D396C37C9454}" type="datetimeFigureOut">
               <a:rPr lang="pt-BR" smtClean="0"/>
-              <a:t>22/07/2021</a:t>
+              <a:t>06/08/2021</a:t>
             </a:fld>
             <a:endParaRPr lang="pt-BR"/>
           </a:p>
@@ -8676,7 +8676,7 @@
           <a:p>
             <a:fld id="{63289F7E-B80B-496E-81B4-D396C37C9454}" type="datetimeFigureOut">
               <a:rPr lang="pt-BR" smtClean="0"/>
-              <a:t>22/07/2021</a:t>
+              <a:t>06/08/2021</a:t>
             </a:fld>
             <a:endParaRPr lang="pt-BR"/>
           </a:p>
@@ -8917,7 +8917,7 @@
           <a:p>
             <a:fld id="{63289F7E-B80B-496E-81B4-D396C37C9454}" type="datetimeFigureOut">
               <a:rPr lang="pt-BR" smtClean="0"/>
-              <a:t>22/07/2021</a:t>
+              <a:t>06/08/2021</a:t>
             </a:fld>
             <a:endParaRPr lang="pt-BR"/>
           </a:p>
@@ -16568,14 +16568,14 @@
             <p:ph idx="1"/>
             <p:extLst>
               <p:ext uri="{D42A27DB-BD31-4B8C-83A1-F6EECF244321}">
-                <p14:modId xmlns:p14="http://schemas.microsoft.com/office/powerpoint/2010/main" val="818411308"/>
+                <p14:modId xmlns:p14="http://schemas.microsoft.com/office/powerpoint/2010/main" val="2392807689"/>
               </p:ext>
             </p:extLst>
           </p:nvPr>
         </p:nvGraphicFramePr>
         <p:xfrm>
           <a:off x="838200" y="1585758"/>
-          <a:ext cx="10515600" cy="4775692"/>
+          <a:ext cx="10515600" cy="4354163"/>
         </p:xfrm>
         <a:graphic>
           <a:graphicData uri="http://schemas.openxmlformats.org/drawingml/2006/table">
@@ -16583,10 +16583,10 @@
               <a:tblPr/>
               <a:tblGrid>
                 <a:gridCol w="587885"/>
-                <a:gridCol w="1317115"/>
-                <a:gridCol w="1665027"/>
-                <a:gridCol w="1023582"/>
-                <a:gridCol w="5921991"/>
+                <a:gridCol w="1491286"/>
+                <a:gridCol w="1490856"/>
+                <a:gridCol w="1789373"/>
+                <a:gridCol w="5156200"/>
               </a:tblGrid>
               <a:tr h="350865">
                 <a:tc>
@@ -16928,7 +16928,7 @@
                         <a:rPr lang="pt-BR" sz="2000" dirty="0">
                           <a:effectLst/>
                         </a:rPr>
-                        <a:t>6/8/2021</a:t>
+                        <a:t>13/8/2021</a:t>
                       </a:r>
                     </a:p>
                   </a:txBody>
@@ -16971,7 +16971,7 @@
                     </a:lnB>
                   </a:tcPr>
                 </a:tc>
-                <a:tc>
+                <a:tc rowSpan="10">
                   <a:txBody>
                     <a:bodyPr/>
                     <a:lstStyle/>
@@ -16984,7 +16984,7 @@
                       <a:endParaRPr lang="pt-BR" sz="2000" dirty="0"/>
                     </a:p>
                   </a:txBody>
-                  <a:tcPr marL="23211" marR="23211" marT="15474" marB="15474" anchor="b">
+                  <a:tcPr marL="23211" marR="23211" marT="15474" marB="15474" anchor="ctr">
                     <a:lnL w="9525" cap="flat" cmpd="sng" algn="ctr">
                       <a:solidFill>
                         <a:srgbClr val="CCCCCC"/>
@@ -17023,20 +17023,35 @@
                     </a:lnB>
                   </a:tcPr>
                 </a:tc>
-                <a:tc>
+                <a:tc rowSpan="10">
                   <a:txBody>
                     <a:bodyPr/>
                     <a:lstStyle/>
                     <a:p>
-                      <a:pPr algn="ctr"/>
+                      <a:pPr marL="0" marR="0" lvl="0" indent="0" algn="ctr" defTabSz="914400" rtl="0" eaLnBrk="1" fontAlgn="auto" latinLnBrk="0" hangingPunct="1">
+                        <a:lnSpc>
+                          <a:spcPct val="100000"/>
+                        </a:lnSpc>
+                        <a:spcBef>
+                          <a:spcPts val="0"/>
+                        </a:spcBef>
+                        <a:spcAft>
+                          <a:spcPts val="0"/>
+                        </a:spcAft>
+                        <a:buClrTx/>
+                        <a:buSzTx/>
+                        <a:buFontTx/>
+                        <a:buNone/>
+                        <a:tabLst/>
+                        <a:defRPr/>
+                      </a:pPr>
                       <a:r>
                         <a:rPr lang="pt-BR" sz="2000" dirty="0" smtClean="0"/>
-                        <a:t>21:30</a:t>
+                        <a:t>21:30 às 23:10</a:t>
                       </a:r>
-                      <a:endParaRPr lang="pt-BR" sz="2000" dirty="0"/>
                     </a:p>
                   </a:txBody>
-                  <a:tcPr marL="23211" marR="23211" marT="15474" marB="15474" anchor="b">
+                  <a:tcPr marL="23211" marR="23211" marT="15474" marB="15474" anchor="ctr">
                     <a:lnL w="9525" cap="flat" cmpd="sng" algn="ctr">
                       <a:solidFill>
                         <a:srgbClr val="CCCCCC"/>
@@ -17192,7 +17207,7 @@
                         <a:rPr lang="pt-BR" sz="2000" dirty="0">
                           <a:effectLst/>
                         </a:rPr>
-                        <a:t>20/8/2021</a:t>
+                        <a:t>27/8/2021</a:t>
                       </a:r>
                     </a:p>
                   </a:txBody>
@@ -17235,7 +17250,7 @@
                     </a:lnB>
                   </a:tcPr>
                 </a:tc>
-                <a:tc>
+                <a:tc vMerge="1">
                   <a:txBody>
                     <a:bodyPr/>
                     <a:lstStyle/>
@@ -17257,10 +17272,7 @@
                         <a:tabLst/>
                         <a:defRPr/>
                       </a:pPr>
-                      <a:r>
-                        <a:rPr lang="pt-BR" sz="2000" dirty="0" smtClean="0"/>
-                        <a:t>Sexta-feira</a:t>
-                      </a:r>
+                      <a:endParaRPr lang="pt-BR" sz="2000" dirty="0" smtClean="0"/>
                     </a:p>
                   </a:txBody>
                   <a:tcPr marL="23211" marR="23211" marT="15474" marB="15474" anchor="b">
@@ -17302,17 +17314,29 @@
                     </a:lnB>
                   </a:tcPr>
                 </a:tc>
-                <a:tc>
+                <a:tc vMerge="1">
                   <a:txBody>
                     <a:bodyPr/>
                     <a:lstStyle/>
                     <a:p>
-                      <a:pPr algn="ctr"/>
-                      <a:r>
-                        <a:rPr lang="pt-BR" sz="2000" dirty="0" smtClean="0"/>
-                        <a:t>21:30</a:t>
-                      </a:r>
-                      <a:endParaRPr lang="pt-BR" sz="2000" dirty="0"/>
+                      <a:pPr marL="0" marR="0" lvl="0" indent="0" algn="ctr" defTabSz="914400" rtl="0" eaLnBrk="1" fontAlgn="auto" latinLnBrk="0" hangingPunct="1">
+                        <a:lnSpc>
+                          <a:spcPct val="100000"/>
+                        </a:lnSpc>
+                        <a:spcBef>
+                          <a:spcPts val="0"/>
+                        </a:spcBef>
+                        <a:spcAft>
+                          <a:spcPts val="0"/>
+                        </a:spcAft>
+                        <a:buClrTx/>
+                        <a:buSzTx/>
+                        <a:buFontTx/>
+                        <a:buNone/>
+                        <a:tabLst/>
+                        <a:defRPr/>
+                      </a:pPr>
+                      <a:endParaRPr lang="pt-BR" sz="2000" dirty="0" smtClean="0"/>
                     </a:p>
                   </a:txBody>
                   <a:tcPr marL="23211" marR="23211" marT="15474" marB="15474" anchor="b">
@@ -17471,7 +17495,7 @@
                         <a:rPr lang="pt-BR" sz="2000" dirty="0">
                           <a:effectLst/>
                         </a:rPr>
-                        <a:t>3/9/2021</a:t>
+                        <a:t>10/9/2021</a:t>
                       </a:r>
                     </a:p>
                   </a:txBody>
@@ -17514,7 +17538,7 @@
                     </a:lnB>
                   </a:tcPr>
                 </a:tc>
-                <a:tc>
+                <a:tc vMerge="1">
                   <a:txBody>
                     <a:bodyPr/>
                     <a:lstStyle/>
@@ -17536,10 +17560,7 @@
                         <a:tabLst/>
                         <a:defRPr/>
                       </a:pPr>
-                      <a:r>
-                        <a:rPr lang="pt-BR" sz="2000" dirty="0" smtClean="0"/>
-                        <a:t>Sexta-feira</a:t>
-                      </a:r>
+                      <a:endParaRPr lang="pt-BR" sz="2000" dirty="0" smtClean="0"/>
                     </a:p>
                   </a:txBody>
                   <a:tcPr marL="23211" marR="23211" marT="15474" marB="15474" anchor="b">
@@ -17581,17 +17602,29 @@
                     </a:lnB>
                   </a:tcPr>
                 </a:tc>
-                <a:tc>
+                <a:tc vMerge="1">
                   <a:txBody>
                     <a:bodyPr/>
                     <a:lstStyle/>
                     <a:p>
-                      <a:pPr algn="ctr"/>
-                      <a:r>
-                        <a:rPr lang="pt-BR" sz="2000" dirty="0" smtClean="0"/>
-                        <a:t>21:30</a:t>
-                      </a:r>
-                      <a:endParaRPr lang="pt-BR" sz="2000" dirty="0"/>
+                      <a:pPr marL="0" marR="0" lvl="0" indent="0" algn="ctr" defTabSz="914400" rtl="0" eaLnBrk="1" fontAlgn="auto" latinLnBrk="0" hangingPunct="1">
+                        <a:lnSpc>
+                          <a:spcPct val="100000"/>
+                        </a:lnSpc>
+                        <a:spcBef>
+                          <a:spcPts val="0"/>
+                        </a:spcBef>
+                        <a:spcAft>
+                          <a:spcPts val="0"/>
+                        </a:spcAft>
+                        <a:buClrTx/>
+                        <a:buSzTx/>
+                        <a:buFontTx/>
+                        <a:buNone/>
+                        <a:tabLst/>
+                        <a:defRPr/>
+                      </a:pPr>
+                      <a:endParaRPr lang="pt-BR" sz="2000" dirty="0" smtClean="0"/>
                     </a:p>
                   </a:txBody>
                   <a:tcPr marL="23211" marR="23211" marT="15474" marB="15474" anchor="b">
@@ -17750,7 +17783,7 @@
                         <a:rPr lang="pt-BR" sz="2000" dirty="0">
                           <a:effectLst/>
                         </a:rPr>
-                        <a:t>17/9/2021</a:t>
+                        <a:t>24/9/2021</a:t>
                       </a:r>
                     </a:p>
                   </a:txBody>
@@ -17793,16 +17826,12 @@
                     </a:lnB>
                   </a:tcPr>
                 </a:tc>
-                <a:tc>
+                <a:tc vMerge="1">
                   <a:txBody>
                     <a:bodyPr/>
                     <a:lstStyle/>
                     <a:p>
                       <a:pPr algn="ctr"/>
-                      <a:r>
-                        <a:rPr lang="pt-BR" sz="2000" dirty="0" smtClean="0"/>
-                        <a:t>Sexta-feira</a:t>
-                      </a:r>
                       <a:endParaRPr lang="pt-BR" sz="2000" dirty="0"/>
                     </a:p>
                   </a:txBody>
@@ -17845,16 +17874,12 @@
                     </a:lnB>
                   </a:tcPr>
                 </a:tc>
-                <a:tc>
+                <a:tc vMerge="1">
                   <a:txBody>
                     <a:bodyPr/>
                     <a:lstStyle/>
                     <a:p>
                       <a:pPr algn="ctr"/>
-                      <a:r>
-                        <a:rPr lang="pt-BR" sz="2000" dirty="0" smtClean="0"/>
-                        <a:t>21:30</a:t>
-                      </a:r>
                       <a:endParaRPr lang="pt-BR" sz="2000" dirty="0"/>
                     </a:p>
                   </a:txBody>
@@ -18014,7 +18039,7 @@
                         <a:rPr lang="pt-BR" sz="2000" dirty="0">
                           <a:effectLst/>
                         </a:rPr>
-                        <a:t>1/10/2021</a:t>
+                        <a:t>8/10/2021</a:t>
                       </a:r>
                     </a:p>
                   </a:txBody>
@@ -18057,16 +18082,12 @@
                     </a:lnB>
                   </a:tcPr>
                 </a:tc>
-                <a:tc>
+                <a:tc vMerge="1">
                   <a:txBody>
                     <a:bodyPr/>
                     <a:lstStyle/>
                     <a:p>
                       <a:pPr algn="ctr"/>
-                      <a:r>
-                        <a:rPr lang="pt-BR" sz="2000" dirty="0" smtClean="0"/>
-                        <a:t>Sexta-feira</a:t>
-                      </a:r>
                       <a:endParaRPr lang="pt-BR" sz="2000" dirty="0"/>
                     </a:p>
                   </a:txBody>
@@ -18109,16 +18130,12 @@
                     </a:lnB>
                   </a:tcPr>
                 </a:tc>
-                <a:tc>
+                <a:tc vMerge="1">
                   <a:txBody>
                     <a:bodyPr/>
                     <a:lstStyle/>
                     <a:p>
                       <a:pPr algn="ctr"/>
-                      <a:r>
-                        <a:rPr lang="pt-BR" sz="2000" dirty="0" smtClean="0"/>
-                        <a:t>21:30</a:t>
-                      </a:r>
                       <a:endParaRPr lang="pt-BR" sz="2000" dirty="0"/>
                     </a:p>
                   </a:txBody>
@@ -18278,7 +18295,7 @@
                         <a:rPr lang="pt-BR" sz="2000" dirty="0">
                           <a:effectLst/>
                         </a:rPr>
-                        <a:t>15/10/2021</a:t>
+                        <a:t>22/10/2021</a:t>
                       </a:r>
                     </a:p>
                   </a:txBody>
@@ -18321,16 +18338,12 @@
                     </a:lnB>
                   </a:tcPr>
                 </a:tc>
-                <a:tc>
+                <a:tc vMerge="1">
                   <a:txBody>
                     <a:bodyPr/>
                     <a:lstStyle/>
                     <a:p>
                       <a:pPr algn="ctr"/>
-                      <a:r>
-                        <a:rPr lang="pt-BR" sz="2000" dirty="0" smtClean="0"/>
-                        <a:t>Sexta-feira</a:t>
-                      </a:r>
                       <a:endParaRPr lang="pt-BR" sz="2000" dirty="0"/>
                     </a:p>
                   </a:txBody>
@@ -18373,16 +18386,12 @@
                     </a:lnB>
                   </a:tcPr>
                 </a:tc>
-                <a:tc>
+                <a:tc vMerge="1">
                   <a:txBody>
                     <a:bodyPr/>
                     <a:lstStyle/>
                     <a:p>
                       <a:pPr algn="ctr"/>
-                      <a:r>
-                        <a:rPr lang="pt-BR" sz="2000" dirty="0" smtClean="0"/>
-                        <a:t>21:30</a:t>
-                      </a:r>
                       <a:endParaRPr lang="pt-BR" sz="2000" dirty="0"/>
                     </a:p>
                   </a:txBody>
@@ -18542,7 +18551,7 @@
                         <a:rPr lang="pt-BR" sz="2000" dirty="0">
                           <a:effectLst/>
                         </a:rPr>
-                        <a:t>29/10/2021</a:t>
+                        <a:t>5/11/2021</a:t>
                       </a:r>
                     </a:p>
                   </a:txBody>
@@ -18585,16 +18594,12 @@
                     </a:lnB>
                   </a:tcPr>
                 </a:tc>
-                <a:tc>
+                <a:tc vMerge="1">
                   <a:txBody>
                     <a:bodyPr/>
                     <a:lstStyle/>
                     <a:p>
                       <a:pPr algn="ctr"/>
-                      <a:r>
-                        <a:rPr lang="pt-BR" sz="2000" dirty="0" smtClean="0"/>
-                        <a:t>Sexta-feira</a:t>
-                      </a:r>
                       <a:endParaRPr lang="pt-BR" sz="2000" dirty="0"/>
                     </a:p>
                   </a:txBody>
@@ -18637,16 +18642,12 @@
                     </a:lnB>
                   </a:tcPr>
                 </a:tc>
-                <a:tc>
+                <a:tc vMerge="1">
                   <a:txBody>
                     <a:bodyPr/>
                     <a:lstStyle/>
                     <a:p>
                       <a:pPr algn="ctr"/>
-                      <a:r>
-                        <a:rPr lang="pt-BR" sz="2000" dirty="0" smtClean="0"/>
-                        <a:t>21:30</a:t>
-                      </a:r>
                       <a:endParaRPr lang="pt-BR" sz="2000" dirty="0"/>
                     </a:p>
                   </a:txBody>
@@ -18806,7 +18807,7 @@
                         <a:rPr lang="pt-BR" sz="2000" dirty="0">
                           <a:effectLst/>
                         </a:rPr>
-                        <a:t>12/11/2021</a:t>
+                        <a:t>19/11/2021</a:t>
                       </a:r>
                     </a:p>
                   </a:txBody>
@@ -18849,16 +18850,12 @@
                     </a:lnB>
                   </a:tcPr>
                 </a:tc>
-                <a:tc>
+                <a:tc vMerge="1">
                   <a:txBody>
                     <a:bodyPr/>
                     <a:lstStyle/>
                     <a:p>
                       <a:pPr algn="ctr"/>
-                      <a:r>
-                        <a:rPr lang="pt-BR" sz="2000" dirty="0" smtClean="0"/>
-                        <a:t>Sexta-feira</a:t>
-                      </a:r>
                       <a:endParaRPr lang="pt-BR" sz="2000" dirty="0"/>
                     </a:p>
                   </a:txBody>
@@ -18901,16 +18898,12 @@
                     </a:lnB>
                   </a:tcPr>
                 </a:tc>
-                <a:tc>
+                <a:tc vMerge="1">
                   <a:txBody>
                     <a:bodyPr/>
                     <a:lstStyle/>
                     <a:p>
                       <a:pPr algn="ctr"/>
-                      <a:r>
-                        <a:rPr lang="pt-BR" sz="2000" dirty="0" smtClean="0"/>
-                        <a:t>21:30</a:t>
-                      </a:r>
                       <a:endParaRPr lang="pt-BR" sz="2000" dirty="0"/>
                     </a:p>
                   </a:txBody>
@@ -19070,7 +19063,7 @@
                         <a:rPr lang="pt-BR" sz="2000" dirty="0">
                           <a:effectLst/>
                         </a:rPr>
-                        <a:t>26/11/2021</a:t>
+                        <a:t>3/12/2021</a:t>
                       </a:r>
                     </a:p>
                   </a:txBody>
@@ -19113,16 +19106,12 @@
                     </a:lnB>
                   </a:tcPr>
                 </a:tc>
-                <a:tc>
+                <a:tc vMerge="1">
                   <a:txBody>
                     <a:bodyPr/>
                     <a:lstStyle/>
                     <a:p>
                       <a:pPr algn="ctr"/>
-                      <a:r>
-                        <a:rPr lang="pt-BR" sz="2000" dirty="0" smtClean="0"/>
-                        <a:t>Sexta-feira</a:t>
-                      </a:r>
                       <a:endParaRPr lang="pt-BR" sz="2000" dirty="0"/>
                     </a:p>
                   </a:txBody>
@@ -19165,16 +19154,12 @@
                     </a:lnB>
                   </a:tcPr>
                 </a:tc>
-                <a:tc>
+                <a:tc vMerge="1">
                   <a:txBody>
                     <a:bodyPr/>
                     <a:lstStyle/>
                     <a:p>
                       <a:pPr algn="ctr"/>
-                      <a:r>
-                        <a:rPr lang="pt-BR" sz="2000" dirty="0" smtClean="0"/>
-                        <a:t>21:30</a:t>
-                      </a:r>
                       <a:endParaRPr lang="pt-BR" sz="2000" dirty="0"/>
                     </a:p>
                   </a:txBody>
@@ -19241,7 +19226,7 @@
                       </a:pPr>
                       <a:r>
                         <a:rPr lang="pt-BR" sz="2000" dirty="0" smtClean="0"/>
-                        <a:t>Introdução ao Aprendizado de Máquina</a:t>
+                        <a:t>Projeto Final</a:t>
                       </a:r>
                     </a:p>
                   </a:txBody>
@@ -19349,7 +19334,7 @@
                         <a:rPr lang="pt-BR" sz="2000" dirty="0">
                           <a:effectLst/>
                         </a:rPr>
-                        <a:t>10/12/2021</a:t>
+                        <a:t>17/12/2021</a:t>
                       </a:r>
                     </a:p>
                   </a:txBody>
@@ -19392,16 +19377,12 @@
                     </a:lnB>
                   </a:tcPr>
                 </a:tc>
-                <a:tc>
+                <a:tc vMerge="1">
                   <a:txBody>
                     <a:bodyPr/>
                     <a:lstStyle/>
                     <a:p>
                       <a:pPr algn="ctr"/>
-                      <a:r>
-                        <a:rPr lang="pt-BR" sz="2000" dirty="0" smtClean="0"/>
-                        <a:t>Sexta-feira</a:t>
-                      </a:r>
                       <a:endParaRPr lang="pt-BR" sz="2000" dirty="0"/>
                     </a:p>
                   </a:txBody>
@@ -19444,16 +19425,12 @@
                     </a:lnB>
                   </a:tcPr>
                 </a:tc>
-                <a:tc>
+                <a:tc vMerge="1">
                   <a:txBody>
                     <a:bodyPr/>
                     <a:lstStyle/>
                     <a:p>
                       <a:pPr algn="ctr"/>
-                      <a:r>
-                        <a:rPr lang="pt-BR" sz="2000" dirty="0" smtClean="0"/>
-                        <a:t>21:30</a:t>
-                      </a:r>
                       <a:endParaRPr lang="pt-BR" sz="2000" dirty="0"/>
                     </a:p>
                   </a:txBody>
@@ -19520,284 +19497,8 @@
                       </a:pPr>
                       <a:r>
                         <a:rPr lang="pt-BR" sz="2000" dirty="0" smtClean="0"/>
-                        <a:t>Introdução ao Aprendizado de Máquina</a:t>
+                        <a:t>NP3</a:t>
                       </a:r>
-                    </a:p>
-                  </a:txBody>
-                  <a:tcPr marL="23211" marR="23211" marT="15474" marB="15474" anchor="b">
-                    <a:lnL w="9525" cap="flat" cmpd="sng" algn="ctr">
-                      <a:solidFill>
-                        <a:srgbClr val="CCCCCC"/>
-                      </a:solidFill>
-                      <a:prstDash val="solid"/>
-                      <a:round/>
-                      <a:headEnd type="none" w="med" len="med"/>
-                      <a:tailEnd type="none" w="med" len="med"/>
-                    </a:lnL>
-                    <a:lnR w="9525" cap="flat" cmpd="sng" algn="ctr">
-                      <a:solidFill>
-                        <a:srgbClr val="CCCCCC"/>
-                      </a:solidFill>
-                      <a:prstDash val="solid"/>
-                      <a:round/>
-                      <a:headEnd type="none" w="med" len="med"/>
-                      <a:tailEnd type="none" w="med" len="med"/>
-                    </a:lnR>
-                    <a:lnT w="9525" cap="flat" cmpd="sng" algn="ctr">
-                      <a:solidFill>
-                        <a:srgbClr val="CCCCCC"/>
-                      </a:solidFill>
-                      <a:prstDash val="solid"/>
-                      <a:round/>
-                      <a:headEnd type="none" w="med" len="med"/>
-                      <a:tailEnd type="none" w="med" len="med"/>
-                    </a:lnT>
-                    <a:lnB w="9525" cap="flat" cmpd="sng" algn="ctr">
-                      <a:solidFill>
-                        <a:srgbClr val="CCCCCC"/>
-                      </a:solidFill>
-                      <a:prstDash val="solid"/>
-                      <a:round/>
-                      <a:headEnd type="none" w="med" len="med"/>
-                      <a:tailEnd type="none" w="med" len="med"/>
-                    </a:lnB>
-                  </a:tcPr>
-                </a:tc>
-              </a:tr>
-              <a:tr h="421529">
-                <a:tc>
-                  <a:txBody>
-                    <a:bodyPr/>
-                    <a:lstStyle/>
-                    <a:p>
-                      <a:pPr algn="ctr" rtl="0" fontAlgn="b"/>
-                      <a:r>
-                        <a:rPr lang="pt-BR" sz="2000" dirty="0" smtClean="0">
-                          <a:effectLst/>
-                        </a:rPr>
-                        <a:t>11</a:t>
-                      </a:r>
-                      <a:endParaRPr lang="pt-BR" sz="2000" dirty="0">
-                        <a:effectLst/>
-                      </a:endParaRPr>
-                    </a:p>
-                  </a:txBody>
-                  <a:tcPr marL="23211" marR="23211" marT="15474" marB="15474" anchor="b">
-                    <a:lnL w="9525" cap="flat" cmpd="sng" algn="ctr">
-                      <a:solidFill>
-                        <a:srgbClr val="CCCCCC"/>
-                      </a:solidFill>
-                      <a:prstDash val="solid"/>
-                      <a:round/>
-                      <a:headEnd type="none" w="med" len="med"/>
-                      <a:tailEnd type="none" w="med" len="med"/>
-                    </a:lnL>
-                    <a:lnR w="9525" cap="flat" cmpd="sng" algn="ctr">
-                      <a:solidFill>
-                        <a:srgbClr val="CCCCCC"/>
-                      </a:solidFill>
-                      <a:prstDash val="solid"/>
-                      <a:round/>
-                      <a:headEnd type="none" w="med" len="med"/>
-                      <a:tailEnd type="none" w="med" len="med"/>
-                    </a:lnR>
-                    <a:lnT w="9525" cap="flat" cmpd="sng" algn="ctr">
-                      <a:solidFill>
-                        <a:srgbClr val="CCCCCC"/>
-                      </a:solidFill>
-                      <a:prstDash val="solid"/>
-                      <a:round/>
-                      <a:headEnd type="none" w="med" len="med"/>
-                      <a:tailEnd type="none" w="med" len="med"/>
-                    </a:lnT>
-                    <a:lnB w="9525" cap="flat" cmpd="sng" algn="ctr">
-                      <a:solidFill>
-                        <a:srgbClr val="CCCCCC"/>
-                      </a:solidFill>
-                      <a:prstDash val="solid"/>
-                      <a:round/>
-                      <a:headEnd type="none" w="med" len="med"/>
-                      <a:tailEnd type="none" w="med" len="med"/>
-                    </a:lnB>
-                  </a:tcPr>
-                </a:tc>
-                <a:tc>
-                  <a:txBody>
-                    <a:bodyPr/>
-                    <a:lstStyle/>
-                    <a:p>
-                      <a:pPr algn="ctr" rtl="0" fontAlgn="b"/>
-                      <a:r>
-                        <a:rPr lang="pt-BR" sz="2000" i="0" kern="1200" dirty="0" smtClean="0">
-                          <a:solidFill>
-                            <a:schemeClr val="tx1"/>
-                          </a:solidFill>
-                          <a:effectLst/>
-                          <a:latin typeface="+mn-lt"/>
-                          <a:ea typeface="+mn-ea"/>
-                          <a:cs typeface="+mn-cs"/>
-                        </a:rPr>
-                        <a:t>17/12/2021</a:t>
-                      </a:r>
-                      <a:endParaRPr lang="pt-BR" sz="2000" dirty="0">
-                        <a:effectLst/>
-                      </a:endParaRPr>
-                    </a:p>
-                  </a:txBody>
-                  <a:tcPr marL="23211" marR="23211" marT="15474" marB="15474" anchor="b">
-                    <a:lnL w="9525" cap="flat" cmpd="sng" algn="ctr">
-                      <a:solidFill>
-                        <a:srgbClr val="CCCCCC"/>
-                      </a:solidFill>
-                      <a:prstDash val="solid"/>
-                      <a:round/>
-                      <a:headEnd type="none" w="med" len="med"/>
-                      <a:tailEnd type="none" w="med" len="med"/>
-                    </a:lnL>
-                    <a:lnR w="9525" cap="flat" cmpd="sng" algn="ctr">
-                      <a:solidFill>
-                        <a:srgbClr val="CCCCCC"/>
-                      </a:solidFill>
-                      <a:prstDash val="solid"/>
-                      <a:round/>
-                      <a:headEnd type="none" w="med" len="med"/>
-                      <a:tailEnd type="none" w="med" len="med"/>
-                    </a:lnR>
-                    <a:lnT w="9525" cap="flat" cmpd="sng" algn="ctr">
-                      <a:solidFill>
-                        <a:srgbClr val="CCCCCC"/>
-                      </a:solidFill>
-                      <a:prstDash val="solid"/>
-                      <a:round/>
-                      <a:headEnd type="none" w="med" len="med"/>
-                      <a:tailEnd type="none" w="med" len="med"/>
-                    </a:lnT>
-                    <a:lnB w="9525" cap="flat" cmpd="sng" algn="ctr">
-                      <a:solidFill>
-                        <a:srgbClr val="CCCCCC"/>
-                      </a:solidFill>
-                      <a:prstDash val="solid"/>
-                      <a:round/>
-                      <a:headEnd type="none" w="med" len="med"/>
-                      <a:tailEnd type="none" w="med" len="med"/>
-                    </a:lnB>
-                  </a:tcPr>
-                </a:tc>
-                <a:tc>
-                  <a:txBody>
-                    <a:bodyPr/>
-                    <a:lstStyle/>
-                    <a:p>
-                      <a:pPr algn="ctr"/>
-                      <a:r>
-                        <a:rPr lang="pt-BR" sz="2000" dirty="0" smtClean="0"/>
-                        <a:t>Sexta-feira</a:t>
-                      </a:r>
-                      <a:endParaRPr lang="pt-BR" sz="2000" dirty="0"/>
-                    </a:p>
-                  </a:txBody>
-                  <a:tcPr marL="23211" marR="23211" marT="15474" marB="15474" anchor="b">
-                    <a:lnL w="9525" cap="flat" cmpd="sng" algn="ctr">
-                      <a:solidFill>
-                        <a:srgbClr val="CCCCCC"/>
-                      </a:solidFill>
-                      <a:prstDash val="solid"/>
-                      <a:round/>
-                      <a:headEnd type="none" w="med" len="med"/>
-                      <a:tailEnd type="none" w="med" len="med"/>
-                    </a:lnL>
-                    <a:lnR w="9525" cap="flat" cmpd="sng" algn="ctr">
-                      <a:solidFill>
-                        <a:srgbClr val="CCCCCC"/>
-                      </a:solidFill>
-                      <a:prstDash val="solid"/>
-                      <a:round/>
-                      <a:headEnd type="none" w="med" len="med"/>
-                      <a:tailEnd type="none" w="med" len="med"/>
-                    </a:lnR>
-                    <a:lnT w="9525" cap="flat" cmpd="sng" algn="ctr">
-                      <a:solidFill>
-                        <a:srgbClr val="CCCCCC"/>
-                      </a:solidFill>
-                      <a:prstDash val="solid"/>
-                      <a:round/>
-                      <a:headEnd type="none" w="med" len="med"/>
-                      <a:tailEnd type="none" w="med" len="med"/>
-                    </a:lnT>
-                    <a:lnB w="9525" cap="flat" cmpd="sng" algn="ctr">
-                      <a:solidFill>
-                        <a:srgbClr val="CCCCCC"/>
-                      </a:solidFill>
-                      <a:prstDash val="solid"/>
-                      <a:round/>
-                      <a:headEnd type="none" w="med" len="med"/>
-                      <a:tailEnd type="none" w="med" len="med"/>
-                    </a:lnB>
-                  </a:tcPr>
-                </a:tc>
-                <a:tc>
-                  <a:txBody>
-                    <a:bodyPr/>
-                    <a:lstStyle/>
-                    <a:p>
-                      <a:pPr algn="ctr"/>
-                      <a:r>
-                        <a:rPr lang="pt-BR" sz="2000" dirty="0" smtClean="0"/>
-                        <a:t>21:30</a:t>
-                      </a:r>
-                      <a:endParaRPr lang="pt-BR" sz="2000" dirty="0"/>
-                    </a:p>
-                  </a:txBody>
-                  <a:tcPr marL="23211" marR="23211" marT="15474" marB="15474" anchor="b">
-                    <a:lnL w="9525" cap="flat" cmpd="sng" algn="ctr">
-                      <a:solidFill>
-                        <a:srgbClr val="CCCCCC"/>
-                      </a:solidFill>
-                      <a:prstDash val="solid"/>
-                      <a:round/>
-                      <a:headEnd type="none" w="med" len="med"/>
-                      <a:tailEnd type="none" w="med" len="med"/>
-                    </a:lnL>
-                    <a:lnR w="9525" cap="flat" cmpd="sng" algn="ctr">
-                      <a:solidFill>
-                        <a:srgbClr val="CCCCCC"/>
-                      </a:solidFill>
-                      <a:prstDash val="solid"/>
-                      <a:round/>
-                      <a:headEnd type="none" w="med" len="med"/>
-                      <a:tailEnd type="none" w="med" len="med"/>
-                    </a:lnR>
-                    <a:lnT w="9525" cap="flat" cmpd="sng" algn="ctr">
-                      <a:solidFill>
-                        <a:srgbClr val="CCCCCC"/>
-                      </a:solidFill>
-                      <a:prstDash val="solid"/>
-                      <a:round/>
-                      <a:headEnd type="none" w="med" len="med"/>
-                      <a:tailEnd type="none" w="med" len="med"/>
-                    </a:lnT>
-                    <a:lnB w="9525" cap="flat" cmpd="sng" algn="ctr">
-                      <a:solidFill>
-                        <a:srgbClr val="CCCCCC"/>
-                      </a:solidFill>
-                      <a:prstDash val="solid"/>
-                      <a:round/>
-                      <a:headEnd type="none" w="med" len="med"/>
-                      <a:tailEnd type="none" w="med" len="med"/>
-                    </a:lnB>
-                  </a:tcPr>
-                </a:tc>
-                <a:tc>
-                  <a:txBody>
-                    <a:bodyPr/>
-                    <a:lstStyle/>
-                    <a:p>
-                      <a:pPr algn="ctr"/>
-                      <a:r>
-                        <a:rPr lang="pt-BR" sz="2000" dirty="0" smtClean="0"/>
-                        <a:t>Avaliação</a:t>
-                      </a:r>
-                      <a:endParaRPr lang="pt-BR" sz="2000" dirty="0"/>
                     </a:p>
                   </a:txBody>
                   <a:tcPr marL="23211" marR="23211" marT="15474" marB="15474" anchor="b">
@@ -20144,7 +19845,7 @@
           <p:cNvPr id="4" name="Título 1">
             <a:extLst>
               <a:ext uri="{FF2B5EF4-FFF2-40B4-BE49-F238E27FC236}">
-                <a16:creationId xmlns="" xmlns:a16="http://schemas.microsoft.com/office/drawing/2014/main" id="{32666AC8-2E17-4DB4-B0F5-60C640CCFD2E}"/>
+                <a16:creationId xmlns:a16="http://schemas.microsoft.com/office/drawing/2014/main" xmlns="" id="{32666AC8-2E17-4DB4-B0F5-60C640CCFD2E}"/>
               </a:ext>
             </a:extLst>
           </p:cNvPr>
@@ -20155,8 +19856,8 @@
         </p:nvSpPr>
         <p:spPr>
           <a:xfrm>
-            <a:off x="1431533" y="2720526"/>
-            <a:ext cx="9144000" cy="1029541"/>
+            <a:off x="1500544" y="845393"/>
+            <a:ext cx="9144000" cy="2656935"/>
           </a:xfrm>
           <a:prstGeom prst="rect">
             <a:avLst/>
@@ -20164,7 +19865,7 @@
         </p:spPr>
         <p:txBody>
           <a:bodyPr vert="horz" lIns="91440" tIns="45720" rIns="91440" bIns="45720" rtlCol="0" anchor="ctr">
-            <a:normAutofit/>
+            <a:normAutofit lnSpcReduction="10000"/>
           </a:bodyPr>
           <a:lstStyle>
             <a:lvl1pPr algn="l" defTabSz="914400" rtl="0" eaLnBrk="1" latinLnBrk="0" hangingPunct="1">
@@ -20188,17 +19889,286 @@
           <a:p>
             <a:pPr algn="ctr"/>
             <a:r>
+              <a:rPr lang="pt-BR" sz="6600" dirty="0"/>
+              <a:t>E</a:t>
+            </a:r>
+            <a:r>
               <a:rPr lang="pt-BR" sz="6600" dirty="0" smtClean="0"/>
-              <a:t>Alguns Exemplos</a:t>
-            </a:r>
-            <a:endParaRPr lang="pt-BR" sz="6600" b="1" i="1" dirty="0"/>
+              <a:t>xemplos</a:t>
+            </a:r>
+            <a:r>
+              <a:rPr lang="pt-BR" sz="6600" b="1" i="1" dirty="0" smtClean="0"/>
+              <a:t> </a:t>
+            </a:r>
+            <a:r>
+              <a:rPr lang="pt-BR" sz="6600" dirty="0" smtClean="0"/>
+              <a:t>de uso dos</a:t>
+            </a:r>
+            <a:r>
+              <a:rPr lang="pt-BR" sz="6600" b="1" i="1" dirty="0" smtClean="0"/>
+              <a:t> </a:t>
+            </a:r>
+            <a:r>
+              <a:rPr lang="pt-BR" sz="6600" dirty="0"/>
+              <a:t>n</a:t>
+            </a:r>
+            <a:r>
+              <a:rPr lang="pt-BR" sz="6600" dirty="0" smtClean="0"/>
+              <a:t>otebooks com</a:t>
+            </a:r>
+          </a:p>
+          <a:p>
+            <a:pPr algn="ctr"/>
+            <a:r>
+              <a:rPr lang="pt-BR" sz="6600" dirty="0" smtClean="0"/>
+              <a:t>Binder e Colab</a:t>
+            </a:r>
+            <a:endParaRPr lang="pt-BR" sz="6600" dirty="0"/>
+          </a:p>
+        </p:txBody>
+      </p:sp>
+      <p:pic>
+        <p:nvPicPr>
+          <p:cNvPr id="3" name="Picture 2" descr="Python logo"/>
+          <p:cNvPicPr>
+            <a:picLocks noChangeAspect="1" noChangeArrowheads="1"/>
+          </p:cNvPicPr>
+          <p:nvPr/>
+        </p:nvPicPr>
+        <p:blipFill>
+          <a:blip r:embed="rId2">
+            <a:extLst>
+              <a:ext uri="{28A0092B-C50C-407E-A947-70E740481C1C}">
+                <a14:useLocalDpi xmlns:a14="http://schemas.microsoft.com/office/drawing/2010/main" val="0"/>
+              </a:ext>
+            </a:extLst>
+          </a:blip>
+          <a:srcRect/>
+          <a:stretch>
+            <a:fillRect/>
+          </a:stretch>
+        </p:blipFill>
+        <p:spPr bwMode="auto">
+          <a:xfrm>
+            <a:off x="4311162" y="3985403"/>
+            <a:ext cx="1193934" cy="1193934"/>
+          </a:xfrm>
+          <a:prstGeom prst="rect">
+            <a:avLst/>
+          </a:prstGeom>
+          <a:noFill/>
+          <a:extLst>
+            <a:ext uri="{909E8E84-426E-40DD-AFC4-6F175D3DCCD1}">
+              <a14:hiddenFill xmlns:a14="http://schemas.microsoft.com/office/drawing/2010/main">
+                <a:solidFill>
+                  <a:srgbClr val="FFFFFF"/>
+                </a:solidFill>
+              </a14:hiddenFill>
+            </a:ext>
+          </a:extLst>
+        </p:spPr>
+      </p:pic>
+      <p:pic>
+        <p:nvPicPr>
+          <p:cNvPr id="5" name="Picture 4" descr="Image result for jupyter"/>
+          <p:cNvPicPr>
+            <a:picLocks noChangeAspect="1" noChangeArrowheads="1"/>
+          </p:cNvPicPr>
+          <p:nvPr/>
+        </p:nvPicPr>
+        <p:blipFill rotWithShape="1">
+          <a:blip r:embed="rId3" cstate="print">
+            <a:extLst>
+              <a:ext uri="{28A0092B-C50C-407E-A947-70E740481C1C}">
+                <a14:useLocalDpi xmlns:a14="http://schemas.microsoft.com/office/drawing/2010/main" val="0"/>
+              </a:ext>
+            </a:extLst>
+          </a:blip>
+          <a:srcRect l="3671" t="8603" r="3244" b="8448"/>
+          <a:stretch/>
+        </p:blipFill>
+        <p:spPr bwMode="auto">
+          <a:xfrm>
+            <a:off x="5865217" y="3985403"/>
+            <a:ext cx="2358633" cy="1044334"/>
+          </a:xfrm>
+          <a:prstGeom prst="rect">
+            <a:avLst/>
+          </a:prstGeom>
+          <a:noFill/>
+          <a:extLst>
+            <a:ext uri="{909E8E84-426E-40DD-AFC4-6F175D3DCCD1}">
+              <a14:hiddenFill xmlns:a14="http://schemas.microsoft.com/office/drawing/2010/main">
+                <a:solidFill>
+                  <a:srgbClr val="FFFFFF"/>
+                </a:solidFill>
+              </a14:hiddenFill>
+            </a:ext>
+          </a:extLst>
+        </p:spPr>
+      </p:pic>
+      <p:pic>
+        <p:nvPicPr>
+          <p:cNvPr id="6" name="Picture 2" descr="A Complete guide to Google Colab for Deep Learning"/>
+          <p:cNvPicPr>
+            <a:picLocks noChangeAspect="1" noChangeArrowheads="1"/>
+          </p:cNvPicPr>
+          <p:nvPr/>
+        </p:nvPicPr>
+        <p:blipFill rotWithShape="1">
+          <a:blip r:embed="rId4" cstate="print">
+            <a:extLst>
+              <a:ext uri="{28A0092B-C50C-407E-A947-70E740481C1C}">
+                <a14:useLocalDpi xmlns:a14="http://schemas.microsoft.com/office/drawing/2010/main" val="0"/>
+              </a:ext>
+            </a:extLst>
+          </a:blip>
+          <a:srcRect l="10635" t="12614" r="10002" b="18232"/>
+          <a:stretch/>
+        </p:blipFill>
+        <p:spPr bwMode="auto">
+          <a:xfrm>
+            <a:off x="6413964" y="5633058"/>
+            <a:ext cx="1608495" cy="619704"/>
+          </a:xfrm>
+          <a:prstGeom prst="rect">
+            <a:avLst/>
+          </a:prstGeom>
+          <a:noFill/>
+          <a:extLst>
+            <a:ext uri="{909E8E84-426E-40DD-AFC4-6F175D3DCCD1}">
+              <a14:hiddenFill xmlns:a14="http://schemas.microsoft.com/office/drawing/2010/main">
+                <a:solidFill>
+                  <a:srgbClr val="FFFFFF"/>
+                </a:solidFill>
+              </a14:hiddenFill>
+            </a:ext>
+          </a:extLst>
+        </p:spPr>
+      </p:pic>
+      <p:pic>
+        <p:nvPicPr>
+          <p:cNvPr id="7" name="Picture 6" descr="Binder"/>
+          <p:cNvPicPr>
+            <a:picLocks noChangeAspect="1" noChangeArrowheads="1"/>
+          </p:cNvPicPr>
+          <p:nvPr/>
+        </p:nvPicPr>
+        <p:blipFill rotWithShape="1">
+          <a:blip r:embed="rId5" cstate="print">
+            <a:extLst>
+              <a:ext uri="{28A0092B-C50C-407E-A947-70E740481C1C}">
+                <a14:useLocalDpi xmlns:a14="http://schemas.microsoft.com/office/drawing/2010/main" val="0"/>
+              </a:ext>
+            </a:extLst>
+          </a:blip>
+          <a:srcRect l="8480" t="32120" r="7574" b="30846"/>
+          <a:stretch/>
+        </p:blipFill>
+        <p:spPr bwMode="auto">
+          <a:xfrm>
+            <a:off x="4311163" y="5811387"/>
+            <a:ext cx="1900564" cy="441375"/>
+          </a:xfrm>
+          <a:prstGeom prst="rect">
+            <a:avLst/>
+          </a:prstGeom>
+          <a:noFill/>
+          <a:extLst>
+            <a:ext uri="{909E8E84-426E-40DD-AFC4-6F175D3DCCD1}">
+              <a14:hiddenFill xmlns:a14="http://schemas.microsoft.com/office/drawing/2010/main">
+                <a:solidFill>
+                  <a:srgbClr val="FFFFFF"/>
+                </a:solidFill>
+              </a14:hiddenFill>
+            </a:ext>
+          </a:extLst>
+        </p:spPr>
+      </p:pic>
+      <p:sp>
+        <p:nvSpPr>
+          <p:cNvPr id="8" name="Plus 7"/>
+          <p:cNvSpPr/>
+          <p:nvPr/>
+        </p:nvSpPr>
+        <p:spPr>
+          <a:xfrm>
+            <a:off x="5505096" y="4304179"/>
+            <a:ext cx="492843" cy="556382"/>
+          </a:xfrm>
+          <a:prstGeom prst="mathPlus">
+            <a:avLst/>
+          </a:prstGeom>
+        </p:spPr>
+        <p:style>
+          <a:lnRef idx="2">
+            <a:schemeClr val="accent1">
+              <a:shade val="50000"/>
+            </a:schemeClr>
+          </a:lnRef>
+          <a:fillRef idx="1">
+            <a:schemeClr val="accent1"/>
+          </a:fillRef>
+          <a:effectRef idx="0">
+            <a:schemeClr val="accent1"/>
+          </a:effectRef>
+          <a:fontRef idx="minor">
+            <a:schemeClr val="lt1"/>
+          </a:fontRef>
+        </p:style>
+        <p:txBody>
+          <a:bodyPr rtlCol="0" anchor="ctr"/>
+          <a:lstStyle/>
+          <a:p>
+            <a:pPr algn="ctr"/>
+            <a:endParaRPr lang="pt-BR"/>
+          </a:p>
+        </p:txBody>
+      </p:sp>
+      <p:sp>
+        <p:nvSpPr>
+          <p:cNvPr id="9" name="Down Arrow 8"/>
+          <p:cNvSpPr/>
+          <p:nvPr/>
+        </p:nvSpPr>
+        <p:spPr>
+          <a:xfrm>
+            <a:off x="5752033" y="5348513"/>
+            <a:ext cx="661931" cy="362561"/>
+          </a:xfrm>
+          <a:prstGeom prst="downArrow">
+            <a:avLst/>
+          </a:prstGeom>
+        </p:spPr>
+        <p:style>
+          <a:lnRef idx="2">
+            <a:schemeClr val="accent1">
+              <a:shade val="50000"/>
+            </a:schemeClr>
+          </a:lnRef>
+          <a:fillRef idx="1">
+            <a:schemeClr val="accent1"/>
+          </a:fillRef>
+          <a:effectRef idx="0">
+            <a:schemeClr val="accent1"/>
+          </a:effectRef>
+          <a:fontRef idx="minor">
+            <a:schemeClr val="lt1"/>
+          </a:fontRef>
+        </p:style>
+        <p:txBody>
+          <a:bodyPr rtlCol="0" anchor="ctr"/>
+          <a:lstStyle/>
+          <a:p>
+            <a:pPr algn="ctr"/>
+            <a:endParaRPr lang="pt-BR"/>
           </a:p>
         </p:txBody>
       </p:sp>
     </p:spTree>
     <p:extLst>
       <p:ext uri="{BB962C8B-B14F-4D97-AF65-F5344CB8AC3E}">
-        <p14:creationId xmlns:p14="http://schemas.microsoft.com/office/powerpoint/2010/main" val="989983600"/>
+        <p14:creationId xmlns:p14="http://schemas.microsoft.com/office/powerpoint/2010/main" val="2613032369"/>
       </p:ext>
     </p:extLst>
   </p:cSld>
@@ -20232,920 +20202,6 @@
           <a:chExt cx="0" cy="0"/>
         </a:xfrm>
       </p:grpSpPr>
-      <p:sp>
-        <p:nvSpPr>
-          <p:cNvPr id="356" name="Google Shape;356;p17"/>
-          <p:cNvSpPr txBox="1">
-            <a:spLocks noGrp="1"/>
-          </p:cNvSpPr>
-          <p:nvPr>
-            <p:ph type="body" idx="1"/>
-          </p:nvPr>
-        </p:nvSpPr>
-        <p:spPr>
-          <a:xfrm>
-            <a:off x="838200" y="1690688"/>
-            <a:ext cx="9790748" cy="5059679"/>
-          </a:xfrm>
-          <a:prstGeom prst="rect">
-            <a:avLst/>
-          </a:prstGeom>
-          <a:noFill/>
-          <a:ln>
-            <a:noFill/>
-          </a:ln>
-        </p:spPr>
-        <p:txBody>
-          <a:bodyPr spcFirstLastPara="1" wrap="square" lIns="91425" tIns="45700" rIns="91425" bIns="45700" anchor="t" anchorCtr="0">
-            <a:noAutofit/>
-          </a:bodyPr>
-          <a:lstStyle/>
-          <a:p>
-            <a:pPr marL="0" lvl="0" indent="0" algn="l" rtl="0">
-              <a:lnSpc>
-                <a:spcPct val="120000"/>
-              </a:lnSpc>
-              <a:spcBef>
-                <a:spcPts val="0"/>
-              </a:spcBef>
-              <a:spcAft>
-                <a:spcPts val="0"/>
-              </a:spcAft>
-              <a:buClr>
-                <a:srgbClr val="000000"/>
-              </a:buClr>
-              <a:buSzPts val="1875"/>
-              <a:buNone/>
-            </a:pPr>
-            <a:r>
-              <a:rPr lang="en-US" sz="1500" dirty="0" smtClean="0">
-                <a:solidFill>
-                  <a:srgbClr val="000000"/>
-                </a:solidFill>
-                <a:latin typeface="Arial"/>
-                <a:ea typeface="Arial"/>
-                <a:cs typeface="Arial"/>
-                <a:sym typeface="Arial"/>
-              </a:rPr>
-              <a:t>import </a:t>
-            </a:r>
-            <a:r>
-              <a:rPr lang="en-US" sz="1500" dirty="0" err="1" smtClean="0">
-                <a:solidFill>
-                  <a:srgbClr val="000000"/>
-                </a:solidFill>
-                <a:latin typeface="Arial"/>
-                <a:ea typeface="Arial"/>
-                <a:cs typeface="Arial"/>
-                <a:sym typeface="Arial"/>
-              </a:rPr>
-              <a:t>numpy</a:t>
-            </a:r>
-            <a:r>
-              <a:rPr lang="en-US" sz="1500" dirty="0" smtClean="0">
-                <a:solidFill>
-                  <a:srgbClr val="000000"/>
-                </a:solidFill>
-                <a:latin typeface="Arial"/>
-                <a:ea typeface="Arial"/>
-                <a:cs typeface="Arial"/>
-                <a:sym typeface="Arial"/>
-              </a:rPr>
-              <a:t> as np</a:t>
-            </a:r>
-            <a:endParaRPr dirty="0" smtClean="0"/>
-          </a:p>
-          <a:p>
-            <a:pPr marL="0" lvl="0" indent="0" algn="l" rtl="0">
-              <a:lnSpc>
-                <a:spcPct val="120000"/>
-              </a:lnSpc>
-              <a:spcBef>
-                <a:spcPts val="0"/>
-              </a:spcBef>
-              <a:spcAft>
-                <a:spcPts val="0"/>
-              </a:spcAft>
-              <a:buClr>
-                <a:srgbClr val="000000"/>
-              </a:buClr>
-              <a:buSzPts val="1875"/>
-              <a:buNone/>
-            </a:pPr>
-            <a:r>
-              <a:rPr lang="en-US" sz="1500" dirty="0" smtClean="0">
-                <a:solidFill>
-                  <a:srgbClr val="000000"/>
-                </a:solidFill>
-                <a:latin typeface="Arial"/>
-                <a:ea typeface="Arial"/>
-                <a:cs typeface="Arial"/>
-                <a:sym typeface="Arial"/>
-              </a:rPr>
-              <a:t>import </a:t>
-            </a:r>
-            <a:r>
-              <a:rPr lang="en-US" sz="1500" dirty="0" err="1" smtClean="0">
-                <a:solidFill>
-                  <a:srgbClr val="000000"/>
-                </a:solidFill>
-                <a:latin typeface="Arial"/>
-                <a:ea typeface="Arial"/>
-                <a:cs typeface="Arial"/>
-                <a:sym typeface="Arial"/>
-              </a:rPr>
-              <a:t>matplotlib.pyplot</a:t>
-            </a:r>
-            <a:r>
-              <a:rPr lang="en-US" sz="1500" dirty="0" smtClean="0">
-                <a:solidFill>
-                  <a:srgbClr val="000000"/>
-                </a:solidFill>
-                <a:latin typeface="Arial"/>
-                <a:ea typeface="Arial"/>
-                <a:cs typeface="Arial"/>
-                <a:sym typeface="Arial"/>
-              </a:rPr>
-              <a:t> as </a:t>
-            </a:r>
-            <a:r>
-              <a:rPr lang="en-US" sz="1500" dirty="0" err="1" smtClean="0">
-                <a:solidFill>
-                  <a:srgbClr val="000000"/>
-                </a:solidFill>
-                <a:latin typeface="Arial"/>
-                <a:ea typeface="Arial"/>
-                <a:cs typeface="Arial"/>
-                <a:sym typeface="Arial"/>
-              </a:rPr>
-              <a:t>plt</a:t>
-            </a:r>
-            <a:endParaRPr dirty="0" smtClean="0"/>
-          </a:p>
-          <a:p>
-            <a:pPr marL="0" lvl="0" indent="0" algn="l" rtl="0">
-              <a:lnSpc>
-                <a:spcPct val="120000"/>
-              </a:lnSpc>
-              <a:spcBef>
-                <a:spcPts val="0"/>
-              </a:spcBef>
-              <a:spcAft>
-                <a:spcPts val="0"/>
-              </a:spcAft>
-              <a:buClr>
-                <a:schemeClr val="lt1"/>
-              </a:buClr>
-              <a:buSzPts val="1875"/>
-              <a:buNone/>
-            </a:pPr>
-            <a:endParaRPr sz="1500" dirty="0" smtClean="0">
-              <a:solidFill>
-                <a:srgbClr val="000000"/>
-              </a:solidFill>
-              <a:latin typeface="Arial"/>
-              <a:ea typeface="Arial"/>
-              <a:cs typeface="Arial"/>
-              <a:sym typeface="Arial"/>
-            </a:endParaRPr>
-          </a:p>
-          <a:p>
-            <a:pPr marL="0" lvl="0" indent="0" algn="l" rtl="0">
-              <a:lnSpc>
-                <a:spcPct val="120000"/>
-              </a:lnSpc>
-              <a:spcBef>
-                <a:spcPts val="0"/>
-              </a:spcBef>
-              <a:spcAft>
-                <a:spcPts val="0"/>
-              </a:spcAft>
-              <a:buClr>
-                <a:srgbClr val="000000"/>
-              </a:buClr>
-              <a:buSzPts val="1875"/>
-              <a:buNone/>
-            </a:pPr>
-            <a:r>
-              <a:rPr lang="en-US" sz="1500" dirty="0" smtClean="0">
-                <a:solidFill>
-                  <a:srgbClr val="000000"/>
-                </a:solidFill>
-                <a:latin typeface="Arial"/>
-                <a:ea typeface="Arial"/>
-                <a:cs typeface="Arial"/>
-                <a:sym typeface="Arial"/>
-              </a:rPr>
-              <a:t>%</a:t>
-            </a:r>
-            <a:r>
-              <a:rPr lang="en-US" sz="1500" dirty="0" err="1" smtClean="0">
-                <a:solidFill>
-                  <a:srgbClr val="000000"/>
-                </a:solidFill>
-                <a:latin typeface="Arial"/>
-                <a:ea typeface="Arial"/>
-                <a:cs typeface="Arial"/>
-                <a:sym typeface="Arial"/>
-              </a:rPr>
-              <a:t>matplotlib</a:t>
-            </a:r>
-            <a:r>
-              <a:rPr lang="en-US" sz="1500" dirty="0" smtClean="0">
-                <a:solidFill>
-                  <a:srgbClr val="000000"/>
-                </a:solidFill>
-                <a:latin typeface="Arial"/>
-                <a:ea typeface="Arial"/>
-                <a:cs typeface="Arial"/>
-                <a:sym typeface="Arial"/>
-              </a:rPr>
-              <a:t> inline</a:t>
-            </a:r>
-            <a:endParaRPr sz="1500" dirty="0" smtClean="0">
-              <a:solidFill>
-                <a:srgbClr val="000000"/>
-              </a:solidFill>
-              <a:latin typeface="Arial"/>
-              <a:ea typeface="Arial"/>
-              <a:cs typeface="Arial"/>
-              <a:sym typeface="Arial"/>
-            </a:endParaRPr>
-          </a:p>
-          <a:p>
-            <a:pPr marL="0" lvl="0" indent="0" algn="l" rtl="0">
-              <a:lnSpc>
-                <a:spcPct val="120000"/>
-              </a:lnSpc>
-              <a:spcBef>
-                <a:spcPts val="0"/>
-              </a:spcBef>
-              <a:spcAft>
-                <a:spcPts val="0"/>
-              </a:spcAft>
-              <a:buClr>
-                <a:schemeClr val="lt1"/>
-              </a:buClr>
-              <a:buSzPts val="1875"/>
-              <a:buNone/>
-            </a:pPr>
-            <a:endParaRPr sz="1500" dirty="0" smtClean="0">
-              <a:solidFill>
-                <a:srgbClr val="000000"/>
-              </a:solidFill>
-              <a:latin typeface="Arial"/>
-              <a:ea typeface="Arial"/>
-              <a:cs typeface="Arial"/>
-              <a:sym typeface="Arial"/>
-            </a:endParaRPr>
-          </a:p>
-          <a:p>
-            <a:pPr marL="0" lvl="0" indent="0" algn="l" rtl="0">
-              <a:lnSpc>
-                <a:spcPct val="120000"/>
-              </a:lnSpc>
-              <a:spcBef>
-                <a:spcPts val="0"/>
-              </a:spcBef>
-              <a:spcAft>
-                <a:spcPts val="0"/>
-              </a:spcAft>
-              <a:buClr>
-                <a:srgbClr val="000000"/>
-              </a:buClr>
-              <a:buSzPts val="1875"/>
-              <a:buNone/>
-            </a:pPr>
-            <a:r>
-              <a:rPr lang="en-US" sz="1500" dirty="0" smtClean="0">
-                <a:solidFill>
-                  <a:srgbClr val="000000"/>
-                </a:solidFill>
-                <a:latin typeface="Arial"/>
-                <a:ea typeface="Arial"/>
-                <a:cs typeface="Arial"/>
-                <a:sym typeface="Arial"/>
-              </a:rPr>
-              <a:t>data = </a:t>
-            </a:r>
-            <a:r>
-              <a:rPr lang="en-US" sz="1500" dirty="0" err="1" smtClean="0">
-                <a:solidFill>
-                  <a:srgbClr val="000000"/>
-                </a:solidFill>
-                <a:latin typeface="Arial"/>
-                <a:ea typeface="Arial"/>
-                <a:cs typeface="Arial"/>
-                <a:sym typeface="Arial"/>
-              </a:rPr>
-              <a:t>np.random.randn</a:t>
-            </a:r>
-            <a:r>
-              <a:rPr lang="en-US" sz="1500" dirty="0" smtClean="0">
-                <a:solidFill>
-                  <a:srgbClr val="000000"/>
-                </a:solidFill>
-                <a:latin typeface="Arial"/>
-                <a:ea typeface="Arial"/>
-                <a:cs typeface="Arial"/>
-                <a:sym typeface="Arial"/>
-              </a:rPr>
-              <a:t>(1000000)</a:t>
-            </a:r>
-            <a:endParaRPr dirty="0" smtClean="0"/>
-          </a:p>
-          <a:p>
-            <a:pPr marL="0" lvl="0" indent="0" algn="l" rtl="0">
-              <a:lnSpc>
-                <a:spcPct val="120000"/>
-              </a:lnSpc>
-              <a:spcBef>
-                <a:spcPts val="0"/>
-              </a:spcBef>
-              <a:spcAft>
-                <a:spcPts val="0"/>
-              </a:spcAft>
-              <a:buClr>
-                <a:schemeClr val="lt1"/>
-              </a:buClr>
-              <a:buSzPts val="1875"/>
-              <a:buNone/>
-            </a:pPr>
-            <a:endParaRPr sz="1500" dirty="0" smtClean="0">
-              <a:solidFill>
-                <a:srgbClr val="000000"/>
-              </a:solidFill>
-              <a:latin typeface="Arial"/>
-              <a:ea typeface="Arial"/>
-              <a:cs typeface="Arial"/>
-              <a:sym typeface="Arial"/>
-            </a:endParaRPr>
-          </a:p>
-          <a:p>
-            <a:pPr marL="0" lvl="0" indent="0" algn="l" rtl="0">
-              <a:lnSpc>
-                <a:spcPct val="120000"/>
-              </a:lnSpc>
-              <a:spcBef>
-                <a:spcPts val="0"/>
-              </a:spcBef>
-              <a:spcAft>
-                <a:spcPts val="0"/>
-              </a:spcAft>
-              <a:buClr>
-                <a:srgbClr val="008000"/>
-              </a:buClr>
-              <a:buSzPts val="1875"/>
-              <a:buNone/>
-            </a:pPr>
-            <a:r>
-              <a:rPr lang="en-US" sz="1500" dirty="0" smtClean="0">
-                <a:solidFill>
-                  <a:srgbClr val="008000"/>
-                </a:solidFill>
-                <a:latin typeface="Arial"/>
-                <a:ea typeface="Arial"/>
-                <a:cs typeface="Arial"/>
-                <a:sym typeface="Arial"/>
-              </a:rPr>
-              <a:t># </a:t>
-            </a:r>
-            <a:r>
-              <a:rPr lang="en-US" sz="1500" dirty="0" err="1" smtClean="0">
-                <a:solidFill>
-                  <a:srgbClr val="008000"/>
-                </a:solidFill>
-                <a:latin typeface="Arial"/>
-                <a:ea typeface="Arial"/>
-                <a:cs typeface="Arial"/>
-                <a:sym typeface="Arial"/>
-              </a:rPr>
-              <a:t>histograma</a:t>
-            </a:r>
-            <a:r>
-              <a:rPr lang="en-US" sz="1500" dirty="0" smtClean="0">
-                <a:solidFill>
-                  <a:srgbClr val="008000"/>
-                </a:solidFill>
-                <a:latin typeface="Arial"/>
-                <a:ea typeface="Arial"/>
-                <a:cs typeface="Arial"/>
-                <a:sym typeface="Arial"/>
-              </a:rPr>
-              <a:t> (pdf)</a:t>
-            </a:r>
-            <a:endParaRPr dirty="0" smtClean="0"/>
-          </a:p>
-          <a:p>
-            <a:pPr marL="0" lvl="0" indent="0" algn="l" rtl="0">
-              <a:lnSpc>
-                <a:spcPct val="120000"/>
-              </a:lnSpc>
-              <a:spcBef>
-                <a:spcPts val="0"/>
-              </a:spcBef>
-              <a:spcAft>
-                <a:spcPts val="0"/>
-              </a:spcAft>
-              <a:buClr>
-                <a:srgbClr val="000000"/>
-              </a:buClr>
-              <a:buSzPts val="1875"/>
-              <a:buNone/>
-            </a:pPr>
-            <a:r>
-              <a:rPr lang="en-US" sz="1500" dirty="0" err="1" smtClean="0">
-                <a:solidFill>
-                  <a:srgbClr val="000000"/>
-                </a:solidFill>
-                <a:latin typeface="Arial"/>
-                <a:ea typeface="Arial"/>
-                <a:cs typeface="Arial"/>
-                <a:sym typeface="Arial"/>
-              </a:rPr>
-              <a:t>plt.subplot</a:t>
-            </a:r>
-            <a:r>
-              <a:rPr lang="en-US" sz="1500" dirty="0" smtClean="0">
-                <a:solidFill>
-                  <a:srgbClr val="000000"/>
-                </a:solidFill>
-                <a:latin typeface="Arial"/>
-                <a:ea typeface="Arial"/>
-                <a:cs typeface="Arial"/>
-                <a:sym typeface="Arial"/>
-              </a:rPr>
-              <a:t>(1, 2, 1)</a:t>
-            </a:r>
-            <a:endParaRPr dirty="0" smtClean="0"/>
-          </a:p>
-          <a:p>
-            <a:pPr marL="0" indent="0">
-              <a:lnSpc>
-                <a:spcPct val="120000"/>
-              </a:lnSpc>
-              <a:spcBef>
-                <a:spcPts val="0"/>
-              </a:spcBef>
-              <a:buClr>
-                <a:srgbClr val="000000"/>
-              </a:buClr>
-              <a:buSzPts val="1875"/>
-              <a:buNone/>
-            </a:pPr>
-            <a:r>
-              <a:rPr lang="pt-BR" sz="1500" dirty="0" smtClean="0">
-                <a:solidFill>
-                  <a:srgbClr val="000000"/>
-                </a:solidFill>
-                <a:latin typeface="Arial"/>
-                <a:ea typeface="Arial"/>
-                <a:cs typeface="Arial"/>
-              </a:rPr>
-              <a:t>plt.title</a:t>
-            </a:r>
-            <a:r>
-              <a:rPr lang="pt-BR" sz="1500" dirty="0">
-                <a:solidFill>
-                  <a:srgbClr val="000000"/>
-                </a:solidFill>
-                <a:latin typeface="Arial"/>
-                <a:ea typeface="Arial"/>
-                <a:cs typeface="Arial"/>
-              </a:rPr>
-              <a:t>('PDF</a:t>
-            </a:r>
-            <a:r>
-              <a:rPr lang="pt-BR" sz="1500" dirty="0" smtClean="0">
-                <a:solidFill>
-                  <a:srgbClr val="000000"/>
-                </a:solidFill>
-                <a:latin typeface="Arial"/>
-                <a:ea typeface="Arial"/>
-                <a:cs typeface="Arial"/>
-              </a:rPr>
-              <a:t>')</a:t>
-            </a:r>
-            <a:endParaRPr dirty="0" smtClean="0"/>
-          </a:p>
-          <a:p>
-            <a:pPr marL="0" lvl="0" indent="0" algn="l" rtl="0">
-              <a:lnSpc>
-                <a:spcPct val="120000"/>
-              </a:lnSpc>
-              <a:spcBef>
-                <a:spcPts val="0"/>
-              </a:spcBef>
-              <a:spcAft>
-                <a:spcPts val="0"/>
-              </a:spcAft>
-              <a:buClr>
-                <a:srgbClr val="000000"/>
-              </a:buClr>
-              <a:buSzPts val="1875"/>
-              <a:buNone/>
-            </a:pPr>
-            <a:r>
-              <a:rPr lang="en-US" sz="1500" dirty="0" err="1" smtClean="0">
-                <a:solidFill>
-                  <a:srgbClr val="000000"/>
-                </a:solidFill>
-                <a:latin typeface="Arial"/>
-                <a:ea typeface="Arial"/>
-                <a:cs typeface="Arial"/>
-                <a:sym typeface="Arial"/>
-              </a:rPr>
-              <a:t>plt.hist</a:t>
-            </a:r>
-            <a:r>
-              <a:rPr lang="en-US" sz="1500" dirty="0" smtClean="0">
-                <a:solidFill>
-                  <a:srgbClr val="000000"/>
-                </a:solidFill>
-                <a:latin typeface="Arial"/>
-                <a:ea typeface="Arial"/>
-                <a:cs typeface="Arial"/>
-                <a:sym typeface="Arial"/>
-              </a:rPr>
-              <a:t>(data, bins=100, density=True, color='b')</a:t>
-            </a:r>
-            <a:endParaRPr dirty="0" smtClean="0"/>
-          </a:p>
-          <a:p>
-            <a:pPr marL="0" lvl="0" indent="0" algn="l" rtl="0">
-              <a:lnSpc>
-                <a:spcPct val="120000"/>
-              </a:lnSpc>
-              <a:spcBef>
-                <a:spcPts val="0"/>
-              </a:spcBef>
-              <a:spcAft>
-                <a:spcPts val="0"/>
-              </a:spcAft>
-              <a:buClr>
-                <a:schemeClr val="lt1"/>
-              </a:buClr>
-              <a:buSzPts val="1875"/>
-              <a:buNone/>
-            </a:pPr>
-            <a:endParaRPr sz="1500" dirty="0" smtClean="0">
-              <a:solidFill>
-                <a:srgbClr val="000000"/>
-              </a:solidFill>
-              <a:latin typeface="Arial"/>
-              <a:ea typeface="Arial"/>
-              <a:cs typeface="Arial"/>
-              <a:sym typeface="Arial"/>
-            </a:endParaRPr>
-          </a:p>
-          <a:p>
-            <a:pPr marL="0" lvl="0" indent="0" algn="l" rtl="0">
-              <a:lnSpc>
-                <a:spcPct val="120000"/>
-              </a:lnSpc>
-              <a:spcBef>
-                <a:spcPts val="0"/>
-              </a:spcBef>
-              <a:spcAft>
-                <a:spcPts val="0"/>
-              </a:spcAft>
-              <a:buClr>
-                <a:srgbClr val="008000"/>
-              </a:buClr>
-              <a:buSzPts val="1875"/>
-              <a:buNone/>
-            </a:pPr>
-            <a:r>
-              <a:rPr lang="en-US" sz="1500" dirty="0" smtClean="0">
-                <a:solidFill>
-                  <a:srgbClr val="008000"/>
-                </a:solidFill>
-                <a:latin typeface="Arial"/>
-                <a:ea typeface="Arial"/>
-                <a:cs typeface="Arial"/>
-                <a:sym typeface="Arial"/>
-              </a:rPr>
-              <a:t># CDF </a:t>
-            </a:r>
-            <a:r>
-              <a:rPr lang="en-US" sz="1500" dirty="0" err="1" smtClean="0">
-                <a:solidFill>
-                  <a:srgbClr val="008000"/>
-                </a:solidFill>
-                <a:latin typeface="Arial"/>
-                <a:ea typeface="Arial"/>
-                <a:cs typeface="Arial"/>
-                <a:sym typeface="Arial"/>
-              </a:rPr>
-              <a:t>empirica</a:t>
-            </a:r>
-            <a:endParaRPr dirty="0" smtClean="0"/>
-          </a:p>
-          <a:p>
-            <a:pPr marL="0" lvl="0" indent="0" algn="l" rtl="0">
-              <a:lnSpc>
-                <a:spcPct val="120000"/>
-              </a:lnSpc>
-              <a:spcBef>
-                <a:spcPts val="0"/>
-              </a:spcBef>
-              <a:spcAft>
-                <a:spcPts val="0"/>
-              </a:spcAft>
-              <a:buClr>
-                <a:srgbClr val="000000"/>
-              </a:buClr>
-              <a:buSzPts val="1875"/>
-              <a:buNone/>
-            </a:pPr>
-            <a:r>
-              <a:rPr lang="en-US" sz="1500" dirty="0" err="1" smtClean="0">
-                <a:solidFill>
-                  <a:srgbClr val="000000"/>
-                </a:solidFill>
-                <a:latin typeface="Arial"/>
-                <a:ea typeface="Arial"/>
-                <a:cs typeface="Arial"/>
-                <a:sym typeface="Arial"/>
-              </a:rPr>
-              <a:t>plt.subplot</a:t>
-            </a:r>
-            <a:r>
-              <a:rPr lang="en-US" sz="1500" dirty="0" smtClean="0">
-                <a:solidFill>
-                  <a:srgbClr val="000000"/>
-                </a:solidFill>
-                <a:latin typeface="Arial"/>
-                <a:ea typeface="Arial"/>
-                <a:cs typeface="Arial"/>
-                <a:sym typeface="Arial"/>
-              </a:rPr>
-              <a:t>(1, 2, 2)</a:t>
-            </a:r>
-            <a:endParaRPr dirty="0" smtClean="0"/>
-          </a:p>
-          <a:p>
-            <a:pPr marL="0" lvl="0" indent="0" algn="l" rtl="0">
-              <a:lnSpc>
-                <a:spcPct val="120000"/>
-              </a:lnSpc>
-              <a:spcBef>
-                <a:spcPts val="0"/>
-              </a:spcBef>
-              <a:spcAft>
-                <a:spcPts val="0"/>
-              </a:spcAft>
-              <a:buClr>
-                <a:srgbClr val="000000"/>
-              </a:buClr>
-              <a:buSzPts val="1875"/>
-              <a:buNone/>
-            </a:pPr>
-            <a:r>
-              <a:rPr lang="en-US" sz="1500" dirty="0" err="1" smtClean="0">
-                <a:solidFill>
-                  <a:srgbClr val="000000"/>
-                </a:solidFill>
-                <a:latin typeface="Arial"/>
-                <a:ea typeface="Arial"/>
-                <a:cs typeface="Arial"/>
-                <a:sym typeface="Arial"/>
-              </a:rPr>
-              <a:t>plt.title</a:t>
-            </a:r>
-            <a:r>
-              <a:rPr lang="en-US" sz="1500" dirty="0" smtClean="0">
-                <a:solidFill>
-                  <a:srgbClr val="000000"/>
-                </a:solidFill>
-                <a:latin typeface="Arial"/>
-                <a:ea typeface="Arial"/>
-                <a:cs typeface="Arial"/>
-                <a:sym typeface="Arial"/>
-              </a:rPr>
-              <a:t>('CDF')</a:t>
-            </a:r>
-            <a:endParaRPr dirty="0" smtClean="0"/>
-          </a:p>
-          <a:p>
-            <a:pPr marL="0" lvl="0" indent="0" algn="l" rtl="0">
-              <a:lnSpc>
-                <a:spcPct val="120000"/>
-              </a:lnSpc>
-              <a:spcBef>
-                <a:spcPts val="0"/>
-              </a:spcBef>
-              <a:spcAft>
-                <a:spcPts val="0"/>
-              </a:spcAft>
-              <a:buClr>
-                <a:srgbClr val="000000"/>
-              </a:buClr>
-              <a:buSzPts val="1875"/>
-              <a:buNone/>
-            </a:pPr>
-            <a:r>
-              <a:rPr lang="en-US" sz="1500" dirty="0" err="1" smtClean="0">
-                <a:solidFill>
-                  <a:srgbClr val="000000"/>
-                </a:solidFill>
-                <a:latin typeface="Arial"/>
-                <a:ea typeface="Arial"/>
-                <a:cs typeface="Arial"/>
-                <a:sym typeface="Arial"/>
-              </a:rPr>
-              <a:t>plt.hist</a:t>
-            </a:r>
-            <a:r>
-              <a:rPr lang="en-US" sz="1500" dirty="0" smtClean="0">
-                <a:solidFill>
-                  <a:srgbClr val="000000"/>
-                </a:solidFill>
-                <a:latin typeface="Arial"/>
-                <a:ea typeface="Arial"/>
-                <a:cs typeface="Arial"/>
-                <a:sym typeface="Arial"/>
-              </a:rPr>
-              <a:t>(data, bins=100, density=True, color='g', cumulative=True)</a:t>
-            </a:r>
-            <a:endParaRPr dirty="0" smtClean="0"/>
-          </a:p>
-          <a:p>
-            <a:pPr marL="0" lvl="0" indent="0" algn="l" rtl="0">
-              <a:lnSpc>
-                <a:spcPct val="120000"/>
-              </a:lnSpc>
-              <a:spcBef>
-                <a:spcPts val="0"/>
-              </a:spcBef>
-              <a:spcAft>
-                <a:spcPts val="0"/>
-              </a:spcAft>
-              <a:buClr>
-                <a:schemeClr val="lt1"/>
-              </a:buClr>
-              <a:buSzPts val="1875"/>
-              <a:buNone/>
-            </a:pPr>
-            <a:endParaRPr sz="1500" dirty="0" smtClean="0">
-              <a:solidFill>
-                <a:srgbClr val="000000"/>
-              </a:solidFill>
-              <a:latin typeface="Arial"/>
-              <a:ea typeface="Arial"/>
-              <a:cs typeface="Arial"/>
-              <a:sym typeface="Arial"/>
-            </a:endParaRPr>
-          </a:p>
-          <a:p>
-            <a:pPr marL="0" lvl="0" indent="0" algn="l" rtl="0">
-              <a:lnSpc>
-                <a:spcPct val="120000"/>
-              </a:lnSpc>
-              <a:spcBef>
-                <a:spcPts val="0"/>
-              </a:spcBef>
-              <a:spcAft>
-                <a:spcPts val="0"/>
-              </a:spcAft>
-              <a:buClr>
-                <a:srgbClr val="000000"/>
-              </a:buClr>
-              <a:buSzPts val="1875"/>
-              <a:buNone/>
-            </a:pPr>
-            <a:r>
-              <a:rPr lang="en-US" sz="1500" dirty="0" err="1" smtClean="0">
-                <a:solidFill>
-                  <a:srgbClr val="000000"/>
-                </a:solidFill>
-                <a:latin typeface="Arial"/>
-                <a:ea typeface="Arial"/>
-                <a:cs typeface="Arial"/>
-                <a:sym typeface="Arial"/>
-              </a:rPr>
-              <a:t>plt.savefig</a:t>
-            </a:r>
-            <a:r>
-              <a:rPr lang="en-US" sz="1500" dirty="0" smtClean="0">
-                <a:solidFill>
-                  <a:srgbClr val="000000"/>
-                </a:solidFill>
-                <a:latin typeface="Arial"/>
-                <a:ea typeface="Arial"/>
-                <a:cs typeface="Arial"/>
-                <a:sym typeface="Arial"/>
-              </a:rPr>
-              <a:t>('histogram.png') </a:t>
-            </a:r>
-            <a:r>
-              <a:rPr lang="en-US" sz="1500" dirty="0" smtClean="0">
-                <a:solidFill>
-                  <a:srgbClr val="008000"/>
-                </a:solidFill>
-                <a:latin typeface="Arial"/>
-                <a:ea typeface="Arial"/>
-                <a:cs typeface="Arial"/>
-                <a:sym typeface="Arial"/>
-              </a:rPr>
-              <a:t># </a:t>
-            </a:r>
-            <a:r>
-              <a:rPr lang="en-US" sz="1500" dirty="0" err="1" smtClean="0">
-                <a:solidFill>
-                  <a:srgbClr val="008000"/>
-                </a:solidFill>
-                <a:latin typeface="Arial"/>
-                <a:ea typeface="Arial"/>
-                <a:cs typeface="Arial"/>
-                <a:sym typeface="Arial"/>
-              </a:rPr>
-              <a:t>salva</a:t>
-            </a:r>
-            <a:r>
-              <a:rPr lang="en-US" sz="1500" dirty="0" smtClean="0">
-                <a:solidFill>
-                  <a:srgbClr val="008000"/>
-                </a:solidFill>
-                <a:latin typeface="Arial"/>
-                <a:ea typeface="Arial"/>
-                <a:cs typeface="Arial"/>
-                <a:sym typeface="Arial"/>
-              </a:rPr>
-              <a:t> </a:t>
-            </a:r>
-            <a:r>
-              <a:rPr lang="en-US" sz="1500" dirty="0" err="1" smtClean="0">
-                <a:solidFill>
-                  <a:srgbClr val="008000"/>
-                </a:solidFill>
-                <a:latin typeface="Arial"/>
-                <a:ea typeface="Arial"/>
-                <a:cs typeface="Arial"/>
-                <a:sym typeface="Arial"/>
-              </a:rPr>
-              <a:t>figura</a:t>
-            </a:r>
-            <a:r>
-              <a:rPr lang="en-US" sz="1500" dirty="0" smtClean="0">
-                <a:solidFill>
-                  <a:srgbClr val="008000"/>
-                </a:solidFill>
-                <a:latin typeface="Arial"/>
-                <a:ea typeface="Arial"/>
-                <a:cs typeface="Arial"/>
-                <a:sym typeface="Arial"/>
-              </a:rPr>
-              <a:t> </a:t>
-            </a:r>
-            <a:r>
-              <a:rPr lang="en-US" sz="1500" dirty="0" err="1" smtClean="0">
-                <a:solidFill>
-                  <a:srgbClr val="008000"/>
-                </a:solidFill>
-                <a:latin typeface="Arial"/>
-                <a:ea typeface="Arial"/>
-                <a:cs typeface="Arial"/>
-                <a:sym typeface="Arial"/>
-              </a:rPr>
-              <a:t>em</a:t>
-            </a:r>
-            <a:r>
-              <a:rPr lang="en-US" sz="1500" dirty="0" smtClean="0">
-                <a:solidFill>
-                  <a:srgbClr val="008000"/>
-                </a:solidFill>
-                <a:latin typeface="Arial"/>
-                <a:ea typeface="Arial"/>
-                <a:cs typeface="Arial"/>
-                <a:sym typeface="Arial"/>
-              </a:rPr>
-              <a:t> </a:t>
-            </a:r>
-            <a:r>
-              <a:rPr lang="en-US" sz="1500" dirty="0" err="1" smtClean="0">
-                <a:solidFill>
-                  <a:srgbClr val="008000"/>
-                </a:solidFill>
-                <a:latin typeface="Arial"/>
-                <a:ea typeface="Arial"/>
-                <a:cs typeface="Arial"/>
-                <a:sym typeface="Arial"/>
-              </a:rPr>
-              <a:t>arquivo</a:t>
-            </a:r>
-            <a:endParaRPr lang="en-US" sz="1500" dirty="0" smtClean="0">
-              <a:solidFill>
-                <a:srgbClr val="008000"/>
-              </a:solidFill>
-              <a:latin typeface="Arial"/>
-              <a:ea typeface="Arial"/>
-              <a:cs typeface="Arial"/>
-              <a:sym typeface="Arial"/>
-            </a:endParaRPr>
-          </a:p>
-        </p:txBody>
-      </p:sp>
       <p:pic>
         <p:nvPicPr>
           <p:cNvPr id="357" name="Google Shape;357;p17"/>
@@ -21183,7 +20239,7 @@
         </p:nvSpPr>
         <p:spPr>
           <a:xfrm>
-            <a:off x="838200" y="365125"/>
+            <a:off x="838200" y="74845"/>
             <a:ext cx="10846434" cy="1325563"/>
           </a:xfrm>
           <a:prstGeom prst="rect">
@@ -21317,6 +20373,2813 @@
                 <a:srgbClr val="00B0F0"/>
               </a:solidFill>
             </a:endParaRPr>
+          </a:p>
+        </p:txBody>
+      </p:sp>
+      <p:sp>
+        <p:nvSpPr>
+          <p:cNvPr id="7" name="Rectangle 6"/>
+          <p:cNvSpPr/>
+          <p:nvPr/>
+        </p:nvSpPr>
+        <p:spPr>
+          <a:xfrm>
+            <a:off x="838200" y="1080546"/>
+            <a:ext cx="8897257" cy="5632311"/>
+          </a:xfrm>
+          <a:prstGeom prst="rect">
+            <a:avLst/>
+          </a:prstGeom>
+        </p:spPr>
+        <p:txBody>
+          <a:bodyPr wrap="square">
+            <a:spAutoFit/>
+          </a:bodyPr>
+          <a:lstStyle/>
+          <a:p>
+            <a:r>
+              <a:rPr lang="pt-BR" sz="1200" b="1" dirty="0" smtClean="0">
+                <a:solidFill>
+                  <a:srgbClr val="0000FF"/>
+                </a:solidFill>
+                <a:highlight>
+                  <a:srgbClr val="FFFFFF"/>
+                </a:highlight>
+              </a:rPr>
+              <a:t>import</a:t>
+            </a:r>
+            <a:r>
+              <a:rPr lang="pt-BR" sz="1200" dirty="0" smtClean="0">
+                <a:solidFill>
+                  <a:srgbClr val="000000"/>
+                </a:solidFill>
+                <a:highlight>
+                  <a:srgbClr val="FFFFFF"/>
+                </a:highlight>
+              </a:rPr>
+              <a:t> </a:t>
+            </a:r>
+            <a:r>
+              <a:rPr lang="pt-BR" sz="1200" dirty="0">
+                <a:solidFill>
+                  <a:srgbClr val="000000"/>
+                </a:solidFill>
+                <a:highlight>
+                  <a:srgbClr val="FFFFFF"/>
+                </a:highlight>
+              </a:rPr>
+              <a:t>numpy </a:t>
+            </a:r>
+            <a:r>
+              <a:rPr lang="pt-BR" sz="1200" b="1" dirty="0">
+                <a:solidFill>
+                  <a:srgbClr val="0000FF"/>
+                </a:solidFill>
+                <a:highlight>
+                  <a:srgbClr val="FFFFFF"/>
+                </a:highlight>
+              </a:rPr>
+              <a:t>as</a:t>
+            </a:r>
+            <a:r>
+              <a:rPr lang="pt-BR" sz="1200" dirty="0">
+                <a:solidFill>
+                  <a:srgbClr val="000000"/>
+                </a:solidFill>
+                <a:highlight>
+                  <a:srgbClr val="FFFFFF"/>
+                </a:highlight>
+              </a:rPr>
+              <a:t> np</a:t>
+            </a:r>
+          </a:p>
+          <a:p>
+            <a:r>
+              <a:rPr lang="pt-BR" sz="1200" b="1" dirty="0">
+                <a:solidFill>
+                  <a:srgbClr val="0000FF"/>
+                </a:solidFill>
+                <a:highlight>
+                  <a:srgbClr val="FFFFFF"/>
+                </a:highlight>
+              </a:rPr>
+              <a:t>import</a:t>
+            </a:r>
+            <a:r>
+              <a:rPr lang="pt-BR" sz="1200" dirty="0">
+                <a:solidFill>
+                  <a:srgbClr val="000000"/>
+                </a:solidFill>
+                <a:highlight>
+                  <a:srgbClr val="FFFFFF"/>
+                </a:highlight>
+              </a:rPr>
+              <a:t> matplotlib</a:t>
+            </a:r>
+            <a:r>
+              <a:rPr lang="pt-BR" sz="1200" b="1" dirty="0">
+                <a:solidFill>
+                  <a:srgbClr val="000080"/>
+                </a:solidFill>
+                <a:highlight>
+                  <a:srgbClr val="FFFFFF"/>
+                </a:highlight>
+              </a:rPr>
+              <a:t>.</a:t>
+            </a:r>
+            <a:r>
+              <a:rPr lang="pt-BR" sz="1200" dirty="0">
+                <a:solidFill>
+                  <a:srgbClr val="000000"/>
+                </a:solidFill>
+                <a:highlight>
+                  <a:srgbClr val="FFFFFF"/>
+                </a:highlight>
+              </a:rPr>
+              <a:t>pyplot </a:t>
+            </a:r>
+            <a:r>
+              <a:rPr lang="pt-BR" sz="1200" b="1" dirty="0">
+                <a:solidFill>
+                  <a:srgbClr val="0000FF"/>
+                </a:solidFill>
+                <a:highlight>
+                  <a:srgbClr val="FFFFFF"/>
+                </a:highlight>
+              </a:rPr>
+              <a:t>as</a:t>
+            </a:r>
+            <a:r>
+              <a:rPr lang="pt-BR" sz="1200" dirty="0">
+                <a:solidFill>
+                  <a:srgbClr val="000000"/>
+                </a:solidFill>
+                <a:highlight>
+                  <a:srgbClr val="FFFFFF"/>
+                </a:highlight>
+              </a:rPr>
+              <a:t> plt</a:t>
+            </a:r>
+          </a:p>
+          <a:p>
+            <a:endParaRPr lang="pt-BR" sz="1200" dirty="0">
+              <a:solidFill>
+                <a:srgbClr val="000000"/>
+              </a:solidFill>
+              <a:highlight>
+                <a:srgbClr val="FFFFFF"/>
+              </a:highlight>
+            </a:endParaRPr>
+          </a:p>
+          <a:p>
+            <a:r>
+              <a:rPr lang="pt-BR" sz="1200" dirty="0">
+                <a:solidFill>
+                  <a:srgbClr val="000000"/>
+                </a:solidFill>
+                <a:highlight>
+                  <a:srgbClr val="FFFFFF"/>
+                </a:highlight>
+              </a:rPr>
+              <a:t>np</a:t>
+            </a:r>
+            <a:r>
+              <a:rPr lang="pt-BR" sz="1200" b="1" dirty="0">
+                <a:solidFill>
+                  <a:srgbClr val="000080"/>
+                </a:solidFill>
+                <a:highlight>
+                  <a:srgbClr val="FFFFFF"/>
+                </a:highlight>
+              </a:rPr>
+              <a:t>.</a:t>
+            </a:r>
+            <a:r>
+              <a:rPr lang="pt-BR" sz="1200" dirty="0">
+                <a:solidFill>
+                  <a:srgbClr val="000000"/>
+                </a:solidFill>
+                <a:highlight>
+                  <a:srgbClr val="FFFFFF"/>
+                </a:highlight>
+              </a:rPr>
+              <a:t>random</a:t>
+            </a:r>
+            <a:r>
+              <a:rPr lang="pt-BR" sz="1200" b="1" dirty="0">
+                <a:solidFill>
+                  <a:srgbClr val="000080"/>
+                </a:solidFill>
+                <a:highlight>
+                  <a:srgbClr val="FFFFFF"/>
+                </a:highlight>
+              </a:rPr>
+              <a:t>.</a:t>
+            </a:r>
+            <a:r>
+              <a:rPr lang="pt-BR" sz="1200" dirty="0">
+                <a:solidFill>
+                  <a:srgbClr val="000000"/>
+                </a:solidFill>
+                <a:highlight>
+                  <a:srgbClr val="FFFFFF"/>
+                </a:highlight>
+              </a:rPr>
+              <a:t>seed</a:t>
+            </a:r>
+            <a:r>
+              <a:rPr lang="pt-BR" sz="1200" b="1" dirty="0">
+                <a:solidFill>
+                  <a:srgbClr val="000080"/>
+                </a:solidFill>
+                <a:highlight>
+                  <a:srgbClr val="FFFFFF"/>
+                </a:highlight>
+              </a:rPr>
+              <a:t>(</a:t>
+            </a:r>
+            <a:r>
+              <a:rPr lang="pt-BR" sz="1200" dirty="0">
+                <a:solidFill>
+                  <a:srgbClr val="FF0000"/>
+                </a:solidFill>
+                <a:highlight>
+                  <a:srgbClr val="FFFFFF"/>
+                </a:highlight>
+              </a:rPr>
+              <a:t>42</a:t>
+            </a:r>
+            <a:r>
+              <a:rPr lang="pt-BR" sz="1200" b="1" dirty="0">
+                <a:solidFill>
+                  <a:srgbClr val="000080"/>
+                </a:solidFill>
+                <a:highlight>
+                  <a:srgbClr val="FFFFFF"/>
+                </a:highlight>
+              </a:rPr>
+              <a:t>)</a:t>
+            </a:r>
+            <a:r>
+              <a:rPr lang="pt-BR" sz="1200" dirty="0">
+                <a:solidFill>
+                  <a:srgbClr val="000000"/>
+                </a:solidFill>
+                <a:highlight>
+                  <a:srgbClr val="FFFFFF"/>
+                </a:highlight>
+              </a:rPr>
+              <a:t> </a:t>
+            </a:r>
+            <a:r>
+              <a:rPr lang="pt-BR" sz="1200" dirty="0">
+                <a:solidFill>
+                  <a:srgbClr val="008000"/>
+                </a:solidFill>
+                <a:highlight>
+                  <a:srgbClr val="FFFFFF"/>
+                </a:highlight>
+              </a:rPr>
+              <a:t># Reseta o gerador PN.</a:t>
+            </a:r>
+            <a:endParaRPr lang="pt-BR" sz="1200" dirty="0">
+              <a:solidFill>
+                <a:srgbClr val="000000"/>
+              </a:solidFill>
+              <a:highlight>
+                <a:srgbClr val="FFFFFF"/>
+              </a:highlight>
+            </a:endParaRPr>
+          </a:p>
+          <a:p>
+            <a:endParaRPr lang="pt-BR" sz="1200" dirty="0">
+              <a:solidFill>
+                <a:srgbClr val="000000"/>
+              </a:solidFill>
+              <a:highlight>
+                <a:srgbClr val="FFFFFF"/>
+              </a:highlight>
+            </a:endParaRPr>
+          </a:p>
+          <a:p>
+            <a:r>
+              <a:rPr lang="pt-BR" sz="1200" dirty="0">
+                <a:solidFill>
+                  <a:srgbClr val="000000"/>
+                </a:solidFill>
+                <a:highlight>
+                  <a:srgbClr val="FFFFFF"/>
+                </a:highlight>
+              </a:rPr>
+              <a:t>N </a:t>
+            </a:r>
+            <a:r>
+              <a:rPr lang="pt-BR" sz="1200" b="1" dirty="0">
+                <a:solidFill>
+                  <a:srgbClr val="000080"/>
+                </a:solidFill>
+                <a:highlight>
+                  <a:srgbClr val="FFFFFF"/>
+                </a:highlight>
+              </a:rPr>
+              <a:t>=</a:t>
+            </a:r>
+            <a:r>
+              <a:rPr lang="pt-BR" sz="1200" dirty="0">
+                <a:solidFill>
+                  <a:srgbClr val="000000"/>
+                </a:solidFill>
+                <a:highlight>
+                  <a:srgbClr val="FFFFFF"/>
+                </a:highlight>
+              </a:rPr>
+              <a:t> </a:t>
+            </a:r>
+            <a:r>
+              <a:rPr lang="pt-BR" sz="1200" dirty="0">
+                <a:solidFill>
+                  <a:srgbClr val="FF0000"/>
+                </a:solidFill>
+                <a:highlight>
+                  <a:srgbClr val="FFFFFF"/>
+                </a:highlight>
+              </a:rPr>
+              <a:t>1000000</a:t>
+            </a:r>
+            <a:r>
+              <a:rPr lang="pt-BR" sz="1200" dirty="0">
+                <a:solidFill>
+                  <a:srgbClr val="000000"/>
+                </a:solidFill>
+                <a:highlight>
+                  <a:srgbClr val="FFFFFF"/>
+                </a:highlight>
+              </a:rPr>
+              <a:t> </a:t>
+            </a:r>
+            <a:r>
+              <a:rPr lang="pt-BR" sz="1200" dirty="0">
+                <a:solidFill>
+                  <a:srgbClr val="008000"/>
+                </a:solidFill>
+                <a:highlight>
+                  <a:srgbClr val="FFFFFF"/>
+                </a:highlight>
+              </a:rPr>
+              <a:t># Número de exemplos.</a:t>
+            </a:r>
+            <a:endParaRPr lang="pt-BR" sz="1200" dirty="0">
+              <a:solidFill>
+                <a:srgbClr val="000000"/>
+              </a:solidFill>
+              <a:highlight>
+                <a:srgbClr val="FFFFFF"/>
+              </a:highlight>
+            </a:endParaRPr>
+          </a:p>
+          <a:p>
+            <a:endParaRPr lang="pt-BR" sz="1200" dirty="0">
+              <a:solidFill>
+                <a:srgbClr val="000000"/>
+              </a:solidFill>
+              <a:highlight>
+                <a:srgbClr val="FFFFFF"/>
+              </a:highlight>
+            </a:endParaRPr>
+          </a:p>
+          <a:p>
+            <a:r>
+              <a:rPr lang="pt-BR" sz="1200" dirty="0">
+                <a:solidFill>
+                  <a:srgbClr val="000000"/>
+                </a:solidFill>
+                <a:highlight>
+                  <a:srgbClr val="FFFFFF"/>
+                </a:highlight>
+              </a:rPr>
+              <a:t>x </a:t>
+            </a:r>
+            <a:r>
+              <a:rPr lang="pt-BR" sz="1200" b="1" dirty="0">
+                <a:solidFill>
+                  <a:srgbClr val="000080"/>
+                </a:solidFill>
+                <a:highlight>
+                  <a:srgbClr val="FFFFFF"/>
+                </a:highlight>
+              </a:rPr>
+              <a:t>=</a:t>
+            </a:r>
+            <a:r>
+              <a:rPr lang="pt-BR" sz="1200" dirty="0">
+                <a:solidFill>
+                  <a:srgbClr val="000000"/>
+                </a:solidFill>
+                <a:highlight>
+                  <a:srgbClr val="FFFFFF"/>
+                </a:highlight>
+              </a:rPr>
+              <a:t> np</a:t>
+            </a:r>
+            <a:r>
+              <a:rPr lang="pt-BR" sz="1200" b="1" dirty="0">
+                <a:solidFill>
+                  <a:srgbClr val="000080"/>
+                </a:solidFill>
+                <a:highlight>
+                  <a:srgbClr val="FFFFFF"/>
+                </a:highlight>
+              </a:rPr>
+              <a:t>.</a:t>
+            </a:r>
+            <a:r>
+              <a:rPr lang="pt-BR" sz="1200" dirty="0">
+                <a:solidFill>
+                  <a:srgbClr val="000000"/>
+                </a:solidFill>
+                <a:highlight>
+                  <a:srgbClr val="FFFFFF"/>
+                </a:highlight>
+              </a:rPr>
+              <a:t>random</a:t>
+            </a:r>
+            <a:r>
+              <a:rPr lang="pt-BR" sz="1200" b="1" dirty="0">
+                <a:solidFill>
+                  <a:srgbClr val="000080"/>
+                </a:solidFill>
+                <a:highlight>
+                  <a:srgbClr val="FFFFFF"/>
+                </a:highlight>
+              </a:rPr>
+              <a:t>.</a:t>
+            </a:r>
+            <a:r>
+              <a:rPr lang="pt-BR" sz="1200" dirty="0">
+                <a:solidFill>
+                  <a:srgbClr val="000000"/>
+                </a:solidFill>
+                <a:highlight>
+                  <a:srgbClr val="FFFFFF"/>
+                </a:highlight>
+              </a:rPr>
+              <a:t>rand</a:t>
+            </a:r>
+            <a:r>
+              <a:rPr lang="pt-BR" sz="1200" b="1" dirty="0">
+                <a:solidFill>
+                  <a:srgbClr val="000080"/>
+                </a:solidFill>
+                <a:highlight>
+                  <a:srgbClr val="FFFFFF"/>
+                </a:highlight>
+              </a:rPr>
+              <a:t>(</a:t>
+            </a:r>
+            <a:r>
+              <a:rPr lang="pt-BR" sz="1200" dirty="0">
+                <a:solidFill>
+                  <a:srgbClr val="000000"/>
+                </a:solidFill>
+                <a:highlight>
+                  <a:srgbClr val="FFFFFF"/>
+                </a:highlight>
+              </a:rPr>
+              <a:t>N</a:t>
+            </a:r>
+            <a:r>
+              <a:rPr lang="pt-BR" sz="1200" b="1" dirty="0">
+                <a:solidFill>
+                  <a:srgbClr val="000080"/>
+                </a:solidFill>
+                <a:highlight>
+                  <a:srgbClr val="FFFFFF"/>
+                </a:highlight>
+              </a:rPr>
+              <a:t>,</a:t>
+            </a:r>
+            <a:r>
+              <a:rPr lang="pt-BR" sz="1200" dirty="0">
+                <a:solidFill>
+                  <a:srgbClr val="FF0000"/>
+                </a:solidFill>
+                <a:highlight>
+                  <a:srgbClr val="FFFFFF"/>
+                </a:highlight>
+              </a:rPr>
+              <a:t>1</a:t>
+            </a:r>
+            <a:r>
+              <a:rPr lang="pt-BR" sz="1200" b="1" dirty="0">
+                <a:solidFill>
+                  <a:srgbClr val="000080"/>
+                </a:solidFill>
+                <a:highlight>
+                  <a:srgbClr val="FFFFFF"/>
+                </a:highlight>
+              </a:rPr>
+              <a:t>)</a:t>
+            </a:r>
+            <a:r>
+              <a:rPr lang="pt-BR" sz="1200" dirty="0">
+                <a:solidFill>
+                  <a:srgbClr val="000000"/>
+                </a:solidFill>
+                <a:highlight>
+                  <a:srgbClr val="FFFFFF"/>
+                </a:highlight>
+              </a:rPr>
+              <a:t> </a:t>
+            </a:r>
+            <a:r>
+              <a:rPr lang="pt-BR" sz="1200" dirty="0">
+                <a:solidFill>
+                  <a:srgbClr val="008000"/>
+                </a:solidFill>
+                <a:highlight>
+                  <a:srgbClr val="FFFFFF"/>
+                </a:highlight>
+              </a:rPr>
+              <a:t># vetor coluna x, com dimensão Nx1</a:t>
+            </a:r>
+            <a:r>
+              <a:rPr lang="pt-BR" sz="1200" dirty="0" smtClean="0">
+                <a:solidFill>
+                  <a:srgbClr val="008000"/>
+                </a:solidFill>
+                <a:highlight>
+                  <a:srgbClr val="FFFFFF"/>
+                </a:highlight>
+              </a:rPr>
+              <a:t>.</a:t>
+            </a:r>
+            <a:endParaRPr lang="pt-BR" sz="1200" dirty="0">
+              <a:solidFill>
+                <a:srgbClr val="000000"/>
+              </a:solidFill>
+              <a:highlight>
+                <a:srgbClr val="FFFFFF"/>
+              </a:highlight>
+            </a:endParaRPr>
+          </a:p>
+          <a:p>
+            <a:r>
+              <a:rPr lang="pt-BR" sz="1200" dirty="0">
+                <a:solidFill>
+                  <a:srgbClr val="000000"/>
+                </a:solidFill>
+                <a:highlight>
+                  <a:srgbClr val="FFFFFF"/>
+                </a:highlight>
+              </a:rPr>
+              <a:t>w </a:t>
+            </a:r>
+            <a:r>
+              <a:rPr lang="pt-BR" sz="1200" b="1" dirty="0">
+                <a:solidFill>
+                  <a:srgbClr val="000080"/>
+                </a:solidFill>
+                <a:highlight>
+                  <a:srgbClr val="FFFFFF"/>
+                </a:highlight>
+              </a:rPr>
+              <a:t>=</a:t>
+            </a:r>
+            <a:r>
+              <a:rPr lang="pt-BR" sz="1200" dirty="0">
+                <a:solidFill>
+                  <a:srgbClr val="000000"/>
+                </a:solidFill>
+                <a:highlight>
+                  <a:srgbClr val="FFFFFF"/>
+                </a:highlight>
+              </a:rPr>
+              <a:t> np</a:t>
+            </a:r>
+            <a:r>
+              <a:rPr lang="pt-BR" sz="1200" b="1" dirty="0">
+                <a:solidFill>
+                  <a:srgbClr val="000080"/>
+                </a:solidFill>
+                <a:highlight>
+                  <a:srgbClr val="FFFFFF"/>
+                </a:highlight>
+              </a:rPr>
+              <a:t>.</a:t>
+            </a:r>
+            <a:r>
+              <a:rPr lang="pt-BR" sz="1200" dirty="0">
+                <a:solidFill>
+                  <a:srgbClr val="000000"/>
+                </a:solidFill>
+                <a:highlight>
+                  <a:srgbClr val="FFFFFF"/>
+                </a:highlight>
+              </a:rPr>
+              <a:t>sqrt</a:t>
+            </a:r>
+            <a:r>
+              <a:rPr lang="pt-BR" sz="1200" b="1" dirty="0">
+                <a:solidFill>
+                  <a:srgbClr val="000080"/>
+                </a:solidFill>
+                <a:highlight>
+                  <a:srgbClr val="FFFFFF"/>
+                </a:highlight>
+              </a:rPr>
+              <a:t>(</a:t>
+            </a:r>
+            <a:r>
+              <a:rPr lang="pt-BR" sz="1200" dirty="0">
+                <a:solidFill>
+                  <a:srgbClr val="FF0000"/>
+                </a:solidFill>
+                <a:highlight>
+                  <a:srgbClr val="FFFFFF"/>
+                </a:highlight>
+              </a:rPr>
+              <a:t>0.01</a:t>
+            </a:r>
+            <a:r>
+              <a:rPr lang="pt-BR" sz="1200" b="1" dirty="0">
+                <a:solidFill>
+                  <a:srgbClr val="000080"/>
+                </a:solidFill>
+                <a:highlight>
+                  <a:srgbClr val="FFFFFF"/>
+                </a:highlight>
+              </a:rPr>
+              <a:t>)*</a:t>
+            </a:r>
+            <a:r>
+              <a:rPr lang="pt-BR" sz="1200" dirty="0">
+                <a:solidFill>
+                  <a:srgbClr val="000000"/>
+                </a:solidFill>
+                <a:highlight>
+                  <a:srgbClr val="FFFFFF"/>
+                </a:highlight>
+              </a:rPr>
+              <a:t>np</a:t>
+            </a:r>
+            <a:r>
+              <a:rPr lang="pt-BR" sz="1200" b="1" dirty="0">
+                <a:solidFill>
+                  <a:srgbClr val="000080"/>
+                </a:solidFill>
+                <a:highlight>
+                  <a:srgbClr val="FFFFFF"/>
+                </a:highlight>
+              </a:rPr>
+              <a:t>.</a:t>
+            </a:r>
+            <a:r>
+              <a:rPr lang="pt-BR" sz="1200" dirty="0">
+                <a:solidFill>
+                  <a:srgbClr val="000000"/>
+                </a:solidFill>
+                <a:highlight>
+                  <a:srgbClr val="FFFFFF"/>
+                </a:highlight>
+              </a:rPr>
+              <a:t>random</a:t>
+            </a:r>
+            <a:r>
+              <a:rPr lang="pt-BR" sz="1200" b="1" dirty="0">
+                <a:solidFill>
+                  <a:srgbClr val="000080"/>
+                </a:solidFill>
+                <a:highlight>
+                  <a:srgbClr val="FFFFFF"/>
+                </a:highlight>
+              </a:rPr>
+              <a:t>.</a:t>
+            </a:r>
+            <a:r>
+              <a:rPr lang="pt-BR" sz="1200" dirty="0">
+                <a:solidFill>
+                  <a:srgbClr val="000000"/>
+                </a:solidFill>
+                <a:highlight>
+                  <a:srgbClr val="FFFFFF"/>
+                </a:highlight>
+              </a:rPr>
+              <a:t>randn</a:t>
+            </a:r>
+            <a:r>
+              <a:rPr lang="pt-BR" sz="1200" b="1" dirty="0">
+                <a:solidFill>
+                  <a:srgbClr val="000080"/>
+                </a:solidFill>
+                <a:highlight>
+                  <a:srgbClr val="FFFFFF"/>
+                </a:highlight>
+              </a:rPr>
+              <a:t>(</a:t>
+            </a:r>
+            <a:r>
+              <a:rPr lang="pt-BR" sz="1200" dirty="0">
+                <a:solidFill>
+                  <a:srgbClr val="000000"/>
+                </a:solidFill>
+                <a:highlight>
+                  <a:srgbClr val="FFFFFF"/>
+                </a:highlight>
+              </a:rPr>
+              <a:t>N</a:t>
+            </a:r>
+            <a:r>
+              <a:rPr lang="pt-BR" sz="1200" b="1" dirty="0">
+                <a:solidFill>
+                  <a:srgbClr val="000080"/>
+                </a:solidFill>
+                <a:highlight>
+                  <a:srgbClr val="FFFFFF"/>
+                </a:highlight>
+              </a:rPr>
+              <a:t>,</a:t>
+            </a:r>
+            <a:r>
+              <a:rPr lang="pt-BR" sz="1200" dirty="0">
+                <a:solidFill>
+                  <a:srgbClr val="FF0000"/>
+                </a:solidFill>
+                <a:highlight>
+                  <a:srgbClr val="FFFFFF"/>
+                </a:highlight>
+              </a:rPr>
+              <a:t>1</a:t>
+            </a:r>
+            <a:r>
+              <a:rPr lang="pt-BR" sz="1200" b="1" dirty="0">
+                <a:solidFill>
+                  <a:srgbClr val="000080"/>
+                </a:solidFill>
+                <a:highlight>
+                  <a:srgbClr val="FFFFFF"/>
+                </a:highlight>
+              </a:rPr>
+              <a:t>)</a:t>
+            </a:r>
+            <a:r>
+              <a:rPr lang="pt-BR" sz="1200" dirty="0">
+                <a:solidFill>
+                  <a:srgbClr val="000000"/>
+                </a:solidFill>
+                <a:highlight>
+                  <a:srgbClr val="FFFFFF"/>
+                </a:highlight>
+              </a:rPr>
+              <a:t> </a:t>
+            </a:r>
+            <a:r>
+              <a:rPr lang="pt-BR" sz="1200" dirty="0">
+                <a:solidFill>
+                  <a:srgbClr val="008000"/>
+                </a:solidFill>
+                <a:highlight>
+                  <a:srgbClr val="FFFFFF"/>
+                </a:highlight>
+              </a:rPr>
+              <a:t># vetor coluna w, com dimensão Nx1.</a:t>
+            </a:r>
+            <a:endParaRPr lang="pt-BR" sz="1200" dirty="0">
+              <a:solidFill>
+                <a:srgbClr val="000000"/>
+              </a:solidFill>
+              <a:highlight>
+                <a:srgbClr val="FFFFFF"/>
+              </a:highlight>
+            </a:endParaRPr>
+          </a:p>
+          <a:p>
+            <a:endParaRPr lang="pt-BR" sz="1200" dirty="0">
+              <a:solidFill>
+                <a:srgbClr val="000000"/>
+              </a:solidFill>
+              <a:highlight>
+                <a:srgbClr val="FFFFFF"/>
+              </a:highlight>
+            </a:endParaRPr>
+          </a:p>
+          <a:p>
+            <a:r>
+              <a:rPr lang="pt-BR" sz="1200" dirty="0">
+                <a:solidFill>
+                  <a:srgbClr val="000000"/>
+                </a:solidFill>
+                <a:highlight>
+                  <a:srgbClr val="FFFFFF"/>
+                </a:highlight>
+              </a:rPr>
+              <a:t>y </a:t>
+            </a:r>
+            <a:r>
+              <a:rPr lang="pt-BR" sz="1200" b="1" dirty="0">
+                <a:solidFill>
+                  <a:srgbClr val="000080"/>
+                </a:solidFill>
+                <a:highlight>
+                  <a:srgbClr val="FFFFFF"/>
+                </a:highlight>
+              </a:rPr>
+              <a:t>=</a:t>
+            </a:r>
+            <a:r>
+              <a:rPr lang="pt-BR" sz="1200" dirty="0">
+                <a:solidFill>
+                  <a:srgbClr val="000000"/>
+                </a:solidFill>
+                <a:highlight>
+                  <a:srgbClr val="FFFFFF"/>
+                </a:highlight>
+              </a:rPr>
+              <a:t> </a:t>
+            </a:r>
+            <a:r>
+              <a:rPr lang="pt-BR" sz="1200" dirty="0">
+                <a:solidFill>
+                  <a:srgbClr val="FF0000"/>
+                </a:solidFill>
+                <a:highlight>
+                  <a:srgbClr val="FFFFFF"/>
+                </a:highlight>
+              </a:rPr>
+              <a:t>1</a:t>
+            </a:r>
+            <a:r>
+              <a:rPr lang="pt-BR" sz="1200" dirty="0">
+                <a:solidFill>
+                  <a:srgbClr val="000000"/>
+                </a:solidFill>
+                <a:highlight>
+                  <a:srgbClr val="FFFFFF"/>
+                </a:highlight>
+              </a:rPr>
+              <a:t> </a:t>
+            </a:r>
+            <a:r>
+              <a:rPr lang="pt-BR" sz="1200" b="1" dirty="0">
+                <a:solidFill>
+                  <a:srgbClr val="000080"/>
+                </a:solidFill>
+                <a:highlight>
+                  <a:srgbClr val="FFFFFF"/>
+                </a:highlight>
+              </a:rPr>
+              <a:t>+</a:t>
+            </a:r>
+            <a:r>
+              <a:rPr lang="pt-BR" sz="1200" dirty="0">
+                <a:solidFill>
+                  <a:srgbClr val="000000"/>
+                </a:solidFill>
+                <a:highlight>
+                  <a:srgbClr val="FFFFFF"/>
+                </a:highlight>
+              </a:rPr>
+              <a:t> </a:t>
+            </a:r>
+            <a:r>
+              <a:rPr lang="pt-BR" sz="1200" dirty="0">
+                <a:solidFill>
+                  <a:srgbClr val="FF0000"/>
+                </a:solidFill>
+                <a:highlight>
+                  <a:srgbClr val="FFFFFF"/>
+                </a:highlight>
+              </a:rPr>
+              <a:t>2</a:t>
+            </a:r>
+            <a:r>
+              <a:rPr lang="pt-BR" sz="1200" b="1" dirty="0">
+                <a:solidFill>
+                  <a:srgbClr val="000080"/>
+                </a:solidFill>
+                <a:highlight>
+                  <a:srgbClr val="FFFFFF"/>
+                </a:highlight>
+              </a:rPr>
+              <a:t>*</a:t>
+            </a:r>
+            <a:r>
+              <a:rPr lang="pt-BR" sz="1200" dirty="0">
+                <a:solidFill>
+                  <a:srgbClr val="000000"/>
+                </a:solidFill>
+                <a:highlight>
+                  <a:srgbClr val="FFFFFF"/>
+                </a:highlight>
+              </a:rPr>
+              <a:t>x </a:t>
+            </a:r>
+            <a:r>
+              <a:rPr lang="pt-BR" sz="1200" dirty="0">
+                <a:solidFill>
+                  <a:srgbClr val="008000"/>
+                </a:solidFill>
+                <a:highlight>
+                  <a:srgbClr val="FFFFFF"/>
+                </a:highlight>
+              </a:rPr>
+              <a:t># Função original ou verdadeira</a:t>
+            </a:r>
+            <a:r>
+              <a:rPr lang="pt-BR" sz="1200" dirty="0" smtClean="0">
+                <a:solidFill>
+                  <a:srgbClr val="008000"/>
+                </a:solidFill>
+                <a:highlight>
+                  <a:srgbClr val="FFFFFF"/>
+                </a:highlight>
+              </a:rPr>
+              <a:t>.</a:t>
+            </a:r>
+            <a:endParaRPr lang="pt-BR" sz="1200" dirty="0">
+              <a:solidFill>
+                <a:srgbClr val="000000"/>
+              </a:solidFill>
+              <a:highlight>
+                <a:srgbClr val="FFFFFF"/>
+              </a:highlight>
+            </a:endParaRPr>
+          </a:p>
+          <a:p>
+            <a:r>
+              <a:rPr lang="es-ES" sz="1200" dirty="0" err="1">
+                <a:solidFill>
+                  <a:srgbClr val="000000"/>
+                </a:solidFill>
+                <a:highlight>
+                  <a:srgbClr val="FFFFFF"/>
+                </a:highlight>
+              </a:rPr>
+              <a:t>y_noisy</a:t>
+            </a:r>
+            <a:r>
+              <a:rPr lang="es-ES" sz="1200" dirty="0">
+                <a:solidFill>
+                  <a:srgbClr val="000000"/>
+                </a:solidFill>
+                <a:highlight>
+                  <a:srgbClr val="FFFFFF"/>
+                </a:highlight>
+              </a:rPr>
+              <a:t> </a:t>
+            </a:r>
+            <a:r>
+              <a:rPr lang="es-ES" sz="1200" b="1" dirty="0">
+                <a:solidFill>
+                  <a:srgbClr val="000080"/>
+                </a:solidFill>
+                <a:highlight>
+                  <a:srgbClr val="FFFFFF"/>
+                </a:highlight>
+              </a:rPr>
+              <a:t>=</a:t>
+            </a:r>
+            <a:r>
+              <a:rPr lang="es-ES" sz="1200" dirty="0">
+                <a:solidFill>
+                  <a:srgbClr val="000000"/>
+                </a:solidFill>
+                <a:highlight>
+                  <a:srgbClr val="FFFFFF"/>
+                </a:highlight>
+              </a:rPr>
+              <a:t> y </a:t>
+            </a:r>
+            <a:r>
+              <a:rPr lang="es-ES" sz="1200" b="1" dirty="0">
+                <a:solidFill>
+                  <a:srgbClr val="000080"/>
+                </a:solidFill>
+                <a:highlight>
+                  <a:srgbClr val="FFFFFF"/>
+                </a:highlight>
+              </a:rPr>
+              <a:t>+</a:t>
+            </a:r>
+            <a:r>
+              <a:rPr lang="es-ES" sz="1200" dirty="0">
+                <a:solidFill>
+                  <a:srgbClr val="000000"/>
+                </a:solidFill>
+                <a:highlight>
+                  <a:srgbClr val="FFFFFF"/>
+                </a:highlight>
+              </a:rPr>
+              <a:t> w </a:t>
+            </a:r>
+            <a:r>
+              <a:rPr lang="es-ES" sz="1200" dirty="0">
+                <a:solidFill>
+                  <a:srgbClr val="008000"/>
+                </a:solidFill>
+                <a:highlight>
+                  <a:srgbClr val="FFFFFF"/>
+                </a:highlight>
+              </a:rPr>
+              <a:t># </a:t>
+            </a:r>
+            <a:r>
+              <a:rPr lang="es-ES" sz="1200" dirty="0" err="1">
+                <a:solidFill>
+                  <a:srgbClr val="008000"/>
+                </a:solidFill>
+                <a:highlight>
+                  <a:srgbClr val="FFFFFF"/>
+                </a:highlight>
+              </a:rPr>
+              <a:t>Versão</a:t>
+            </a:r>
+            <a:r>
+              <a:rPr lang="es-ES" sz="1200" dirty="0">
+                <a:solidFill>
+                  <a:srgbClr val="008000"/>
+                </a:solidFill>
+                <a:highlight>
+                  <a:srgbClr val="FFFFFF"/>
+                </a:highlight>
+              </a:rPr>
+              <a:t> ruidosa de y.</a:t>
+            </a:r>
+            <a:endParaRPr lang="es-ES" sz="1200" dirty="0">
+              <a:solidFill>
+                <a:srgbClr val="000000"/>
+              </a:solidFill>
+              <a:highlight>
+                <a:srgbClr val="FFFFFF"/>
+              </a:highlight>
+            </a:endParaRPr>
+          </a:p>
+          <a:p>
+            <a:endParaRPr lang="pt-BR" sz="1200" dirty="0">
+              <a:solidFill>
+                <a:srgbClr val="000000"/>
+              </a:solidFill>
+              <a:highlight>
+                <a:srgbClr val="FFFFFF"/>
+              </a:highlight>
+            </a:endParaRPr>
+          </a:p>
+          <a:p>
+            <a:r>
+              <a:rPr lang="pt-BR" sz="1200" dirty="0">
+                <a:solidFill>
+                  <a:srgbClr val="000000"/>
+                </a:solidFill>
+                <a:highlight>
+                  <a:srgbClr val="FFFFFF"/>
+                </a:highlight>
+              </a:rPr>
+              <a:t>plt</a:t>
+            </a:r>
+            <a:r>
+              <a:rPr lang="pt-BR" sz="1200" b="1" dirty="0">
+                <a:solidFill>
+                  <a:srgbClr val="000080"/>
+                </a:solidFill>
+                <a:highlight>
+                  <a:srgbClr val="FFFFFF"/>
+                </a:highlight>
+              </a:rPr>
+              <a:t>.</a:t>
+            </a:r>
+            <a:r>
+              <a:rPr lang="pt-BR" sz="1200" dirty="0">
+                <a:solidFill>
+                  <a:srgbClr val="000000"/>
+                </a:solidFill>
+                <a:highlight>
+                  <a:srgbClr val="FFFFFF"/>
+                </a:highlight>
+              </a:rPr>
+              <a:t>plot</a:t>
+            </a:r>
+            <a:r>
+              <a:rPr lang="pt-BR" sz="1200" b="1" dirty="0">
+                <a:solidFill>
+                  <a:srgbClr val="000080"/>
+                </a:solidFill>
+                <a:highlight>
+                  <a:srgbClr val="FFFFFF"/>
+                </a:highlight>
+              </a:rPr>
+              <a:t>(</a:t>
+            </a:r>
+            <a:r>
+              <a:rPr lang="pt-BR" sz="1200" dirty="0">
+                <a:solidFill>
+                  <a:srgbClr val="000000"/>
+                </a:solidFill>
+                <a:highlight>
+                  <a:srgbClr val="FFFFFF"/>
+                </a:highlight>
+              </a:rPr>
+              <a:t>x</a:t>
+            </a:r>
+            <a:r>
+              <a:rPr lang="pt-BR" sz="1200" b="1" dirty="0">
+                <a:solidFill>
+                  <a:srgbClr val="000080"/>
+                </a:solidFill>
+                <a:highlight>
+                  <a:srgbClr val="FFFFFF"/>
+                </a:highlight>
+              </a:rPr>
+              <a:t>,</a:t>
+            </a:r>
+            <a:r>
+              <a:rPr lang="pt-BR" sz="1200" dirty="0">
+                <a:solidFill>
+                  <a:srgbClr val="000000"/>
+                </a:solidFill>
+                <a:highlight>
+                  <a:srgbClr val="FFFFFF"/>
+                </a:highlight>
+              </a:rPr>
+              <a:t> y_noisy</a:t>
+            </a:r>
+            <a:r>
+              <a:rPr lang="pt-BR" sz="1200" b="1" dirty="0">
+                <a:solidFill>
+                  <a:srgbClr val="000080"/>
+                </a:solidFill>
+                <a:highlight>
+                  <a:srgbClr val="FFFFFF"/>
+                </a:highlight>
+              </a:rPr>
+              <a:t>,</a:t>
+            </a:r>
+            <a:r>
+              <a:rPr lang="pt-BR" sz="1200" dirty="0">
+                <a:solidFill>
+                  <a:srgbClr val="000000"/>
+                </a:solidFill>
+                <a:highlight>
+                  <a:srgbClr val="FFFFFF"/>
+                </a:highlight>
+              </a:rPr>
+              <a:t> </a:t>
+            </a:r>
+            <a:r>
+              <a:rPr lang="pt-BR" sz="1200" dirty="0">
+                <a:solidFill>
+                  <a:srgbClr val="808080"/>
+                </a:solidFill>
+                <a:highlight>
+                  <a:srgbClr val="FFFFFF"/>
+                </a:highlight>
+              </a:rPr>
+              <a:t>'.b'</a:t>
+            </a:r>
+            <a:r>
+              <a:rPr lang="pt-BR" sz="1200" b="1" dirty="0">
+                <a:solidFill>
+                  <a:srgbClr val="000080"/>
+                </a:solidFill>
+                <a:highlight>
+                  <a:srgbClr val="FFFFFF"/>
+                </a:highlight>
+              </a:rPr>
+              <a:t>,</a:t>
+            </a:r>
+            <a:r>
+              <a:rPr lang="pt-BR" sz="1200" dirty="0">
+                <a:solidFill>
+                  <a:srgbClr val="000000"/>
+                </a:solidFill>
+                <a:highlight>
+                  <a:srgbClr val="FFFFFF"/>
+                </a:highlight>
+              </a:rPr>
+              <a:t> label</a:t>
+            </a:r>
+            <a:r>
+              <a:rPr lang="pt-BR" sz="1200" b="1" dirty="0">
+                <a:solidFill>
+                  <a:srgbClr val="000080"/>
+                </a:solidFill>
+                <a:highlight>
+                  <a:srgbClr val="FFFFFF"/>
+                </a:highlight>
+              </a:rPr>
+              <a:t>=</a:t>
+            </a:r>
+            <a:r>
+              <a:rPr lang="pt-BR" sz="1200" dirty="0">
+                <a:solidFill>
+                  <a:srgbClr val="808080"/>
+                </a:solidFill>
+                <a:highlight>
+                  <a:srgbClr val="FFFFFF"/>
+                </a:highlight>
+              </a:rPr>
+              <a:t>'Função ruidosa'</a:t>
+            </a:r>
+            <a:r>
+              <a:rPr lang="pt-BR" sz="1200" b="1" dirty="0">
+                <a:solidFill>
+                  <a:srgbClr val="000080"/>
+                </a:solidFill>
+                <a:highlight>
+                  <a:srgbClr val="FFFFFF"/>
+                </a:highlight>
+              </a:rPr>
+              <a:t>)</a:t>
+            </a:r>
+            <a:endParaRPr lang="pt-BR" sz="1200" dirty="0">
+              <a:solidFill>
+                <a:srgbClr val="000000"/>
+              </a:solidFill>
+              <a:highlight>
+                <a:srgbClr val="FFFFFF"/>
+              </a:highlight>
+            </a:endParaRPr>
+          </a:p>
+          <a:p>
+            <a:r>
+              <a:rPr lang="pt-BR" sz="1200" dirty="0">
+                <a:solidFill>
+                  <a:srgbClr val="000000"/>
+                </a:solidFill>
+                <a:highlight>
+                  <a:srgbClr val="FFFFFF"/>
+                </a:highlight>
+              </a:rPr>
+              <a:t>plt</a:t>
+            </a:r>
+            <a:r>
+              <a:rPr lang="pt-BR" sz="1200" b="1" dirty="0">
+                <a:solidFill>
+                  <a:srgbClr val="000080"/>
+                </a:solidFill>
+                <a:highlight>
+                  <a:srgbClr val="FFFFFF"/>
+                </a:highlight>
+              </a:rPr>
+              <a:t>.</a:t>
+            </a:r>
+            <a:r>
+              <a:rPr lang="pt-BR" sz="1200" dirty="0">
+                <a:solidFill>
+                  <a:srgbClr val="000000"/>
+                </a:solidFill>
+                <a:highlight>
+                  <a:srgbClr val="FFFFFF"/>
+                </a:highlight>
+              </a:rPr>
+              <a:t>plot</a:t>
+            </a:r>
+            <a:r>
+              <a:rPr lang="pt-BR" sz="1200" b="1" dirty="0">
+                <a:solidFill>
+                  <a:srgbClr val="000080"/>
+                </a:solidFill>
+                <a:highlight>
+                  <a:srgbClr val="FFFFFF"/>
+                </a:highlight>
+              </a:rPr>
+              <a:t>(</a:t>
+            </a:r>
+            <a:r>
+              <a:rPr lang="pt-BR" sz="1200" dirty="0">
+                <a:solidFill>
+                  <a:srgbClr val="000000"/>
+                </a:solidFill>
+                <a:highlight>
+                  <a:srgbClr val="FFFFFF"/>
+                </a:highlight>
+              </a:rPr>
+              <a:t>x</a:t>
+            </a:r>
+            <a:r>
+              <a:rPr lang="pt-BR" sz="1200" b="1" dirty="0">
+                <a:solidFill>
+                  <a:srgbClr val="000080"/>
+                </a:solidFill>
+                <a:highlight>
+                  <a:srgbClr val="FFFFFF"/>
+                </a:highlight>
+              </a:rPr>
+              <a:t>,</a:t>
+            </a:r>
+            <a:r>
+              <a:rPr lang="pt-BR" sz="1200" dirty="0">
+                <a:solidFill>
+                  <a:srgbClr val="000000"/>
+                </a:solidFill>
+                <a:highlight>
+                  <a:srgbClr val="FFFFFF"/>
+                </a:highlight>
+              </a:rPr>
+              <a:t> y</a:t>
+            </a:r>
+            <a:r>
+              <a:rPr lang="pt-BR" sz="1200" b="1" dirty="0">
+                <a:solidFill>
+                  <a:srgbClr val="000080"/>
+                </a:solidFill>
+                <a:highlight>
+                  <a:srgbClr val="FFFFFF"/>
+                </a:highlight>
+              </a:rPr>
+              <a:t>,</a:t>
+            </a:r>
+            <a:r>
+              <a:rPr lang="pt-BR" sz="1200" dirty="0">
+                <a:solidFill>
+                  <a:srgbClr val="000000"/>
+                </a:solidFill>
+                <a:highlight>
+                  <a:srgbClr val="FFFFFF"/>
+                </a:highlight>
+              </a:rPr>
+              <a:t> </a:t>
+            </a:r>
+            <a:r>
+              <a:rPr lang="pt-BR" sz="1200" dirty="0">
+                <a:solidFill>
+                  <a:srgbClr val="808080"/>
+                </a:solidFill>
+                <a:highlight>
+                  <a:srgbClr val="FFFFFF"/>
+                </a:highlight>
+              </a:rPr>
+              <a:t>'k'</a:t>
+            </a:r>
+            <a:r>
+              <a:rPr lang="pt-BR" sz="1200" b="1" dirty="0">
+                <a:solidFill>
+                  <a:srgbClr val="000080"/>
+                </a:solidFill>
+                <a:highlight>
+                  <a:srgbClr val="FFFFFF"/>
+                </a:highlight>
+              </a:rPr>
+              <a:t>,</a:t>
+            </a:r>
+            <a:r>
+              <a:rPr lang="pt-BR" sz="1200" dirty="0">
+                <a:solidFill>
+                  <a:srgbClr val="000000"/>
+                </a:solidFill>
+                <a:highlight>
+                  <a:srgbClr val="FFFFFF"/>
+                </a:highlight>
+              </a:rPr>
+              <a:t> label</a:t>
+            </a:r>
+            <a:r>
+              <a:rPr lang="pt-BR" sz="1200" b="1" dirty="0">
+                <a:solidFill>
+                  <a:srgbClr val="000080"/>
+                </a:solidFill>
+                <a:highlight>
+                  <a:srgbClr val="FFFFFF"/>
+                </a:highlight>
+              </a:rPr>
+              <a:t>=</a:t>
+            </a:r>
+            <a:r>
+              <a:rPr lang="pt-BR" sz="1200" dirty="0">
+                <a:solidFill>
+                  <a:srgbClr val="808080"/>
+                </a:solidFill>
+                <a:highlight>
+                  <a:srgbClr val="FFFFFF"/>
+                </a:highlight>
+              </a:rPr>
+              <a:t>'Função original'</a:t>
+            </a:r>
+            <a:r>
+              <a:rPr lang="pt-BR" sz="1200" b="1" dirty="0">
+                <a:solidFill>
+                  <a:srgbClr val="000080"/>
+                </a:solidFill>
+                <a:highlight>
+                  <a:srgbClr val="FFFFFF"/>
+                </a:highlight>
+              </a:rPr>
+              <a:t>)</a:t>
+            </a:r>
+            <a:endParaRPr lang="pt-BR" sz="1200" dirty="0">
+              <a:solidFill>
+                <a:srgbClr val="000000"/>
+              </a:solidFill>
+              <a:highlight>
+                <a:srgbClr val="FFFFFF"/>
+              </a:highlight>
+            </a:endParaRPr>
+          </a:p>
+          <a:p>
+            <a:r>
+              <a:rPr lang="pt-BR" sz="1200" dirty="0">
+                <a:solidFill>
+                  <a:srgbClr val="000000"/>
+                </a:solidFill>
+                <a:highlight>
+                  <a:srgbClr val="FFFFFF"/>
+                </a:highlight>
+              </a:rPr>
+              <a:t>plt</a:t>
+            </a:r>
+            <a:r>
+              <a:rPr lang="pt-BR" sz="1200" b="1" dirty="0">
+                <a:solidFill>
+                  <a:srgbClr val="000080"/>
+                </a:solidFill>
+                <a:highlight>
+                  <a:srgbClr val="FFFFFF"/>
+                </a:highlight>
+              </a:rPr>
+              <a:t>.</a:t>
+            </a:r>
+            <a:r>
+              <a:rPr lang="pt-BR" sz="1200" dirty="0">
+                <a:solidFill>
+                  <a:srgbClr val="000000"/>
+                </a:solidFill>
+                <a:highlight>
+                  <a:srgbClr val="FFFFFF"/>
+                </a:highlight>
+              </a:rPr>
+              <a:t>xlabel</a:t>
+            </a:r>
+            <a:r>
+              <a:rPr lang="pt-BR" sz="1200" b="1" dirty="0">
+                <a:solidFill>
+                  <a:srgbClr val="000080"/>
+                </a:solidFill>
+                <a:highlight>
+                  <a:srgbClr val="FFFFFF"/>
+                </a:highlight>
+              </a:rPr>
+              <a:t>(</a:t>
+            </a:r>
+            <a:r>
+              <a:rPr lang="pt-BR" sz="1200" dirty="0">
+                <a:solidFill>
+                  <a:srgbClr val="808080"/>
+                </a:solidFill>
+                <a:highlight>
+                  <a:srgbClr val="FFFFFF"/>
+                </a:highlight>
+              </a:rPr>
+              <a:t>'x'</a:t>
+            </a:r>
+            <a:r>
+              <a:rPr lang="pt-BR" sz="1200" b="1" dirty="0">
+                <a:solidFill>
+                  <a:srgbClr val="000080"/>
+                </a:solidFill>
+                <a:highlight>
+                  <a:srgbClr val="FFFFFF"/>
+                </a:highlight>
+              </a:rPr>
+              <a:t>,</a:t>
+            </a:r>
+            <a:r>
+              <a:rPr lang="pt-BR" sz="1200" dirty="0">
+                <a:solidFill>
+                  <a:srgbClr val="000000"/>
+                </a:solidFill>
+                <a:highlight>
+                  <a:srgbClr val="FFFFFF"/>
+                </a:highlight>
+              </a:rPr>
+              <a:t> fontsize</a:t>
+            </a:r>
+            <a:r>
+              <a:rPr lang="pt-BR" sz="1200" b="1" dirty="0">
+                <a:solidFill>
+                  <a:srgbClr val="000080"/>
+                </a:solidFill>
+                <a:highlight>
+                  <a:srgbClr val="FFFFFF"/>
+                </a:highlight>
+              </a:rPr>
+              <a:t>=</a:t>
+            </a:r>
+            <a:r>
+              <a:rPr lang="pt-BR" sz="1200" dirty="0">
+                <a:solidFill>
+                  <a:srgbClr val="FF0000"/>
+                </a:solidFill>
+                <a:highlight>
+                  <a:srgbClr val="FFFFFF"/>
+                </a:highlight>
+              </a:rPr>
+              <a:t>14</a:t>
+            </a:r>
+            <a:r>
+              <a:rPr lang="pt-BR" sz="1200" b="1" dirty="0">
+                <a:solidFill>
+                  <a:srgbClr val="000080"/>
+                </a:solidFill>
+                <a:highlight>
+                  <a:srgbClr val="FFFFFF"/>
+                </a:highlight>
+              </a:rPr>
+              <a:t>)</a:t>
+            </a:r>
+            <a:endParaRPr lang="pt-BR" sz="1200" dirty="0">
+              <a:solidFill>
+                <a:srgbClr val="000000"/>
+              </a:solidFill>
+              <a:highlight>
+                <a:srgbClr val="FFFFFF"/>
+              </a:highlight>
+            </a:endParaRPr>
+          </a:p>
+          <a:p>
+            <a:r>
+              <a:rPr lang="pt-BR" sz="1200" dirty="0">
+                <a:solidFill>
+                  <a:srgbClr val="000000"/>
+                </a:solidFill>
+                <a:highlight>
+                  <a:srgbClr val="FFFFFF"/>
+                </a:highlight>
+              </a:rPr>
+              <a:t>plt</a:t>
+            </a:r>
+            <a:r>
+              <a:rPr lang="pt-BR" sz="1200" b="1" dirty="0">
+                <a:solidFill>
+                  <a:srgbClr val="000080"/>
+                </a:solidFill>
+                <a:highlight>
+                  <a:srgbClr val="FFFFFF"/>
+                </a:highlight>
+              </a:rPr>
+              <a:t>.</a:t>
+            </a:r>
+            <a:r>
+              <a:rPr lang="pt-BR" sz="1200" dirty="0">
+                <a:solidFill>
+                  <a:srgbClr val="000000"/>
+                </a:solidFill>
+                <a:highlight>
+                  <a:srgbClr val="FFFFFF"/>
+                </a:highlight>
+              </a:rPr>
+              <a:t>ylabel</a:t>
+            </a:r>
+            <a:r>
+              <a:rPr lang="pt-BR" sz="1200" b="1" dirty="0">
+                <a:solidFill>
+                  <a:srgbClr val="000080"/>
+                </a:solidFill>
+                <a:highlight>
+                  <a:srgbClr val="FFFFFF"/>
+                </a:highlight>
+              </a:rPr>
+              <a:t>(</a:t>
+            </a:r>
+            <a:r>
+              <a:rPr lang="pt-BR" sz="1200" dirty="0">
+                <a:solidFill>
+                  <a:srgbClr val="808080"/>
+                </a:solidFill>
+                <a:highlight>
+                  <a:srgbClr val="FFFFFF"/>
+                </a:highlight>
+              </a:rPr>
+              <a:t>'y'</a:t>
+            </a:r>
+            <a:r>
+              <a:rPr lang="pt-BR" sz="1200" b="1" dirty="0">
+                <a:solidFill>
+                  <a:srgbClr val="000080"/>
+                </a:solidFill>
+                <a:highlight>
+                  <a:srgbClr val="FFFFFF"/>
+                </a:highlight>
+              </a:rPr>
+              <a:t>,</a:t>
+            </a:r>
+            <a:r>
+              <a:rPr lang="pt-BR" sz="1200" dirty="0">
+                <a:solidFill>
+                  <a:srgbClr val="000000"/>
+                </a:solidFill>
+                <a:highlight>
+                  <a:srgbClr val="FFFFFF"/>
+                </a:highlight>
+              </a:rPr>
+              <a:t> fontsize</a:t>
+            </a:r>
+            <a:r>
+              <a:rPr lang="pt-BR" sz="1200" b="1" dirty="0">
+                <a:solidFill>
+                  <a:srgbClr val="000080"/>
+                </a:solidFill>
+                <a:highlight>
+                  <a:srgbClr val="FFFFFF"/>
+                </a:highlight>
+              </a:rPr>
+              <a:t>=</a:t>
+            </a:r>
+            <a:r>
+              <a:rPr lang="pt-BR" sz="1200" dirty="0">
+                <a:solidFill>
+                  <a:srgbClr val="FF0000"/>
+                </a:solidFill>
+                <a:highlight>
+                  <a:srgbClr val="FFFFFF"/>
+                </a:highlight>
+              </a:rPr>
+              <a:t>14</a:t>
+            </a:r>
+            <a:r>
+              <a:rPr lang="pt-BR" sz="1200" b="1" dirty="0">
+                <a:solidFill>
+                  <a:srgbClr val="000080"/>
+                </a:solidFill>
+                <a:highlight>
+                  <a:srgbClr val="FFFFFF"/>
+                </a:highlight>
+              </a:rPr>
+              <a:t>)</a:t>
+            </a:r>
+            <a:endParaRPr lang="pt-BR" sz="1200" dirty="0">
+              <a:solidFill>
+                <a:srgbClr val="000000"/>
+              </a:solidFill>
+              <a:highlight>
+                <a:srgbClr val="FFFFFF"/>
+              </a:highlight>
+            </a:endParaRPr>
+          </a:p>
+          <a:p>
+            <a:r>
+              <a:rPr lang="pt-BR" sz="1200" dirty="0">
+                <a:solidFill>
+                  <a:srgbClr val="000000"/>
+                </a:solidFill>
+                <a:highlight>
+                  <a:srgbClr val="FFFFFF"/>
+                </a:highlight>
+              </a:rPr>
+              <a:t>plt</a:t>
+            </a:r>
+            <a:r>
+              <a:rPr lang="pt-BR" sz="1200" b="1" dirty="0">
+                <a:solidFill>
+                  <a:srgbClr val="000080"/>
+                </a:solidFill>
+                <a:highlight>
+                  <a:srgbClr val="FFFFFF"/>
+                </a:highlight>
+              </a:rPr>
+              <a:t>.</a:t>
+            </a:r>
+            <a:r>
+              <a:rPr lang="pt-BR" sz="1200" dirty="0">
+                <a:solidFill>
+                  <a:srgbClr val="000000"/>
+                </a:solidFill>
+                <a:highlight>
+                  <a:srgbClr val="FFFFFF"/>
+                </a:highlight>
+              </a:rPr>
+              <a:t>legend</a:t>
+            </a:r>
+            <a:r>
+              <a:rPr lang="pt-BR" sz="1200" b="1" dirty="0">
+                <a:solidFill>
+                  <a:srgbClr val="000080"/>
+                </a:solidFill>
+                <a:highlight>
+                  <a:srgbClr val="FFFFFF"/>
+                </a:highlight>
+              </a:rPr>
+              <a:t>()</a:t>
+            </a:r>
+            <a:endParaRPr lang="pt-BR" sz="1200" dirty="0">
+              <a:solidFill>
+                <a:srgbClr val="000000"/>
+              </a:solidFill>
+              <a:highlight>
+                <a:srgbClr val="FFFFFF"/>
+              </a:highlight>
+            </a:endParaRPr>
+          </a:p>
+          <a:p>
+            <a:r>
+              <a:rPr lang="pt-BR" sz="1200" dirty="0">
+                <a:solidFill>
+                  <a:srgbClr val="000000"/>
+                </a:solidFill>
+                <a:highlight>
+                  <a:srgbClr val="FFFFFF"/>
+                </a:highlight>
+              </a:rPr>
+              <a:t>plt</a:t>
+            </a:r>
+            <a:r>
+              <a:rPr lang="pt-BR" sz="1200" b="1" dirty="0">
+                <a:solidFill>
+                  <a:srgbClr val="000080"/>
+                </a:solidFill>
+                <a:highlight>
+                  <a:srgbClr val="FFFFFF"/>
+                </a:highlight>
+              </a:rPr>
+              <a:t>.</a:t>
+            </a:r>
+            <a:r>
+              <a:rPr lang="pt-BR" sz="1200" dirty="0">
+                <a:solidFill>
+                  <a:srgbClr val="000000"/>
+                </a:solidFill>
+                <a:highlight>
+                  <a:srgbClr val="FFFFFF"/>
+                </a:highlight>
+              </a:rPr>
+              <a:t>show</a:t>
+            </a:r>
+            <a:r>
+              <a:rPr lang="pt-BR" sz="1200" b="1" dirty="0">
+                <a:solidFill>
+                  <a:srgbClr val="000080"/>
+                </a:solidFill>
+                <a:highlight>
+                  <a:srgbClr val="FFFFFF"/>
+                </a:highlight>
+              </a:rPr>
+              <a:t>()</a:t>
+            </a:r>
+            <a:endParaRPr lang="pt-BR" sz="1200" dirty="0">
+              <a:solidFill>
+                <a:srgbClr val="000000"/>
+              </a:solidFill>
+              <a:highlight>
+                <a:srgbClr val="FFFFFF"/>
+              </a:highlight>
+            </a:endParaRPr>
+          </a:p>
+          <a:p>
+            <a:endParaRPr lang="pt-BR" sz="1200" dirty="0">
+              <a:solidFill>
+                <a:srgbClr val="000000"/>
+              </a:solidFill>
+              <a:highlight>
+                <a:srgbClr val="FFFFFF"/>
+              </a:highlight>
+            </a:endParaRPr>
+          </a:p>
+          <a:p>
+            <a:r>
+              <a:rPr lang="pt-BR" sz="1200" dirty="0">
+                <a:solidFill>
+                  <a:srgbClr val="008000"/>
+                </a:solidFill>
+                <a:highlight>
+                  <a:srgbClr val="FFFFFF"/>
+                </a:highlight>
+              </a:rPr>
+              <a:t># histograma (pdf)</a:t>
+            </a:r>
+            <a:endParaRPr lang="pt-BR" sz="1200" dirty="0">
+              <a:solidFill>
+                <a:srgbClr val="000000"/>
+              </a:solidFill>
+              <a:highlight>
+                <a:srgbClr val="FFFFFF"/>
+              </a:highlight>
+            </a:endParaRPr>
+          </a:p>
+          <a:p>
+            <a:r>
+              <a:rPr lang="pt-BR" sz="1200" dirty="0">
+                <a:solidFill>
+                  <a:srgbClr val="000000"/>
+                </a:solidFill>
+                <a:highlight>
+                  <a:srgbClr val="FFFFFF"/>
+                </a:highlight>
+              </a:rPr>
+              <a:t>plt</a:t>
+            </a:r>
+            <a:r>
+              <a:rPr lang="pt-BR" sz="1200" b="1" dirty="0">
+                <a:solidFill>
+                  <a:srgbClr val="000080"/>
+                </a:solidFill>
+                <a:highlight>
+                  <a:srgbClr val="FFFFFF"/>
+                </a:highlight>
+              </a:rPr>
+              <a:t>.</a:t>
+            </a:r>
+            <a:r>
+              <a:rPr lang="pt-BR" sz="1200" dirty="0">
+                <a:solidFill>
+                  <a:srgbClr val="000000"/>
+                </a:solidFill>
+                <a:highlight>
+                  <a:srgbClr val="FFFFFF"/>
+                </a:highlight>
+              </a:rPr>
+              <a:t>subplot</a:t>
+            </a:r>
+            <a:r>
+              <a:rPr lang="pt-BR" sz="1200" b="1" dirty="0">
+                <a:solidFill>
+                  <a:srgbClr val="000080"/>
+                </a:solidFill>
+                <a:highlight>
+                  <a:srgbClr val="FFFFFF"/>
+                </a:highlight>
+              </a:rPr>
+              <a:t>(</a:t>
+            </a:r>
+            <a:r>
+              <a:rPr lang="pt-BR" sz="1200" dirty="0">
+                <a:solidFill>
+                  <a:srgbClr val="FF0000"/>
+                </a:solidFill>
+                <a:highlight>
+                  <a:srgbClr val="FFFFFF"/>
+                </a:highlight>
+              </a:rPr>
+              <a:t>1</a:t>
+            </a:r>
+            <a:r>
+              <a:rPr lang="pt-BR" sz="1200" b="1" dirty="0">
+                <a:solidFill>
+                  <a:srgbClr val="000080"/>
+                </a:solidFill>
+                <a:highlight>
+                  <a:srgbClr val="FFFFFF"/>
+                </a:highlight>
+              </a:rPr>
+              <a:t>,</a:t>
+            </a:r>
+            <a:r>
+              <a:rPr lang="pt-BR" sz="1200" dirty="0">
+                <a:solidFill>
+                  <a:srgbClr val="000000"/>
+                </a:solidFill>
+                <a:highlight>
+                  <a:srgbClr val="FFFFFF"/>
+                </a:highlight>
+              </a:rPr>
+              <a:t> </a:t>
+            </a:r>
+            <a:r>
+              <a:rPr lang="pt-BR" sz="1200" dirty="0">
+                <a:solidFill>
+                  <a:srgbClr val="FF0000"/>
+                </a:solidFill>
+                <a:highlight>
+                  <a:srgbClr val="FFFFFF"/>
+                </a:highlight>
+              </a:rPr>
+              <a:t>2</a:t>
+            </a:r>
+            <a:r>
+              <a:rPr lang="pt-BR" sz="1200" b="1" dirty="0">
+                <a:solidFill>
+                  <a:srgbClr val="000080"/>
+                </a:solidFill>
+                <a:highlight>
+                  <a:srgbClr val="FFFFFF"/>
+                </a:highlight>
+              </a:rPr>
+              <a:t>,</a:t>
+            </a:r>
+            <a:r>
+              <a:rPr lang="pt-BR" sz="1200" dirty="0">
+                <a:solidFill>
+                  <a:srgbClr val="000000"/>
+                </a:solidFill>
+                <a:highlight>
+                  <a:srgbClr val="FFFFFF"/>
+                </a:highlight>
+              </a:rPr>
+              <a:t> </a:t>
+            </a:r>
+            <a:r>
+              <a:rPr lang="pt-BR" sz="1200" dirty="0">
+                <a:solidFill>
+                  <a:srgbClr val="FF0000"/>
+                </a:solidFill>
+                <a:highlight>
+                  <a:srgbClr val="FFFFFF"/>
+                </a:highlight>
+              </a:rPr>
+              <a:t>1</a:t>
+            </a:r>
+            <a:r>
+              <a:rPr lang="pt-BR" sz="1200" b="1" dirty="0">
+                <a:solidFill>
+                  <a:srgbClr val="000080"/>
+                </a:solidFill>
+                <a:highlight>
+                  <a:srgbClr val="FFFFFF"/>
+                </a:highlight>
+              </a:rPr>
+              <a:t>)</a:t>
+            </a:r>
+            <a:endParaRPr lang="pt-BR" sz="1200" dirty="0">
+              <a:solidFill>
+                <a:srgbClr val="000000"/>
+              </a:solidFill>
+              <a:highlight>
+                <a:srgbClr val="FFFFFF"/>
+              </a:highlight>
+            </a:endParaRPr>
+          </a:p>
+          <a:p>
+            <a:r>
+              <a:rPr lang="pt-BR" sz="1200" dirty="0">
+                <a:solidFill>
+                  <a:srgbClr val="000000"/>
+                </a:solidFill>
+                <a:highlight>
+                  <a:srgbClr val="FFFFFF"/>
+                </a:highlight>
+              </a:rPr>
+              <a:t>plt</a:t>
+            </a:r>
+            <a:r>
+              <a:rPr lang="pt-BR" sz="1200" b="1" dirty="0">
+                <a:solidFill>
+                  <a:srgbClr val="000080"/>
+                </a:solidFill>
+                <a:highlight>
+                  <a:srgbClr val="FFFFFF"/>
+                </a:highlight>
+              </a:rPr>
+              <a:t>.</a:t>
+            </a:r>
+            <a:r>
+              <a:rPr lang="pt-BR" sz="1200" dirty="0">
+                <a:solidFill>
+                  <a:srgbClr val="000000"/>
+                </a:solidFill>
+                <a:highlight>
+                  <a:srgbClr val="FFFFFF"/>
+                </a:highlight>
+              </a:rPr>
+              <a:t>title</a:t>
+            </a:r>
+            <a:r>
+              <a:rPr lang="pt-BR" sz="1200" b="1" dirty="0">
+                <a:solidFill>
+                  <a:srgbClr val="000080"/>
+                </a:solidFill>
+                <a:highlight>
+                  <a:srgbClr val="FFFFFF"/>
+                </a:highlight>
+              </a:rPr>
+              <a:t>(</a:t>
+            </a:r>
+            <a:r>
+              <a:rPr lang="pt-BR" sz="1200" dirty="0">
+                <a:solidFill>
+                  <a:srgbClr val="808080"/>
+                </a:solidFill>
+                <a:highlight>
+                  <a:srgbClr val="FFFFFF"/>
+                </a:highlight>
+              </a:rPr>
+              <a:t>'PDF'</a:t>
+            </a:r>
+            <a:r>
+              <a:rPr lang="pt-BR" sz="1200" b="1" dirty="0">
+                <a:solidFill>
+                  <a:srgbClr val="000080"/>
+                </a:solidFill>
+                <a:highlight>
+                  <a:srgbClr val="FFFFFF"/>
+                </a:highlight>
+              </a:rPr>
+              <a:t>)</a:t>
+            </a:r>
+            <a:endParaRPr lang="pt-BR" sz="1200" dirty="0">
+              <a:solidFill>
+                <a:srgbClr val="000000"/>
+              </a:solidFill>
+              <a:highlight>
+                <a:srgbClr val="FFFFFF"/>
+              </a:highlight>
+            </a:endParaRPr>
+          </a:p>
+          <a:p>
+            <a:r>
+              <a:rPr lang="en-US" sz="1200" dirty="0" err="1">
+                <a:solidFill>
+                  <a:srgbClr val="000000"/>
+                </a:solidFill>
+                <a:highlight>
+                  <a:srgbClr val="FFFFFF"/>
+                </a:highlight>
+              </a:rPr>
+              <a:t>plt</a:t>
+            </a:r>
+            <a:r>
+              <a:rPr lang="en-US" sz="1200" b="1" dirty="0" err="1">
+                <a:solidFill>
+                  <a:srgbClr val="000080"/>
+                </a:solidFill>
+                <a:highlight>
+                  <a:srgbClr val="FFFFFF"/>
+                </a:highlight>
+              </a:rPr>
+              <a:t>.</a:t>
+            </a:r>
+            <a:r>
+              <a:rPr lang="en-US" sz="1200" dirty="0" err="1">
+                <a:solidFill>
+                  <a:srgbClr val="000000"/>
+                </a:solidFill>
+                <a:highlight>
+                  <a:srgbClr val="FFFFFF"/>
+                </a:highlight>
+              </a:rPr>
+              <a:t>hist</a:t>
+            </a:r>
+            <a:r>
+              <a:rPr lang="en-US" sz="1200" b="1" dirty="0">
+                <a:solidFill>
+                  <a:srgbClr val="000080"/>
+                </a:solidFill>
+                <a:highlight>
+                  <a:srgbClr val="FFFFFF"/>
+                </a:highlight>
+              </a:rPr>
+              <a:t>(</a:t>
+            </a:r>
+            <a:r>
+              <a:rPr lang="en-US" sz="1200" dirty="0" err="1">
+                <a:solidFill>
+                  <a:srgbClr val="000000"/>
+                </a:solidFill>
+                <a:highlight>
+                  <a:srgbClr val="FFFFFF"/>
+                </a:highlight>
+              </a:rPr>
+              <a:t>y_noisy</a:t>
+            </a:r>
+            <a:r>
+              <a:rPr lang="en-US" sz="1200" b="1" dirty="0">
+                <a:solidFill>
+                  <a:srgbClr val="000080"/>
+                </a:solidFill>
+                <a:highlight>
+                  <a:srgbClr val="FFFFFF"/>
+                </a:highlight>
+              </a:rPr>
+              <a:t>,</a:t>
+            </a:r>
+            <a:r>
+              <a:rPr lang="en-US" sz="1200" dirty="0">
+                <a:solidFill>
+                  <a:srgbClr val="000000"/>
+                </a:solidFill>
+                <a:highlight>
+                  <a:srgbClr val="FFFFFF"/>
+                </a:highlight>
+              </a:rPr>
+              <a:t> bins</a:t>
+            </a:r>
+            <a:r>
+              <a:rPr lang="en-US" sz="1200" b="1" dirty="0">
+                <a:solidFill>
+                  <a:srgbClr val="000080"/>
+                </a:solidFill>
+                <a:highlight>
+                  <a:srgbClr val="FFFFFF"/>
+                </a:highlight>
+              </a:rPr>
+              <a:t>=</a:t>
+            </a:r>
+            <a:r>
+              <a:rPr lang="en-US" sz="1200" dirty="0">
+                <a:solidFill>
+                  <a:srgbClr val="FF0000"/>
+                </a:solidFill>
+                <a:highlight>
+                  <a:srgbClr val="FFFFFF"/>
+                </a:highlight>
+              </a:rPr>
+              <a:t>100</a:t>
+            </a:r>
+            <a:r>
+              <a:rPr lang="en-US" sz="1200" b="1" dirty="0">
+                <a:solidFill>
+                  <a:srgbClr val="000080"/>
+                </a:solidFill>
+                <a:highlight>
+                  <a:srgbClr val="FFFFFF"/>
+                </a:highlight>
+              </a:rPr>
+              <a:t>,</a:t>
+            </a:r>
+            <a:r>
+              <a:rPr lang="en-US" sz="1200" dirty="0">
+                <a:solidFill>
+                  <a:srgbClr val="000000"/>
+                </a:solidFill>
+                <a:highlight>
+                  <a:srgbClr val="FFFFFF"/>
+                </a:highlight>
+              </a:rPr>
+              <a:t> density</a:t>
+            </a:r>
+            <a:r>
+              <a:rPr lang="en-US" sz="1200" b="1" dirty="0">
+                <a:solidFill>
+                  <a:srgbClr val="000080"/>
+                </a:solidFill>
+                <a:highlight>
+                  <a:srgbClr val="FFFFFF"/>
+                </a:highlight>
+              </a:rPr>
+              <a:t>=</a:t>
+            </a:r>
+            <a:r>
+              <a:rPr lang="en-US" sz="1200" b="1" dirty="0">
+                <a:solidFill>
+                  <a:srgbClr val="0000FF"/>
+                </a:solidFill>
+                <a:highlight>
+                  <a:srgbClr val="FFFFFF"/>
+                </a:highlight>
+              </a:rPr>
+              <a:t>True</a:t>
+            </a:r>
+            <a:r>
+              <a:rPr lang="en-US" sz="1200" b="1" dirty="0">
+                <a:solidFill>
+                  <a:srgbClr val="000080"/>
+                </a:solidFill>
+                <a:highlight>
+                  <a:srgbClr val="FFFFFF"/>
+                </a:highlight>
+              </a:rPr>
+              <a:t>,</a:t>
+            </a:r>
+            <a:r>
+              <a:rPr lang="en-US" sz="1200" dirty="0">
+                <a:solidFill>
+                  <a:srgbClr val="000000"/>
+                </a:solidFill>
+                <a:highlight>
+                  <a:srgbClr val="FFFFFF"/>
+                </a:highlight>
+              </a:rPr>
+              <a:t> color</a:t>
+            </a:r>
+            <a:r>
+              <a:rPr lang="en-US" sz="1200" b="1" dirty="0">
+                <a:solidFill>
+                  <a:srgbClr val="000080"/>
+                </a:solidFill>
+                <a:highlight>
+                  <a:srgbClr val="FFFFFF"/>
+                </a:highlight>
+              </a:rPr>
+              <a:t>=</a:t>
+            </a:r>
+            <a:r>
+              <a:rPr lang="en-US" sz="1200" dirty="0">
+                <a:solidFill>
+                  <a:srgbClr val="808080"/>
+                </a:solidFill>
+                <a:highlight>
+                  <a:srgbClr val="FFFFFF"/>
+                </a:highlight>
+              </a:rPr>
+              <a:t>'b</a:t>
+            </a:r>
+            <a:r>
+              <a:rPr lang="en-US" sz="1200" dirty="0" smtClean="0">
+                <a:solidFill>
+                  <a:srgbClr val="808080"/>
+                </a:solidFill>
+                <a:highlight>
+                  <a:srgbClr val="FFFFFF"/>
+                </a:highlight>
+              </a:rPr>
+              <a:t>'</a:t>
+            </a:r>
+            <a:r>
+              <a:rPr lang="en-US" sz="1200" b="1" dirty="0" smtClean="0">
+                <a:solidFill>
+                  <a:srgbClr val="000080"/>
+                </a:solidFill>
+                <a:highlight>
+                  <a:srgbClr val="FFFFFF"/>
+                </a:highlight>
+              </a:rPr>
+              <a:t>)</a:t>
+            </a:r>
+            <a:endParaRPr lang="pt-BR" sz="1200" dirty="0">
+              <a:solidFill>
+                <a:srgbClr val="000000"/>
+              </a:solidFill>
+              <a:highlight>
+                <a:srgbClr val="FFFFFF"/>
+              </a:highlight>
+            </a:endParaRPr>
+          </a:p>
+          <a:p>
+            <a:r>
+              <a:rPr lang="pt-BR" sz="1200" dirty="0">
+                <a:solidFill>
+                  <a:srgbClr val="008000"/>
+                </a:solidFill>
+                <a:highlight>
+                  <a:srgbClr val="FFFFFF"/>
+                </a:highlight>
+              </a:rPr>
+              <a:t># CDF empírica</a:t>
+            </a:r>
+            <a:endParaRPr lang="pt-BR" sz="1200" dirty="0">
+              <a:solidFill>
+                <a:srgbClr val="000000"/>
+              </a:solidFill>
+              <a:highlight>
+                <a:srgbClr val="FFFFFF"/>
+              </a:highlight>
+            </a:endParaRPr>
+          </a:p>
+          <a:p>
+            <a:r>
+              <a:rPr lang="pt-BR" sz="1200" dirty="0">
+                <a:solidFill>
+                  <a:srgbClr val="000000"/>
+                </a:solidFill>
+                <a:highlight>
+                  <a:srgbClr val="FFFFFF"/>
+                </a:highlight>
+              </a:rPr>
+              <a:t>plt</a:t>
+            </a:r>
+            <a:r>
+              <a:rPr lang="pt-BR" sz="1200" b="1" dirty="0">
+                <a:solidFill>
+                  <a:srgbClr val="000080"/>
+                </a:solidFill>
+                <a:highlight>
+                  <a:srgbClr val="FFFFFF"/>
+                </a:highlight>
+              </a:rPr>
+              <a:t>.</a:t>
+            </a:r>
+            <a:r>
+              <a:rPr lang="pt-BR" sz="1200" dirty="0">
+                <a:solidFill>
+                  <a:srgbClr val="000000"/>
+                </a:solidFill>
+                <a:highlight>
+                  <a:srgbClr val="FFFFFF"/>
+                </a:highlight>
+              </a:rPr>
+              <a:t>subplot</a:t>
+            </a:r>
+            <a:r>
+              <a:rPr lang="pt-BR" sz="1200" b="1" dirty="0">
+                <a:solidFill>
+                  <a:srgbClr val="000080"/>
+                </a:solidFill>
+                <a:highlight>
+                  <a:srgbClr val="FFFFFF"/>
+                </a:highlight>
+              </a:rPr>
+              <a:t>(</a:t>
+            </a:r>
+            <a:r>
+              <a:rPr lang="pt-BR" sz="1200" dirty="0">
+                <a:solidFill>
+                  <a:srgbClr val="FF0000"/>
+                </a:solidFill>
+                <a:highlight>
+                  <a:srgbClr val="FFFFFF"/>
+                </a:highlight>
+              </a:rPr>
+              <a:t>1</a:t>
+            </a:r>
+            <a:r>
+              <a:rPr lang="pt-BR" sz="1200" b="1" dirty="0">
+                <a:solidFill>
+                  <a:srgbClr val="000080"/>
+                </a:solidFill>
+                <a:highlight>
+                  <a:srgbClr val="FFFFFF"/>
+                </a:highlight>
+              </a:rPr>
+              <a:t>,</a:t>
+            </a:r>
+            <a:r>
+              <a:rPr lang="pt-BR" sz="1200" dirty="0">
+                <a:solidFill>
+                  <a:srgbClr val="000000"/>
+                </a:solidFill>
+                <a:highlight>
+                  <a:srgbClr val="FFFFFF"/>
+                </a:highlight>
+              </a:rPr>
+              <a:t> </a:t>
+            </a:r>
+            <a:r>
+              <a:rPr lang="pt-BR" sz="1200" dirty="0">
+                <a:solidFill>
+                  <a:srgbClr val="FF0000"/>
+                </a:solidFill>
+                <a:highlight>
+                  <a:srgbClr val="FFFFFF"/>
+                </a:highlight>
+              </a:rPr>
+              <a:t>2</a:t>
+            </a:r>
+            <a:r>
+              <a:rPr lang="pt-BR" sz="1200" b="1" dirty="0">
+                <a:solidFill>
+                  <a:srgbClr val="000080"/>
+                </a:solidFill>
+                <a:highlight>
+                  <a:srgbClr val="FFFFFF"/>
+                </a:highlight>
+              </a:rPr>
+              <a:t>,</a:t>
+            </a:r>
+            <a:r>
+              <a:rPr lang="pt-BR" sz="1200" dirty="0">
+                <a:solidFill>
+                  <a:srgbClr val="000000"/>
+                </a:solidFill>
+                <a:highlight>
+                  <a:srgbClr val="FFFFFF"/>
+                </a:highlight>
+              </a:rPr>
+              <a:t> </a:t>
+            </a:r>
+            <a:r>
+              <a:rPr lang="pt-BR" sz="1200" dirty="0">
+                <a:solidFill>
+                  <a:srgbClr val="FF0000"/>
+                </a:solidFill>
+                <a:highlight>
+                  <a:srgbClr val="FFFFFF"/>
+                </a:highlight>
+              </a:rPr>
+              <a:t>2</a:t>
+            </a:r>
+            <a:r>
+              <a:rPr lang="pt-BR" sz="1200" b="1" dirty="0">
+                <a:solidFill>
+                  <a:srgbClr val="000080"/>
+                </a:solidFill>
+                <a:highlight>
+                  <a:srgbClr val="FFFFFF"/>
+                </a:highlight>
+              </a:rPr>
+              <a:t>)</a:t>
+            </a:r>
+            <a:endParaRPr lang="pt-BR" sz="1200" dirty="0">
+              <a:solidFill>
+                <a:srgbClr val="000000"/>
+              </a:solidFill>
+              <a:highlight>
+                <a:srgbClr val="FFFFFF"/>
+              </a:highlight>
+            </a:endParaRPr>
+          </a:p>
+          <a:p>
+            <a:r>
+              <a:rPr lang="pt-BR" sz="1200" dirty="0">
+                <a:solidFill>
+                  <a:srgbClr val="000000"/>
+                </a:solidFill>
+                <a:highlight>
+                  <a:srgbClr val="FFFFFF"/>
+                </a:highlight>
+              </a:rPr>
+              <a:t>plt</a:t>
+            </a:r>
+            <a:r>
+              <a:rPr lang="pt-BR" sz="1200" b="1" dirty="0">
+                <a:solidFill>
+                  <a:srgbClr val="000080"/>
+                </a:solidFill>
+                <a:highlight>
+                  <a:srgbClr val="FFFFFF"/>
+                </a:highlight>
+              </a:rPr>
+              <a:t>.</a:t>
+            </a:r>
+            <a:r>
+              <a:rPr lang="pt-BR" sz="1200" dirty="0">
+                <a:solidFill>
+                  <a:srgbClr val="000000"/>
+                </a:solidFill>
+                <a:highlight>
+                  <a:srgbClr val="FFFFFF"/>
+                </a:highlight>
+              </a:rPr>
+              <a:t>title</a:t>
+            </a:r>
+            <a:r>
+              <a:rPr lang="pt-BR" sz="1200" b="1" dirty="0">
+                <a:solidFill>
+                  <a:srgbClr val="000080"/>
+                </a:solidFill>
+                <a:highlight>
+                  <a:srgbClr val="FFFFFF"/>
+                </a:highlight>
+              </a:rPr>
+              <a:t>(</a:t>
+            </a:r>
+            <a:r>
+              <a:rPr lang="pt-BR" sz="1200" dirty="0">
+                <a:solidFill>
+                  <a:srgbClr val="808080"/>
+                </a:solidFill>
+                <a:highlight>
+                  <a:srgbClr val="FFFFFF"/>
+                </a:highlight>
+              </a:rPr>
+              <a:t>'CDF'</a:t>
+            </a:r>
+            <a:r>
+              <a:rPr lang="pt-BR" sz="1200" b="1" dirty="0">
+                <a:solidFill>
+                  <a:srgbClr val="000080"/>
+                </a:solidFill>
+                <a:highlight>
+                  <a:srgbClr val="FFFFFF"/>
+                </a:highlight>
+              </a:rPr>
+              <a:t>)</a:t>
+            </a:r>
+            <a:endParaRPr lang="pt-BR" sz="1200" dirty="0">
+              <a:solidFill>
+                <a:srgbClr val="000000"/>
+              </a:solidFill>
+              <a:highlight>
+                <a:srgbClr val="FFFFFF"/>
+              </a:highlight>
+            </a:endParaRPr>
+          </a:p>
+          <a:p>
+            <a:r>
+              <a:rPr lang="en-US" sz="1200" dirty="0" err="1">
+                <a:solidFill>
+                  <a:srgbClr val="000000"/>
+                </a:solidFill>
+                <a:highlight>
+                  <a:srgbClr val="FFFFFF"/>
+                </a:highlight>
+              </a:rPr>
+              <a:t>plt</a:t>
+            </a:r>
+            <a:r>
+              <a:rPr lang="en-US" sz="1200" b="1" dirty="0" err="1">
+                <a:solidFill>
+                  <a:srgbClr val="000080"/>
+                </a:solidFill>
+                <a:highlight>
+                  <a:srgbClr val="FFFFFF"/>
+                </a:highlight>
+              </a:rPr>
+              <a:t>.</a:t>
+            </a:r>
+            <a:r>
+              <a:rPr lang="en-US" sz="1200" dirty="0" err="1">
+                <a:solidFill>
+                  <a:srgbClr val="000000"/>
+                </a:solidFill>
+                <a:highlight>
+                  <a:srgbClr val="FFFFFF"/>
+                </a:highlight>
+              </a:rPr>
+              <a:t>hist</a:t>
+            </a:r>
+            <a:r>
+              <a:rPr lang="en-US" sz="1200" b="1" dirty="0">
+                <a:solidFill>
+                  <a:srgbClr val="000080"/>
+                </a:solidFill>
+                <a:highlight>
+                  <a:srgbClr val="FFFFFF"/>
+                </a:highlight>
+              </a:rPr>
+              <a:t>(</a:t>
+            </a:r>
+            <a:r>
+              <a:rPr lang="en-US" sz="1200" dirty="0" err="1">
+                <a:solidFill>
+                  <a:srgbClr val="000000"/>
+                </a:solidFill>
+                <a:highlight>
+                  <a:srgbClr val="FFFFFF"/>
+                </a:highlight>
+              </a:rPr>
+              <a:t>y_noisy</a:t>
+            </a:r>
+            <a:r>
+              <a:rPr lang="en-US" sz="1200" b="1" dirty="0">
+                <a:solidFill>
+                  <a:srgbClr val="000080"/>
+                </a:solidFill>
+                <a:highlight>
+                  <a:srgbClr val="FFFFFF"/>
+                </a:highlight>
+              </a:rPr>
+              <a:t>,</a:t>
+            </a:r>
+            <a:r>
+              <a:rPr lang="en-US" sz="1200" dirty="0">
+                <a:solidFill>
+                  <a:srgbClr val="000000"/>
+                </a:solidFill>
+                <a:highlight>
+                  <a:srgbClr val="FFFFFF"/>
+                </a:highlight>
+              </a:rPr>
+              <a:t> bins</a:t>
+            </a:r>
+            <a:r>
+              <a:rPr lang="en-US" sz="1200" b="1" dirty="0">
+                <a:solidFill>
+                  <a:srgbClr val="000080"/>
+                </a:solidFill>
+                <a:highlight>
+                  <a:srgbClr val="FFFFFF"/>
+                </a:highlight>
+              </a:rPr>
+              <a:t>=</a:t>
+            </a:r>
+            <a:r>
+              <a:rPr lang="en-US" sz="1200" dirty="0">
+                <a:solidFill>
+                  <a:srgbClr val="FF0000"/>
+                </a:solidFill>
+                <a:highlight>
+                  <a:srgbClr val="FFFFFF"/>
+                </a:highlight>
+              </a:rPr>
+              <a:t>100</a:t>
+            </a:r>
+            <a:r>
+              <a:rPr lang="en-US" sz="1200" b="1" dirty="0">
+                <a:solidFill>
+                  <a:srgbClr val="000080"/>
+                </a:solidFill>
+                <a:highlight>
+                  <a:srgbClr val="FFFFFF"/>
+                </a:highlight>
+              </a:rPr>
+              <a:t>,</a:t>
+            </a:r>
+            <a:r>
+              <a:rPr lang="en-US" sz="1200" dirty="0">
+                <a:solidFill>
+                  <a:srgbClr val="000000"/>
+                </a:solidFill>
+                <a:highlight>
+                  <a:srgbClr val="FFFFFF"/>
+                </a:highlight>
+              </a:rPr>
+              <a:t> density</a:t>
+            </a:r>
+            <a:r>
+              <a:rPr lang="en-US" sz="1200" b="1" dirty="0">
+                <a:solidFill>
+                  <a:srgbClr val="000080"/>
+                </a:solidFill>
+                <a:highlight>
+                  <a:srgbClr val="FFFFFF"/>
+                </a:highlight>
+              </a:rPr>
+              <a:t>=</a:t>
+            </a:r>
+            <a:r>
+              <a:rPr lang="en-US" sz="1200" b="1" dirty="0">
+                <a:solidFill>
+                  <a:srgbClr val="0000FF"/>
+                </a:solidFill>
+                <a:highlight>
+                  <a:srgbClr val="FFFFFF"/>
+                </a:highlight>
+              </a:rPr>
+              <a:t>True</a:t>
+            </a:r>
+            <a:r>
+              <a:rPr lang="en-US" sz="1200" b="1" dirty="0">
+                <a:solidFill>
+                  <a:srgbClr val="000080"/>
+                </a:solidFill>
+                <a:highlight>
+                  <a:srgbClr val="FFFFFF"/>
+                </a:highlight>
+              </a:rPr>
+              <a:t>,</a:t>
+            </a:r>
+            <a:r>
+              <a:rPr lang="en-US" sz="1200" dirty="0">
+                <a:solidFill>
+                  <a:srgbClr val="000000"/>
+                </a:solidFill>
+                <a:highlight>
+                  <a:srgbClr val="FFFFFF"/>
+                </a:highlight>
+              </a:rPr>
+              <a:t> color</a:t>
+            </a:r>
+            <a:r>
+              <a:rPr lang="en-US" sz="1200" b="1" dirty="0">
+                <a:solidFill>
+                  <a:srgbClr val="000080"/>
+                </a:solidFill>
+                <a:highlight>
+                  <a:srgbClr val="FFFFFF"/>
+                </a:highlight>
+              </a:rPr>
+              <a:t>=</a:t>
+            </a:r>
+            <a:r>
+              <a:rPr lang="en-US" sz="1200" dirty="0">
+                <a:solidFill>
+                  <a:srgbClr val="808080"/>
+                </a:solidFill>
+                <a:highlight>
+                  <a:srgbClr val="FFFFFF"/>
+                </a:highlight>
+              </a:rPr>
+              <a:t>'g'</a:t>
+            </a:r>
+            <a:r>
+              <a:rPr lang="en-US" sz="1200" b="1" dirty="0">
+                <a:solidFill>
+                  <a:srgbClr val="000080"/>
+                </a:solidFill>
+                <a:highlight>
+                  <a:srgbClr val="FFFFFF"/>
+                </a:highlight>
+              </a:rPr>
+              <a:t>,</a:t>
+            </a:r>
+            <a:r>
+              <a:rPr lang="en-US" sz="1200" dirty="0">
+                <a:solidFill>
+                  <a:srgbClr val="000000"/>
+                </a:solidFill>
+                <a:highlight>
+                  <a:srgbClr val="FFFFFF"/>
+                </a:highlight>
+              </a:rPr>
+              <a:t> cumulative</a:t>
+            </a:r>
+            <a:r>
+              <a:rPr lang="en-US" sz="1200" b="1" dirty="0">
+                <a:solidFill>
+                  <a:srgbClr val="000080"/>
+                </a:solidFill>
+                <a:highlight>
+                  <a:srgbClr val="FFFFFF"/>
+                </a:highlight>
+              </a:rPr>
+              <a:t>=</a:t>
+            </a:r>
+            <a:r>
+              <a:rPr lang="en-US" sz="1200" b="1" dirty="0">
+                <a:solidFill>
+                  <a:srgbClr val="0000FF"/>
+                </a:solidFill>
+                <a:highlight>
+                  <a:srgbClr val="FFFFFF"/>
+                </a:highlight>
+              </a:rPr>
+              <a:t>True</a:t>
+            </a:r>
+            <a:r>
+              <a:rPr lang="en-US" sz="1200" b="1" dirty="0">
+                <a:solidFill>
+                  <a:srgbClr val="000080"/>
+                </a:solidFill>
+                <a:highlight>
+                  <a:srgbClr val="FFFFFF"/>
+                </a:highlight>
+              </a:rPr>
+              <a:t>)</a:t>
+            </a:r>
+            <a:endParaRPr lang="en-US" sz="1200" dirty="0">
+              <a:solidFill>
+                <a:srgbClr val="000000"/>
+              </a:solidFill>
+              <a:highlight>
+                <a:srgbClr val="FFFFFF"/>
+              </a:highlight>
+            </a:endParaRPr>
+          </a:p>
+          <a:p>
+            <a:endParaRPr lang="pt-BR" sz="1200" dirty="0">
+              <a:solidFill>
+                <a:srgbClr val="000000"/>
+              </a:solidFill>
+              <a:highlight>
+                <a:srgbClr val="FFFFFF"/>
+              </a:highlight>
+            </a:endParaRPr>
+          </a:p>
+          <a:p>
+            <a:r>
+              <a:rPr lang="pt-BR" sz="1200" dirty="0">
+                <a:solidFill>
+                  <a:srgbClr val="000000"/>
+                </a:solidFill>
+                <a:highlight>
+                  <a:srgbClr val="FFFFFF"/>
+                </a:highlight>
+              </a:rPr>
+              <a:t>plt</a:t>
+            </a:r>
+            <a:r>
+              <a:rPr lang="pt-BR" sz="1200" b="1" dirty="0">
+                <a:solidFill>
+                  <a:srgbClr val="000080"/>
+                </a:solidFill>
+                <a:highlight>
+                  <a:srgbClr val="FFFFFF"/>
+                </a:highlight>
+              </a:rPr>
+              <a:t>.</a:t>
+            </a:r>
+            <a:r>
+              <a:rPr lang="pt-BR" sz="1200" dirty="0">
+                <a:solidFill>
+                  <a:srgbClr val="000000"/>
+                </a:solidFill>
+                <a:highlight>
+                  <a:srgbClr val="FFFFFF"/>
+                </a:highlight>
+              </a:rPr>
+              <a:t>savefig</a:t>
+            </a:r>
+            <a:r>
+              <a:rPr lang="pt-BR" sz="1200" b="1" dirty="0">
+                <a:solidFill>
+                  <a:srgbClr val="000080"/>
+                </a:solidFill>
+                <a:highlight>
+                  <a:srgbClr val="FFFFFF"/>
+                </a:highlight>
+              </a:rPr>
+              <a:t>(</a:t>
+            </a:r>
+            <a:r>
+              <a:rPr lang="pt-BR" sz="1200" dirty="0">
+                <a:solidFill>
+                  <a:srgbClr val="808080"/>
+                </a:solidFill>
+                <a:highlight>
+                  <a:srgbClr val="FFFFFF"/>
+                </a:highlight>
+              </a:rPr>
+              <a:t>'histogram.png'</a:t>
+            </a:r>
+            <a:r>
+              <a:rPr lang="pt-BR" sz="1200" b="1" dirty="0">
+                <a:solidFill>
+                  <a:srgbClr val="000080"/>
+                </a:solidFill>
+                <a:highlight>
+                  <a:srgbClr val="FFFFFF"/>
+                </a:highlight>
+              </a:rPr>
+              <a:t>)</a:t>
+            </a:r>
+            <a:r>
+              <a:rPr lang="pt-BR" sz="1200" dirty="0">
+                <a:solidFill>
+                  <a:srgbClr val="000000"/>
+                </a:solidFill>
+                <a:highlight>
+                  <a:srgbClr val="FFFFFF"/>
+                </a:highlight>
+              </a:rPr>
+              <a:t> </a:t>
+            </a:r>
+            <a:r>
+              <a:rPr lang="pt-BR" sz="1200" dirty="0">
+                <a:solidFill>
+                  <a:srgbClr val="008000"/>
+                </a:solidFill>
+                <a:highlight>
+                  <a:srgbClr val="FFFFFF"/>
+                </a:highlight>
+              </a:rPr>
+              <a:t># salva figura em arquivo</a:t>
+            </a:r>
+            <a:endParaRPr lang="pt-BR" sz="1200" dirty="0"/>
           </a:p>
         </p:txBody>
       </p:sp>

--- a/slides/T319_Introdução.pptx
+++ b/slides/T319_Introdução.pptx
@@ -29,7 +29,7 @@
     <p:sldId id="260" r:id="rId17"/>
     <p:sldId id="277" r:id="rId18"/>
     <p:sldId id="280" r:id="rId19"/>
-    <p:sldId id="329" r:id="rId20"/>
+    <p:sldId id="333" r:id="rId20"/>
     <p:sldId id="330" r:id="rId21"/>
     <p:sldId id="279" r:id="rId22"/>
     <p:sldId id="284" r:id="rId23"/>
@@ -315,7 +315,7 @@
           <a:p>
             <a:fld id="{144F1436-6906-4D93-B7A2-786C327BFA14}" type="datetimeFigureOut">
               <a:rPr lang="nl-BE" smtClean="0"/>
-              <a:t>6/08/2021</a:t>
+              <a:t>13/08/2021</a:t>
             </a:fld>
             <a:endParaRPr lang="nl-BE"/>
           </a:p>
@@ -480,7 +480,7 @@
           <a:p>
             <a:fld id="{AA8CD09E-2914-4F47-B6C1-51B2C31814C9}" type="datetimeFigureOut">
               <a:rPr lang="pt-BR" smtClean="0"/>
-              <a:t>06/08/2021</a:t>
+              <a:t>13/08/2021</a:t>
             </a:fld>
             <a:endParaRPr lang="pt-BR"/>
           </a:p>
@@ -1774,7 +1774,15 @@
             </a:r>
             <a:r>
               <a:rPr lang="pt-BR" sz="1200" dirty="0" smtClean="0"/>
-              <a:t>fraude bancária, defeito estrutural, problemas médicos, erros em um texto, controle de qualidade em fábricas, etc.</a:t>
+              <a:t>fraude bancária, </a:t>
+            </a:r>
+            <a:r>
+              <a:rPr lang="pt-BR" sz="1200" dirty="0" smtClean="0"/>
+              <a:t>fake news, defeito </a:t>
+            </a:r>
+            <a:r>
+              <a:rPr lang="pt-BR" sz="1200" dirty="0" smtClean="0"/>
+              <a:t>estrutural, problemas médicos, erros em um texto, controle de qualidade em fábricas, etc.</a:t>
             </a:r>
           </a:p>
           <a:p>
@@ -2304,7 +2312,10 @@
               <a:rPr lang="pt-BR" baseline="0" dirty="0" smtClean="0"/>
               <a:t> é uma tarefa executada por humanos que é demorada e cara. Porém, podemos usar clustering para agrupar essa quantidade massiva de textos e usar apenas os exemplos mais representativos de cada cluster (que será uma quantidade muito menor de textos) para rotular e treinar um classificador. Após, o classificador irá rotular automaticamente todos os exemplos.</a:t>
             </a:r>
-            <a:endParaRPr lang="nl-BE" sz="1200" dirty="0"/>
+            <a:endParaRPr lang="nl-BE" sz="1200" dirty="0" smtClean="0"/>
+          </a:p>
+          <a:p>
+            <a:endParaRPr lang="pt-BR" dirty="0"/>
           </a:p>
         </p:txBody>
       </p:sp>
@@ -2334,7 +2345,7 @@
     </p:spTree>
     <p:extLst>
       <p:ext uri="{BB962C8B-B14F-4D97-AF65-F5344CB8AC3E}">
-        <p14:creationId xmlns:p14="http://schemas.microsoft.com/office/powerpoint/2010/main" val="691198054"/>
+        <p14:creationId xmlns:p14="http://schemas.microsoft.com/office/powerpoint/2010/main" val="3274054899"/>
       </p:ext>
     </p:extLst>
   </p:cSld>
@@ -3143,7 +3154,65 @@
                 <a:ea typeface="+mn-ea"/>
                 <a:cs typeface="+mn-cs"/>
               </a:rPr>
-              <a:t>Heurística é um método ou processo criado com o </a:t>
+              <a:t>NP-completos: Nondeterministic</a:t>
+            </a:r>
+            <a:r>
+              <a:rPr lang="pt-BR" sz="1200" b="0" i="0" kern="1200" baseline="0" dirty="0" smtClean="0">
+                <a:solidFill>
+                  <a:schemeClr val="tx1"/>
+                </a:solidFill>
+                <a:effectLst/>
+                <a:latin typeface="+mn-lt"/>
+                <a:ea typeface="+mn-ea"/>
+                <a:cs typeface="+mn-cs"/>
+              </a:rPr>
+              <a:t> Polynomial Problems</a:t>
+            </a:r>
+            <a:endParaRPr lang="pt-BR" sz="1200" b="0" i="0" kern="1200" dirty="0" smtClean="0">
+              <a:solidFill>
+                <a:schemeClr val="tx1"/>
+              </a:solidFill>
+              <a:effectLst/>
+              <a:latin typeface="+mn-lt"/>
+              <a:ea typeface="+mn-ea"/>
+              <a:cs typeface="+mn-cs"/>
+            </a:endParaRPr>
+          </a:p>
+          <a:p>
+            <a:endParaRPr lang="pt-BR" sz="1200" b="0" i="0" kern="1200" dirty="0" smtClean="0">
+              <a:solidFill>
+                <a:schemeClr val="tx1"/>
+              </a:solidFill>
+              <a:effectLst/>
+              <a:latin typeface="+mn-lt"/>
+              <a:ea typeface="+mn-ea"/>
+              <a:cs typeface="+mn-cs"/>
+            </a:endParaRPr>
+          </a:p>
+          <a:p>
+            <a:r>
+              <a:rPr lang="pt-BR" sz="1200" b="0" i="0" kern="1200" dirty="0" smtClean="0">
+                <a:solidFill>
+                  <a:schemeClr val="tx1"/>
+                </a:solidFill>
+                <a:effectLst/>
+                <a:latin typeface="+mn-lt"/>
+                <a:ea typeface="+mn-ea"/>
+                <a:cs typeface="+mn-cs"/>
+              </a:rPr>
+              <a:t>Heurística </a:t>
+            </a:r>
+            <a:r>
+              <a:rPr lang="pt-BR" sz="1200" b="0" i="0" kern="1200" dirty="0" smtClean="0">
+                <a:solidFill>
+                  <a:schemeClr val="tx1"/>
+                </a:solidFill>
+                <a:effectLst/>
+                <a:latin typeface="+mn-lt"/>
+                <a:ea typeface="+mn-ea"/>
+                <a:cs typeface="+mn-cs"/>
+              </a:rPr>
+              <a:t>é um método ou processo criado com o </a:t>
             </a:r>
             <a:r>
               <a:rPr lang="pt-BR" sz="1200" b="1" i="0" kern="1200" dirty="0" smtClean="0">
@@ -3604,8 +3673,21 @@
             </a:pPr>
             <a:r>
               <a:rPr lang="pt-BR" sz="1200" dirty="0" smtClean="0"/>
-              <a:t>As formigas ao procurarem por alimento deixam feromônios para que outras formigas possam segui-las.</a:t>
-            </a:r>
+              <a:t>As formigas ao procurarem por alimento deixam feromônios para que outras formigas possam </a:t>
+            </a:r>
+            <a:r>
+              <a:rPr lang="pt-BR" sz="1200" dirty="0" smtClean="0"/>
+              <a:t>segui-las.</a:t>
+            </a:r>
+            <a:r>
+              <a:rPr lang="pt-BR" sz="1200" baseline="0" dirty="0" smtClean="0"/>
+              <a:t> Elas sempre vão seguir o caminho com mais feromônios e caminhos com obstáculos terão pouco feromônio</a:t>
+            </a:r>
+            <a:r>
+              <a:rPr lang="pt-BR" sz="1200" dirty="0" smtClean="0"/>
+              <a:t>.</a:t>
+            </a:r>
+            <a:endParaRPr lang="pt-BR" sz="1200" dirty="0" smtClean="0"/>
           </a:p>
         </p:txBody>
       </p:sp>
@@ -5308,7 +5390,19 @@
               <a:rPr lang="pt-BR" sz="1200" b="0" baseline="0" dirty="0" smtClean="0">
                 <a:cs typeface="Calibri"/>
               </a:rPr>
-              <a:t>: lida com o design e construção de máquinas que executam uma tarefa específica sem terem sido explicitamente programadas para isso. Exemplos: algoritmo de recomendações do netflix, carro autômato, etc. Esses algortimos aprendem atravésda experiência.</a:t>
+              <a:t>: lida com o design e construção de máquinas que executam uma tarefa específica sem terem sido explicitamente programadas para isso. Exemplos: algoritmo de recomendações do netflix, carro autômato, etc. Esses algortimos aprendem </a:t>
+            </a:r>
+            <a:r>
+              <a:rPr lang="pt-BR" sz="1200" b="0" baseline="0" dirty="0" smtClean="0">
+                <a:cs typeface="Calibri"/>
+              </a:rPr>
+              <a:t>através da </a:t>
+            </a:r>
+            <a:r>
+              <a:rPr lang="pt-BR" sz="1200" b="0" baseline="0" dirty="0" smtClean="0">
+                <a:cs typeface="Calibri"/>
+              </a:rPr>
+              <a:t>experiência.</a:t>
             </a:r>
           </a:p>
           <a:p>
@@ -6142,7 +6236,7 @@
           <p:cNvPr id="2" name="Título 1">
             <a:extLst>
               <a:ext uri="{FF2B5EF4-FFF2-40B4-BE49-F238E27FC236}">
-                <a16:creationId xmlns="" xmlns:a16="http://schemas.microsoft.com/office/drawing/2014/main" id="{1DB9B4FF-B06E-403C-A326-BDC64D8FF94E}"/>
+                <a16:creationId xmlns:a16="http://schemas.microsoft.com/office/drawing/2014/main" xmlns="" id="{1DB9B4FF-B06E-403C-A326-BDC64D8FF94E}"/>
               </a:ext>
             </a:extLst>
           </p:cNvPr>
@@ -6179,7 +6273,7 @@
           <p:cNvPr id="3" name="Subtítulo 2">
             <a:extLst>
               <a:ext uri="{FF2B5EF4-FFF2-40B4-BE49-F238E27FC236}">
-                <a16:creationId xmlns="" xmlns:a16="http://schemas.microsoft.com/office/drawing/2014/main" id="{247BDFCE-746E-45BF-A319-4733D58D1632}"/>
+                <a16:creationId xmlns:a16="http://schemas.microsoft.com/office/drawing/2014/main" xmlns="" id="{247BDFCE-746E-45BF-A319-4733D58D1632}"/>
               </a:ext>
             </a:extLst>
           </p:cNvPr>
@@ -6249,7 +6343,7 @@
           <p:cNvPr id="4" name="Espaço Reservado para Data 3">
             <a:extLst>
               <a:ext uri="{FF2B5EF4-FFF2-40B4-BE49-F238E27FC236}">
-                <a16:creationId xmlns="" xmlns:a16="http://schemas.microsoft.com/office/drawing/2014/main" id="{9EDE2778-5372-4104-B96D-968184DA8288}"/>
+                <a16:creationId xmlns:a16="http://schemas.microsoft.com/office/drawing/2014/main" xmlns="" id="{9EDE2778-5372-4104-B96D-968184DA8288}"/>
               </a:ext>
             </a:extLst>
           </p:cNvPr>
@@ -6267,7 +6361,7 @@
           <a:p>
             <a:fld id="{63289F7E-B80B-496E-81B4-D396C37C9454}" type="datetimeFigureOut">
               <a:rPr lang="pt-BR" smtClean="0"/>
-              <a:t>06/08/2021</a:t>
+              <a:t>13/08/2021</a:t>
             </a:fld>
             <a:endParaRPr lang="pt-BR"/>
           </a:p>
@@ -6278,7 +6372,7 @@
           <p:cNvPr id="5" name="Espaço Reservado para Rodapé 4">
             <a:extLst>
               <a:ext uri="{FF2B5EF4-FFF2-40B4-BE49-F238E27FC236}">
-                <a16:creationId xmlns="" xmlns:a16="http://schemas.microsoft.com/office/drawing/2014/main" id="{C1DD0F41-C861-4051-988D-3024A37A4B93}"/>
+                <a16:creationId xmlns:a16="http://schemas.microsoft.com/office/drawing/2014/main" xmlns="" id="{C1DD0F41-C861-4051-988D-3024A37A4B93}"/>
               </a:ext>
             </a:extLst>
           </p:cNvPr>
@@ -6303,7 +6397,7 @@
           <p:cNvPr id="6" name="Espaço Reservado para Número de Slide 5">
             <a:extLst>
               <a:ext uri="{FF2B5EF4-FFF2-40B4-BE49-F238E27FC236}">
-                <a16:creationId xmlns="" xmlns:a16="http://schemas.microsoft.com/office/drawing/2014/main" id="{07E5967E-D980-431A-A5DB-3F0C5030A81E}"/>
+                <a16:creationId xmlns:a16="http://schemas.microsoft.com/office/drawing/2014/main" xmlns="" id="{07E5967E-D980-431A-A5DB-3F0C5030A81E}"/>
               </a:ext>
             </a:extLst>
           </p:cNvPr>
@@ -6362,7 +6456,7 @@
           <p:cNvPr id="2" name="Título 1">
             <a:extLst>
               <a:ext uri="{FF2B5EF4-FFF2-40B4-BE49-F238E27FC236}">
-                <a16:creationId xmlns="" xmlns:a16="http://schemas.microsoft.com/office/drawing/2014/main" id="{9036C49F-3E68-4175-81BA-3C3FEE44308A}"/>
+                <a16:creationId xmlns:a16="http://schemas.microsoft.com/office/drawing/2014/main" xmlns="" id="{9036C49F-3E68-4175-81BA-3C3FEE44308A}"/>
               </a:ext>
             </a:extLst>
           </p:cNvPr>
@@ -6390,7 +6484,7 @@
           <p:cNvPr id="3" name="Espaço Reservado para Texto Vertical 2">
             <a:extLst>
               <a:ext uri="{FF2B5EF4-FFF2-40B4-BE49-F238E27FC236}">
-                <a16:creationId xmlns="" xmlns:a16="http://schemas.microsoft.com/office/drawing/2014/main" id="{426FA736-3DD3-4D4E-B57B-BBE1D8F7D424}"/>
+                <a16:creationId xmlns:a16="http://schemas.microsoft.com/office/drawing/2014/main" xmlns="" id="{426FA736-3DD3-4D4E-B57B-BBE1D8F7D424}"/>
               </a:ext>
             </a:extLst>
           </p:cNvPr>
@@ -6447,7 +6541,7 @@
           <p:cNvPr id="4" name="Espaço Reservado para Data 3">
             <a:extLst>
               <a:ext uri="{FF2B5EF4-FFF2-40B4-BE49-F238E27FC236}">
-                <a16:creationId xmlns="" xmlns:a16="http://schemas.microsoft.com/office/drawing/2014/main" id="{99E8855C-D8FD-48F6-B14E-861E0DE4D915}"/>
+                <a16:creationId xmlns:a16="http://schemas.microsoft.com/office/drawing/2014/main" xmlns="" id="{99E8855C-D8FD-48F6-B14E-861E0DE4D915}"/>
               </a:ext>
             </a:extLst>
           </p:cNvPr>
@@ -6465,7 +6559,7 @@
           <a:p>
             <a:fld id="{63289F7E-B80B-496E-81B4-D396C37C9454}" type="datetimeFigureOut">
               <a:rPr lang="pt-BR" smtClean="0"/>
-              <a:t>06/08/2021</a:t>
+              <a:t>13/08/2021</a:t>
             </a:fld>
             <a:endParaRPr lang="pt-BR"/>
           </a:p>
@@ -6476,7 +6570,7 @@
           <p:cNvPr id="5" name="Espaço Reservado para Rodapé 4">
             <a:extLst>
               <a:ext uri="{FF2B5EF4-FFF2-40B4-BE49-F238E27FC236}">
-                <a16:creationId xmlns="" xmlns:a16="http://schemas.microsoft.com/office/drawing/2014/main" id="{97C0BB88-2F21-42A5-ACFF-83DA47F2D340}"/>
+                <a16:creationId xmlns:a16="http://schemas.microsoft.com/office/drawing/2014/main" xmlns="" id="{97C0BB88-2F21-42A5-ACFF-83DA47F2D340}"/>
               </a:ext>
             </a:extLst>
           </p:cNvPr>
@@ -6501,7 +6595,7 @@
           <p:cNvPr id="6" name="Espaço Reservado para Número de Slide 5">
             <a:extLst>
               <a:ext uri="{FF2B5EF4-FFF2-40B4-BE49-F238E27FC236}">
-                <a16:creationId xmlns="" xmlns:a16="http://schemas.microsoft.com/office/drawing/2014/main" id="{6CB462B3-1F22-4C05-B4B8-7A279FB7D5E9}"/>
+                <a16:creationId xmlns:a16="http://schemas.microsoft.com/office/drawing/2014/main" xmlns="" id="{6CB462B3-1F22-4C05-B4B8-7A279FB7D5E9}"/>
               </a:ext>
             </a:extLst>
           </p:cNvPr>
@@ -6560,7 +6654,7 @@
           <p:cNvPr id="2" name="Título Vertical 1">
             <a:extLst>
               <a:ext uri="{FF2B5EF4-FFF2-40B4-BE49-F238E27FC236}">
-                <a16:creationId xmlns="" xmlns:a16="http://schemas.microsoft.com/office/drawing/2014/main" id="{EAEAB728-701C-4207-A9D5-23FF45C60502}"/>
+                <a16:creationId xmlns:a16="http://schemas.microsoft.com/office/drawing/2014/main" xmlns="" id="{EAEAB728-701C-4207-A9D5-23FF45C60502}"/>
               </a:ext>
             </a:extLst>
           </p:cNvPr>
@@ -6593,7 +6687,7 @@
           <p:cNvPr id="3" name="Espaço Reservado para Texto Vertical 2">
             <a:extLst>
               <a:ext uri="{FF2B5EF4-FFF2-40B4-BE49-F238E27FC236}">
-                <a16:creationId xmlns="" xmlns:a16="http://schemas.microsoft.com/office/drawing/2014/main" id="{BA8C8CCF-7823-480A-9A19-0F664DD17E3B}"/>
+                <a16:creationId xmlns:a16="http://schemas.microsoft.com/office/drawing/2014/main" xmlns="" id="{BA8C8CCF-7823-480A-9A19-0F664DD17E3B}"/>
               </a:ext>
             </a:extLst>
           </p:cNvPr>
@@ -6655,7 +6749,7 @@
           <p:cNvPr id="4" name="Espaço Reservado para Data 3">
             <a:extLst>
               <a:ext uri="{FF2B5EF4-FFF2-40B4-BE49-F238E27FC236}">
-                <a16:creationId xmlns="" xmlns:a16="http://schemas.microsoft.com/office/drawing/2014/main" id="{721D5734-7B1F-425D-942F-6EB73344027C}"/>
+                <a16:creationId xmlns:a16="http://schemas.microsoft.com/office/drawing/2014/main" xmlns="" id="{721D5734-7B1F-425D-942F-6EB73344027C}"/>
               </a:ext>
             </a:extLst>
           </p:cNvPr>
@@ -6673,7 +6767,7 @@
           <a:p>
             <a:fld id="{63289F7E-B80B-496E-81B4-D396C37C9454}" type="datetimeFigureOut">
               <a:rPr lang="pt-BR" smtClean="0"/>
-              <a:t>06/08/2021</a:t>
+              <a:t>13/08/2021</a:t>
             </a:fld>
             <a:endParaRPr lang="pt-BR"/>
           </a:p>
@@ -6684,7 +6778,7 @@
           <p:cNvPr id="5" name="Espaço Reservado para Rodapé 4">
             <a:extLst>
               <a:ext uri="{FF2B5EF4-FFF2-40B4-BE49-F238E27FC236}">
-                <a16:creationId xmlns="" xmlns:a16="http://schemas.microsoft.com/office/drawing/2014/main" id="{1E1AAEAC-F08D-45FE-89EC-B1B349A868C9}"/>
+                <a16:creationId xmlns:a16="http://schemas.microsoft.com/office/drawing/2014/main" xmlns="" id="{1E1AAEAC-F08D-45FE-89EC-B1B349A868C9}"/>
               </a:ext>
             </a:extLst>
           </p:cNvPr>
@@ -6709,7 +6803,7 @@
           <p:cNvPr id="6" name="Espaço Reservado para Número de Slide 5">
             <a:extLst>
               <a:ext uri="{FF2B5EF4-FFF2-40B4-BE49-F238E27FC236}">
-                <a16:creationId xmlns="" xmlns:a16="http://schemas.microsoft.com/office/drawing/2014/main" id="{BAA44493-9911-47B2-87A6-C2141A972BC8}"/>
+                <a16:creationId xmlns:a16="http://schemas.microsoft.com/office/drawing/2014/main" xmlns="" id="{BAA44493-9911-47B2-87A6-C2141A972BC8}"/>
               </a:ext>
             </a:extLst>
           </p:cNvPr>
@@ -6768,7 +6862,7 @@
           <p:cNvPr id="2" name="Título 1">
             <a:extLst>
               <a:ext uri="{FF2B5EF4-FFF2-40B4-BE49-F238E27FC236}">
-                <a16:creationId xmlns="" xmlns:a16="http://schemas.microsoft.com/office/drawing/2014/main" id="{71BD44A5-8F21-4626-A01D-48A1C874B1D5}"/>
+                <a16:creationId xmlns:a16="http://schemas.microsoft.com/office/drawing/2014/main" xmlns="" id="{71BD44A5-8F21-4626-A01D-48A1C874B1D5}"/>
               </a:ext>
             </a:extLst>
           </p:cNvPr>
@@ -6796,7 +6890,7 @@
           <p:cNvPr id="3" name="Espaço Reservado para Conteúdo 2">
             <a:extLst>
               <a:ext uri="{FF2B5EF4-FFF2-40B4-BE49-F238E27FC236}">
-                <a16:creationId xmlns="" xmlns:a16="http://schemas.microsoft.com/office/drawing/2014/main" id="{B79E8085-65A9-48AA-951D-71D978BFF4ED}"/>
+                <a16:creationId xmlns:a16="http://schemas.microsoft.com/office/drawing/2014/main" xmlns="" id="{B79E8085-65A9-48AA-951D-71D978BFF4ED}"/>
               </a:ext>
             </a:extLst>
           </p:cNvPr>
@@ -6853,7 +6947,7 @@
           <p:cNvPr id="4" name="Espaço Reservado para Data 3">
             <a:extLst>
               <a:ext uri="{FF2B5EF4-FFF2-40B4-BE49-F238E27FC236}">
-                <a16:creationId xmlns="" xmlns:a16="http://schemas.microsoft.com/office/drawing/2014/main" id="{F05BE1AF-51EA-425D-B188-DE7BD675009F}"/>
+                <a16:creationId xmlns:a16="http://schemas.microsoft.com/office/drawing/2014/main" xmlns="" id="{F05BE1AF-51EA-425D-B188-DE7BD675009F}"/>
               </a:ext>
             </a:extLst>
           </p:cNvPr>
@@ -6871,7 +6965,7 @@
           <a:p>
             <a:fld id="{63289F7E-B80B-496E-81B4-D396C37C9454}" type="datetimeFigureOut">
               <a:rPr lang="pt-BR" smtClean="0"/>
-              <a:t>06/08/2021</a:t>
+              <a:t>13/08/2021</a:t>
             </a:fld>
             <a:endParaRPr lang="pt-BR"/>
           </a:p>
@@ -6882,7 +6976,7 @@
           <p:cNvPr id="5" name="Espaço Reservado para Rodapé 4">
             <a:extLst>
               <a:ext uri="{FF2B5EF4-FFF2-40B4-BE49-F238E27FC236}">
-                <a16:creationId xmlns="" xmlns:a16="http://schemas.microsoft.com/office/drawing/2014/main" id="{121BE632-29CF-4CB9-B365-C9EF38F89BE6}"/>
+                <a16:creationId xmlns:a16="http://schemas.microsoft.com/office/drawing/2014/main" xmlns="" id="{121BE632-29CF-4CB9-B365-C9EF38F89BE6}"/>
               </a:ext>
             </a:extLst>
           </p:cNvPr>
@@ -6907,7 +7001,7 @@
           <p:cNvPr id="6" name="Espaço Reservado para Número de Slide 5">
             <a:extLst>
               <a:ext uri="{FF2B5EF4-FFF2-40B4-BE49-F238E27FC236}">
-                <a16:creationId xmlns="" xmlns:a16="http://schemas.microsoft.com/office/drawing/2014/main" id="{60CF3DD1-9AEC-4A57-B461-4E4DD86FAC18}"/>
+                <a16:creationId xmlns:a16="http://schemas.microsoft.com/office/drawing/2014/main" xmlns="" id="{60CF3DD1-9AEC-4A57-B461-4E4DD86FAC18}"/>
               </a:ext>
             </a:extLst>
           </p:cNvPr>
@@ -6966,7 +7060,7 @@
           <p:cNvPr id="2" name="Título 1">
             <a:extLst>
               <a:ext uri="{FF2B5EF4-FFF2-40B4-BE49-F238E27FC236}">
-                <a16:creationId xmlns="" xmlns:a16="http://schemas.microsoft.com/office/drawing/2014/main" id="{34AB2FF0-A4D7-4E28-991D-FF26140D5988}"/>
+                <a16:creationId xmlns:a16="http://schemas.microsoft.com/office/drawing/2014/main" xmlns="" id="{34AB2FF0-A4D7-4E28-991D-FF26140D5988}"/>
               </a:ext>
             </a:extLst>
           </p:cNvPr>
@@ -7003,7 +7097,7 @@
           <p:cNvPr id="3" name="Espaço Reservado para Texto 2">
             <a:extLst>
               <a:ext uri="{FF2B5EF4-FFF2-40B4-BE49-F238E27FC236}">
-                <a16:creationId xmlns="" xmlns:a16="http://schemas.microsoft.com/office/drawing/2014/main" id="{E2AC45B0-4145-40DB-8E61-105461170604}"/>
+                <a16:creationId xmlns:a16="http://schemas.microsoft.com/office/drawing/2014/main" xmlns="" id="{E2AC45B0-4145-40DB-8E61-105461170604}"/>
               </a:ext>
             </a:extLst>
           </p:cNvPr>
@@ -7128,7 +7222,7 @@
           <p:cNvPr id="4" name="Espaço Reservado para Data 3">
             <a:extLst>
               <a:ext uri="{FF2B5EF4-FFF2-40B4-BE49-F238E27FC236}">
-                <a16:creationId xmlns="" xmlns:a16="http://schemas.microsoft.com/office/drawing/2014/main" id="{50F1D3FB-740A-4EBA-A309-2CE71D12ECFB}"/>
+                <a16:creationId xmlns:a16="http://schemas.microsoft.com/office/drawing/2014/main" xmlns="" id="{50F1D3FB-740A-4EBA-A309-2CE71D12ECFB}"/>
               </a:ext>
             </a:extLst>
           </p:cNvPr>
@@ -7146,7 +7240,7 @@
           <a:p>
             <a:fld id="{63289F7E-B80B-496E-81B4-D396C37C9454}" type="datetimeFigureOut">
               <a:rPr lang="pt-BR" smtClean="0"/>
-              <a:t>06/08/2021</a:t>
+              <a:t>13/08/2021</a:t>
             </a:fld>
             <a:endParaRPr lang="pt-BR"/>
           </a:p>
@@ -7157,7 +7251,7 @@
           <p:cNvPr id="5" name="Espaço Reservado para Rodapé 4">
             <a:extLst>
               <a:ext uri="{FF2B5EF4-FFF2-40B4-BE49-F238E27FC236}">
-                <a16:creationId xmlns="" xmlns:a16="http://schemas.microsoft.com/office/drawing/2014/main" id="{BDCAB18F-8715-4465-A940-F9C193A2ACE9}"/>
+                <a16:creationId xmlns:a16="http://schemas.microsoft.com/office/drawing/2014/main" xmlns="" id="{BDCAB18F-8715-4465-A940-F9C193A2ACE9}"/>
               </a:ext>
             </a:extLst>
           </p:cNvPr>
@@ -7182,7 +7276,7 @@
           <p:cNvPr id="6" name="Espaço Reservado para Número de Slide 5">
             <a:extLst>
               <a:ext uri="{FF2B5EF4-FFF2-40B4-BE49-F238E27FC236}">
-                <a16:creationId xmlns="" xmlns:a16="http://schemas.microsoft.com/office/drawing/2014/main" id="{353466C6-8248-429F-8056-FF040BF509EB}"/>
+                <a16:creationId xmlns:a16="http://schemas.microsoft.com/office/drawing/2014/main" xmlns="" id="{353466C6-8248-429F-8056-FF040BF509EB}"/>
               </a:ext>
             </a:extLst>
           </p:cNvPr>
@@ -7241,7 +7335,7 @@
           <p:cNvPr id="2" name="Título 1">
             <a:extLst>
               <a:ext uri="{FF2B5EF4-FFF2-40B4-BE49-F238E27FC236}">
-                <a16:creationId xmlns="" xmlns:a16="http://schemas.microsoft.com/office/drawing/2014/main" id="{BC7BB9F0-F14B-4A91-B2B7-35BC47FE4DE7}"/>
+                <a16:creationId xmlns:a16="http://schemas.microsoft.com/office/drawing/2014/main" xmlns="" id="{BC7BB9F0-F14B-4A91-B2B7-35BC47FE4DE7}"/>
               </a:ext>
             </a:extLst>
           </p:cNvPr>
@@ -7269,7 +7363,7 @@
           <p:cNvPr id="3" name="Espaço Reservado para Conteúdo 2">
             <a:extLst>
               <a:ext uri="{FF2B5EF4-FFF2-40B4-BE49-F238E27FC236}">
-                <a16:creationId xmlns="" xmlns:a16="http://schemas.microsoft.com/office/drawing/2014/main" id="{EC1FC1C4-73DA-47A6-8496-B0B457F7D39A}"/>
+                <a16:creationId xmlns:a16="http://schemas.microsoft.com/office/drawing/2014/main" xmlns="" id="{EC1FC1C4-73DA-47A6-8496-B0B457F7D39A}"/>
               </a:ext>
             </a:extLst>
           </p:cNvPr>
@@ -7331,7 +7425,7 @@
           <p:cNvPr id="4" name="Espaço Reservado para Conteúdo 3">
             <a:extLst>
               <a:ext uri="{FF2B5EF4-FFF2-40B4-BE49-F238E27FC236}">
-                <a16:creationId xmlns="" xmlns:a16="http://schemas.microsoft.com/office/drawing/2014/main" id="{E92F06A8-A449-4D92-9912-76873E529B38}"/>
+                <a16:creationId xmlns:a16="http://schemas.microsoft.com/office/drawing/2014/main" xmlns="" id="{E92F06A8-A449-4D92-9912-76873E529B38}"/>
               </a:ext>
             </a:extLst>
           </p:cNvPr>
@@ -7393,7 +7487,7 @@
           <p:cNvPr id="5" name="Espaço Reservado para Data 4">
             <a:extLst>
               <a:ext uri="{FF2B5EF4-FFF2-40B4-BE49-F238E27FC236}">
-                <a16:creationId xmlns="" xmlns:a16="http://schemas.microsoft.com/office/drawing/2014/main" id="{938070A4-BC2F-4D55-BD8D-DEAF11BB9EE9}"/>
+                <a16:creationId xmlns:a16="http://schemas.microsoft.com/office/drawing/2014/main" xmlns="" id="{938070A4-BC2F-4D55-BD8D-DEAF11BB9EE9}"/>
               </a:ext>
             </a:extLst>
           </p:cNvPr>
@@ -7411,7 +7505,7 @@
           <a:p>
             <a:fld id="{63289F7E-B80B-496E-81B4-D396C37C9454}" type="datetimeFigureOut">
               <a:rPr lang="pt-BR" smtClean="0"/>
-              <a:t>06/08/2021</a:t>
+              <a:t>13/08/2021</a:t>
             </a:fld>
             <a:endParaRPr lang="pt-BR"/>
           </a:p>
@@ -7422,7 +7516,7 @@
           <p:cNvPr id="6" name="Espaço Reservado para Rodapé 5">
             <a:extLst>
               <a:ext uri="{FF2B5EF4-FFF2-40B4-BE49-F238E27FC236}">
-                <a16:creationId xmlns="" xmlns:a16="http://schemas.microsoft.com/office/drawing/2014/main" id="{45CC2DB8-844A-465F-BA9A-7734C80C7F43}"/>
+                <a16:creationId xmlns:a16="http://schemas.microsoft.com/office/drawing/2014/main" xmlns="" id="{45CC2DB8-844A-465F-BA9A-7734C80C7F43}"/>
               </a:ext>
             </a:extLst>
           </p:cNvPr>
@@ -7447,7 +7541,7 @@
           <p:cNvPr id="7" name="Espaço Reservado para Número de Slide 6">
             <a:extLst>
               <a:ext uri="{FF2B5EF4-FFF2-40B4-BE49-F238E27FC236}">
-                <a16:creationId xmlns="" xmlns:a16="http://schemas.microsoft.com/office/drawing/2014/main" id="{4CC606A8-097B-4040-94E0-CD8C88280D8F}"/>
+                <a16:creationId xmlns:a16="http://schemas.microsoft.com/office/drawing/2014/main" xmlns="" id="{4CC606A8-097B-4040-94E0-CD8C88280D8F}"/>
               </a:ext>
             </a:extLst>
           </p:cNvPr>
@@ -7506,7 +7600,7 @@
           <p:cNvPr id="2" name="Título 1">
             <a:extLst>
               <a:ext uri="{FF2B5EF4-FFF2-40B4-BE49-F238E27FC236}">
-                <a16:creationId xmlns="" xmlns:a16="http://schemas.microsoft.com/office/drawing/2014/main" id="{76D66686-0143-4CB6-8C09-BA326F1E7ACA}"/>
+                <a16:creationId xmlns:a16="http://schemas.microsoft.com/office/drawing/2014/main" xmlns="" id="{76D66686-0143-4CB6-8C09-BA326F1E7ACA}"/>
               </a:ext>
             </a:extLst>
           </p:cNvPr>
@@ -7539,7 +7633,7 @@
           <p:cNvPr id="3" name="Espaço Reservado para Texto 2">
             <a:extLst>
               <a:ext uri="{FF2B5EF4-FFF2-40B4-BE49-F238E27FC236}">
-                <a16:creationId xmlns="" xmlns:a16="http://schemas.microsoft.com/office/drawing/2014/main" id="{0227AB85-F59E-4BCE-B846-4FA0992C2F23}"/>
+                <a16:creationId xmlns:a16="http://schemas.microsoft.com/office/drawing/2014/main" xmlns="" id="{0227AB85-F59E-4BCE-B846-4FA0992C2F23}"/>
               </a:ext>
             </a:extLst>
           </p:cNvPr>
@@ -7610,7 +7704,7 @@
           <p:cNvPr id="4" name="Espaço Reservado para Conteúdo 3">
             <a:extLst>
               <a:ext uri="{FF2B5EF4-FFF2-40B4-BE49-F238E27FC236}">
-                <a16:creationId xmlns="" xmlns:a16="http://schemas.microsoft.com/office/drawing/2014/main" id="{3373456C-7319-4D0A-827D-D29F6B083F5D}"/>
+                <a16:creationId xmlns:a16="http://schemas.microsoft.com/office/drawing/2014/main" xmlns="" id="{3373456C-7319-4D0A-827D-D29F6B083F5D}"/>
               </a:ext>
             </a:extLst>
           </p:cNvPr>
@@ -7672,7 +7766,7 @@
           <p:cNvPr id="5" name="Espaço Reservado para Texto 4">
             <a:extLst>
               <a:ext uri="{FF2B5EF4-FFF2-40B4-BE49-F238E27FC236}">
-                <a16:creationId xmlns="" xmlns:a16="http://schemas.microsoft.com/office/drawing/2014/main" id="{4CD109D0-2E83-4262-8029-A871CEC47406}"/>
+                <a16:creationId xmlns:a16="http://schemas.microsoft.com/office/drawing/2014/main" xmlns="" id="{4CD109D0-2E83-4262-8029-A871CEC47406}"/>
               </a:ext>
             </a:extLst>
           </p:cNvPr>
@@ -7743,7 +7837,7 @@
           <p:cNvPr id="6" name="Espaço Reservado para Conteúdo 5">
             <a:extLst>
               <a:ext uri="{FF2B5EF4-FFF2-40B4-BE49-F238E27FC236}">
-                <a16:creationId xmlns="" xmlns:a16="http://schemas.microsoft.com/office/drawing/2014/main" id="{AD706E3A-CFBB-4A6C-A65F-D0360A9E74FE}"/>
+                <a16:creationId xmlns:a16="http://schemas.microsoft.com/office/drawing/2014/main" xmlns="" id="{AD706E3A-CFBB-4A6C-A65F-D0360A9E74FE}"/>
               </a:ext>
             </a:extLst>
           </p:cNvPr>
@@ -7805,7 +7899,7 @@
           <p:cNvPr id="7" name="Espaço Reservado para Data 6">
             <a:extLst>
               <a:ext uri="{FF2B5EF4-FFF2-40B4-BE49-F238E27FC236}">
-                <a16:creationId xmlns="" xmlns:a16="http://schemas.microsoft.com/office/drawing/2014/main" id="{4172C0E5-5AF0-4805-BB51-443733CD2BD5}"/>
+                <a16:creationId xmlns:a16="http://schemas.microsoft.com/office/drawing/2014/main" xmlns="" id="{4172C0E5-5AF0-4805-BB51-443733CD2BD5}"/>
               </a:ext>
             </a:extLst>
           </p:cNvPr>
@@ -7823,7 +7917,7 @@
           <a:p>
             <a:fld id="{63289F7E-B80B-496E-81B4-D396C37C9454}" type="datetimeFigureOut">
               <a:rPr lang="pt-BR" smtClean="0"/>
-              <a:t>06/08/2021</a:t>
+              <a:t>13/08/2021</a:t>
             </a:fld>
             <a:endParaRPr lang="pt-BR"/>
           </a:p>
@@ -7834,7 +7928,7 @@
           <p:cNvPr id="8" name="Espaço Reservado para Rodapé 7">
             <a:extLst>
               <a:ext uri="{FF2B5EF4-FFF2-40B4-BE49-F238E27FC236}">
-                <a16:creationId xmlns="" xmlns:a16="http://schemas.microsoft.com/office/drawing/2014/main" id="{0E801648-156F-497E-99CF-797DF48051E1}"/>
+                <a16:creationId xmlns:a16="http://schemas.microsoft.com/office/drawing/2014/main" xmlns="" id="{0E801648-156F-497E-99CF-797DF48051E1}"/>
               </a:ext>
             </a:extLst>
           </p:cNvPr>
@@ -7859,7 +7953,7 @@
           <p:cNvPr id="9" name="Espaço Reservado para Número de Slide 8">
             <a:extLst>
               <a:ext uri="{FF2B5EF4-FFF2-40B4-BE49-F238E27FC236}">
-                <a16:creationId xmlns="" xmlns:a16="http://schemas.microsoft.com/office/drawing/2014/main" id="{EEE23D32-80E7-4796-A137-66BF842E4B53}"/>
+                <a16:creationId xmlns:a16="http://schemas.microsoft.com/office/drawing/2014/main" xmlns="" id="{EEE23D32-80E7-4796-A137-66BF842E4B53}"/>
               </a:ext>
             </a:extLst>
           </p:cNvPr>
@@ -7918,7 +8012,7 @@
           <p:cNvPr id="2" name="Título 1">
             <a:extLst>
               <a:ext uri="{FF2B5EF4-FFF2-40B4-BE49-F238E27FC236}">
-                <a16:creationId xmlns="" xmlns:a16="http://schemas.microsoft.com/office/drawing/2014/main" id="{2BCE2379-C78F-47E1-8CFC-B846E7AF148D}"/>
+                <a16:creationId xmlns:a16="http://schemas.microsoft.com/office/drawing/2014/main" xmlns="" id="{2BCE2379-C78F-47E1-8CFC-B846E7AF148D}"/>
               </a:ext>
             </a:extLst>
           </p:cNvPr>
@@ -7946,7 +8040,7 @@
           <p:cNvPr id="3" name="Espaço Reservado para Data 2">
             <a:extLst>
               <a:ext uri="{FF2B5EF4-FFF2-40B4-BE49-F238E27FC236}">
-                <a16:creationId xmlns="" xmlns:a16="http://schemas.microsoft.com/office/drawing/2014/main" id="{342600A9-7F92-4E22-9D94-E4717252A817}"/>
+                <a16:creationId xmlns:a16="http://schemas.microsoft.com/office/drawing/2014/main" xmlns="" id="{342600A9-7F92-4E22-9D94-E4717252A817}"/>
               </a:ext>
             </a:extLst>
           </p:cNvPr>
@@ -7964,7 +8058,7 @@
           <a:p>
             <a:fld id="{63289F7E-B80B-496E-81B4-D396C37C9454}" type="datetimeFigureOut">
               <a:rPr lang="pt-BR" smtClean="0"/>
-              <a:t>06/08/2021</a:t>
+              <a:t>13/08/2021</a:t>
             </a:fld>
             <a:endParaRPr lang="pt-BR"/>
           </a:p>
@@ -7975,7 +8069,7 @@
           <p:cNvPr id="4" name="Espaço Reservado para Rodapé 3">
             <a:extLst>
               <a:ext uri="{FF2B5EF4-FFF2-40B4-BE49-F238E27FC236}">
-                <a16:creationId xmlns="" xmlns:a16="http://schemas.microsoft.com/office/drawing/2014/main" id="{192E6BED-F546-40CC-A2DF-99CBA853654E}"/>
+                <a16:creationId xmlns:a16="http://schemas.microsoft.com/office/drawing/2014/main" xmlns="" id="{192E6BED-F546-40CC-A2DF-99CBA853654E}"/>
               </a:ext>
             </a:extLst>
           </p:cNvPr>
@@ -8000,7 +8094,7 @@
           <p:cNvPr id="5" name="Espaço Reservado para Número de Slide 4">
             <a:extLst>
               <a:ext uri="{FF2B5EF4-FFF2-40B4-BE49-F238E27FC236}">
-                <a16:creationId xmlns="" xmlns:a16="http://schemas.microsoft.com/office/drawing/2014/main" id="{6091CC40-A8C4-4063-80EB-CC5099621678}"/>
+                <a16:creationId xmlns:a16="http://schemas.microsoft.com/office/drawing/2014/main" xmlns="" id="{6091CC40-A8C4-4063-80EB-CC5099621678}"/>
               </a:ext>
             </a:extLst>
           </p:cNvPr>
@@ -8059,7 +8153,7 @@
           <p:cNvPr id="2" name="Espaço Reservado para Data 1">
             <a:extLst>
               <a:ext uri="{FF2B5EF4-FFF2-40B4-BE49-F238E27FC236}">
-                <a16:creationId xmlns="" xmlns:a16="http://schemas.microsoft.com/office/drawing/2014/main" id="{DD19515C-212C-4EAE-84A3-8FF4BC844F1B}"/>
+                <a16:creationId xmlns:a16="http://schemas.microsoft.com/office/drawing/2014/main" xmlns="" id="{DD19515C-212C-4EAE-84A3-8FF4BC844F1B}"/>
               </a:ext>
             </a:extLst>
           </p:cNvPr>
@@ -8077,7 +8171,7 @@
           <a:p>
             <a:fld id="{63289F7E-B80B-496E-81B4-D396C37C9454}" type="datetimeFigureOut">
               <a:rPr lang="pt-BR" smtClean="0"/>
-              <a:t>06/08/2021</a:t>
+              <a:t>13/08/2021</a:t>
             </a:fld>
             <a:endParaRPr lang="pt-BR"/>
           </a:p>
@@ -8088,7 +8182,7 @@
           <p:cNvPr id="3" name="Espaço Reservado para Rodapé 2">
             <a:extLst>
               <a:ext uri="{FF2B5EF4-FFF2-40B4-BE49-F238E27FC236}">
-                <a16:creationId xmlns="" xmlns:a16="http://schemas.microsoft.com/office/drawing/2014/main" id="{94D3D120-B3E8-4C96-861D-7A4F12F49B3A}"/>
+                <a16:creationId xmlns:a16="http://schemas.microsoft.com/office/drawing/2014/main" xmlns="" id="{94D3D120-B3E8-4C96-861D-7A4F12F49B3A}"/>
               </a:ext>
             </a:extLst>
           </p:cNvPr>
@@ -8113,7 +8207,7 @@
           <p:cNvPr id="4" name="Espaço Reservado para Número de Slide 3">
             <a:extLst>
               <a:ext uri="{FF2B5EF4-FFF2-40B4-BE49-F238E27FC236}">
-                <a16:creationId xmlns="" xmlns:a16="http://schemas.microsoft.com/office/drawing/2014/main" id="{42E49B68-FA1B-468B-9F17-D5C09243D454}"/>
+                <a16:creationId xmlns:a16="http://schemas.microsoft.com/office/drawing/2014/main" xmlns="" id="{42E49B68-FA1B-468B-9F17-D5C09243D454}"/>
               </a:ext>
             </a:extLst>
           </p:cNvPr>
@@ -8172,7 +8266,7 @@
           <p:cNvPr id="2" name="Título 1">
             <a:extLst>
               <a:ext uri="{FF2B5EF4-FFF2-40B4-BE49-F238E27FC236}">
-                <a16:creationId xmlns="" xmlns:a16="http://schemas.microsoft.com/office/drawing/2014/main" id="{1C17BCBE-A897-4319-85EC-D87909C24980}"/>
+                <a16:creationId xmlns:a16="http://schemas.microsoft.com/office/drawing/2014/main" xmlns="" id="{1C17BCBE-A897-4319-85EC-D87909C24980}"/>
               </a:ext>
             </a:extLst>
           </p:cNvPr>
@@ -8209,7 +8303,7 @@
           <p:cNvPr id="3" name="Espaço Reservado para Conteúdo 2">
             <a:extLst>
               <a:ext uri="{FF2B5EF4-FFF2-40B4-BE49-F238E27FC236}">
-                <a16:creationId xmlns="" xmlns:a16="http://schemas.microsoft.com/office/drawing/2014/main" id="{4226F885-0204-4913-868B-4B8B82576F17}"/>
+                <a16:creationId xmlns:a16="http://schemas.microsoft.com/office/drawing/2014/main" xmlns="" id="{4226F885-0204-4913-868B-4B8B82576F17}"/>
               </a:ext>
             </a:extLst>
           </p:cNvPr>
@@ -8299,7 +8393,7 @@
           <p:cNvPr id="4" name="Espaço Reservado para Texto 3">
             <a:extLst>
               <a:ext uri="{FF2B5EF4-FFF2-40B4-BE49-F238E27FC236}">
-                <a16:creationId xmlns="" xmlns:a16="http://schemas.microsoft.com/office/drawing/2014/main" id="{00F9F784-A858-441B-8AB5-697098141751}"/>
+                <a16:creationId xmlns:a16="http://schemas.microsoft.com/office/drawing/2014/main" xmlns="" id="{00F9F784-A858-441B-8AB5-697098141751}"/>
               </a:ext>
             </a:extLst>
           </p:cNvPr>
@@ -8370,7 +8464,7 @@
           <p:cNvPr id="5" name="Espaço Reservado para Data 4">
             <a:extLst>
               <a:ext uri="{FF2B5EF4-FFF2-40B4-BE49-F238E27FC236}">
-                <a16:creationId xmlns="" xmlns:a16="http://schemas.microsoft.com/office/drawing/2014/main" id="{A4DC363A-5000-472E-8B17-02E7DCB8840A}"/>
+                <a16:creationId xmlns:a16="http://schemas.microsoft.com/office/drawing/2014/main" xmlns="" id="{A4DC363A-5000-472E-8B17-02E7DCB8840A}"/>
               </a:ext>
             </a:extLst>
           </p:cNvPr>
@@ -8388,7 +8482,7 @@
           <a:p>
             <a:fld id="{63289F7E-B80B-496E-81B4-D396C37C9454}" type="datetimeFigureOut">
               <a:rPr lang="pt-BR" smtClean="0"/>
-              <a:t>06/08/2021</a:t>
+              <a:t>13/08/2021</a:t>
             </a:fld>
             <a:endParaRPr lang="pt-BR"/>
           </a:p>
@@ -8399,7 +8493,7 @@
           <p:cNvPr id="6" name="Espaço Reservado para Rodapé 5">
             <a:extLst>
               <a:ext uri="{FF2B5EF4-FFF2-40B4-BE49-F238E27FC236}">
-                <a16:creationId xmlns="" xmlns:a16="http://schemas.microsoft.com/office/drawing/2014/main" id="{5548425D-2C21-4C56-BAD4-662978775C28}"/>
+                <a16:creationId xmlns:a16="http://schemas.microsoft.com/office/drawing/2014/main" xmlns="" id="{5548425D-2C21-4C56-BAD4-662978775C28}"/>
               </a:ext>
             </a:extLst>
           </p:cNvPr>
@@ -8424,7 +8518,7 @@
           <p:cNvPr id="7" name="Espaço Reservado para Número de Slide 6">
             <a:extLst>
               <a:ext uri="{FF2B5EF4-FFF2-40B4-BE49-F238E27FC236}">
-                <a16:creationId xmlns="" xmlns:a16="http://schemas.microsoft.com/office/drawing/2014/main" id="{C63E9726-E64C-42B2-AE8A-8C235A956B48}"/>
+                <a16:creationId xmlns:a16="http://schemas.microsoft.com/office/drawing/2014/main" xmlns="" id="{C63E9726-E64C-42B2-AE8A-8C235A956B48}"/>
               </a:ext>
             </a:extLst>
           </p:cNvPr>
@@ -8483,7 +8577,7 @@
           <p:cNvPr id="2" name="Título 1">
             <a:extLst>
               <a:ext uri="{FF2B5EF4-FFF2-40B4-BE49-F238E27FC236}">
-                <a16:creationId xmlns="" xmlns:a16="http://schemas.microsoft.com/office/drawing/2014/main" id="{11086A78-3E74-450C-96A6-CA8AC37AF772}"/>
+                <a16:creationId xmlns:a16="http://schemas.microsoft.com/office/drawing/2014/main" xmlns="" id="{11086A78-3E74-450C-96A6-CA8AC37AF772}"/>
               </a:ext>
             </a:extLst>
           </p:cNvPr>
@@ -8520,7 +8614,7 @@
           <p:cNvPr id="3" name="Espaço Reservado para Imagem 2">
             <a:extLst>
               <a:ext uri="{FF2B5EF4-FFF2-40B4-BE49-F238E27FC236}">
-                <a16:creationId xmlns="" xmlns:a16="http://schemas.microsoft.com/office/drawing/2014/main" id="{5F5B7312-975A-4DBC-9B2F-3652ADA006FD}"/>
+                <a16:creationId xmlns:a16="http://schemas.microsoft.com/office/drawing/2014/main" xmlns="" id="{5F5B7312-975A-4DBC-9B2F-3652ADA006FD}"/>
               </a:ext>
             </a:extLst>
           </p:cNvPr>
@@ -8587,7 +8681,7 @@
           <p:cNvPr id="4" name="Espaço Reservado para Texto 3">
             <a:extLst>
               <a:ext uri="{FF2B5EF4-FFF2-40B4-BE49-F238E27FC236}">
-                <a16:creationId xmlns="" xmlns:a16="http://schemas.microsoft.com/office/drawing/2014/main" id="{AAF805F5-1DFF-41C6-944C-7D79FE0D0963}"/>
+                <a16:creationId xmlns:a16="http://schemas.microsoft.com/office/drawing/2014/main" xmlns="" id="{AAF805F5-1DFF-41C6-944C-7D79FE0D0963}"/>
               </a:ext>
             </a:extLst>
           </p:cNvPr>
@@ -8658,7 +8752,7 @@
           <p:cNvPr id="5" name="Espaço Reservado para Data 4">
             <a:extLst>
               <a:ext uri="{FF2B5EF4-FFF2-40B4-BE49-F238E27FC236}">
-                <a16:creationId xmlns="" xmlns:a16="http://schemas.microsoft.com/office/drawing/2014/main" id="{02113D81-8665-4516-BD81-C6A1F254EECD}"/>
+                <a16:creationId xmlns:a16="http://schemas.microsoft.com/office/drawing/2014/main" xmlns="" id="{02113D81-8665-4516-BD81-C6A1F254EECD}"/>
               </a:ext>
             </a:extLst>
           </p:cNvPr>
@@ -8676,7 +8770,7 @@
           <a:p>
             <a:fld id="{63289F7E-B80B-496E-81B4-D396C37C9454}" type="datetimeFigureOut">
               <a:rPr lang="pt-BR" smtClean="0"/>
-              <a:t>06/08/2021</a:t>
+              <a:t>13/08/2021</a:t>
             </a:fld>
             <a:endParaRPr lang="pt-BR"/>
           </a:p>
@@ -8687,7 +8781,7 @@
           <p:cNvPr id="6" name="Espaço Reservado para Rodapé 5">
             <a:extLst>
               <a:ext uri="{FF2B5EF4-FFF2-40B4-BE49-F238E27FC236}">
-                <a16:creationId xmlns="" xmlns:a16="http://schemas.microsoft.com/office/drawing/2014/main" id="{2B00C88B-FF32-40AA-A187-727D96FD7862}"/>
+                <a16:creationId xmlns:a16="http://schemas.microsoft.com/office/drawing/2014/main" xmlns="" id="{2B00C88B-FF32-40AA-A187-727D96FD7862}"/>
               </a:ext>
             </a:extLst>
           </p:cNvPr>
@@ -8712,7 +8806,7 @@
           <p:cNvPr id="7" name="Espaço Reservado para Número de Slide 6">
             <a:extLst>
               <a:ext uri="{FF2B5EF4-FFF2-40B4-BE49-F238E27FC236}">
-                <a16:creationId xmlns="" xmlns:a16="http://schemas.microsoft.com/office/drawing/2014/main" id="{A04D1A2D-69F7-4B8F-A730-BC26DC340BA6}"/>
+                <a16:creationId xmlns:a16="http://schemas.microsoft.com/office/drawing/2014/main" xmlns="" id="{A04D1A2D-69F7-4B8F-A730-BC26DC340BA6}"/>
               </a:ext>
             </a:extLst>
           </p:cNvPr>
@@ -8776,7 +8870,7 @@
           <p:cNvPr id="2" name="Espaço Reservado para Título 1">
             <a:extLst>
               <a:ext uri="{FF2B5EF4-FFF2-40B4-BE49-F238E27FC236}">
-                <a16:creationId xmlns="" xmlns:a16="http://schemas.microsoft.com/office/drawing/2014/main" id="{E69A0273-1966-4A1B-9370-4C1CE5036371}"/>
+                <a16:creationId xmlns:a16="http://schemas.microsoft.com/office/drawing/2014/main" xmlns="" id="{E69A0273-1966-4A1B-9370-4C1CE5036371}"/>
               </a:ext>
             </a:extLst>
           </p:cNvPr>
@@ -8814,7 +8908,7 @@
           <p:cNvPr id="3" name="Espaço Reservado para Texto 2">
             <a:extLst>
               <a:ext uri="{FF2B5EF4-FFF2-40B4-BE49-F238E27FC236}">
-                <a16:creationId xmlns="" xmlns:a16="http://schemas.microsoft.com/office/drawing/2014/main" id="{3B9CF87A-0448-49A7-AB25-EBC1D56A40EF}"/>
+                <a16:creationId xmlns:a16="http://schemas.microsoft.com/office/drawing/2014/main" xmlns="" id="{3B9CF87A-0448-49A7-AB25-EBC1D56A40EF}"/>
               </a:ext>
             </a:extLst>
           </p:cNvPr>
@@ -8881,7 +8975,7 @@
           <p:cNvPr id="4" name="Espaço Reservado para Data 3">
             <a:extLst>
               <a:ext uri="{FF2B5EF4-FFF2-40B4-BE49-F238E27FC236}">
-                <a16:creationId xmlns="" xmlns:a16="http://schemas.microsoft.com/office/drawing/2014/main" id="{2EF7B1F2-BB5A-44D0-816D-16AD2C71430E}"/>
+                <a16:creationId xmlns:a16="http://schemas.microsoft.com/office/drawing/2014/main" xmlns="" id="{2EF7B1F2-BB5A-44D0-816D-16AD2C71430E}"/>
               </a:ext>
             </a:extLst>
           </p:cNvPr>
@@ -8917,7 +9011,7 @@
           <a:p>
             <a:fld id="{63289F7E-B80B-496E-81B4-D396C37C9454}" type="datetimeFigureOut">
               <a:rPr lang="pt-BR" smtClean="0"/>
-              <a:t>06/08/2021</a:t>
+              <a:t>13/08/2021</a:t>
             </a:fld>
             <a:endParaRPr lang="pt-BR"/>
           </a:p>
@@ -8928,7 +9022,7 @@
           <p:cNvPr id="5" name="Espaço Reservado para Rodapé 4">
             <a:extLst>
               <a:ext uri="{FF2B5EF4-FFF2-40B4-BE49-F238E27FC236}">
-                <a16:creationId xmlns="" xmlns:a16="http://schemas.microsoft.com/office/drawing/2014/main" id="{C703F94C-2CC8-4DAA-BC35-14FC3E841DCD}"/>
+                <a16:creationId xmlns:a16="http://schemas.microsoft.com/office/drawing/2014/main" xmlns="" id="{C703F94C-2CC8-4DAA-BC35-14FC3E841DCD}"/>
               </a:ext>
             </a:extLst>
           </p:cNvPr>
@@ -8971,7 +9065,7 @@
           <p:cNvPr id="6" name="Espaço Reservado para Número de Slide 5">
             <a:extLst>
               <a:ext uri="{FF2B5EF4-FFF2-40B4-BE49-F238E27FC236}">
-                <a16:creationId xmlns="" xmlns:a16="http://schemas.microsoft.com/office/drawing/2014/main" id="{64051336-7048-457A-8B61-D94291D71648}"/>
+                <a16:creationId xmlns:a16="http://schemas.microsoft.com/office/drawing/2014/main" xmlns="" id="{64051336-7048-457A-8B61-D94291D71648}"/>
               </a:ext>
             </a:extLst>
           </p:cNvPr>
@@ -9339,7 +9433,7 @@
           <p:cNvPr id="2" name="Título 1">
             <a:extLst>
               <a:ext uri="{FF2B5EF4-FFF2-40B4-BE49-F238E27FC236}">
-                <a16:creationId xmlns="" xmlns:a16="http://schemas.microsoft.com/office/drawing/2014/main" id="{32666AC8-2E17-4DB4-B0F5-60C640CCFD2E}"/>
+                <a16:creationId xmlns:a16="http://schemas.microsoft.com/office/drawing/2014/main" xmlns="" id="{32666AC8-2E17-4DB4-B0F5-60C640CCFD2E}"/>
               </a:ext>
             </a:extLst>
           </p:cNvPr>
@@ -9386,7 +9480,7 @@
           <p:cNvPr id="4" name="CaixaDeTexto 3">
             <a:extLst>
               <a:ext uri="{FF2B5EF4-FFF2-40B4-BE49-F238E27FC236}">
-                <a16:creationId xmlns="" xmlns:a16="http://schemas.microsoft.com/office/drawing/2014/main" id="{430EB894-B7D4-434C-9D1A-A14094D9BEEC}"/>
+                <a16:creationId xmlns:a16="http://schemas.microsoft.com/office/drawing/2014/main" xmlns="" id="{430EB894-B7D4-434C-9D1A-A14094D9BEEC}"/>
               </a:ext>
             </a:extLst>
           </p:cNvPr>
@@ -9427,7 +9521,7 @@
           <p:cNvPr id="1026" name="Picture 2" descr="Logo">
             <a:extLst>
               <a:ext uri="{FF2B5EF4-FFF2-40B4-BE49-F238E27FC236}">
-                <a16:creationId xmlns="" xmlns:a16="http://schemas.microsoft.com/office/drawing/2014/main" id="{3F2642E0-4F6A-4196-8F58-E77D36E9A33F}"/>
+                <a16:creationId xmlns:a16="http://schemas.microsoft.com/office/drawing/2014/main" xmlns="" id="{3F2642E0-4F6A-4196-8F58-E77D36E9A33F}"/>
               </a:ext>
             </a:extLst>
           </p:cNvPr>
@@ -9472,7 +9566,7 @@
           <p:cNvPr id="5122" name="Picture 2" descr="Image result for machine learning">
             <a:extLst>
               <a:ext uri="{FF2B5EF4-FFF2-40B4-BE49-F238E27FC236}">
-                <a16:creationId xmlns="" xmlns:a16="http://schemas.microsoft.com/office/drawing/2014/main" id="{810CE0A2-4102-44A6-A370-175E7896CDCB}"/>
+                <a16:creationId xmlns:a16="http://schemas.microsoft.com/office/drawing/2014/main" xmlns="" id="{810CE0A2-4102-44A6-A370-175E7896CDCB}"/>
               </a:ext>
             </a:extLst>
           </p:cNvPr>
@@ -9547,7 +9641,7 @@
           <p:cNvPr id="2" name="Título 1">
             <a:extLst>
               <a:ext uri="{FF2B5EF4-FFF2-40B4-BE49-F238E27FC236}">
-                <a16:creationId xmlns="" xmlns:a16="http://schemas.microsoft.com/office/drawing/2014/main" id="{FB5E40AD-63D4-4F2D-B72E-B9FAC596C094}"/>
+                <a16:creationId xmlns:a16="http://schemas.microsoft.com/office/drawing/2014/main" xmlns="" id="{FB5E40AD-63D4-4F2D-B72E-B9FAC596C094}"/>
               </a:ext>
             </a:extLst>
           </p:cNvPr>
@@ -9580,7 +9674,7 @@
           <p:cNvPr id="3" name="Espaço Reservado para Conteúdo 2">
             <a:extLst>
               <a:ext uri="{FF2B5EF4-FFF2-40B4-BE49-F238E27FC236}">
-                <a16:creationId xmlns="" xmlns:a16="http://schemas.microsoft.com/office/drawing/2014/main" id="{77711CBE-86B4-40EB-868C-65C504F92159}"/>
+                <a16:creationId xmlns:a16="http://schemas.microsoft.com/office/drawing/2014/main" xmlns="" id="{77711CBE-86B4-40EB-868C-65C504F92159}"/>
               </a:ext>
             </a:extLst>
           </p:cNvPr>
@@ -9594,7 +9688,7 @@
         <p:spPr>
           <a:xfrm>
             <a:off x="838200" y="1898600"/>
-            <a:ext cx="11115622" cy="4843393"/>
+            <a:ext cx="11115622" cy="4959400"/>
           </a:xfrm>
         </p:spPr>
         <p:txBody>
@@ -9740,8 +9834,8 @@
               <a:t>existem muitos empregos na área de análise de dados e pesquisas </a:t>
             </a:r>
             <a:r>
-              <a:rPr lang="pt-BR" dirty="0"/>
-              <a:t>sobre a aplicação de </a:t>
+              <a:rPr lang="pt-BR" dirty="0" smtClean="0"/>
+              <a:t>inovadoras para a solução de problemas com </a:t>
             </a:r>
             <a:r>
               <a:rPr lang="pt-BR" dirty="0" smtClean="0"/>
@@ -9756,7 +9850,7 @@
           <p:cNvPr id="6" name="Picture 2" descr="AI Enabled Systems">
             <a:extLst>
               <a:ext uri="{FF2B5EF4-FFF2-40B4-BE49-F238E27FC236}">
-                <a16:creationId xmlns="" xmlns:a16="http://schemas.microsoft.com/office/drawing/2014/main" id="{092A9583-5601-45C8-BA1B-716E4A8EF5E4}"/>
+                <a16:creationId xmlns:a16="http://schemas.microsoft.com/office/drawing/2014/main" xmlns="" id="{092A9583-5601-45C8-BA1B-716E4A8EF5E4}"/>
               </a:ext>
             </a:extLst>
           </p:cNvPr>
@@ -9803,7 +9897,7 @@
           <p:cNvPr id="2052" name="Picture 4" descr="Image result for aprendizado de máquina">
             <a:extLst>
               <a:ext uri="{FF2B5EF4-FFF2-40B4-BE49-F238E27FC236}">
-                <a16:creationId xmlns="" xmlns:a16="http://schemas.microsoft.com/office/drawing/2014/main" id="{4530CE78-625F-49E3-B829-A2E7FD1CE262}"/>
+                <a16:creationId xmlns:a16="http://schemas.microsoft.com/office/drawing/2014/main" xmlns="" id="{4530CE78-625F-49E3-B829-A2E7FD1CE262}"/>
               </a:ext>
             </a:extLst>
           </p:cNvPr>
@@ -9885,7 +9979,7 @@
           <p:cNvPr id="2" name="Título 1">
             <a:extLst>
               <a:ext uri="{FF2B5EF4-FFF2-40B4-BE49-F238E27FC236}">
-                <a16:creationId xmlns="" xmlns:a16="http://schemas.microsoft.com/office/drawing/2014/main" id="{495FF1AF-6B81-43EF-BE92-BCF1CDD14F74}"/>
+                <a16:creationId xmlns:a16="http://schemas.microsoft.com/office/drawing/2014/main" xmlns="" id="{495FF1AF-6B81-43EF-BE92-BCF1CDD14F74}"/>
               </a:ext>
             </a:extLst>
           </p:cNvPr>
@@ -9922,7 +10016,7 @@
           <p:cNvPr id="3" name="Espaço Reservado para Conteúdo 2">
             <a:extLst>
               <a:ext uri="{FF2B5EF4-FFF2-40B4-BE49-F238E27FC236}">
-                <a16:creationId xmlns="" xmlns:a16="http://schemas.microsoft.com/office/drawing/2014/main" id="{1DC35696-D7B6-4CDE-8C2A-EEC8E7C03603}"/>
+                <a16:creationId xmlns:a16="http://schemas.microsoft.com/office/drawing/2014/main" xmlns="" id="{1DC35696-D7B6-4CDE-8C2A-EEC8E7C03603}"/>
               </a:ext>
             </a:extLst>
           </p:cNvPr>
@@ -9973,7 +10067,11 @@
             </a:r>
             <a:r>
               <a:rPr lang="pt-BR" i="1" dirty="0"/>
-              <a:t>campo de estudo que dá aos computadores a habilidade de aprender sem serem explicitamente programados</a:t>
+              <a:t>campo de estudo que dá aos computadores a habilidade de </a:t>
+            </a:r>
+            <a:r>
+              <a:rPr lang="pt-BR" b="1" i="1" dirty="0"/>
+              <a:t>aprender sem serem explicitamente programados</a:t>
             </a:r>
             <a:r>
               <a:rPr lang="pt-BR" dirty="0"/>
@@ -10095,7 +10193,7 @@
           <p:cNvPr id="5122" name="Picture 2" descr="https://www.oulu.fi/sites/default/files/11/machines%20_decide.jpg">
             <a:extLst>
               <a:ext uri="{FF2B5EF4-FFF2-40B4-BE49-F238E27FC236}">
-                <a16:creationId xmlns="" xmlns:a16="http://schemas.microsoft.com/office/drawing/2014/main" id="{6B8DD7A2-43EE-406C-8FF3-BC9A04CF3BD4}"/>
+                <a16:creationId xmlns:a16="http://schemas.microsoft.com/office/drawing/2014/main" xmlns="" id="{6B8DD7A2-43EE-406C-8FF3-BC9A04CF3BD4}"/>
               </a:ext>
             </a:extLst>
           </p:cNvPr>
@@ -10142,7 +10240,7 @@
           <p:cNvPr id="2050" name="Picture 2" descr="https://i.vas3k.ru/full/80c.jpg">
             <a:extLst>
               <a:ext uri="{FF2B5EF4-FFF2-40B4-BE49-F238E27FC236}">
-                <a16:creationId xmlns="" xmlns:a16="http://schemas.microsoft.com/office/drawing/2014/main" id="{034238ED-6058-4E7C-B5D5-B2771BDD3049}"/>
+                <a16:creationId xmlns:a16="http://schemas.microsoft.com/office/drawing/2014/main" xmlns="" id="{034238ED-6058-4E7C-B5D5-B2771BDD3049}"/>
               </a:ext>
             </a:extLst>
           </p:cNvPr>
@@ -10269,7 +10367,19 @@
             </a:r>
             <a:r>
               <a:rPr lang="pt-BR" dirty="0" smtClean="0"/>
-              <a:t>em ser explicitamente programada.”</a:t>
+              <a:t>em </a:t>
+            </a:r>
+            <a:r>
+              <a:rPr lang="pt-BR" dirty="0" smtClean="0"/>
+              <a:t>serem </a:t>
+            </a:r>
+            <a:r>
+              <a:rPr lang="pt-BR" dirty="0" smtClean="0"/>
+              <a:t>explicitamente </a:t>
+            </a:r>
+            <a:r>
+              <a:rPr lang="pt-BR" dirty="0" smtClean="0"/>
+              <a:t>programados.”</a:t>
             </a:r>
             <a:endParaRPr lang="pt-BR" dirty="0"/>
           </a:p>
@@ -10892,7 +11002,7 @@
           <p:cNvPr id="2" name="Título 1">
             <a:extLst>
               <a:ext uri="{FF2B5EF4-FFF2-40B4-BE49-F238E27FC236}">
-                <a16:creationId xmlns="" xmlns:a16="http://schemas.microsoft.com/office/drawing/2014/main" id="{784E2DCF-FDA9-4ABD-8E85-844A20C70ACB}"/>
+                <a16:creationId xmlns:a16="http://schemas.microsoft.com/office/drawing/2014/main" xmlns="" id="{784E2DCF-FDA9-4ABD-8E85-844A20C70ACB}"/>
               </a:ext>
             </a:extLst>
           </p:cNvPr>
@@ -10938,7 +11048,7 @@
           <p:cNvPr id="3" name="Espaço Reservado para Conteúdo 2">
             <a:extLst>
               <a:ext uri="{FF2B5EF4-FFF2-40B4-BE49-F238E27FC236}">
-                <a16:creationId xmlns="" xmlns:a16="http://schemas.microsoft.com/office/drawing/2014/main" id="{D1E156CA-EDE6-4AAA-95E9-0EE6CEBF17AD}"/>
+                <a16:creationId xmlns:a16="http://schemas.microsoft.com/office/drawing/2014/main" xmlns="" id="{D1E156CA-EDE6-4AAA-95E9-0EE6CEBF17AD}"/>
               </a:ext>
             </a:extLst>
           </p:cNvPr>
@@ -11092,7 +11202,7 @@
           <p:cNvPr id="4098" name="Picture 2" descr="Image result for tensorflow logo">
             <a:extLst>
               <a:ext uri="{FF2B5EF4-FFF2-40B4-BE49-F238E27FC236}">
-                <a16:creationId xmlns="" xmlns:a16="http://schemas.microsoft.com/office/drawing/2014/main" id="{B9A1D4E3-9D1C-4A3E-944D-BA941DCBD60B}"/>
+                <a16:creationId xmlns:a16="http://schemas.microsoft.com/office/drawing/2014/main" xmlns="" id="{B9A1D4E3-9D1C-4A3E-944D-BA941DCBD60B}"/>
               </a:ext>
             </a:extLst>
           </p:cNvPr>
@@ -11139,7 +11249,7 @@
           <p:cNvPr id="4100" name="Picture 4" descr="Image result for pytorch logo">
             <a:extLst>
               <a:ext uri="{FF2B5EF4-FFF2-40B4-BE49-F238E27FC236}">
-                <a16:creationId xmlns="" xmlns:a16="http://schemas.microsoft.com/office/drawing/2014/main" id="{6A0D8B6B-9A8B-4981-B678-86257C33AF3C}"/>
+                <a16:creationId xmlns:a16="http://schemas.microsoft.com/office/drawing/2014/main" xmlns="" id="{6A0D8B6B-9A8B-4981-B678-86257C33AF3C}"/>
               </a:ext>
             </a:extLst>
           </p:cNvPr>
@@ -11186,7 +11296,7 @@
           <p:cNvPr id="4102" name="Picture 6" descr="Image result for scikit learn logo">
             <a:extLst>
               <a:ext uri="{FF2B5EF4-FFF2-40B4-BE49-F238E27FC236}">
-                <a16:creationId xmlns="" xmlns:a16="http://schemas.microsoft.com/office/drawing/2014/main" id="{87129D40-D136-4716-8871-12CAEC603994}"/>
+                <a16:creationId xmlns:a16="http://schemas.microsoft.com/office/drawing/2014/main" xmlns="" id="{87129D40-D136-4716-8871-12CAEC603994}"/>
               </a:ext>
             </a:extLst>
           </p:cNvPr>
@@ -11233,7 +11343,7 @@
           <p:cNvPr id="4104" name="Picture 8" descr="Image result for keras logo">
             <a:extLst>
               <a:ext uri="{FF2B5EF4-FFF2-40B4-BE49-F238E27FC236}">
-                <a16:creationId xmlns="" xmlns:a16="http://schemas.microsoft.com/office/drawing/2014/main" id="{33CCF501-0E9C-4C8C-BFCC-713767570EF0}"/>
+                <a16:creationId xmlns:a16="http://schemas.microsoft.com/office/drawing/2014/main" xmlns="" id="{33CCF501-0E9C-4C8C-BFCC-713767570EF0}"/>
               </a:ext>
             </a:extLst>
           </p:cNvPr>
@@ -11280,7 +11390,7 @@
           <p:cNvPr id="4106" name="Picture 10" descr="Image result for theano logo">
             <a:extLst>
               <a:ext uri="{FF2B5EF4-FFF2-40B4-BE49-F238E27FC236}">
-                <a16:creationId xmlns="" xmlns:a16="http://schemas.microsoft.com/office/drawing/2014/main" id="{579B04DE-B2DC-4ED7-AA9D-5AAA9580572E}"/>
+                <a16:creationId xmlns:a16="http://schemas.microsoft.com/office/drawing/2014/main" xmlns="" id="{579B04DE-B2DC-4ED7-AA9D-5AAA9580572E}"/>
               </a:ext>
             </a:extLst>
           </p:cNvPr>
@@ -11327,7 +11437,7 @@
           <p:cNvPr id="4108" name="Picture 12" descr="Image result for pandas data mining logo">
             <a:extLst>
               <a:ext uri="{FF2B5EF4-FFF2-40B4-BE49-F238E27FC236}">
-                <a16:creationId xmlns="" xmlns:a16="http://schemas.microsoft.com/office/drawing/2014/main" id="{A9345AF3-EF63-4F70-A5B2-8F8ED0E283FD}"/>
+                <a16:creationId xmlns:a16="http://schemas.microsoft.com/office/drawing/2014/main" xmlns="" id="{A9345AF3-EF63-4F70-A5B2-8F8ED0E283FD}"/>
               </a:ext>
             </a:extLst>
           </p:cNvPr>
@@ -11404,7 +11514,7 @@
           <p:cNvPr id="2" name="Título 1">
             <a:extLst>
               <a:ext uri="{FF2B5EF4-FFF2-40B4-BE49-F238E27FC236}">
-                <a16:creationId xmlns="" xmlns:a16="http://schemas.microsoft.com/office/drawing/2014/main" id="{220079F9-71B9-4466-B35D-68523A745D24}"/>
+                <a16:creationId xmlns:a16="http://schemas.microsoft.com/office/drawing/2014/main" xmlns="" id="{220079F9-71B9-4466-B35D-68523A745D24}"/>
               </a:ext>
             </a:extLst>
           </p:cNvPr>
@@ -11437,7 +11547,7 @@
           <p:cNvPr id="3" name="Espaço Reservado para Conteúdo 2">
             <a:extLst>
               <a:ext uri="{FF2B5EF4-FFF2-40B4-BE49-F238E27FC236}">
-                <a16:creationId xmlns="" xmlns:a16="http://schemas.microsoft.com/office/drawing/2014/main" id="{5BA8D271-087B-414B-ABC6-D7C5E7367E33}"/>
+                <a16:creationId xmlns:a16="http://schemas.microsoft.com/office/drawing/2014/main" xmlns="" id="{5BA8D271-087B-414B-ABC6-D7C5E7367E33}"/>
               </a:ext>
             </a:extLst>
           </p:cNvPr>
@@ -11519,7 +11629,7 @@
           <p:cNvPr id="3074" name="Picture 2" descr="Image result for machine learning">
             <a:extLst>
               <a:ext uri="{FF2B5EF4-FFF2-40B4-BE49-F238E27FC236}">
-                <a16:creationId xmlns="" xmlns:a16="http://schemas.microsoft.com/office/drawing/2014/main" id="{0F1D94CB-2EF0-4960-BC00-8889565E93D1}"/>
+                <a16:creationId xmlns:a16="http://schemas.microsoft.com/office/drawing/2014/main" xmlns="" id="{0F1D94CB-2EF0-4960-BC00-8889565E93D1}"/>
               </a:ext>
             </a:extLst>
           </p:cNvPr>
@@ -11543,8 +11653,8 @@
         </p:blipFill>
         <p:spPr bwMode="auto">
           <a:xfrm>
-            <a:off x="7371469" y="1423621"/>
-            <a:ext cx="4431451" cy="5055153"/>
+            <a:off x="7206019" y="1445706"/>
+            <a:ext cx="4637651" cy="5290374"/>
           </a:xfrm>
           <a:prstGeom prst="rect">
             <a:avLst/>
@@ -11603,7 +11713,7 @@
           <p:cNvPr id="2" name="Título 1">
             <a:extLst>
               <a:ext uri="{FF2B5EF4-FFF2-40B4-BE49-F238E27FC236}">
-                <a16:creationId xmlns="" xmlns:a16="http://schemas.microsoft.com/office/drawing/2014/main" id="{1F3CD54D-41DC-4133-94C4-3D55FAE4E35C}"/>
+                <a16:creationId xmlns:a16="http://schemas.microsoft.com/office/drawing/2014/main" xmlns="" id="{1F3CD54D-41DC-4133-94C4-3D55FAE4E35C}"/>
               </a:ext>
             </a:extLst>
           </p:cNvPr>
@@ -11617,7 +11727,7 @@
         <p:spPr>
           <a:xfrm>
             <a:off x="838200" y="184036"/>
-            <a:ext cx="10515600" cy="1040133"/>
+            <a:ext cx="10515600" cy="1355204"/>
           </a:xfrm>
         </p:spPr>
         <p:txBody>
@@ -11636,7 +11746,7 @@
           <p:cNvPr id="1028" name="Picture 4" descr="Image result for supervised learning">
             <a:extLst>
               <a:ext uri="{FF2B5EF4-FFF2-40B4-BE49-F238E27FC236}">
-                <a16:creationId xmlns="" xmlns:a16="http://schemas.microsoft.com/office/drawing/2014/main" id="{2520F4EA-1E3E-4F3B-97C0-DF47861DCD42}"/>
+                <a16:creationId xmlns:a16="http://schemas.microsoft.com/office/drawing/2014/main" xmlns="" id="{2520F4EA-1E3E-4F3B-97C0-DF47861DCD42}"/>
               </a:ext>
             </a:extLst>
           </p:cNvPr>
@@ -11683,7 +11793,7 @@
           <p:cNvPr id="1030" name="Picture 6" descr="https://miro.medium.com/max/552/1*jxtW98_gbItw728vFB-0HA.png">
             <a:extLst>
               <a:ext uri="{FF2B5EF4-FFF2-40B4-BE49-F238E27FC236}">
-                <a16:creationId xmlns="" xmlns:a16="http://schemas.microsoft.com/office/drawing/2014/main" id="{9E902420-A711-4761-85CD-304C79D0C453}"/>
+                <a16:creationId xmlns:a16="http://schemas.microsoft.com/office/drawing/2014/main" xmlns="" id="{9E902420-A711-4761-85CD-304C79D0C453}"/>
               </a:ext>
             </a:extLst>
           </p:cNvPr>
@@ -11728,7 +11838,7 @@
           <p:cNvPr id="1032" name="Picture 8" descr="Image result for classification supervised learning">
             <a:extLst>
               <a:ext uri="{FF2B5EF4-FFF2-40B4-BE49-F238E27FC236}">
-                <a16:creationId xmlns="" xmlns:a16="http://schemas.microsoft.com/office/drawing/2014/main" id="{E760E9A0-55F1-4D37-8AA3-36758861E0A2}"/>
+                <a16:creationId xmlns:a16="http://schemas.microsoft.com/office/drawing/2014/main" xmlns="" id="{E760E9A0-55F1-4D37-8AA3-36758861E0A2}"/>
               </a:ext>
             </a:extLst>
           </p:cNvPr>
@@ -11777,7 +11887,7 @@
               <p:cNvPr id="3" name="Espaço Reservado para Conteúdo 2">
                 <a:extLst>
                   <a:ext uri="{FF2B5EF4-FFF2-40B4-BE49-F238E27FC236}">
-                    <a16:creationId xmlns="" xmlns:a16="http://schemas.microsoft.com/office/drawing/2014/main" id="{979D29AC-E01B-406F-AC75-55866B75A7CC}"/>
+                    <a16:creationId xmlns:a16="http://schemas.microsoft.com/office/drawing/2014/main" xmlns="" id="{979D29AC-E01B-406F-AC75-55866B75A7CC}"/>
                   </a:ext>
                 </a:extLst>
               </p:cNvPr>
@@ -12259,7 +12369,7 @@
           <p:cNvPr id="2" name="Título 1">
             <a:extLst>
               <a:ext uri="{FF2B5EF4-FFF2-40B4-BE49-F238E27FC236}">
-                <a16:creationId xmlns="" xmlns:a16="http://schemas.microsoft.com/office/drawing/2014/main" id="{CE99E848-1AFD-48E3-BD45-EA959AA414F5}"/>
+                <a16:creationId xmlns:a16="http://schemas.microsoft.com/office/drawing/2014/main" xmlns="" id="{CE99E848-1AFD-48E3-BD45-EA959AA414F5}"/>
               </a:ext>
             </a:extLst>
           </p:cNvPr>
@@ -12292,7 +12402,7 @@
           <p:cNvPr id="3" name="Espaço Reservado para Conteúdo 2">
             <a:extLst>
               <a:ext uri="{FF2B5EF4-FFF2-40B4-BE49-F238E27FC236}">
-                <a16:creationId xmlns="" xmlns:a16="http://schemas.microsoft.com/office/drawing/2014/main" id="{79FFA3EA-68FD-404F-984C-E8FFF3827C6D}"/>
+                <a16:creationId xmlns:a16="http://schemas.microsoft.com/office/drawing/2014/main" xmlns="" id="{79FFA3EA-68FD-404F-984C-E8FFF3827C6D}"/>
               </a:ext>
             </a:extLst>
           </p:cNvPr>
@@ -12306,7 +12416,7 @@
         <p:spPr>
           <a:xfrm>
             <a:off x="838200" y="1825625"/>
-            <a:ext cx="11079480" cy="3255661"/>
+            <a:ext cx="9570720" cy="3255661"/>
           </a:xfrm>
         </p:spPr>
         <p:txBody>
@@ -12337,45 +12447,6 @@
           <a:p>
             <a:r>
               <a:rPr lang="pt-BR" dirty="0" smtClean="0"/>
-              <a:t>k </a:t>
-            </a:r>
-            <a:r>
-              <a:rPr lang="pt-BR" dirty="0"/>
-              <a:t>vizinhos mais </a:t>
-            </a:r>
-            <a:r>
-              <a:rPr lang="pt-BR" dirty="0" smtClean="0"/>
-              <a:t>próximos (</a:t>
-            </a:r>
-            <a:r>
-              <a:rPr lang="pt-BR" i="1" dirty="0" smtClean="0"/>
-              <a:t>k-nearest </a:t>
-            </a:r>
-            <a:r>
-              <a:rPr lang="pt-BR" i="1" dirty="0"/>
-              <a:t>neighbors</a:t>
-            </a:r>
-            <a:r>
-              <a:rPr lang="pt-BR" dirty="0"/>
-              <a:t> </a:t>
-            </a:r>
-            <a:r>
-              <a:rPr lang="pt-BR" dirty="0" smtClean="0"/>
-              <a:t>- k-NN</a:t>
-            </a:r>
-            <a:r>
-              <a:rPr lang="pt-BR" dirty="0"/>
-              <a:t>)</a:t>
-            </a:r>
-            <a:r>
-              <a:rPr lang="pt-BR" dirty="0" smtClean="0"/>
-              <a:t>.</a:t>
-            </a:r>
-            <a:endParaRPr lang="pt-BR" dirty="0"/>
-          </a:p>
-          <a:p>
-            <a:r>
-              <a:rPr lang="pt-BR" dirty="0" smtClean="0"/>
               <a:t>Arvores </a:t>
             </a:r>
             <a:r>
@@ -12417,36 +12488,42 @@
           </a:p>
           <a:p>
             <a:r>
+              <a:rPr lang="pt-BR" dirty="0" smtClean="0"/>
+              <a:t>k </a:t>
+            </a:r>
+            <a:r>
               <a:rPr lang="pt-BR" dirty="0"/>
-              <a:t>Máquinas de Vetores de </a:t>
+              <a:t>vizinhos mais próximos (</a:t>
+            </a:r>
+            <a:r>
+              <a:rPr lang="pt-BR" i="1" dirty="0"/>
+              <a:t>k-nearest neighbors</a:t>
+            </a:r>
+            <a:r>
+              <a:rPr lang="pt-BR" dirty="0"/>
+              <a:t> - k-NN</a:t>
             </a:r>
             <a:r>
               <a:rPr lang="pt-BR" dirty="0" smtClean="0"/>
-              <a:t>Suporte (</a:t>
-            </a:r>
-            <a:r>
-              <a:rPr lang="pt-BR" i="1" dirty="0" smtClean="0"/>
-              <a:t>Support </a:t>
+              <a:t>).</a:t>
+            </a:r>
+          </a:p>
+          <a:p>
+            <a:r>
+              <a:rPr lang="pt-BR" dirty="0"/>
+              <a:t>Máquinas de Vetores de Suporte (</a:t>
             </a:r>
             <a:r>
               <a:rPr lang="pt-BR" i="1" dirty="0"/>
-              <a:t>Vector Machines</a:t>
+              <a:t>Support Vector Machines</a:t>
             </a:r>
             <a:r>
               <a:rPr lang="pt-BR" dirty="0"/>
-              <a:t> -</a:t>
+              <a:t> - SVMs</a:t>
             </a:r>
             <a:r>
               <a:rPr lang="pt-BR" dirty="0" smtClean="0"/>
-              <a:t> SVMs</a:t>
-            </a:r>
-            <a:r>
-              <a:rPr lang="pt-BR" dirty="0"/>
-              <a:t>)</a:t>
-            </a:r>
-            <a:r>
-              <a:rPr lang="pt-BR" dirty="0" smtClean="0"/>
-              <a:t>.</a:t>
+              <a:t>).</a:t>
             </a:r>
             <a:endParaRPr lang="pt-BR" dirty="0"/>
           </a:p>
@@ -12605,49 +12682,8 @@
         </p:blipFill>
         <p:spPr bwMode="auto">
           <a:xfrm>
-            <a:off x="8632554" y="1382200"/>
-            <a:ext cx="3395345" cy="2177047"/>
-          </a:xfrm>
-          <a:prstGeom prst="rect">
-            <a:avLst/>
-          </a:prstGeom>
-          <a:noFill/>
-          <a:extLst>
-            <a:ext uri="{909E8E84-426E-40DD-AFC4-6F175D3DCCD1}">
-              <a14:hiddenFill xmlns:a14="http://schemas.microsoft.com/office/drawing/2010/main">
-                <a:solidFill>
-                  <a:srgbClr val="FFFFFF"/>
-                </a:solidFill>
-              </a14:hiddenFill>
-            </a:ext>
-          </a:extLst>
-        </p:spPr>
-      </p:pic>
-      <p:pic>
-        <p:nvPicPr>
-          <p:cNvPr id="8" name="Picture 8" descr="Convolutional Neural Network Tutorial: From Basic to Advanced -  MissingLink.ai"/>
-          <p:cNvPicPr>
-            <a:picLocks noChangeAspect="1" noChangeArrowheads="1"/>
-          </p:cNvPicPr>
-          <p:nvPr/>
-        </p:nvPicPr>
-        <p:blipFill>
-          <a:blip r:embed="rId4" cstate="print">
-            <a:extLst>
-              <a:ext uri="{28A0092B-C50C-407E-A947-70E740481C1C}">
-                <a14:useLocalDpi xmlns:a14="http://schemas.microsoft.com/office/drawing/2010/main" val="0"/>
-              </a:ext>
-            </a:extLst>
-          </a:blip>
-          <a:srcRect/>
-          <a:stretch>
-            <a:fillRect/>
-          </a:stretch>
-        </p:blipFill>
-        <p:spPr bwMode="auto">
-          <a:xfrm>
-            <a:off x="4671352" y="1246448"/>
-            <a:ext cx="4188334" cy="961395"/>
+            <a:off x="8107680" y="1053491"/>
+            <a:ext cx="3920220" cy="2513589"/>
           </a:xfrm>
           <a:prstGeom prst="rect">
             <a:avLst/>
@@ -12706,7 +12742,7 @@
           <p:cNvPr id="2" name="Título 1">
             <a:extLst>
               <a:ext uri="{FF2B5EF4-FFF2-40B4-BE49-F238E27FC236}">
-                <a16:creationId xmlns="" xmlns:a16="http://schemas.microsoft.com/office/drawing/2014/main" id="{6CB39B9C-599D-4DED-8180-FA8AD66BB117}"/>
+                <a16:creationId xmlns:a16="http://schemas.microsoft.com/office/drawing/2014/main" xmlns="" id="{6CB39B9C-599D-4DED-8180-FA8AD66BB117}"/>
               </a:ext>
             </a:extLst>
           </p:cNvPr>
@@ -12741,7 +12777,7 @@
               <p:cNvPr id="3" name="Espaço Reservado para Conteúdo 2">
                 <a:extLst>
                   <a:ext uri="{FF2B5EF4-FFF2-40B4-BE49-F238E27FC236}">
-                    <a16:creationId xmlns="" xmlns:a16="http://schemas.microsoft.com/office/drawing/2014/main" id="{5E0262E2-3A0F-4805-BCCB-6745237D1574}"/>
+                    <a16:creationId xmlns:a16="http://schemas.microsoft.com/office/drawing/2014/main" xmlns="" id="{5E0262E2-3A0F-4805-BCCB-6745237D1574}"/>
                   </a:ext>
                 </a:extLst>
               </p:cNvPr>
@@ -12966,7 +13002,7 @@
           <p:cNvPr id="3074" name="Picture 2" descr="https://www.ecloudvalley.com/wp-content/uploads/2019/09/Unsupervised-learning.png">
             <a:extLst>
               <a:ext uri="{FF2B5EF4-FFF2-40B4-BE49-F238E27FC236}">
-                <a16:creationId xmlns="" xmlns:a16="http://schemas.microsoft.com/office/drawing/2014/main" id="{E1E9C2D9-93F7-4EA6-9C7E-D658C2452746}"/>
+                <a16:creationId xmlns:a16="http://schemas.microsoft.com/office/drawing/2014/main" xmlns="" id="{E1E9C2D9-93F7-4EA6-9C7E-D658C2452746}"/>
               </a:ext>
             </a:extLst>
           </p:cNvPr>
@@ -13011,7 +13047,7 @@
           <p:cNvPr id="1028" name="Picture 4" descr="https://slideplayer.com/slide/13055479/79/images/6/Data+Compression+Reduce+data+from+3D+to+2D+Andrew+Ng.jpg">
             <a:extLst>
               <a:ext uri="{FF2B5EF4-FFF2-40B4-BE49-F238E27FC236}">
-                <a16:creationId xmlns="" xmlns:a16="http://schemas.microsoft.com/office/drawing/2014/main" id="{F20F10B0-B790-4630-9FD0-F82B2B0DFAD5}"/>
+                <a16:creationId xmlns:a16="http://schemas.microsoft.com/office/drawing/2014/main" xmlns="" id="{F20F10B0-B790-4630-9FD0-F82B2B0DFAD5}"/>
               </a:ext>
             </a:extLst>
           </p:cNvPr>
@@ -13056,7 +13092,7 @@
           <p:cNvPr id="1030" name="Picture 6" descr="Image result for outlier ">
             <a:extLst>
               <a:ext uri="{FF2B5EF4-FFF2-40B4-BE49-F238E27FC236}">
-                <a16:creationId xmlns="" xmlns:a16="http://schemas.microsoft.com/office/drawing/2014/main" id="{5E7788A9-1556-48E2-A68C-C98CBCD57CE7}"/>
+                <a16:creationId xmlns:a16="http://schemas.microsoft.com/office/drawing/2014/main" xmlns="" id="{5E7788A9-1556-48E2-A68C-C98CBCD57CE7}"/>
               </a:ext>
             </a:extLst>
           </p:cNvPr>
@@ -13101,7 +13137,7 @@
           <p:cNvPr id="1032" name="Picture 8" descr="http://users.telenet.be/martialluyts/img/basket.jpg">
             <a:extLst>
               <a:ext uri="{FF2B5EF4-FFF2-40B4-BE49-F238E27FC236}">
-                <a16:creationId xmlns="" xmlns:a16="http://schemas.microsoft.com/office/drawing/2014/main" id="{91C7F0A4-66BC-4E4C-B7C9-061F60727247}"/>
+                <a16:creationId xmlns:a16="http://schemas.microsoft.com/office/drawing/2014/main" xmlns="" id="{91C7F0A4-66BC-4E4C-B7C9-061F60727247}"/>
               </a:ext>
             </a:extLst>
           </p:cNvPr>
@@ -13301,7 +13337,7 @@
           <p:cNvPr id="2" name="Título 1">
             <a:extLst>
               <a:ext uri="{FF2B5EF4-FFF2-40B4-BE49-F238E27FC236}">
-                <a16:creationId xmlns="" xmlns:a16="http://schemas.microsoft.com/office/drawing/2014/main" id="{CE99E848-1AFD-48E3-BD45-EA959AA414F5}"/>
+                <a16:creationId xmlns:a16="http://schemas.microsoft.com/office/drawing/2014/main" xmlns="" id="{CE99E848-1AFD-48E3-BD45-EA959AA414F5}"/>
               </a:ext>
             </a:extLst>
           </p:cNvPr>
@@ -13329,7 +13365,7 @@
           <p:cNvPr id="3" name="Espaço Reservado para Conteúdo 2">
             <a:extLst>
               <a:ext uri="{FF2B5EF4-FFF2-40B4-BE49-F238E27FC236}">
-                <a16:creationId xmlns="" xmlns:a16="http://schemas.microsoft.com/office/drawing/2014/main" id="{79FFA3EA-68FD-404F-984C-E8FFF3827C6D}"/>
+                <a16:creationId xmlns:a16="http://schemas.microsoft.com/office/drawing/2014/main" xmlns="" id="{79FFA3EA-68FD-404F-984C-E8FFF3827C6D}"/>
               </a:ext>
             </a:extLst>
           </p:cNvPr>
@@ -13573,13 +13609,7 @@
       </p:grpSpPr>
       <p:sp>
         <p:nvSpPr>
-          <p:cNvPr id="2" name="Título 1">
-            <a:extLst>
-              <a:ext uri="{FF2B5EF4-FFF2-40B4-BE49-F238E27FC236}">
-                <a16:creationId xmlns:a16="http://schemas.microsoft.com/office/drawing/2014/main" xmlns="" id="{E8C072B4-08DC-4EC3-807C-FF1F20479966}"/>
-              </a:ext>
-            </a:extLst>
-          </p:cNvPr>
+          <p:cNvPr id="2" name="Title 1"/>
           <p:cNvSpPr>
             <a:spLocks noGrp="1"/>
           </p:cNvSpPr>
@@ -13587,12 +13617,7 @@
             <p:ph type="title"/>
           </p:nvPr>
         </p:nvSpPr>
-        <p:spPr>
-          <a:xfrm>
-            <a:off x="838200" y="269875"/>
-            <a:ext cx="10515600" cy="854075"/>
-          </a:xfrm>
-        </p:spPr>
+        <p:spPr/>
         <p:txBody>
           <a:bodyPr/>
           <a:lstStyle/>
@@ -13606,13 +13631,7 @@
       </p:sp>
       <p:sp>
         <p:nvSpPr>
-          <p:cNvPr id="3" name="Espaço Reservado para Conteúdo 2">
-            <a:extLst>
-              <a:ext uri="{FF2B5EF4-FFF2-40B4-BE49-F238E27FC236}">
-                <a16:creationId xmlns:a16="http://schemas.microsoft.com/office/drawing/2014/main" xmlns="" id="{95B7F092-8157-4160-92C8-7BB3445DAFEA}"/>
-              </a:ext>
-            </a:extLst>
-          </p:cNvPr>
+          <p:cNvPr id="3" name="Content Placeholder 2"/>
           <p:cNvSpPr>
             <a:spLocks noGrp="1"/>
           </p:cNvSpPr>
@@ -13622,8 +13641,8 @@
         </p:nvSpPr>
         <p:spPr>
           <a:xfrm>
-            <a:off x="838200" y="1409700"/>
-            <a:ext cx="10835640" cy="5204460"/>
+            <a:off x="838199" y="1825624"/>
+            <a:ext cx="10959353" cy="4682751"/>
           </a:xfrm>
         </p:spPr>
         <p:txBody>
@@ -13634,89 +13653,86 @@
           <a:p>
             <a:r>
               <a:rPr lang="pt-BR" dirty="0"/>
-              <a:t>Neste tipo de </a:t>
+              <a:t>Neste tipo de aprendizado, as máquinas tem acesso a exemplos com e sem rótulos.</a:t>
+            </a:r>
+          </a:p>
+          <a:p>
+            <a:r>
+              <a:rPr lang="pt-BR" dirty="0"/>
+              <a:t>Geralmente envolve uma </a:t>
+            </a:r>
+            <a:r>
+              <a:rPr lang="pt-BR" b="1" i="1" dirty="0"/>
+              <a:t>pequena quantidade de dados </a:t>
+            </a:r>
+            <a:r>
+              <a:rPr lang="pt-BR" dirty="0"/>
+              <a:t>rotulados e uma </a:t>
+            </a:r>
+            <a:r>
+              <a:rPr lang="pt-BR" b="1" i="1" dirty="0"/>
+              <a:t>grande quantidade de dados não-rotulados</a:t>
+            </a:r>
+            <a:r>
+              <a:rPr lang="pt-BR" dirty="0"/>
+              <a:t>.</a:t>
+            </a:r>
+          </a:p>
+          <a:p>
+            <a:r>
+              <a:rPr lang="pt-BR" dirty="0"/>
+              <a:t>É de grande ajuda em casos onde se ter uma grande quantidade de dados rotulados é muito demorado, caro ou complexo.</a:t>
+            </a:r>
+          </a:p>
+          <a:p>
+            <a:r>
+              <a:rPr lang="pt-BR" dirty="0"/>
+              <a:t>Algoritmos de aprendizagem semi-supervisionada são o resultado da combinação de algoritmos supervisionados e não-supervisionados.</a:t>
+            </a:r>
+          </a:p>
+          <a:p>
+            <a:r>
+              <a:rPr lang="pt-BR" dirty="0"/>
+              <a:t>Uma maneira de realizar aprendizado semi-supervisionado é </a:t>
             </a:r>
             <a:r>
               <a:rPr lang="pt-BR" dirty="0" smtClean="0"/>
-              <a:t>aprendizado, as máquinas tem acesso a exemplos com e sem rótulos.</a:t>
-            </a:r>
-          </a:p>
-          <a:p>
-            <a:r>
-              <a:rPr lang="pt-BR" dirty="0" smtClean="0"/>
-              <a:t>Geralmente envolve uma pequena quantidade de dados rotulados e uma grande quantidade de dados não-rotulados.</a:t>
-            </a:r>
-          </a:p>
-          <a:p>
-            <a:r>
-              <a:rPr lang="pt-BR" dirty="0" smtClean="0"/>
-              <a:t>É de grande ajuda em casos onde se ter uma grande quantidade de dados rotulados é muito demorado, caro ou complexo.</a:t>
-            </a:r>
-          </a:p>
-          <a:p>
-            <a:r>
-              <a:rPr lang="pt-BR" dirty="0" smtClean="0"/>
-              <a:t>Algoritmos de aprendizagem semi-supervisionada são o resultado da combinação de algoritmos supervisionados e não-supervisionados.</a:t>
-            </a:r>
-          </a:p>
-          <a:p>
+              <a:t>combinar, por exemplo, </a:t>
+            </a:r>
             <a:r>
               <a:rPr lang="pt-BR" dirty="0"/>
-              <a:t>Uma maneira de </a:t>
-            </a:r>
-            <a:r>
-              <a:rPr lang="pt-BR" dirty="0" smtClean="0"/>
-              <a:t>realizar aprendizado semi-supervisionado </a:t>
+              <a:t>algoritmos de </a:t>
+            </a:r>
+            <a:r>
+              <a:rPr lang="pt-BR" b="1" i="1" dirty="0"/>
+              <a:t>clustering</a:t>
             </a:r>
             <a:r>
               <a:rPr lang="pt-BR" dirty="0"/>
-              <a:t>é combinar </a:t>
-            </a:r>
-            <a:r>
-              <a:rPr lang="pt-BR" dirty="0" smtClean="0"/>
-              <a:t>algoritmos </a:t>
+              <a:t> e </a:t>
+            </a:r>
+            <a:r>
+              <a:rPr lang="pt-BR" b="1" i="1" dirty="0"/>
+              <a:t>classificação</a:t>
             </a:r>
             <a:r>
               <a:rPr lang="pt-BR" dirty="0"/>
-              <a:t>de </a:t>
-            </a:r>
-            <a:r>
-              <a:rPr lang="pt-BR" b="1" i="1" dirty="0" smtClean="0"/>
-              <a:t>clustering</a:t>
-            </a:r>
-            <a:r>
-              <a:rPr lang="pt-BR" dirty="0" smtClean="0"/>
-              <a:t> e </a:t>
-            </a:r>
-            <a:r>
-              <a:rPr lang="pt-BR" b="1" i="1" dirty="0" smtClean="0"/>
-              <a:t>classificação</a:t>
-            </a:r>
-            <a:r>
-              <a:rPr lang="pt-BR" dirty="0" smtClean="0"/>
               <a:t>.</a:t>
             </a:r>
-            <a:endParaRPr lang="pt-BR" b="1" i="1" dirty="0" smtClean="0"/>
+            <a:endParaRPr lang="pt-BR" b="1" i="1" dirty="0"/>
           </a:p>
         </p:txBody>
       </p:sp>
     </p:spTree>
     <p:extLst>
       <p:ext uri="{BB962C8B-B14F-4D97-AF65-F5344CB8AC3E}">
-        <p14:creationId xmlns:p14="http://schemas.microsoft.com/office/powerpoint/2010/main" val="1753154293"/>
+        <p14:creationId xmlns:p14="http://schemas.microsoft.com/office/powerpoint/2010/main" val="3458181200"/>
       </p:ext>
     </p:extLst>
   </p:cSld>
   <p:clrMapOvr>
     <a:masterClrMapping/>
   </p:clrMapOvr>
-  <p:timing>
-    <p:tnLst>
-      <p:par>
-        <p:cTn id="1" dur="indefinite" restart="never" nodeType="tmRoot"/>
-      </p:par>
-    </p:tnLst>
-  </p:timing>
 </p:sld>
 </file>
 
@@ -13922,7 +13938,7 @@
         </p:spPr>
         <p:txBody>
           <a:bodyPr>
-            <a:normAutofit lnSpcReduction="10000"/>
+            <a:normAutofit fontScale="92500" lnSpcReduction="10000"/>
           </a:bodyPr>
           <a:lstStyle/>
           <a:p>
@@ -13940,7 +13956,7 @@
             </a:r>
             <a:r>
               <a:rPr lang="pt-BR" dirty="0"/>
-              <a:t> (economia, esportes, política, entretenimento, etc.) milhões de textos </a:t>
+              <a:t> milhões de textos </a:t>
             </a:r>
             <a:r>
               <a:rPr lang="pt-BR" b="1" i="1" dirty="0"/>
@@ -13948,21 +13964,33 @@
             </a:r>
             <a:r>
               <a:rPr lang="pt-BR" dirty="0"/>
-              <a:t> da internet</a:t>
-            </a:r>
+              <a:t> da internet em categorias como economia, esportes, política, entretenimento, etc.?</a:t>
+            </a:r>
+          </a:p>
+          <a:p>
             <a:r>
               <a:rPr lang="pt-BR" dirty="0" smtClean="0"/>
-              <a:t>?</a:t>
-            </a:r>
-          </a:p>
-          <a:p>
-            <a:r>
-              <a:rPr lang="pt-BR" b="1" i="1" dirty="0"/>
-              <a:t>Clustering</a:t>
+              <a:t>Poderíamos usar </a:t>
+            </a:r>
+            <a:r>
+              <a:rPr lang="pt-BR" b="1" i="1" dirty="0" smtClean="0"/>
+              <a:t>clustering</a:t>
+            </a:r>
+            <a:r>
+              <a:rPr lang="pt-BR" dirty="0" smtClean="0"/>
+              <a:t> para agrupar </a:t>
             </a:r>
             <a:r>
               <a:rPr lang="pt-BR" dirty="0"/>
-              <a:t> agrupa a quantidade massiva de textos e usamos apenas os exemplos mais representativos de cada </a:t>
+              <a:t>a quantidade massiva de textos e </a:t>
+            </a:r>
+            <a:r>
+              <a:rPr lang="pt-BR" dirty="0" smtClean="0"/>
+              <a:t>usar </a:t>
+            </a:r>
+            <a:r>
+              <a:rPr lang="pt-BR" dirty="0"/>
+              <a:t>apenas os exemplos mais representativos de cada </a:t>
             </a:r>
             <a:r>
               <a:rPr lang="pt-BR" b="1" i="1" dirty="0"/>
@@ -13974,21 +14002,26 @@
             </a:r>
             <a:r>
               <a:rPr lang="pt-BR" b="1" i="1" dirty="0" smtClean="0"/>
-              <a:t>rotular</a:t>
+              <a:t>rotular manualmente</a:t>
             </a:r>
             <a:r>
               <a:rPr lang="pt-BR" dirty="0" smtClean="0"/>
               <a:t>. </a:t>
             </a:r>
-          </a:p>
-          <a:p>
-            <a:r>
-              <a:rPr lang="pt-BR" dirty="0" smtClean="0"/>
+            <a:endParaRPr lang="pt-BR" dirty="0"/>
+          </a:p>
+          <a:p>
+            <a:r>
+              <a:rPr lang="pt-BR" dirty="0"/>
               <a:t>Esses </a:t>
             </a:r>
             <a:r>
+              <a:rPr lang="pt-BR" b="1" i="1" dirty="0"/>
+              <a:t>exemplos rotulados </a:t>
+            </a:r>
+            <a:r>
               <a:rPr lang="pt-BR" dirty="0"/>
-              <a:t>exemplos rotulados são usados para treinar um </a:t>
+              <a:t>são usados para treinar um </a:t>
             </a:r>
             <a:r>
               <a:rPr lang="pt-BR" b="1" i="1" dirty="0"/>
@@ -13996,7 +14029,17 @@
             </a:r>
             <a:r>
               <a:rPr lang="pt-BR" dirty="0"/>
-              <a:t>. Após, o </a:t>
+              <a:t>. </a:t>
+            </a:r>
+          </a:p>
+          <a:p>
+            <a:r>
+              <a:rPr lang="pt-BR" dirty="0" smtClean="0"/>
+              <a:t>Após o treinamento, </a:t>
+            </a:r>
+            <a:r>
+              <a:rPr lang="pt-BR" dirty="0"/>
+              <a:t>o </a:t>
             </a:r>
             <a:r>
               <a:rPr lang="pt-BR" b="1" i="1" dirty="0"/>
@@ -14011,9 +14054,6 @@
               <a:t>.</a:t>
             </a:r>
             <a:endParaRPr lang="nl-BE" dirty="0"/>
-          </a:p>
-          <a:p>
-            <a:endParaRPr lang="pt-BR" dirty="0"/>
           </a:p>
         </p:txBody>
       </p:sp>
@@ -14089,7 +14129,7 @@
           <p:cNvPr id="2" name="Título 1">
             <a:extLst>
               <a:ext uri="{FF2B5EF4-FFF2-40B4-BE49-F238E27FC236}">
-                <a16:creationId xmlns="" xmlns:a16="http://schemas.microsoft.com/office/drawing/2014/main" id="{646F6830-B3DF-4F50-823F-7E36C43380D1}"/>
+                <a16:creationId xmlns:a16="http://schemas.microsoft.com/office/drawing/2014/main" xmlns="" id="{646F6830-B3DF-4F50-823F-7E36C43380D1}"/>
               </a:ext>
             </a:extLst>
           </p:cNvPr>
@@ -14122,7 +14162,7 @@
           <p:cNvPr id="3" name="Espaço Reservado para Conteúdo 2">
             <a:extLst>
               <a:ext uri="{FF2B5EF4-FFF2-40B4-BE49-F238E27FC236}">
-                <a16:creationId xmlns:mc="http://schemas.openxmlformats.org/markup-compatibility/2006" xmlns:a14="http://schemas.microsoft.com/office/drawing/2010/main" xmlns="" xmlns:a16="http://schemas.microsoft.com/office/drawing/2014/main" id="{071E0B55-13FE-4ADE-80F7-AFEDEF27C875}"/>
+                <a16:creationId xmlns:a16="http://schemas.microsoft.com/office/drawing/2014/main" xmlns="" xmlns:a14="http://schemas.microsoft.com/office/drawing/2010/main" xmlns:mc="http://schemas.openxmlformats.org/markup-compatibility/2006" id="{071E0B55-13FE-4ADE-80F7-AFEDEF27C875}"/>
               </a:ext>
             </a:extLst>
           </p:cNvPr>
@@ -14135,8 +14175,8 @@
         </p:nvSpPr>
         <p:spPr>
           <a:xfrm>
-            <a:off x="838199" y="1856935"/>
-            <a:ext cx="11049529" cy="4888422"/>
+            <a:off x="838199" y="1856934"/>
+            <a:ext cx="11049529" cy="5001065"/>
           </a:xfrm>
         </p:spPr>
         <p:txBody>
@@ -14162,7 +14202,15 @@
             <a:pPr marL="171450" indent="-171450"/>
             <a:r>
               <a:rPr lang="pt-BR" dirty="0"/>
-              <a:t>O algoritmo de aprendizagem por reforço, chamado de </a:t>
+              <a:t>O algoritmo de </a:t>
+            </a:r>
+            <a:r>
+              <a:rPr lang="pt-BR" dirty="0" smtClean="0"/>
+              <a:t>aprendizado </a:t>
+            </a:r>
+            <a:r>
+              <a:rPr lang="pt-BR" dirty="0"/>
+              <a:t>por reforço, chamado de </a:t>
             </a:r>
             <a:r>
               <a:rPr lang="pt-BR" b="1" i="1" dirty="0"/>
@@ -14753,8 +14801,8 @@
         </p:blipFill>
         <p:spPr>
           <a:xfrm>
-            <a:off x="1102042" y="4940308"/>
-            <a:ext cx="4430078" cy="1817468"/>
+            <a:off x="769821" y="4872252"/>
+            <a:ext cx="4762299" cy="1953764"/>
           </a:xfrm>
           <a:prstGeom prst="rect">
             <a:avLst/>
@@ -14900,11 +14948,27 @@
             </a:r>
             <a:r>
               <a:rPr lang="pt-BR" dirty="0" smtClean="0"/>
-              <a:t>de forma rápida e muitas </a:t>
+              <a:t>de </a:t>
+            </a:r>
+            <a:r>
+              <a:rPr lang="pt-BR" b="1" i="1" dirty="0" smtClean="0"/>
+              <a:t>forma rápida </a:t>
+            </a:r>
+            <a:r>
+              <a:rPr lang="pt-BR" dirty="0" smtClean="0"/>
+              <a:t>e muitas </a:t>
             </a:r>
             <a:r>
               <a:rPr lang="pt-BR" dirty="0"/>
-              <a:t>vezes sub-ótimas, para um problema</a:t>
+              <a:t>vezes </a:t>
+            </a:r>
+            <a:r>
+              <a:rPr lang="pt-BR" b="1" i="1" dirty="0"/>
+              <a:t>sub-ótimas</a:t>
+            </a:r>
+            <a:r>
+              <a:rPr lang="pt-BR" dirty="0"/>
+              <a:t>, para um problema</a:t>
             </a:r>
             <a:r>
               <a:rPr lang="pt-BR" dirty="0" smtClean="0"/>
@@ -15552,7 +15616,7 @@
         <p:spPr>
           <a:xfrm>
             <a:off x="838199" y="1825625"/>
-            <a:ext cx="10976811" cy="4351338"/>
+            <a:ext cx="10976811" cy="4850946"/>
           </a:xfrm>
         </p:spPr>
         <p:txBody>
@@ -15561,7 +15625,47 @@
           <a:p>
             <a:r>
               <a:rPr lang="pt-BR" dirty="0" smtClean="0"/>
-              <a:t>Neste tipo de treinamento, o algoritmo aprende incrementalmente: exemplos de treinamento são apresentados sequencialmente um-a-um ou em pequenos grupos chamados de mini-batches (ou mini-lotes).</a:t>
+              <a:t>Neste tipo de treinamento, o algoritmo </a:t>
+            </a:r>
+            <a:r>
+              <a:rPr lang="pt-BR" b="1" i="1" dirty="0" smtClean="0"/>
+              <a:t>aprende incrementalmente</a:t>
+            </a:r>
+            <a:r>
+              <a:rPr lang="pt-BR" dirty="0" smtClean="0"/>
+              <a:t>: </a:t>
+            </a:r>
+            <a:endParaRPr lang="pt-BR" dirty="0" smtClean="0"/>
+          </a:p>
+          <a:p>
+            <a:pPr lvl="1"/>
+            <a:r>
+              <a:rPr lang="pt-BR" dirty="0" smtClean="0"/>
+              <a:t>Os </a:t>
+            </a:r>
+            <a:r>
+              <a:rPr lang="pt-BR" dirty="0" smtClean="0"/>
+              <a:t>exemplos </a:t>
+            </a:r>
+            <a:r>
+              <a:rPr lang="pt-BR" dirty="0" smtClean="0"/>
+              <a:t>de treinamento são apresentados </a:t>
+            </a:r>
+            <a:r>
+              <a:rPr lang="pt-BR" b="1" i="1" dirty="0" smtClean="0"/>
+              <a:t>sequencialmente um-a-um </a:t>
+            </a:r>
+            <a:r>
+              <a:rPr lang="pt-BR" dirty="0" smtClean="0"/>
+              <a:t>ou em </a:t>
+            </a:r>
+            <a:r>
+              <a:rPr lang="pt-BR" b="1" i="1" dirty="0" smtClean="0"/>
+              <a:t>pequenos grupos </a:t>
+            </a:r>
+            <a:r>
+              <a:rPr lang="pt-BR" dirty="0" smtClean="0"/>
+              <a:t>chamados de mini-batches (ou mini-lotes).</a:t>
             </a:r>
           </a:p>
           <a:p>
@@ -15711,15 +15815,23 @@
             </a:r>
             <a:r>
               <a:rPr lang="pt-BR" dirty="0" smtClean="0"/>
-              <a:t>é treinado </a:t>
-            </a:r>
-            <a:r>
-              <a:rPr lang="pt-BR" dirty="0"/>
+              <a:t>é </a:t>
+            </a:r>
+            <a:r>
+              <a:rPr lang="pt-BR" b="1" i="1" dirty="0" smtClean="0"/>
+              <a:t>treinado </a:t>
+            </a:r>
+            <a:r>
+              <a:rPr lang="pt-BR" b="1" i="1" dirty="0"/>
               <a:t>com todos os </a:t>
             </a:r>
             <a:r>
+              <a:rPr lang="pt-BR" b="1" i="1" dirty="0" smtClean="0"/>
+              <a:t>exemplos disponíveis</a:t>
+            </a:r>
+            <a:r>
               <a:rPr lang="pt-BR" dirty="0" smtClean="0"/>
-              <a:t>exemplos disponíveis.</a:t>
+              <a:t>.</a:t>
             </a:r>
           </a:p>
           <a:p>
@@ -15966,7 +16078,23 @@
           <a:p>
             <a:r>
               <a:rPr lang="pt-BR" dirty="0" smtClean="0"/>
-              <a:t>Portanto, vocês não precisam instalar nada, apenas ter um navegador web e conexão com a internet.</a:t>
+              <a:t>Portanto, </a:t>
+            </a:r>
+            <a:r>
+              <a:rPr lang="pt-BR" b="1" i="1" dirty="0" smtClean="0"/>
+              <a:t>vocês não precisam instalar nada</a:t>
+            </a:r>
+            <a:r>
+              <a:rPr lang="pt-BR" dirty="0" smtClean="0"/>
+              <a:t>, apenas </a:t>
+            </a:r>
+            <a:r>
+              <a:rPr lang="pt-BR" dirty="0" smtClean="0"/>
+              <a:t>terem </a:t>
+            </a:r>
+            <a:r>
+              <a:rPr lang="pt-BR" dirty="0" smtClean="0"/>
+              <a:t>um navegador web e conexão com a internet.</a:t>
             </a:r>
             <a:endParaRPr lang="pt-BR" dirty="0"/>
           </a:p>
@@ -19845,7 +19973,7 @@
           <p:cNvPr id="4" name="Título 1">
             <a:extLst>
               <a:ext uri="{FF2B5EF4-FFF2-40B4-BE49-F238E27FC236}">
-                <a16:creationId xmlns:a16="http://schemas.microsoft.com/office/drawing/2014/main" xmlns="" id="{32666AC8-2E17-4DB4-B0F5-60C640CCFD2E}"/>
+                <a16:creationId xmlns="" xmlns:a16="http://schemas.microsoft.com/office/drawing/2014/main" id="{32666AC8-2E17-4DB4-B0F5-60C640CCFD2E}"/>
               </a:ext>
             </a:extLst>
           </p:cNvPr>
@@ -27182,7 +27310,7 @@
           <p:cNvPr id="2" name="Título 1">
             <a:extLst>
               <a:ext uri="{FF2B5EF4-FFF2-40B4-BE49-F238E27FC236}">
-                <a16:creationId xmlns="" xmlns:a16="http://schemas.microsoft.com/office/drawing/2014/main" id="{A2A4684C-1159-4F88-A2B1-6BABEDE38C4D}"/>
+                <a16:creationId xmlns:a16="http://schemas.microsoft.com/office/drawing/2014/main" xmlns="" id="{A2A4684C-1159-4F88-A2B1-6BABEDE38C4D}"/>
               </a:ext>
             </a:extLst>
           </p:cNvPr>
@@ -27210,7 +27338,7 @@
           <p:cNvPr id="3" name="Espaço Reservado para Conteúdo 2">
             <a:extLst>
               <a:ext uri="{FF2B5EF4-FFF2-40B4-BE49-F238E27FC236}">
-                <a16:creationId xmlns="" xmlns:a16="http://schemas.microsoft.com/office/drawing/2014/main" id="{EC432B31-D382-41FF-BB6B-2ABDD322424B}"/>
+                <a16:creationId xmlns:a16="http://schemas.microsoft.com/office/drawing/2014/main" xmlns="" id="{EC432B31-D382-41FF-BB6B-2ABDD322424B}"/>
               </a:ext>
             </a:extLst>
           </p:cNvPr>
@@ -27421,7 +27549,15 @@
             </a:r>
             <a:r>
               <a:rPr lang="pt-BR" dirty="0" smtClean="0"/>
-              <a:t>] Coleção pessoal de livros, </a:t>
+              <a:t>] Coleção </a:t>
+            </a:r>
+            <a:r>
+              <a:rPr lang="pt-BR" dirty="0" smtClean="0"/>
+              <a:t>de livros</a:t>
+            </a:r>
+            <a:r>
+              <a:rPr lang="pt-BR" dirty="0" smtClean="0"/>
+              <a:t>, </a:t>
             </a:r>
             <a:r>
               <a:rPr lang="pt-BR" dirty="0" smtClean="0">
@@ -27867,7 +28003,7 @@
           <p:cNvPr id="4" name="Título 1">
             <a:extLst>
               <a:ext uri="{FF2B5EF4-FFF2-40B4-BE49-F238E27FC236}">
-                <a16:creationId xmlns="" xmlns:a16="http://schemas.microsoft.com/office/drawing/2014/main" id="{32666AC8-2E17-4DB4-B0F5-60C640CCFD2E}"/>
+                <a16:creationId xmlns:a16="http://schemas.microsoft.com/office/drawing/2014/main" xmlns="" id="{32666AC8-2E17-4DB4-B0F5-60C640CCFD2E}"/>
               </a:ext>
             </a:extLst>
           </p:cNvPr>
@@ -28055,7 +28191,7 @@
           <p:cNvPr id="2" name="Título 1">
             <a:extLst>
               <a:ext uri="{FF2B5EF4-FFF2-40B4-BE49-F238E27FC236}">
-                <a16:creationId xmlns="" xmlns:a16="http://schemas.microsoft.com/office/drawing/2014/main" id="{C4F48192-B348-4C3E-8621-D3755D2230F8}"/>
+                <a16:creationId xmlns:a16="http://schemas.microsoft.com/office/drawing/2014/main" xmlns="" id="{C4F48192-B348-4C3E-8621-D3755D2230F8}"/>
               </a:ext>
             </a:extLst>
           </p:cNvPr>
@@ -28092,7 +28228,7 @@
           <p:cNvPr id="3" name="Espaço Reservado para Conteúdo 2">
             <a:extLst>
               <a:ext uri="{FF2B5EF4-FFF2-40B4-BE49-F238E27FC236}">
-                <a16:creationId xmlns="" xmlns:a16="http://schemas.microsoft.com/office/drawing/2014/main" id="{E3DECB90-AFD9-4AC6-A356-C93A7442A6E6}"/>
+                <a16:creationId xmlns:a16="http://schemas.microsoft.com/office/drawing/2014/main" xmlns="" id="{E3DECB90-AFD9-4AC6-A356-C93A7442A6E6}"/>
               </a:ext>
             </a:extLst>
           </p:cNvPr>
@@ -28246,7 +28382,7 @@
           <p:cNvPr id="3074" name="Picture 2" descr="Image result for machine learning">
             <a:extLst>
               <a:ext uri="{FF2B5EF4-FFF2-40B4-BE49-F238E27FC236}">
-                <a16:creationId xmlns="" xmlns:a16="http://schemas.microsoft.com/office/drawing/2014/main" id="{78A93243-9634-4B0E-B1B2-37A218EAEADD}"/>
+                <a16:creationId xmlns:a16="http://schemas.microsoft.com/office/drawing/2014/main" xmlns="" id="{78A93243-9634-4B0E-B1B2-37A218EAEADD}"/>
               </a:ext>
             </a:extLst>
           </p:cNvPr>
@@ -28364,7 +28500,7 @@
           <p:cNvPr id="4" name="Agrupar 9">
             <a:extLst>
               <a:ext uri="{FF2B5EF4-FFF2-40B4-BE49-F238E27FC236}">
-                <a16:creationId xmlns="" xmlns:a16="http://schemas.microsoft.com/office/drawing/2014/main" id="{0B96ABED-DB41-410B-A604-C06F86EA7584}"/>
+                <a16:creationId xmlns:a16="http://schemas.microsoft.com/office/drawing/2014/main" xmlns="" id="{0B96ABED-DB41-410B-A604-C06F86EA7584}"/>
               </a:ext>
             </a:extLst>
           </p:cNvPr>
@@ -28384,7 +28520,7 @@
             <p:cNvPr id="5" name="Elipse 3">
               <a:extLst>
                 <a:ext uri="{FF2B5EF4-FFF2-40B4-BE49-F238E27FC236}">
-                  <a16:creationId xmlns="" xmlns:a16="http://schemas.microsoft.com/office/drawing/2014/main" id="{78EA9474-9E04-44C4-9E19-67FD40FBA058}"/>
+                  <a16:creationId xmlns:a16="http://schemas.microsoft.com/office/drawing/2014/main" xmlns="" id="{78EA9474-9E04-44C4-9E19-67FD40FBA058}"/>
                 </a:ext>
               </a:extLst>
             </p:cNvPr>
@@ -28441,7 +28577,7 @@
             <p:cNvPr id="6" name="Elipse 4">
               <a:extLst>
                 <a:ext uri="{FF2B5EF4-FFF2-40B4-BE49-F238E27FC236}">
-                  <a16:creationId xmlns="" xmlns:a16="http://schemas.microsoft.com/office/drawing/2014/main" id="{DA23CE7C-64D2-4FF1-83C3-4920F0AD635C}"/>
+                  <a16:creationId xmlns:a16="http://schemas.microsoft.com/office/drawing/2014/main" xmlns="" id="{DA23CE7C-64D2-4FF1-83C3-4920F0AD635C}"/>
                 </a:ext>
               </a:extLst>
             </p:cNvPr>
@@ -28499,7 +28635,7 @@
             <p:cNvPr id="7" name="Elipse 5">
               <a:extLst>
                 <a:ext uri="{FF2B5EF4-FFF2-40B4-BE49-F238E27FC236}">
-                  <a16:creationId xmlns="" xmlns:a16="http://schemas.microsoft.com/office/drawing/2014/main" id="{BDF2AACA-BD34-40AD-9FDE-4F93EBB4342D}"/>
+                  <a16:creationId xmlns:a16="http://schemas.microsoft.com/office/drawing/2014/main" xmlns="" id="{BDF2AACA-BD34-40AD-9FDE-4F93EBB4342D}"/>
                 </a:ext>
               </a:extLst>
             </p:cNvPr>
@@ -28557,7 +28693,7 @@
             <p:cNvPr id="8" name="CaixaDeTexto 10">
               <a:extLst>
                 <a:ext uri="{FF2B5EF4-FFF2-40B4-BE49-F238E27FC236}">
-                  <a16:creationId xmlns="" xmlns:a16="http://schemas.microsoft.com/office/drawing/2014/main" id="{51F63BB8-6AA0-41B8-AF42-7EF062B069A1}"/>
+                  <a16:creationId xmlns:a16="http://schemas.microsoft.com/office/drawing/2014/main" xmlns="" id="{51F63BB8-6AA0-41B8-AF42-7EF062B069A1}"/>
                 </a:ext>
               </a:extLst>
             </p:cNvPr>
@@ -28608,7 +28744,7 @@
             <p:cNvPr id="9" name="CaixaDeTexto 11">
               <a:extLst>
                 <a:ext uri="{FF2B5EF4-FFF2-40B4-BE49-F238E27FC236}">
-                  <a16:creationId xmlns="" xmlns:a16="http://schemas.microsoft.com/office/drawing/2014/main" id="{DFD039E3-20CE-44F5-92EF-195036537592}"/>
+                  <a16:creationId xmlns:a16="http://schemas.microsoft.com/office/drawing/2014/main" xmlns="" id="{DFD039E3-20CE-44F5-92EF-195036537592}"/>
                 </a:ext>
               </a:extLst>
             </p:cNvPr>
@@ -28659,7 +28795,7 @@
             <p:cNvPr id="10" name="CaixaDeTexto 12">
               <a:extLst>
                 <a:ext uri="{FF2B5EF4-FFF2-40B4-BE49-F238E27FC236}">
-                  <a16:creationId xmlns="" xmlns:a16="http://schemas.microsoft.com/office/drawing/2014/main" id="{2BA92F8A-1455-40AE-B18C-EA6C3DE256D6}"/>
+                  <a16:creationId xmlns:a16="http://schemas.microsoft.com/office/drawing/2014/main" xmlns="" id="{2BA92F8A-1455-40AE-B18C-EA6C3DE256D6}"/>
                 </a:ext>
               </a:extLst>
             </p:cNvPr>
@@ -29945,7 +30081,7 @@
           <p:cNvPr id="2" name="Título 1">
             <a:extLst>
               <a:ext uri="{FF2B5EF4-FFF2-40B4-BE49-F238E27FC236}">
-                <a16:creationId xmlns="" xmlns:a16="http://schemas.microsoft.com/office/drawing/2014/main" id="{323B9288-93D4-4CC5-BE00-B2E741C4A62E}"/>
+                <a16:creationId xmlns:a16="http://schemas.microsoft.com/office/drawing/2014/main" xmlns="" id="{323B9288-93D4-4CC5-BE00-B2E741C4A62E}"/>
               </a:ext>
             </a:extLst>
           </p:cNvPr>
@@ -29973,7 +30109,7 @@
           <p:cNvPr id="3" name="Espaço Reservado para Conteúdo 2">
             <a:extLst>
               <a:ext uri="{FF2B5EF4-FFF2-40B4-BE49-F238E27FC236}">
-                <a16:creationId xmlns="" xmlns:a16="http://schemas.microsoft.com/office/drawing/2014/main" id="{C04549A7-FF67-48B8-B0EE-75CF43A83803}"/>
+                <a16:creationId xmlns:a16="http://schemas.microsoft.com/office/drawing/2014/main" xmlns="" id="{C04549A7-FF67-48B8-B0EE-75CF43A83803}"/>
               </a:ext>
             </a:extLst>
           </p:cNvPr>
@@ -30055,7 +30191,7 @@
           <p:cNvPr id="2050" name="Picture 2" descr="Image result for facebook">
             <a:extLst>
               <a:ext uri="{FF2B5EF4-FFF2-40B4-BE49-F238E27FC236}">
-                <a16:creationId xmlns="" xmlns:a16="http://schemas.microsoft.com/office/drawing/2014/main" id="{629596EE-D27E-4FA4-917F-4B2F4A295C7D}"/>
+                <a16:creationId xmlns:a16="http://schemas.microsoft.com/office/drawing/2014/main" xmlns="" id="{629596EE-D27E-4FA4-917F-4B2F4A295C7D}"/>
               </a:ext>
             </a:extLst>
           </p:cNvPr>
@@ -30100,7 +30236,7 @@
           <p:cNvPr id="2052" name="Picture 4" descr="Image result for google">
             <a:extLst>
               <a:ext uri="{FF2B5EF4-FFF2-40B4-BE49-F238E27FC236}">
-                <a16:creationId xmlns="" xmlns:a16="http://schemas.microsoft.com/office/drawing/2014/main" id="{438DFBB1-BCAF-4232-8212-13512A523B87}"/>
+                <a16:creationId xmlns:a16="http://schemas.microsoft.com/office/drawing/2014/main" xmlns="" id="{438DFBB1-BCAF-4232-8212-13512A523B87}"/>
               </a:ext>
             </a:extLst>
           </p:cNvPr>
@@ -30145,7 +30281,7 @@
           <p:cNvPr id="2054" name="Picture 6" descr="Image result for amazon">
             <a:extLst>
               <a:ext uri="{FF2B5EF4-FFF2-40B4-BE49-F238E27FC236}">
-                <a16:creationId xmlns="" xmlns:a16="http://schemas.microsoft.com/office/drawing/2014/main" id="{0F346A9F-5169-48E9-BC8D-A7A5601546B4}"/>
+                <a16:creationId xmlns:a16="http://schemas.microsoft.com/office/drawing/2014/main" xmlns="" id="{0F346A9F-5169-48E9-BC8D-A7A5601546B4}"/>
               </a:ext>
             </a:extLst>
           </p:cNvPr>
@@ -30190,7 +30326,7 @@
           <p:cNvPr id="2056" name="Picture 8" descr="Image result for IBM">
             <a:extLst>
               <a:ext uri="{FF2B5EF4-FFF2-40B4-BE49-F238E27FC236}">
-                <a16:creationId xmlns="" xmlns:a16="http://schemas.microsoft.com/office/drawing/2014/main" id="{F4203440-F9CD-4A35-AECB-4F9069DDD8D8}"/>
+                <a16:creationId xmlns:a16="http://schemas.microsoft.com/office/drawing/2014/main" xmlns="" id="{F4203440-F9CD-4A35-AECB-4F9069DDD8D8}"/>
               </a:ext>
             </a:extLst>
           </p:cNvPr>
@@ -30237,7 +30373,7 @@
           <p:cNvPr id="2058" name="Picture 10" descr="Image result for microsoft">
             <a:extLst>
               <a:ext uri="{FF2B5EF4-FFF2-40B4-BE49-F238E27FC236}">
-                <a16:creationId xmlns="" xmlns:a16="http://schemas.microsoft.com/office/drawing/2014/main" id="{889DF1D8-7481-4A46-9FD7-52BAF8D9886D}"/>
+                <a16:creationId xmlns:a16="http://schemas.microsoft.com/office/drawing/2014/main" xmlns="" id="{889DF1D8-7481-4A46-9FD7-52BAF8D9886D}"/>
               </a:ext>
             </a:extLst>
           </p:cNvPr>
@@ -30282,7 +30418,7 @@
           <p:cNvPr id="2060" name="Picture 12" descr="Image result for nvidia">
             <a:extLst>
               <a:ext uri="{FF2B5EF4-FFF2-40B4-BE49-F238E27FC236}">
-                <a16:creationId xmlns="" xmlns:a16="http://schemas.microsoft.com/office/drawing/2014/main" id="{62F81BFB-278E-4928-A70C-E7AC83E93D8A}"/>
+                <a16:creationId xmlns:a16="http://schemas.microsoft.com/office/drawing/2014/main" xmlns="" id="{62F81BFB-278E-4928-A70C-E7AC83E93D8A}"/>
               </a:ext>
             </a:extLst>
           </p:cNvPr>
@@ -30329,7 +30465,7 @@
           <p:cNvPr id="2062" name="Picture 14" descr="Image result for apple">
             <a:extLst>
               <a:ext uri="{FF2B5EF4-FFF2-40B4-BE49-F238E27FC236}">
-                <a16:creationId xmlns="" xmlns:a16="http://schemas.microsoft.com/office/drawing/2014/main" id="{E6493393-D074-45B9-BE4A-3BA749178941}"/>
+                <a16:creationId xmlns:a16="http://schemas.microsoft.com/office/drawing/2014/main" xmlns="" id="{E6493393-D074-45B9-BE4A-3BA749178941}"/>
               </a:ext>
             </a:extLst>
           </p:cNvPr>
@@ -30374,7 +30510,7 @@
           <p:cNvPr id="4" name="Picture 2" descr="Image result for baidu">
             <a:extLst>
               <a:ext uri="{FF2B5EF4-FFF2-40B4-BE49-F238E27FC236}">
-                <a16:creationId xmlns="" xmlns:a16="http://schemas.microsoft.com/office/drawing/2014/main" id="{D995E053-2A75-4A0F-81A8-28CEE3F8C212}"/>
+                <a16:creationId xmlns:a16="http://schemas.microsoft.com/office/drawing/2014/main" xmlns="" id="{D995E053-2A75-4A0F-81A8-28CEE3F8C212}"/>
               </a:ext>
             </a:extLst>
           </p:cNvPr>
@@ -30421,7 +30557,7 @@
           <p:cNvPr id="5" name="Picture 4" descr="Image result for ericsson logo">
             <a:extLst>
               <a:ext uri="{FF2B5EF4-FFF2-40B4-BE49-F238E27FC236}">
-                <a16:creationId xmlns="" xmlns:a16="http://schemas.microsoft.com/office/drawing/2014/main" id="{D2E42DB6-DBED-40AD-BE13-35A320551592}"/>
+                <a16:creationId xmlns:a16="http://schemas.microsoft.com/office/drawing/2014/main" xmlns="" id="{D2E42DB6-DBED-40AD-BE13-35A320551592}"/>
               </a:ext>
             </a:extLst>
           </p:cNvPr>
@@ -30468,7 +30604,7 @@
           <p:cNvPr id="6" name="Picture 6" descr="Image result for qualcomm logo">
             <a:extLst>
               <a:ext uri="{FF2B5EF4-FFF2-40B4-BE49-F238E27FC236}">
-                <a16:creationId xmlns="" xmlns:a16="http://schemas.microsoft.com/office/drawing/2014/main" id="{16E08342-ACB0-45D6-9003-A412614BF63C}"/>
+                <a16:creationId xmlns:a16="http://schemas.microsoft.com/office/drawing/2014/main" xmlns="" id="{16E08342-ACB0-45D6-9003-A412614BF63C}"/>
               </a:ext>
             </a:extLst>
           </p:cNvPr>
@@ -30513,7 +30649,7 @@
           <p:cNvPr id="7" name="Picture 8" descr="Image result for huawei logo">
             <a:extLst>
               <a:ext uri="{FF2B5EF4-FFF2-40B4-BE49-F238E27FC236}">
-                <a16:creationId xmlns="" xmlns:a16="http://schemas.microsoft.com/office/drawing/2014/main" id="{4D4C2FC0-11E7-423E-ADFE-E40E3FBE955B}"/>
+                <a16:creationId xmlns:a16="http://schemas.microsoft.com/office/drawing/2014/main" xmlns="" id="{4D4C2FC0-11E7-423E-ADFE-E40E3FBE955B}"/>
               </a:ext>
             </a:extLst>
           </p:cNvPr>
@@ -31230,7 +31366,7 @@
             <p:cNvPr id="5" name="Agrupar 4">
               <a:extLst>
                 <a:ext uri="{FF2B5EF4-FFF2-40B4-BE49-F238E27FC236}">
-                  <a16:creationId xmlns="" xmlns:a16="http://schemas.microsoft.com/office/drawing/2014/main" id="{7463A6D3-5626-4043-85E5-66DFB2E72B8A}"/>
+                  <a16:creationId xmlns:a16="http://schemas.microsoft.com/office/drawing/2014/main" xmlns="" id="{7463A6D3-5626-4043-85E5-66DFB2E72B8A}"/>
                 </a:ext>
               </a:extLst>
             </p:cNvPr>
@@ -31250,7 +31386,7 @@
               <p:cNvPr id="11" name="Picture 2" descr="Image result for umbrella">
                 <a:extLst>
                   <a:ext uri="{FF2B5EF4-FFF2-40B4-BE49-F238E27FC236}">
-                    <a16:creationId xmlns="" xmlns:a16="http://schemas.microsoft.com/office/drawing/2014/main" id="{46CE05B1-E4CB-4173-8A0C-9C000F3F0A67}"/>
+                    <a16:creationId xmlns:a16="http://schemas.microsoft.com/office/drawing/2014/main" xmlns="" id="{46CE05B1-E4CB-4173-8A0C-9C000F3F0A67}"/>
                   </a:ext>
                 </a:extLst>
               </p:cNvPr>
@@ -31295,7 +31431,7 @@
               <p:cNvPr id="12" name="CaixaDeTexto 3">
                 <a:extLst>
                   <a:ext uri="{FF2B5EF4-FFF2-40B4-BE49-F238E27FC236}">
-                    <a16:creationId xmlns="" xmlns:a16="http://schemas.microsoft.com/office/drawing/2014/main" id="{CC08EDBF-9120-4A11-84A9-24A056EA1046}"/>
+                    <a16:creationId xmlns:a16="http://schemas.microsoft.com/office/drawing/2014/main" xmlns="" id="{CC08EDBF-9120-4A11-84A9-24A056EA1046}"/>
                   </a:ext>
                 </a:extLst>
               </p:cNvPr>
@@ -31552,7 +31688,7 @@
           <p:cNvPr id="2" name="Título 1">
             <a:extLst>
               <a:ext uri="{FF2B5EF4-FFF2-40B4-BE49-F238E27FC236}">
-                <a16:creationId xmlns="" xmlns:a16="http://schemas.microsoft.com/office/drawing/2014/main" id="{FDFF2B75-1942-4F18-A824-07C14E6E46AC}"/>
+                <a16:creationId xmlns:a16="http://schemas.microsoft.com/office/drawing/2014/main" xmlns="" id="{FDFF2B75-1942-4F18-A824-07C14E6E46AC}"/>
               </a:ext>
             </a:extLst>
           </p:cNvPr>
@@ -31588,7 +31724,7 @@
           <p:cNvPr id="3" name="Espaço Reservado para Conteúdo 2">
             <a:extLst>
               <a:ext uri="{FF2B5EF4-FFF2-40B4-BE49-F238E27FC236}">
-                <a16:creationId xmlns="" xmlns:a16="http://schemas.microsoft.com/office/drawing/2014/main" id="{AE5A5501-ABF4-4534-B552-5A90A1ACE78C}"/>
+                <a16:creationId xmlns:a16="http://schemas.microsoft.com/office/drawing/2014/main" xmlns="" id="{AE5A5501-ABF4-4534-B552-5A90A1ACE78C}"/>
               </a:ext>
             </a:extLst>
           </p:cNvPr>
@@ -31794,7 +31930,7 @@
           <p:cNvPr id="4104" name="Picture 8" descr="Image result for applications of artificial intelligence">
             <a:extLst>
               <a:ext uri="{FF2B5EF4-FFF2-40B4-BE49-F238E27FC236}">
-                <a16:creationId xmlns="" xmlns:a16="http://schemas.microsoft.com/office/drawing/2014/main" id="{030E6182-967A-44D7-8BED-F8E414DAE678}"/>
+                <a16:creationId xmlns:a16="http://schemas.microsoft.com/office/drawing/2014/main" xmlns="" id="{030E6182-967A-44D7-8BED-F8E414DAE678}"/>
               </a:ext>
             </a:extLst>
           </p:cNvPr>
@@ -31841,7 +31977,7 @@
           <p:cNvPr id="4098" name="Picture 2" descr="Image result for artificial intelligence">
             <a:extLst>
               <a:ext uri="{FF2B5EF4-FFF2-40B4-BE49-F238E27FC236}">
-                <a16:creationId xmlns="" xmlns:a16="http://schemas.microsoft.com/office/drawing/2014/main" id="{0DAEA2E1-C284-43E2-8055-9522C82515CA}"/>
+                <a16:creationId xmlns:a16="http://schemas.microsoft.com/office/drawing/2014/main" xmlns="" id="{0DAEA2E1-C284-43E2-8055-9522C82515CA}"/>
               </a:ext>
             </a:extLst>
           </p:cNvPr>
@@ -31888,7 +32024,7 @@
           <p:cNvPr id="7" name="Picture 2" descr="Image result for artificial intelligence goals">
             <a:extLst>
               <a:ext uri="{FF2B5EF4-FFF2-40B4-BE49-F238E27FC236}">
-                <a16:creationId xmlns="" xmlns:a16="http://schemas.microsoft.com/office/drawing/2014/main" id="{7FBD82B4-DA96-42DF-892E-B5268497AA3E}"/>
+                <a16:creationId xmlns:a16="http://schemas.microsoft.com/office/drawing/2014/main" xmlns="" id="{7FBD82B4-DA96-42DF-892E-B5268497AA3E}"/>
               </a:ext>
             </a:extLst>
           </p:cNvPr>

--- a/slides/T319_Introdução.pptx
+++ b/slides/T319_Introdução.pptx
@@ -43,8 +43,8 @@
     <p:sldId id="309" r:id="rId31"/>
     <p:sldId id="332" r:id="rId32"/>
     <p:sldId id="295" r:id="rId33"/>
-    <p:sldId id="296" r:id="rId34"/>
-    <p:sldId id="294" r:id="rId35"/>
+    <p:sldId id="294" r:id="rId34"/>
+    <p:sldId id="296" r:id="rId35"/>
     <p:sldId id="263" r:id="rId36"/>
     <p:sldId id="298" r:id="rId37"/>
     <p:sldId id="324" r:id="rId38"/>
@@ -315,7 +315,7 @@
           <a:p>
             <a:fld id="{144F1436-6906-4D93-B7A2-786C327BFA14}" type="datetimeFigureOut">
               <a:rPr lang="nl-BE" smtClean="0"/>
-              <a:t>13/08/2021</a:t>
+              <a:t>27/08/2021</a:t>
             </a:fld>
             <a:endParaRPr lang="nl-BE"/>
           </a:p>
@@ -480,7 +480,7 @@
           <a:p>
             <a:fld id="{AA8CD09E-2914-4F47-B6C1-51B2C31814C9}" type="datetimeFigureOut">
               <a:rPr lang="pt-BR" smtClean="0"/>
-              <a:t>13/08/2021</a:t>
+              <a:t>27/08/2021</a:t>
             </a:fld>
             <a:endParaRPr lang="pt-BR"/>
           </a:p>
@@ -1774,15 +1774,7 @@
             </a:r>
             <a:r>
               <a:rPr lang="pt-BR" sz="1200" dirty="0" smtClean="0"/>
-              <a:t>fraude bancária, </a:t>
-            </a:r>
-            <a:r>
-              <a:rPr lang="pt-BR" sz="1200" dirty="0" smtClean="0"/>
-              <a:t>fake news, defeito </a:t>
-            </a:r>
-            <a:r>
-              <a:rPr lang="pt-BR" sz="1200" dirty="0" smtClean="0"/>
-              <a:t>estrutural, problemas médicos, erros em um texto, controle de qualidade em fábricas, etc.</a:t>
+              <a:t>fraude bancária, fake news, defeito estrutural, problemas médicos, erros em um texto, controle de qualidade em fábricas, etc.</a:t>
             </a:r>
           </a:p>
           <a:p>
@@ -3200,19 +3192,7 @@
                 <a:ea typeface="+mn-ea"/>
                 <a:cs typeface="+mn-cs"/>
               </a:rPr>
-              <a:t>Heurística </a:t>
-            </a:r>
-            <a:r>
-              <a:rPr lang="pt-BR" sz="1200" b="0" i="0" kern="1200" dirty="0" smtClean="0">
-                <a:solidFill>
-                  <a:schemeClr val="tx1"/>
-                </a:solidFill>
-                <a:effectLst/>
-                <a:latin typeface="+mn-lt"/>
-                <a:ea typeface="+mn-ea"/>
-                <a:cs typeface="+mn-cs"/>
-              </a:rPr>
-              <a:t>é um método ou processo criado com o </a:t>
+              <a:t>Heurística é um método ou processo criado com o </a:t>
             </a:r>
             <a:r>
               <a:rPr lang="pt-BR" sz="1200" b="1" i="0" kern="1200" dirty="0" smtClean="0">
@@ -3673,11 +3653,7 @@
             </a:pPr>
             <a:r>
               <a:rPr lang="pt-BR" sz="1200" dirty="0" smtClean="0"/>
-              <a:t>As formigas ao procurarem por alimento deixam feromônios para que outras formigas possam </a:t>
-            </a:r>
-            <a:r>
-              <a:rPr lang="pt-BR" sz="1200" dirty="0" smtClean="0"/>
-              <a:t>segui-las.</a:t>
+              <a:t>As formigas ao procurarem por alimento deixam feromônios para que outras formigas possam segui-las.</a:t>
             </a:r>
             <a:r>
               <a:rPr lang="pt-BR" sz="1200" baseline="0" dirty="0" smtClean="0"/>
@@ -3687,7 +3663,6 @@
               <a:rPr lang="pt-BR" sz="1200" dirty="0" smtClean="0"/>
               <a:t>.</a:t>
             </a:r>
-            <a:endParaRPr lang="pt-BR" sz="1200" dirty="0" smtClean="0"/>
           </a:p>
         </p:txBody>
       </p:sp>
@@ -4070,6 +4045,238 @@
   <p:cSld>
     <p:spTree>
       <p:nvGrpSpPr>
+        <p:cNvPr id="1" name="Shape 380"/>
+        <p:cNvGrpSpPr/>
+        <p:nvPr/>
+      </p:nvGrpSpPr>
+      <p:grpSpPr>
+        <a:xfrm>
+          <a:off x="0" y="0"/>
+          <a:ext cx="0" cy="0"/>
+          <a:chOff x="0" y="0"/>
+          <a:chExt cx="0" cy="0"/>
+        </a:xfrm>
+      </p:grpSpPr>
+      <p:sp>
+        <p:nvSpPr>
+          <p:cNvPr id="381" name="Google Shape;381;g70582b999c_0_28:notes"/>
+          <p:cNvSpPr txBox="1">
+            <a:spLocks noGrp="1"/>
+          </p:cNvSpPr>
+          <p:nvPr>
+            <p:ph type="body" idx="1"/>
+          </p:nvPr>
+        </p:nvSpPr>
+        <p:spPr>
+          <a:xfrm>
+            <a:off x="685800" y="4400550"/>
+            <a:ext cx="5486400" cy="3600600"/>
+          </a:xfrm>
+          <a:prstGeom prst="rect">
+            <a:avLst/>
+          </a:prstGeom>
+        </p:spPr>
+        <p:txBody>
+          <a:bodyPr spcFirstLastPara="1" wrap="square" lIns="91425" tIns="45700" rIns="91425" bIns="45700" anchor="t" anchorCtr="0">
+            <a:noAutofit/>
+          </a:bodyPr>
+          <a:lstStyle/>
+          <a:p>
+            <a:pPr marL="0" marR="0" lvl="0" indent="0" algn="l" defTabSz="914400" rtl="0" eaLnBrk="1" fontAlgn="auto" latinLnBrk="0" hangingPunct="1">
+              <a:lnSpc>
+                <a:spcPct val="100000"/>
+              </a:lnSpc>
+              <a:spcBef>
+                <a:spcPts val="0"/>
+              </a:spcBef>
+              <a:spcAft>
+                <a:spcPts val="0"/>
+              </a:spcAft>
+              <a:buClrTx/>
+              <a:buSzTx/>
+              <a:buFontTx/>
+              <a:buNone/>
+              <a:tabLst/>
+              <a:defRPr/>
+            </a:pPr>
+            <a:r>
+              <a:rPr lang="pt-BR" sz="1200" b="1" dirty="0" smtClean="0"/>
+              <a:t>Exemplo</a:t>
+            </a:r>
+            <a:r>
+              <a:rPr lang="pt-BR" sz="1200" dirty="0" smtClean="0"/>
+              <a:t>: </a:t>
+            </a:r>
+          </a:p>
+          <a:p>
+            <a:pPr marL="0" marR="0" lvl="0" indent="0" algn="l" defTabSz="914400" rtl="0" eaLnBrk="1" fontAlgn="auto" latinLnBrk="0" hangingPunct="1">
+              <a:lnSpc>
+                <a:spcPct val="100000"/>
+              </a:lnSpc>
+              <a:spcBef>
+                <a:spcPts val="0"/>
+              </a:spcBef>
+              <a:spcAft>
+                <a:spcPts val="0"/>
+              </a:spcAft>
+              <a:buClrTx/>
+              <a:buSzTx/>
+              <a:buFontTx/>
+              <a:buNone/>
+              <a:tabLst/>
+              <a:defRPr/>
+            </a:pPr>
+            <a:endParaRPr lang="pt-BR" sz="1200" dirty="0" smtClean="0"/>
+          </a:p>
+          <a:p>
+            <a:pPr marL="0" marR="0" lvl="0" indent="0" algn="l" defTabSz="914400" rtl="0" eaLnBrk="1" fontAlgn="auto" latinLnBrk="0" hangingPunct="1">
+              <a:lnSpc>
+                <a:spcPct val="100000"/>
+              </a:lnSpc>
+              <a:spcBef>
+                <a:spcPts val="0"/>
+              </a:spcBef>
+              <a:spcAft>
+                <a:spcPts val="0"/>
+              </a:spcAft>
+              <a:buClrTx/>
+              <a:buSzTx/>
+              <a:buFontTx/>
+              <a:buNone/>
+              <a:tabLst/>
+              <a:defRPr/>
+            </a:pPr>
+            <a:r>
+              <a:rPr lang="pt-BR" sz="1200" dirty="0" smtClean="0"/>
+              <a:t>Binder: https://mybinder.org/v2/gh/zz4fap/t319_aprendizado_de_maquina/main?filepath=notebooks%2Fjupyter%2FAjuste_de_curva_com_Redes_Neurais.ipynb</a:t>
+            </a:r>
+          </a:p>
+          <a:p>
+            <a:pPr marL="0" lvl="0" indent="0" algn="l" rtl="0">
+              <a:spcBef>
+                <a:spcPts val="0"/>
+              </a:spcBef>
+              <a:spcAft>
+                <a:spcPts val="0"/>
+              </a:spcAft>
+              <a:buNone/>
+            </a:pPr>
+            <a:endParaRPr lang="pt-BR" sz="1200" dirty="0" smtClean="0">
+              <a:solidFill>
+                <a:srgbClr val="222222"/>
+              </a:solidFill>
+              <a:highlight>
+                <a:srgbClr val="FFFFFF"/>
+              </a:highlight>
+              <a:latin typeface="Arial"/>
+              <a:ea typeface="Arial"/>
+              <a:cs typeface="Arial"/>
+              <a:sym typeface="Arial"/>
+            </a:endParaRPr>
+          </a:p>
+          <a:p>
+            <a:pPr marL="0" lvl="0" indent="0" algn="l" rtl="0">
+              <a:spcBef>
+                <a:spcPts val="0"/>
+              </a:spcBef>
+              <a:spcAft>
+                <a:spcPts val="0"/>
+              </a:spcAft>
+              <a:buNone/>
+            </a:pPr>
+            <a:r>
+              <a:rPr lang="pt-BR" sz="1200" dirty="0" smtClean="0">
+                <a:solidFill>
+                  <a:srgbClr val="222222"/>
+                </a:solidFill>
+                <a:highlight>
+                  <a:srgbClr val="FFFFFF"/>
+                </a:highlight>
+                <a:latin typeface="Arial"/>
+                <a:ea typeface="Arial"/>
+                <a:cs typeface="Arial"/>
+                <a:sym typeface="Arial"/>
+              </a:rPr>
+              <a:t>Colab: </a:t>
+            </a:r>
+            <a:r>
+              <a:rPr lang="pt-BR" sz="1200" dirty="0" smtClean="0"/>
+              <a:t>https://colab.research.google.com/github/zz4fap/t319_aprendizado_de_maquina/blob/main/notebooks/jupyter/Ajuste_de_curva_com_Redes_Neurais.ipynb</a:t>
+            </a:r>
+            <a:endParaRPr sz="1200" dirty="0">
+              <a:solidFill>
+                <a:srgbClr val="222222"/>
+              </a:solidFill>
+              <a:highlight>
+                <a:srgbClr val="FFFFFF"/>
+              </a:highlight>
+              <a:latin typeface="Arial"/>
+              <a:ea typeface="Arial"/>
+              <a:cs typeface="Arial"/>
+              <a:sym typeface="Arial"/>
+            </a:endParaRPr>
+          </a:p>
+        </p:txBody>
+      </p:sp>
+      <p:sp>
+        <p:nvSpPr>
+          <p:cNvPr id="382" name="Google Shape;382;g70582b999c_0_28:notes"/>
+          <p:cNvSpPr>
+            <a:spLocks noGrp="1" noRot="1" noChangeAspect="1"/>
+          </p:cNvSpPr>
+          <p:nvPr>
+            <p:ph type="sldImg" idx="2"/>
+          </p:nvPr>
+        </p:nvSpPr>
+        <p:spPr>
+          <a:xfrm>
+            <a:off x="685800" y="1143000"/>
+            <a:ext cx="5486400" cy="3086100"/>
+          </a:xfrm>
+          <a:custGeom>
+            <a:avLst/>
+            <a:gdLst/>
+            <a:ahLst/>
+            <a:cxnLst/>
+            <a:rect l="l" t="t" r="r" b="b"/>
+            <a:pathLst>
+              <a:path w="120000" h="120000" extrusionOk="0">
+                <a:moveTo>
+                  <a:pt x="0" y="0"/>
+                </a:moveTo>
+                <a:lnTo>
+                  <a:pt x="120000" y="0"/>
+                </a:lnTo>
+                <a:lnTo>
+                  <a:pt x="120000" y="120000"/>
+                </a:lnTo>
+                <a:lnTo>
+                  <a:pt x="0" y="120000"/>
+                </a:lnTo>
+                <a:close/>
+              </a:path>
+            </a:pathLst>
+          </a:custGeom>
+        </p:spPr>
+      </p:sp>
+    </p:spTree>
+    <p:extLst>
+      <p:ext uri="{BB962C8B-B14F-4D97-AF65-F5344CB8AC3E}">
+        <p14:creationId xmlns:p14="http://schemas.microsoft.com/office/powerpoint/2010/main" val="1694727514"/>
+      </p:ext>
+    </p:extLst>
+  </p:cSld>
+  <p:clrMapOvr>
+    <a:masterClrMapping/>
+  </p:clrMapOvr>
+</p:notes>
+</file>
+
+<file path=ppt/notesSlides/notesSlide25.xml><?xml version="1.0" encoding="utf-8"?>
+<p:notes xmlns:a="http://schemas.openxmlformats.org/drawingml/2006/main" xmlns:r="http://schemas.openxmlformats.org/officeDocument/2006/relationships" xmlns:p="http://schemas.openxmlformats.org/presentationml/2006/main" showMasterSp="0" showMasterPhAnim="0">
+  <p:cSld>
+    <p:spTree>
+      <p:nvGrpSpPr>
         <p:cNvPr id="1" name="Shape 366"/>
         <p:cNvGrpSpPr/>
         <p:nvPr/>
@@ -4287,238 +4494,6 @@
     <p:extLst>
       <p:ext uri="{BB962C8B-B14F-4D97-AF65-F5344CB8AC3E}">
         <p14:creationId xmlns:p14="http://schemas.microsoft.com/office/powerpoint/2010/main" val="837467083"/>
-      </p:ext>
-    </p:extLst>
-  </p:cSld>
-  <p:clrMapOvr>
-    <a:masterClrMapping/>
-  </p:clrMapOvr>
-</p:notes>
-</file>
-
-<file path=ppt/notesSlides/notesSlide25.xml><?xml version="1.0" encoding="utf-8"?>
-<p:notes xmlns:a="http://schemas.openxmlformats.org/drawingml/2006/main" xmlns:r="http://schemas.openxmlformats.org/officeDocument/2006/relationships" xmlns:p="http://schemas.openxmlformats.org/presentationml/2006/main" showMasterSp="0" showMasterPhAnim="0">
-  <p:cSld>
-    <p:spTree>
-      <p:nvGrpSpPr>
-        <p:cNvPr id="1" name="Shape 380"/>
-        <p:cNvGrpSpPr/>
-        <p:nvPr/>
-      </p:nvGrpSpPr>
-      <p:grpSpPr>
-        <a:xfrm>
-          <a:off x="0" y="0"/>
-          <a:ext cx="0" cy="0"/>
-          <a:chOff x="0" y="0"/>
-          <a:chExt cx="0" cy="0"/>
-        </a:xfrm>
-      </p:grpSpPr>
-      <p:sp>
-        <p:nvSpPr>
-          <p:cNvPr id="381" name="Google Shape;381;g70582b999c_0_28:notes"/>
-          <p:cNvSpPr txBox="1">
-            <a:spLocks noGrp="1"/>
-          </p:cNvSpPr>
-          <p:nvPr>
-            <p:ph type="body" idx="1"/>
-          </p:nvPr>
-        </p:nvSpPr>
-        <p:spPr>
-          <a:xfrm>
-            <a:off x="685800" y="4400550"/>
-            <a:ext cx="5486400" cy="3600600"/>
-          </a:xfrm>
-          <a:prstGeom prst="rect">
-            <a:avLst/>
-          </a:prstGeom>
-        </p:spPr>
-        <p:txBody>
-          <a:bodyPr spcFirstLastPara="1" wrap="square" lIns="91425" tIns="45700" rIns="91425" bIns="45700" anchor="t" anchorCtr="0">
-            <a:noAutofit/>
-          </a:bodyPr>
-          <a:lstStyle/>
-          <a:p>
-            <a:pPr marL="0" marR="0" lvl="0" indent="0" algn="l" defTabSz="914400" rtl="0" eaLnBrk="1" fontAlgn="auto" latinLnBrk="0" hangingPunct="1">
-              <a:lnSpc>
-                <a:spcPct val="100000"/>
-              </a:lnSpc>
-              <a:spcBef>
-                <a:spcPts val="0"/>
-              </a:spcBef>
-              <a:spcAft>
-                <a:spcPts val="0"/>
-              </a:spcAft>
-              <a:buClrTx/>
-              <a:buSzTx/>
-              <a:buFontTx/>
-              <a:buNone/>
-              <a:tabLst/>
-              <a:defRPr/>
-            </a:pPr>
-            <a:r>
-              <a:rPr lang="pt-BR" sz="1200" b="1" dirty="0" smtClean="0"/>
-              <a:t>Exemplo</a:t>
-            </a:r>
-            <a:r>
-              <a:rPr lang="pt-BR" sz="1200" dirty="0" smtClean="0"/>
-              <a:t>: </a:t>
-            </a:r>
-          </a:p>
-          <a:p>
-            <a:pPr marL="0" marR="0" lvl="0" indent="0" algn="l" defTabSz="914400" rtl="0" eaLnBrk="1" fontAlgn="auto" latinLnBrk="0" hangingPunct="1">
-              <a:lnSpc>
-                <a:spcPct val="100000"/>
-              </a:lnSpc>
-              <a:spcBef>
-                <a:spcPts val="0"/>
-              </a:spcBef>
-              <a:spcAft>
-                <a:spcPts val="0"/>
-              </a:spcAft>
-              <a:buClrTx/>
-              <a:buSzTx/>
-              <a:buFontTx/>
-              <a:buNone/>
-              <a:tabLst/>
-              <a:defRPr/>
-            </a:pPr>
-            <a:endParaRPr lang="pt-BR" sz="1200" dirty="0" smtClean="0"/>
-          </a:p>
-          <a:p>
-            <a:pPr marL="0" marR="0" lvl="0" indent="0" algn="l" defTabSz="914400" rtl="0" eaLnBrk="1" fontAlgn="auto" latinLnBrk="0" hangingPunct="1">
-              <a:lnSpc>
-                <a:spcPct val="100000"/>
-              </a:lnSpc>
-              <a:spcBef>
-                <a:spcPts val="0"/>
-              </a:spcBef>
-              <a:spcAft>
-                <a:spcPts val="0"/>
-              </a:spcAft>
-              <a:buClrTx/>
-              <a:buSzTx/>
-              <a:buFontTx/>
-              <a:buNone/>
-              <a:tabLst/>
-              <a:defRPr/>
-            </a:pPr>
-            <a:r>
-              <a:rPr lang="pt-BR" sz="1200" dirty="0" smtClean="0"/>
-              <a:t>Binder: https://mybinder.org/v2/gh/zz4fap/t319_aprendizado_de_maquina/main?filepath=notebooks%2Fjupyter%2FAjuste_de_curva_com_Redes_Neurais.ipynb</a:t>
-            </a:r>
-          </a:p>
-          <a:p>
-            <a:pPr marL="0" lvl="0" indent="0" algn="l" rtl="0">
-              <a:spcBef>
-                <a:spcPts val="0"/>
-              </a:spcBef>
-              <a:spcAft>
-                <a:spcPts val="0"/>
-              </a:spcAft>
-              <a:buNone/>
-            </a:pPr>
-            <a:endParaRPr lang="pt-BR" sz="1200" dirty="0" smtClean="0">
-              <a:solidFill>
-                <a:srgbClr val="222222"/>
-              </a:solidFill>
-              <a:highlight>
-                <a:srgbClr val="FFFFFF"/>
-              </a:highlight>
-              <a:latin typeface="Arial"/>
-              <a:ea typeface="Arial"/>
-              <a:cs typeface="Arial"/>
-              <a:sym typeface="Arial"/>
-            </a:endParaRPr>
-          </a:p>
-          <a:p>
-            <a:pPr marL="0" lvl="0" indent="0" algn="l" rtl="0">
-              <a:spcBef>
-                <a:spcPts val="0"/>
-              </a:spcBef>
-              <a:spcAft>
-                <a:spcPts val="0"/>
-              </a:spcAft>
-              <a:buNone/>
-            </a:pPr>
-            <a:r>
-              <a:rPr lang="pt-BR" sz="1200" dirty="0" smtClean="0">
-                <a:solidFill>
-                  <a:srgbClr val="222222"/>
-                </a:solidFill>
-                <a:highlight>
-                  <a:srgbClr val="FFFFFF"/>
-                </a:highlight>
-                <a:latin typeface="Arial"/>
-                <a:ea typeface="Arial"/>
-                <a:cs typeface="Arial"/>
-                <a:sym typeface="Arial"/>
-              </a:rPr>
-              <a:t>Colab: </a:t>
-            </a:r>
-            <a:r>
-              <a:rPr lang="pt-BR" sz="1200" dirty="0" smtClean="0"/>
-              <a:t>https://colab.research.google.com/github/zz4fap/t319_aprendizado_de_maquina/blob/main/notebooks/jupyter/Ajuste_de_curva_com_Redes_Neurais.ipynb</a:t>
-            </a:r>
-            <a:endParaRPr sz="1200" dirty="0">
-              <a:solidFill>
-                <a:srgbClr val="222222"/>
-              </a:solidFill>
-              <a:highlight>
-                <a:srgbClr val="FFFFFF"/>
-              </a:highlight>
-              <a:latin typeface="Arial"/>
-              <a:ea typeface="Arial"/>
-              <a:cs typeface="Arial"/>
-              <a:sym typeface="Arial"/>
-            </a:endParaRPr>
-          </a:p>
-        </p:txBody>
-      </p:sp>
-      <p:sp>
-        <p:nvSpPr>
-          <p:cNvPr id="382" name="Google Shape;382;g70582b999c_0_28:notes"/>
-          <p:cNvSpPr>
-            <a:spLocks noGrp="1" noRot="1" noChangeAspect="1"/>
-          </p:cNvSpPr>
-          <p:nvPr>
-            <p:ph type="sldImg" idx="2"/>
-          </p:nvPr>
-        </p:nvSpPr>
-        <p:spPr>
-          <a:xfrm>
-            <a:off x="685800" y="1143000"/>
-            <a:ext cx="5486400" cy="3086100"/>
-          </a:xfrm>
-          <a:custGeom>
-            <a:avLst/>
-            <a:gdLst/>
-            <a:ahLst/>
-            <a:cxnLst/>
-            <a:rect l="l" t="t" r="r" b="b"/>
-            <a:pathLst>
-              <a:path w="120000" h="120000" extrusionOk="0">
-                <a:moveTo>
-                  <a:pt x="0" y="0"/>
-                </a:moveTo>
-                <a:lnTo>
-                  <a:pt x="120000" y="0"/>
-                </a:lnTo>
-                <a:lnTo>
-                  <a:pt x="120000" y="120000"/>
-                </a:lnTo>
-                <a:lnTo>
-                  <a:pt x="0" y="120000"/>
-                </a:lnTo>
-                <a:close/>
-              </a:path>
-            </a:pathLst>
-          </a:custGeom>
-        </p:spPr>
-      </p:sp>
-    </p:spTree>
-    <p:extLst>
-      <p:ext uri="{BB962C8B-B14F-4D97-AF65-F5344CB8AC3E}">
-        <p14:creationId xmlns:p14="http://schemas.microsoft.com/office/powerpoint/2010/main" val="1694727514"/>
       </p:ext>
     </p:extLst>
   </p:cSld>
@@ -5390,19 +5365,7 @@
               <a:rPr lang="pt-BR" sz="1200" b="0" baseline="0" dirty="0" smtClean="0">
                 <a:cs typeface="Calibri"/>
               </a:rPr>
-              <a:t>: lida com o design e construção de máquinas que executam uma tarefa específica sem terem sido explicitamente programadas para isso. Exemplos: algoritmo de recomendações do netflix, carro autômato, etc. Esses algortimos aprendem </a:t>
-            </a:r>
-            <a:r>
-              <a:rPr lang="pt-BR" sz="1200" b="0" baseline="0" dirty="0" smtClean="0">
-                <a:cs typeface="Calibri"/>
-              </a:rPr>
-              <a:t>através da </a:t>
-            </a:r>
-            <a:r>
-              <a:rPr lang="pt-BR" sz="1200" b="0" baseline="0" dirty="0" smtClean="0">
-                <a:cs typeface="Calibri"/>
-              </a:rPr>
-              <a:t>experiência.</a:t>
+              <a:t>: lida com o design e construção de máquinas que executam uma tarefa específica sem terem sido explicitamente programadas para isso. Exemplos: algoritmo de recomendações do netflix, carro autômato, etc. Esses algortimos aprendem através da experiência.</a:t>
             </a:r>
           </a:p>
           <a:p>
@@ -6236,7 +6199,7 @@
           <p:cNvPr id="2" name="Título 1">
             <a:extLst>
               <a:ext uri="{FF2B5EF4-FFF2-40B4-BE49-F238E27FC236}">
-                <a16:creationId xmlns:a16="http://schemas.microsoft.com/office/drawing/2014/main" xmlns="" id="{1DB9B4FF-B06E-403C-A326-BDC64D8FF94E}"/>
+                <a16:creationId xmlns="" xmlns:a16="http://schemas.microsoft.com/office/drawing/2014/main" id="{1DB9B4FF-B06E-403C-A326-BDC64D8FF94E}"/>
               </a:ext>
             </a:extLst>
           </p:cNvPr>
@@ -6273,7 +6236,7 @@
           <p:cNvPr id="3" name="Subtítulo 2">
             <a:extLst>
               <a:ext uri="{FF2B5EF4-FFF2-40B4-BE49-F238E27FC236}">
-                <a16:creationId xmlns:a16="http://schemas.microsoft.com/office/drawing/2014/main" xmlns="" id="{247BDFCE-746E-45BF-A319-4733D58D1632}"/>
+                <a16:creationId xmlns="" xmlns:a16="http://schemas.microsoft.com/office/drawing/2014/main" id="{247BDFCE-746E-45BF-A319-4733D58D1632}"/>
               </a:ext>
             </a:extLst>
           </p:cNvPr>
@@ -6343,7 +6306,7 @@
           <p:cNvPr id="4" name="Espaço Reservado para Data 3">
             <a:extLst>
               <a:ext uri="{FF2B5EF4-FFF2-40B4-BE49-F238E27FC236}">
-                <a16:creationId xmlns:a16="http://schemas.microsoft.com/office/drawing/2014/main" xmlns="" id="{9EDE2778-5372-4104-B96D-968184DA8288}"/>
+                <a16:creationId xmlns="" xmlns:a16="http://schemas.microsoft.com/office/drawing/2014/main" id="{9EDE2778-5372-4104-B96D-968184DA8288}"/>
               </a:ext>
             </a:extLst>
           </p:cNvPr>
@@ -6361,7 +6324,7 @@
           <a:p>
             <a:fld id="{63289F7E-B80B-496E-81B4-D396C37C9454}" type="datetimeFigureOut">
               <a:rPr lang="pt-BR" smtClean="0"/>
-              <a:t>13/08/2021</a:t>
+              <a:t>27/08/2021</a:t>
             </a:fld>
             <a:endParaRPr lang="pt-BR"/>
           </a:p>
@@ -6372,7 +6335,7 @@
           <p:cNvPr id="5" name="Espaço Reservado para Rodapé 4">
             <a:extLst>
               <a:ext uri="{FF2B5EF4-FFF2-40B4-BE49-F238E27FC236}">
-                <a16:creationId xmlns:a16="http://schemas.microsoft.com/office/drawing/2014/main" xmlns="" id="{C1DD0F41-C861-4051-988D-3024A37A4B93}"/>
+                <a16:creationId xmlns="" xmlns:a16="http://schemas.microsoft.com/office/drawing/2014/main" id="{C1DD0F41-C861-4051-988D-3024A37A4B93}"/>
               </a:ext>
             </a:extLst>
           </p:cNvPr>
@@ -6397,7 +6360,7 @@
           <p:cNvPr id="6" name="Espaço Reservado para Número de Slide 5">
             <a:extLst>
               <a:ext uri="{FF2B5EF4-FFF2-40B4-BE49-F238E27FC236}">
-                <a16:creationId xmlns:a16="http://schemas.microsoft.com/office/drawing/2014/main" xmlns="" id="{07E5967E-D980-431A-A5DB-3F0C5030A81E}"/>
+                <a16:creationId xmlns="" xmlns:a16="http://schemas.microsoft.com/office/drawing/2014/main" id="{07E5967E-D980-431A-A5DB-3F0C5030A81E}"/>
               </a:ext>
             </a:extLst>
           </p:cNvPr>
@@ -6456,7 +6419,7 @@
           <p:cNvPr id="2" name="Título 1">
             <a:extLst>
               <a:ext uri="{FF2B5EF4-FFF2-40B4-BE49-F238E27FC236}">
-                <a16:creationId xmlns:a16="http://schemas.microsoft.com/office/drawing/2014/main" xmlns="" id="{9036C49F-3E68-4175-81BA-3C3FEE44308A}"/>
+                <a16:creationId xmlns="" xmlns:a16="http://schemas.microsoft.com/office/drawing/2014/main" id="{9036C49F-3E68-4175-81BA-3C3FEE44308A}"/>
               </a:ext>
             </a:extLst>
           </p:cNvPr>
@@ -6484,7 +6447,7 @@
           <p:cNvPr id="3" name="Espaço Reservado para Texto Vertical 2">
             <a:extLst>
               <a:ext uri="{FF2B5EF4-FFF2-40B4-BE49-F238E27FC236}">
-                <a16:creationId xmlns:a16="http://schemas.microsoft.com/office/drawing/2014/main" xmlns="" id="{426FA736-3DD3-4D4E-B57B-BBE1D8F7D424}"/>
+                <a16:creationId xmlns="" xmlns:a16="http://schemas.microsoft.com/office/drawing/2014/main" id="{426FA736-3DD3-4D4E-B57B-BBE1D8F7D424}"/>
               </a:ext>
             </a:extLst>
           </p:cNvPr>
@@ -6541,7 +6504,7 @@
           <p:cNvPr id="4" name="Espaço Reservado para Data 3">
             <a:extLst>
               <a:ext uri="{FF2B5EF4-FFF2-40B4-BE49-F238E27FC236}">
-                <a16:creationId xmlns:a16="http://schemas.microsoft.com/office/drawing/2014/main" xmlns="" id="{99E8855C-D8FD-48F6-B14E-861E0DE4D915}"/>
+                <a16:creationId xmlns="" xmlns:a16="http://schemas.microsoft.com/office/drawing/2014/main" id="{99E8855C-D8FD-48F6-B14E-861E0DE4D915}"/>
               </a:ext>
             </a:extLst>
           </p:cNvPr>
@@ -6559,7 +6522,7 @@
           <a:p>
             <a:fld id="{63289F7E-B80B-496E-81B4-D396C37C9454}" type="datetimeFigureOut">
               <a:rPr lang="pt-BR" smtClean="0"/>
-              <a:t>13/08/2021</a:t>
+              <a:t>27/08/2021</a:t>
             </a:fld>
             <a:endParaRPr lang="pt-BR"/>
           </a:p>
@@ -6570,7 +6533,7 @@
           <p:cNvPr id="5" name="Espaço Reservado para Rodapé 4">
             <a:extLst>
               <a:ext uri="{FF2B5EF4-FFF2-40B4-BE49-F238E27FC236}">
-                <a16:creationId xmlns:a16="http://schemas.microsoft.com/office/drawing/2014/main" xmlns="" id="{97C0BB88-2F21-42A5-ACFF-83DA47F2D340}"/>
+                <a16:creationId xmlns="" xmlns:a16="http://schemas.microsoft.com/office/drawing/2014/main" id="{97C0BB88-2F21-42A5-ACFF-83DA47F2D340}"/>
               </a:ext>
             </a:extLst>
           </p:cNvPr>
@@ -6595,7 +6558,7 @@
           <p:cNvPr id="6" name="Espaço Reservado para Número de Slide 5">
             <a:extLst>
               <a:ext uri="{FF2B5EF4-FFF2-40B4-BE49-F238E27FC236}">
-                <a16:creationId xmlns:a16="http://schemas.microsoft.com/office/drawing/2014/main" xmlns="" id="{6CB462B3-1F22-4C05-B4B8-7A279FB7D5E9}"/>
+                <a16:creationId xmlns="" xmlns:a16="http://schemas.microsoft.com/office/drawing/2014/main" id="{6CB462B3-1F22-4C05-B4B8-7A279FB7D5E9}"/>
               </a:ext>
             </a:extLst>
           </p:cNvPr>
@@ -6654,7 +6617,7 @@
           <p:cNvPr id="2" name="Título Vertical 1">
             <a:extLst>
               <a:ext uri="{FF2B5EF4-FFF2-40B4-BE49-F238E27FC236}">
-                <a16:creationId xmlns:a16="http://schemas.microsoft.com/office/drawing/2014/main" xmlns="" id="{EAEAB728-701C-4207-A9D5-23FF45C60502}"/>
+                <a16:creationId xmlns="" xmlns:a16="http://schemas.microsoft.com/office/drawing/2014/main" id="{EAEAB728-701C-4207-A9D5-23FF45C60502}"/>
               </a:ext>
             </a:extLst>
           </p:cNvPr>
@@ -6687,7 +6650,7 @@
           <p:cNvPr id="3" name="Espaço Reservado para Texto Vertical 2">
             <a:extLst>
               <a:ext uri="{FF2B5EF4-FFF2-40B4-BE49-F238E27FC236}">
-                <a16:creationId xmlns:a16="http://schemas.microsoft.com/office/drawing/2014/main" xmlns="" id="{BA8C8CCF-7823-480A-9A19-0F664DD17E3B}"/>
+                <a16:creationId xmlns="" xmlns:a16="http://schemas.microsoft.com/office/drawing/2014/main" id="{BA8C8CCF-7823-480A-9A19-0F664DD17E3B}"/>
               </a:ext>
             </a:extLst>
           </p:cNvPr>
@@ -6749,7 +6712,7 @@
           <p:cNvPr id="4" name="Espaço Reservado para Data 3">
             <a:extLst>
               <a:ext uri="{FF2B5EF4-FFF2-40B4-BE49-F238E27FC236}">
-                <a16:creationId xmlns:a16="http://schemas.microsoft.com/office/drawing/2014/main" xmlns="" id="{721D5734-7B1F-425D-942F-6EB73344027C}"/>
+                <a16:creationId xmlns="" xmlns:a16="http://schemas.microsoft.com/office/drawing/2014/main" id="{721D5734-7B1F-425D-942F-6EB73344027C}"/>
               </a:ext>
             </a:extLst>
           </p:cNvPr>
@@ -6767,7 +6730,7 @@
           <a:p>
             <a:fld id="{63289F7E-B80B-496E-81B4-D396C37C9454}" type="datetimeFigureOut">
               <a:rPr lang="pt-BR" smtClean="0"/>
-              <a:t>13/08/2021</a:t>
+              <a:t>27/08/2021</a:t>
             </a:fld>
             <a:endParaRPr lang="pt-BR"/>
           </a:p>
@@ -6778,7 +6741,7 @@
           <p:cNvPr id="5" name="Espaço Reservado para Rodapé 4">
             <a:extLst>
               <a:ext uri="{FF2B5EF4-FFF2-40B4-BE49-F238E27FC236}">
-                <a16:creationId xmlns:a16="http://schemas.microsoft.com/office/drawing/2014/main" xmlns="" id="{1E1AAEAC-F08D-45FE-89EC-B1B349A868C9}"/>
+                <a16:creationId xmlns="" xmlns:a16="http://schemas.microsoft.com/office/drawing/2014/main" id="{1E1AAEAC-F08D-45FE-89EC-B1B349A868C9}"/>
               </a:ext>
             </a:extLst>
           </p:cNvPr>
@@ -6803,7 +6766,7 @@
           <p:cNvPr id="6" name="Espaço Reservado para Número de Slide 5">
             <a:extLst>
               <a:ext uri="{FF2B5EF4-FFF2-40B4-BE49-F238E27FC236}">
-                <a16:creationId xmlns:a16="http://schemas.microsoft.com/office/drawing/2014/main" xmlns="" id="{BAA44493-9911-47B2-87A6-C2141A972BC8}"/>
+                <a16:creationId xmlns="" xmlns:a16="http://schemas.microsoft.com/office/drawing/2014/main" id="{BAA44493-9911-47B2-87A6-C2141A972BC8}"/>
               </a:ext>
             </a:extLst>
           </p:cNvPr>
@@ -6862,7 +6825,7 @@
           <p:cNvPr id="2" name="Título 1">
             <a:extLst>
               <a:ext uri="{FF2B5EF4-FFF2-40B4-BE49-F238E27FC236}">
-                <a16:creationId xmlns:a16="http://schemas.microsoft.com/office/drawing/2014/main" xmlns="" id="{71BD44A5-8F21-4626-A01D-48A1C874B1D5}"/>
+                <a16:creationId xmlns="" xmlns:a16="http://schemas.microsoft.com/office/drawing/2014/main" id="{71BD44A5-8F21-4626-A01D-48A1C874B1D5}"/>
               </a:ext>
             </a:extLst>
           </p:cNvPr>
@@ -6890,7 +6853,7 @@
           <p:cNvPr id="3" name="Espaço Reservado para Conteúdo 2">
             <a:extLst>
               <a:ext uri="{FF2B5EF4-FFF2-40B4-BE49-F238E27FC236}">
-                <a16:creationId xmlns:a16="http://schemas.microsoft.com/office/drawing/2014/main" xmlns="" id="{B79E8085-65A9-48AA-951D-71D978BFF4ED}"/>
+                <a16:creationId xmlns="" xmlns:a16="http://schemas.microsoft.com/office/drawing/2014/main" id="{B79E8085-65A9-48AA-951D-71D978BFF4ED}"/>
               </a:ext>
             </a:extLst>
           </p:cNvPr>
@@ -6947,7 +6910,7 @@
           <p:cNvPr id="4" name="Espaço Reservado para Data 3">
             <a:extLst>
               <a:ext uri="{FF2B5EF4-FFF2-40B4-BE49-F238E27FC236}">
-                <a16:creationId xmlns:a16="http://schemas.microsoft.com/office/drawing/2014/main" xmlns="" id="{F05BE1AF-51EA-425D-B188-DE7BD675009F}"/>
+                <a16:creationId xmlns="" xmlns:a16="http://schemas.microsoft.com/office/drawing/2014/main" id="{F05BE1AF-51EA-425D-B188-DE7BD675009F}"/>
               </a:ext>
             </a:extLst>
           </p:cNvPr>
@@ -6965,7 +6928,7 @@
           <a:p>
             <a:fld id="{63289F7E-B80B-496E-81B4-D396C37C9454}" type="datetimeFigureOut">
               <a:rPr lang="pt-BR" smtClean="0"/>
-              <a:t>13/08/2021</a:t>
+              <a:t>27/08/2021</a:t>
             </a:fld>
             <a:endParaRPr lang="pt-BR"/>
           </a:p>
@@ -6976,7 +6939,7 @@
           <p:cNvPr id="5" name="Espaço Reservado para Rodapé 4">
             <a:extLst>
               <a:ext uri="{FF2B5EF4-FFF2-40B4-BE49-F238E27FC236}">
-                <a16:creationId xmlns:a16="http://schemas.microsoft.com/office/drawing/2014/main" xmlns="" id="{121BE632-29CF-4CB9-B365-C9EF38F89BE6}"/>
+                <a16:creationId xmlns="" xmlns:a16="http://schemas.microsoft.com/office/drawing/2014/main" id="{121BE632-29CF-4CB9-B365-C9EF38F89BE6}"/>
               </a:ext>
             </a:extLst>
           </p:cNvPr>
@@ -7001,7 +6964,7 @@
           <p:cNvPr id="6" name="Espaço Reservado para Número de Slide 5">
             <a:extLst>
               <a:ext uri="{FF2B5EF4-FFF2-40B4-BE49-F238E27FC236}">
-                <a16:creationId xmlns:a16="http://schemas.microsoft.com/office/drawing/2014/main" xmlns="" id="{60CF3DD1-9AEC-4A57-B461-4E4DD86FAC18}"/>
+                <a16:creationId xmlns="" xmlns:a16="http://schemas.microsoft.com/office/drawing/2014/main" id="{60CF3DD1-9AEC-4A57-B461-4E4DD86FAC18}"/>
               </a:ext>
             </a:extLst>
           </p:cNvPr>
@@ -7060,7 +7023,7 @@
           <p:cNvPr id="2" name="Título 1">
             <a:extLst>
               <a:ext uri="{FF2B5EF4-FFF2-40B4-BE49-F238E27FC236}">
-                <a16:creationId xmlns:a16="http://schemas.microsoft.com/office/drawing/2014/main" xmlns="" id="{34AB2FF0-A4D7-4E28-991D-FF26140D5988}"/>
+                <a16:creationId xmlns="" xmlns:a16="http://schemas.microsoft.com/office/drawing/2014/main" id="{34AB2FF0-A4D7-4E28-991D-FF26140D5988}"/>
               </a:ext>
             </a:extLst>
           </p:cNvPr>
@@ -7097,7 +7060,7 @@
           <p:cNvPr id="3" name="Espaço Reservado para Texto 2">
             <a:extLst>
               <a:ext uri="{FF2B5EF4-FFF2-40B4-BE49-F238E27FC236}">
-                <a16:creationId xmlns:a16="http://schemas.microsoft.com/office/drawing/2014/main" xmlns="" id="{E2AC45B0-4145-40DB-8E61-105461170604}"/>
+                <a16:creationId xmlns="" xmlns:a16="http://schemas.microsoft.com/office/drawing/2014/main" id="{E2AC45B0-4145-40DB-8E61-105461170604}"/>
               </a:ext>
             </a:extLst>
           </p:cNvPr>
@@ -7222,7 +7185,7 @@
           <p:cNvPr id="4" name="Espaço Reservado para Data 3">
             <a:extLst>
               <a:ext uri="{FF2B5EF4-FFF2-40B4-BE49-F238E27FC236}">
-                <a16:creationId xmlns:a16="http://schemas.microsoft.com/office/drawing/2014/main" xmlns="" id="{50F1D3FB-740A-4EBA-A309-2CE71D12ECFB}"/>
+                <a16:creationId xmlns="" xmlns:a16="http://schemas.microsoft.com/office/drawing/2014/main" id="{50F1D3FB-740A-4EBA-A309-2CE71D12ECFB}"/>
               </a:ext>
             </a:extLst>
           </p:cNvPr>
@@ -7240,7 +7203,7 @@
           <a:p>
             <a:fld id="{63289F7E-B80B-496E-81B4-D396C37C9454}" type="datetimeFigureOut">
               <a:rPr lang="pt-BR" smtClean="0"/>
-              <a:t>13/08/2021</a:t>
+              <a:t>27/08/2021</a:t>
             </a:fld>
             <a:endParaRPr lang="pt-BR"/>
           </a:p>
@@ -7251,7 +7214,7 @@
           <p:cNvPr id="5" name="Espaço Reservado para Rodapé 4">
             <a:extLst>
               <a:ext uri="{FF2B5EF4-FFF2-40B4-BE49-F238E27FC236}">
-                <a16:creationId xmlns:a16="http://schemas.microsoft.com/office/drawing/2014/main" xmlns="" id="{BDCAB18F-8715-4465-A940-F9C193A2ACE9}"/>
+                <a16:creationId xmlns="" xmlns:a16="http://schemas.microsoft.com/office/drawing/2014/main" id="{BDCAB18F-8715-4465-A940-F9C193A2ACE9}"/>
               </a:ext>
             </a:extLst>
           </p:cNvPr>
@@ -7276,7 +7239,7 @@
           <p:cNvPr id="6" name="Espaço Reservado para Número de Slide 5">
             <a:extLst>
               <a:ext uri="{FF2B5EF4-FFF2-40B4-BE49-F238E27FC236}">
-                <a16:creationId xmlns:a16="http://schemas.microsoft.com/office/drawing/2014/main" xmlns="" id="{353466C6-8248-429F-8056-FF040BF509EB}"/>
+                <a16:creationId xmlns="" xmlns:a16="http://schemas.microsoft.com/office/drawing/2014/main" id="{353466C6-8248-429F-8056-FF040BF509EB}"/>
               </a:ext>
             </a:extLst>
           </p:cNvPr>
@@ -7335,7 +7298,7 @@
           <p:cNvPr id="2" name="Título 1">
             <a:extLst>
               <a:ext uri="{FF2B5EF4-FFF2-40B4-BE49-F238E27FC236}">
-                <a16:creationId xmlns:a16="http://schemas.microsoft.com/office/drawing/2014/main" xmlns="" id="{BC7BB9F0-F14B-4A91-B2B7-35BC47FE4DE7}"/>
+                <a16:creationId xmlns="" xmlns:a16="http://schemas.microsoft.com/office/drawing/2014/main" id="{BC7BB9F0-F14B-4A91-B2B7-35BC47FE4DE7}"/>
               </a:ext>
             </a:extLst>
           </p:cNvPr>
@@ -7363,7 +7326,7 @@
           <p:cNvPr id="3" name="Espaço Reservado para Conteúdo 2">
             <a:extLst>
               <a:ext uri="{FF2B5EF4-FFF2-40B4-BE49-F238E27FC236}">
-                <a16:creationId xmlns:a16="http://schemas.microsoft.com/office/drawing/2014/main" xmlns="" id="{EC1FC1C4-73DA-47A6-8496-B0B457F7D39A}"/>
+                <a16:creationId xmlns="" xmlns:a16="http://schemas.microsoft.com/office/drawing/2014/main" id="{EC1FC1C4-73DA-47A6-8496-B0B457F7D39A}"/>
               </a:ext>
             </a:extLst>
           </p:cNvPr>
@@ -7425,7 +7388,7 @@
           <p:cNvPr id="4" name="Espaço Reservado para Conteúdo 3">
             <a:extLst>
               <a:ext uri="{FF2B5EF4-FFF2-40B4-BE49-F238E27FC236}">
-                <a16:creationId xmlns:a16="http://schemas.microsoft.com/office/drawing/2014/main" xmlns="" id="{E92F06A8-A449-4D92-9912-76873E529B38}"/>
+                <a16:creationId xmlns="" xmlns:a16="http://schemas.microsoft.com/office/drawing/2014/main" id="{E92F06A8-A449-4D92-9912-76873E529B38}"/>
               </a:ext>
             </a:extLst>
           </p:cNvPr>
@@ -7487,7 +7450,7 @@
           <p:cNvPr id="5" name="Espaço Reservado para Data 4">
             <a:extLst>
               <a:ext uri="{FF2B5EF4-FFF2-40B4-BE49-F238E27FC236}">
-                <a16:creationId xmlns:a16="http://schemas.microsoft.com/office/drawing/2014/main" xmlns="" id="{938070A4-BC2F-4D55-BD8D-DEAF11BB9EE9}"/>
+                <a16:creationId xmlns="" xmlns:a16="http://schemas.microsoft.com/office/drawing/2014/main" id="{938070A4-BC2F-4D55-BD8D-DEAF11BB9EE9}"/>
               </a:ext>
             </a:extLst>
           </p:cNvPr>
@@ -7505,7 +7468,7 @@
           <a:p>
             <a:fld id="{63289F7E-B80B-496E-81B4-D396C37C9454}" type="datetimeFigureOut">
               <a:rPr lang="pt-BR" smtClean="0"/>
-              <a:t>13/08/2021</a:t>
+              <a:t>27/08/2021</a:t>
             </a:fld>
             <a:endParaRPr lang="pt-BR"/>
           </a:p>
@@ -7516,7 +7479,7 @@
           <p:cNvPr id="6" name="Espaço Reservado para Rodapé 5">
             <a:extLst>
               <a:ext uri="{FF2B5EF4-FFF2-40B4-BE49-F238E27FC236}">
-                <a16:creationId xmlns:a16="http://schemas.microsoft.com/office/drawing/2014/main" xmlns="" id="{45CC2DB8-844A-465F-BA9A-7734C80C7F43}"/>
+                <a16:creationId xmlns="" xmlns:a16="http://schemas.microsoft.com/office/drawing/2014/main" id="{45CC2DB8-844A-465F-BA9A-7734C80C7F43}"/>
               </a:ext>
             </a:extLst>
           </p:cNvPr>
@@ -7541,7 +7504,7 @@
           <p:cNvPr id="7" name="Espaço Reservado para Número de Slide 6">
             <a:extLst>
               <a:ext uri="{FF2B5EF4-FFF2-40B4-BE49-F238E27FC236}">
-                <a16:creationId xmlns:a16="http://schemas.microsoft.com/office/drawing/2014/main" xmlns="" id="{4CC606A8-097B-4040-94E0-CD8C88280D8F}"/>
+                <a16:creationId xmlns="" xmlns:a16="http://schemas.microsoft.com/office/drawing/2014/main" id="{4CC606A8-097B-4040-94E0-CD8C88280D8F}"/>
               </a:ext>
             </a:extLst>
           </p:cNvPr>
@@ -7600,7 +7563,7 @@
           <p:cNvPr id="2" name="Título 1">
             <a:extLst>
               <a:ext uri="{FF2B5EF4-FFF2-40B4-BE49-F238E27FC236}">
-                <a16:creationId xmlns:a16="http://schemas.microsoft.com/office/drawing/2014/main" xmlns="" id="{76D66686-0143-4CB6-8C09-BA326F1E7ACA}"/>
+                <a16:creationId xmlns="" xmlns:a16="http://schemas.microsoft.com/office/drawing/2014/main" id="{76D66686-0143-4CB6-8C09-BA326F1E7ACA}"/>
               </a:ext>
             </a:extLst>
           </p:cNvPr>
@@ -7633,7 +7596,7 @@
           <p:cNvPr id="3" name="Espaço Reservado para Texto 2">
             <a:extLst>
               <a:ext uri="{FF2B5EF4-FFF2-40B4-BE49-F238E27FC236}">
-                <a16:creationId xmlns:a16="http://schemas.microsoft.com/office/drawing/2014/main" xmlns="" id="{0227AB85-F59E-4BCE-B846-4FA0992C2F23}"/>
+                <a16:creationId xmlns="" xmlns:a16="http://schemas.microsoft.com/office/drawing/2014/main" id="{0227AB85-F59E-4BCE-B846-4FA0992C2F23}"/>
               </a:ext>
             </a:extLst>
           </p:cNvPr>
@@ -7704,7 +7667,7 @@
           <p:cNvPr id="4" name="Espaço Reservado para Conteúdo 3">
             <a:extLst>
               <a:ext uri="{FF2B5EF4-FFF2-40B4-BE49-F238E27FC236}">
-                <a16:creationId xmlns:a16="http://schemas.microsoft.com/office/drawing/2014/main" xmlns="" id="{3373456C-7319-4D0A-827D-D29F6B083F5D}"/>
+                <a16:creationId xmlns="" xmlns:a16="http://schemas.microsoft.com/office/drawing/2014/main" id="{3373456C-7319-4D0A-827D-D29F6B083F5D}"/>
               </a:ext>
             </a:extLst>
           </p:cNvPr>
@@ -7766,7 +7729,7 @@
           <p:cNvPr id="5" name="Espaço Reservado para Texto 4">
             <a:extLst>
               <a:ext uri="{FF2B5EF4-FFF2-40B4-BE49-F238E27FC236}">
-                <a16:creationId xmlns:a16="http://schemas.microsoft.com/office/drawing/2014/main" xmlns="" id="{4CD109D0-2E83-4262-8029-A871CEC47406}"/>
+                <a16:creationId xmlns="" xmlns:a16="http://schemas.microsoft.com/office/drawing/2014/main" id="{4CD109D0-2E83-4262-8029-A871CEC47406}"/>
               </a:ext>
             </a:extLst>
           </p:cNvPr>
@@ -7837,7 +7800,7 @@
           <p:cNvPr id="6" name="Espaço Reservado para Conteúdo 5">
             <a:extLst>
               <a:ext uri="{FF2B5EF4-FFF2-40B4-BE49-F238E27FC236}">
-                <a16:creationId xmlns:a16="http://schemas.microsoft.com/office/drawing/2014/main" xmlns="" id="{AD706E3A-CFBB-4A6C-A65F-D0360A9E74FE}"/>
+                <a16:creationId xmlns="" xmlns:a16="http://schemas.microsoft.com/office/drawing/2014/main" id="{AD706E3A-CFBB-4A6C-A65F-D0360A9E74FE}"/>
               </a:ext>
             </a:extLst>
           </p:cNvPr>
@@ -7899,7 +7862,7 @@
           <p:cNvPr id="7" name="Espaço Reservado para Data 6">
             <a:extLst>
               <a:ext uri="{FF2B5EF4-FFF2-40B4-BE49-F238E27FC236}">
-                <a16:creationId xmlns:a16="http://schemas.microsoft.com/office/drawing/2014/main" xmlns="" id="{4172C0E5-5AF0-4805-BB51-443733CD2BD5}"/>
+                <a16:creationId xmlns="" xmlns:a16="http://schemas.microsoft.com/office/drawing/2014/main" id="{4172C0E5-5AF0-4805-BB51-443733CD2BD5}"/>
               </a:ext>
             </a:extLst>
           </p:cNvPr>
@@ -7917,7 +7880,7 @@
           <a:p>
             <a:fld id="{63289F7E-B80B-496E-81B4-D396C37C9454}" type="datetimeFigureOut">
               <a:rPr lang="pt-BR" smtClean="0"/>
-              <a:t>13/08/2021</a:t>
+              <a:t>27/08/2021</a:t>
             </a:fld>
             <a:endParaRPr lang="pt-BR"/>
           </a:p>
@@ -7928,7 +7891,7 @@
           <p:cNvPr id="8" name="Espaço Reservado para Rodapé 7">
             <a:extLst>
               <a:ext uri="{FF2B5EF4-FFF2-40B4-BE49-F238E27FC236}">
-                <a16:creationId xmlns:a16="http://schemas.microsoft.com/office/drawing/2014/main" xmlns="" id="{0E801648-156F-497E-99CF-797DF48051E1}"/>
+                <a16:creationId xmlns="" xmlns:a16="http://schemas.microsoft.com/office/drawing/2014/main" id="{0E801648-156F-497E-99CF-797DF48051E1}"/>
               </a:ext>
             </a:extLst>
           </p:cNvPr>
@@ -7953,7 +7916,7 @@
           <p:cNvPr id="9" name="Espaço Reservado para Número de Slide 8">
             <a:extLst>
               <a:ext uri="{FF2B5EF4-FFF2-40B4-BE49-F238E27FC236}">
-                <a16:creationId xmlns:a16="http://schemas.microsoft.com/office/drawing/2014/main" xmlns="" id="{EEE23D32-80E7-4796-A137-66BF842E4B53}"/>
+                <a16:creationId xmlns="" xmlns:a16="http://schemas.microsoft.com/office/drawing/2014/main" id="{EEE23D32-80E7-4796-A137-66BF842E4B53}"/>
               </a:ext>
             </a:extLst>
           </p:cNvPr>
@@ -8012,7 +7975,7 @@
           <p:cNvPr id="2" name="Título 1">
             <a:extLst>
               <a:ext uri="{FF2B5EF4-FFF2-40B4-BE49-F238E27FC236}">
-                <a16:creationId xmlns:a16="http://schemas.microsoft.com/office/drawing/2014/main" xmlns="" id="{2BCE2379-C78F-47E1-8CFC-B846E7AF148D}"/>
+                <a16:creationId xmlns="" xmlns:a16="http://schemas.microsoft.com/office/drawing/2014/main" id="{2BCE2379-C78F-47E1-8CFC-B846E7AF148D}"/>
               </a:ext>
             </a:extLst>
           </p:cNvPr>
@@ -8040,7 +8003,7 @@
           <p:cNvPr id="3" name="Espaço Reservado para Data 2">
             <a:extLst>
               <a:ext uri="{FF2B5EF4-FFF2-40B4-BE49-F238E27FC236}">
-                <a16:creationId xmlns:a16="http://schemas.microsoft.com/office/drawing/2014/main" xmlns="" id="{342600A9-7F92-4E22-9D94-E4717252A817}"/>
+                <a16:creationId xmlns="" xmlns:a16="http://schemas.microsoft.com/office/drawing/2014/main" id="{342600A9-7F92-4E22-9D94-E4717252A817}"/>
               </a:ext>
             </a:extLst>
           </p:cNvPr>
@@ -8058,7 +8021,7 @@
           <a:p>
             <a:fld id="{63289F7E-B80B-496E-81B4-D396C37C9454}" type="datetimeFigureOut">
               <a:rPr lang="pt-BR" smtClean="0"/>
-              <a:t>13/08/2021</a:t>
+              <a:t>27/08/2021</a:t>
             </a:fld>
             <a:endParaRPr lang="pt-BR"/>
           </a:p>
@@ -8069,7 +8032,7 @@
           <p:cNvPr id="4" name="Espaço Reservado para Rodapé 3">
             <a:extLst>
               <a:ext uri="{FF2B5EF4-FFF2-40B4-BE49-F238E27FC236}">
-                <a16:creationId xmlns:a16="http://schemas.microsoft.com/office/drawing/2014/main" xmlns="" id="{192E6BED-F546-40CC-A2DF-99CBA853654E}"/>
+                <a16:creationId xmlns="" xmlns:a16="http://schemas.microsoft.com/office/drawing/2014/main" id="{192E6BED-F546-40CC-A2DF-99CBA853654E}"/>
               </a:ext>
             </a:extLst>
           </p:cNvPr>
@@ -8094,7 +8057,7 @@
           <p:cNvPr id="5" name="Espaço Reservado para Número de Slide 4">
             <a:extLst>
               <a:ext uri="{FF2B5EF4-FFF2-40B4-BE49-F238E27FC236}">
-                <a16:creationId xmlns:a16="http://schemas.microsoft.com/office/drawing/2014/main" xmlns="" id="{6091CC40-A8C4-4063-80EB-CC5099621678}"/>
+                <a16:creationId xmlns="" xmlns:a16="http://schemas.microsoft.com/office/drawing/2014/main" id="{6091CC40-A8C4-4063-80EB-CC5099621678}"/>
               </a:ext>
             </a:extLst>
           </p:cNvPr>
@@ -8153,7 +8116,7 @@
           <p:cNvPr id="2" name="Espaço Reservado para Data 1">
             <a:extLst>
               <a:ext uri="{FF2B5EF4-FFF2-40B4-BE49-F238E27FC236}">
-                <a16:creationId xmlns:a16="http://schemas.microsoft.com/office/drawing/2014/main" xmlns="" id="{DD19515C-212C-4EAE-84A3-8FF4BC844F1B}"/>
+                <a16:creationId xmlns="" xmlns:a16="http://schemas.microsoft.com/office/drawing/2014/main" id="{DD19515C-212C-4EAE-84A3-8FF4BC844F1B}"/>
               </a:ext>
             </a:extLst>
           </p:cNvPr>
@@ -8171,7 +8134,7 @@
           <a:p>
             <a:fld id="{63289F7E-B80B-496E-81B4-D396C37C9454}" type="datetimeFigureOut">
               <a:rPr lang="pt-BR" smtClean="0"/>
-              <a:t>13/08/2021</a:t>
+              <a:t>27/08/2021</a:t>
             </a:fld>
             <a:endParaRPr lang="pt-BR"/>
           </a:p>
@@ -8182,7 +8145,7 @@
           <p:cNvPr id="3" name="Espaço Reservado para Rodapé 2">
             <a:extLst>
               <a:ext uri="{FF2B5EF4-FFF2-40B4-BE49-F238E27FC236}">
-                <a16:creationId xmlns:a16="http://schemas.microsoft.com/office/drawing/2014/main" xmlns="" id="{94D3D120-B3E8-4C96-861D-7A4F12F49B3A}"/>
+                <a16:creationId xmlns="" xmlns:a16="http://schemas.microsoft.com/office/drawing/2014/main" id="{94D3D120-B3E8-4C96-861D-7A4F12F49B3A}"/>
               </a:ext>
             </a:extLst>
           </p:cNvPr>
@@ -8207,7 +8170,7 @@
           <p:cNvPr id="4" name="Espaço Reservado para Número de Slide 3">
             <a:extLst>
               <a:ext uri="{FF2B5EF4-FFF2-40B4-BE49-F238E27FC236}">
-                <a16:creationId xmlns:a16="http://schemas.microsoft.com/office/drawing/2014/main" xmlns="" id="{42E49B68-FA1B-468B-9F17-D5C09243D454}"/>
+                <a16:creationId xmlns="" xmlns:a16="http://schemas.microsoft.com/office/drawing/2014/main" id="{42E49B68-FA1B-468B-9F17-D5C09243D454}"/>
               </a:ext>
             </a:extLst>
           </p:cNvPr>
@@ -8266,7 +8229,7 @@
           <p:cNvPr id="2" name="Título 1">
             <a:extLst>
               <a:ext uri="{FF2B5EF4-FFF2-40B4-BE49-F238E27FC236}">
-                <a16:creationId xmlns:a16="http://schemas.microsoft.com/office/drawing/2014/main" xmlns="" id="{1C17BCBE-A897-4319-85EC-D87909C24980}"/>
+                <a16:creationId xmlns="" xmlns:a16="http://schemas.microsoft.com/office/drawing/2014/main" id="{1C17BCBE-A897-4319-85EC-D87909C24980}"/>
               </a:ext>
             </a:extLst>
           </p:cNvPr>
@@ -8303,7 +8266,7 @@
           <p:cNvPr id="3" name="Espaço Reservado para Conteúdo 2">
             <a:extLst>
               <a:ext uri="{FF2B5EF4-FFF2-40B4-BE49-F238E27FC236}">
-                <a16:creationId xmlns:a16="http://schemas.microsoft.com/office/drawing/2014/main" xmlns="" id="{4226F885-0204-4913-868B-4B8B82576F17}"/>
+                <a16:creationId xmlns="" xmlns:a16="http://schemas.microsoft.com/office/drawing/2014/main" id="{4226F885-0204-4913-868B-4B8B82576F17}"/>
               </a:ext>
             </a:extLst>
           </p:cNvPr>
@@ -8393,7 +8356,7 @@
           <p:cNvPr id="4" name="Espaço Reservado para Texto 3">
             <a:extLst>
               <a:ext uri="{FF2B5EF4-FFF2-40B4-BE49-F238E27FC236}">
-                <a16:creationId xmlns:a16="http://schemas.microsoft.com/office/drawing/2014/main" xmlns="" id="{00F9F784-A858-441B-8AB5-697098141751}"/>
+                <a16:creationId xmlns="" xmlns:a16="http://schemas.microsoft.com/office/drawing/2014/main" id="{00F9F784-A858-441B-8AB5-697098141751}"/>
               </a:ext>
             </a:extLst>
           </p:cNvPr>
@@ -8464,7 +8427,7 @@
           <p:cNvPr id="5" name="Espaço Reservado para Data 4">
             <a:extLst>
               <a:ext uri="{FF2B5EF4-FFF2-40B4-BE49-F238E27FC236}">
-                <a16:creationId xmlns:a16="http://schemas.microsoft.com/office/drawing/2014/main" xmlns="" id="{A4DC363A-5000-472E-8B17-02E7DCB8840A}"/>
+                <a16:creationId xmlns="" xmlns:a16="http://schemas.microsoft.com/office/drawing/2014/main" id="{A4DC363A-5000-472E-8B17-02E7DCB8840A}"/>
               </a:ext>
             </a:extLst>
           </p:cNvPr>
@@ -8482,7 +8445,7 @@
           <a:p>
             <a:fld id="{63289F7E-B80B-496E-81B4-D396C37C9454}" type="datetimeFigureOut">
               <a:rPr lang="pt-BR" smtClean="0"/>
-              <a:t>13/08/2021</a:t>
+              <a:t>27/08/2021</a:t>
             </a:fld>
             <a:endParaRPr lang="pt-BR"/>
           </a:p>
@@ -8493,7 +8456,7 @@
           <p:cNvPr id="6" name="Espaço Reservado para Rodapé 5">
             <a:extLst>
               <a:ext uri="{FF2B5EF4-FFF2-40B4-BE49-F238E27FC236}">
-                <a16:creationId xmlns:a16="http://schemas.microsoft.com/office/drawing/2014/main" xmlns="" id="{5548425D-2C21-4C56-BAD4-662978775C28}"/>
+                <a16:creationId xmlns="" xmlns:a16="http://schemas.microsoft.com/office/drawing/2014/main" id="{5548425D-2C21-4C56-BAD4-662978775C28}"/>
               </a:ext>
             </a:extLst>
           </p:cNvPr>
@@ -8518,7 +8481,7 @@
           <p:cNvPr id="7" name="Espaço Reservado para Número de Slide 6">
             <a:extLst>
               <a:ext uri="{FF2B5EF4-FFF2-40B4-BE49-F238E27FC236}">
-                <a16:creationId xmlns:a16="http://schemas.microsoft.com/office/drawing/2014/main" xmlns="" id="{C63E9726-E64C-42B2-AE8A-8C235A956B48}"/>
+                <a16:creationId xmlns="" xmlns:a16="http://schemas.microsoft.com/office/drawing/2014/main" id="{C63E9726-E64C-42B2-AE8A-8C235A956B48}"/>
               </a:ext>
             </a:extLst>
           </p:cNvPr>
@@ -8577,7 +8540,7 @@
           <p:cNvPr id="2" name="Título 1">
             <a:extLst>
               <a:ext uri="{FF2B5EF4-FFF2-40B4-BE49-F238E27FC236}">
-                <a16:creationId xmlns:a16="http://schemas.microsoft.com/office/drawing/2014/main" xmlns="" id="{11086A78-3E74-450C-96A6-CA8AC37AF772}"/>
+                <a16:creationId xmlns="" xmlns:a16="http://schemas.microsoft.com/office/drawing/2014/main" id="{11086A78-3E74-450C-96A6-CA8AC37AF772}"/>
               </a:ext>
             </a:extLst>
           </p:cNvPr>
@@ -8614,7 +8577,7 @@
           <p:cNvPr id="3" name="Espaço Reservado para Imagem 2">
             <a:extLst>
               <a:ext uri="{FF2B5EF4-FFF2-40B4-BE49-F238E27FC236}">
-                <a16:creationId xmlns:a16="http://schemas.microsoft.com/office/drawing/2014/main" xmlns="" id="{5F5B7312-975A-4DBC-9B2F-3652ADA006FD}"/>
+                <a16:creationId xmlns="" xmlns:a16="http://schemas.microsoft.com/office/drawing/2014/main" id="{5F5B7312-975A-4DBC-9B2F-3652ADA006FD}"/>
               </a:ext>
             </a:extLst>
           </p:cNvPr>
@@ -8681,7 +8644,7 @@
           <p:cNvPr id="4" name="Espaço Reservado para Texto 3">
             <a:extLst>
               <a:ext uri="{FF2B5EF4-FFF2-40B4-BE49-F238E27FC236}">
-                <a16:creationId xmlns:a16="http://schemas.microsoft.com/office/drawing/2014/main" xmlns="" id="{AAF805F5-1DFF-41C6-944C-7D79FE0D0963}"/>
+                <a16:creationId xmlns="" xmlns:a16="http://schemas.microsoft.com/office/drawing/2014/main" id="{AAF805F5-1DFF-41C6-944C-7D79FE0D0963}"/>
               </a:ext>
             </a:extLst>
           </p:cNvPr>
@@ -8752,7 +8715,7 @@
           <p:cNvPr id="5" name="Espaço Reservado para Data 4">
             <a:extLst>
               <a:ext uri="{FF2B5EF4-FFF2-40B4-BE49-F238E27FC236}">
-                <a16:creationId xmlns:a16="http://schemas.microsoft.com/office/drawing/2014/main" xmlns="" id="{02113D81-8665-4516-BD81-C6A1F254EECD}"/>
+                <a16:creationId xmlns="" xmlns:a16="http://schemas.microsoft.com/office/drawing/2014/main" id="{02113D81-8665-4516-BD81-C6A1F254EECD}"/>
               </a:ext>
             </a:extLst>
           </p:cNvPr>
@@ -8770,7 +8733,7 @@
           <a:p>
             <a:fld id="{63289F7E-B80B-496E-81B4-D396C37C9454}" type="datetimeFigureOut">
               <a:rPr lang="pt-BR" smtClean="0"/>
-              <a:t>13/08/2021</a:t>
+              <a:t>27/08/2021</a:t>
             </a:fld>
             <a:endParaRPr lang="pt-BR"/>
           </a:p>
@@ -8781,7 +8744,7 @@
           <p:cNvPr id="6" name="Espaço Reservado para Rodapé 5">
             <a:extLst>
               <a:ext uri="{FF2B5EF4-FFF2-40B4-BE49-F238E27FC236}">
-                <a16:creationId xmlns:a16="http://schemas.microsoft.com/office/drawing/2014/main" xmlns="" id="{2B00C88B-FF32-40AA-A187-727D96FD7862}"/>
+                <a16:creationId xmlns="" xmlns:a16="http://schemas.microsoft.com/office/drawing/2014/main" id="{2B00C88B-FF32-40AA-A187-727D96FD7862}"/>
               </a:ext>
             </a:extLst>
           </p:cNvPr>
@@ -8806,7 +8769,7 @@
           <p:cNvPr id="7" name="Espaço Reservado para Número de Slide 6">
             <a:extLst>
               <a:ext uri="{FF2B5EF4-FFF2-40B4-BE49-F238E27FC236}">
-                <a16:creationId xmlns:a16="http://schemas.microsoft.com/office/drawing/2014/main" xmlns="" id="{A04D1A2D-69F7-4B8F-A730-BC26DC340BA6}"/>
+                <a16:creationId xmlns="" xmlns:a16="http://schemas.microsoft.com/office/drawing/2014/main" id="{A04D1A2D-69F7-4B8F-A730-BC26DC340BA6}"/>
               </a:ext>
             </a:extLst>
           </p:cNvPr>
@@ -8870,7 +8833,7 @@
           <p:cNvPr id="2" name="Espaço Reservado para Título 1">
             <a:extLst>
               <a:ext uri="{FF2B5EF4-FFF2-40B4-BE49-F238E27FC236}">
-                <a16:creationId xmlns:a16="http://schemas.microsoft.com/office/drawing/2014/main" xmlns="" id="{E69A0273-1966-4A1B-9370-4C1CE5036371}"/>
+                <a16:creationId xmlns="" xmlns:a16="http://schemas.microsoft.com/office/drawing/2014/main" id="{E69A0273-1966-4A1B-9370-4C1CE5036371}"/>
               </a:ext>
             </a:extLst>
           </p:cNvPr>
@@ -8908,7 +8871,7 @@
           <p:cNvPr id="3" name="Espaço Reservado para Texto 2">
             <a:extLst>
               <a:ext uri="{FF2B5EF4-FFF2-40B4-BE49-F238E27FC236}">
-                <a16:creationId xmlns:a16="http://schemas.microsoft.com/office/drawing/2014/main" xmlns="" id="{3B9CF87A-0448-49A7-AB25-EBC1D56A40EF}"/>
+                <a16:creationId xmlns="" xmlns:a16="http://schemas.microsoft.com/office/drawing/2014/main" id="{3B9CF87A-0448-49A7-AB25-EBC1D56A40EF}"/>
               </a:ext>
             </a:extLst>
           </p:cNvPr>
@@ -8975,7 +8938,7 @@
           <p:cNvPr id="4" name="Espaço Reservado para Data 3">
             <a:extLst>
               <a:ext uri="{FF2B5EF4-FFF2-40B4-BE49-F238E27FC236}">
-                <a16:creationId xmlns:a16="http://schemas.microsoft.com/office/drawing/2014/main" xmlns="" id="{2EF7B1F2-BB5A-44D0-816D-16AD2C71430E}"/>
+                <a16:creationId xmlns="" xmlns:a16="http://schemas.microsoft.com/office/drawing/2014/main" id="{2EF7B1F2-BB5A-44D0-816D-16AD2C71430E}"/>
               </a:ext>
             </a:extLst>
           </p:cNvPr>
@@ -9011,7 +8974,7 @@
           <a:p>
             <a:fld id="{63289F7E-B80B-496E-81B4-D396C37C9454}" type="datetimeFigureOut">
               <a:rPr lang="pt-BR" smtClean="0"/>
-              <a:t>13/08/2021</a:t>
+              <a:t>27/08/2021</a:t>
             </a:fld>
             <a:endParaRPr lang="pt-BR"/>
           </a:p>
@@ -9022,7 +8985,7 @@
           <p:cNvPr id="5" name="Espaço Reservado para Rodapé 4">
             <a:extLst>
               <a:ext uri="{FF2B5EF4-FFF2-40B4-BE49-F238E27FC236}">
-                <a16:creationId xmlns:a16="http://schemas.microsoft.com/office/drawing/2014/main" xmlns="" id="{C703F94C-2CC8-4DAA-BC35-14FC3E841DCD}"/>
+                <a16:creationId xmlns="" xmlns:a16="http://schemas.microsoft.com/office/drawing/2014/main" id="{C703F94C-2CC8-4DAA-BC35-14FC3E841DCD}"/>
               </a:ext>
             </a:extLst>
           </p:cNvPr>
@@ -9065,7 +9028,7 @@
           <p:cNvPr id="6" name="Espaço Reservado para Número de Slide 5">
             <a:extLst>
               <a:ext uri="{FF2B5EF4-FFF2-40B4-BE49-F238E27FC236}">
-                <a16:creationId xmlns:a16="http://schemas.microsoft.com/office/drawing/2014/main" xmlns="" id="{64051336-7048-457A-8B61-D94291D71648}"/>
+                <a16:creationId xmlns="" xmlns:a16="http://schemas.microsoft.com/office/drawing/2014/main" id="{64051336-7048-457A-8B61-D94291D71648}"/>
               </a:ext>
             </a:extLst>
           </p:cNvPr>
@@ -9433,7 +9396,7 @@
           <p:cNvPr id="2" name="Título 1">
             <a:extLst>
               <a:ext uri="{FF2B5EF4-FFF2-40B4-BE49-F238E27FC236}">
-                <a16:creationId xmlns:a16="http://schemas.microsoft.com/office/drawing/2014/main" xmlns="" id="{32666AC8-2E17-4DB4-B0F5-60C640CCFD2E}"/>
+                <a16:creationId xmlns="" xmlns:a16="http://schemas.microsoft.com/office/drawing/2014/main" id="{32666AC8-2E17-4DB4-B0F5-60C640CCFD2E}"/>
               </a:ext>
             </a:extLst>
           </p:cNvPr>
@@ -9480,7 +9443,7 @@
           <p:cNvPr id="4" name="CaixaDeTexto 3">
             <a:extLst>
               <a:ext uri="{FF2B5EF4-FFF2-40B4-BE49-F238E27FC236}">
-                <a16:creationId xmlns:a16="http://schemas.microsoft.com/office/drawing/2014/main" xmlns="" id="{430EB894-B7D4-434C-9D1A-A14094D9BEEC}"/>
+                <a16:creationId xmlns="" xmlns:a16="http://schemas.microsoft.com/office/drawing/2014/main" id="{430EB894-B7D4-434C-9D1A-A14094D9BEEC}"/>
               </a:ext>
             </a:extLst>
           </p:cNvPr>
@@ -9521,7 +9484,7 @@
           <p:cNvPr id="1026" name="Picture 2" descr="Logo">
             <a:extLst>
               <a:ext uri="{FF2B5EF4-FFF2-40B4-BE49-F238E27FC236}">
-                <a16:creationId xmlns:a16="http://schemas.microsoft.com/office/drawing/2014/main" xmlns="" id="{3F2642E0-4F6A-4196-8F58-E77D36E9A33F}"/>
+                <a16:creationId xmlns="" xmlns:a16="http://schemas.microsoft.com/office/drawing/2014/main" id="{3F2642E0-4F6A-4196-8F58-E77D36E9A33F}"/>
               </a:ext>
             </a:extLst>
           </p:cNvPr>
@@ -9566,7 +9529,7 @@
           <p:cNvPr id="5122" name="Picture 2" descr="Image result for machine learning">
             <a:extLst>
               <a:ext uri="{FF2B5EF4-FFF2-40B4-BE49-F238E27FC236}">
-                <a16:creationId xmlns:a16="http://schemas.microsoft.com/office/drawing/2014/main" xmlns="" id="{810CE0A2-4102-44A6-A370-175E7896CDCB}"/>
+                <a16:creationId xmlns="" xmlns:a16="http://schemas.microsoft.com/office/drawing/2014/main" id="{810CE0A2-4102-44A6-A370-175E7896CDCB}"/>
               </a:ext>
             </a:extLst>
           </p:cNvPr>
@@ -9641,7 +9604,7 @@
           <p:cNvPr id="2" name="Título 1">
             <a:extLst>
               <a:ext uri="{FF2B5EF4-FFF2-40B4-BE49-F238E27FC236}">
-                <a16:creationId xmlns:a16="http://schemas.microsoft.com/office/drawing/2014/main" xmlns="" id="{FB5E40AD-63D4-4F2D-B72E-B9FAC596C094}"/>
+                <a16:creationId xmlns="" xmlns:a16="http://schemas.microsoft.com/office/drawing/2014/main" id="{FB5E40AD-63D4-4F2D-B72E-B9FAC596C094}"/>
               </a:ext>
             </a:extLst>
           </p:cNvPr>
@@ -9674,7 +9637,7 @@
           <p:cNvPr id="3" name="Espaço Reservado para Conteúdo 2">
             <a:extLst>
               <a:ext uri="{FF2B5EF4-FFF2-40B4-BE49-F238E27FC236}">
-                <a16:creationId xmlns:a16="http://schemas.microsoft.com/office/drawing/2014/main" xmlns="" id="{77711CBE-86B4-40EB-868C-65C504F92159}"/>
+                <a16:creationId xmlns="" xmlns:a16="http://schemas.microsoft.com/office/drawing/2014/main" id="{77711CBE-86B4-40EB-868C-65C504F92159}"/>
               </a:ext>
             </a:extLst>
           </p:cNvPr>
@@ -9831,15 +9794,7 @@
             </a:r>
             <a:r>
               <a:rPr lang="pt-BR" dirty="0" smtClean="0"/>
-              <a:t>existem muitos empregos na área de análise de dados e pesquisas </a:t>
-            </a:r>
-            <a:r>
-              <a:rPr lang="pt-BR" dirty="0" smtClean="0"/>
-              <a:t>inovadoras para a solução de problemas com </a:t>
-            </a:r>
-            <a:r>
-              <a:rPr lang="pt-BR" dirty="0" smtClean="0"/>
-              <a:t>ML.</a:t>
+              <a:t>existem muitos empregos na área de análise de dados e pesquisas inovadoras para a solução de problemas com ML.</a:t>
             </a:r>
             <a:endParaRPr lang="pt-BR" dirty="0"/>
           </a:p>
@@ -9850,7 +9805,7 @@
           <p:cNvPr id="6" name="Picture 2" descr="AI Enabled Systems">
             <a:extLst>
               <a:ext uri="{FF2B5EF4-FFF2-40B4-BE49-F238E27FC236}">
-                <a16:creationId xmlns:a16="http://schemas.microsoft.com/office/drawing/2014/main" xmlns="" id="{092A9583-5601-45C8-BA1B-716E4A8EF5E4}"/>
+                <a16:creationId xmlns="" xmlns:a16="http://schemas.microsoft.com/office/drawing/2014/main" id="{092A9583-5601-45C8-BA1B-716E4A8EF5E4}"/>
               </a:ext>
             </a:extLst>
           </p:cNvPr>
@@ -9897,7 +9852,7 @@
           <p:cNvPr id="2052" name="Picture 4" descr="Image result for aprendizado de máquina">
             <a:extLst>
               <a:ext uri="{FF2B5EF4-FFF2-40B4-BE49-F238E27FC236}">
-                <a16:creationId xmlns:a16="http://schemas.microsoft.com/office/drawing/2014/main" xmlns="" id="{4530CE78-625F-49E3-B829-A2E7FD1CE262}"/>
+                <a16:creationId xmlns="" xmlns:a16="http://schemas.microsoft.com/office/drawing/2014/main" id="{4530CE78-625F-49E3-B829-A2E7FD1CE262}"/>
               </a:ext>
             </a:extLst>
           </p:cNvPr>
@@ -9979,7 +9934,7 @@
           <p:cNvPr id="2" name="Título 1">
             <a:extLst>
               <a:ext uri="{FF2B5EF4-FFF2-40B4-BE49-F238E27FC236}">
-                <a16:creationId xmlns:a16="http://schemas.microsoft.com/office/drawing/2014/main" xmlns="" id="{495FF1AF-6B81-43EF-BE92-BCF1CDD14F74}"/>
+                <a16:creationId xmlns="" xmlns:a16="http://schemas.microsoft.com/office/drawing/2014/main" id="{495FF1AF-6B81-43EF-BE92-BCF1CDD14F74}"/>
               </a:ext>
             </a:extLst>
           </p:cNvPr>
@@ -10016,7 +9971,7 @@
           <p:cNvPr id="3" name="Espaço Reservado para Conteúdo 2">
             <a:extLst>
               <a:ext uri="{FF2B5EF4-FFF2-40B4-BE49-F238E27FC236}">
-                <a16:creationId xmlns:a16="http://schemas.microsoft.com/office/drawing/2014/main" xmlns="" id="{1DC35696-D7B6-4CDE-8C2A-EEC8E7C03603}"/>
+                <a16:creationId xmlns="" xmlns:a16="http://schemas.microsoft.com/office/drawing/2014/main" id="{1DC35696-D7B6-4CDE-8C2A-EEC8E7C03603}"/>
               </a:ext>
             </a:extLst>
           </p:cNvPr>
@@ -10193,7 +10148,7 @@
           <p:cNvPr id="5122" name="Picture 2" descr="https://www.oulu.fi/sites/default/files/11/machines%20_decide.jpg">
             <a:extLst>
               <a:ext uri="{FF2B5EF4-FFF2-40B4-BE49-F238E27FC236}">
-                <a16:creationId xmlns:a16="http://schemas.microsoft.com/office/drawing/2014/main" xmlns="" id="{6B8DD7A2-43EE-406C-8FF3-BC9A04CF3BD4}"/>
+                <a16:creationId xmlns="" xmlns:a16="http://schemas.microsoft.com/office/drawing/2014/main" id="{6B8DD7A2-43EE-406C-8FF3-BC9A04CF3BD4}"/>
               </a:ext>
             </a:extLst>
           </p:cNvPr>
@@ -10240,7 +10195,7 @@
           <p:cNvPr id="2050" name="Picture 2" descr="https://i.vas3k.ru/full/80c.jpg">
             <a:extLst>
               <a:ext uri="{FF2B5EF4-FFF2-40B4-BE49-F238E27FC236}">
-                <a16:creationId xmlns:a16="http://schemas.microsoft.com/office/drawing/2014/main" xmlns="" id="{034238ED-6058-4E7C-B5D5-B2771BDD3049}"/>
+                <a16:creationId xmlns="" xmlns:a16="http://schemas.microsoft.com/office/drawing/2014/main" id="{034238ED-6058-4E7C-B5D5-B2771BDD3049}"/>
               </a:ext>
             </a:extLst>
           </p:cNvPr>
@@ -10367,19 +10322,7 @@
             </a:r>
             <a:r>
               <a:rPr lang="pt-BR" dirty="0" smtClean="0"/>
-              <a:t>em </a:t>
-            </a:r>
-            <a:r>
-              <a:rPr lang="pt-BR" dirty="0" smtClean="0"/>
-              <a:t>serem </a:t>
-            </a:r>
-            <a:r>
-              <a:rPr lang="pt-BR" dirty="0" smtClean="0"/>
-              <a:t>explicitamente </a:t>
-            </a:r>
-            <a:r>
-              <a:rPr lang="pt-BR" dirty="0" smtClean="0"/>
-              <a:t>programados.”</a:t>
+              <a:t>em serem explicitamente programados.”</a:t>
             </a:r>
             <a:endParaRPr lang="pt-BR" dirty="0"/>
           </a:p>
@@ -11002,7 +10945,7 @@
           <p:cNvPr id="2" name="Título 1">
             <a:extLst>
               <a:ext uri="{FF2B5EF4-FFF2-40B4-BE49-F238E27FC236}">
-                <a16:creationId xmlns:a16="http://schemas.microsoft.com/office/drawing/2014/main" xmlns="" id="{784E2DCF-FDA9-4ABD-8E85-844A20C70ACB}"/>
+                <a16:creationId xmlns="" xmlns:a16="http://schemas.microsoft.com/office/drawing/2014/main" id="{784E2DCF-FDA9-4ABD-8E85-844A20C70ACB}"/>
               </a:ext>
             </a:extLst>
           </p:cNvPr>
@@ -11048,7 +10991,7 @@
           <p:cNvPr id="3" name="Espaço Reservado para Conteúdo 2">
             <a:extLst>
               <a:ext uri="{FF2B5EF4-FFF2-40B4-BE49-F238E27FC236}">
-                <a16:creationId xmlns:a16="http://schemas.microsoft.com/office/drawing/2014/main" xmlns="" id="{D1E156CA-EDE6-4AAA-95E9-0EE6CEBF17AD}"/>
+                <a16:creationId xmlns="" xmlns:a16="http://schemas.microsoft.com/office/drawing/2014/main" id="{D1E156CA-EDE6-4AAA-95E9-0EE6CEBF17AD}"/>
               </a:ext>
             </a:extLst>
           </p:cNvPr>
@@ -11202,7 +11145,7 @@
           <p:cNvPr id="4098" name="Picture 2" descr="Image result for tensorflow logo">
             <a:extLst>
               <a:ext uri="{FF2B5EF4-FFF2-40B4-BE49-F238E27FC236}">
-                <a16:creationId xmlns:a16="http://schemas.microsoft.com/office/drawing/2014/main" xmlns="" id="{B9A1D4E3-9D1C-4A3E-944D-BA941DCBD60B}"/>
+                <a16:creationId xmlns="" xmlns:a16="http://schemas.microsoft.com/office/drawing/2014/main" id="{B9A1D4E3-9D1C-4A3E-944D-BA941DCBD60B}"/>
               </a:ext>
             </a:extLst>
           </p:cNvPr>
@@ -11249,7 +11192,7 @@
           <p:cNvPr id="4100" name="Picture 4" descr="Image result for pytorch logo">
             <a:extLst>
               <a:ext uri="{FF2B5EF4-FFF2-40B4-BE49-F238E27FC236}">
-                <a16:creationId xmlns:a16="http://schemas.microsoft.com/office/drawing/2014/main" xmlns="" id="{6A0D8B6B-9A8B-4981-B678-86257C33AF3C}"/>
+                <a16:creationId xmlns="" xmlns:a16="http://schemas.microsoft.com/office/drawing/2014/main" id="{6A0D8B6B-9A8B-4981-B678-86257C33AF3C}"/>
               </a:ext>
             </a:extLst>
           </p:cNvPr>
@@ -11296,7 +11239,7 @@
           <p:cNvPr id="4102" name="Picture 6" descr="Image result for scikit learn logo">
             <a:extLst>
               <a:ext uri="{FF2B5EF4-FFF2-40B4-BE49-F238E27FC236}">
-                <a16:creationId xmlns:a16="http://schemas.microsoft.com/office/drawing/2014/main" xmlns="" id="{87129D40-D136-4716-8871-12CAEC603994}"/>
+                <a16:creationId xmlns="" xmlns:a16="http://schemas.microsoft.com/office/drawing/2014/main" id="{87129D40-D136-4716-8871-12CAEC603994}"/>
               </a:ext>
             </a:extLst>
           </p:cNvPr>
@@ -11343,7 +11286,7 @@
           <p:cNvPr id="4104" name="Picture 8" descr="Image result for keras logo">
             <a:extLst>
               <a:ext uri="{FF2B5EF4-FFF2-40B4-BE49-F238E27FC236}">
-                <a16:creationId xmlns:a16="http://schemas.microsoft.com/office/drawing/2014/main" xmlns="" id="{33CCF501-0E9C-4C8C-BFCC-713767570EF0}"/>
+                <a16:creationId xmlns="" xmlns:a16="http://schemas.microsoft.com/office/drawing/2014/main" id="{33CCF501-0E9C-4C8C-BFCC-713767570EF0}"/>
               </a:ext>
             </a:extLst>
           </p:cNvPr>
@@ -11390,7 +11333,7 @@
           <p:cNvPr id="4106" name="Picture 10" descr="Image result for theano logo">
             <a:extLst>
               <a:ext uri="{FF2B5EF4-FFF2-40B4-BE49-F238E27FC236}">
-                <a16:creationId xmlns:a16="http://schemas.microsoft.com/office/drawing/2014/main" xmlns="" id="{579B04DE-B2DC-4ED7-AA9D-5AAA9580572E}"/>
+                <a16:creationId xmlns="" xmlns:a16="http://schemas.microsoft.com/office/drawing/2014/main" id="{579B04DE-B2DC-4ED7-AA9D-5AAA9580572E}"/>
               </a:ext>
             </a:extLst>
           </p:cNvPr>
@@ -11437,7 +11380,7 @@
           <p:cNvPr id="4108" name="Picture 12" descr="Image result for pandas data mining logo">
             <a:extLst>
               <a:ext uri="{FF2B5EF4-FFF2-40B4-BE49-F238E27FC236}">
-                <a16:creationId xmlns:a16="http://schemas.microsoft.com/office/drawing/2014/main" xmlns="" id="{A9345AF3-EF63-4F70-A5B2-8F8ED0E283FD}"/>
+                <a16:creationId xmlns="" xmlns:a16="http://schemas.microsoft.com/office/drawing/2014/main" id="{A9345AF3-EF63-4F70-A5B2-8F8ED0E283FD}"/>
               </a:ext>
             </a:extLst>
           </p:cNvPr>
@@ -11514,7 +11457,7 @@
           <p:cNvPr id="2" name="Título 1">
             <a:extLst>
               <a:ext uri="{FF2B5EF4-FFF2-40B4-BE49-F238E27FC236}">
-                <a16:creationId xmlns:a16="http://schemas.microsoft.com/office/drawing/2014/main" xmlns="" id="{220079F9-71B9-4466-B35D-68523A745D24}"/>
+                <a16:creationId xmlns="" xmlns:a16="http://schemas.microsoft.com/office/drawing/2014/main" id="{220079F9-71B9-4466-B35D-68523A745D24}"/>
               </a:ext>
             </a:extLst>
           </p:cNvPr>
@@ -11547,7 +11490,7 @@
           <p:cNvPr id="3" name="Espaço Reservado para Conteúdo 2">
             <a:extLst>
               <a:ext uri="{FF2B5EF4-FFF2-40B4-BE49-F238E27FC236}">
-                <a16:creationId xmlns:a16="http://schemas.microsoft.com/office/drawing/2014/main" xmlns="" id="{5BA8D271-087B-414B-ABC6-D7C5E7367E33}"/>
+                <a16:creationId xmlns="" xmlns:a16="http://schemas.microsoft.com/office/drawing/2014/main" id="{5BA8D271-087B-414B-ABC6-D7C5E7367E33}"/>
               </a:ext>
             </a:extLst>
           </p:cNvPr>
@@ -11629,7 +11572,7 @@
           <p:cNvPr id="3074" name="Picture 2" descr="Image result for machine learning">
             <a:extLst>
               <a:ext uri="{FF2B5EF4-FFF2-40B4-BE49-F238E27FC236}">
-                <a16:creationId xmlns:a16="http://schemas.microsoft.com/office/drawing/2014/main" xmlns="" id="{0F1D94CB-2EF0-4960-BC00-8889565E93D1}"/>
+                <a16:creationId xmlns="" xmlns:a16="http://schemas.microsoft.com/office/drawing/2014/main" id="{0F1D94CB-2EF0-4960-BC00-8889565E93D1}"/>
               </a:ext>
             </a:extLst>
           </p:cNvPr>
@@ -11713,7 +11656,7 @@
           <p:cNvPr id="2" name="Título 1">
             <a:extLst>
               <a:ext uri="{FF2B5EF4-FFF2-40B4-BE49-F238E27FC236}">
-                <a16:creationId xmlns:a16="http://schemas.microsoft.com/office/drawing/2014/main" xmlns="" id="{1F3CD54D-41DC-4133-94C4-3D55FAE4E35C}"/>
+                <a16:creationId xmlns="" xmlns:a16="http://schemas.microsoft.com/office/drawing/2014/main" id="{1F3CD54D-41DC-4133-94C4-3D55FAE4E35C}"/>
               </a:ext>
             </a:extLst>
           </p:cNvPr>
@@ -11746,7 +11689,7 @@
           <p:cNvPr id="1028" name="Picture 4" descr="Image result for supervised learning">
             <a:extLst>
               <a:ext uri="{FF2B5EF4-FFF2-40B4-BE49-F238E27FC236}">
-                <a16:creationId xmlns:a16="http://schemas.microsoft.com/office/drawing/2014/main" xmlns="" id="{2520F4EA-1E3E-4F3B-97C0-DF47861DCD42}"/>
+                <a16:creationId xmlns="" xmlns:a16="http://schemas.microsoft.com/office/drawing/2014/main" id="{2520F4EA-1E3E-4F3B-97C0-DF47861DCD42}"/>
               </a:ext>
             </a:extLst>
           </p:cNvPr>
@@ -11793,7 +11736,7 @@
           <p:cNvPr id="1030" name="Picture 6" descr="https://miro.medium.com/max/552/1*jxtW98_gbItw728vFB-0HA.png">
             <a:extLst>
               <a:ext uri="{FF2B5EF4-FFF2-40B4-BE49-F238E27FC236}">
-                <a16:creationId xmlns:a16="http://schemas.microsoft.com/office/drawing/2014/main" xmlns="" id="{9E902420-A711-4761-85CD-304C79D0C453}"/>
+                <a16:creationId xmlns="" xmlns:a16="http://schemas.microsoft.com/office/drawing/2014/main" id="{9E902420-A711-4761-85CD-304C79D0C453}"/>
               </a:ext>
             </a:extLst>
           </p:cNvPr>
@@ -11838,7 +11781,7 @@
           <p:cNvPr id="1032" name="Picture 8" descr="Image result for classification supervised learning">
             <a:extLst>
               <a:ext uri="{FF2B5EF4-FFF2-40B4-BE49-F238E27FC236}">
-                <a16:creationId xmlns:a16="http://schemas.microsoft.com/office/drawing/2014/main" xmlns="" id="{E760E9A0-55F1-4D37-8AA3-36758861E0A2}"/>
+                <a16:creationId xmlns="" xmlns:a16="http://schemas.microsoft.com/office/drawing/2014/main" id="{E760E9A0-55F1-4D37-8AA3-36758861E0A2}"/>
               </a:ext>
             </a:extLst>
           </p:cNvPr>
@@ -11887,7 +11830,7 @@
               <p:cNvPr id="3" name="Espaço Reservado para Conteúdo 2">
                 <a:extLst>
                   <a:ext uri="{FF2B5EF4-FFF2-40B4-BE49-F238E27FC236}">
-                    <a16:creationId xmlns:a16="http://schemas.microsoft.com/office/drawing/2014/main" xmlns="" id="{979D29AC-E01B-406F-AC75-55866B75A7CC}"/>
+                    <a16:creationId xmlns="" xmlns:a16="http://schemas.microsoft.com/office/drawing/2014/main" id="{979D29AC-E01B-406F-AC75-55866B75A7CC}"/>
                   </a:ext>
                 </a:extLst>
               </p:cNvPr>
@@ -12369,7 +12312,7 @@
           <p:cNvPr id="2" name="Título 1">
             <a:extLst>
               <a:ext uri="{FF2B5EF4-FFF2-40B4-BE49-F238E27FC236}">
-                <a16:creationId xmlns:a16="http://schemas.microsoft.com/office/drawing/2014/main" xmlns="" id="{CE99E848-1AFD-48E3-BD45-EA959AA414F5}"/>
+                <a16:creationId xmlns="" xmlns:a16="http://schemas.microsoft.com/office/drawing/2014/main" id="{CE99E848-1AFD-48E3-BD45-EA959AA414F5}"/>
               </a:ext>
             </a:extLst>
           </p:cNvPr>
@@ -12402,7 +12345,7 @@
           <p:cNvPr id="3" name="Espaço Reservado para Conteúdo 2">
             <a:extLst>
               <a:ext uri="{FF2B5EF4-FFF2-40B4-BE49-F238E27FC236}">
-                <a16:creationId xmlns:a16="http://schemas.microsoft.com/office/drawing/2014/main" xmlns="" id="{79FFA3EA-68FD-404F-984C-E8FFF3827C6D}"/>
+                <a16:creationId xmlns="" xmlns:a16="http://schemas.microsoft.com/office/drawing/2014/main" id="{79FFA3EA-68FD-404F-984C-E8FFF3827C6D}"/>
               </a:ext>
             </a:extLst>
           </p:cNvPr>
@@ -12742,7 +12685,7 @@
           <p:cNvPr id="2" name="Título 1">
             <a:extLst>
               <a:ext uri="{FF2B5EF4-FFF2-40B4-BE49-F238E27FC236}">
-                <a16:creationId xmlns:a16="http://schemas.microsoft.com/office/drawing/2014/main" xmlns="" id="{6CB39B9C-599D-4DED-8180-FA8AD66BB117}"/>
+                <a16:creationId xmlns="" xmlns:a16="http://schemas.microsoft.com/office/drawing/2014/main" id="{6CB39B9C-599D-4DED-8180-FA8AD66BB117}"/>
               </a:ext>
             </a:extLst>
           </p:cNvPr>
@@ -12777,7 +12720,7 @@
               <p:cNvPr id="3" name="Espaço Reservado para Conteúdo 2">
                 <a:extLst>
                   <a:ext uri="{FF2B5EF4-FFF2-40B4-BE49-F238E27FC236}">
-                    <a16:creationId xmlns:a16="http://schemas.microsoft.com/office/drawing/2014/main" xmlns="" id="{5E0262E2-3A0F-4805-BCCB-6745237D1574}"/>
+                    <a16:creationId xmlns="" xmlns:a16="http://schemas.microsoft.com/office/drawing/2014/main" id="{5E0262E2-3A0F-4805-BCCB-6745237D1574}"/>
                   </a:ext>
                 </a:extLst>
               </p:cNvPr>
@@ -13002,7 +12945,7 @@
           <p:cNvPr id="3074" name="Picture 2" descr="https://www.ecloudvalley.com/wp-content/uploads/2019/09/Unsupervised-learning.png">
             <a:extLst>
               <a:ext uri="{FF2B5EF4-FFF2-40B4-BE49-F238E27FC236}">
-                <a16:creationId xmlns:a16="http://schemas.microsoft.com/office/drawing/2014/main" xmlns="" id="{E1E9C2D9-93F7-4EA6-9C7E-D658C2452746}"/>
+                <a16:creationId xmlns="" xmlns:a16="http://schemas.microsoft.com/office/drawing/2014/main" id="{E1E9C2D9-93F7-4EA6-9C7E-D658C2452746}"/>
               </a:ext>
             </a:extLst>
           </p:cNvPr>
@@ -13047,7 +12990,7 @@
           <p:cNvPr id="1028" name="Picture 4" descr="https://slideplayer.com/slide/13055479/79/images/6/Data+Compression+Reduce+data+from+3D+to+2D+Andrew+Ng.jpg">
             <a:extLst>
               <a:ext uri="{FF2B5EF4-FFF2-40B4-BE49-F238E27FC236}">
-                <a16:creationId xmlns:a16="http://schemas.microsoft.com/office/drawing/2014/main" xmlns="" id="{F20F10B0-B790-4630-9FD0-F82B2B0DFAD5}"/>
+                <a16:creationId xmlns="" xmlns:a16="http://schemas.microsoft.com/office/drawing/2014/main" id="{F20F10B0-B790-4630-9FD0-F82B2B0DFAD5}"/>
               </a:ext>
             </a:extLst>
           </p:cNvPr>
@@ -13092,7 +13035,7 @@
           <p:cNvPr id="1030" name="Picture 6" descr="Image result for outlier ">
             <a:extLst>
               <a:ext uri="{FF2B5EF4-FFF2-40B4-BE49-F238E27FC236}">
-                <a16:creationId xmlns:a16="http://schemas.microsoft.com/office/drawing/2014/main" xmlns="" id="{5E7788A9-1556-48E2-A68C-C98CBCD57CE7}"/>
+                <a16:creationId xmlns="" xmlns:a16="http://schemas.microsoft.com/office/drawing/2014/main" id="{5E7788A9-1556-48E2-A68C-C98CBCD57CE7}"/>
               </a:ext>
             </a:extLst>
           </p:cNvPr>
@@ -13137,7 +13080,7 @@
           <p:cNvPr id="1032" name="Picture 8" descr="http://users.telenet.be/martialluyts/img/basket.jpg">
             <a:extLst>
               <a:ext uri="{FF2B5EF4-FFF2-40B4-BE49-F238E27FC236}">
-                <a16:creationId xmlns:a16="http://schemas.microsoft.com/office/drawing/2014/main" xmlns="" id="{91C7F0A4-66BC-4E4C-B7C9-061F60727247}"/>
+                <a16:creationId xmlns="" xmlns:a16="http://schemas.microsoft.com/office/drawing/2014/main" id="{91C7F0A4-66BC-4E4C-B7C9-061F60727247}"/>
               </a:ext>
             </a:extLst>
           </p:cNvPr>
@@ -13337,7 +13280,7 @@
           <p:cNvPr id="2" name="Título 1">
             <a:extLst>
               <a:ext uri="{FF2B5EF4-FFF2-40B4-BE49-F238E27FC236}">
-                <a16:creationId xmlns:a16="http://schemas.microsoft.com/office/drawing/2014/main" xmlns="" id="{CE99E848-1AFD-48E3-BD45-EA959AA414F5}"/>
+                <a16:creationId xmlns="" xmlns:a16="http://schemas.microsoft.com/office/drawing/2014/main" id="{CE99E848-1AFD-48E3-BD45-EA959AA414F5}"/>
               </a:ext>
             </a:extLst>
           </p:cNvPr>
@@ -13365,7 +13308,7 @@
           <p:cNvPr id="3" name="Espaço Reservado para Conteúdo 2">
             <a:extLst>
               <a:ext uri="{FF2B5EF4-FFF2-40B4-BE49-F238E27FC236}">
-                <a16:creationId xmlns:a16="http://schemas.microsoft.com/office/drawing/2014/main" xmlns="" id="{79FFA3EA-68FD-404F-984C-E8FFF3827C6D}"/>
+                <a16:creationId xmlns="" xmlns:a16="http://schemas.microsoft.com/office/drawing/2014/main" id="{79FFA3EA-68FD-404F-984C-E8FFF3827C6D}"/>
               </a:ext>
             </a:extLst>
           </p:cNvPr>
@@ -14129,7 +14072,7 @@
           <p:cNvPr id="2" name="Título 1">
             <a:extLst>
               <a:ext uri="{FF2B5EF4-FFF2-40B4-BE49-F238E27FC236}">
-                <a16:creationId xmlns:a16="http://schemas.microsoft.com/office/drawing/2014/main" xmlns="" id="{646F6830-B3DF-4F50-823F-7E36C43380D1}"/>
+                <a16:creationId xmlns="" xmlns:a16="http://schemas.microsoft.com/office/drawing/2014/main" id="{646F6830-B3DF-4F50-823F-7E36C43380D1}"/>
               </a:ext>
             </a:extLst>
           </p:cNvPr>
@@ -14162,7 +14105,7 @@
           <p:cNvPr id="3" name="Espaço Reservado para Conteúdo 2">
             <a:extLst>
               <a:ext uri="{FF2B5EF4-FFF2-40B4-BE49-F238E27FC236}">
-                <a16:creationId xmlns:a16="http://schemas.microsoft.com/office/drawing/2014/main" xmlns="" xmlns:a14="http://schemas.microsoft.com/office/drawing/2010/main" xmlns:mc="http://schemas.openxmlformats.org/markup-compatibility/2006" id="{071E0B55-13FE-4ADE-80F7-AFEDEF27C875}"/>
+                <a16:creationId xmlns:mc="http://schemas.openxmlformats.org/markup-compatibility/2006" xmlns:a14="http://schemas.microsoft.com/office/drawing/2010/main" xmlns="" xmlns:a16="http://schemas.microsoft.com/office/drawing/2014/main" id="{071E0B55-13FE-4ADE-80F7-AFEDEF27C875}"/>
               </a:ext>
             </a:extLst>
           </p:cNvPr>
@@ -15635,21 +15578,12 @@
               <a:rPr lang="pt-BR" dirty="0" smtClean="0"/>
               <a:t>: </a:t>
             </a:r>
-            <a:endParaRPr lang="pt-BR" dirty="0" smtClean="0"/>
           </a:p>
           <a:p>
             <a:pPr lvl="1"/>
             <a:r>
               <a:rPr lang="pt-BR" dirty="0" smtClean="0"/>
-              <a:t>Os </a:t>
-            </a:r>
-            <a:r>
-              <a:rPr lang="pt-BR" dirty="0" smtClean="0"/>
-              <a:t>exemplos </a:t>
-            </a:r>
-            <a:r>
-              <a:rPr lang="pt-BR" dirty="0" smtClean="0"/>
-              <a:t>de treinamento são apresentados </a:t>
+              <a:t>Os exemplos de treinamento são apresentados </a:t>
             </a:r>
             <a:r>
               <a:rPr lang="pt-BR" b="1" i="1" dirty="0" smtClean="0"/>
@@ -16086,15 +16020,7 @@
             </a:r>
             <a:r>
               <a:rPr lang="pt-BR" dirty="0" smtClean="0"/>
-              <a:t>, apenas </a:t>
-            </a:r>
-            <a:r>
-              <a:rPr lang="pt-BR" dirty="0" smtClean="0"/>
-              <a:t>terem </a:t>
-            </a:r>
-            <a:r>
-              <a:rPr lang="pt-BR" dirty="0" smtClean="0"/>
-              <a:t>um navegador web e conexão com a internet.</a:t>
+              <a:t>, apenas terem um navegador web e conexão com a internet.</a:t>
             </a:r>
             <a:endParaRPr lang="pt-BR" dirty="0"/>
           </a:p>
@@ -19973,7 +19899,7 @@
           <p:cNvPr id="4" name="Título 1">
             <a:extLst>
               <a:ext uri="{FF2B5EF4-FFF2-40B4-BE49-F238E27FC236}">
-                <a16:creationId xmlns="" xmlns:a16="http://schemas.microsoft.com/office/drawing/2014/main" id="{32666AC8-2E17-4DB4-B0F5-60C640CCFD2E}"/>
+                <a16:creationId xmlns:a16="http://schemas.microsoft.com/office/drawing/2014/main" xmlns="" id="{32666AC8-2E17-4DB4-B0F5-60C640CCFD2E}"/>
               </a:ext>
             </a:extLst>
           </p:cNvPr>
@@ -23336,1210 +23262,6 @@
   <p:cSld>
     <p:spTree>
       <p:nvGrpSpPr>
-        <p:cNvPr id="1" name="Shape 369"/>
-        <p:cNvGrpSpPr/>
-        <p:nvPr/>
-      </p:nvGrpSpPr>
-      <p:grpSpPr>
-        <a:xfrm>
-          <a:off x="0" y="0"/>
-          <a:ext cx="0" cy="0"/>
-          <a:chOff x="0" y="0"/>
-          <a:chExt cx="0" cy="0"/>
-        </a:xfrm>
-      </p:grpSpPr>
-      <p:sp>
-        <p:nvSpPr>
-          <p:cNvPr id="371" name="Google Shape;371;g70582b999c_0_0"/>
-          <p:cNvSpPr txBox="1">
-            <a:spLocks noGrp="1"/>
-          </p:cNvSpPr>
-          <p:nvPr>
-            <p:ph type="body" idx="1"/>
-          </p:nvPr>
-        </p:nvSpPr>
-        <p:spPr>
-          <a:xfrm>
-            <a:off x="838200" y="1889828"/>
-            <a:ext cx="9790800" cy="4845300"/>
-          </a:xfrm>
-          <a:prstGeom prst="rect">
-            <a:avLst/>
-          </a:prstGeom>
-          <a:noFill/>
-          <a:ln>
-            <a:noFill/>
-          </a:ln>
-        </p:spPr>
-        <p:txBody>
-          <a:bodyPr spcFirstLastPara="1" wrap="square" lIns="91425" tIns="45700" rIns="91425" bIns="45700" anchor="t" anchorCtr="0">
-            <a:noAutofit/>
-          </a:bodyPr>
-          <a:lstStyle/>
-          <a:p>
-            <a:pPr marL="0" lvl="0" indent="0" algn="l" rtl="0">
-              <a:spcBef>
-                <a:spcPts val="0"/>
-              </a:spcBef>
-              <a:spcAft>
-                <a:spcPts val="0"/>
-              </a:spcAft>
-              <a:buClr>
-                <a:schemeClr val="dk1"/>
-              </a:buClr>
-              <a:buSzPts val="1875"/>
-              <a:buNone/>
-            </a:pPr>
-            <a:r>
-              <a:rPr lang="en-US" sz="1500" dirty="0">
-                <a:solidFill>
-                  <a:schemeClr val="dk1"/>
-                </a:solidFill>
-                <a:latin typeface="Arial"/>
-                <a:ea typeface="Arial"/>
-                <a:cs typeface="Arial"/>
-                <a:sym typeface="Arial"/>
-              </a:rPr>
-              <a:t>import </a:t>
-            </a:r>
-            <a:r>
-              <a:rPr lang="en-US" sz="1500" dirty="0" err="1">
-                <a:solidFill>
-                  <a:schemeClr val="dk1"/>
-                </a:solidFill>
-                <a:latin typeface="Arial"/>
-                <a:ea typeface="Arial"/>
-                <a:cs typeface="Arial"/>
-                <a:sym typeface="Arial"/>
-              </a:rPr>
-              <a:t>matplotlib.pyplot</a:t>
-            </a:r>
-            <a:r>
-              <a:rPr lang="en-US" sz="1500" dirty="0">
-                <a:solidFill>
-                  <a:schemeClr val="dk1"/>
-                </a:solidFill>
-                <a:latin typeface="Arial"/>
-                <a:ea typeface="Arial"/>
-                <a:cs typeface="Arial"/>
-                <a:sym typeface="Arial"/>
-              </a:rPr>
-              <a:t> as </a:t>
-            </a:r>
-            <a:r>
-              <a:rPr lang="en-US" sz="1500" dirty="0" err="1">
-                <a:solidFill>
-                  <a:schemeClr val="dk1"/>
-                </a:solidFill>
-                <a:latin typeface="Arial"/>
-                <a:ea typeface="Arial"/>
-                <a:cs typeface="Arial"/>
-                <a:sym typeface="Arial"/>
-              </a:rPr>
-              <a:t>plt</a:t>
-            </a:r>
-            <a:endParaRPr sz="1500" dirty="0">
-              <a:solidFill>
-                <a:schemeClr val="dk1"/>
-              </a:solidFill>
-              <a:latin typeface="Arial"/>
-              <a:ea typeface="Arial"/>
-              <a:cs typeface="Arial"/>
-              <a:sym typeface="Arial"/>
-            </a:endParaRPr>
-          </a:p>
-          <a:p>
-            <a:pPr marL="0" lvl="0" indent="0" algn="l" rtl="0">
-              <a:spcBef>
-                <a:spcPts val="0"/>
-              </a:spcBef>
-              <a:spcAft>
-                <a:spcPts val="0"/>
-              </a:spcAft>
-              <a:buClr>
-                <a:schemeClr val="dk1"/>
-              </a:buClr>
-              <a:buSzPts val="1875"/>
-              <a:buFont typeface="Arial"/>
-              <a:buNone/>
-            </a:pPr>
-            <a:r>
-              <a:rPr lang="en-US" sz="1500" dirty="0">
-                <a:solidFill>
-                  <a:srgbClr val="008000"/>
-                </a:solidFill>
-                <a:latin typeface="Arial"/>
-                <a:ea typeface="Arial"/>
-                <a:cs typeface="Arial"/>
-                <a:sym typeface="Arial"/>
-              </a:rPr>
-              <a:t># </a:t>
-            </a:r>
-            <a:r>
-              <a:rPr lang="en-US" sz="1500" dirty="0" err="1">
-                <a:solidFill>
-                  <a:srgbClr val="008000"/>
-                </a:solidFill>
-                <a:latin typeface="Arial"/>
-                <a:ea typeface="Arial"/>
-                <a:cs typeface="Arial"/>
-                <a:sym typeface="Arial"/>
-              </a:rPr>
-              <a:t>facilita</a:t>
-            </a:r>
-            <a:r>
-              <a:rPr lang="en-US" sz="1500" dirty="0">
-                <a:solidFill>
-                  <a:srgbClr val="008000"/>
-                </a:solidFill>
-                <a:latin typeface="Arial"/>
-                <a:ea typeface="Arial"/>
-                <a:cs typeface="Arial"/>
-                <a:sym typeface="Arial"/>
-              </a:rPr>
-              <a:t> </a:t>
-            </a:r>
-            <a:r>
-              <a:rPr lang="en-US" sz="1500" dirty="0" err="1">
-                <a:solidFill>
-                  <a:srgbClr val="008000"/>
-                </a:solidFill>
-                <a:latin typeface="Arial"/>
-                <a:ea typeface="Arial"/>
-                <a:cs typeface="Arial"/>
-                <a:sym typeface="Arial"/>
-              </a:rPr>
-              <a:t>visualizacao</a:t>
-            </a:r>
-            <a:r>
-              <a:rPr lang="en-US" sz="1500" dirty="0">
-                <a:solidFill>
-                  <a:srgbClr val="008000"/>
-                </a:solidFill>
-                <a:latin typeface="Arial"/>
-                <a:ea typeface="Arial"/>
-                <a:cs typeface="Arial"/>
-                <a:sym typeface="Arial"/>
-              </a:rPr>
-              <a:t> de </a:t>
-            </a:r>
-            <a:r>
-              <a:rPr lang="en-US" sz="1500" dirty="0" err="1">
-                <a:solidFill>
-                  <a:srgbClr val="008000"/>
-                </a:solidFill>
-                <a:latin typeface="Arial"/>
-                <a:ea typeface="Arial"/>
-                <a:cs typeface="Arial"/>
-                <a:sym typeface="Arial"/>
-              </a:rPr>
-              <a:t>figuras</a:t>
-            </a:r>
-            <a:r>
-              <a:rPr lang="en-US" sz="1500" dirty="0">
-                <a:solidFill>
-                  <a:srgbClr val="008000"/>
-                </a:solidFill>
-                <a:latin typeface="Arial"/>
-                <a:ea typeface="Arial"/>
-                <a:cs typeface="Arial"/>
-                <a:sym typeface="Arial"/>
-              </a:rPr>
-              <a:t> 3D</a:t>
-            </a:r>
-            <a:endParaRPr sz="1500" dirty="0">
-              <a:solidFill>
-                <a:schemeClr val="dk1"/>
-              </a:solidFill>
-              <a:latin typeface="Arial"/>
-              <a:ea typeface="Arial"/>
-              <a:cs typeface="Arial"/>
-              <a:sym typeface="Arial"/>
-            </a:endParaRPr>
-          </a:p>
-          <a:p>
-            <a:pPr marL="0" marR="0" lvl="0" indent="0" algn="l" rtl="0">
-              <a:lnSpc>
-                <a:spcPct val="120000"/>
-              </a:lnSpc>
-              <a:spcBef>
-                <a:spcPts val="0"/>
-              </a:spcBef>
-              <a:spcAft>
-                <a:spcPts val="0"/>
-              </a:spcAft>
-              <a:buClr>
-                <a:srgbClr val="000000"/>
-              </a:buClr>
-              <a:buSzPts val="1875"/>
-              <a:buNone/>
-            </a:pPr>
-            <a:r>
-              <a:rPr lang="en-US" sz="1500" dirty="0">
-                <a:solidFill>
-                  <a:srgbClr val="000000"/>
-                </a:solidFill>
-                <a:latin typeface="Arial"/>
-                <a:ea typeface="Arial"/>
-                <a:cs typeface="Arial"/>
-                <a:sym typeface="Arial"/>
-              </a:rPr>
-              <a:t>from mpl_toolkits.mplot3d import axes3d</a:t>
-            </a:r>
-            <a:r>
-              <a:rPr lang="en-US" sz="1500" dirty="0">
-                <a:solidFill>
-                  <a:srgbClr val="008000"/>
-                </a:solidFill>
-                <a:latin typeface="Arial"/>
-                <a:ea typeface="Arial"/>
-                <a:cs typeface="Arial"/>
-                <a:sym typeface="Arial"/>
-              </a:rPr>
-              <a:t> # </a:t>
-            </a:r>
-            <a:r>
-              <a:rPr lang="en-US" sz="1500" dirty="0" err="1">
-                <a:solidFill>
-                  <a:srgbClr val="008000"/>
-                </a:solidFill>
-                <a:latin typeface="Arial"/>
-                <a:ea typeface="Arial"/>
-                <a:cs typeface="Arial"/>
-                <a:sym typeface="Arial"/>
-              </a:rPr>
-              <a:t>graficos</a:t>
-            </a:r>
-            <a:r>
-              <a:rPr lang="en-US" sz="1500" dirty="0">
-                <a:solidFill>
-                  <a:srgbClr val="008000"/>
-                </a:solidFill>
-                <a:latin typeface="Arial"/>
-                <a:ea typeface="Arial"/>
-                <a:cs typeface="Arial"/>
-                <a:sym typeface="Arial"/>
-              </a:rPr>
-              <a:t> 3D </a:t>
-            </a:r>
-            <a:r>
-              <a:rPr lang="en-US" sz="1500" dirty="0" err="1">
-                <a:solidFill>
-                  <a:srgbClr val="008000"/>
-                </a:solidFill>
-                <a:latin typeface="Arial"/>
-                <a:ea typeface="Arial"/>
-                <a:cs typeface="Arial"/>
-                <a:sym typeface="Arial"/>
-              </a:rPr>
-              <a:t>sao</a:t>
-            </a:r>
-            <a:r>
-              <a:rPr lang="en-US" sz="1500" dirty="0">
-                <a:solidFill>
-                  <a:srgbClr val="008000"/>
-                </a:solidFill>
-                <a:latin typeface="Arial"/>
-                <a:ea typeface="Arial"/>
-                <a:cs typeface="Arial"/>
-                <a:sym typeface="Arial"/>
-              </a:rPr>
-              <a:t> </a:t>
-            </a:r>
-            <a:r>
-              <a:rPr lang="en-US" sz="1500" dirty="0" err="1">
-                <a:solidFill>
-                  <a:srgbClr val="008000"/>
-                </a:solidFill>
-                <a:latin typeface="Arial"/>
-                <a:ea typeface="Arial"/>
-                <a:cs typeface="Arial"/>
-                <a:sym typeface="Arial"/>
-              </a:rPr>
-              <a:t>habilitados</a:t>
-            </a:r>
-            <a:r>
-              <a:rPr lang="en-US" sz="1500" dirty="0">
-                <a:solidFill>
-                  <a:srgbClr val="008000"/>
-                </a:solidFill>
-                <a:latin typeface="Arial"/>
-                <a:ea typeface="Arial"/>
-                <a:cs typeface="Arial"/>
-                <a:sym typeface="Arial"/>
-              </a:rPr>
-              <a:t> </a:t>
-            </a:r>
-            <a:r>
-              <a:rPr lang="en-US" sz="1500" dirty="0" err="1">
-                <a:solidFill>
-                  <a:srgbClr val="008000"/>
-                </a:solidFill>
-                <a:latin typeface="Arial"/>
-                <a:ea typeface="Arial"/>
-                <a:cs typeface="Arial"/>
-                <a:sym typeface="Arial"/>
-              </a:rPr>
-              <a:t>importando</a:t>
-            </a:r>
-            <a:r>
-              <a:rPr lang="en-US" sz="1500" dirty="0">
-                <a:solidFill>
-                  <a:srgbClr val="008000"/>
-                </a:solidFill>
-                <a:latin typeface="Arial"/>
-                <a:ea typeface="Arial"/>
-                <a:cs typeface="Arial"/>
-                <a:sym typeface="Arial"/>
-              </a:rPr>
-              <a:t> axes3d</a:t>
-            </a:r>
-            <a:endParaRPr sz="1500" dirty="0">
-              <a:solidFill>
-                <a:srgbClr val="008000"/>
-              </a:solidFill>
-              <a:latin typeface="Arial"/>
-              <a:ea typeface="Arial"/>
-              <a:cs typeface="Arial"/>
-              <a:sym typeface="Arial"/>
-            </a:endParaRPr>
-          </a:p>
-          <a:p>
-            <a:pPr marL="0" marR="0" lvl="0" indent="0" algn="l" rtl="0">
-              <a:lnSpc>
-                <a:spcPct val="120000"/>
-              </a:lnSpc>
-              <a:spcBef>
-                <a:spcPts val="0"/>
-              </a:spcBef>
-              <a:spcAft>
-                <a:spcPts val="0"/>
-              </a:spcAft>
-              <a:buClr>
-                <a:srgbClr val="000000"/>
-              </a:buClr>
-              <a:buSzPts val="1875"/>
-              <a:buNone/>
-            </a:pPr>
-            <a:endParaRPr sz="1500" dirty="0">
-              <a:solidFill>
-                <a:srgbClr val="000000"/>
-              </a:solidFill>
-              <a:latin typeface="Arial"/>
-              <a:ea typeface="Arial"/>
-              <a:cs typeface="Arial"/>
-              <a:sym typeface="Arial"/>
-            </a:endParaRPr>
-          </a:p>
-          <a:p>
-            <a:pPr marL="0" marR="0" lvl="0" indent="0" algn="l" rtl="0">
-              <a:lnSpc>
-                <a:spcPct val="120000"/>
-              </a:lnSpc>
-              <a:spcBef>
-                <a:spcPts val="0"/>
-              </a:spcBef>
-              <a:spcAft>
-                <a:spcPts val="0"/>
-              </a:spcAft>
-              <a:buClr>
-                <a:srgbClr val="000000"/>
-              </a:buClr>
-              <a:buSzPts val="1875"/>
-              <a:buNone/>
-            </a:pPr>
-            <a:r>
-              <a:rPr lang="en-US" sz="1500" dirty="0">
-                <a:solidFill>
-                  <a:srgbClr val="008000"/>
-                </a:solidFill>
-                <a:latin typeface="Arial"/>
-                <a:ea typeface="Arial"/>
-                <a:cs typeface="Arial"/>
-                <a:sym typeface="Arial"/>
-              </a:rPr>
-              <a:t># para </a:t>
-            </a:r>
-            <a:r>
-              <a:rPr lang="en-US" sz="1500" dirty="0" err="1">
-                <a:solidFill>
-                  <a:srgbClr val="008000"/>
-                </a:solidFill>
-                <a:latin typeface="Arial"/>
-                <a:ea typeface="Arial"/>
-                <a:cs typeface="Arial"/>
-                <a:sym typeface="Arial"/>
-              </a:rPr>
-              <a:t>figuras</a:t>
-            </a:r>
-            <a:r>
-              <a:rPr lang="en-US" sz="1500" dirty="0">
-                <a:solidFill>
-                  <a:srgbClr val="008000"/>
-                </a:solidFill>
-                <a:latin typeface="Arial"/>
-                <a:ea typeface="Arial"/>
-                <a:cs typeface="Arial"/>
-                <a:sym typeface="Arial"/>
-              </a:rPr>
-              <a:t> </a:t>
-            </a:r>
-            <a:r>
-              <a:rPr lang="en-US" sz="1500" dirty="0" err="1">
-                <a:solidFill>
-                  <a:srgbClr val="008000"/>
-                </a:solidFill>
-                <a:latin typeface="Arial"/>
-                <a:ea typeface="Arial"/>
-                <a:cs typeface="Arial"/>
-                <a:sym typeface="Arial"/>
-              </a:rPr>
-              <a:t>interativas</a:t>
-            </a:r>
-            <a:r>
-              <a:rPr lang="en-US" sz="1500" dirty="0">
-                <a:solidFill>
-                  <a:srgbClr val="008000"/>
-                </a:solidFill>
-                <a:latin typeface="Arial"/>
-                <a:ea typeface="Arial"/>
-                <a:cs typeface="Arial"/>
-                <a:sym typeface="Arial"/>
-              </a:rPr>
-              <a:t> </a:t>
-            </a:r>
-            <a:r>
-              <a:rPr lang="en-US" sz="1500" dirty="0" err="1">
-                <a:solidFill>
-                  <a:srgbClr val="008000"/>
-                </a:solidFill>
-                <a:latin typeface="Arial"/>
-                <a:ea typeface="Arial"/>
-                <a:cs typeface="Arial"/>
-                <a:sym typeface="Arial"/>
-              </a:rPr>
-              <a:t>usar</a:t>
-            </a:r>
-            <a:r>
-              <a:rPr lang="en-US" sz="1500" dirty="0">
-                <a:solidFill>
-                  <a:srgbClr val="008000"/>
-                </a:solidFill>
-                <a:latin typeface="Arial"/>
-                <a:ea typeface="Arial"/>
-                <a:cs typeface="Arial"/>
-                <a:sym typeface="Arial"/>
-              </a:rPr>
-              <a:t> “notebook” </a:t>
-            </a:r>
-            <a:r>
-              <a:rPr lang="en-US" sz="1500" dirty="0" err="1">
-                <a:solidFill>
-                  <a:srgbClr val="008000"/>
-                </a:solidFill>
-                <a:latin typeface="Arial"/>
-                <a:ea typeface="Arial"/>
-                <a:cs typeface="Arial"/>
-                <a:sym typeface="Arial"/>
-              </a:rPr>
-              <a:t>ao</a:t>
-            </a:r>
-            <a:r>
-              <a:rPr lang="en-US" sz="1500" dirty="0">
-                <a:solidFill>
-                  <a:srgbClr val="008000"/>
-                </a:solidFill>
-                <a:latin typeface="Arial"/>
-                <a:ea typeface="Arial"/>
-                <a:cs typeface="Arial"/>
-                <a:sym typeface="Arial"/>
-              </a:rPr>
-              <a:t> </a:t>
-            </a:r>
-            <a:r>
-              <a:rPr lang="en-US" sz="1500" dirty="0" err="1">
-                <a:solidFill>
-                  <a:srgbClr val="008000"/>
-                </a:solidFill>
-                <a:latin typeface="Arial"/>
-                <a:ea typeface="Arial"/>
-                <a:cs typeface="Arial"/>
-                <a:sym typeface="Arial"/>
-              </a:rPr>
-              <a:t>inves</a:t>
-            </a:r>
-            <a:r>
-              <a:rPr lang="en-US" sz="1500" dirty="0">
-                <a:solidFill>
-                  <a:srgbClr val="008000"/>
-                </a:solidFill>
-                <a:latin typeface="Arial"/>
-                <a:ea typeface="Arial"/>
-                <a:cs typeface="Arial"/>
-                <a:sym typeface="Arial"/>
-              </a:rPr>
-              <a:t> de “inline</a:t>
-            </a:r>
-            <a:r>
-              <a:rPr lang="en-US" sz="1500" dirty="0">
-                <a:solidFill>
-                  <a:srgbClr val="000000"/>
-                </a:solidFill>
-                <a:latin typeface="Arial"/>
-                <a:ea typeface="Arial"/>
-                <a:cs typeface="Arial"/>
-                <a:sym typeface="Arial"/>
-              </a:rPr>
-              <a:t>”</a:t>
-            </a:r>
-            <a:endParaRPr sz="1500" dirty="0">
-              <a:solidFill>
-                <a:schemeClr val="dk1"/>
-              </a:solidFill>
-              <a:latin typeface="Arial"/>
-              <a:ea typeface="Arial"/>
-              <a:cs typeface="Arial"/>
-              <a:sym typeface="Arial"/>
-            </a:endParaRPr>
-          </a:p>
-          <a:p>
-            <a:pPr marL="0" marR="0" lvl="0" indent="0" algn="l" rtl="0">
-              <a:lnSpc>
-                <a:spcPct val="120000"/>
-              </a:lnSpc>
-              <a:spcBef>
-                <a:spcPts val="0"/>
-              </a:spcBef>
-              <a:spcAft>
-                <a:spcPts val="0"/>
-              </a:spcAft>
-              <a:buClr>
-                <a:srgbClr val="000000"/>
-              </a:buClr>
-              <a:buSzPts val="1875"/>
-              <a:buNone/>
-            </a:pPr>
-            <a:r>
-              <a:rPr lang="en-US" sz="1500" dirty="0">
-                <a:solidFill>
-                  <a:schemeClr val="dk1"/>
-                </a:solidFill>
-                <a:latin typeface="Arial"/>
-                <a:ea typeface="Arial"/>
-                <a:cs typeface="Arial"/>
-                <a:sym typeface="Arial"/>
-              </a:rPr>
-              <a:t>%</a:t>
-            </a:r>
-            <a:r>
-              <a:rPr lang="en-US" sz="1500" dirty="0" err="1">
-                <a:solidFill>
-                  <a:schemeClr val="dk1"/>
-                </a:solidFill>
-                <a:latin typeface="Arial"/>
-                <a:ea typeface="Arial"/>
-                <a:cs typeface="Arial"/>
-                <a:sym typeface="Arial"/>
-              </a:rPr>
-              <a:t>matplotlib</a:t>
-            </a:r>
-            <a:r>
-              <a:rPr lang="en-US" sz="1500" dirty="0">
-                <a:solidFill>
-                  <a:schemeClr val="dk1"/>
-                </a:solidFill>
-                <a:latin typeface="Arial"/>
-                <a:ea typeface="Arial"/>
-                <a:cs typeface="Arial"/>
-                <a:sym typeface="Arial"/>
-              </a:rPr>
-              <a:t> notebook</a:t>
-            </a:r>
-            <a:endParaRPr sz="1500" dirty="0">
-              <a:solidFill>
-                <a:srgbClr val="000000"/>
-              </a:solidFill>
-              <a:latin typeface="Arial"/>
-              <a:ea typeface="Arial"/>
-              <a:cs typeface="Arial"/>
-              <a:sym typeface="Arial"/>
-            </a:endParaRPr>
-          </a:p>
-          <a:p>
-            <a:pPr marL="0" marR="0" lvl="0" indent="0" algn="l" rtl="0">
-              <a:lnSpc>
-                <a:spcPct val="120000"/>
-              </a:lnSpc>
-              <a:spcBef>
-                <a:spcPts val="0"/>
-              </a:spcBef>
-              <a:spcAft>
-                <a:spcPts val="0"/>
-              </a:spcAft>
-              <a:buClr>
-                <a:srgbClr val="000000"/>
-              </a:buClr>
-              <a:buSzPts val="1875"/>
-              <a:buFont typeface="Arial"/>
-              <a:buNone/>
-            </a:pPr>
-            <a:endParaRPr sz="1500" dirty="0">
-              <a:solidFill>
-                <a:srgbClr val="000000"/>
-              </a:solidFill>
-              <a:latin typeface="Arial"/>
-              <a:ea typeface="Arial"/>
-              <a:cs typeface="Arial"/>
-              <a:sym typeface="Arial"/>
-            </a:endParaRPr>
-          </a:p>
-          <a:p>
-            <a:pPr marL="0" marR="0" lvl="0" indent="0" algn="l" rtl="0">
-              <a:lnSpc>
-                <a:spcPct val="120000"/>
-              </a:lnSpc>
-              <a:spcBef>
-                <a:spcPts val="0"/>
-              </a:spcBef>
-              <a:spcAft>
-                <a:spcPts val="0"/>
-              </a:spcAft>
-              <a:buClr>
-                <a:srgbClr val="000000"/>
-              </a:buClr>
-              <a:buSzPts val="1875"/>
-              <a:buFont typeface="Arial"/>
-              <a:buNone/>
-            </a:pPr>
-            <a:r>
-              <a:rPr lang="en-US" sz="1500" dirty="0">
-                <a:solidFill>
-                  <a:srgbClr val="000000"/>
-                </a:solidFill>
-                <a:latin typeface="Arial"/>
-                <a:ea typeface="Arial"/>
-                <a:cs typeface="Arial"/>
-                <a:sym typeface="Arial"/>
-              </a:rPr>
-              <a:t>ax = </a:t>
-            </a:r>
-            <a:r>
-              <a:rPr lang="en-US" sz="1500" dirty="0" err="1">
-                <a:solidFill>
-                  <a:srgbClr val="000000"/>
-                </a:solidFill>
-                <a:latin typeface="Arial"/>
-                <a:ea typeface="Arial"/>
-                <a:cs typeface="Arial"/>
-                <a:sym typeface="Arial"/>
-              </a:rPr>
-              <a:t>plt.subplot</a:t>
-            </a:r>
-            <a:r>
-              <a:rPr lang="en-US" sz="1500" dirty="0">
-                <a:solidFill>
-                  <a:srgbClr val="000000"/>
-                </a:solidFill>
-                <a:latin typeface="Arial"/>
-                <a:ea typeface="Arial"/>
-                <a:cs typeface="Arial"/>
-                <a:sym typeface="Arial"/>
-              </a:rPr>
-              <a:t>(111, projection='3d')</a:t>
-            </a:r>
-            <a:endParaRPr sz="1500" dirty="0">
-              <a:solidFill>
-                <a:srgbClr val="000000"/>
-              </a:solidFill>
-              <a:latin typeface="Arial"/>
-              <a:ea typeface="Arial"/>
-              <a:cs typeface="Arial"/>
-              <a:sym typeface="Arial"/>
-            </a:endParaRPr>
-          </a:p>
-          <a:p>
-            <a:pPr marL="0" marR="0" lvl="0" indent="0" algn="l" rtl="0">
-              <a:lnSpc>
-                <a:spcPct val="120000"/>
-              </a:lnSpc>
-              <a:spcBef>
-                <a:spcPts val="0"/>
-              </a:spcBef>
-              <a:spcAft>
-                <a:spcPts val="0"/>
-              </a:spcAft>
-              <a:buClr>
-                <a:srgbClr val="000000"/>
-              </a:buClr>
-              <a:buSzPts val="1875"/>
-              <a:buFont typeface="Arial"/>
-              <a:buNone/>
-            </a:pPr>
-            <a:r>
-              <a:rPr lang="en-US" sz="1500" dirty="0">
-                <a:solidFill>
-                  <a:srgbClr val="000000"/>
-                </a:solidFill>
-                <a:latin typeface="Arial"/>
-                <a:ea typeface="Arial"/>
-                <a:cs typeface="Arial"/>
-                <a:sym typeface="Arial"/>
-              </a:rPr>
-              <a:t>X, Y, Z = axes3d.get_test_data (0.1)</a:t>
-            </a:r>
-            <a:endParaRPr sz="1500" dirty="0">
-              <a:solidFill>
-                <a:srgbClr val="000000"/>
-              </a:solidFill>
-              <a:latin typeface="Arial"/>
-              <a:ea typeface="Arial"/>
-              <a:cs typeface="Arial"/>
-              <a:sym typeface="Arial"/>
-            </a:endParaRPr>
-          </a:p>
-          <a:p>
-            <a:pPr marL="0" marR="0" lvl="0" indent="0" algn="l" rtl="0">
-              <a:lnSpc>
-                <a:spcPct val="120000"/>
-              </a:lnSpc>
-              <a:spcBef>
-                <a:spcPts val="0"/>
-              </a:spcBef>
-              <a:spcAft>
-                <a:spcPts val="0"/>
-              </a:spcAft>
-              <a:buClr>
-                <a:srgbClr val="000000"/>
-              </a:buClr>
-              <a:buSzPts val="1875"/>
-              <a:buNone/>
-            </a:pPr>
-            <a:r>
-              <a:rPr lang="en-US" sz="1500" dirty="0" err="1">
-                <a:solidFill>
-                  <a:srgbClr val="000000"/>
-                </a:solidFill>
-                <a:latin typeface="Arial"/>
-                <a:ea typeface="Arial"/>
-                <a:cs typeface="Arial"/>
-                <a:sym typeface="Arial"/>
-              </a:rPr>
-              <a:t>ax.plot_wireframe</a:t>
-            </a:r>
-            <a:r>
-              <a:rPr lang="en-US" sz="1500" dirty="0">
-                <a:solidFill>
-                  <a:srgbClr val="000000"/>
-                </a:solidFill>
-                <a:latin typeface="Arial"/>
-                <a:ea typeface="Arial"/>
-                <a:cs typeface="Arial"/>
-                <a:sym typeface="Arial"/>
-              </a:rPr>
-              <a:t>(X, Y, Z)</a:t>
-            </a:r>
-            <a:endParaRPr sz="1500" dirty="0">
-              <a:solidFill>
-                <a:srgbClr val="000000"/>
-              </a:solidFill>
-              <a:latin typeface="Arial"/>
-              <a:ea typeface="Arial"/>
-              <a:cs typeface="Arial"/>
-              <a:sym typeface="Arial"/>
-            </a:endParaRPr>
-          </a:p>
-          <a:p>
-            <a:pPr marL="0" marR="0" lvl="0" indent="0" algn="l" rtl="0">
-              <a:lnSpc>
-                <a:spcPct val="120000"/>
-              </a:lnSpc>
-              <a:spcBef>
-                <a:spcPts val="0"/>
-              </a:spcBef>
-              <a:spcAft>
-                <a:spcPts val="0"/>
-              </a:spcAft>
-              <a:buClr>
-                <a:srgbClr val="000000"/>
-              </a:buClr>
-              <a:buSzPts val="1875"/>
-              <a:buNone/>
-            </a:pPr>
-            <a:endParaRPr sz="1500" dirty="0">
-              <a:solidFill>
-                <a:srgbClr val="000000"/>
-              </a:solidFill>
-              <a:latin typeface="Arial"/>
-              <a:ea typeface="Arial"/>
-              <a:cs typeface="Arial"/>
-              <a:sym typeface="Arial"/>
-            </a:endParaRPr>
-          </a:p>
-          <a:p>
-            <a:pPr marL="0" lvl="0" indent="0" algn="l" rtl="0">
-              <a:spcBef>
-                <a:spcPts val="0"/>
-              </a:spcBef>
-              <a:spcAft>
-                <a:spcPts val="0"/>
-              </a:spcAft>
-              <a:buClr>
-                <a:srgbClr val="008000"/>
-              </a:buClr>
-              <a:buSzPts val="1875"/>
-              <a:buFont typeface="Arial"/>
-              <a:buNone/>
-            </a:pPr>
-            <a:r>
-              <a:rPr lang="en-US" sz="1500" dirty="0">
-                <a:solidFill>
-                  <a:srgbClr val="008000"/>
-                </a:solidFill>
-                <a:latin typeface="Arial"/>
-                <a:ea typeface="Arial"/>
-                <a:cs typeface="Arial"/>
-                <a:sym typeface="Arial"/>
-              </a:rPr>
-              <a:t># </a:t>
-            </a:r>
-            <a:r>
-              <a:rPr lang="en-US" sz="1500" dirty="0" err="1">
-                <a:solidFill>
-                  <a:srgbClr val="008000"/>
-                </a:solidFill>
-                <a:latin typeface="Arial"/>
-                <a:ea typeface="Arial"/>
-                <a:cs typeface="Arial"/>
-                <a:sym typeface="Arial"/>
-              </a:rPr>
-              <a:t>salva</a:t>
-            </a:r>
-            <a:r>
-              <a:rPr lang="en-US" sz="1500" dirty="0">
-                <a:solidFill>
-                  <a:srgbClr val="008000"/>
-                </a:solidFill>
-                <a:latin typeface="Arial"/>
-                <a:ea typeface="Arial"/>
-                <a:cs typeface="Arial"/>
-                <a:sym typeface="Arial"/>
-              </a:rPr>
-              <a:t> </a:t>
-            </a:r>
-            <a:r>
-              <a:rPr lang="en-US" sz="1500" dirty="0" err="1">
-                <a:solidFill>
-                  <a:srgbClr val="008000"/>
-                </a:solidFill>
-                <a:latin typeface="Arial"/>
-                <a:ea typeface="Arial"/>
-                <a:cs typeface="Arial"/>
-                <a:sym typeface="Arial"/>
-              </a:rPr>
-              <a:t>figura</a:t>
-            </a:r>
-            <a:r>
-              <a:rPr lang="en-US" sz="1500" dirty="0">
-                <a:solidFill>
-                  <a:srgbClr val="008000"/>
-                </a:solidFill>
-                <a:latin typeface="Arial"/>
-                <a:ea typeface="Arial"/>
-                <a:cs typeface="Arial"/>
-                <a:sym typeface="Arial"/>
-              </a:rPr>
-              <a:t> </a:t>
-            </a:r>
-            <a:r>
-              <a:rPr lang="en-US" sz="1500" dirty="0" err="1">
-                <a:solidFill>
-                  <a:srgbClr val="008000"/>
-                </a:solidFill>
-                <a:latin typeface="Arial"/>
-                <a:ea typeface="Arial"/>
-                <a:cs typeface="Arial"/>
-                <a:sym typeface="Arial"/>
-              </a:rPr>
-              <a:t>em</a:t>
-            </a:r>
-            <a:r>
-              <a:rPr lang="en-US" sz="1500" dirty="0">
-                <a:solidFill>
-                  <a:srgbClr val="008000"/>
-                </a:solidFill>
-                <a:latin typeface="Arial"/>
-                <a:ea typeface="Arial"/>
-                <a:cs typeface="Arial"/>
-                <a:sym typeface="Arial"/>
-              </a:rPr>
-              <a:t> </a:t>
-            </a:r>
-            <a:r>
-              <a:rPr lang="en-US" sz="1500" dirty="0" err="1">
-                <a:solidFill>
-                  <a:srgbClr val="008000"/>
-                </a:solidFill>
-                <a:latin typeface="Arial"/>
-                <a:ea typeface="Arial"/>
-                <a:cs typeface="Arial"/>
-                <a:sym typeface="Arial"/>
-              </a:rPr>
-              <a:t>arquivo</a:t>
-            </a:r>
-            <a:endParaRPr sz="1500" dirty="0">
-              <a:solidFill>
-                <a:srgbClr val="000000"/>
-              </a:solidFill>
-              <a:latin typeface="Arial"/>
-              <a:ea typeface="Arial"/>
-              <a:cs typeface="Arial"/>
-              <a:sym typeface="Arial"/>
-            </a:endParaRPr>
-          </a:p>
-          <a:p>
-            <a:pPr marL="0" marR="0" lvl="0" indent="0" algn="l" rtl="0">
-              <a:lnSpc>
-                <a:spcPct val="120000"/>
-              </a:lnSpc>
-              <a:spcBef>
-                <a:spcPts val="0"/>
-              </a:spcBef>
-              <a:spcAft>
-                <a:spcPts val="0"/>
-              </a:spcAft>
-              <a:buClr>
-                <a:schemeClr val="dk1"/>
-              </a:buClr>
-              <a:buSzPts val="1100"/>
-              <a:buNone/>
-            </a:pPr>
-            <a:r>
-              <a:rPr lang="en-US" sz="1500" dirty="0" err="1">
-                <a:solidFill>
-                  <a:srgbClr val="000000"/>
-                </a:solidFill>
-                <a:latin typeface="Arial"/>
-                <a:ea typeface="Arial"/>
-                <a:cs typeface="Arial"/>
-                <a:sym typeface="Arial"/>
-              </a:rPr>
-              <a:t>plt.savefig</a:t>
-            </a:r>
-            <a:r>
-              <a:rPr lang="en-US" sz="1500" dirty="0">
-                <a:solidFill>
-                  <a:srgbClr val="000000"/>
-                </a:solidFill>
-                <a:latin typeface="Arial"/>
-                <a:ea typeface="Arial"/>
-                <a:cs typeface="Arial"/>
-                <a:sym typeface="Arial"/>
-              </a:rPr>
-              <a:t>('figura3d.png')</a:t>
-            </a:r>
-            <a:endParaRPr dirty="0"/>
-          </a:p>
-        </p:txBody>
-      </p:sp>
-      <p:pic>
-        <p:nvPicPr>
-          <p:cNvPr id="372" name="Google Shape;372;g70582b999c_0_0"/>
-          <p:cNvPicPr preferRelativeResize="0"/>
-          <p:nvPr/>
-        </p:nvPicPr>
-        <p:blipFill rotWithShape="1">
-          <a:blip r:embed="rId3">
-            <a:alphaModFix/>
-          </a:blip>
-          <a:srcRect l="19564" t="15120" r="9523" b="8204"/>
-          <a:stretch/>
-        </p:blipFill>
-        <p:spPr>
-          <a:xfrm>
-            <a:off x="6855009" y="3253857"/>
-            <a:ext cx="4829625" cy="3481271"/>
-          </a:xfrm>
-          <a:prstGeom prst="rect">
-            <a:avLst/>
-          </a:prstGeom>
-          <a:noFill/>
-          <a:ln>
-            <a:noFill/>
-          </a:ln>
-        </p:spPr>
-      </p:pic>
-      <p:sp>
-        <p:nvSpPr>
-          <p:cNvPr id="6" name="Title 1"/>
-          <p:cNvSpPr txBox="1">
-            <a:spLocks/>
-          </p:cNvSpPr>
-          <p:nvPr/>
-        </p:nvSpPr>
-        <p:spPr>
-          <a:xfrm>
-            <a:off x="838200" y="365125"/>
-            <a:ext cx="10846434" cy="1325563"/>
-          </a:xfrm>
-          <a:prstGeom prst="rect">
-            <a:avLst/>
-          </a:prstGeom>
-        </p:spPr>
-        <p:txBody>
-          <a:bodyPr vert="horz" lIns="91440" tIns="45720" rIns="91440" bIns="45720" rtlCol="0" anchor="ctr">
-            <a:normAutofit/>
-          </a:bodyPr>
-          <a:lstStyle>
-            <a:lvl1pPr algn="l" defTabSz="914400" rtl="0" eaLnBrk="1" latinLnBrk="0" hangingPunct="1">
-              <a:lnSpc>
-                <a:spcPct val="90000"/>
-              </a:lnSpc>
-              <a:spcBef>
-                <a:spcPct val="0"/>
-              </a:spcBef>
-              <a:buNone/>
-              <a:defRPr sz="4400" kern="1200">
-                <a:solidFill>
-                  <a:schemeClr val="tx1"/>
-                </a:solidFill>
-                <a:latin typeface="+mj-lt"/>
-                <a:ea typeface="+mj-ea"/>
-                <a:cs typeface="+mj-cs"/>
-              </a:defRPr>
-            </a:lvl1pPr>
-          </a:lstStyle>
-          <a:p>
-            <a:r>
-              <a:rPr lang="pt-BR" dirty="0" smtClean="0"/>
-              <a:t>Figura 3D</a:t>
-            </a:r>
-            <a:endParaRPr lang="nl-BE" dirty="0"/>
-          </a:p>
-        </p:txBody>
-      </p:sp>
-      <p:sp>
-        <p:nvSpPr>
-          <p:cNvPr id="2" name="TextBox 1"/>
-          <p:cNvSpPr txBox="1"/>
-          <p:nvPr/>
-        </p:nvSpPr>
-        <p:spPr>
-          <a:xfrm>
-            <a:off x="6855010" y="2869809"/>
-            <a:ext cx="4829624" cy="384048"/>
-          </a:xfrm>
-          <a:prstGeom prst="rect">
-            <a:avLst/>
-          </a:prstGeom>
-          <a:noFill/>
-        </p:spPr>
-        <p:txBody>
-          <a:bodyPr wrap="square" rtlCol="0">
-            <a:spAutoFit/>
-          </a:bodyPr>
-          <a:lstStyle/>
-          <a:p>
-            <a:pPr algn="ctr"/>
-            <a:r>
-              <a:rPr lang="pt-BR" b="1" dirty="0" smtClean="0">
-                <a:solidFill>
-                  <a:srgbClr val="00B0F0"/>
-                </a:solidFill>
-                <a:hlinkClick r:id="rId4"/>
-              </a:rPr>
-              <a:t>Exemplo (binder): </a:t>
-            </a:r>
-            <a:r>
-              <a:rPr lang="pt-BR" b="1" dirty="0">
-                <a:solidFill>
-                  <a:srgbClr val="00B0F0"/>
-                </a:solidFill>
-                <a:hlinkClick r:id="rId4"/>
-              </a:rPr>
-              <a:t>Figura_3D.ipynb</a:t>
-            </a:r>
-            <a:endParaRPr lang="pt-BR" b="1" dirty="0">
-              <a:solidFill>
-                <a:srgbClr val="00B0F0"/>
-              </a:solidFill>
-            </a:endParaRPr>
-          </a:p>
-        </p:txBody>
-      </p:sp>
-      <p:sp>
-        <p:nvSpPr>
-          <p:cNvPr id="7" name="TextBox 6"/>
-          <p:cNvSpPr txBox="1"/>
-          <p:nvPr/>
-        </p:nvSpPr>
-        <p:spPr>
-          <a:xfrm>
-            <a:off x="3912381" y="6416300"/>
-            <a:ext cx="4829624" cy="384048"/>
-          </a:xfrm>
-          <a:prstGeom prst="rect">
-            <a:avLst/>
-          </a:prstGeom>
-          <a:noFill/>
-        </p:spPr>
-        <p:txBody>
-          <a:bodyPr wrap="square" rtlCol="0">
-            <a:spAutoFit/>
-          </a:bodyPr>
-          <a:lstStyle/>
-          <a:p>
-            <a:pPr algn="ctr"/>
-            <a:r>
-              <a:rPr lang="pt-BR" b="1" dirty="0" smtClean="0">
-                <a:solidFill>
-                  <a:srgbClr val="00B0F0"/>
-                </a:solidFill>
-                <a:hlinkClick r:id="rId5"/>
-              </a:rPr>
-              <a:t>Exemplo (colab): </a:t>
-            </a:r>
-            <a:r>
-              <a:rPr lang="pt-BR" b="1" dirty="0">
-                <a:solidFill>
-                  <a:srgbClr val="00B0F0"/>
-                </a:solidFill>
-                <a:hlinkClick r:id="rId5"/>
-              </a:rPr>
-              <a:t>Figura_3D.ipynb</a:t>
-            </a:r>
-            <a:endParaRPr lang="pt-BR" b="1" dirty="0">
-              <a:solidFill>
-                <a:srgbClr val="00B0F0"/>
-              </a:solidFill>
-            </a:endParaRPr>
-          </a:p>
-        </p:txBody>
-      </p:sp>
-    </p:spTree>
-    <p:extLst>
-      <p:ext uri="{BB962C8B-B14F-4D97-AF65-F5344CB8AC3E}">
-        <p14:creationId xmlns:p14="http://schemas.microsoft.com/office/powerpoint/2010/main" val="2459492208"/>
-      </p:ext>
-    </p:extLst>
-  </p:cSld>
-  <p:clrMapOvr>
-    <a:masterClrMapping/>
-  </p:clrMapOvr>
-  <p:timing>
-    <p:tnLst>
-      <p:par>
-        <p:cTn id="1" dur="indefinite" restart="never" nodeType="tmRoot"/>
-      </p:par>
-    </p:tnLst>
-  </p:timing>
-</p:sld>
-</file>
-
-<file path=ppt/slides/slide34.xml><?xml version="1.0" encoding="utf-8"?>
-<p:sld xmlns:a="http://schemas.openxmlformats.org/drawingml/2006/main" xmlns:r="http://schemas.openxmlformats.org/officeDocument/2006/relationships" xmlns:p="http://schemas.openxmlformats.org/presentationml/2006/main">
-  <p:cSld>
-    <p:spTree>
-      <p:nvGrpSpPr>
         <p:cNvPr id="1" name="Shape 383"/>
         <p:cNvGrpSpPr/>
         <p:nvPr/>
@@ -25199,7 +23921,7 @@
               <a:t>y </a:t>
             </a:r>
             <a:r>
-              <a:rPr lang="en-US" sz="1000" dirty="0" smtClean="0">
+              <a:rPr lang="en-US" sz="1000" smtClean="0">
                 <a:solidFill>
                   <a:schemeClr val="dk1"/>
                 </a:solidFill>
@@ -25208,10 +23930,10 @@
                 <a:cs typeface="Arial"/>
                 <a:sym typeface="Arial"/>
               </a:rPr>
-              <a:t>= 12 + 3 </a:t>
-            </a:r>
-            <a:r>
-              <a:rPr lang="en-US" sz="1000" dirty="0">
+              <a:t>= </a:t>
+            </a:r>
+            <a:r>
+              <a:rPr lang="en-US" sz="1000" smtClean="0">
                 <a:solidFill>
                   <a:schemeClr val="dk1"/>
                 </a:solidFill>
@@ -25220,31 +23942,7 @@
                 <a:cs typeface="Arial"/>
                 <a:sym typeface="Arial"/>
               </a:rPr>
-              <a:t>* </a:t>
-            </a:r>
-            <a:r>
-              <a:rPr lang="en-US" sz="1000" dirty="0" err="1">
-                <a:solidFill>
-                  <a:schemeClr val="dk1"/>
-                </a:solidFill>
-                <a:latin typeface="Arial"/>
-                <a:ea typeface="Arial"/>
-                <a:cs typeface="Arial"/>
-                <a:sym typeface="Arial"/>
-              </a:rPr>
-              <a:t>np.exp</a:t>
-            </a:r>
-            <a:r>
-              <a:rPr lang="en-US" sz="1000" dirty="0">
-                <a:solidFill>
-                  <a:schemeClr val="dk1"/>
-                </a:solidFill>
-                <a:latin typeface="Arial"/>
-                <a:ea typeface="Arial"/>
-                <a:cs typeface="Arial"/>
-                <a:sym typeface="Arial"/>
-              </a:rPr>
-              <a:t>(-0.05*x) </a:t>
+              <a:t>2 </a:t>
             </a:r>
             <a:r>
               <a:rPr lang="en-US" sz="1000" dirty="0" smtClean="0">
@@ -27272,6 +25970,1210 @@
     <p:extLst>
       <p:ext uri="{BB962C8B-B14F-4D97-AF65-F5344CB8AC3E}">
         <p14:creationId xmlns:p14="http://schemas.microsoft.com/office/powerpoint/2010/main" val="31076781"/>
+      </p:ext>
+    </p:extLst>
+  </p:cSld>
+  <p:clrMapOvr>
+    <a:masterClrMapping/>
+  </p:clrMapOvr>
+  <p:timing>
+    <p:tnLst>
+      <p:par>
+        <p:cTn id="1" dur="indefinite" restart="never" nodeType="tmRoot"/>
+      </p:par>
+    </p:tnLst>
+  </p:timing>
+</p:sld>
+</file>
+
+<file path=ppt/slides/slide34.xml><?xml version="1.0" encoding="utf-8"?>
+<p:sld xmlns:a="http://schemas.openxmlformats.org/drawingml/2006/main" xmlns:r="http://schemas.openxmlformats.org/officeDocument/2006/relationships" xmlns:p="http://schemas.openxmlformats.org/presentationml/2006/main">
+  <p:cSld>
+    <p:spTree>
+      <p:nvGrpSpPr>
+        <p:cNvPr id="1" name="Shape 369"/>
+        <p:cNvGrpSpPr/>
+        <p:nvPr/>
+      </p:nvGrpSpPr>
+      <p:grpSpPr>
+        <a:xfrm>
+          <a:off x="0" y="0"/>
+          <a:ext cx="0" cy="0"/>
+          <a:chOff x="0" y="0"/>
+          <a:chExt cx="0" cy="0"/>
+        </a:xfrm>
+      </p:grpSpPr>
+      <p:sp>
+        <p:nvSpPr>
+          <p:cNvPr id="371" name="Google Shape;371;g70582b999c_0_0"/>
+          <p:cNvSpPr txBox="1">
+            <a:spLocks noGrp="1"/>
+          </p:cNvSpPr>
+          <p:nvPr>
+            <p:ph type="body" idx="1"/>
+          </p:nvPr>
+        </p:nvSpPr>
+        <p:spPr>
+          <a:xfrm>
+            <a:off x="838200" y="1889828"/>
+            <a:ext cx="9790800" cy="4845300"/>
+          </a:xfrm>
+          <a:prstGeom prst="rect">
+            <a:avLst/>
+          </a:prstGeom>
+          <a:noFill/>
+          <a:ln>
+            <a:noFill/>
+          </a:ln>
+        </p:spPr>
+        <p:txBody>
+          <a:bodyPr spcFirstLastPara="1" wrap="square" lIns="91425" tIns="45700" rIns="91425" bIns="45700" anchor="t" anchorCtr="0">
+            <a:noAutofit/>
+          </a:bodyPr>
+          <a:lstStyle/>
+          <a:p>
+            <a:pPr marL="0" lvl="0" indent="0" algn="l" rtl="0">
+              <a:spcBef>
+                <a:spcPts val="0"/>
+              </a:spcBef>
+              <a:spcAft>
+                <a:spcPts val="0"/>
+              </a:spcAft>
+              <a:buClr>
+                <a:schemeClr val="dk1"/>
+              </a:buClr>
+              <a:buSzPts val="1875"/>
+              <a:buNone/>
+            </a:pPr>
+            <a:r>
+              <a:rPr lang="en-US" sz="1500" dirty="0">
+                <a:solidFill>
+                  <a:schemeClr val="dk1"/>
+                </a:solidFill>
+                <a:latin typeface="Arial"/>
+                <a:ea typeface="Arial"/>
+                <a:cs typeface="Arial"/>
+                <a:sym typeface="Arial"/>
+              </a:rPr>
+              <a:t>import </a:t>
+            </a:r>
+            <a:r>
+              <a:rPr lang="en-US" sz="1500" dirty="0" err="1">
+                <a:solidFill>
+                  <a:schemeClr val="dk1"/>
+                </a:solidFill>
+                <a:latin typeface="Arial"/>
+                <a:ea typeface="Arial"/>
+                <a:cs typeface="Arial"/>
+                <a:sym typeface="Arial"/>
+              </a:rPr>
+              <a:t>matplotlib.pyplot</a:t>
+            </a:r>
+            <a:r>
+              <a:rPr lang="en-US" sz="1500" dirty="0">
+                <a:solidFill>
+                  <a:schemeClr val="dk1"/>
+                </a:solidFill>
+                <a:latin typeface="Arial"/>
+                <a:ea typeface="Arial"/>
+                <a:cs typeface="Arial"/>
+                <a:sym typeface="Arial"/>
+              </a:rPr>
+              <a:t> as </a:t>
+            </a:r>
+            <a:r>
+              <a:rPr lang="en-US" sz="1500" dirty="0" err="1">
+                <a:solidFill>
+                  <a:schemeClr val="dk1"/>
+                </a:solidFill>
+                <a:latin typeface="Arial"/>
+                <a:ea typeface="Arial"/>
+                <a:cs typeface="Arial"/>
+                <a:sym typeface="Arial"/>
+              </a:rPr>
+              <a:t>plt</a:t>
+            </a:r>
+            <a:endParaRPr sz="1500" dirty="0">
+              <a:solidFill>
+                <a:schemeClr val="dk1"/>
+              </a:solidFill>
+              <a:latin typeface="Arial"/>
+              <a:ea typeface="Arial"/>
+              <a:cs typeface="Arial"/>
+              <a:sym typeface="Arial"/>
+            </a:endParaRPr>
+          </a:p>
+          <a:p>
+            <a:pPr marL="0" lvl="0" indent="0" algn="l" rtl="0">
+              <a:spcBef>
+                <a:spcPts val="0"/>
+              </a:spcBef>
+              <a:spcAft>
+                <a:spcPts val="0"/>
+              </a:spcAft>
+              <a:buClr>
+                <a:schemeClr val="dk1"/>
+              </a:buClr>
+              <a:buSzPts val="1875"/>
+              <a:buFont typeface="Arial"/>
+              <a:buNone/>
+            </a:pPr>
+            <a:r>
+              <a:rPr lang="en-US" sz="1500" dirty="0">
+                <a:solidFill>
+                  <a:srgbClr val="008000"/>
+                </a:solidFill>
+                <a:latin typeface="Arial"/>
+                <a:ea typeface="Arial"/>
+                <a:cs typeface="Arial"/>
+                <a:sym typeface="Arial"/>
+              </a:rPr>
+              <a:t># </a:t>
+            </a:r>
+            <a:r>
+              <a:rPr lang="en-US" sz="1500" dirty="0" err="1">
+                <a:solidFill>
+                  <a:srgbClr val="008000"/>
+                </a:solidFill>
+                <a:latin typeface="Arial"/>
+                <a:ea typeface="Arial"/>
+                <a:cs typeface="Arial"/>
+                <a:sym typeface="Arial"/>
+              </a:rPr>
+              <a:t>facilita</a:t>
+            </a:r>
+            <a:r>
+              <a:rPr lang="en-US" sz="1500" dirty="0">
+                <a:solidFill>
+                  <a:srgbClr val="008000"/>
+                </a:solidFill>
+                <a:latin typeface="Arial"/>
+                <a:ea typeface="Arial"/>
+                <a:cs typeface="Arial"/>
+                <a:sym typeface="Arial"/>
+              </a:rPr>
+              <a:t> </a:t>
+            </a:r>
+            <a:r>
+              <a:rPr lang="en-US" sz="1500" dirty="0" err="1">
+                <a:solidFill>
+                  <a:srgbClr val="008000"/>
+                </a:solidFill>
+                <a:latin typeface="Arial"/>
+                <a:ea typeface="Arial"/>
+                <a:cs typeface="Arial"/>
+                <a:sym typeface="Arial"/>
+              </a:rPr>
+              <a:t>visualizacao</a:t>
+            </a:r>
+            <a:r>
+              <a:rPr lang="en-US" sz="1500" dirty="0">
+                <a:solidFill>
+                  <a:srgbClr val="008000"/>
+                </a:solidFill>
+                <a:latin typeface="Arial"/>
+                <a:ea typeface="Arial"/>
+                <a:cs typeface="Arial"/>
+                <a:sym typeface="Arial"/>
+              </a:rPr>
+              <a:t> de </a:t>
+            </a:r>
+            <a:r>
+              <a:rPr lang="en-US" sz="1500" dirty="0" err="1">
+                <a:solidFill>
+                  <a:srgbClr val="008000"/>
+                </a:solidFill>
+                <a:latin typeface="Arial"/>
+                <a:ea typeface="Arial"/>
+                <a:cs typeface="Arial"/>
+                <a:sym typeface="Arial"/>
+              </a:rPr>
+              <a:t>figuras</a:t>
+            </a:r>
+            <a:r>
+              <a:rPr lang="en-US" sz="1500" dirty="0">
+                <a:solidFill>
+                  <a:srgbClr val="008000"/>
+                </a:solidFill>
+                <a:latin typeface="Arial"/>
+                <a:ea typeface="Arial"/>
+                <a:cs typeface="Arial"/>
+                <a:sym typeface="Arial"/>
+              </a:rPr>
+              <a:t> 3D</a:t>
+            </a:r>
+            <a:endParaRPr sz="1500" dirty="0">
+              <a:solidFill>
+                <a:schemeClr val="dk1"/>
+              </a:solidFill>
+              <a:latin typeface="Arial"/>
+              <a:ea typeface="Arial"/>
+              <a:cs typeface="Arial"/>
+              <a:sym typeface="Arial"/>
+            </a:endParaRPr>
+          </a:p>
+          <a:p>
+            <a:pPr marL="0" marR="0" lvl="0" indent="0" algn="l" rtl="0">
+              <a:lnSpc>
+                <a:spcPct val="120000"/>
+              </a:lnSpc>
+              <a:spcBef>
+                <a:spcPts val="0"/>
+              </a:spcBef>
+              <a:spcAft>
+                <a:spcPts val="0"/>
+              </a:spcAft>
+              <a:buClr>
+                <a:srgbClr val="000000"/>
+              </a:buClr>
+              <a:buSzPts val="1875"/>
+              <a:buNone/>
+            </a:pPr>
+            <a:r>
+              <a:rPr lang="en-US" sz="1500" dirty="0">
+                <a:solidFill>
+                  <a:srgbClr val="000000"/>
+                </a:solidFill>
+                <a:latin typeface="Arial"/>
+                <a:ea typeface="Arial"/>
+                <a:cs typeface="Arial"/>
+                <a:sym typeface="Arial"/>
+              </a:rPr>
+              <a:t>from mpl_toolkits.mplot3d import axes3d</a:t>
+            </a:r>
+            <a:r>
+              <a:rPr lang="en-US" sz="1500" dirty="0">
+                <a:solidFill>
+                  <a:srgbClr val="008000"/>
+                </a:solidFill>
+                <a:latin typeface="Arial"/>
+                <a:ea typeface="Arial"/>
+                <a:cs typeface="Arial"/>
+                <a:sym typeface="Arial"/>
+              </a:rPr>
+              <a:t> # </a:t>
+            </a:r>
+            <a:r>
+              <a:rPr lang="en-US" sz="1500" dirty="0" err="1">
+                <a:solidFill>
+                  <a:srgbClr val="008000"/>
+                </a:solidFill>
+                <a:latin typeface="Arial"/>
+                <a:ea typeface="Arial"/>
+                <a:cs typeface="Arial"/>
+                <a:sym typeface="Arial"/>
+              </a:rPr>
+              <a:t>graficos</a:t>
+            </a:r>
+            <a:r>
+              <a:rPr lang="en-US" sz="1500" dirty="0">
+                <a:solidFill>
+                  <a:srgbClr val="008000"/>
+                </a:solidFill>
+                <a:latin typeface="Arial"/>
+                <a:ea typeface="Arial"/>
+                <a:cs typeface="Arial"/>
+                <a:sym typeface="Arial"/>
+              </a:rPr>
+              <a:t> 3D </a:t>
+            </a:r>
+            <a:r>
+              <a:rPr lang="en-US" sz="1500" dirty="0" err="1">
+                <a:solidFill>
+                  <a:srgbClr val="008000"/>
+                </a:solidFill>
+                <a:latin typeface="Arial"/>
+                <a:ea typeface="Arial"/>
+                <a:cs typeface="Arial"/>
+                <a:sym typeface="Arial"/>
+              </a:rPr>
+              <a:t>sao</a:t>
+            </a:r>
+            <a:r>
+              <a:rPr lang="en-US" sz="1500" dirty="0">
+                <a:solidFill>
+                  <a:srgbClr val="008000"/>
+                </a:solidFill>
+                <a:latin typeface="Arial"/>
+                <a:ea typeface="Arial"/>
+                <a:cs typeface="Arial"/>
+                <a:sym typeface="Arial"/>
+              </a:rPr>
+              <a:t> </a:t>
+            </a:r>
+            <a:r>
+              <a:rPr lang="en-US" sz="1500" dirty="0" err="1">
+                <a:solidFill>
+                  <a:srgbClr val="008000"/>
+                </a:solidFill>
+                <a:latin typeface="Arial"/>
+                <a:ea typeface="Arial"/>
+                <a:cs typeface="Arial"/>
+                <a:sym typeface="Arial"/>
+              </a:rPr>
+              <a:t>habilitados</a:t>
+            </a:r>
+            <a:r>
+              <a:rPr lang="en-US" sz="1500" dirty="0">
+                <a:solidFill>
+                  <a:srgbClr val="008000"/>
+                </a:solidFill>
+                <a:latin typeface="Arial"/>
+                <a:ea typeface="Arial"/>
+                <a:cs typeface="Arial"/>
+                <a:sym typeface="Arial"/>
+              </a:rPr>
+              <a:t> </a:t>
+            </a:r>
+            <a:r>
+              <a:rPr lang="en-US" sz="1500" dirty="0" err="1">
+                <a:solidFill>
+                  <a:srgbClr val="008000"/>
+                </a:solidFill>
+                <a:latin typeface="Arial"/>
+                <a:ea typeface="Arial"/>
+                <a:cs typeface="Arial"/>
+                <a:sym typeface="Arial"/>
+              </a:rPr>
+              <a:t>importando</a:t>
+            </a:r>
+            <a:r>
+              <a:rPr lang="en-US" sz="1500" dirty="0">
+                <a:solidFill>
+                  <a:srgbClr val="008000"/>
+                </a:solidFill>
+                <a:latin typeface="Arial"/>
+                <a:ea typeface="Arial"/>
+                <a:cs typeface="Arial"/>
+                <a:sym typeface="Arial"/>
+              </a:rPr>
+              <a:t> axes3d</a:t>
+            </a:r>
+            <a:endParaRPr sz="1500" dirty="0">
+              <a:solidFill>
+                <a:srgbClr val="008000"/>
+              </a:solidFill>
+              <a:latin typeface="Arial"/>
+              <a:ea typeface="Arial"/>
+              <a:cs typeface="Arial"/>
+              <a:sym typeface="Arial"/>
+            </a:endParaRPr>
+          </a:p>
+          <a:p>
+            <a:pPr marL="0" marR="0" lvl="0" indent="0" algn="l" rtl="0">
+              <a:lnSpc>
+                <a:spcPct val="120000"/>
+              </a:lnSpc>
+              <a:spcBef>
+                <a:spcPts val="0"/>
+              </a:spcBef>
+              <a:spcAft>
+                <a:spcPts val="0"/>
+              </a:spcAft>
+              <a:buClr>
+                <a:srgbClr val="000000"/>
+              </a:buClr>
+              <a:buSzPts val="1875"/>
+              <a:buNone/>
+            </a:pPr>
+            <a:endParaRPr sz="1500" dirty="0">
+              <a:solidFill>
+                <a:srgbClr val="000000"/>
+              </a:solidFill>
+              <a:latin typeface="Arial"/>
+              <a:ea typeface="Arial"/>
+              <a:cs typeface="Arial"/>
+              <a:sym typeface="Arial"/>
+            </a:endParaRPr>
+          </a:p>
+          <a:p>
+            <a:pPr marL="0" marR="0" lvl="0" indent="0" algn="l" rtl="0">
+              <a:lnSpc>
+                <a:spcPct val="120000"/>
+              </a:lnSpc>
+              <a:spcBef>
+                <a:spcPts val="0"/>
+              </a:spcBef>
+              <a:spcAft>
+                <a:spcPts val="0"/>
+              </a:spcAft>
+              <a:buClr>
+                <a:srgbClr val="000000"/>
+              </a:buClr>
+              <a:buSzPts val="1875"/>
+              <a:buNone/>
+            </a:pPr>
+            <a:r>
+              <a:rPr lang="en-US" sz="1500" dirty="0">
+                <a:solidFill>
+                  <a:srgbClr val="008000"/>
+                </a:solidFill>
+                <a:latin typeface="Arial"/>
+                <a:ea typeface="Arial"/>
+                <a:cs typeface="Arial"/>
+                <a:sym typeface="Arial"/>
+              </a:rPr>
+              <a:t># para </a:t>
+            </a:r>
+            <a:r>
+              <a:rPr lang="en-US" sz="1500" dirty="0" err="1">
+                <a:solidFill>
+                  <a:srgbClr val="008000"/>
+                </a:solidFill>
+                <a:latin typeface="Arial"/>
+                <a:ea typeface="Arial"/>
+                <a:cs typeface="Arial"/>
+                <a:sym typeface="Arial"/>
+              </a:rPr>
+              <a:t>figuras</a:t>
+            </a:r>
+            <a:r>
+              <a:rPr lang="en-US" sz="1500" dirty="0">
+                <a:solidFill>
+                  <a:srgbClr val="008000"/>
+                </a:solidFill>
+                <a:latin typeface="Arial"/>
+                <a:ea typeface="Arial"/>
+                <a:cs typeface="Arial"/>
+                <a:sym typeface="Arial"/>
+              </a:rPr>
+              <a:t> </a:t>
+            </a:r>
+            <a:r>
+              <a:rPr lang="en-US" sz="1500" dirty="0" err="1">
+                <a:solidFill>
+                  <a:srgbClr val="008000"/>
+                </a:solidFill>
+                <a:latin typeface="Arial"/>
+                <a:ea typeface="Arial"/>
+                <a:cs typeface="Arial"/>
+                <a:sym typeface="Arial"/>
+              </a:rPr>
+              <a:t>interativas</a:t>
+            </a:r>
+            <a:r>
+              <a:rPr lang="en-US" sz="1500" dirty="0">
+                <a:solidFill>
+                  <a:srgbClr val="008000"/>
+                </a:solidFill>
+                <a:latin typeface="Arial"/>
+                <a:ea typeface="Arial"/>
+                <a:cs typeface="Arial"/>
+                <a:sym typeface="Arial"/>
+              </a:rPr>
+              <a:t> </a:t>
+            </a:r>
+            <a:r>
+              <a:rPr lang="en-US" sz="1500" dirty="0" err="1">
+                <a:solidFill>
+                  <a:srgbClr val="008000"/>
+                </a:solidFill>
+                <a:latin typeface="Arial"/>
+                <a:ea typeface="Arial"/>
+                <a:cs typeface="Arial"/>
+                <a:sym typeface="Arial"/>
+              </a:rPr>
+              <a:t>usar</a:t>
+            </a:r>
+            <a:r>
+              <a:rPr lang="en-US" sz="1500" dirty="0">
+                <a:solidFill>
+                  <a:srgbClr val="008000"/>
+                </a:solidFill>
+                <a:latin typeface="Arial"/>
+                <a:ea typeface="Arial"/>
+                <a:cs typeface="Arial"/>
+                <a:sym typeface="Arial"/>
+              </a:rPr>
+              <a:t> “notebook” </a:t>
+            </a:r>
+            <a:r>
+              <a:rPr lang="en-US" sz="1500" dirty="0" err="1">
+                <a:solidFill>
+                  <a:srgbClr val="008000"/>
+                </a:solidFill>
+                <a:latin typeface="Arial"/>
+                <a:ea typeface="Arial"/>
+                <a:cs typeface="Arial"/>
+                <a:sym typeface="Arial"/>
+              </a:rPr>
+              <a:t>ao</a:t>
+            </a:r>
+            <a:r>
+              <a:rPr lang="en-US" sz="1500" dirty="0">
+                <a:solidFill>
+                  <a:srgbClr val="008000"/>
+                </a:solidFill>
+                <a:latin typeface="Arial"/>
+                <a:ea typeface="Arial"/>
+                <a:cs typeface="Arial"/>
+                <a:sym typeface="Arial"/>
+              </a:rPr>
+              <a:t> </a:t>
+            </a:r>
+            <a:r>
+              <a:rPr lang="en-US" sz="1500" dirty="0" err="1">
+                <a:solidFill>
+                  <a:srgbClr val="008000"/>
+                </a:solidFill>
+                <a:latin typeface="Arial"/>
+                <a:ea typeface="Arial"/>
+                <a:cs typeface="Arial"/>
+                <a:sym typeface="Arial"/>
+              </a:rPr>
+              <a:t>inves</a:t>
+            </a:r>
+            <a:r>
+              <a:rPr lang="en-US" sz="1500" dirty="0">
+                <a:solidFill>
+                  <a:srgbClr val="008000"/>
+                </a:solidFill>
+                <a:latin typeface="Arial"/>
+                <a:ea typeface="Arial"/>
+                <a:cs typeface="Arial"/>
+                <a:sym typeface="Arial"/>
+              </a:rPr>
+              <a:t> de “inline</a:t>
+            </a:r>
+            <a:r>
+              <a:rPr lang="en-US" sz="1500" dirty="0">
+                <a:solidFill>
+                  <a:srgbClr val="000000"/>
+                </a:solidFill>
+                <a:latin typeface="Arial"/>
+                <a:ea typeface="Arial"/>
+                <a:cs typeface="Arial"/>
+                <a:sym typeface="Arial"/>
+              </a:rPr>
+              <a:t>”</a:t>
+            </a:r>
+            <a:endParaRPr sz="1500" dirty="0">
+              <a:solidFill>
+                <a:schemeClr val="dk1"/>
+              </a:solidFill>
+              <a:latin typeface="Arial"/>
+              <a:ea typeface="Arial"/>
+              <a:cs typeface="Arial"/>
+              <a:sym typeface="Arial"/>
+            </a:endParaRPr>
+          </a:p>
+          <a:p>
+            <a:pPr marL="0" marR="0" lvl="0" indent="0" algn="l" rtl="0">
+              <a:lnSpc>
+                <a:spcPct val="120000"/>
+              </a:lnSpc>
+              <a:spcBef>
+                <a:spcPts val="0"/>
+              </a:spcBef>
+              <a:spcAft>
+                <a:spcPts val="0"/>
+              </a:spcAft>
+              <a:buClr>
+                <a:srgbClr val="000000"/>
+              </a:buClr>
+              <a:buSzPts val="1875"/>
+              <a:buNone/>
+            </a:pPr>
+            <a:r>
+              <a:rPr lang="en-US" sz="1500" dirty="0">
+                <a:solidFill>
+                  <a:schemeClr val="dk1"/>
+                </a:solidFill>
+                <a:latin typeface="Arial"/>
+                <a:ea typeface="Arial"/>
+                <a:cs typeface="Arial"/>
+                <a:sym typeface="Arial"/>
+              </a:rPr>
+              <a:t>%</a:t>
+            </a:r>
+            <a:r>
+              <a:rPr lang="en-US" sz="1500" dirty="0" err="1">
+                <a:solidFill>
+                  <a:schemeClr val="dk1"/>
+                </a:solidFill>
+                <a:latin typeface="Arial"/>
+                <a:ea typeface="Arial"/>
+                <a:cs typeface="Arial"/>
+                <a:sym typeface="Arial"/>
+              </a:rPr>
+              <a:t>matplotlib</a:t>
+            </a:r>
+            <a:r>
+              <a:rPr lang="en-US" sz="1500" dirty="0">
+                <a:solidFill>
+                  <a:schemeClr val="dk1"/>
+                </a:solidFill>
+                <a:latin typeface="Arial"/>
+                <a:ea typeface="Arial"/>
+                <a:cs typeface="Arial"/>
+                <a:sym typeface="Arial"/>
+              </a:rPr>
+              <a:t> notebook</a:t>
+            </a:r>
+            <a:endParaRPr sz="1500" dirty="0">
+              <a:solidFill>
+                <a:srgbClr val="000000"/>
+              </a:solidFill>
+              <a:latin typeface="Arial"/>
+              <a:ea typeface="Arial"/>
+              <a:cs typeface="Arial"/>
+              <a:sym typeface="Arial"/>
+            </a:endParaRPr>
+          </a:p>
+          <a:p>
+            <a:pPr marL="0" marR="0" lvl="0" indent="0" algn="l" rtl="0">
+              <a:lnSpc>
+                <a:spcPct val="120000"/>
+              </a:lnSpc>
+              <a:spcBef>
+                <a:spcPts val="0"/>
+              </a:spcBef>
+              <a:spcAft>
+                <a:spcPts val="0"/>
+              </a:spcAft>
+              <a:buClr>
+                <a:srgbClr val="000000"/>
+              </a:buClr>
+              <a:buSzPts val="1875"/>
+              <a:buFont typeface="Arial"/>
+              <a:buNone/>
+            </a:pPr>
+            <a:endParaRPr sz="1500" dirty="0">
+              <a:solidFill>
+                <a:srgbClr val="000000"/>
+              </a:solidFill>
+              <a:latin typeface="Arial"/>
+              <a:ea typeface="Arial"/>
+              <a:cs typeface="Arial"/>
+              <a:sym typeface="Arial"/>
+            </a:endParaRPr>
+          </a:p>
+          <a:p>
+            <a:pPr marL="0" marR="0" lvl="0" indent="0" algn="l" rtl="0">
+              <a:lnSpc>
+                <a:spcPct val="120000"/>
+              </a:lnSpc>
+              <a:spcBef>
+                <a:spcPts val="0"/>
+              </a:spcBef>
+              <a:spcAft>
+                <a:spcPts val="0"/>
+              </a:spcAft>
+              <a:buClr>
+                <a:srgbClr val="000000"/>
+              </a:buClr>
+              <a:buSzPts val="1875"/>
+              <a:buFont typeface="Arial"/>
+              <a:buNone/>
+            </a:pPr>
+            <a:r>
+              <a:rPr lang="en-US" sz="1500" dirty="0">
+                <a:solidFill>
+                  <a:srgbClr val="000000"/>
+                </a:solidFill>
+                <a:latin typeface="Arial"/>
+                <a:ea typeface="Arial"/>
+                <a:cs typeface="Arial"/>
+                <a:sym typeface="Arial"/>
+              </a:rPr>
+              <a:t>ax = </a:t>
+            </a:r>
+            <a:r>
+              <a:rPr lang="en-US" sz="1500" dirty="0" err="1">
+                <a:solidFill>
+                  <a:srgbClr val="000000"/>
+                </a:solidFill>
+                <a:latin typeface="Arial"/>
+                <a:ea typeface="Arial"/>
+                <a:cs typeface="Arial"/>
+                <a:sym typeface="Arial"/>
+              </a:rPr>
+              <a:t>plt.subplot</a:t>
+            </a:r>
+            <a:r>
+              <a:rPr lang="en-US" sz="1500" dirty="0">
+                <a:solidFill>
+                  <a:srgbClr val="000000"/>
+                </a:solidFill>
+                <a:latin typeface="Arial"/>
+                <a:ea typeface="Arial"/>
+                <a:cs typeface="Arial"/>
+                <a:sym typeface="Arial"/>
+              </a:rPr>
+              <a:t>(111, projection='3d')</a:t>
+            </a:r>
+            <a:endParaRPr sz="1500" dirty="0">
+              <a:solidFill>
+                <a:srgbClr val="000000"/>
+              </a:solidFill>
+              <a:latin typeface="Arial"/>
+              <a:ea typeface="Arial"/>
+              <a:cs typeface="Arial"/>
+              <a:sym typeface="Arial"/>
+            </a:endParaRPr>
+          </a:p>
+          <a:p>
+            <a:pPr marL="0" marR="0" lvl="0" indent="0" algn="l" rtl="0">
+              <a:lnSpc>
+                <a:spcPct val="120000"/>
+              </a:lnSpc>
+              <a:spcBef>
+                <a:spcPts val="0"/>
+              </a:spcBef>
+              <a:spcAft>
+                <a:spcPts val="0"/>
+              </a:spcAft>
+              <a:buClr>
+                <a:srgbClr val="000000"/>
+              </a:buClr>
+              <a:buSzPts val="1875"/>
+              <a:buFont typeface="Arial"/>
+              <a:buNone/>
+            </a:pPr>
+            <a:r>
+              <a:rPr lang="en-US" sz="1500" dirty="0">
+                <a:solidFill>
+                  <a:srgbClr val="000000"/>
+                </a:solidFill>
+                <a:latin typeface="Arial"/>
+                <a:ea typeface="Arial"/>
+                <a:cs typeface="Arial"/>
+                <a:sym typeface="Arial"/>
+              </a:rPr>
+              <a:t>X, Y, Z = axes3d.get_test_data (0.1)</a:t>
+            </a:r>
+            <a:endParaRPr sz="1500" dirty="0">
+              <a:solidFill>
+                <a:srgbClr val="000000"/>
+              </a:solidFill>
+              <a:latin typeface="Arial"/>
+              <a:ea typeface="Arial"/>
+              <a:cs typeface="Arial"/>
+              <a:sym typeface="Arial"/>
+            </a:endParaRPr>
+          </a:p>
+          <a:p>
+            <a:pPr marL="0" marR="0" lvl="0" indent="0" algn="l" rtl="0">
+              <a:lnSpc>
+                <a:spcPct val="120000"/>
+              </a:lnSpc>
+              <a:spcBef>
+                <a:spcPts val="0"/>
+              </a:spcBef>
+              <a:spcAft>
+                <a:spcPts val="0"/>
+              </a:spcAft>
+              <a:buClr>
+                <a:srgbClr val="000000"/>
+              </a:buClr>
+              <a:buSzPts val="1875"/>
+              <a:buNone/>
+            </a:pPr>
+            <a:r>
+              <a:rPr lang="en-US" sz="1500" dirty="0" err="1">
+                <a:solidFill>
+                  <a:srgbClr val="000000"/>
+                </a:solidFill>
+                <a:latin typeface="Arial"/>
+                <a:ea typeface="Arial"/>
+                <a:cs typeface="Arial"/>
+                <a:sym typeface="Arial"/>
+              </a:rPr>
+              <a:t>ax.plot_wireframe</a:t>
+            </a:r>
+            <a:r>
+              <a:rPr lang="en-US" sz="1500" dirty="0">
+                <a:solidFill>
+                  <a:srgbClr val="000000"/>
+                </a:solidFill>
+                <a:latin typeface="Arial"/>
+                <a:ea typeface="Arial"/>
+                <a:cs typeface="Arial"/>
+                <a:sym typeface="Arial"/>
+              </a:rPr>
+              <a:t>(X, Y, Z)</a:t>
+            </a:r>
+            <a:endParaRPr sz="1500" dirty="0">
+              <a:solidFill>
+                <a:srgbClr val="000000"/>
+              </a:solidFill>
+              <a:latin typeface="Arial"/>
+              <a:ea typeface="Arial"/>
+              <a:cs typeface="Arial"/>
+              <a:sym typeface="Arial"/>
+            </a:endParaRPr>
+          </a:p>
+          <a:p>
+            <a:pPr marL="0" marR="0" lvl="0" indent="0" algn="l" rtl="0">
+              <a:lnSpc>
+                <a:spcPct val="120000"/>
+              </a:lnSpc>
+              <a:spcBef>
+                <a:spcPts val="0"/>
+              </a:spcBef>
+              <a:spcAft>
+                <a:spcPts val="0"/>
+              </a:spcAft>
+              <a:buClr>
+                <a:srgbClr val="000000"/>
+              </a:buClr>
+              <a:buSzPts val="1875"/>
+              <a:buNone/>
+            </a:pPr>
+            <a:endParaRPr sz="1500" dirty="0">
+              <a:solidFill>
+                <a:srgbClr val="000000"/>
+              </a:solidFill>
+              <a:latin typeface="Arial"/>
+              <a:ea typeface="Arial"/>
+              <a:cs typeface="Arial"/>
+              <a:sym typeface="Arial"/>
+            </a:endParaRPr>
+          </a:p>
+          <a:p>
+            <a:pPr marL="0" lvl="0" indent="0" algn="l" rtl="0">
+              <a:spcBef>
+                <a:spcPts val="0"/>
+              </a:spcBef>
+              <a:spcAft>
+                <a:spcPts val="0"/>
+              </a:spcAft>
+              <a:buClr>
+                <a:srgbClr val="008000"/>
+              </a:buClr>
+              <a:buSzPts val="1875"/>
+              <a:buFont typeface="Arial"/>
+              <a:buNone/>
+            </a:pPr>
+            <a:r>
+              <a:rPr lang="en-US" sz="1500" dirty="0">
+                <a:solidFill>
+                  <a:srgbClr val="008000"/>
+                </a:solidFill>
+                <a:latin typeface="Arial"/>
+                <a:ea typeface="Arial"/>
+                <a:cs typeface="Arial"/>
+                <a:sym typeface="Arial"/>
+              </a:rPr>
+              <a:t># </a:t>
+            </a:r>
+            <a:r>
+              <a:rPr lang="en-US" sz="1500" dirty="0" err="1">
+                <a:solidFill>
+                  <a:srgbClr val="008000"/>
+                </a:solidFill>
+                <a:latin typeface="Arial"/>
+                <a:ea typeface="Arial"/>
+                <a:cs typeface="Arial"/>
+                <a:sym typeface="Arial"/>
+              </a:rPr>
+              <a:t>salva</a:t>
+            </a:r>
+            <a:r>
+              <a:rPr lang="en-US" sz="1500" dirty="0">
+                <a:solidFill>
+                  <a:srgbClr val="008000"/>
+                </a:solidFill>
+                <a:latin typeface="Arial"/>
+                <a:ea typeface="Arial"/>
+                <a:cs typeface="Arial"/>
+                <a:sym typeface="Arial"/>
+              </a:rPr>
+              <a:t> </a:t>
+            </a:r>
+            <a:r>
+              <a:rPr lang="en-US" sz="1500" dirty="0" err="1">
+                <a:solidFill>
+                  <a:srgbClr val="008000"/>
+                </a:solidFill>
+                <a:latin typeface="Arial"/>
+                <a:ea typeface="Arial"/>
+                <a:cs typeface="Arial"/>
+                <a:sym typeface="Arial"/>
+              </a:rPr>
+              <a:t>figura</a:t>
+            </a:r>
+            <a:r>
+              <a:rPr lang="en-US" sz="1500" dirty="0">
+                <a:solidFill>
+                  <a:srgbClr val="008000"/>
+                </a:solidFill>
+                <a:latin typeface="Arial"/>
+                <a:ea typeface="Arial"/>
+                <a:cs typeface="Arial"/>
+                <a:sym typeface="Arial"/>
+              </a:rPr>
+              <a:t> </a:t>
+            </a:r>
+            <a:r>
+              <a:rPr lang="en-US" sz="1500" dirty="0" err="1">
+                <a:solidFill>
+                  <a:srgbClr val="008000"/>
+                </a:solidFill>
+                <a:latin typeface="Arial"/>
+                <a:ea typeface="Arial"/>
+                <a:cs typeface="Arial"/>
+                <a:sym typeface="Arial"/>
+              </a:rPr>
+              <a:t>em</a:t>
+            </a:r>
+            <a:r>
+              <a:rPr lang="en-US" sz="1500" dirty="0">
+                <a:solidFill>
+                  <a:srgbClr val="008000"/>
+                </a:solidFill>
+                <a:latin typeface="Arial"/>
+                <a:ea typeface="Arial"/>
+                <a:cs typeface="Arial"/>
+                <a:sym typeface="Arial"/>
+              </a:rPr>
+              <a:t> </a:t>
+            </a:r>
+            <a:r>
+              <a:rPr lang="en-US" sz="1500" dirty="0" err="1">
+                <a:solidFill>
+                  <a:srgbClr val="008000"/>
+                </a:solidFill>
+                <a:latin typeface="Arial"/>
+                <a:ea typeface="Arial"/>
+                <a:cs typeface="Arial"/>
+                <a:sym typeface="Arial"/>
+              </a:rPr>
+              <a:t>arquivo</a:t>
+            </a:r>
+            <a:endParaRPr sz="1500" dirty="0">
+              <a:solidFill>
+                <a:srgbClr val="000000"/>
+              </a:solidFill>
+              <a:latin typeface="Arial"/>
+              <a:ea typeface="Arial"/>
+              <a:cs typeface="Arial"/>
+              <a:sym typeface="Arial"/>
+            </a:endParaRPr>
+          </a:p>
+          <a:p>
+            <a:pPr marL="0" marR="0" lvl="0" indent="0" algn="l" rtl="0">
+              <a:lnSpc>
+                <a:spcPct val="120000"/>
+              </a:lnSpc>
+              <a:spcBef>
+                <a:spcPts val="0"/>
+              </a:spcBef>
+              <a:spcAft>
+                <a:spcPts val="0"/>
+              </a:spcAft>
+              <a:buClr>
+                <a:schemeClr val="dk1"/>
+              </a:buClr>
+              <a:buSzPts val="1100"/>
+              <a:buNone/>
+            </a:pPr>
+            <a:r>
+              <a:rPr lang="en-US" sz="1500" dirty="0" err="1">
+                <a:solidFill>
+                  <a:srgbClr val="000000"/>
+                </a:solidFill>
+                <a:latin typeface="Arial"/>
+                <a:ea typeface="Arial"/>
+                <a:cs typeface="Arial"/>
+                <a:sym typeface="Arial"/>
+              </a:rPr>
+              <a:t>plt.savefig</a:t>
+            </a:r>
+            <a:r>
+              <a:rPr lang="en-US" sz="1500" dirty="0">
+                <a:solidFill>
+                  <a:srgbClr val="000000"/>
+                </a:solidFill>
+                <a:latin typeface="Arial"/>
+                <a:ea typeface="Arial"/>
+                <a:cs typeface="Arial"/>
+                <a:sym typeface="Arial"/>
+              </a:rPr>
+              <a:t>('figura3d.png')</a:t>
+            </a:r>
+            <a:endParaRPr dirty="0"/>
+          </a:p>
+        </p:txBody>
+      </p:sp>
+      <p:pic>
+        <p:nvPicPr>
+          <p:cNvPr id="372" name="Google Shape;372;g70582b999c_0_0"/>
+          <p:cNvPicPr preferRelativeResize="0"/>
+          <p:nvPr/>
+        </p:nvPicPr>
+        <p:blipFill rotWithShape="1">
+          <a:blip r:embed="rId3">
+            <a:alphaModFix/>
+          </a:blip>
+          <a:srcRect l="19564" t="15120" r="9523" b="8204"/>
+          <a:stretch/>
+        </p:blipFill>
+        <p:spPr>
+          <a:xfrm>
+            <a:off x="6855009" y="3253857"/>
+            <a:ext cx="4829625" cy="3481271"/>
+          </a:xfrm>
+          <a:prstGeom prst="rect">
+            <a:avLst/>
+          </a:prstGeom>
+          <a:noFill/>
+          <a:ln>
+            <a:noFill/>
+          </a:ln>
+        </p:spPr>
+      </p:pic>
+      <p:sp>
+        <p:nvSpPr>
+          <p:cNvPr id="6" name="Title 1"/>
+          <p:cNvSpPr txBox="1">
+            <a:spLocks/>
+          </p:cNvSpPr>
+          <p:nvPr/>
+        </p:nvSpPr>
+        <p:spPr>
+          <a:xfrm>
+            <a:off x="838200" y="365125"/>
+            <a:ext cx="10846434" cy="1325563"/>
+          </a:xfrm>
+          <a:prstGeom prst="rect">
+            <a:avLst/>
+          </a:prstGeom>
+        </p:spPr>
+        <p:txBody>
+          <a:bodyPr vert="horz" lIns="91440" tIns="45720" rIns="91440" bIns="45720" rtlCol="0" anchor="ctr">
+            <a:normAutofit/>
+          </a:bodyPr>
+          <a:lstStyle>
+            <a:lvl1pPr algn="l" defTabSz="914400" rtl="0" eaLnBrk="1" latinLnBrk="0" hangingPunct="1">
+              <a:lnSpc>
+                <a:spcPct val="90000"/>
+              </a:lnSpc>
+              <a:spcBef>
+                <a:spcPct val="0"/>
+              </a:spcBef>
+              <a:buNone/>
+              <a:defRPr sz="4400" kern="1200">
+                <a:solidFill>
+                  <a:schemeClr val="tx1"/>
+                </a:solidFill>
+                <a:latin typeface="+mj-lt"/>
+                <a:ea typeface="+mj-ea"/>
+                <a:cs typeface="+mj-cs"/>
+              </a:defRPr>
+            </a:lvl1pPr>
+          </a:lstStyle>
+          <a:p>
+            <a:r>
+              <a:rPr lang="pt-BR" dirty="0" smtClean="0"/>
+              <a:t>Figura 3D</a:t>
+            </a:r>
+            <a:endParaRPr lang="nl-BE" dirty="0"/>
+          </a:p>
+        </p:txBody>
+      </p:sp>
+      <p:sp>
+        <p:nvSpPr>
+          <p:cNvPr id="2" name="TextBox 1"/>
+          <p:cNvSpPr txBox="1"/>
+          <p:nvPr/>
+        </p:nvSpPr>
+        <p:spPr>
+          <a:xfrm>
+            <a:off x="6855010" y="2869809"/>
+            <a:ext cx="4829624" cy="384048"/>
+          </a:xfrm>
+          <a:prstGeom prst="rect">
+            <a:avLst/>
+          </a:prstGeom>
+          <a:noFill/>
+        </p:spPr>
+        <p:txBody>
+          <a:bodyPr wrap="square" rtlCol="0">
+            <a:spAutoFit/>
+          </a:bodyPr>
+          <a:lstStyle/>
+          <a:p>
+            <a:pPr algn="ctr"/>
+            <a:r>
+              <a:rPr lang="pt-BR" b="1" dirty="0" smtClean="0">
+                <a:solidFill>
+                  <a:srgbClr val="00B0F0"/>
+                </a:solidFill>
+                <a:hlinkClick r:id="rId4"/>
+              </a:rPr>
+              <a:t>Exemplo (binder): </a:t>
+            </a:r>
+            <a:r>
+              <a:rPr lang="pt-BR" b="1" dirty="0">
+                <a:solidFill>
+                  <a:srgbClr val="00B0F0"/>
+                </a:solidFill>
+                <a:hlinkClick r:id="rId4"/>
+              </a:rPr>
+              <a:t>Figura_3D.ipynb</a:t>
+            </a:r>
+            <a:endParaRPr lang="pt-BR" b="1" dirty="0">
+              <a:solidFill>
+                <a:srgbClr val="00B0F0"/>
+              </a:solidFill>
+            </a:endParaRPr>
+          </a:p>
+        </p:txBody>
+      </p:sp>
+      <p:sp>
+        <p:nvSpPr>
+          <p:cNvPr id="7" name="TextBox 6"/>
+          <p:cNvSpPr txBox="1"/>
+          <p:nvPr/>
+        </p:nvSpPr>
+        <p:spPr>
+          <a:xfrm>
+            <a:off x="3912381" y="6416300"/>
+            <a:ext cx="4829624" cy="384048"/>
+          </a:xfrm>
+          <a:prstGeom prst="rect">
+            <a:avLst/>
+          </a:prstGeom>
+          <a:noFill/>
+        </p:spPr>
+        <p:txBody>
+          <a:bodyPr wrap="square" rtlCol="0">
+            <a:spAutoFit/>
+          </a:bodyPr>
+          <a:lstStyle/>
+          <a:p>
+            <a:pPr algn="ctr"/>
+            <a:r>
+              <a:rPr lang="pt-BR" b="1" dirty="0" smtClean="0">
+                <a:solidFill>
+                  <a:srgbClr val="00B0F0"/>
+                </a:solidFill>
+                <a:hlinkClick r:id="rId5"/>
+              </a:rPr>
+              <a:t>Exemplo (colab): </a:t>
+            </a:r>
+            <a:r>
+              <a:rPr lang="pt-BR" b="1" dirty="0">
+                <a:solidFill>
+                  <a:srgbClr val="00B0F0"/>
+                </a:solidFill>
+                <a:hlinkClick r:id="rId5"/>
+              </a:rPr>
+              <a:t>Figura_3D.ipynb</a:t>
+            </a:r>
+            <a:endParaRPr lang="pt-BR" b="1" dirty="0">
+              <a:solidFill>
+                <a:srgbClr val="00B0F0"/>
+              </a:solidFill>
+            </a:endParaRPr>
+          </a:p>
+        </p:txBody>
+      </p:sp>
+    </p:spTree>
+    <p:extLst>
+      <p:ext uri="{BB962C8B-B14F-4D97-AF65-F5344CB8AC3E}">
+        <p14:creationId xmlns:p14="http://schemas.microsoft.com/office/powerpoint/2010/main" val="2459492208"/>
       </p:ext>
     </p:extLst>
   </p:cSld>
@@ -27310,7 +27212,7 @@
           <p:cNvPr id="2" name="Título 1">
             <a:extLst>
               <a:ext uri="{FF2B5EF4-FFF2-40B4-BE49-F238E27FC236}">
-                <a16:creationId xmlns:a16="http://schemas.microsoft.com/office/drawing/2014/main" xmlns="" id="{A2A4684C-1159-4F88-A2B1-6BABEDE38C4D}"/>
+                <a16:creationId xmlns="" xmlns:a16="http://schemas.microsoft.com/office/drawing/2014/main" id="{A2A4684C-1159-4F88-A2B1-6BABEDE38C4D}"/>
               </a:ext>
             </a:extLst>
           </p:cNvPr>
@@ -27338,7 +27240,7 @@
           <p:cNvPr id="3" name="Espaço Reservado para Conteúdo 2">
             <a:extLst>
               <a:ext uri="{FF2B5EF4-FFF2-40B4-BE49-F238E27FC236}">
-                <a16:creationId xmlns:a16="http://schemas.microsoft.com/office/drawing/2014/main" xmlns="" id="{EC432B31-D382-41FF-BB6B-2ABDD322424B}"/>
+                <a16:creationId xmlns="" xmlns:a16="http://schemas.microsoft.com/office/drawing/2014/main" id="{EC432B31-D382-41FF-BB6B-2ABDD322424B}"/>
               </a:ext>
             </a:extLst>
           </p:cNvPr>
@@ -27549,15 +27451,7 @@
             </a:r>
             <a:r>
               <a:rPr lang="pt-BR" dirty="0" smtClean="0"/>
-              <a:t>] Coleção </a:t>
-            </a:r>
-            <a:r>
-              <a:rPr lang="pt-BR" dirty="0" smtClean="0"/>
-              <a:t>de livros</a:t>
-            </a:r>
-            <a:r>
-              <a:rPr lang="pt-BR" dirty="0" smtClean="0"/>
-              <a:t>, </a:t>
+              <a:t>] Coleção de livros, </a:t>
             </a:r>
             <a:r>
               <a:rPr lang="pt-BR" dirty="0" smtClean="0">
@@ -28003,7 +27897,7 @@
           <p:cNvPr id="4" name="Título 1">
             <a:extLst>
               <a:ext uri="{FF2B5EF4-FFF2-40B4-BE49-F238E27FC236}">
-                <a16:creationId xmlns:a16="http://schemas.microsoft.com/office/drawing/2014/main" xmlns="" id="{32666AC8-2E17-4DB4-B0F5-60C640CCFD2E}"/>
+                <a16:creationId xmlns="" xmlns:a16="http://schemas.microsoft.com/office/drawing/2014/main" id="{32666AC8-2E17-4DB4-B0F5-60C640CCFD2E}"/>
               </a:ext>
             </a:extLst>
           </p:cNvPr>
@@ -28191,7 +28085,7 @@
           <p:cNvPr id="2" name="Título 1">
             <a:extLst>
               <a:ext uri="{FF2B5EF4-FFF2-40B4-BE49-F238E27FC236}">
-                <a16:creationId xmlns:a16="http://schemas.microsoft.com/office/drawing/2014/main" xmlns="" id="{C4F48192-B348-4C3E-8621-D3755D2230F8}"/>
+                <a16:creationId xmlns="" xmlns:a16="http://schemas.microsoft.com/office/drawing/2014/main" id="{C4F48192-B348-4C3E-8621-D3755D2230F8}"/>
               </a:ext>
             </a:extLst>
           </p:cNvPr>
@@ -28228,7 +28122,7 @@
           <p:cNvPr id="3" name="Espaço Reservado para Conteúdo 2">
             <a:extLst>
               <a:ext uri="{FF2B5EF4-FFF2-40B4-BE49-F238E27FC236}">
-                <a16:creationId xmlns:a16="http://schemas.microsoft.com/office/drawing/2014/main" xmlns="" id="{E3DECB90-AFD9-4AC6-A356-C93A7442A6E6}"/>
+                <a16:creationId xmlns="" xmlns:a16="http://schemas.microsoft.com/office/drawing/2014/main" id="{E3DECB90-AFD9-4AC6-A356-C93A7442A6E6}"/>
               </a:ext>
             </a:extLst>
           </p:cNvPr>
@@ -28382,7 +28276,7 @@
           <p:cNvPr id="3074" name="Picture 2" descr="Image result for machine learning">
             <a:extLst>
               <a:ext uri="{FF2B5EF4-FFF2-40B4-BE49-F238E27FC236}">
-                <a16:creationId xmlns:a16="http://schemas.microsoft.com/office/drawing/2014/main" xmlns="" id="{78A93243-9634-4B0E-B1B2-37A218EAEADD}"/>
+                <a16:creationId xmlns="" xmlns:a16="http://schemas.microsoft.com/office/drawing/2014/main" id="{78A93243-9634-4B0E-B1B2-37A218EAEADD}"/>
               </a:ext>
             </a:extLst>
           </p:cNvPr>
@@ -28500,7 +28394,7 @@
           <p:cNvPr id="4" name="Agrupar 9">
             <a:extLst>
               <a:ext uri="{FF2B5EF4-FFF2-40B4-BE49-F238E27FC236}">
-                <a16:creationId xmlns:a16="http://schemas.microsoft.com/office/drawing/2014/main" xmlns="" id="{0B96ABED-DB41-410B-A604-C06F86EA7584}"/>
+                <a16:creationId xmlns="" xmlns:a16="http://schemas.microsoft.com/office/drawing/2014/main" id="{0B96ABED-DB41-410B-A604-C06F86EA7584}"/>
               </a:ext>
             </a:extLst>
           </p:cNvPr>
@@ -28520,7 +28414,7 @@
             <p:cNvPr id="5" name="Elipse 3">
               <a:extLst>
                 <a:ext uri="{FF2B5EF4-FFF2-40B4-BE49-F238E27FC236}">
-                  <a16:creationId xmlns:a16="http://schemas.microsoft.com/office/drawing/2014/main" xmlns="" id="{78EA9474-9E04-44C4-9E19-67FD40FBA058}"/>
+                  <a16:creationId xmlns="" xmlns:a16="http://schemas.microsoft.com/office/drawing/2014/main" id="{78EA9474-9E04-44C4-9E19-67FD40FBA058}"/>
                 </a:ext>
               </a:extLst>
             </p:cNvPr>
@@ -28577,7 +28471,7 @@
             <p:cNvPr id="6" name="Elipse 4">
               <a:extLst>
                 <a:ext uri="{FF2B5EF4-FFF2-40B4-BE49-F238E27FC236}">
-                  <a16:creationId xmlns:a16="http://schemas.microsoft.com/office/drawing/2014/main" xmlns="" id="{DA23CE7C-64D2-4FF1-83C3-4920F0AD635C}"/>
+                  <a16:creationId xmlns="" xmlns:a16="http://schemas.microsoft.com/office/drawing/2014/main" id="{DA23CE7C-64D2-4FF1-83C3-4920F0AD635C}"/>
                 </a:ext>
               </a:extLst>
             </p:cNvPr>
@@ -28635,7 +28529,7 @@
             <p:cNvPr id="7" name="Elipse 5">
               <a:extLst>
                 <a:ext uri="{FF2B5EF4-FFF2-40B4-BE49-F238E27FC236}">
-                  <a16:creationId xmlns:a16="http://schemas.microsoft.com/office/drawing/2014/main" xmlns="" id="{BDF2AACA-BD34-40AD-9FDE-4F93EBB4342D}"/>
+                  <a16:creationId xmlns="" xmlns:a16="http://schemas.microsoft.com/office/drawing/2014/main" id="{BDF2AACA-BD34-40AD-9FDE-4F93EBB4342D}"/>
                 </a:ext>
               </a:extLst>
             </p:cNvPr>
@@ -28693,7 +28587,7 @@
             <p:cNvPr id="8" name="CaixaDeTexto 10">
               <a:extLst>
                 <a:ext uri="{FF2B5EF4-FFF2-40B4-BE49-F238E27FC236}">
-                  <a16:creationId xmlns:a16="http://schemas.microsoft.com/office/drawing/2014/main" xmlns="" id="{51F63BB8-6AA0-41B8-AF42-7EF062B069A1}"/>
+                  <a16:creationId xmlns="" xmlns:a16="http://schemas.microsoft.com/office/drawing/2014/main" id="{51F63BB8-6AA0-41B8-AF42-7EF062B069A1}"/>
                 </a:ext>
               </a:extLst>
             </p:cNvPr>
@@ -28744,7 +28638,7 @@
             <p:cNvPr id="9" name="CaixaDeTexto 11">
               <a:extLst>
                 <a:ext uri="{FF2B5EF4-FFF2-40B4-BE49-F238E27FC236}">
-                  <a16:creationId xmlns:a16="http://schemas.microsoft.com/office/drawing/2014/main" xmlns="" id="{DFD039E3-20CE-44F5-92EF-195036537592}"/>
+                  <a16:creationId xmlns="" xmlns:a16="http://schemas.microsoft.com/office/drawing/2014/main" id="{DFD039E3-20CE-44F5-92EF-195036537592}"/>
                 </a:ext>
               </a:extLst>
             </p:cNvPr>
@@ -28795,7 +28689,7 @@
             <p:cNvPr id="10" name="CaixaDeTexto 12">
               <a:extLst>
                 <a:ext uri="{FF2B5EF4-FFF2-40B4-BE49-F238E27FC236}">
-                  <a16:creationId xmlns:a16="http://schemas.microsoft.com/office/drawing/2014/main" xmlns="" id="{2BA92F8A-1455-40AE-B18C-EA6C3DE256D6}"/>
+                  <a16:creationId xmlns="" xmlns:a16="http://schemas.microsoft.com/office/drawing/2014/main" id="{2BA92F8A-1455-40AE-B18C-EA6C3DE256D6}"/>
                 </a:ext>
               </a:extLst>
             </p:cNvPr>
@@ -30081,7 +29975,7 @@
           <p:cNvPr id="2" name="Título 1">
             <a:extLst>
               <a:ext uri="{FF2B5EF4-FFF2-40B4-BE49-F238E27FC236}">
-                <a16:creationId xmlns:a16="http://schemas.microsoft.com/office/drawing/2014/main" xmlns="" id="{323B9288-93D4-4CC5-BE00-B2E741C4A62E}"/>
+                <a16:creationId xmlns="" xmlns:a16="http://schemas.microsoft.com/office/drawing/2014/main" id="{323B9288-93D4-4CC5-BE00-B2E741C4A62E}"/>
               </a:ext>
             </a:extLst>
           </p:cNvPr>
@@ -30109,7 +30003,7 @@
           <p:cNvPr id="3" name="Espaço Reservado para Conteúdo 2">
             <a:extLst>
               <a:ext uri="{FF2B5EF4-FFF2-40B4-BE49-F238E27FC236}">
-                <a16:creationId xmlns:a16="http://schemas.microsoft.com/office/drawing/2014/main" xmlns="" id="{C04549A7-FF67-48B8-B0EE-75CF43A83803}"/>
+                <a16:creationId xmlns="" xmlns:a16="http://schemas.microsoft.com/office/drawing/2014/main" id="{C04549A7-FF67-48B8-B0EE-75CF43A83803}"/>
               </a:ext>
             </a:extLst>
           </p:cNvPr>
@@ -30191,7 +30085,7 @@
           <p:cNvPr id="2050" name="Picture 2" descr="Image result for facebook">
             <a:extLst>
               <a:ext uri="{FF2B5EF4-FFF2-40B4-BE49-F238E27FC236}">
-                <a16:creationId xmlns:a16="http://schemas.microsoft.com/office/drawing/2014/main" xmlns="" id="{629596EE-D27E-4FA4-917F-4B2F4A295C7D}"/>
+                <a16:creationId xmlns="" xmlns:a16="http://schemas.microsoft.com/office/drawing/2014/main" id="{629596EE-D27E-4FA4-917F-4B2F4A295C7D}"/>
               </a:ext>
             </a:extLst>
           </p:cNvPr>
@@ -30236,7 +30130,7 @@
           <p:cNvPr id="2052" name="Picture 4" descr="Image result for google">
             <a:extLst>
               <a:ext uri="{FF2B5EF4-FFF2-40B4-BE49-F238E27FC236}">
-                <a16:creationId xmlns:a16="http://schemas.microsoft.com/office/drawing/2014/main" xmlns="" id="{438DFBB1-BCAF-4232-8212-13512A523B87}"/>
+                <a16:creationId xmlns="" xmlns:a16="http://schemas.microsoft.com/office/drawing/2014/main" id="{438DFBB1-BCAF-4232-8212-13512A523B87}"/>
               </a:ext>
             </a:extLst>
           </p:cNvPr>
@@ -30281,7 +30175,7 @@
           <p:cNvPr id="2054" name="Picture 6" descr="Image result for amazon">
             <a:extLst>
               <a:ext uri="{FF2B5EF4-FFF2-40B4-BE49-F238E27FC236}">
-                <a16:creationId xmlns:a16="http://schemas.microsoft.com/office/drawing/2014/main" xmlns="" id="{0F346A9F-5169-48E9-BC8D-A7A5601546B4}"/>
+                <a16:creationId xmlns="" xmlns:a16="http://schemas.microsoft.com/office/drawing/2014/main" id="{0F346A9F-5169-48E9-BC8D-A7A5601546B4}"/>
               </a:ext>
             </a:extLst>
           </p:cNvPr>
@@ -30326,7 +30220,7 @@
           <p:cNvPr id="2056" name="Picture 8" descr="Image result for IBM">
             <a:extLst>
               <a:ext uri="{FF2B5EF4-FFF2-40B4-BE49-F238E27FC236}">
-                <a16:creationId xmlns:a16="http://schemas.microsoft.com/office/drawing/2014/main" xmlns="" id="{F4203440-F9CD-4A35-AECB-4F9069DDD8D8}"/>
+                <a16:creationId xmlns="" xmlns:a16="http://schemas.microsoft.com/office/drawing/2014/main" id="{F4203440-F9CD-4A35-AECB-4F9069DDD8D8}"/>
               </a:ext>
             </a:extLst>
           </p:cNvPr>
@@ -30373,7 +30267,7 @@
           <p:cNvPr id="2058" name="Picture 10" descr="Image result for microsoft">
             <a:extLst>
               <a:ext uri="{FF2B5EF4-FFF2-40B4-BE49-F238E27FC236}">
-                <a16:creationId xmlns:a16="http://schemas.microsoft.com/office/drawing/2014/main" xmlns="" id="{889DF1D8-7481-4A46-9FD7-52BAF8D9886D}"/>
+                <a16:creationId xmlns="" xmlns:a16="http://schemas.microsoft.com/office/drawing/2014/main" id="{889DF1D8-7481-4A46-9FD7-52BAF8D9886D}"/>
               </a:ext>
             </a:extLst>
           </p:cNvPr>
@@ -30418,7 +30312,7 @@
           <p:cNvPr id="2060" name="Picture 12" descr="Image result for nvidia">
             <a:extLst>
               <a:ext uri="{FF2B5EF4-FFF2-40B4-BE49-F238E27FC236}">
-                <a16:creationId xmlns:a16="http://schemas.microsoft.com/office/drawing/2014/main" xmlns="" id="{62F81BFB-278E-4928-A70C-E7AC83E93D8A}"/>
+                <a16:creationId xmlns="" xmlns:a16="http://schemas.microsoft.com/office/drawing/2014/main" id="{62F81BFB-278E-4928-A70C-E7AC83E93D8A}"/>
               </a:ext>
             </a:extLst>
           </p:cNvPr>
@@ -30465,7 +30359,7 @@
           <p:cNvPr id="2062" name="Picture 14" descr="Image result for apple">
             <a:extLst>
               <a:ext uri="{FF2B5EF4-FFF2-40B4-BE49-F238E27FC236}">
-                <a16:creationId xmlns:a16="http://schemas.microsoft.com/office/drawing/2014/main" xmlns="" id="{E6493393-D074-45B9-BE4A-3BA749178941}"/>
+                <a16:creationId xmlns="" xmlns:a16="http://schemas.microsoft.com/office/drawing/2014/main" id="{E6493393-D074-45B9-BE4A-3BA749178941}"/>
               </a:ext>
             </a:extLst>
           </p:cNvPr>
@@ -30510,7 +30404,7 @@
           <p:cNvPr id="4" name="Picture 2" descr="Image result for baidu">
             <a:extLst>
               <a:ext uri="{FF2B5EF4-FFF2-40B4-BE49-F238E27FC236}">
-                <a16:creationId xmlns:a16="http://schemas.microsoft.com/office/drawing/2014/main" xmlns="" id="{D995E053-2A75-4A0F-81A8-28CEE3F8C212}"/>
+                <a16:creationId xmlns="" xmlns:a16="http://schemas.microsoft.com/office/drawing/2014/main" id="{D995E053-2A75-4A0F-81A8-28CEE3F8C212}"/>
               </a:ext>
             </a:extLst>
           </p:cNvPr>
@@ -30557,7 +30451,7 @@
           <p:cNvPr id="5" name="Picture 4" descr="Image result for ericsson logo">
             <a:extLst>
               <a:ext uri="{FF2B5EF4-FFF2-40B4-BE49-F238E27FC236}">
-                <a16:creationId xmlns:a16="http://schemas.microsoft.com/office/drawing/2014/main" xmlns="" id="{D2E42DB6-DBED-40AD-BE13-35A320551592}"/>
+                <a16:creationId xmlns="" xmlns:a16="http://schemas.microsoft.com/office/drawing/2014/main" id="{D2E42DB6-DBED-40AD-BE13-35A320551592}"/>
               </a:ext>
             </a:extLst>
           </p:cNvPr>
@@ -30604,7 +30498,7 @@
           <p:cNvPr id="6" name="Picture 6" descr="Image result for qualcomm logo">
             <a:extLst>
               <a:ext uri="{FF2B5EF4-FFF2-40B4-BE49-F238E27FC236}">
-                <a16:creationId xmlns:a16="http://schemas.microsoft.com/office/drawing/2014/main" xmlns="" id="{16E08342-ACB0-45D6-9003-A412614BF63C}"/>
+                <a16:creationId xmlns="" xmlns:a16="http://schemas.microsoft.com/office/drawing/2014/main" id="{16E08342-ACB0-45D6-9003-A412614BF63C}"/>
               </a:ext>
             </a:extLst>
           </p:cNvPr>
@@ -30649,7 +30543,7 @@
           <p:cNvPr id="7" name="Picture 8" descr="Image result for huawei logo">
             <a:extLst>
               <a:ext uri="{FF2B5EF4-FFF2-40B4-BE49-F238E27FC236}">
-                <a16:creationId xmlns:a16="http://schemas.microsoft.com/office/drawing/2014/main" xmlns="" id="{4D4C2FC0-11E7-423E-ADFE-E40E3FBE955B}"/>
+                <a16:creationId xmlns="" xmlns:a16="http://schemas.microsoft.com/office/drawing/2014/main" id="{4D4C2FC0-11E7-423E-ADFE-E40E3FBE955B}"/>
               </a:ext>
             </a:extLst>
           </p:cNvPr>
@@ -31366,7 +31260,7 @@
             <p:cNvPr id="5" name="Agrupar 4">
               <a:extLst>
                 <a:ext uri="{FF2B5EF4-FFF2-40B4-BE49-F238E27FC236}">
-                  <a16:creationId xmlns:a16="http://schemas.microsoft.com/office/drawing/2014/main" xmlns="" id="{7463A6D3-5626-4043-85E5-66DFB2E72B8A}"/>
+                  <a16:creationId xmlns="" xmlns:a16="http://schemas.microsoft.com/office/drawing/2014/main" id="{7463A6D3-5626-4043-85E5-66DFB2E72B8A}"/>
                 </a:ext>
               </a:extLst>
             </p:cNvPr>
@@ -31386,7 +31280,7 @@
               <p:cNvPr id="11" name="Picture 2" descr="Image result for umbrella">
                 <a:extLst>
                   <a:ext uri="{FF2B5EF4-FFF2-40B4-BE49-F238E27FC236}">
-                    <a16:creationId xmlns:a16="http://schemas.microsoft.com/office/drawing/2014/main" xmlns="" id="{46CE05B1-E4CB-4173-8A0C-9C000F3F0A67}"/>
+                    <a16:creationId xmlns="" xmlns:a16="http://schemas.microsoft.com/office/drawing/2014/main" id="{46CE05B1-E4CB-4173-8A0C-9C000F3F0A67}"/>
                   </a:ext>
                 </a:extLst>
               </p:cNvPr>
@@ -31431,7 +31325,7 @@
               <p:cNvPr id="12" name="CaixaDeTexto 3">
                 <a:extLst>
                   <a:ext uri="{FF2B5EF4-FFF2-40B4-BE49-F238E27FC236}">
-                    <a16:creationId xmlns:a16="http://schemas.microsoft.com/office/drawing/2014/main" xmlns="" id="{CC08EDBF-9120-4A11-84A9-24A056EA1046}"/>
+                    <a16:creationId xmlns="" xmlns:a16="http://schemas.microsoft.com/office/drawing/2014/main" id="{CC08EDBF-9120-4A11-84A9-24A056EA1046}"/>
                   </a:ext>
                 </a:extLst>
               </p:cNvPr>
@@ -31688,7 +31582,7 @@
           <p:cNvPr id="2" name="Título 1">
             <a:extLst>
               <a:ext uri="{FF2B5EF4-FFF2-40B4-BE49-F238E27FC236}">
-                <a16:creationId xmlns:a16="http://schemas.microsoft.com/office/drawing/2014/main" xmlns="" id="{FDFF2B75-1942-4F18-A824-07C14E6E46AC}"/>
+                <a16:creationId xmlns="" xmlns:a16="http://schemas.microsoft.com/office/drawing/2014/main" id="{FDFF2B75-1942-4F18-A824-07C14E6E46AC}"/>
               </a:ext>
             </a:extLst>
           </p:cNvPr>
@@ -31724,7 +31618,7 @@
           <p:cNvPr id="3" name="Espaço Reservado para Conteúdo 2">
             <a:extLst>
               <a:ext uri="{FF2B5EF4-FFF2-40B4-BE49-F238E27FC236}">
-                <a16:creationId xmlns:a16="http://schemas.microsoft.com/office/drawing/2014/main" xmlns="" id="{AE5A5501-ABF4-4534-B552-5A90A1ACE78C}"/>
+                <a16:creationId xmlns="" xmlns:a16="http://schemas.microsoft.com/office/drawing/2014/main" id="{AE5A5501-ABF4-4534-B552-5A90A1ACE78C}"/>
               </a:ext>
             </a:extLst>
           </p:cNvPr>
@@ -31930,7 +31824,7 @@
           <p:cNvPr id="4104" name="Picture 8" descr="Image result for applications of artificial intelligence">
             <a:extLst>
               <a:ext uri="{FF2B5EF4-FFF2-40B4-BE49-F238E27FC236}">
-                <a16:creationId xmlns:a16="http://schemas.microsoft.com/office/drawing/2014/main" xmlns="" id="{030E6182-967A-44D7-8BED-F8E414DAE678}"/>
+                <a16:creationId xmlns="" xmlns:a16="http://schemas.microsoft.com/office/drawing/2014/main" id="{030E6182-967A-44D7-8BED-F8E414DAE678}"/>
               </a:ext>
             </a:extLst>
           </p:cNvPr>
@@ -31977,7 +31871,7 @@
           <p:cNvPr id="4098" name="Picture 2" descr="Image result for artificial intelligence">
             <a:extLst>
               <a:ext uri="{FF2B5EF4-FFF2-40B4-BE49-F238E27FC236}">
-                <a16:creationId xmlns:a16="http://schemas.microsoft.com/office/drawing/2014/main" xmlns="" id="{0DAEA2E1-C284-43E2-8055-9522C82515CA}"/>
+                <a16:creationId xmlns="" xmlns:a16="http://schemas.microsoft.com/office/drawing/2014/main" id="{0DAEA2E1-C284-43E2-8055-9522C82515CA}"/>
               </a:ext>
             </a:extLst>
           </p:cNvPr>
@@ -32024,7 +31918,7 @@
           <p:cNvPr id="7" name="Picture 2" descr="Image result for artificial intelligence goals">
             <a:extLst>
               <a:ext uri="{FF2B5EF4-FFF2-40B4-BE49-F238E27FC236}">
-                <a16:creationId xmlns:a16="http://schemas.microsoft.com/office/drawing/2014/main" xmlns="" id="{7FBD82B4-DA96-42DF-892E-B5268497AA3E}"/>
+                <a16:creationId xmlns="" xmlns:a16="http://schemas.microsoft.com/office/drawing/2014/main" id="{7FBD82B4-DA96-42DF-892E-B5268497AA3E}"/>
               </a:ext>
             </a:extLst>
           </p:cNvPr>

--- a/slides/T319_Introdução.pptx
+++ b/slides/T319_Introdução.pptx
@@ -306,7 +306,7 @@
           <a:p>
             <a:fld id="{144F1436-6906-4D93-B7A2-786C327BFA14}" type="datetimeFigureOut">
               <a:rPr lang="nl-BE" smtClean="0"/>
-              <a:t>19/07/2022</a:t>
+              <a:t>22/07/2022</a:t>
             </a:fld>
             <a:endParaRPr lang="nl-BE"/>
           </a:p>
@@ -471,7 +471,7 @@
           <a:p>
             <a:fld id="{AA8CD09E-2914-4F47-B6C1-51B2C31814C9}" type="datetimeFigureOut">
               <a:rPr lang="pt-BR" smtClean="0"/>
-              <a:t>19/07/2022</a:t>
+              <a:t>22/07/2022</a:t>
             </a:fld>
             <a:endParaRPr lang="pt-BR"/>
           </a:p>
@@ -5112,7 +5112,7 @@
           <p:cNvPr id="2" name="Título 1">
             <a:extLst>
               <a:ext uri="{FF2B5EF4-FFF2-40B4-BE49-F238E27FC236}">
-                <a16:creationId xmlns="" xmlns:a16="http://schemas.microsoft.com/office/drawing/2014/main" id="{1DB9B4FF-B06E-403C-A326-BDC64D8FF94E}"/>
+                <a16:creationId xmlns:a16="http://schemas.microsoft.com/office/drawing/2014/main" xmlns="" id="{1DB9B4FF-B06E-403C-A326-BDC64D8FF94E}"/>
               </a:ext>
             </a:extLst>
           </p:cNvPr>
@@ -5149,7 +5149,7 @@
           <p:cNvPr id="3" name="Subtítulo 2">
             <a:extLst>
               <a:ext uri="{FF2B5EF4-FFF2-40B4-BE49-F238E27FC236}">
-                <a16:creationId xmlns="" xmlns:a16="http://schemas.microsoft.com/office/drawing/2014/main" id="{247BDFCE-746E-45BF-A319-4733D58D1632}"/>
+                <a16:creationId xmlns:a16="http://schemas.microsoft.com/office/drawing/2014/main" xmlns="" id="{247BDFCE-746E-45BF-A319-4733D58D1632}"/>
               </a:ext>
             </a:extLst>
           </p:cNvPr>
@@ -5219,7 +5219,7 @@
           <p:cNvPr id="4" name="Espaço Reservado para Data 3">
             <a:extLst>
               <a:ext uri="{FF2B5EF4-FFF2-40B4-BE49-F238E27FC236}">
-                <a16:creationId xmlns="" xmlns:a16="http://schemas.microsoft.com/office/drawing/2014/main" id="{9EDE2778-5372-4104-B96D-968184DA8288}"/>
+                <a16:creationId xmlns:a16="http://schemas.microsoft.com/office/drawing/2014/main" xmlns="" id="{9EDE2778-5372-4104-B96D-968184DA8288}"/>
               </a:ext>
             </a:extLst>
           </p:cNvPr>
@@ -5237,7 +5237,7 @@
           <a:p>
             <a:fld id="{63289F7E-B80B-496E-81B4-D396C37C9454}" type="datetimeFigureOut">
               <a:rPr lang="pt-BR" smtClean="0"/>
-              <a:t>19/07/2022</a:t>
+              <a:t>22/07/2022</a:t>
             </a:fld>
             <a:endParaRPr lang="pt-BR"/>
           </a:p>
@@ -5248,7 +5248,7 @@
           <p:cNvPr id="5" name="Espaço Reservado para Rodapé 4">
             <a:extLst>
               <a:ext uri="{FF2B5EF4-FFF2-40B4-BE49-F238E27FC236}">
-                <a16:creationId xmlns="" xmlns:a16="http://schemas.microsoft.com/office/drawing/2014/main" id="{C1DD0F41-C861-4051-988D-3024A37A4B93}"/>
+                <a16:creationId xmlns:a16="http://schemas.microsoft.com/office/drawing/2014/main" xmlns="" id="{C1DD0F41-C861-4051-988D-3024A37A4B93}"/>
               </a:ext>
             </a:extLst>
           </p:cNvPr>
@@ -5273,7 +5273,7 @@
           <p:cNvPr id="6" name="Espaço Reservado para Número de Slide 5">
             <a:extLst>
               <a:ext uri="{FF2B5EF4-FFF2-40B4-BE49-F238E27FC236}">
-                <a16:creationId xmlns="" xmlns:a16="http://schemas.microsoft.com/office/drawing/2014/main" id="{07E5967E-D980-431A-A5DB-3F0C5030A81E}"/>
+                <a16:creationId xmlns:a16="http://schemas.microsoft.com/office/drawing/2014/main" xmlns="" id="{07E5967E-D980-431A-A5DB-3F0C5030A81E}"/>
               </a:ext>
             </a:extLst>
           </p:cNvPr>
@@ -5332,7 +5332,7 @@
           <p:cNvPr id="2" name="Título 1">
             <a:extLst>
               <a:ext uri="{FF2B5EF4-FFF2-40B4-BE49-F238E27FC236}">
-                <a16:creationId xmlns="" xmlns:a16="http://schemas.microsoft.com/office/drawing/2014/main" id="{9036C49F-3E68-4175-81BA-3C3FEE44308A}"/>
+                <a16:creationId xmlns:a16="http://schemas.microsoft.com/office/drawing/2014/main" xmlns="" id="{9036C49F-3E68-4175-81BA-3C3FEE44308A}"/>
               </a:ext>
             </a:extLst>
           </p:cNvPr>
@@ -5360,7 +5360,7 @@
           <p:cNvPr id="3" name="Espaço Reservado para Texto Vertical 2">
             <a:extLst>
               <a:ext uri="{FF2B5EF4-FFF2-40B4-BE49-F238E27FC236}">
-                <a16:creationId xmlns="" xmlns:a16="http://schemas.microsoft.com/office/drawing/2014/main" id="{426FA736-3DD3-4D4E-B57B-BBE1D8F7D424}"/>
+                <a16:creationId xmlns:a16="http://schemas.microsoft.com/office/drawing/2014/main" xmlns="" id="{426FA736-3DD3-4D4E-B57B-BBE1D8F7D424}"/>
               </a:ext>
             </a:extLst>
           </p:cNvPr>
@@ -5417,7 +5417,7 @@
           <p:cNvPr id="4" name="Espaço Reservado para Data 3">
             <a:extLst>
               <a:ext uri="{FF2B5EF4-FFF2-40B4-BE49-F238E27FC236}">
-                <a16:creationId xmlns="" xmlns:a16="http://schemas.microsoft.com/office/drawing/2014/main" id="{99E8855C-D8FD-48F6-B14E-861E0DE4D915}"/>
+                <a16:creationId xmlns:a16="http://schemas.microsoft.com/office/drawing/2014/main" xmlns="" id="{99E8855C-D8FD-48F6-B14E-861E0DE4D915}"/>
               </a:ext>
             </a:extLst>
           </p:cNvPr>
@@ -5435,7 +5435,7 @@
           <a:p>
             <a:fld id="{63289F7E-B80B-496E-81B4-D396C37C9454}" type="datetimeFigureOut">
               <a:rPr lang="pt-BR" smtClean="0"/>
-              <a:t>19/07/2022</a:t>
+              <a:t>22/07/2022</a:t>
             </a:fld>
             <a:endParaRPr lang="pt-BR"/>
           </a:p>
@@ -5446,7 +5446,7 @@
           <p:cNvPr id="5" name="Espaço Reservado para Rodapé 4">
             <a:extLst>
               <a:ext uri="{FF2B5EF4-FFF2-40B4-BE49-F238E27FC236}">
-                <a16:creationId xmlns="" xmlns:a16="http://schemas.microsoft.com/office/drawing/2014/main" id="{97C0BB88-2F21-42A5-ACFF-83DA47F2D340}"/>
+                <a16:creationId xmlns:a16="http://schemas.microsoft.com/office/drawing/2014/main" xmlns="" id="{97C0BB88-2F21-42A5-ACFF-83DA47F2D340}"/>
               </a:ext>
             </a:extLst>
           </p:cNvPr>
@@ -5471,7 +5471,7 @@
           <p:cNvPr id="6" name="Espaço Reservado para Número de Slide 5">
             <a:extLst>
               <a:ext uri="{FF2B5EF4-FFF2-40B4-BE49-F238E27FC236}">
-                <a16:creationId xmlns="" xmlns:a16="http://schemas.microsoft.com/office/drawing/2014/main" id="{6CB462B3-1F22-4C05-B4B8-7A279FB7D5E9}"/>
+                <a16:creationId xmlns:a16="http://schemas.microsoft.com/office/drawing/2014/main" xmlns="" id="{6CB462B3-1F22-4C05-B4B8-7A279FB7D5E9}"/>
               </a:ext>
             </a:extLst>
           </p:cNvPr>
@@ -5530,7 +5530,7 @@
           <p:cNvPr id="2" name="Título Vertical 1">
             <a:extLst>
               <a:ext uri="{FF2B5EF4-FFF2-40B4-BE49-F238E27FC236}">
-                <a16:creationId xmlns="" xmlns:a16="http://schemas.microsoft.com/office/drawing/2014/main" id="{EAEAB728-701C-4207-A9D5-23FF45C60502}"/>
+                <a16:creationId xmlns:a16="http://schemas.microsoft.com/office/drawing/2014/main" xmlns="" id="{EAEAB728-701C-4207-A9D5-23FF45C60502}"/>
               </a:ext>
             </a:extLst>
           </p:cNvPr>
@@ -5563,7 +5563,7 @@
           <p:cNvPr id="3" name="Espaço Reservado para Texto Vertical 2">
             <a:extLst>
               <a:ext uri="{FF2B5EF4-FFF2-40B4-BE49-F238E27FC236}">
-                <a16:creationId xmlns="" xmlns:a16="http://schemas.microsoft.com/office/drawing/2014/main" id="{BA8C8CCF-7823-480A-9A19-0F664DD17E3B}"/>
+                <a16:creationId xmlns:a16="http://schemas.microsoft.com/office/drawing/2014/main" xmlns="" id="{BA8C8CCF-7823-480A-9A19-0F664DD17E3B}"/>
               </a:ext>
             </a:extLst>
           </p:cNvPr>
@@ -5625,7 +5625,7 @@
           <p:cNvPr id="4" name="Espaço Reservado para Data 3">
             <a:extLst>
               <a:ext uri="{FF2B5EF4-FFF2-40B4-BE49-F238E27FC236}">
-                <a16:creationId xmlns="" xmlns:a16="http://schemas.microsoft.com/office/drawing/2014/main" id="{721D5734-7B1F-425D-942F-6EB73344027C}"/>
+                <a16:creationId xmlns:a16="http://schemas.microsoft.com/office/drawing/2014/main" xmlns="" id="{721D5734-7B1F-425D-942F-6EB73344027C}"/>
               </a:ext>
             </a:extLst>
           </p:cNvPr>
@@ -5643,7 +5643,7 @@
           <a:p>
             <a:fld id="{63289F7E-B80B-496E-81B4-D396C37C9454}" type="datetimeFigureOut">
               <a:rPr lang="pt-BR" smtClean="0"/>
-              <a:t>19/07/2022</a:t>
+              <a:t>22/07/2022</a:t>
             </a:fld>
             <a:endParaRPr lang="pt-BR"/>
           </a:p>
@@ -5654,7 +5654,7 @@
           <p:cNvPr id="5" name="Espaço Reservado para Rodapé 4">
             <a:extLst>
               <a:ext uri="{FF2B5EF4-FFF2-40B4-BE49-F238E27FC236}">
-                <a16:creationId xmlns="" xmlns:a16="http://schemas.microsoft.com/office/drawing/2014/main" id="{1E1AAEAC-F08D-45FE-89EC-B1B349A868C9}"/>
+                <a16:creationId xmlns:a16="http://schemas.microsoft.com/office/drawing/2014/main" xmlns="" id="{1E1AAEAC-F08D-45FE-89EC-B1B349A868C9}"/>
               </a:ext>
             </a:extLst>
           </p:cNvPr>
@@ -5679,7 +5679,7 @@
           <p:cNvPr id="6" name="Espaço Reservado para Número de Slide 5">
             <a:extLst>
               <a:ext uri="{FF2B5EF4-FFF2-40B4-BE49-F238E27FC236}">
-                <a16:creationId xmlns="" xmlns:a16="http://schemas.microsoft.com/office/drawing/2014/main" id="{BAA44493-9911-47B2-87A6-C2141A972BC8}"/>
+                <a16:creationId xmlns:a16="http://schemas.microsoft.com/office/drawing/2014/main" xmlns="" id="{BAA44493-9911-47B2-87A6-C2141A972BC8}"/>
               </a:ext>
             </a:extLst>
           </p:cNvPr>
@@ -5738,7 +5738,7 @@
           <p:cNvPr id="2" name="Título 1">
             <a:extLst>
               <a:ext uri="{FF2B5EF4-FFF2-40B4-BE49-F238E27FC236}">
-                <a16:creationId xmlns="" xmlns:a16="http://schemas.microsoft.com/office/drawing/2014/main" id="{71BD44A5-8F21-4626-A01D-48A1C874B1D5}"/>
+                <a16:creationId xmlns:a16="http://schemas.microsoft.com/office/drawing/2014/main" xmlns="" id="{71BD44A5-8F21-4626-A01D-48A1C874B1D5}"/>
               </a:ext>
             </a:extLst>
           </p:cNvPr>
@@ -5766,7 +5766,7 @@
           <p:cNvPr id="3" name="Espaço Reservado para Conteúdo 2">
             <a:extLst>
               <a:ext uri="{FF2B5EF4-FFF2-40B4-BE49-F238E27FC236}">
-                <a16:creationId xmlns="" xmlns:a16="http://schemas.microsoft.com/office/drawing/2014/main" id="{B79E8085-65A9-48AA-951D-71D978BFF4ED}"/>
+                <a16:creationId xmlns:a16="http://schemas.microsoft.com/office/drawing/2014/main" xmlns="" id="{B79E8085-65A9-48AA-951D-71D978BFF4ED}"/>
               </a:ext>
             </a:extLst>
           </p:cNvPr>
@@ -5823,7 +5823,7 @@
           <p:cNvPr id="4" name="Espaço Reservado para Data 3">
             <a:extLst>
               <a:ext uri="{FF2B5EF4-FFF2-40B4-BE49-F238E27FC236}">
-                <a16:creationId xmlns="" xmlns:a16="http://schemas.microsoft.com/office/drawing/2014/main" id="{F05BE1AF-51EA-425D-B188-DE7BD675009F}"/>
+                <a16:creationId xmlns:a16="http://schemas.microsoft.com/office/drawing/2014/main" xmlns="" id="{F05BE1AF-51EA-425D-B188-DE7BD675009F}"/>
               </a:ext>
             </a:extLst>
           </p:cNvPr>
@@ -5841,7 +5841,7 @@
           <a:p>
             <a:fld id="{63289F7E-B80B-496E-81B4-D396C37C9454}" type="datetimeFigureOut">
               <a:rPr lang="pt-BR" smtClean="0"/>
-              <a:t>19/07/2022</a:t>
+              <a:t>22/07/2022</a:t>
             </a:fld>
             <a:endParaRPr lang="pt-BR"/>
           </a:p>
@@ -5852,7 +5852,7 @@
           <p:cNvPr id="5" name="Espaço Reservado para Rodapé 4">
             <a:extLst>
               <a:ext uri="{FF2B5EF4-FFF2-40B4-BE49-F238E27FC236}">
-                <a16:creationId xmlns="" xmlns:a16="http://schemas.microsoft.com/office/drawing/2014/main" id="{121BE632-29CF-4CB9-B365-C9EF38F89BE6}"/>
+                <a16:creationId xmlns:a16="http://schemas.microsoft.com/office/drawing/2014/main" xmlns="" id="{121BE632-29CF-4CB9-B365-C9EF38F89BE6}"/>
               </a:ext>
             </a:extLst>
           </p:cNvPr>
@@ -5877,7 +5877,7 @@
           <p:cNvPr id="6" name="Espaço Reservado para Número de Slide 5">
             <a:extLst>
               <a:ext uri="{FF2B5EF4-FFF2-40B4-BE49-F238E27FC236}">
-                <a16:creationId xmlns="" xmlns:a16="http://schemas.microsoft.com/office/drawing/2014/main" id="{60CF3DD1-9AEC-4A57-B461-4E4DD86FAC18}"/>
+                <a16:creationId xmlns:a16="http://schemas.microsoft.com/office/drawing/2014/main" xmlns="" id="{60CF3DD1-9AEC-4A57-B461-4E4DD86FAC18}"/>
               </a:ext>
             </a:extLst>
           </p:cNvPr>
@@ -5936,7 +5936,7 @@
           <p:cNvPr id="2" name="Título 1">
             <a:extLst>
               <a:ext uri="{FF2B5EF4-FFF2-40B4-BE49-F238E27FC236}">
-                <a16:creationId xmlns="" xmlns:a16="http://schemas.microsoft.com/office/drawing/2014/main" id="{34AB2FF0-A4D7-4E28-991D-FF26140D5988}"/>
+                <a16:creationId xmlns:a16="http://schemas.microsoft.com/office/drawing/2014/main" xmlns="" id="{34AB2FF0-A4D7-4E28-991D-FF26140D5988}"/>
               </a:ext>
             </a:extLst>
           </p:cNvPr>
@@ -5973,7 +5973,7 @@
           <p:cNvPr id="3" name="Espaço Reservado para Texto 2">
             <a:extLst>
               <a:ext uri="{FF2B5EF4-FFF2-40B4-BE49-F238E27FC236}">
-                <a16:creationId xmlns="" xmlns:a16="http://schemas.microsoft.com/office/drawing/2014/main" id="{E2AC45B0-4145-40DB-8E61-105461170604}"/>
+                <a16:creationId xmlns:a16="http://schemas.microsoft.com/office/drawing/2014/main" xmlns="" id="{E2AC45B0-4145-40DB-8E61-105461170604}"/>
               </a:ext>
             </a:extLst>
           </p:cNvPr>
@@ -6098,7 +6098,7 @@
           <p:cNvPr id="4" name="Espaço Reservado para Data 3">
             <a:extLst>
               <a:ext uri="{FF2B5EF4-FFF2-40B4-BE49-F238E27FC236}">
-                <a16:creationId xmlns="" xmlns:a16="http://schemas.microsoft.com/office/drawing/2014/main" id="{50F1D3FB-740A-4EBA-A309-2CE71D12ECFB}"/>
+                <a16:creationId xmlns:a16="http://schemas.microsoft.com/office/drawing/2014/main" xmlns="" id="{50F1D3FB-740A-4EBA-A309-2CE71D12ECFB}"/>
               </a:ext>
             </a:extLst>
           </p:cNvPr>
@@ -6116,7 +6116,7 @@
           <a:p>
             <a:fld id="{63289F7E-B80B-496E-81B4-D396C37C9454}" type="datetimeFigureOut">
               <a:rPr lang="pt-BR" smtClean="0"/>
-              <a:t>19/07/2022</a:t>
+              <a:t>22/07/2022</a:t>
             </a:fld>
             <a:endParaRPr lang="pt-BR"/>
           </a:p>
@@ -6127,7 +6127,7 @@
           <p:cNvPr id="5" name="Espaço Reservado para Rodapé 4">
             <a:extLst>
               <a:ext uri="{FF2B5EF4-FFF2-40B4-BE49-F238E27FC236}">
-                <a16:creationId xmlns="" xmlns:a16="http://schemas.microsoft.com/office/drawing/2014/main" id="{BDCAB18F-8715-4465-A940-F9C193A2ACE9}"/>
+                <a16:creationId xmlns:a16="http://schemas.microsoft.com/office/drawing/2014/main" xmlns="" id="{BDCAB18F-8715-4465-A940-F9C193A2ACE9}"/>
               </a:ext>
             </a:extLst>
           </p:cNvPr>
@@ -6152,7 +6152,7 @@
           <p:cNvPr id="6" name="Espaço Reservado para Número de Slide 5">
             <a:extLst>
               <a:ext uri="{FF2B5EF4-FFF2-40B4-BE49-F238E27FC236}">
-                <a16:creationId xmlns="" xmlns:a16="http://schemas.microsoft.com/office/drawing/2014/main" id="{353466C6-8248-429F-8056-FF040BF509EB}"/>
+                <a16:creationId xmlns:a16="http://schemas.microsoft.com/office/drawing/2014/main" xmlns="" id="{353466C6-8248-429F-8056-FF040BF509EB}"/>
               </a:ext>
             </a:extLst>
           </p:cNvPr>
@@ -6211,7 +6211,7 @@
           <p:cNvPr id="2" name="Título 1">
             <a:extLst>
               <a:ext uri="{FF2B5EF4-FFF2-40B4-BE49-F238E27FC236}">
-                <a16:creationId xmlns="" xmlns:a16="http://schemas.microsoft.com/office/drawing/2014/main" id="{BC7BB9F0-F14B-4A91-B2B7-35BC47FE4DE7}"/>
+                <a16:creationId xmlns:a16="http://schemas.microsoft.com/office/drawing/2014/main" xmlns="" id="{BC7BB9F0-F14B-4A91-B2B7-35BC47FE4DE7}"/>
               </a:ext>
             </a:extLst>
           </p:cNvPr>
@@ -6239,7 +6239,7 @@
           <p:cNvPr id="3" name="Espaço Reservado para Conteúdo 2">
             <a:extLst>
               <a:ext uri="{FF2B5EF4-FFF2-40B4-BE49-F238E27FC236}">
-                <a16:creationId xmlns="" xmlns:a16="http://schemas.microsoft.com/office/drawing/2014/main" id="{EC1FC1C4-73DA-47A6-8496-B0B457F7D39A}"/>
+                <a16:creationId xmlns:a16="http://schemas.microsoft.com/office/drawing/2014/main" xmlns="" id="{EC1FC1C4-73DA-47A6-8496-B0B457F7D39A}"/>
               </a:ext>
             </a:extLst>
           </p:cNvPr>
@@ -6301,7 +6301,7 @@
           <p:cNvPr id="4" name="Espaço Reservado para Conteúdo 3">
             <a:extLst>
               <a:ext uri="{FF2B5EF4-FFF2-40B4-BE49-F238E27FC236}">
-                <a16:creationId xmlns="" xmlns:a16="http://schemas.microsoft.com/office/drawing/2014/main" id="{E92F06A8-A449-4D92-9912-76873E529B38}"/>
+                <a16:creationId xmlns:a16="http://schemas.microsoft.com/office/drawing/2014/main" xmlns="" id="{E92F06A8-A449-4D92-9912-76873E529B38}"/>
               </a:ext>
             </a:extLst>
           </p:cNvPr>
@@ -6363,7 +6363,7 @@
           <p:cNvPr id="5" name="Espaço Reservado para Data 4">
             <a:extLst>
               <a:ext uri="{FF2B5EF4-FFF2-40B4-BE49-F238E27FC236}">
-                <a16:creationId xmlns="" xmlns:a16="http://schemas.microsoft.com/office/drawing/2014/main" id="{938070A4-BC2F-4D55-BD8D-DEAF11BB9EE9}"/>
+                <a16:creationId xmlns:a16="http://schemas.microsoft.com/office/drawing/2014/main" xmlns="" id="{938070A4-BC2F-4D55-BD8D-DEAF11BB9EE9}"/>
               </a:ext>
             </a:extLst>
           </p:cNvPr>
@@ -6381,7 +6381,7 @@
           <a:p>
             <a:fld id="{63289F7E-B80B-496E-81B4-D396C37C9454}" type="datetimeFigureOut">
               <a:rPr lang="pt-BR" smtClean="0"/>
-              <a:t>19/07/2022</a:t>
+              <a:t>22/07/2022</a:t>
             </a:fld>
             <a:endParaRPr lang="pt-BR"/>
           </a:p>
@@ -6392,7 +6392,7 @@
           <p:cNvPr id="6" name="Espaço Reservado para Rodapé 5">
             <a:extLst>
               <a:ext uri="{FF2B5EF4-FFF2-40B4-BE49-F238E27FC236}">
-                <a16:creationId xmlns="" xmlns:a16="http://schemas.microsoft.com/office/drawing/2014/main" id="{45CC2DB8-844A-465F-BA9A-7734C80C7F43}"/>
+                <a16:creationId xmlns:a16="http://schemas.microsoft.com/office/drawing/2014/main" xmlns="" id="{45CC2DB8-844A-465F-BA9A-7734C80C7F43}"/>
               </a:ext>
             </a:extLst>
           </p:cNvPr>
@@ -6417,7 +6417,7 @@
           <p:cNvPr id="7" name="Espaço Reservado para Número de Slide 6">
             <a:extLst>
               <a:ext uri="{FF2B5EF4-FFF2-40B4-BE49-F238E27FC236}">
-                <a16:creationId xmlns="" xmlns:a16="http://schemas.microsoft.com/office/drawing/2014/main" id="{4CC606A8-097B-4040-94E0-CD8C88280D8F}"/>
+                <a16:creationId xmlns:a16="http://schemas.microsoft.com/office/drawing/2014/main" xmlns="" id="{4CC606A8-097B-4040-94E0-CD8C88280D8F}"/>
               </a:ext>
             </a:extLst>
           </p:cNvPr>
@@ -6476,7 +6476,7 @@
           <p:cNvPr id="2" name="Título 1">
             <a:extLst>
               <a:ext uri="{FF2B5EF4-FFF2-40B4-BE49-F238E27FC236}">
-                <a16:creationId xmlns="" xmlns:a16="http://schemas.microsoft.com/office/drawing/2014/main" id="{76D66686-0143-4CB6-8C09-BA326F1E7ACA}"/>
+                <a16:creationId xmlns:a16="http://schemas.microsoft.com/office/drawing/2014/main" xmlns="" id="{76D66686-0143-4CB6-8C09-BA326F1E7ACA}"/>
               </a:ext>
             </a:extLst>
           </p:cNvPr>
@@ -6509,7 +6509,7 @@
           <p:cNvPr id="3" name="Espaço Reservado para Texto 2">
             <a:extLst>
               <a:ext uri="{FF2B5EF4-FFF2-40B4-BE49-F238E27FC236}">
-                <a16:creationId xmlns="" xmlns:a16="http://schemas.microsoft.com/office/drawing/2014/main" id="{0227AB85-F59E-4BCE-B846-4FA0992C2F23}"/>
+                <a16:creationId xmlns:a16="http://schemas.microsoft.com/office/drawing/2014/main" xmlns="" id="{0227AB85-F59E-4BCE-B846-4FA0992C2F23}"/>
               </a:ext>
             </a:extLst>
           </p:cNvPr>
@@ -6580,7 +6580,7 @@
           <p:cNvPr id="4" name="Espaço Reservado para Conteúdo 3">
             <a:extLst>
               <a:ext uri="{FF2B5EF4-FFF2-40B4-BE49-F238E27FC236}">
-                <a16:creationId xmlns="" xmlns:a16="http://schemas.microsoft.com/office/drawing/2014/main" id="{3373456C-7319-4D0A-827D-D29F6B083F5D}"/>
+                <a16:creationId xmlns:a16="http://schemas.microsoft.com/office/drawing/2014/main" xmlns="" id="{3373456C-7319-4D0A-827D-D29F6B083F5D}"/>
               </a:ext>
             </a:extLst>
           </p:cNvPr>
@@ -6642,7 +6642,7 @@
           <p:cNvPr id="5" name="Espaço Reservado para Texto 4">
             <a:extLst>
               <a:ext uri="{FF2B5EF4-FFF2-40B4-BE49-F238E27FC236}">
-                <a16:creationId xmlns="" xmlns:a16="http://schemas.microsoft.com/office/drawing/2014/main" id="{4CD109D0-2E83-4262-8029-A871CEC47406}"/>
+                <a16:creationId xmlns:a16="http://schemas.microsoft.com/office/drawing/2014/main" xmlns="" id="{4CD109D0-2E83-4262-8029-A871CEC47406}"/>
               </a:ext>
             </a:extLst>
           </p:cNvPr>
@@ -6713,7 +6713,7 @@
           <p:cNvPr id="6" name="Espaço Reservado para Conteúdo 5">
             <a:extLst>
               <a:ext uri="{FF2B5EF4-FFF2-40B4-BE49-F238E27FC236}">
-                <a16:creationId xmlns="" xmlns:a16="http://schemas.microsoft.com/office/drawing/2014/main" id="{AD706E3A-CFBB-4A6C-A65F-D0360A9E74FE}"/>
+                <a16:creationId xmlns:a16="http://schemas.microsoft.com/office/drawing/2014/main" xmlns="" id="{AD706E3A-CFBB-4A6C-A65F-D0360A9E74FE}"/>
               </a:ext>
             </a:extLst>
           </p:cNvPr>
@@ -6775,7 +6775,7 @@
           <p:cNvPr id="7" name="Espaço Reservado para Data 6">
             <a:extLst>
               <a:ext uri="{FF2B5EF4-FFF2-40B4-BE49-F238E27FC236}">
-                <a16:creationId xmlns="" xmlns:a16="http://schemas.microsoft.com/office/drawing/2014/main" id="{4172C0E5-5AF0-4805-BB51-443733CD2BD5}"/>
+                <a16:creationId xmlns:a16="http://schemas.microsoft.com/office/drawing/2014/main" xmlns="" id="{4172C0E5-5AF0-4805-BB51-443733CD2BD5}"/>
               </a:ext>
             </a:extLst>
           </p:cNvPr>
@@ -6793,7 +6793,7 @@
           <a:p>
             <a:fld id="{63289F7E-B80B-496E-81B4-D396C37C9454}" type="datetimeFigureOut">
               <a:rPr lang="pt-BR" smtClean="0"/>
-              <a:t>19/07/2022</a:t>
+              <a:t>22/07/2022</a:t>
             </a:fld>
             <a:endParaRPr lang="pt-BR"/>
           </a:p>
@@ -6804,7 +6804,7 @@
           <p:cNvPr id="8" name="Espaço Reservado para Rodapé 7">
             <a:extLst>
               <a:ext uri="{FF2B5EF4-FFF2-40B4-BE49-F238E27FC236}">
-                <a16:creationId xmlns="" xmlns:a16="http://schemas.microsoft.com/office/drawing/2014/main" id="{0E801648-156F-497E-99CF-797DF48051E1}"/>
+                <a16:creationId xmlns:a16="http://schemas.microsoft.com/office/drawing/2014/main" xmlns="" id="{0E801648-156F-497E-99CF-797DF48051E1}"/>
               </a:ext>
             </a:extLst>
           </p:cNvPr>
@@ -6829,7 +6829,7 @@
           <p:cNvPr id="9" name="Espaço Reservado para Número de Slide 8">
             <a:extLst>
               <a:ext uri="{FF2B5EF4-FFF2-40B4-BE49-F238E27FC236}">
-                <a16:creationId xmlns="" xmlns:a16="http://schemas.microsoft.com/office/drawing/2014/main" id="{EEE23D32-80E7-4796-A137-66BF842E4B53}"/>
+                <a16:creationId xmlns:a16="http://schemas.microsoft.com/office/drawing/2014/main" xmlns="" id="{EEE23D32-80E7-4796-A137-66BF842E4B53}"/>
               </a:ext>
             </a:extLst>
           </p:cNvPr>
@@ -6888,7 +6888,7 @@
           <p:cNvPr id="2" name="Título 1">
             <a:extLst>
               <a:ext uri="{FF2B5EF4-FFF2-40B4-BE49-F238E27FC236}">
-                <a16:creationId xmlns="" xmlns:a16="http://schemas.microsoft.com/office/drawing/2014/main" id="{2BCE2379-C78F-47E1-8CFC-B846E7AF148D}"/>
+                <a16:creationId xmlns:a16="http://schemas.microsoft.com/office/drawing/2014/main" xmlns="" id="{2BCE2379-C78F-47E1-8CFC-B846E7AF148D}"/>
               </a:ext>
             </a:extLst>
           </p:cNvPr>
@@ -6916,7 +6916,7 @@
           <p:cNvPr id="3" name="Espaço Reservado para Data 2">
             <a:extLst>
               <a:ext uri="{FF2B5EF4-FFF2-40B4-BE49-F238E27FC236}">
-                <a16:creationId xmlns="" xmlns:a16="http://schemas.microsoft.com/office/drawing/2014/main" id="{342600A9-7F92-4E22-9D94-E4717252A817}"/>
+                <a16:creationId xmlns:a16="http://schemas.microsoft.com/office/drawing/2014/main" xmlns="" id="{342600A9-7F92-4E22-9D94-E4717252A817}"/>
               </a:ext>
             </a:extLst>
           </p:cNvPr>
@@ -6934,7 +6934,7 @@
           <a:p>
             <a:fld id="{63289F7E-B80B-496E-81B4-D396C37C9454}" type="datetimeFigureOut">
               <a:rPr lang="pt-BR" smtClean="0"/>
-              <a:t>19/07/2022</a:t>
+              <a:t>22/07/2022</a:t>
             </a:fld>
             <a:endParaRPr lang="pt-BR"/>
           </a:p>
@@ -6945,7 +6945,7 @@
           <p:cNvPr id="4" name="Espaço Reservado para Rodapé 3">
             <a:extLst>
               <a:ext uri="{FF2B5EF4-FFF2-40B4-BE49-F238E27FC236}">
-                <a16:creationId xmlns="" xmlns:a16="http://schemas.microsoft.com/office/drawing/2014/main" id="{192E6BED-F546-40CC-A2DF-99CBA853654E}"/>
+                <a16:creationId xmlns:a16="http://schemas.microsoft.com/office/drawing/2014/main" xmlns="" id="{192E6BED-F546-40CC-A2DF-99CBA853654E}"/>
               </a:ext>
             </a:extLst>
           </p:cNvPr>
@@ -6970,7 +6970,7 @@
           <p:cNvPr id="5" name="Espaço Reservado para Número de Slide 4">
             <a:extLst>
               <a:ext uri="{FF2B5EF4-FFF2-40B4-BE49-F238E27FC236}">
-                <a16:creationId xmlns="" xmlns:a16="http://schemas.microsoft.com/office/drawing/2014/main" id="{6091CC40-A8C4-4063-80EB-CC5099621678}"/>
+                <a16:creationId xmlns:a16="http://schemas.microsoft.com/office/drawing/2014/main" xmlns="" id="{6091CC40-A8C4-4063-80EB-CC5099621678}"/>
               </a:ext>
             </a:extLst>
           </p:cNvPr>
@@ -7029,7 +7029,7 @@
           <p:cNvPr id="2" name="Espaço Reservado para Data 1">
             <a:extLst>
               <a:ext uri="{FF2B5EF4-FFF2-40B4-BE49-F238E27FC236}">
-                <a16:creationId xmlns="" xmlns:a16="http://schemas.microsoft.com/office/drawing/2014/main" id="{DD19515C-212C-4EAE-84A3-8FF4BC844F1B}"/>
+                <a16:creationId xmlns:a16="http://schemas.microsoft.com/office/drawing/2014/main" xmlns="" id="{DD19515C-212C-4EAE-84A3-8FF4BC844F1B}"/>
               </a:ext>
             </a:extLst>
           </p:cNvPr>
@@ -7047,7 +7047,7 @@
           <a:p>
             <a:fld id="{63289F7E-B80B-496E-81B4-D396C37C9454}" type="datetimeFigureOut">
               <a:rPr lang="pt-BR" smtClean="0"/>
-              <a:t>19/07/2022</a:t>
+              <a:t>22/07/2022</a:t>
             </a:fld>
             <a:endParaRPr lang="pt-BR"/>
           </a:p>
@@ -7058,7 +7058,7 @@
           <p:cNvPr id="3" name="Espaço Reservado para Rodapé 2">
             <a:extLst>
               <a:ext uri="{FF2B5EF4-FFF2-40B4-BE49-F238E27FC236}">
-                <a16:creationId xmlns="" xmlns:a16="http://schemas.microsoft.com/office/drawing/2014/main" id="{94D3D120-B3E8-4C96-861D-7A4F12F49B3A}"/>
+                <a16:creationId xmlns:a16="http://schemas.microsoft.com/office/drawing/2014/main" xmlns="" id="{94D3D120-B3E8-4C96-861D-7A4F12F49B3A}"/>
               </a:ext>
             </a:extLst>
           </p:cNvPr>
@@ -7083,7 +7083,7 @@
           <p:cNvPr id="4" name="Espaço Reservado para Número de Slide 3">
             <a:extLst>
               <a:ext uri="{FF2B5EF4-FFF2-40B4-BE49-F238E27FC236}">
-                <a16:creationId xmlns="" xmlns:a16="http://schemas.microsoft.com/office/drawing/2014/main" id="{42E49B68-FA1B-468B-9F17-D5C09243D454}"/>
+                <a16:creationId xmlns:a16="http://schemas.microsoft.com/office/drawing/2014/main" xmlns="" id="{42E49B68-FA1B-468B-9F17-D5C09243D454}"/>
               </a:ext>
             </a:extLst>
           </p:cNvPr>
@@ -7142,7 +7142,7 @@
           <p:cNvPr id="2" name="Título 1">
             <a:extLst>
               <a:ext uri="{FF2B5EF4-FFF2-40B4-BE49-F238E27FC236}">
-                <a16:creationId xmlns="" xmlns:a16="http://schemas.microsoft.com/office/drawing/2014/main" id="{1C17BCBE-A897-4319-85EC-D87909C24980}"/>
+                <a16:creationId xmlns:a16="http://schemas.microsoft.com/office/drawing/2014/main" xmlns="" id="{1C17BCBE-A897-4319-85EC-D87909C24980}"/>
               </a:ext>
             </a:extLst>
           </p:cNvPr>
@@ -7179,7 +7179,7 @@
           <p:cNvPr id="3" name="Espaço Reservado para Conteúdo 2">
             <a:extLst>
               <a:ext uri="{FF2B5EF4-FFF2-40B4-BE49-F238E27FC236}">
-                <a16:creationId xmlns="" xmlns:a16="http://schemas.microsoft.com/office/drawing/2014/main" id="{4226F885-0204-4913-868B-4B8B82576F17}"/>
+                <a16:creationId xmlns:a16="http://schemas.microsoft.com/office/drawing/2014/main" xmlns="" id="{4226F885-0204-4913-868B-4B8B82576F17}"/>
               </a:ext>
             </a:extLst>
           </p:cNvPr>
@@ -7269,7 +7269,7 @@
           <p:cNvPr id="4" name="Espaço Reservado para Texto 3">
             <a:extLst>
               <a:ext uri="{FF2B5EF4-FFF2-40B4-BE49-F238E27FC236}">
-                <a16:creationId xmlns="" xmlns:a16="http://schemas.microsoft.com/office/drawing/2014/main" id="{00F9F784-A858-441B-8AB5-697098141751}"/>
+                <a16:creationId xmlns:a16="http://schemas.microsoft.com/office/drawing/2014/main" xmlns="" id="{00F9F784-A858-441B-8AB5-697098141751}"/>
               </a:ext>
             </a:extLst>
           </p:cNvPr>
@@ -7340,7 +7340,7 @@
           <p:cNvPr id="5" name="Espaço Reservado para Data 4">
             <a:extLst>
               <a:ext uri="{FF2B5EF4-FFF2-40B4-BE49-F238E27FC236}">
-                <a16:creationId xmlns="" xmlns:a16="http://schemas.microsoft.com/office/drawing/2014/main" id="{A4DC363A-5000-472E-8B17-02E7DCB8840A}"/>
+                <a16:creationId xmlns:a16="http://schemas.microsoft.com/office/drawing/2014/main" xmlns="" id="{A4DC363A-5000-472E-8B17-02E7DCB8840A}"/>
               </a:ext>
             </a:extLst>
           </p:cNvPr>
@@ -7358,7 +7358,7 @@
           <a:p>
             <a:fld id="{63289F7E-B80B-496E-81B4-D396C37C9454}" type="datetimeFigureOut">
               <a:rPr lang="pt-BR" smtClean="0"/>
-              <a:t>19/07/2022</a:t>
+              <a:t>22/07/2022</a:t>
             </a:fld>
             <a:endParaRPr lang="pt-BR"/>
           </a:p>
@@ -7369,7 +7369,7 @@
           <p:cNvPr id="6" name="Espaço Reservado para Rodapé 5">
             <a:extLst>
               <a:ext uri="{FF2B5EF4-FFF2-40B4-BE49-F238E27FC236}">
-                <a16:creationId xmlns="" xmlns:a16="http://schemas.microsoft.com/office/drawing/2014/main" id="{5548425D-2C21-4C56-BAD4-662978775C28}"/>
+                <a16:creationId xmlns:a16="http://schemas.microsoft.com/office/drawing/2014/main" xmlns="" id="{5548425D-2C21-4C56-BAD4-662978775C28}"/>
               </a:ext>
             </a:extLst>
           </p:cNvPr>
@@ -7394,7 +7394,7 @@
           <p:cNvPr id="7" name="Espaço Reservado para Número de Slide 6">
             <a:extLst>
               <a:ext uri="{FF2B5EF4-FFF2-40B4-BE49-F238E27FC236}">
-                <a16:creationId xmlns="" xmlns:a16="http://schemas.microsoft.com/office/drawing/2014/main" id="{C63E9726-E64C-42B2-AE8A-8C235A956B48}"/>
+                <a16:creationId xmlns:a16="http://schemas.microsoft.com/office/drawing/2014/main" xmlns="" id="{C63E9726-E64C-42B2-AE8A-8C235A956B48}"/>
               </a:ext>
             </a:extLst>
           </p:cNvPr>
@@ -7453,7 +7453,7 @@
           <p:cNvPr id="2" name="Título 1">
             <a:extLst>
               <a:ext uri="{FF2B5EF4-FFF2-40B4-BE49-F238E27FC236}">
-                <a16:creationId xmlns="" xmlns:a16="http://schemas.microsoft.com/office/drawing/2014/main" id="{11086A78-3E74-450C-96A6-CA8AC37AF772}"/>
+                <a16:creationId xmlns:a16="http://schemas.microsoft.com/office/drawing/2014/main" xmlns="" id="{11086A78-3E74-450C-96A6-CA8AC37AF772}"/>
               </a:ext>
             </a:extLst>
           </p:cNvPr>
@@ -7490,7 +7490,7 @@
           <p:cNvPr id="3" name="Espaço Reservado para Imagem 2">
             <a:extLst>
               <a:ext uri="{FF2B5EF4-FFF2-40B4-BE49-F238E27FC236}">
-                <a16:creationId xmlns="" xmlns:a16="http://schemas.microsoft.com/office/drawing/2014/main" id="{5F5B7312-975A-4DBC-9B2F-3652ADA006FD}"/>
+                <a16:creationId xmlns:a16="http://schemas.microsoft.com/office/drawing/2014/main" xmlns="" id="{5F5B7312-975A-4DBC-9B2F-3652ADA006FD}"/>
               </a:ext>
             </a:extLst>
           </p:cNvPr>
@@ -7557,7 +7557,7 @@
           <p:cNvPr id="4" name="Espaço Reservado para Texto 3">
             <a:extLst>
               <a:ext uri="{FF2B5EF4-FFF2-40B4-BE49-F238E27FC236}">
-                <a16:creationId xmlns="" xmlns:a16="http://schemas.microsoft.com/office/drawing/2014/main" id="{AAF805F5-1DFF-41C6-944C-7D79FE0D0963}"/>
+                <a16:creationId xmlns:a16="http://schemas.microsoft.com/office/drawing/2014/main" xmlns="" id="{AAF805F5-1DFF-41C6-944C-7D79FE0D0963}"/>
               </a:ext>
             </a:extLst>
           </p:cNvPr>
@@ -7628,7 +7628,7 @@
           <p:cNvPr id="5" name="Espaço Reservado para Data 4">
             <a:extLst>
               <a:ext uri="{FF2B5EF4-FFF2-40B4-BE49-F238E27FC236}">
-                <a16:creationId xmlns="" xmlns:a16="http://schemas.microsoft.com/office/drawing/2014/main" id="{02113D81-8665-4516-BD81-C6A1F254EECD}"/>
+                <a16:creationId xmlns:a16="http://schemas.microsoft.com/office/drawing/2014/main" xmlns="" id="{02113D81-8665-4516-BD81-C6A1F254EECD}"/>
               </a:ext>
             </a:extLst>
           </p:cNvPr>
@@ -7646,7 +7646,7 @@
           <a:p>
             <a:fld id="{63289F7E-B80B-496E-81B4-D396C37C9454}" type="datetimeFigureOut">
               <a:rPr lang="pt-BR" smtClean="0"/>
-              <a:t>19/07/2022</a:t>
+              <a:t>22/07/2022</a:t>
             </a:fld>
             <a:endParaRPr lang="pt-BR"/>
           </a:p>
@@ -7657,7 +7657,7 @@
           <p:cNvPr id="6" name="Espaço Reservado para Rodapé 5">
             <a:extLst>
               <a:ext uri="{FF2B5EF4-FFF2-40B4-BE49-F238E27FC236}">
-                <a16:creationId xmlns="" xmlns:a16="http://schemas.microsoft.com/office/drawing/2014/main" id="{2B00C88B-FF32-40AA-A187-727D96FD7862}"/>
+                <a16:creationId xmlns:a16="http://schemas.microsoft.com/office/drawing/2014/main" xmlns="" id="{2B00C88B-FF32-40AA-A187-727D96FD7862}"/>
               </a:ext>
             </a:extLst>
           </p:cNvPr>
@@ -7682,7 +7682,7 @@
           <p:cNvPr id="7" name="Espaço Reservado para Número de Slide 6">
             <a:extLst>
               <a:ext uri="{FF2B5EF4-FFF2-40B4-BE49-F238E27FC236}">
-                <a16:creationId xmlns="" xmlns:a16="http://schemas.microsoft.com/office/drawing/2014/main" id="{A04D1A2D-69F7-4B8F-A730-BC26DC340BA6}"/>
+                <a16:creationId xmlns:a16="http://schemas.microsoft.com/office/drawing/2014/main" xmlns="" id="{A04D1A2D-69F7-4B8F-A730-BC26DC340BA6}"/>
               </a:ext>
             </a:extLst>
           </p:cNvPr>
@@ -7746,7 +7746,7 @@
           <p:cNvPr id="2" name="Espaço Reservado para Título 1">
             <a:extLst>
               <a:ext uri="{FF2B5EF4-FFF2-40B4-BE49-F238E27FC236}">
-                <a16:creationId xmlns="" xmlns:a16="http://schemas.microsoft.com/office/drawing/2014/main" id="{E69A0273-1966-4A1B-9370-4C1CE5036371}"/>
+                <a16:creationId xmlns:a16="http://schemas.microsoft.com/office/drawing/2014/main" xmlns="" id="{E69A0273-1966-4A1B-9370-4C1CE5036371}"/>
               </a:ext>
             </a:extLst>
           </p:cNvPr>
@@ -7784,7 +7784,7 @@
           <p:cNvPr id="3" name="Espaço Reservado para Texto 2">
             <a:extLst>
               <a:ext uri="{FF2B5EF4-FFF2-40B4-BE49-F238E27FC236}">
-                <a16:creationId xmlns="" xmlns:a16="http://schemas.microsoft.com/office/drawing/2014/main" id="{3B9CF87A-0448-49A7-AB25-EBC1D56A40EF}"/>
+                <a16:creationId xmlns:a16="http://schemas.microsoft.com/office/drawing/2014/main" xmlns="" id="{3B9CF87A-0448-49A7-AB25-EBC1D56A40EF}"/>
               </a:ext>
             </a:extLst>
           </p:cNvPr>
@@ -7851,7 +7851,7 @@
           <p:cNvPr id="4" name="Espaço Reservado para Data 3">
             <a:extLst>
               <a:ext uri="{FF2B5EF4-FFF2-40B4-BE49-F238E27FC236}">
-                <a16:creationId xmlns="" xmlns:a16="http://schemas.microsoft.com/office/drawing/2014/main" id="{2EF7B1F2-BB5A-44D0-816D-16AD2C71430E}"/>
+                <a16:creationId xmlns:a16="http://schemas.microsoft.com/office/drawing/2014/main" xmlns="" id="{2EF7B1F2-BB5A-44D0-816D-16AD2C71430E}"/>
               </a:ext>
             </a:extLst>
           </p:cNvPr>
@@ -7887,7 +7887,7 @@
           <a:p>
             <a:fld id="{63289F7E-B80B-496E-81B4-D396C37C9454}" type="datetimeFigureOut">
               <a:rPr lang="pt-BR" smtClean="0"/>
-              <a:t>19/07/2022</a:t>
+              <a:t>22/07/2022</a:t>
             </a:fld>
             <a:endParaRPr lang="pt-BR"/>
           </a:p>
@@ -7898,7 +7898,7 @@
           <p:cNvPr id="5" name="Espaço Reservado para Rodapé 4">
             <a:extLst>
               <a:ext uri="{FF2B5EF4-FFF2-40B4-BE49-F238E27FC236}">
-                <a16:creationId xmlns="" xmlns:a16="http://schemas.microsoft.com/office/drawing/2014/main" id="{C703F94C-2CC8-4DAA-BC35-14FC3E841DCD}"/>
+                <a16:creationId xmlns:a16="http://schemas.microsoft.com/office/drawing/2014/main" xmlns="" id="{C703F94C-2CC8-4DAA-BC35-14FC3E841DCD}"/>
               </a:ext>
             </a:extLst>
           </p:cNvPr>
@@ -7941,7 +7941,7 @@
           <p:cNvPr id="6" name="Espaço Reservado para Número de Slide 5">
             <a:extLst>
               <a:ext uri="{FF2B5EF4-FFF2-40B4-BE49-F238E27FC236}">
-                <a16:creationId xmlns="" xmlns:a16="http://schemas.microsoft.com/office/drawing/2014/main" id="{64051336-7048-457A-8B61-D94291D71648}"/>
+                <a16:creationId xmlns:a16="http://schemas.microsoft.com/office/drawing/2014/main" xmlns="" id="{64051336-7048-457A-8B61-D94291D71648}"/>
               </a:ext>
             </a:extLst>
           </p:cNvPr>
@@ -8309,7 +8309,7 @@
           <p:cNvPr id="2" name="Título 1">
             <a:extLst>
               <a:ext uri="{FF2B5EF4-FFF2-40B4-BE49-F238E27FC236}">
-                <a16:creationId xmlns="" xmlns:a16="http://schemas.microsoft.com/office/drawing/2014/main" id="{32666AC8-2E17-4DB4-B0F5-60C640CCFD2E}"/>
+                <a16:creationId xmlns:a16="http://schemas.microsoft.com/office/drawing/2014/main" xmlns="" id="{32666AC8-2E17-4DB4-B0F5-60C640CCFD2E}"/>
               </a:ext>
             </a:extLst>
           </p:cNvPr>
@@ -8356,7 +8356,7 @@
           <p:cNvPr id="4" name="CaixaDeTexto 3">
             <a:extLst>
               <a:ext uri="{FF2B5EF4-FFF2-40B4-BE49-F238E27FC236}">
-                <a16:creationId xmlns="" xmlns:a16="http://schemas.microsoft.com/office/drawing/2014/main" id="{430EB894-B7D4-434C-9D1A-A14094D9BEEC}"/>
+                <a16:creationId xmlns:a16="http://schemas.microsoft.com/office/drawing/2014/main" xmlns="" id="{430EB894-B7D4-434C-9D1A-A14094D9BEEC}"/>
               </a:ext>
             </a:extLst>
           </p:cNvPr>
@@ -8397,7 +8397,7 @@
           <p:cNvPr id="1026" name="Picture 2" descr="Logo">
             <a:extLst>
               <a:ext uri="{FF2B5EF4-FFF2-40B4-BE49-F238E27FC236}">
-                <a16:creationId xmlns="" xmlns:a16="http://schemas.microsoft.com/office/drawing/2014/main" id="{3F2642E0-4F6A-4196-8F58-E77D36E9A33F}"/>
+                <a16:creationId xmlns:a16="http://schemas.microsoft.com/office/drawing/2014/main" xmlns="" id="{3F2642E0-4F6A-4196-8F58-E77D36E9A33F}"/>
               </a:ext>
             </a:extLst>
           </p:cNvPr>
@@ -8442,7 +8442,7 @@
           <p:cNvPr id="5122" name="Picture 2" descr="Image result for machine learning">
             <a:extLst>
               <a:ext uri="{FF2B5EF4-FFF2-40B4-BE49-F238E27FC236}">
-                <a16:creationId xmlns="" xmlns:a16="http://schemas.microsoft.com/office/drawing/2014/main" id="{810CE0A2-4102-44A6-A370-175E7896CDCB}"/>
+                <a16:creationId xmlns:a16="http://schemas.microsoft.com/office/drawing/2014/main" xmlns="" id="{810CE0A2-4102-44A6-A370-175E7896CDCB}"/>
               </a:ext>
             </a:extLst>
           </p:cNvPr>
@@ -8662,7 +8662,7 @@
           <p:cNvPr id="4" name="Picture 2" descr="https://www.oulu.fi/sites/default/files/11/machines%20_decide.jpg">
             <a:extLst>
               <a:ext uri="{FF2B5EF4-FFF2-40B4-BE49-F238E27FC236}">
-                <a16:creationId xmlns="" xmlns:a16="http://schemas.microsoft.com/office/drawing/2014/main" id="{6B8DD7A2-43EE-406C-8FF3-BC9A04CF3BD4}"/>
+                <a16:creationId xmlns:a16="http://schemas.microsoft.com/office/drawing/2014/main" xmlns="" id="{6B8DD7A2-43EE-406C-8FF3-BC9A04CF3BD4}"/>
               </a:ext>
             </a:extLst>
           </p:cNvPr>
@@ -8748,7 +8748,7 @@
           <p:cNvPr id="6" name="Picture 8" descr="Image result for applications of artificial intelligence">
             <a:extLst>
               <a:ext uri="{FF2B5EF4-FFF2-40B4-BE49-F238E27FC236}">
-                <a16:creationId xmlns:a16="http://schemas.microsoft.com/office/drawing/2014/main" xmlns="" id="{030E6182-967A-44D7-8BED-F8E414DAE678}"/>
+                <a16:creationId xmlns="" xmlns:a16="http://schemas.microsoft.com/office/drawing/2014/main" id="{030E6182-967A-44D7-8BED-F8E414DAE678}"/>
               </a:ext>
             </a:extLst>
           </p:cNvPr>
@@ -9396,11 +9396,7 @@
             <a:pPr algn="ctr"/>
             <a:r>
               <a:rPr lang="pt-BR" dirty="0" smtClean="0"/>
-              <a:t>Resultados </a:t>
-            </a:r>
-            <a:r>
-              <a:rPr lang="pt-BR" dirty="0" smtClean="0"/>
-              <a:t>esperados</a:t>
+              <a:t>Resultados esperados</a:t>
             </a:r>
             <a:endParaRPr lang="pt-BR" dirty="0"/>
           </a:p>
@@ -9471,15 +9467,7 @@
                   <a:srgbClr val="FF0000"/>
                 </a:solidFill>
               </a:rPr>
-              <a:t>Modelo de </a:t>
-            </a:r>
-            <a:r>
-              <a:rPr lang="pt-BR" b="1" dirty="0" smtClean="0">
-                <a:solidFill>
-                  <a:srgbClr val="FF0000"/>
-                </a:solidFill>
-              </a:rPr>
-              <a:t>Aprendizado de Máquina</a:t>
+              <a:t>Modelo de Aprendizado de Máquina</a:t>
             </a:r>
             <a:endParaRPr lang="pt-BR" b="1" dirty="0">
               <a:solidFill>
@@ -9986,11 +9974,7 @@
             <a:pPr algn="ctr"/>
             <a:r>
               <a:rPr lang="pt-BR" dirty="0" smtClean="0"/>
-              <a:t>Resultados </a:t>
-            </a:r>
-            <a:r>
-              <a:rPr lang="pt-BR" dirty="0" smtClean="0"/>
-              <a:t>esperados</a:t>
+              <a:t>Resultados esperados</a:t>
             </a:r>
             <a:endParaRPr lang="pt-BR" dirty="0"/>
           </a:p>
@@ -10061,15 +10045,7 @@
                   <a:srgbClr val="FF0000"/>
                 </a:solidFill>
               </a:rPr>
-              <a:t>Modelo de </a:t>
-            </a:r>
-            <a:r>
-              <a:rPr lang="pt-BR" b="1" dirty="0" smtClean="0">
-                <a:solidFill>
-                  <a:srgbClr val="FF0000"/>
-                </a:solidFill>
-              </a:rPr>
-              <a:t>Aprendizado de Máquina</a:t>
+              <a:t>Modelo de Aprendizado de Máquina</a:t>
             </a:r>
             <a:endParaRPr lang="pt-BR" b="1" dirty="0">
               <a:solidFill>
@@ -10385,7 +10361,7 @@
           <p:cNvPr id="4" name="Picture 2" descr="Image result for artificial intelligence">
             <a:extLst>
               <a:ext uri="{FF2B5EF4-FFF2-40B4-BE49-F238E27FC236}">
-                <a16:creationId xmlns:a16="http://schemas.microsoft.com/office/drawing/2014/main" xmlns="" id="{0DAEA2E1-C284-43E2-8055-9522C82515CA}"/>
+                <a16:creationId xmlns="" xmlns:a16="http://schemas.microsoft.com/office/drawing/2014/main" id="{0DAEA2E1-C284-43E2-8055-9522C82515CA}"/>
               </a:ext>
             </a:extLst>
           </p:cNvPr>
@@ -10432,7 +10408,7 @@
           <p:cNvPr id="5" name="Picture 8" descr="Image result for applications of artificial intelligence">
             <a:extLst>
               <a:ext uri="{FF2B5EF4-FFF2-40B4-BE49-F238E27FC236}">
-                <a16:creationId xmlns:a16="http://schemas.microsoft.com/office/drawing/2014/main" xmlns="" id="{030E6182-967A-44D7-8BED-F8E414DAE678}"/>
+                <a16:creationId xmlns="" xmlns:a16="http://schemas.microsoft.com/office/drawing/2014/main" id="{030E6182-967A-44D7-8BED-F8E414DAE678}"/>
               </a:ext>
             </a:extLst>
           </p:cNvPr>
@@ -10700,7 +10676,7 @@
           <p:cNvPr id="4" name="Picture 2" descr="Image result for tensorflow logo">
             <a:extLst>
               <a:ext uri="{FF2B5EF4-FFF2-40B4-BE49-F238E27FC236}">
-                <a16:creationId xmlns="" xmlns:a16="http://schemas.microsoft.com/office/drawing/2014/main" id="{B9A1D4E3-9D1C-4A3E-944D-BA941DCBD60B}"/>
+                <a16:creationId xmlns:a16="http://schemas.microsoft.com/office/drawing/2014/main" xmlns="" id="{B9A1D4E3-9D1C-4A3E-944D-BA941DCBD60B}"/>
               </a:ext>
             </a:extLst>
           </p:cNvPr>
@@ -10747,7 +10723,7 @@
           <p:cNvPr id="5" name="Picture 4" descr="Image result for pytorch logo">
             <a:extLst>
               <a:ext uri="{FF2B5EF4-FFF2-40B4-BE49-F238E27FC236}">
-                <a16:creationId xmlns="" xmlns:a16="http://schemas.microsoft.com/office/drawing/2014/main" id="{6A0D8B6B-9A8B-4981-B678-86257C33AF3C}"/>
+                <a16:creationId xmlns:a16="http://schemas.microsoft.com/office/drawing/2014/main" xmlns="" id="{6A0D8B6B-9A8B-4981-B678-86257C33AF3C}"/>
               </a:ext>
             </a:extLst>
           </p:cNvPr>
@@ -10794,7 +10770,7 @@
           <p:cNvPr id="6" name="Picture 6" descr="Image result for scikit learn logo">
             <a:extLst>
               <a:ext uri="{FF2B5EF4-FFF2-40B4-BE49-F238E27FC236}">
-                <a16:creationId xmlns="" xmlns:a16="http://schemas.microsoft.com/office/drawing/2014/main" id="{87129D40-D136-4716-8871-12CAEC603994}"/>
+                <a16:creationId xmlns:a16="http://schemas.microsoft.com/office/drawing/2014/main" xmlns="" id="{87129D40-D136-4716-8871-12CAEC603994}"/>
               </a:ext>
             </a:extLst>
           </p:cNvPr>
@@ -10841,7 +10817,7 @@
           <p:cNvPr id="7" name="Picture 8" descr="Image result for keras logo">
             <a:extLst>
               <a:ext uri="{FF2B5EF4-FFF2-40B4-BE49-F238E27FC236}">
-                <a16:creationId xmlns="" xmlns:a16="http://schemas.microsoft.com/office/drawing/2014/main" id="{33CCF501-0E9C-4C8C-BFCC-713767570EF0}"/>
+                <a16:creationId xmlns:a16="http://schemas.microsoft.com/office/drawing/2014/main" xmlns="" id="{33CCF501-0E9C-4C8C-BFCC-713767570EF0}"/>
               </a:ext>
             </a:extLst>
           </p:cNvPr>
@@ -10888,7 +10864,7 @@
           <p:cNvPr id="8" name="Picture 10" descr="Image result for theano logo">
             <a:extLst>
               <a:ext uri="{FF2B5EF4-FFF2-40B4-BE49-F238E27FC236}">
-                <a16:creationId xmlns="" xmlns:a16="http://schemas.microsoft.com/office/drawing/2014/main" id="{579B04DE-B2DC-4ED7-AA9D-5AAA9580572E}"/>
+                <a16:creationId xmlns:a16="http://schemas.microsoft.com/office/drawing/2014/main" xmlns="" id="{579B04DE-B2DC-4ED7-AA9D-5AAA9580572E}"/>
               </a:ext>
             </a:extLst>
           </p:cNvPr>
@@ -10935,7 +10911,7 @@
           <p:cNvPr id="9" name="Picture 12" descr="Image result for pandas data mining logo">
             <a:extLst>
               <a:ext uri="{FF2B5EF4-FFF2-40B4-BE49-F238E27FC236}">
-                <a16:creationId xmlns="" xmlns:a16="http://schemas.microsoft.com/office/drawing/2014/main" id="{A9345AF3-EF63-4F70-A5B2-8F8ED0E283FD}"/>
+                <a16:creationId xmlns:a16="http://schemas.microsoft.com/office/drawing/2014/main" xmlns="" id="{A9345AF3-EF63-4F70-A5B2-8F8ED0E283FD}"/>
               </a:ext>
             </a:extLst>
           </p:cNvPr>
@@ -11012,7 +10988,7 @@
           <p:cNvPr id="2" name="Título 1">
             <a:extLst>
               <a:ext uri="{FF2B5EF4-FFF2-40B4-BE49-F238E27FC236}">
-                <a16:creationId xmlns="" xmlns:a16="http://schemas.microsoft.com/office/drawing/2014/main" id="{220079F9-71B9-4466-B35D-68523A745D24}"/>
+                <a16:creationId xmlns:a16="http://schemas.microsoft.com/office/drawing/2014/main" xmlns="" id="{220079F9-71B9-4466-B35D-68523A745D24}"/>
               </a:ext>
             </a:extLst>
           </p:cNvPr>
@@ -11045,7 +11021,7 @@
           <p:cNvPr id="3" name="Espaço Reservado para Conteúdo 2">
             <a:extLst>
               <a:ext uri="{FF2B5EF4-FFF2-40B4-BE49-F238E27FC236}">
-                <a16:creationId xmlns="" xmlns:a16="http://schemas.microsoft.com/office/drawing/2014/main" id="{5BA8D271-087B-414B-ABC6-D7C5E7367E33}"/>
+                <a16:creationId xmlns:a16="http://schemas.microsoft.com/office/drawing/2014/main" xmlns="" id="{5BA8D271-087B-414B-ABC6-D7C5E7367E33}"/>
               </a:ext>
             </a:extLst>
           </p:cNvPr>
@@ -11129,7 +11105,7 @@
           <p:cNvPr id="3074" name="Picture 2" descr="Image result for machine learning">
             <a:extLst>
               <a:ext uri="{FF2B5EF4-FFF2-40B4-BE49-F238E27FC236}">
-                <a16:creationId xmlns="" xmlns:a16="http://schemas.microsoft.com/office/drawing/2014/main" id="{0F1D94CB-2EF0-4960-BC00-8889565E93D1}"/>
+                <a16:creationId xmlns:a16="http://schemas.microsoft.com/office/drawing/2014/main" xmlns="" id="{0F1D94CB-2EF0-4960-BC00-8889565E93D1}"/>
               </a:ext>
             </a:extLst>
           </p:cNvPr>
@@ -11235,7 +11211,7 @@
           <p:cNvPr id="4" name="Picture 4" descr="Image result for supervised learning">
             <a:extLst>
               <a:ext uri="{FF2B5EF4-FFF2-40B4-BE49-F238E27FC236}">
-                <a16:creationId xmlns="" xmlns:a16="http://schemas.microsoft.com/office/drawing/2014/main" id="{2520F4EA-1E3E-4F3B-97C0-DF47861DCD42}"/>
+                <a16:creationId xmlns:a16="http://schemas.microsoft.com/office/drawing/2014/main" xmlns="" id="{2520F4EA-1E3E-4F3B-97C0-DF47861DCD42}"/>
               </a:ext>
             </a:extLst>
           </p:cNvPr>
@@ -11318,8 +11294,8 @@
           </a:extLst>
         </p:spPr>
       </p:pic>
-      <mc:AlternateContent xmlns:mc="http://schemas.openxmlformats.org/markup-compatibility/2006">
-        <mc:Choice xmlns:a14="http://schemas.microsoft.com/office/drawing/2010/main" Requires="a14">
+      <mc:AlternateContent xmlns:mc="http://schemas.openxmlformats.org/markup-compatibility/2006" xmlns:a14="http://schemas.microsoft.com/office/drawing/2010/main">
+        <mc:Choice Requires="a14">
           <p:sp>
             <p:nvSpPr>
               <p:cNvPr id="3" name="Content Placeholder 2"/>
@@ -11680,15 +11656,7 @@
                 </a:r>
                 <a:r>
                   <a:rPr lang="pt-BR" dirty="0" smtClean="0"/>
-                  <a:t>. Exemplo: experiência vs. </a:t>
-                </a:r>
-                <a:r>
-                  <a:rPr lang="pt-BR" dirty="0" smtClean="0"/>
-                  <a:t>s</a:t>
-                </a:r>
-                <a:r>
-                  <a:rPr lang="pt-BR" dirty="0" smtClean="0"/>
-                  <a:t>alário.</a:t>
+                  <a:t>. Exemplo: experiência vs. salário.</a:t>
                 </a:r>
                 <a:endParaRPr lang="pt-BR" dirty="0"/>
               </a:p>
@@ -11739,7 +11707,7 @@
             </p:txBody>
           </p:sp>
         </mc:Choice>
-        <mc:Fallback>
+        <mc:Fallback xmlns="">
           <p:sp>
             <p:nvSpPr>
               <p:cNvPr id="3" name="Content Placeholder 2"/>
@@ -11812,7 +11780,7 @@
           <p:cNvPr id="2" name="Título 1">
             <a:extLst>
               <a:ext uri="{FF2B5EF4-FFF2-40B4-BE49-F238E27FC236}">
-                <a16:creationId xmlns="" xmlns:a16="http://schemas.microsoft.com/office/drawing/2014/main" id="{6CB39B9C-599D-4DED-8180-FA8AD66BB117}"/>
+                <a16:creationId xmlns:a16="http://schemas.microsoft.com/office/drawing/2014/main" xmlns="" id="{6CB39B9C-599D-4DED-8180-FA8AD66BB117}"/>
               </a:ext>
             </a:extLst>
           </p:cNvPr>
@@ -11840,14 +11808,14 @@
           </a:p>
         </p:txBody>
       </p:sp>
-      <mc:AlternateContent xmlns:mc="http://schemas.openxmlformats.org/markup-compatibility/2006">
-        <mc:Choice xmlns:a14="http://schemas.microsoft.com/office/drawing/2010/main" Requires="a14">
+      <mc:AlternateContent xmlns:mc="http://schemas.openxmlformats.org/markup-compatibility/2006" xmlns:a14="http://schemas.microsoft.com/office/drawing/2010/main">
+        <mc:Choice Requires="a14">
           <p:sp>
             <p:nvSpPr>
               <p:cNvPr id="3" name="Espaço Reservado para Conteúdo 2">
                 <a:extLst>
                   <a:ext uri="{FF2B5EF4-FFF2-40B4-BE49-F238E27FC236}">
-                    <a16:creationId xmlns="" xmlns:a16="http://schemas.microsoft.com/office/drawing/2014/main" id="{5E0262E2-3A0F-4805-BCCB-6745237D1574}"/>
+                    <a16:creationId xmlns:a16="http://schemas.microsoft.com/office/drawing/2014/main" xmlns="" id="{5E0262E2-3A0F-4805-BCCB-6745237D1574}"/>
                   </a:ext>
                 </a:extLst>
               </p:cNvPr>
@@ -11882,19 +11850,7 @@
                   <a:rPr lang="pt-BR" dirty="0" smtClean="0">
                     <a:cs typeface="Calibri"/>
                   </a:rPr>
-                  <a:t>. Eles </a:t>
-                </a:r>
-                <a:r>
-                  <a:rPr lang="pt-BR" dirty="0" smtClean="0">
-                    <a:cs typeface="Calibri"/>
-                  </a:rPr>
-                  <a:t>só recebem os </a:t>
-                </a:r>
-                <a:r>
-                  <a:rPr lang="pt-BR" dirty="0" smtClean="0">
-                    <a:cs typeface="Calibri"/>
-                  </a:rPr>
-                  <a:t>atributos, </a:t>
+                  <a:t>. Eles só recebem os atributos, </a:t>
                 </a:r>
                 <a14:m>
                   <m:oMath xmlns:m="http://schemas.openxmlformats.org/officeDocument/2006/math">
@@ -11937,11 +11893,7 @@
                 </a:r>
                 <a:r>
                   <a:rPr lang="pt-BR" dirty="0" smtClean="0"/>
-                  <a:t>(</a:t>
-                </a:r>
-                <a:r>
-                  <a:rPr lang="pt-BR" dirty="0" smtClean="0"/>
-                  <a:t>muitas vezes ocultos) presentes </a:t>
+                  <a:t>(muitas vezes ocultos) presentes </a:t>
                 </a:r>
                 <a:r>
                   <a:rPr lang="pt-BR" dirty="0"/>
@@ -11971,11 +11923,7 @@
                 </a:r>
                 <a:r>
                   <a:rPr lang="pt-BR" dirty="0" smtClean="0"/>
-                  <a:t>s </a:t>
-                </a:r>
-                <a:r>
-                  <a:rPr lang="pt-BR" dirty="0" smtClean="0"/>
-                  <a:t>algoritmos devem </a:t>
+                  <a:t>s algoritmos devem </a:t>
                 </a:r>
                 <a:r>
                   <a:rPr lang="pt-BR" b="1" i="1" dirty="0" smtClean="0"/>
@@ -11987,19 +11935,11 @@
                 </a:r>
                 <a:r>
                   <a:rPr lang="pt-BR" dirty="0"/>
-                  <a:t>padrões </a:t>
-                </a:r>
-                <a:r>
-                  <a:rPr lang="pt-BR" dirty="0"/>
-                  <a:t>(e.g., </a:t>
+                  <a:t>padrões (e.g., </a:t>
                 </a:r>
                 <a:r>
                   <a:rPr lang="pt-BR" dirty="0" smtClean="0"/>
-                  <a:t>similaridades) desconhecidos </a:t>
-                </a:r>
-                <a:r>
-                  <a:rPr lang="pt-BR" dirty="0" smtClean="0"/>
-                  <a:t>se baseando apenas nos exemplos de entrada.</a:t>
+                  <a:t>similaridades) desconhecidos se baseando apenas nos exemplos de entrada.</a:t>
                 </a:r>
                 <a:endParaRPr lang="pt-BR" dirty="0"/>
               </a:p>
@@ -12043,7 +11983,7 @@
             </p:txBody>
           </p:sp>
         </mc:Choice>
-        <mc:Fallback>
+        <mc:Fallback xmlns="">
           <p:sp>
             <p:nvSpPr>
               <p:cNvPr id="3" name="Espaço Reservado para Conteúdo 2">
@@ -12092,7 +12032,7 @@
           <p:cNvPr id="3074" name="Picture 2" descr="https://www.ecloudvalley.com/wp-content/uploads/2019/09/Unsupervised-learning.png">
             <a:extLst>
               <a:ext uri="{FF2B5EF4-FFF2-40B4-BE49-F238E27FC236}">
-                <a16:creationId xmlns="" xmlns:a16="http://schemas.microsoft.com/office/drawing/2014/main" id="{E1E9C2D9-93F7-4EA6-9C7E-D658C2452746}"/>
+                <a16:creationId xmlns:a16="http://schemas.microsoft.com/office/drawing/2014/main" xmlns="" id="{E1E9C2D9-93F7-4EA6-9C7E-D658C2452746}"/>
               </a:ext>
             </a:extLst>
           </p:cNvPr>
@@ -12137,7 +12077,7 @@
           <p:cNvPr id="1028" name="Picture 4" descr="https://slideplayer.com/slide/13055479/79/images/6/Data+Compression+Reduce+data+from+3D+to+2D+Andrew+Ng.jpg">
             <a:extLst>
               <a:ext uri="{FF2B5EF4-FFF2-40B4-BE49-F238E27FC236}">
-                <a16:creationId xmlns="" xmlns:a16="http://schemas.microsoft.com/office/drawing/2014/main" id="{F20F10B0-B790-4630-9FD0-F82B2B0DFAD5}"/>
+                <a16:creationId xmlns:a16="http://schemas.microsoft.com/office/drawing/2014/main" xmlns="" id="{F20F10B0-B790-4630-9FD0-F82B2B0DFAD5}"/>
               </a:ext>
             </a:extLst>
           </p:cNvPr>
@@ -12182,7 +12122,7 @@
           <p:cNvPr id="1030" name="Picture 6" descr="Image result for outlier ">
             <a:extLst>
               <a:ext uri="{FF2B5EF4-FFF2-40B4-BE49-F238E27FC236}">
-                <a16:creationId xmlns="" xmlns:a16="http://schemas.microsoft.com/office/drawing/2014/main" id="{5E7788A9-1556-48E2-A68C-C98CBCD57CE7}"/>
+                <a16:creationId xmlns:a16="http://schemas.microsoft.com/office/drawing/2014/main" xmlns="" id="{5E7788A9-1556-48E2-A68C-C98CBCD57CE7}"/>
               </a:ext>
             </a:extLst>
           </p:cNvPr>
@@ -12227,7 +12167,7 @@
           <p:cNvPr id="1032" name="Picture 8" descr="http://users.telenet.be/martialluyts/img/basket.jpg">
             <a:extLst>
               <a:ext uri="{FF2B5EF4-FFF2-40B4-BE49-F238E27FC236}">
-                <a16:creationId xmlns="" xmlns:a16="http://schemas.microsoft.com/office/drawing/2014/main" id="{91C7F0A4-66BC-4E4C-B7C9-061F60727247}"/>
+                <a16:creationId xmlns:a16="http://schemas.microsoft.com/office/drawing/2014/main" xmlns="" id="{91C7F0A4-66BC-4E4C-B7C9-061F60727247}"/>
               </a:ext>
             </a:extLst>
           </p:cNvPr>
@@ -12472,11 +12412,7 @@
             </a:r>
             <a:r>
               <a:rPr lang="pt-BR" dirty="0" smtClean="0"/>
-              <a:t>os algoritmos </a:t>
-            </a:r>
-            <a:r>
-              <a:rPr lang="pt-BR" dirty="0" smtClean="0"/>
-              <a:t>têm </a:t>
+              <a:t>os algoritmos têm </a:t>
             </a:r>
             <a:r>
               <a:rPr lang="pt-BR" dirty="0"/>
@@ -12593,7 +12529,7 @@
           <p:cNvPr id="2" name="Título 1">
             <a:extLst>
               <a:ext uri="{FF2B5EF4-FFF2-40B4-BE49-F238E27FC236}">
-                <a16:creationId xmlns="" xmlns:a16="http://schemas.microsoft.com/office/drawing/2014/main" id="{646F6830-B3DF-4F50-823F-7E36C43380D1}"/>
+                <a16:creationId xmlns:a16="http://schemas.microsoft.com/office/drawing/2014/main" xmlns="" id="{646F6830-B3DF-4F50-823F-7E36C43380D1}"/>
               </a:ext>
             </a:extLst>
           </p:cNvPr>
@@ -12626,7 +12562,7 @@
           <p:cNvPr id="3" name="Espaço Reservado para Conteúdo 2">
             <a:extLst>
               <a:ext uri="{FF2B5EF4-FFF2-40B4-BE49-F238E27FC236}">
-                <a16:creationId xmlns:mc="http://schemas.openxmlformats.org/markup-compatibility/2006" xmlns:a14="http://schemas.microsoft.com/office/drawing/2010/main" xmlns="" xmlns:a16="http://schemas.microsoft.com/office/drawing/2014/main" id="{071E0B55-13FE-4ADE-80F7-AFEDEF27C875}"/>
+                <a16:creationId xmlns:a16="http://schemas.microsoft.com/office/drawing/2014/main" xmlns="" xmlns:a14="http://schemas.microsoft.com/office/drawing/2010/main" xmlns:mc="http://schemas.openxmlformats.org/markup-compatibility/2006" id="{071E0B55-13FE-4ADE-80F7-AFEDEF27C875}"/>
               </a:ext>
             </a:extLst>
           </p:cNvPr>
@@ -13464,11 +13400,7 @@
             </a:r>
             <a:r>
               <a:rPr lang="pt-BR" dirty="0" smtClean="0"/>
-              <a:t>limitada</a:t>
-            </a:r>
-            <a:r>
-              <a:rPr lang="pt-BR" dirty="0" smtClean="0"/>
-              <a:t>.</a:t>
+              <a:t>limitada.</a:t>
             </a:r>
           </a:p>
           <a:p>
@@ -14053,11 +13985,7 @@
             </a:r>
             <a:r>
               <a:rPr lang="pt-BR" dirty="0" smtClean="0"/>
-              <a:t>: </a:t>
-            </a:r>
-            <a:r>
-              <a:rPr lang="pt-BR" dirty="0" smtClean="0"/>
-              <a:t>aplicação </a:t>
+              <a:t>: aplicação </a:t>
             </a:r>
             <a:r>
               <a:rPr lang="pt-BR" dirty="0"/>
@@ -14083,7 +14011,6 @@
               <a:rPr lang="pt-BR" dirty="0" smtClean="0"/>
               <a:t>.</a:t>
             </a:r>
-            <a:endParaRPr lang="pt-BR" dirty="0" smtClean="0"/>
           </a:p>
           <a:p>
             <a:r>
@@ -14096,7 +14023,6 @@
               <a:rPr lang="pt-BR" dirty="0" smtClean="0"/>
               <a:t>Vantagens: </a:t>
             </a:r>
-            <a:endParaRPr lang="pt-BR" dirty="0" smtClean="0"/>
           </a:p>
           <a:p>
             <a:pPr lvl="1">
@@ -14105,11 +14031,7 @@
             </a:pPr>
             <a:r>
               <a:rPr lang="pt-BR" dirty="0" smtClean="0"/>
-              <a:t>Grande número </a:t>
-            </a:r>
-            <a:r>
-              <a:rPr lang="pt-BR" dirty="0" smtClean="0"/>
-              <a:t>de servidores.</a:t>
+              <a:t>Grande número de servidores.</a:t>
             </a:r>
           </a:p>
           <a:p>
@@ -14119,17 +14041,8 @@
             </a:pPr>
             <a:r>
               <a:rPr lang="pt-BR" dirty="0" smtClean="0"/>
-              <a:t>Rápida inicialização </a:t>
-            </a:r>
-            <a:r>
-              <a:rPr lang="pt-BR" dirty="0" smtClean="0"/>
-              <a:t>e processamento do </a:t>
-            </a:r>
-            <a:r>
-              <a:rPr lang="pt-BR" dirty="0" smtClean="0"/>
-              <a:t>código.</a:t>
-            </a:r>
-            <a:endParaRPr lang="pt-BR" dirty="0" smtClean="0"/>
+              <a:t>Rápida inicialização e processamento do código.</a:t>
+            </a:r>
           </a:p>
           <a:p>
             <a:pPr lvl="1">
@@ -14152,11 +14065,7 @@
             </a:pPr>
             <a:r>
               <a:rPr lang="pt-BR" dirty="0" smtClean="0"/>
-              <a:t>Notebooks podem ser salvos no seu Google Drive, evitando que você perca seu código</a:t>
-            </a:r>
-            <a:r>
-              <a:rPr lang="pt-BR" dirty="0" smtClean="0"/>
-              <a:t>.</a:t>
+              <a:t>Notebooks podem ser salvos no seu Google Drive, evitando que você perca seu código.</a:t>
             </a:r>
           </a:p>
           <a:p>
@@ -14178,7 +14087,6 @@
               <a:rPr lang="pt-BR" dirty="0" smtClean="0"/>
               <a:t>.</a:t>
             </a:r>
-            <a:endParaRPr lang="pt-BR" dirty="0" smtClean="0"/>
           </a:p>
           <a:p>
             <a:r>
@@ -14334,15 +14242,7 @@
             </a:r>
             <a:r>
               <a:rPr lang="pt-BR" dirty="0" smtClean="0"/>
-              <a:t>: </a:t>
-            </a:r>
-            <a:r>
-              <a:rPr lang="pt-BR" dirty="0" smtClean="0"/>
-              <a:t>outra aplicação </a:t>
-            </a:r>
-            <a:r>
-              <a:rPr lang="pt-BR" dirty="0" smtClean="0"/>
-              <a:t>web gratuita que </a:t>
+              <a:t>: outra aplicação web gratuita que </a:t>
             </a:r>
             <a:r>
               <a:rPr lang="pt-BR" dirty="0"/>
@@ -14386,11 +14286,7 @@
             </a:pPr>
             <a:r>
               <a:rPr lang="pt-BR" dirty="0" smtClean="0"/>
-              <a:t>Suporta </a:t>
-            </a:r>
-            <a:r>
-              <a:rPr lang="pt-BR" dirty="0" smtClean="0"/>
-              <a:t>a execução de várias linguagens de programação: Python, C++, C#, PHP, Julia, R, etc.</a:t>
+              <a:t>Suporta a execução de várias linguagens de programação: Python, C++, C#, PHP, Julia, R, etc.</a:t>
             </a:r>
           </a:p>
           <a:p>
@@ -14398,7 +14294,6 @@
               <a:rPr lang="pt-BR" dirty="0" smtClean="0"/>
               <a:t>Desvantagens:</a:t>
             </a:r>
-            <a:endParaRPr lang="pt-BR" dirty="0" smtClean="0"/>
           </a:p>
           <a:p>
             <a:pPr lvl="1">
@@ -14585,8 +14480,8 @@
           </a:p>
         </p:txBody>
       </p:sp>
-      <mc:AlternateContent xmlns:mc="http://schemas.openxmlformats.org/markup-compatibility/2006">
-        <mc:Choice xmlns:a14="http://schemas.microsoft.com/office/drawing/2010/main" Requires="a14">
+      <mc:AlternateContent xmlns:mc="http://schemas.openxmlformats.org/markup-compatibility/2006" xmlns:a14="http://schemas.microsoft.com/office/drawing/2010/main">
+        <mc:Choice Requires="a14">
           <p:sp>
             <p:nvSpPr>
               <p:cNvPr id="3" name="Espaço Reservado para Conteúdo 2"/>
@@ -14631,11 +14526,7 @@
                 </a:r>
                 <a:r>
                   <a:rPr lang="pt-BR" dirty="0" smtClean="0"/>
-                  <a:t>o comportamento de </a:t>
-                </a:r>
-                <a:r>
-                  <a:rPr lang="pt-BR" dirty="0" smtClean="0"/>
-                  <a:t>um </a:t>
+                  <a:t>o comportamento de um </a:t>
                 </a:r>
                 <a:r>
                   <a:rPr lang="pt-BR" b="1" i="1" dirty="0" smtClean="0"/>
@@ -14719,7 +14610,7 @@
             </p:txBody>
           </p:sp>
         </mc:Choice>
-        <mc:Fallback>
+        <mc:Fallback xmlns="">
           <p:sp>
             <p:nvSpPr>
               <p:cNvPr id="3" name="Espaço Reservado para Conteúdo 2"/>
@@ -14869,7 +14760,7 @@
           <p:cNvPr id="2" name="Título 1">
             <a:extLst>
               <a:ext uri="{FF2B5EF4-FFF2-40B4-BE49-F238E27FC236}">
-                <a16:creationId xmlns="" xmlns:a16="http://schemas.microsoft.com/office/drawing/2014/main" id="{A2A4684C-1159-4F88-A2B1-6BABEDE38C4D}"/>
+                <a16:creationId xmlns:a16="http://schemas.microsoft.com/office/drawing/2014/main" xmlns="" id="{A2A4684C-1159-4F88-A2B1-6BABEDE38C4D}"/>
               </a:ext>
             </a:extLst>
           </p:cNvPr>
@@ -14897,7 +14788,7 @@
           <p:cNvPr id="3" name="Espaço Reservado para Conteúdo 2">
             <a:extLst>
               <a:ext uri="{FF2B5EF4-FFF2-40B4-BE49-F238E27FC236}">
-                <a16:creationId xmlns="" xmlns:a16="http://schemas.microsoft.com/office/drawing/2014/main" id="{EC432B31-D382-41FF-BB6B-2ABDD322424B}"/>
+                <a16:creationId xmlns:a16="http://schemas.microsoft.com/office/drawing/2014/main" xmlns="" id="{EC432B31-D382-41FF-BB6B-2ABDD322424B}"/>
               </a:ext>
             </a:extLst>
           </p:cNvPr>
@@ -15418,12 +15309,32 @@
               <a:t> Teles): </a:t>
             </a:r>
             <a:r>
+              <a:rPr lang="pt-BR" dirty="0" smtClean="0"/>
+              <a:t>quarta</a:t>
+            </a:r>
+            <a:r>
+              <a:rPr lang="pt-BR" dirty="0" smtClean="0"/>
+              <a:t>s-feiras </a:t>
+            </a:r>
+            <a:r>
+              <a:rPr lang="pt-BR"/>
+              <a:t>das </a:t>
+            </a:r>
+            <a:r>
+              <a:rPr lang="pt-BR" smtClean="0"/>
+              <a:t>18:30 </a:t>
+            </a:r>
+            <a:r>
+              <a:rPr lang="pt-BR"/>
+              <a:t>às </a:t>
+            </a:r>
+            <a:r>
+              <a:rPr lang="pt-BR" smtClean="0"/>
+              <a:t>19:30 </a:t>
+            </a:r>
+            <a:r>
               <a:rPr lang="pt-BR" dirty="0"/>
-              <a:t>Todas </a:t>
-            </a:r>
-            <a:r>
-              <a:rPr lang="pt-BR" dirty="0" smtClean="0"/>
-              <a:t>as.</a:t>
+              <a:t>.</a:t>
             </a:r>
             <a:endParaRPr lang="pt-BR" dirty="0"/>
           </a:p>
@@ -15437,8 +15348,12 @@
               <a:t>Atendimento </a:t>
             </a:r>
             <a:r>
+              <a:rPr lang="pt-BR" dirty="0" smtClean="0"/>
+              <a:t>remoto via </a:t>
+            </a:r>
+            <a:r>
               <a:rPr lang="pt-BR" dirty="0"/>
-              <a:t>via MS Teams. </a:t>
+              <a:t>MS Teams. </a:t>
             </a:r>
             <a:br>
               <a:rPr lang="pt-BR" dirty="0"/>
@@ -15642,7 +15557,7 @@
           <p:cNvPr id="4" name="Título 1">
             <a:extLst>
               <a:ext uri="{FF2B5EF4-FFF2-40B4-BE49-F238E27FC236}">
-                <a16:creationId xmlns="" xmlns:a16="http://schemas.microsoft.com/office/drawing/2014/main" id="{32666AC8-2E17-4DB4-B0F5-60C640CCFD2E}"/>
+                <a16:creationId xmlns:a16="http://schemas.microsoft.com/office/drawing/2014/main" xmlns="" id="{32666AC8-2E17-4DB4-B0F5-60C640CCFD2E}"/>
               </a:ext>
             </a:extLst>
           </p:cNvPr>
@@ -18884,7 +18799,7 @@
           <p:cNvPr id="4" name="Agrupar 9">
             <a:extLst>
               <a:ext uri="{FF2B5EF4-FFF2-40B4-BE49-F238E27FC236}">
-                <a16:creationId xmlns="" xmlns:a16="http://schemas.microsoft.com/office/drawing/2014/main" id="{0B96ABED-DB41-410B-A604-C06F86EA7584}"/>
+                <a16:creationId xmlns:a16="http://schemas.microsoft.com/office/drawing/2014/main" xmlns="" id="{0B96ABED-DB41-410B-A604-C06F86EA7584}"/>
               </a:ext>
             </a:extLst>
           </p:cNvPr>
@@ -18904,7 +18819,7 @@
             <p:cNvPr id="5" name="Elipse 3">
               <a:extLst>
                 <a:ext uri="{FF2B5EF4-FFF2-40B4-BE49-F238E27FC236}">
-                  <a16:creationId xmlns="" xmlns:a16="http://schemas.microsoft.com/office/drawing/2014/main" id="{78EA9474-9E04-44C4-9E19-67FD40FBA058}"/>
+                  <a16:creationId xmlns:a16="http://schemas.microsoft.com/office/drawing/2014/main" xmlns="" id="{78EA9474-9E04-44C4-9E19-67FD40FBA058}"/>
                 </a:ext>
               </a:extLst>
             </p:cNvPr>
@@ -18961,7 +18876,7 @@
             <p:cNvPr id="6" name="Elipse 4">
               <a:extLst>
                 <a:ext uri="{FF2B5EF4-FFF2-40B4-BE49-F238E27FC236}">
-                  <a16:creationId xmlns="" xmlns:a16="http://schemas.microsoft.com/office/drawing/2014/main" id="{DA23CE7C-64D2-4FF1-83C3-4920F0AD635C}"/>
+                  <a16:creationId xmlns:a16="http://schemas.microsoft.com/office/drawing/2014/main" xmlns="" id="{DA23CE7C-64D2-4FF1-83C3-4920F0AD635C}"/>
                 </a:ext>
               </a:extLst>
             </p:cNvPr>
@@ -19019,7 +18934,7 @@
             <p:cNvPr id="7" name="Elipse 5">
               <a:extLst>
                 <a:ext uri="{FF2B5EF4-FFF2-40B4-BE49-F238E27FC236}">
-                  <a16:creationId xmlns="" xmlns:a16="http://schemas.microsoft.com/office/drawing/2014/main" id="{BDF2AACA-BD34-40AD-9FDE-4F93EBB4342D}"/>
+                  <a16:creationId xmlns:a16="http://schemas.microsoft.com/office/drawing/2014/main" xmlns="" id="{BDF2AACA-BD34-40AD-9FDE-4F93EBB4342D}"/>
                 </a:ext>
               </a:extLst>
             </p:cNvPr>
@@ -19077,7 +18992,7 @@
             <p:cNvPr id="8" name="CaixaDeTexto 10">
               <a:extLst>
                 <a:ext uri="{FF2B5EF4-FFF2-40B4-BE49-F238E27FC236}">
-                  <a16:creationId xmlns="" xmlns:a16="http://schemas.microsoft.com/office/drawing/2014/main" id="{51F63BB8-6AA0-41B8-AF42-7EF062B069A1}"/>
+                  <a16:creationId xmlns:a16="http://schemas.microsoft.com/office/drawing/2014/main" xmlns="" id="{51F63BB8-6AA0-41B8-AF42-7EF062B069A1}"/>
                 </a:ext>
               </a:extLst>
             </p:cNvPr>
@@ -19128,7 +19043,7 @@
             <p:cNvPr id="9" name="CaixaDeTexto 11">
               <a:extLst>
                 <a:ext uri="{FF2B5EF4-FFF2-40B4-BE49-F238E27FC236}">
-                  <a16:creationId xmlns="" xmlns:a16="http://schemas.microsoft.com/office/drawing/2014/main" id="{DFD039E3-20CE-44F5-92EF-195036537592}"/>
+                  <a16:creationId xmlns:a16="http://schemas.microsoft.com/office/drawing/2014/main" xmlns="" id="{DFD039E3-20CE-44F5-92EF-195036537592}"/>
                 </a:ext>
               </a:extLst>
             </p:cNvPr>
@@ -19179,7 +19094,7 @@
             <p:cNvPr id="10" name="CaixaDeTexto 12">
               <a:extLst>
                 <a:ext uri="{FF2B5EF4-FFF2-40B4-BE49-F238E27FC236}">
-                  <a16:creationId xmlns="" xmlns:a16="http://schemas.microsoft.com/office/drawing/2014/main" id="{2BA92F8A-1455-40AE-B18C-EA6C3DE256D6}"/>
+                  <a16:creationId xmlns:a16="http://schemas.microsoft.com/office/drawing/2014/main" xmlns="" id="{2BA92F8A-1455-40AE-B18C-EA6C3DE256D6}"/>
                 </a:ext>
               </a:extLst>
             </p:cNvPr>
@@ -20864,7 +20779,7 @@
           <p:cNvPr id="2" name="Título 1">
             <a:extLst>
               <a:ext uri="{FF2B5EF4-FFF2-40B4-BE49-F238E27FC236}">
-                <a16:creationId xmlns="" xmlns:a16="http://schemas.microsoft.com/office/drawing/2014/main" id="{C4F48192-B348-4C3E-8621-D3755D2230F8}"/>
+                <a16:creationId xmlns:a16="http://schemas.microsoft.com/office/drawing/2014/main" xmlns="" id="{C4F48192-B348-4C3E-8621-D3755D2230F8}"/>
               </a:ext>
             </a:extLst>
           </p:cNvPr>
@@ -20901,7 +20816,7 @@
           <p:cNvPr id="3" name="Espaço Reservado para Conteúdo 2">
             <a:extLst>
               <a:ext uri="{FF2B5EF4-FFF2-40B4-BE49-F238E27FC236}">
-                <a16:creationId xmlns="" xmlns:a16="http://schemas.microsoft.com/office/drawing/2014/main" id="{E3DECB90-AFD9-4AC6-A356-C93A7442A6E6}"/>
+                <a16:creationId xmlns:a16="http://schemas.microsoft.com/office/drawing/2014/main" xmlns="" id="{E3DECB90-AFD9-4AC6-A356-C93A7442A6E6}"/>
               </a:ext>
             </a:extLst>
           </p:cNvPr>
@@ -21063,7 +20978,7 @@
           <p:cNvPr id="3074" name="Picture 2" descr="Image result for machine learning">
             <a:extLst>
               <a:ext uri="{FF2B5EF4-FFF2-40B4-BE49-F238E27FC236}">
-                <a16:creationId xmlns="" xmlns:a16="http://schemas.microsoft.com/office/drawing/2014/main" id="{78A93243-9634-4B0E-B1B2-37A218EAEADD}"/>
+                <a16:creationId xmlns:a16="http://schemas.microsoft.com/office/drawing/2014/main" xmlns="" id="{78A93243-9634-4B0E-B1B2-37A218EAEADD}"/>
               </a:ext>
             </a:extLst>
           </p:cNvPr>
@@ -21517,7 +21432,7 @@
           <p:cNvPr id="2" name="Título 1">
             <a:extLst>
               <a:ext uri="{FF2B5EF4-FFF2-40B4-BE49-F238E27FC236}">
-                <a16:creationId xmlns="" xmlns:a16="http://schemas.microsoft.com/office/drawing/2014/main" id="{323B9288-93D4-4CC5-BE00-B2E741C4A62E}"/>
+                <a16:creationId xmlns:a16="http://schemas.microsoft.com/office/drawing/2014/main" xmlns="" id="{323B9288-93D4-4CC5-BE00-B2E741C4A62E}"/>
               </a:ext>
             </a:extLst>
           </p:cNvPr>
@@ -21545,7 +21460,7 @@
           <p:cNvPr id="3" name="Espaço Reservado para Conteúdo 2">
             <a:extLst>
               <a:ext uri="{FF2B5EF4-FFF2-40B4-BE49-F238E27FC236}">
-                <a16:creationId xmlns="" xmlns:a16="http://schemas.microsoft.com/office/drawing/2014/main" id="{C04549A7-FF67-48B8-B0EE-75CF43A83803}"/>
+                <a16:creationId xmlns:a16="http://schemas.microsoft.com/office/drawing/2014/main" xmlns="" id="{C04549A7-FF67-48B8-B0EE-75CF43A83803}"/>
               </a:ext>
             </a:extLst>
           </p:cNvPr>
@@ -21650,7 +21565,7 @@
           <p:cNvPr id="2052" name="Picture 4" descr="Image result for google">
             <a:extLst>
               <a:ext uri="{FF2B5EF4-FFF2-40B4-BE49-F238E27FC236}">
-                <a16:creationId xmlns="" xmlns:a16="http://schemas.microsoft.com/office/drawing/2014/main" id="{438DFBB1-BCAF-4232-8212-13512A523B87}"/>
+                <a16:creationId xmlns:a16="http://schemas.microsoft.com/office/drawing/2014/main" xmlns="" id="{438DFBB1-BCAF-4232-8212-13512A523B87}"/>
               </a:ext>
             </a:extLst>
           </p:cNvPr>
@@ -21695,7 +21610,7 @@
           <p:cNvPr id="2054" name="Picture 6" descr="Image result for amazon">
             <a:extLst>
               <a:ext uri="{FF2B5EF4-FFF2-40B4-BE49-F238E27FC236}">
-                <a16:creationId xmlns="" xmlns:a16="http://schemas.microsoft.com/office/drawing/2014/main" id="{0F346A9F-5169-48E9-BC8D-A7A5601546B4}"/>
+                <a16:creationId xmlns:a16="http://schemas.microsoft.com/office/drawing/2014/main" xmlns="" id="{0F346A9F-5169-48E9-BC8D-A7A5601546B4}"/>
               </a:ext>
             </a:extLst>
           </p:cNvPr>
@@ -21740,7 +21655,7 @@
           <p:cNvPr id="2056" name="Picture 8" descr="Image result for IBM">
             <a:extLst>
               <a:ext uri="{FF2B5EF4-FFF2-40B4-BE49-F238E27FC236}">
-                <a16:creationId xmlns="" xmlns:a16="http://schemas.microsoft.com/office/drawing/2014/main" id="{F4203440-F9CD-4A35-AECB-4F9069DDD8D8}"/>
+                <a16:creationId xmlns:a16="http://schemas.microsoft.com/office/drawing/2014/main" xmlns="" id="{F4203440-F9CD-4A35-AECB-4F9069DDD8D8}"/>
               </a:ext>
             </a:extLst>
           </p:cNvPr>
@@ -21787,7 +21702,7 @@
           <p:cNvPr id="2058" name="Picture 10" descr="Image result for microsoft">
             <a:extLst>
               <a:ext uri="{FF2B5EF4-FFF2-40B4-BE49-F238E27FC236}">
-                <a16:creationId xmlns="" xmlns:a16="http://schemas.microsoft.com/office/drawing/2014/main" id="{889DF1D8-7481-4A46-9FD7-52BAF8D9886D}"/>
+                <a16:creationId xmlns:a16="http://schemas.microsoft.com/office/drawing/2014/main" xmlns="" id="{889DF1D8-7481-4A46-9FD7-52BAF8D9886D}"/>
               </a:ext>
             </a:extLst>
           </p:cNvPr>
@@ -21832,7 +21747,7 @@
           <p:cNvPr id="2062" name="Picture 14" descr="Image result for apple">
             <a:extLst>
               <a:ext uri="{FF2B5EF4-FFF2-40B4-BE49-F238E27FC236}">
-                <a16:creationId xmlns="" xmlns:a16="http://schemas.microsoft.com/office/drawing/2014/main" id="{E6493393-D074-45B9-BE4A-3BA749178941}"/>
+                <a16:creationId xmlns:a16="http://schemas.microsoft.com/office/drawing/2014/main" xmlns="" id="{E6493393-D074-45B9-BE4A-3BA749178941}"/>
               </a:ext>
             </a:extLst>
           </p:cNvPr>
@@ -21877,7 +21792,7 @@
           <p:cNvPr id="5" name="Picture 4" descr="Image result for ericsson logo">
             <a:extLst>
               <a:ext uri="{FF2B5EF4-FFF2-40B4-BE49-F238E27FC236}">
-                <a16:creationId xmlns="" xmlns:a16="http://schemas.microsoft.com/office/drawing/2014/main" id="{D2E42DB6-DBED-40AD-BE13-35A320551592}"/>
+                <a16:creationId xmlns:a16="http://schemas.microsoft.com/office/drawing/2014/main" xmlns="" id="{D2E42DB6-DBED-40AD-BE13-35A320551592}"/>
               </a:ext>
             </a:extLst>
           </p:cNvPr>
@@ -21924,7 +21839,7 @@
           <p:cNvPr id="6" name="Picture 6" descr="Image result for qualcomm logo">
             <a:extLst>
               <a:ext uri="{FF2B5EF4-FFF2-40B4-BE49-F238E27FC236}">
-                <a16:creationId xmlns="" xmlns:a16="http://schemas.microsoft.com/office/drawing/2014/main" id="{16E08342-ACB0-45D6-9003-A412614BF63C}"/>
+                <a16:creationId xmlns:a16="http://schemas.microsoft.com/office/drawing/2014/main" xmlns="" id="{16E08342-ACB0-45D6-9003-A412614BF63C}"/>
               </a:ext>
             </a:extLst>
           </p:cNvPr>
@@ -21969,7 +21884,7 @@
           <p:cNvPr id="7" name="Picture 8" descr="Image result for huawei logo">
             <a:extLst>
               <a:ext uri="{FF2B5EF4-FFF2-40B4-BE49-F238E27FC236}">
-                <a16:creationId xmlns="" xmlns:a16="http://schemas.microsoft.com/office/drawing/2014/main" id="{4D4C2FC0-11E7-423E-ADFE-E40E3FBE955B}"/>
+                <a16:creationId xmlns:a16="http://schemas.microsoft.com/office/drawing/2014/main" xmlns="" id="{4D4C2FC0-11E7-423E-ADFE-E40E3FBE955B}"/>
               </a:ext>
             </a:extLst>
           </p:cNvPr>
@@ -22096,7 +22011,7 @@
           <p:cNvPr id="2050" name="Picture 2" descr="Image result for facebook">
             <a:extLst>
               <a:ext uri="{FF2B5EF4-FFF2-40B4-BE49-F238E27FC236}">
-                <a16:creationId xmlns="" xmlns:a16="http://schemas.microsoft.com/office/drawing/2014/main" id="{629596EE-D27E-4FA4-917F-4B2F4A295C7D}"/>
+                <a16:creationId xmlns:a16="http://schemas.microsoft.com/office/drawing/2014/main" xmlns="" id="{629596EE-D27E-4FA4-917F-4B2F4A295C7D}"/>
               </a:ext>
             </a:extLst>
           </p:cNvPr>
@@ -23011,7 +22926,7 @@
             <p:cNvPr id="5" name="Agrupar 4">
               <a:extLst>
                 <a:ext uri="{FF2B5EF4-FFF2-40B4-BE49-F238E27FC236}">
-                  <a16:creationId xmlns="" xmlns:a16="http://schemas.microsoft.com/office/drawing/2014/main" id="{7463A6D3-5626-4043-85E5-66DFB2E72B8A}"/>
+                  <a16:creationId xmlns:a16="http://schemas.microsoft.com/office/drawing/2014/main" xmlns="" id="{7463A6D3-5626-4043-85E5-66DFB2E72B8A}"/>
                 </a:ext>
               </a:extLst>
             </p:cNvPr>
@@ -23031,7 +22946,7 @@
               <p:cNvPr id="11" name="Picture 2" descr="Image result for umbrella">
                 <a:extLst>
                   <a:ext uri="{FF2B5EF4-FFF2-40B4-BE49-F238E27FC236}">
-                    <a16:creationId xmlns="" xmlns:a16="http://schemas.microsoft.com/office/drawing/2014/main" id="{46CE05B1-E4CB-4173-8A0C-9C000F3F0A67}"/>
+                    <a16:creationId xmlns:a16="http://schemas.microsoft.com/office/drawing/2014/main" xmlns="" id="{46CE05B1-E4CB-4173-8A0C-9C000F3F0A67}"/>
                   </a:ext>
                 </a:extLst>
               </p:cNvPr>
@@ -23076,7 +22991,7 @@
               <p:cNvPr id="12" name="CaixaDeTexto 3">
                 <a:extLst>
                   <a:ext uri="{FF2B5EF4-FFF2-40B4-BE49-F238E27FC236}">
-                    <a16:creationId xmlns="" xmlns:a16="http://schemas.microsoft.com/office/drawing/2014/main" id="{CC08EDBF-9120-4A11-84A9-24A056EA1046}"/>
+                    <a16:creationId xmlns:a16="http://schemas.microsoft.com/office/drawing/2014/main" xmlns="" id="{CC08EDBF-9120-4A11-84A9-24A056EA1046}"/>
                   </a:ext>
                 </a:extLst>
               </p:cNvPr>
@@ -23547,7 +23462,7 @@
           <p:cNvPr id="4" name="Picture 4" descr="Image result for aprendizado de máquina">
             <a:extLst>
               <a:ext uri="{FF2B5EF4-FFF2-40B4-BE49-F238E27FC236}">
-                <a16:creationId xmlns="" xmlns:a16="http://schemas.microsoft.com/office/drawing/2014/main" id="{4530CE78-625F-49E3-B829-A2E7FD1CE262}"/>
+                <a16:creationId xmlns:a16="http://schemas.microsoft.com/office/drawing/2014/main" xmlns="" id="{4530CE78-625F-49E3-B829-A2E7FD1CE262}"/>
               </a:ext>
             </a:extLst>
           </p:cNvPr>

--- a/slides/T319_Introdução.pptx
+++ b/slides/T319_Introdução.pptx
@@ -5112,7 +5112,7 @@
           <p:cNvPr id="2" name="Título 1">
             <a:extLst>
               <a:ext uri="{FF2B5EF4-FFF2-40B4-BE49-F238E27FC236}">
-                <a16:creationId xmlns:a16="http://schemas.microsoft.com/office/drawing/2014/main" xmlns="" id="{1DB9B4FF-B06E-403C-A326-BDC64D8FF94E}"/>
+                <a16:creationId xmlns="" xmlns:a16="http://schemas.microsoft.com/office/drawing/2014/main" id="{1DB9B4FF-B06E-403C-A326-BDC64D8FF94E}"/>
               </a:ext>
             </a:extLst>
           </p:cNvPr>
@@ -5149,7 +5149,7 @@
           <p:cNvPr id="3" name="Subtítulo 2">
             <a:extLst>
               <a:ext uri="{FF2B5EF4-FFF2-40B4-BE49-F238E27FC236}">
-                <a16:creationId xmlns:a16="http://schemas.microsoft.com/office/drawing/2014/main" xmlns="" id="{247BDFCE-746E-45BF-A319-4733D58D1632}"/>
+                <a16:creationId xmlns="" xmlns:a16="http://schemas.microsoft.com/office/drawing/2014/main" id="{247BDFCE-746E-45BF-A319-4733D58D1632}"/>
               </a:ext>
             </a:extLst>
           </p:cNvPr>
@@ -5219,7 +5219,7 @@
           <p:cNvPr id="4" name="Espaço Reservado para Data 3">
             <a:extLst>
               <a:ext uri="{FF2B5EF4-FFF2-40B4-BE49-F238E27FC236}">
-                <a16:creationId xmlns:a16="http://schemas.microsoft.com/office/drawing/2014/main" xmlns="" id="{9EDE2778-5372-4104-B96D-968184DA8288}"/>
+                <a16:creationId xmlns="" xmlns:a16="http://schemas.microsoft.com/office/drawing/2014/main" id="{9EDE2778-5372-4104-B96D-968184DA8288}"/>
               </a:ext>
             </a:extLst>
           </p:cNvPr>
@@ -5248,7 +5248,7 @@
           <p:cNvPr id="5" name="Espaço Reservado para Rodapé 4">
             <a:extLst>
               <a:ext uri="{FF2B5EF4-FFF2-40B4-BE49-F238E27FC236}">
-                <a16:creationId xmlns:a16="http://schemas.microsoft.com/office/drawing/2014/main" xmlns="" id="{C1DD0F41-C861-4051-988D-3024A37A4B93}"/>
+                <a16:creationId xmlns="" xmlns:a16="http://schemas.microsoft.com/office/drawing/2014/main" id="{C1DD0F41-C861-4051-988D-3024A37A4B93}"/>
               </a:ext>
             </a:extLst>
           </p:cNvPr>
@@ -5273,7 +5273,7 @@
           <p:cNvPr id="6" name="Espaço Reservado para Número de Slide 5">
             <a:extLst>
               <a:ext uri="{FF2B5EF4-FFF2-40B4-BE49-F238E27FC236}">
-                <a16:creationId xmlns:a16="http://schemas.microsoft.com/office/drawing/2014/main" xmlns="" id="{07E5967E-D980-431A-A5DB-3F0C5030A81E}"/>
+                <a16:creationId xmlns="" xmlns:a16="http://schemas.microsoft.com/office/drawing/2014/main" id="{07E5967E-D980-431A-A5DB-3F0C5030A81E}"/>
               </a:ext>
             </a:extLst>
           </p:cNvPr>
@@ -5332,7 +5332,7 @@
           <p:cNvPr id="2" name="Título 1">
             <a:extLst>
               <a:ext uri="{FF2B5EF4-FFF2-40B4-BE49-F238E27FC236}">
-                <a16:creationId xmlns:a16="http://schemas.microsoft.com/office/drawing/2014/main" xmlns="" id="{9036C49F-3E68-4175-81BA-3C3FEE44308A}"/>
+                <a16:creationId xmlns="" xmlns:a16="http://schemas.microsoft.com/office/drawing/2014/main" id="{9036C49F-3E68-4175-81BA-3C3FEE44308A}"/>
               </a:ext>
             </a:extLst>
           </p:cNvPr>
@@ -5360,7 +5360,7 @@
           <p:cNvPr id="3" name="Espaço Reservado para Texto Vertical 2">
             <a:extLst>
               <a:ext uri="{FF2B5EF4-FFF2-40B4-BE49-F238E27FC236}">
-                <a16:creationId xmlns:a16="http://schemas.microsoft.com/office/drawing/2014/main" xmlns="" id="{426FA736-3DD3-4D4E-B57B-BBE1D8F7D424}"/>
+                <a16:creationId xmlns="" xmlns:a16="http://schemas.microsoft.com/office/drawing/2014/main" id="{426FA736-3DD3-4D4E-B57B-BBE1D8F7D424}"/>
               </a:ext>
             </a:extLst>
           </p:cNvPr>
@@ -5417,7 +5417,7 @@
           <p:cNvPr id="4" name="Espaço Reservado para Data 3">
             <a:extLst>
               <a:ext uri="{FF2B5EF4-FFF2-40B4-BE49-F238E27FC236}">
-                <a16:creationId xmlns:a16="http://schemas.microsoft.com/office/drawing/2014/main" xmlns="" id="{99E8855C-D8FD-48F6-B14E-861E0DE4D915}"/>
+                <a16:creationId xmlns="" xmlns:a16="http://schemas.microsoft.com/office/drawing/2014/main" id="{99E8855C-D8FD-48F6-B14E-861E0DE4D915}"/>
               </a:ext>
             </a:extLst>
           </p:cNvPr>
@@ -5446,7 +5446,7 @@
           <p:cNvPr id="5" name="Espaço Reservado para Rodapé 4">
             <a:extLst>
               <a:ext uri="{FF2B5EF4-FFF2-40B4-BE49-F238E27FC236}">
-                <a16:creationId xmlns:a16="http://schemas.microsoft.com/office/drawing/2014/main" xmlns="" id="{97C0BB88-2F21-42A5-ACFF-83DA47F2D340}"/>
+                <a16:creationId xmlns="" xmlns:a16="http://schemas.microsoft.com/office/drawing/2014/main" id="{97C0BB88-2F21-42A5-ACFF-83DA47F2D340}"/>
               </a:ext>
             </a:extLst>
           </p:cNvPr>
@@ -5471,7 +5471,7 @@
           <p:cNvPr id="6" name="Espaço Reservado para Número de Slide 5">
             <a:extLst>
               <a:ext uri="{FF2B5EF4-FFF2-40B4-BE49-F238E27FC236}">
-                <a16:creationId xmlns:a16="http://schemas.microsoft.com/office/drawing/2014/main" xmlns="" id="{6CB462B3-1F22-4C05-B4B8-7A279FB7D5E9}"/>
+                <a16:creationId xmlns="" xmlns:a16="http://schemas.microsoft.com/office/drawing/2014/main" id="{6CB462B3-1F22-4C05-B4B8-7A279FB7D5E9}"/>
               </a:ext>
             </a:extLst>
           </p:cNvPr>
@@ -5530,7 +5530,7 @@
           <p:cNvPr id="2" name="Título Vertical 1">
             <a:extLst>
               <a:ext uri="{FF2B5EF4-FFF2-40B4-BE49-F238E27FC236}">
-                <a16:creationId xmlns:a16="http://schemas.microsoft.com/office/drawing/2014/main" xmlns="" id="{EAEAB728-701C-4207-A9D5-23FF45C60502}"/>
+                <a16:creationId xmlns="" xmlns:a16="http://schemas.microsoft.com/office/drawing/2014/main" id="{EAEAB728-701C-4207-A9D5-23FF45C60502}"/>
               </a:ext>
             </a:extLst>
           </p:cNvPr>
@@ -5563,7 +5563,7 @@
           <p:cNvPr id="3" name="Espaço Reservado para Texto Vertical 2">
             <a:extLst>
               <a:ext uri="{FF2B5EF4-FFF2-40B4-BE49-F238E27FC236}">
-                <a16:creationId xmlns:a16="http://schemas.microsoft.com/office/drawing/2014/main" xmlns="" id="{BA8C8CCF-7823-480A-9A19-0F664DD17E3B}"/>
+                <a16:creationId xmlns="" xmlns:a16="http://schemas.microsoft.com/office/drawing/2014/main" id="{BA8C8CCF-7823-480A-9A19-0F664DD17E3B}"/>
               </a:ext>
             </a:extLst>
           </p:cNvPr>
@@ -5625,7 +5625,7 @@
           <p:cNvPr id="4" name="Espaço Reservado para Data 3">
             <a:extLst>
               <a:ext uri="{FF2B5EF4-FFF2-40B4-BE49-F238E27FC236}">
-                <a16:creationId xmlns:a16="http://schemas.microsoft.com/office/drawing/2014/main" xmlns="" id="{721D5734-7B1F-425D-942F-6EB73344027C}"/>
+                <a16:creationId xmlns="" xmlns:a16="http://schemas.microsoft.com/office/drawing/2014/main" id="{721D5734-7B1F-425D-942F-6EB73344027C}"/>
               </a:ext>
             </a:extLst>
           </p:cNvPr>
@@ -5654,7 +5654,7 @@
           <p:cNvPr id="5" name="Espaço Reservado para Rodapé 4">
             <a:extLst>
               <a:ext uri="{FF2B5EF4-FFF2-40B4-BE49-F238E27FC236}">
-                <a16:creationId xmlns:a16="http://schemas.microsoft.com/office/drawing/2014/main" xmlns="" id="{1E1AAEAC-F08D-45FE-89EC-B1B349A868C9}"/>
+                <a16:creationId xmlns="" xmlns:a16="http://schemas.microsoft.com/office/drawing/2014/main" id="{1E1AAEAC-F08D-45FE-89EC-B1B349A868C9}"/>
               </a:ext>
             </a:extLst>
           </p:cNvPr>
@@ -5679,7 +5679,7 @@
           <p:cNvPr id="6" name="Espaço Reservado para Número de Slide 5">
             <a:extLst>
               <a:ext uri="{FF2B5EF4-FFF2-40B4-BE49-F238E27FC236}">
-                <a16:creationId xmlns:a16="http://schemas.microsoft.com/office/drawing/2014/main" xmlns="" id="{BAA44493-9911-47B2-87A6-C2141A972BC8}"/>
+                <a16:creationId xmlns="" xmlns:a16="http://schemas.microsoft.com/office/drawing/2014/main" id="{BAA44493-9911-47B2-87A6-C2141A972BC8}"/>
               </a:ext>
             </a:extLst>
           </p:cNvPr>
@@ -5738,7 +5738,7 @@
           <p:cNvPr id="2" name="Título 1">
             <a:extLst>
               <a:ext uri="{FF2B5EF4-FFF2-40B4-BE49-F238E27FC236}">
-                <a16:creationId xmlns:a16="http://schemas.microsoft.com/office/drawing/2014/main" xmlns="" id="{71BD44A5-8F21-4626-A01D-48A1C874B1D5}"/>
+                <a16:creationId xmlns="" xmlns:a16="http://schemas.microsoft.com/office/drawing/2014/main" id="{71BD44A5-8F21-4626-A01D-48A1C874B1D5}"/>
               </a:ext>
             </a:extLst>
           </p:cNvPr>
@@ -5766,7 +5766,7 @@
           <p:cNvPr id="3" name="Espaço Reservado para Conteúdo 2">
             <a:extLst>
               <a:ext uri="{FF2B5EF4-FFF2-40B4-BE49-F238E27FC236}">
-                <a16:creationId xmlns:a16="http://schemas.microsoft.com/office/drawing/2014/main" xmlns="" id="{B79E8085-65A9-48AA-951D-71D978BFF4ED}"/>
+                <a16:creationId xmlns="" xmlns:a16="http://schemas.microsoft.com/office/drawing/2014/main" id="{B79E8085-65A9-48AA-951D-71D978BFF4ED}"/>
               </a:ext>
             </a:extLst>
           </p:cNvPr>
@@ -5823,7 +5823,7 @@
           <p:cNvPr id="4" name="Espaço Reservado para Data 3">
             <a:extLst>
               <a:ext uri="{FF2B5EF4-FFF2-40B4-BE49-F238E27FC236}">
-                <a16:creationId xmlns:a16="http://schemas.microsoft.com/office/drawing/2014/main" xmlns="" id="{F05BE1AF-51EA-425D-B188-DE7BD675009F}"/>
+                <a16:creationId xmlns="" xmlns:a16="http://schemas.microsoft.com/office/drawing/2014/main" id="{F05BE1AF-51EA-425D-B188-DE7BD675009F}"/>
               </a:ext>
             </a:extLst>
           </p:cNvPr>
@@ -5852,7 +5852,7 @@
           <p:cNvPr id="5" name="Espaço Reservado para Rodapé 4">
             <a:extLst>
               <a:ext uri="{FF2B5EF4-FFF2-40B4-BE49-F238E27FC236}">
-                <a16:creationId xmlns:a16="http://schemas.microsoft.com/office/drawing/2014/main" xmlns="" id="{121BE632-29CF-4CB9-B365-C9EF38F89BE6}"/>
+                <a16:creationId xmlns="" xmlns:a16="http://schemas.microsoft.com/office/drawing/2014/main" id="{121BE632-29CF-4CB9-B365-C9EF38F89BE6}"/>
               </a:ext>
             </a:extLst>
           </p:cNvPr>
@@ -5877,7 +5877,7 @@
           <p:cNvPr id="6" name="Espaço Reservado para Número de Slide 5">
             <a:extLst>
               <a:ext uri="{FF2B5EF4-FFF2-40B4-BE49-F238E27FC236}">
-                <a16:creationId xmlns:a16="http://schemas.microsoft.com/office/drawing/2014/main" xmlns="" id="{60CF3DD1-9AEC-4A57-B461-4E4DD86FAC18}"/>
+                <a16:creationId xmlns="" xmlns:a16="http://schemas.microsoft.com/office/drawing/2014/main" id="{60CF3DD1-9AEC-4A57-B461-4E4DD86FAC18}"/>
               </a:ext>
             </a:extLst>
           </p:cNvPr>
@@ -5936,7 +5936,7 @@
           <p:cNvPr id="2" name="Título 1">
             <a:extLst>
               <a:ext uri="{FF2B5EF4-FFF2-40B4-BE49-F238E27FC236}">
-                <a16:creationId xmlns:a16="http://schemas.microsoft.com/office/drawing/2014/main" xmlns="" id="{34AB2FF0-A4D7-4E28-991D-FF26140D5988}"/>
+                <a16:creationId xmlns="" xmlns:a16="http://schemas.microsoft.com/office/drawing/2014/main" id="{34AB2FF0-A4D7-4E28-991D-FF26140D5988}"/>
               </a:ext>
             </a:extLst>
           </p:cNvPr>
@@ -5973,7 +5973,7 @@
           <p:cNvPr id="3" name="Espaço Reservado para Texto 2">
             <a:extLst>
               <a:ext uri="{FF2B5EF4-FFF2-40B4-BE49-F238E27FC236}">
-                <a16:creationId xmlns:a16="http://schemas.microsoft.com/office/drawing/2014/main" xmlns="" id="{E2AC45B0-4145-40DB-8E61-105461170604}"/>
+                <a16:creationId xmlns="" xmlns:a16="http://schemas.microsoft.com/office/drawing/2014/main" id="{E2AC45B0-4145-40DB-8E61-105461170604}"/>
               </a:ext>
             </a:extLst>
           </p:cNvPr>
@@ -6098,7 +6098,7 @@
           <p:cNvPr id="4" name="Espaço Reservado para Data 3">
             <a:extLst>
               <a:ext uri="{FF2B5EF4-FFF2-40B4-BE49-F238E27FC236}">
-                <a16:creationId xmlns:a16="http://schemas.microsoft.com/office/drawing/2014/main" xmlns="" id="{50F1D3FB-740A-4EBA-A309-2CE71D12ECFB}"/>
+                <a16:creationId xmlns="" xmlns:a16="http://schemas.microsoft.com/office/drawing/2014/main" id="{50F1D3FB-740A-4EBA-A309-2CE71D12ECFB}"/>
               </a:ext>
             </a:extLst>
           </p:cNvPr>
@@ -6127,7 +6127,7 @@
           <p:cNvPr id="5" name="Espaço Reservado para Rodapé 4">
             <a:extLst>
               <a:ext uri="{FF2B5EF4-FFF2-40B4-BE49-F238E27FC236}">
-                <a16:creationId xmlns:a16="http://schemas.microsoft.com/office/drawing/2014/main" xmlns="" id="{BDCAB18F-8715-4465-A940-F9C193A2ACE9}"/>
+                <a16:creationId xmlns="" xmlns:a16="http://schemas.microsoft.com/office/drawing/2014/main" id="{BDCAB18F-8715-4465-A940-F9C193A2ACE9}"/>
               </a:ext>
             </a:extLst>
           </p:cNvPr>
@@ -6152,7 +6152,7 @@
           <p:cNvPr id="6" name="Espaço Reservado para Número de Slide 5">
             <a:extLst>
               <a:ext uri="{FF2B5EF4-FFF2-40B4-BE49-F238E27FC236}">
-                <a16:creationId xmlns:a16="http://schemas.microsoft.com/office/drawing/2014/main" xmlns="" id="{353466C6-8248-429F-8056-FF040BF509EB}"/>
+                <a16:creationId xmlns="" xmlns:a16="http://schemas.microsoft.com/office/drawing/2014/main" id="{353466C6-8248-429F-8056-FF040BF509EB}"/>
               </a:ext>
             </a:extLst>
           </p:cNvPr>
@@ -6211,7 +6211,7 @@
           <p:cNvPr id="2" name="Título 1">
             <a:extLst>
               <a:ext uri="{FF2B5EF4-FFF2-40B4-BE49-F238E27FC236}">
-                <a16:creationId xmlns:a16="http://schemas.microsoft.com/office/drawing/2014/main" xmlns="" id="{BC7BB9F0-F14B-4A91-B2B7-35BC47FE4DE7}"/>
+                <a16:creationId xmlns="" xmlns:a16="http://schemas.microsoft.com/office/drawing/2014/main" id="{BC7BB9F0-F14B-4A91-B2B7-35BC47FE4DE7}"/>
               </a:ext>
             </a:extLst>
           </p:cNvPr>
@@ -6239,7 +6239,7 @@
           <p:cNvPr id="3" name="Espaço Reservado para Conteúdo 2">
             <a:extLst>
               <a:ext uri="{FF2B5EF4-FFF2-40B4-BE49-F238E27FC236}">
-                <a16:creationId xmlns:a16="http://schemas.microsoft.com/office/drawing/2014/main" xmlns="" id="{EC1FC1C4-73DA-47A6-8496-B0B457F7D39A}"/>
+                <a16:creationId xmlns="" xmlns:a16="http://schemas.microsoft.com/office/drawing/2014/main" id="{EC1FC1C4-73DA-47A6-8496-B0B457F7D39A}"/>
               </a:ext>
             </a:extLst>
           </p:cNvPr>
@@ -6301,7 +6301,7 @@
           <p:cNvPr id="4" name="Espaço Reservado para Conteúdo 3">
             <a:extLst>
               <a:ext uri="{FF2B5EF4-FFF2-40B4-BE49-F238E27FC236}">
-                <a16:creationId xmlns:a16="http://schemas.microsoft.com/office/drawing/2014/main" xmlns="" id="{E92F06A8-A449-4D92-9912-76873E529B38}"/>
+                <a16:creationId xmlns="" xmlns:a16="http://schemas.microsoft.com/office/drawing/2014/main" id="{E92F06A8-A449-4D92-9912-76873E529B38}"/>
               </a:ext>
             </a:extLst>
           </p:cNvPr>
@@ -6363,7 +6363,7 @@
           <p:cNvPr id="5" name="Espaço Reservado para Data 4">
             <a:extLst>
               <a:ext uri="{FF2B5EF4-FFF2-40B4-BE49-F238E27FC236}">
-                <a16:creationId xmlns:a16="http://schemas.microsoft.com/office/drawing/2014/main" xmlns="" id="{938070A4-BC2F-4D55-BD8D-DEAF11BB9EE9}"/>
+                <a16:creationId xmlns="" xmlns:a16="http://schemas.microsoft.com/office/drawing/2014/main" id="{938070A4-BC2F-4D55-BD8D-DEAF11BB9EE9}"/>
               </a:ext>
             </a:extLst>
           </p:cNvPr>
@@ -6392,7 +6392,7 @@
           <p:cNvPr id="6" name="Espaço Reservado para Rodapé 5">
             <a:extLst>
               <a:ext uri="{FF2B5EF4-FFF2-40B4-BE49-F238E27FC236}">
-                <a16:creationId xmlns:a16="http://schemas.microsoft.com/office/drawing/2014/main" xmlns="" id="{45CC2DB8-844A-465F-BA9A-7734C80C7F43}"/>
+                <a16:creationId xmlns="" xmlns:a16="http://schemas.microsoft.com/office/drawing/2014/main" id="{45CC2DB8-844A-465F-BA9A-7734C80C7F43}"/>
               </a:ext>
             </a:extLst>
           </p:cNvPr>
@@ -6417,7 +6417,7 @@
           <p:cNvPr id="7" name="Espaço Reservado para Número de Slide 6">
             <a:extLst>
               <a:ext uri="{FF2B5EF4-FFF2-40B4-BE49-F238E27FC236}">
-                <a16:creationId xmlns:a16="http://schemas.microsoft.com/office/drawing/2014/main" xmlns="" id="{4CC606A8-097B-4040-94E0-CD8C88280D8F}"/>
+                <a16:creationId xmlns="" xmlns:a16="http://schemas.microsoft.com/office/drawing/2014/main" id="{4CC606A8-097B-4040-94E0-CD8C88280D8F}"/>
               </a:ext>
             </a:extLst>
           </p:cNvPr>
@@ -6476,7 +6476,7 @@
           <p:cNvPr id="2" name="Título 1">
             <a:extLst>
               <a:ext uri="{FF2B5EF4-FFF2-40B4-BE49-F238E27FC236}">
-                <a16:creationId xmlns:a16="http://schemas.microsoft.com/office/drawing/2014/main" xmlns="" id="{76D66686-0143-4CB6-8C09-BA326F1E7ACA}"/>
+                <a16:creationId xmlns="" xmlns:a16="http://schemas.microsoft.com/office/drawing/2014/main" id="{76D66686-0143-4CB6-8C09-BA326F1E7ACA}"/>
               </a:ext>
             </a:extLst>
           </p:cNvPr>
@@ -6509,7 +6509,7 @@
           <p:cNvPr id="3" name="Espaço Reservado para Texto 2">
             <a:extLst>
               <a:ext uri="{FF2B5EF4-FFF2-40B4-BE49-F238E27FC236}">
-                <a16:creationId xmlns:a16="http://schemas.microsoft.com/office/drawing/2014/main" xmlns="" id="{0227AB85-F59E-4BCE-B846-4FA0992C2F23}"/>
+                <a16:creationId xmlns="" xmlns:a16="http://schemas.microsoft.com/office/drawing/2014/main" id="{0227AB85-F59E-4BCE-B846-4FA0992C2F23}"/>
               </a:ext>
             </a:extLst>
           </p:cNvPr>
@@ -6580,7 +6580,7 @@
           <p:cNvPr id="4" name="Espaço Reservado para Conteúdo 3">
             <a:extLst>
               <a:ext uri="{FF2B5EF4-FFF2-40B4-BE49-F238E27FC236}">
-                <a16:creationId xmlns:a16="http://schemas.microsoft.com/office/drawing/2014/main" xmlns="" id="{3373456C-7319-4D0A-827D-D29F6B083F5D}"/>
+                <a16:creationId xmlns="" xmlns:a16="http://schemas.microsoft.com/office/drawing/2014/main" id="{3373456C-7319-4D0A-827D-D29F6B083F5D}"/>
               </a:ext>
             </a:extLst>
           </p:cNvPr>
@@ -6642,7 +6642,7 @@
           <p:cNvPr id="5" name="Espaço Reservado para Texto 4">
             <a:extLst>
               <a:ext uri="{FF2B5EF4-FFF2-40B4-BE49-F238E27FC236}">
-                <a16:creationId xmlns:a16="http://schemas.microsoft.com/office/drawing/2014/main" xmlns="" id="{4CD109D0-2E83-4262-8029-A871CEC47406}"/>
+                <a16:creationId xmlns="" xmlns:a16="http://schemas.microsoft.com/office/drawing/2014/main" id="{4CD109D0-2E83-4262-8029-A871CEC47406}"/>
               </a:ext>
             </a:extLst>
           </p:cNvPr>
@@ -6713,7 +6713,7 @@
           <p:cNvPr id="6" name="Espaço Reservado para Conteúdo 5">
             <a:extLst>
               <a:ext uri="{FF2B5EF4-FFF2-40B4-BE49-F238E27FC236}">
-                <a16:creationId xmlns:a16="http://schemas.microsoft.com/office/drawing/2014/main" xmlns="" id="{AD706E3A-CFBB-4A6C-A65F-D0360A9E74FE}"/>
+                <a16:creationId xmlns="" xmlns:a16="http://schemas.microsoft.com/office/drawing/2014/main" id="{AD706E3A-CFBB-4A6C-A65F-D0360A9E74FE}"/>
               </a:ext>
             </a:extLst>
           </p:cNvPr>
@@ -6775,7 +6775,7 @@
           <p:cNvPr id="7" name="Espaço Reservado para Data 6">
             <a:extLst>
               <a:ext uri="{FF2B5EF4-FFF2-40B4-BE49-F238E27FC236}">
-                <a16:creationId xmlns:a16="http://schemas.microsoft.com/office/drawing/2014/main" xmlns="" id="{4172C0E5-5AF0-4805-BB51-443733CD2BD5}"/>
+                <a16:creationId xmlns="" xmlns:a16="http://schemas.microsoft.com/office/drawing/2014/main" id="{4172C0E5-5AF0-4805-BB51-443733CD2BD5}"/>
               </a:ext>
             </a:extLst>
           </p:cNvPr>
@@ -6804,7 +6804,7 @@
           <p:cNvPr id="8" name="Espaço Reservado para Rodapé 7">
             <a:extLst>
               <a:ext uri="{FF2B5EF4-FFF2-40B4-BE49-F238E27FC236}">
-                <a16:creationId xmlns:a16="http://schemas.microsoft.com/office/drawing/2014/main" xmlns="" id="{0E801648-156F-497E-99CF-797DF48051E1}"/>
+                <a16:creationId xmlns="" xmlns:a16="http://schemas.microsoft.com/office/drawing/2014/main" id="{0E801648-156F-497E-99CF-797DF48051E1}"/>
               </a:ext>
             </a:extLst>
           </p:cNvPr>
@@ -6829,7 +6829,7 @@
           <p:cNvPr id="9" name="Espaço Reservado para Número de Slide 8">
             <a:extLst>
               <a:ext uri="{FF2B5EF4-FFF2-40B4-BE49-F238E27FC236}">
-                <a16:creationId xmlns:a16="http://schemas.microsoft.com/office/drawing/2014/main" xmlns="" id="{EEE23D32-80E7-4796-A137-66BF842E4B53}"/>
+                <a16:creationId xmlns="" xmlns:a16="http://schemas.microsoft.com/office/drawing/2014/main" id="{EEE23D32-80E7-4796-A137-66BF842E4B53}"/>
               </a:ext>
             </a:extLst>
           </p:cNvPr>
@@ -6888,7 +6888,7 @@
           <p:cNvPr id="2" name="Título 1">
             <a:extLst>
               <a:ext uri="{FF2B5EF4-FFF2-40B4-BE49-F238E27FC236}">
-                <a16:creationId xmlns:a16="http://schemas.microsoft.com/office/drawing/2014/main" xmlns="" id="{2BCE2379-C78F-47E1-8CFC-B846E7AF148D}"/>
+                <a16:creationId xmlns="" xmlns:a16="http://schemas.microsoft.com/office/drawing/2014/main" id="{2BCE2379-C78F-47E1-8CFC-B846E7AF148D}"/>
               </a:ext>
             </a:extLst>
           </p:cNvPr>
@@ -6916,7 +6916,7 @@
           <p:cNvPr id="3" name="Espaço Reservado para Data 2">
             <a:extLst>
               <a:ext uri="{FF2B5EF4-FFF2-40B4-BE49-F238E27FC236}">
-                <a16:creationId xmlns:a16="http://schemas.microsoft.com/office/drawing/2014/main" xmlns="" id="{342600A9-7F92-4E22-9D94-E4717252A817}"/>
+                <a16:creationId xmlns="" xmlns:a16="http://schemas.microsoft.com/office/drawing/2014/main" id="{342600A9-7F92-4E22-9D94-E4717252A817}"/>
               </a:ext>
             </a:extLst>
           </p:cNvPr>
@@ -6945,7 +6945,7 @@
           <p:cNvPr id="4" name="Espaço Reservado para Rodapé 3">
             <a:extLst>
               <a:ext uri="{FF2B5EF4-FFF2-40B4-BE49-F238E27FC236}">
-                <a16:creationId xmlns:a16="http://schemas.microsoft.com/office/drawing/2014/main" xmlns="" id="{192E6BED-F546-40CC-A2DF-99CBA853654E}"/>
+                <a16:creationId xmlns="" xmlns:a16="http://schemas.microsoft.com/office/drawing/2014/main" id="{192E6BED-F546-40CC-A2DF-99CBA853654E}"/>
               </a:ext>
             </a:extLst>
           </p:cNvPr>
@@ -6970,7 +6970,7 @@
           <p:cNvPr id="5" name="Espaço Reservado para Número de Slide 4">
             <a:extLst>
               <a:ext uri="{FF2B5EF4-FFF2-40B4-BE49-F238E27FC236}">
-                <a16:creationId xmlns:a16="http://schemas.microsoft.com/office/drawing/2014/main" xmlns="" id="{6091CC40-A8C4-4063-80EB-CC5099621678}"/>
+                <a16:creationId xmlns="" xmlns:a16="http://schemas.microsoft.com/office/drawing/2014/main" id="{6091CC40-A8C4-4063-80EB-CC5099621678}"/>
               </a:ext>
             </a:extLst>
           </p:cNvPr>
@@ -7029,7 +7029,7 @@
           <p:cNvPr id="2" name="Espaço Reservado para Data 1">
             <a:extLst>
               <a:ext uri="{FF2B5EF4-FFF2-40B4-BE49-F238E27FC236}">
-                <a16:creationId xmlns:a16="http://schemas.microsoft.com/office/drawing/2014/main" xmlns="" id="{DD19515C-212C-4EAE-84A3-8FF4BC844F1B}"/>
+                <a16:creationId xmlns="" xmlns:a16="http://schemas.microsoft.com/office/drawing/2014/main" id="{DD19515C-212C-4EAE-84A3-8FF4BC844F1B}"/>
               </a:ext>
             </a:extLst>
           </p:cNvPr>
@@ -7058,7 +7058,7 @@
           <p:cNvPr id="3" name="Espaço Reservado para Rodapé 2">
             <a:extLst>
               <a:ext uri="{FF2B5EF4-FFF2-40B4-BE49-F238E27FC236}">
-                <a16:creationId xmlns:a16="http://schemas.microsoft.com/office/drawing/2014/main" xmlns="" id="{94D3D120-B3E8-4C96-861D-7A4F12F49B3A}"/>
+                <a16:creationId xmlns="" xmlns:a16="http://schemas.microsoft.com/office/drawing/2014/main" id="{94D3D120-B3E8-4C96-861D-7A4F12F49B3A}"/>
               </a:ext>
             </a:extLst>
           </p:cNvPr>
@@ -7083,7 +7083,7 @@
           <p:cNvPr id="4" name="Espaço Reservado para Número de Slide 3">
             <a:extLst>
               <a:ext uri="{FF2B5EF4-FFF2-40B4-BE49-F238E27FC236}">
-                <a16:creationId xmlns:a16="http://schemas.microsoft.com/office/drawing/2014/main" xmlns="" id="{42E49B68-FA1B-468B-9F17-D5C09243D454}"/>
+                <a16:creationId xmlns="" xmlns:a16="http://schemas.microsoft.com/office/drawing/2014/main" id="{42E49B68-FA1B-468B-9F17-D5C09243D454}"/>
               </a:ext>
             </a:extLst>
           </p:cNvPr>
@@ -7142,7 +7142,7 @@
           <p:cNvPr id="2" name="Título 1">
             <a:extLst>
               <a:ext uri="{FF2B5EF4-FFF2-40B4-BE49-F238E27FC236}">
-                <a16:creationId xmlns:a16="http://schemas.microsoft.com/office/drawing/2014/main" xmlns="" id="{1C17BCBE-A897-4319-85EC-D87909C24980}"/>
+                <a16:creationId xmlns="" xmlns:a16="http://schemas.microsoft.com/office/drawing/2014/main" id="{1C17BCBE-A897-4319-85EC-D87909C24980}"/>
               </a:ext>
             </a:extLst>
           </p:cNvPr>
@@ -7179,7 +7179,7 @@
           <p:cNvPr id="3" name="Espaço Reservado para Conteúdo 2">
             <a:extLst>
               <a:ext uri="{FF2B5EF4-FFF2-40B4-BE49-F238E27FC236}">
-                <a16:creationId xmlns:a16="http://schemas.microsoft.com/office/drawing/2014/main" xmlns="" id="{4226F885-0204-4913-868B-4B8B82576F17}"/>
+                <a16:creationId xmlns="" xmlns:a16="http://schemas.microsoft.com/office/drawing/2014/main" id="{4226F885-0204-4913-868B-4B8B82576F17}"/>
               </a:ext>
             </a:extLst>
           </p:cNvPr>
@@ -7269,7 +7269,7 @@
           <p:cNvPr id="4" name="Espaço Reservado para Texto 3">
             <a:extLst>
               <a:ext uri="{FF2B5EF4-FFF2-40B4-BE49-F238E27FC236}">
-                <a16:creationId xmlns:a16="http://schemas.microsoft.com/office/drawing/2014/main" xmlns="" id="{00F9F784-A858-441B-8AB5-697098141751}"/>
+                <a16:creationId xmlns="" xmlns:a16="http://schemas.microsoft.com/office/drawing/2014/main" id="{00F9F784-A858-441B-8AB5-697098141751}"/>
               </a:ext>
             </a:extLst>
           </p:cNvPr>
@@ -7340,7 +7340,7 @@
           <p:cNvPr id="5" name="Espaço Reservado para Data 4">
             <a:extLst>
               <a:ext uri="{FF2B5EF4-FFF2-40B4-BE49-F238E27FC236}">
-                <a16:creationId xmlns:a16="http://schemas.microsoft.com/office/drawing/2014/main" xmlns="" id="{A4DC363A-5000-472E-8B17-02E7DCB8840A}"/>
+                <a16:creationId xmlns="" xmlns:a16="http://schemas.microsoft.com/office/drawing/2014/main" id="{A4DC363A-5000-472E-8B17-02E7DCB8840A}"/>
               </a:ext>
             </a:extLst>
           </p:cNvPr>
@@ -7369,7 +7369,7 @@
           <p:cNvPr id="6" name="Espaço Reservado para Rodapé 5">
             <a:extLst>
               <a:ext uri="{FF2B5EF4-FFF2-40B4-BE49-F238E27FC236}">
-                <a16:creationId xmlns:a16="http://schemas.microsoft.com/office/drawing/2014/main" xmlns="" id="{5548425D-2C21-4C56-BAD4-662978775C28}"/>
+                <a16:creationId xmlns="" xmlns:a16="http://schemas.microsoft.com/office/drawing/2014/main" id="{5548425D-2C21-4C56-BAD4-662978775C28}"/>
               </a:ext>
             </a:extLst>
           </p:cNvPr>
@@ -7394,7 +7394,7 @@
           <p:cNvPr id="7" name="Espaço Reservado para Número de Slide 6">
             <a:extLst>
               <a:ext uri="{FF2B5EF4-FFF2-40B4-BE49-F238E27FC236}">
-                <a16:creationId xmlns:a16="http://schemas.microsoft.com/office/drawing/2014/main" xmlns="" id="{C63E9726-E64C-42B2-AE8A-8C235A956B48}"/>
+                <a16:creationId xmlns="" xmlns:a16="http://schemas.microsoft.com/office/drawing/2014/main" id="{C63E9726-E64C-42B2-AE8A-8C235A956B48}"/>
               </a:ext>
             </a:extLst>
           </p:cNvPr>
@@ -7453,7 +7453,7 @@
           <p:cNvPr id="2" name="Título 1">
             <a:extLst>
               <a:ext uri="{FF2B5EF4-FFF2-40B4-BE49-F238E27FC236}">
-                <a16:creationId xmlns:a16="http://schemas.microsoft.com/office/drawing/2014/main" xmlns="" id="{11086A78-3E74-450C-96A6-CA8AC37AF772}"/>
+                <a16:creationId xmlns="" xmlns:a16="http://schemas.microsoft.com/office/drawing/2014/main" id="{11086A78-3E74-450C-96A6-CA8AC37AF772}"/>
               </a:ext>
             </a:extLst>
           </p:cNvPr>
@@ -7490,7 +7490,7 @@
           <p:cNvPr id="3" name="Espaço Reservado para Imagem 2">
             <a:extLst>
               <a:ext uri="{FF2B5EF4-FFF2-40B4-BE49-F238E27FC236}">
-                <a16:creationId xmlns:a16="http://schemas.microsoft.com/office/drawing/2014/main" xmlns="" id="{5F5B7312-975A-4DBC-9B2F-3652ADA006FD}"/>
+                <a16:creationId xmlns="" xmlns:a16="http://schemas.microsoft.com/office/drawing/2014/main" id="{5F5B7312-975A-4DBC-9B2F-3652ADA006FD}"/>
               </a:ext>
             </a:extLst>
           </p:cNvPr>
@@ -7557,7 +7557,7 @@
           <p:cNvPr id="4" name="Espaço Reservado para Texto 3">
             <a:extLst>
               <a:ext uri="{FF2B5EF4-FFF2-40B4-BE49-F238E27FC236}">
-                <a16:creationId xmlns:a16="http://schemas.microsoft.com/office/drawing/2014/main" xmlns="" id="{AAF805F5-1DFF-41C6-944C-7D79FE0D0963}"/>
+                <a16:creationId xmlns="" xmlns:a16="http://schemas.microsoft.com/office/drawing/2014/main" id="{AAF805F5-1DFF-41C6-944C-7D79FE0D0963}"/>
               </a:ext>
             </a:extLst>
           </p:cNvPr>
@@ -7628,7 +7628,7 @@
           <p:cNvPr id="5" name="Espaço Reservado para Data 4">
             <a:extLst>
               <a:ext uri="{FF2B5EF4-FFF2-40B4-BE49-F238E27FC236}">
-                <a16:creationId xmlns:a16="http://schemas.microsoft.com/office/drawing/2014/main" xmlns="" id="{02113D81-8665-4516-BD81-C6A1F254EECD}"/>
+                <a16:creationId xmlns="" xmlns:a16="http://schemas.microsoft.com/office/drawing/2014/main" id="{02113D81-8665-4516-BD81-C6A1F254EECD}"/>
               </a:ext>
             </a:extLst>
           </p:cNvPr>
@@ -7657,7 +7657,7 @@
           <p:cNvPr id="6" name="Espaço Reservado para Rodapé 5">
             <a:extLst>
               <a:ext uri="{FF2B5EF4-FFF2-40B4-BE49-F238E27FC236}">
-                <a16:creationId xmlns:a16="http://schemas.microsoft.com/office/drawing/2014/main" xmlns="" id="{2B00C88B-FF32-40AA-A187-727D96FD7862}"/>
+                <a16:creationId xmlns="" xmlns:a16="http://schemas.microsoft.com/office/drawing/2014/main" id="{2B00C88B-FF32-40AA-A187-727D96FD7862}"/>
               </a:ext>
             </a:extLst>
           </p:cNvPr>
@@ -7682,7 +7682,7 @@
           <p:cNvPr id="7" name="Espaço Reservado para Número de Slide 6">
             <a:extLst>
               <a:ext uri="{FF2B5EF4-FFF2-40B4-BE49-F238E27FC236}">
-                <a16:creationId xmlns:a16="http://schemas.microsoft.com/office/drawing/2014/main" xmlns="" id="{A04D1A2D-69F7-4B8F-A730-BC26DC340BA6}"/>
+                <a16:creationId xmlns="" xmlns:a16="http://schemas.microsoft.com/office/drawing/2014/main" id="{A04D1A2D-69F7-4B8F-A730-BC26DC340BA6}"/>
               </a:ext>
             </a:extLst>
           </p:cNvPr>
@@ -7746,7 +7746,7 @@
           <p:cNvPr id="2" name="Espaço Reservado para Título 1">
             <a:extLst>
               <a:ext uri="{FF2B5EF4-FFF2-40B4-BE49-F238E27FC236}">
-                <a16:creationId xmlns:a16="http://schemas.microsoft.com/office/drawing/2014/main" xmlns="" id="{E69A0273-1966-4A1B-9370-4C1CE5036371}"/>
+                <a16:creationId xmlns="" xmlns:a16="http://schemas.microsoft.com/office/drawing/2014/main" id="{E69A0273-1966-4A1B-9370-4C1CE5036371}"/>
               </a:ext>
             </a:extLst>
           </p:cNvPr>
@@ -7784,7 +7784,7 @@
           <p:cNvPr id="3" name="Espaço Reservado para Texto 2">
             <a:extLst>
               <a:ext uri="{FF2B5EF4-FFF2-40B4-BE49-F238E27FC236}">
-                <a16:creationId xmlns:a16="http://schemas.microsoft.com/office/drawing/2014/main" xmlns="" id="{3B9CF87A-0448-49A7-AB25-EBC1D56A40EF}"/>
+                <a16:creationId xmlns="" xmlns:a16="http://schemas.microsoft.com/office/drawing/2014/main" id="{3B9CF87A-0448-49A7-AB25-EBC1D56A40EF}"/>
               </a:ext>
             </a:extLst>
           </p:cNvPr>
@@ -7851,7 +7851,7 @@
           <p:cNvPr id="4" name="Espaço Reservado para Data 3">
             <a:extLst>
               <a:ext uri="{FF2B5EF4-FFF2-40B4-BE49-F238E27FC236}">
-                <a16:creationId xmlns:a16="http://schemas.microsoft.com/office/drawing/2014/main" xmlns="" id="{2EF7B1F2-BB5A-44D0-816D-16AD2C71430E}"/>
+                <a16:creationId xmlns="" xmlns:a16="http://schemas.microsoft.com/office/drawing/2014/main" id="{2EF7B1F2-BB5A-44D0-816D-16AD2C71430E}"/>
               </a:ext>
             </a:extLst>
           </p:cNvPr>
@@ -7898,7 +7898,7 @@
           <p:cNvPr id="5" name="Espaço Reservado para Rodapé 4">
             <a:extLst>
               <a:ext uri="{FF2B5EF4-FFF2-40B4-BE49-F238E27FC236}">
-                <a16:creationId xmlns:a16="http://schemas.microsoft.com/office/drawing/2014/main" xmlns="" id="{C703F94C-2CC8-4DAA-BC35-14FC3E841DCD}"/>
+                <a16:creationId xmlns="" xmlns:a16="http://schemas.microsoft.com/office/drawing/2014/main" id="{C703F94C-2CC8-4DAA-BC35-14FC3E841DCD}"/>
               </a:ext>
             </a:extLst>
           </p:cNvPr>
@@ -7941,7 +7941,7 @@
           <p:cNvPr id="6" name="Espaço Reservado para Número de Slide 5">
             <a:extLst>
               <a:ext uri="{FF2B5EF4-FFF2-40B4-BE49-F238E27FC236}">
-                <a16:creationId xmlns:a16="http://schemas.microsoft.com/office/drawing/2014/main" xmlns="" id="{64051336-7048-457A-8B61-D94291D71648}"/>
+                <a16:creationId xmlns="" xmlns:a16="http://schemas.microsoft.com/office/drawing/2014/main" id="{64051336-7048-457A-8B61-D94291D71648}"/>
               </a:ext>
             </a:extLst>
           </p:cNvPr>
@@ -8309,7 +8309,7 @@
           <p:cNvPr id="2" name="Título 1">
             <a:extLst>
               <a:ext uri="{FF2B5EF4-FFF2-40B4-BE49-F238E27FC236}">
-                <a16:creationId xmlns:a16="http://schemas.microsoft.com/office/drawing/2014/main" xmlns="" id="{32666AC8-2E17-4DB4-B0F5-60C640CCFD2E}"/>
+                <a16:creationId xmlns="" xmlns:a16="http://schemas.microsoft.com/office/drawing/2014/main" id="{32666AC8-2E17-4DB4-B0F5-60C640CCFD2E}"/>
               </a:ext>
             </a:extLst>
           </p:cNvPr>
@@ -8356,7 +8356,7 @@
           <p:cNvPr id="4" name="CaixaDeTexto 3">
             <a:extLst>
               <a:ext uri="{FF2B5EF4-FFF2-40B4-BE49-F238E27FC236}">
-                <a16:creationId xmlns:a16="http://schemas.microsoft.com/office/drawing/2014/main" xmlns="" id="{430EB894-B7D4-434C-9D1A-A14094D9BEEC}"/>
+                <a16:creationId xmlns="" xmlns:a16="http://schemas.microsoft.com/office/drawing/2014/main" id="{430EB894-B7D4-434C-9D1A-A14094D9BEEC}"/>
               </a:ext>
             </a:extLst>
           </p:cNvPr>
@@ -8397,7 +8397,7 @@
           <p:cNvPr id="1026" name="Picture 2" descr="Logo">
             <a:extLst>
               <a:ext uri="{FF2B5EF4-FFF2-40B4-BE49-F238E27FC236}">
-                <a16:creationId xmlns:a16="http://schemas.microsoft.com/office/drawing/2014/main" xmlns="" id="{3F2642E0-4F6A-4196-8F58-E77D36E9A33F}"/>
+                <a16:creationId xmlns="" xmlns:a16="http://schemas.microsoft.com/office/drawing/2014/main" id="{3F2642E0-4F6A-4196-8F58-E77D36E9A33F}"/>
               </a:ext>
             </a:extLst>
           </p:cNvPr>
@@ -8442,7 +8442,7 @@
           <p:cNvPr id="5122" name="Picture 2" descr="Image result for machine learning">
             <a:extLst>
               <a:ext uri="{FF2B5EF4-FFF2-40B4-BE49-F238E27FC236}">
-                <a16:creationId xmlns:a16="http://schemas.microsoft.com/office/drawing/2014/main" xmlns="" id="{810CE0A2-4102-44A6-A370-175E7896CDCB}"/>
+                <a16:creationId xmlns="" xmlns:a16="http://schemas.microsoft.com/office/drawing/2014/main" id="{810CE0A2-4102-44A6-A370-175E7896CDCB}"/>
               </a:ext>
             </a:extLst>
           </p:cNvPr>
@@ -8662,7 +8662,7 @@
           <p:cNvPr id="4" name="Picture 2" descr="https://www.oulu.fi/sites/default/files/11/machines%20_decide.jpg">
             <a:extLst>
               <a:ext uri="{FF2B5EF4-FFF2-40B4-BE49-F238E27FC236}">
-                <a16:creationId xmlns:a16="http://schemas.microsoft.com/office/drawing/2014/main" xmlns="" id="{6B8DD7A2-43EE-406C-8FF3-BC9A04CF3BD4}"/>
+                <a16:creationId xmlns="" xmlns:a16="http://schemas.microsoft.com/office/drawing/2014/main" id="{6B8DD7A2-43EE-406C-8FF3-BC9A04CF3BD4}"/>
               </a:ext>
             </a:extLst>
           </p:cNvPr>
@@ -8748,7 +8748,7 @@
           <p:cNvPr id="6" name="Picture 8" descr="Image result for applications of artificial intelligence">
             <a:extLst>
               <a:ext uri="{FF2B5EF4-FFF2-40B4-BE49-F238E27FC236}">
-                <a16:creationId xmlns="" xmlns:a16="http://schemas.microsoft.com/office/drawing/2014/main" id="{030E6182-967A-44D7-8BED-F8E414DAE678}"/>
+                <a16:creationId xmlns:a16="http://schemas.microsoft.com/office/drawing/2014/main" xmlns="" id="{030E6182-967A-44D7-8BED-F8E414DAE678}"/>
               </a:ext>
             </a:extLst>
           </p:cNvPr>
@@ -10361,7 +10361,7 @@
           <p:cNvPr id="4" name="Picture 2" descr="Image result for artificial intelligence">
             <a:extLst>
               <a:ext uri="{FF2B5EF4-FFF2-40B4-BE49-F238E27FC236}">
-                <a16:creationId xmlns="" xmlns:a16="http://schemas.microsoft.com/office/drawing/2014/main" id="{0DAEA2E1-C284-43E2-8055-9522C82515CA}"/>
+                <a16:creationId xmlns:a16="http://schemas.microsoft.com/office/drawing/2014/main" xmlns="" id="{0DAEA2E1-C284-43E2-8055-9522C82515CA}"/>
               </a:ext>
             </a:extLst>
           </p:cNvPr>
@@ -10408,7 +10408,7 @@
           <p:cNvPr id="5" name="Picture 8" descr="Image result for applications of artificial intelligence">
             <a:extLst>
               <a:ext uri="{FF2B5EF4-FFF2-40B4-BE49-F238E27FC236}">
-                <a16:creationId xmlns="" xmlns:a16="http://schemas.microsoft.com/office/drawing/2014/main" id="{030E6182-967A-44D7-8BED-F8E414DAE678}"/>
+                <a16:creationId xmlns:a16="http://schemas.microsoft.com/office/drawing/2014/main" xmlns="" id="{030E6182-967A-44D7-8BED-F8E414DAE678}"/>
               </a:ext>
             </a:extLst>
           </p:cNvPr>
@@ -10676,7 +10676,7 @@
           <p:cNvPr id="4" name="Picture 2" descr="Image result for tensorflow logo">
             <a:extLst>
               <a:ext uri="{FF2B5EF4-FFF2-40B4-BE49-F238E27FC236}">
-                <a16:creationId xmlns:a16="http://schemas.microsoft.com/office/drawing/2014/main" xmlns="" id="{B9A1D4E3-9D1C-4A3E-944D-BA941DCBD60B}"/>
+                <a16:creationId xmlns="" xmlns:a16="http://schemas.microsoft.com/office/drawing/2014/main" id="{B9A1D4E3-9D1C-4A3E-944D-BA941DCBD60B}"/>
               </a:ext>
             </a:extLst>
           </p:cNvPr>
@@ -10723,7 +10723,7 @@
           <p:cNvPr id="5" name="Picture 4" descr="Image result for pytorch logo">
             <a:extLst>
               <a:ext uri="{FF2B5EF4-FFF2-40B4-BE49-F238E27FC236}">
-                <a16:creationId xmlns:a16="http://schemas.microsoft.com/office/drawing/2014/main" xmlns="" id="{6A0D8B6B-9A8B-4981-B678-86257C33AF3C}"/>
+                <a16:creationId xmlns="" xmlns:a16="http://schemas.microsoft.com/office/drawing/2014/main" id="{6A0D8B6B-9A8B-4981-B678-86257C33AF3C}"/>
               </a:ext>
             </a:extLst>
           </p:cNvPr>
@@ -10770,7 +10770,7 @@
           <p:cNvPr id="6" name="Picture 6" descr="Image result for scikit learn logo">
             <a:extLst>
               <a:ext uri="{FF2B5EF4-FFF2-40B4-BE49-F238E27FC236}">
-                <a16:creationId xmlns:a16="http://schemas.microsoft.com/office/drawing/2014/main" xmlns="" id="{87129D40-D136-4716-8871-12CAEC603994}"/>
+                <a16:creationId xmlns="" xmlns:a16="http://schemas.microsoft.com/office/drawing/2014/main" id="{87129D40-D136-4716-8871-12CAEC603994}"/>
               </a:ext>
             </a:extLst>
           </p:cNvPr>
@@ -10817,7 +10817,7 @@
           <p:cNvPr id="7" name="Picture 8" descr="Image result for keras logo">
             <a:extLst>
               <a:ext uri="{FF2B5EF4-FFF2-40B4-BE49-F238E27FC236}">
-                <a16:creationId xmlns:a16="http://schemas.microsoft.com/office/drawing/2014/main" xmlns="" id="{33CCF501-0E9C-4C8C-BFCC-713767570EF0}"/>
+                <a16:creationId xmlns="" xmlns:a16="http://schemas.microsoft.com/office/drawing/2014/main" id="{33CCF501-0E9C-4C8C-BFCC-713767570EF0}"/>
               </a:ext>
             </a:extLst>
           </p:cNvPr>
@@ -10864,7 +10864,7 @@
           <p:cNvPr id="8" name="Picture 10" descr="Image result for theano logo">
             <a:extLst>
               <a:ext uri="{FF2B5EF4-FFF2-40B4-BE49-F238E27FC236}">
-                <a16:creationId xmlns:a16="http://schemas.microsoft.com/office/drawing/2014/main" xmlns="" id="{579B04DE-B2DC-4ED7-AA9D-5AAA9580572E}"/>
+                <a16:creationId xmlns="" xmlns:a16="http://schemas.microsoft.com/office/drawing/2014/main" id="{579B04DE-B2DC-4ED7-AA9D-5AAA9580572E}"/>
               </a:ext>
             </a:extLst>
           </p:cNvPr>
@@ -10911,7 +10911,7 @@
           <p:cNvPr id="9" name="Picture 12" descr="Image result for pandas data mining logo">
             <a:extLst>
               <a:ext uri="{FF2B5EF4-FFF2-40B4-BE49-F238E27FC236}">
-                <a16:creationId xmlns:a16="http://schemas.microsoft.com/office/drawing/2014/main" xmlns="" id="{A9345AF3-EF63-4F70-A5B2-8F8ED0E283FD}"/>
+                <a16:creationId xmlns="" xmlns:a16="http://schemas.microsoft.com/office/drawing/2014/main" id="{A9345AF3-EF63-4F70-A5B2-8F8ED0E283FD}"/>
               </a:ext>
             </a:extLst>
           </p:cNvPr>
@@ -10988,7 +10988,7 @@
           <p:cNvPr id="2" name="Título 1">
             <a:extLst>
               <a:ext uri="{FF2B5EF4-FFF2-40B4-BE49-F238E27FC236}">
-                <a16:creationId xmlns:a16="http://schemas.microsoft.com/office/drawing/2014/main" xmlns="" id="{220079F9-71B9-4466-B35D-68523A745D24}"/>
+                <a16:creationId xmlns="" xmlns:a16="http://schemas.microsoft.com/office/drawing/2014/main" id="{220079F9-71B9-4466-B35D-68523A745D24}"/>
               </a:ext>
             </a:extLst>
           </p:cNvPr>
@@ -11021,7 +11021,7 @@
           <p:cNvPr id="3" name="Espaço Reservado para Conteúdo 2">
             <a:extLst>
               <a:ext uri="{FF2B5EF4-FFF2-40B4-BE49-F238E27FC236}">
-                <a16:creationId xmlns:a16="http://schemas.microsoft.com/office/drawing/2014/main" xmlns="" id="{5BA8D271-087B-414B-ABC6-D7C5E7367E33}"/>
+                <a16:creationId xmlns="" xmlns:a16="http://schemas.microsoft.com/office/drawing/2014/main" id="{5BA8D271-087B-414B-ABC6-D7C5E7367E33}"/>
               </a:ext>
             </a:extLst>
           </p:cNvPr>
@@ -11105,7 +11105,7 @@
           <p:cNvPr id="3074" name="Picture 2" descr="Image result for machine learning">
             <a:extLst>
               <a:ext uri="{FF2B5EF4-FFF2-40B4-BE49-F238E27FC236}">
-                <a16:creationId xmlns:a16="http://schemas.microsoft.com/office/drawing/2014/main" xmlns="" id="{0F1D94CB-2EF0-4960-BC00-8889565E93D1}"/>
+                <a16:creationId xmlns="" xmlns:a16="http://schemas.microsoft.com/office/drawing/2014/main" id="{0F1D94CB-2EF0-4960-BC00-8889565E93D1}"/>
               </a:ext>
             </a:extLst>
           </p:cNvPr>
@@ -11211,7 +11211,7 @@
           <p:cNvPr id="4" name="Picture 4" descr="Image result for supervised learning">
             <a:extLst>
               <a:ext uri="{FF2B5EF4-FFF2-40B4-BE49-F238E27FC236}">
-                <a16:creationId xmlns:a16="http://schemas.microsoft.com/office/drawing/2014/main" xmlns="" id="{2520F4EA-1E3E-4F3B-97C0-DF47861DCD42}"/>
+                <a16:creationId xmlns="" xmlns:a16="http://schemas.microsoft.com/office/drawing/2014/main" id="{2520F4EA-1E3E-4F3B-97C0-DF47861DCD42}"/>
               </a:ext>
             </a:extLst>
           </p:cNvPr>
@@ -11780,7 +11780,7 @@
           <p:cNvPr id="2" name="Título 1">
             <a:extLst>
               <a:ext uri="{FF2B5EF4-FFF2-40B4-BE49-F238E27FC236}">
-                <a16:creationId xmlns:a16="http://schemas.microsoft.com/office/drawing/2014/main" xmlns="" id="{6CB39B9C-599D-4DED-8180-FA8AD66BB117}"/>
+                <a16:creationId xmlns="" xmlns:a16="http://schemas.microsoft.com/office/drawing/2014/main" id="{6CB39B9C-599D-4DED-8180-FA8AD66BB117}"/>
               </a:ext>
             </a:extLst>
           </p:cNvPr>
@@ -11815,7 +11815,7 @@
               <p:cNvPr id="3" name="Espaço Reservado para Conteúdo 2">
                 <a:extLst>
                   <a:ext uri="{FF2B5EF4-FFF2-40B4-BE49-F238E27FC236}">
-                    <a16:creationId xmlns:a16="http://schemas.microsoft.com/office/drawing/2014/main" xmlns="" id="{5E0262E2-3A0F-4805-BCCB-6745237D1574}"/>
+                    <a16:creationId xmlns="" xmlns:a16="http://schemas.microsoft.com/office/drawing/2014/main" id="{5E0262E2-3A0F-4805-BCCB-6745237D1574}"/>
                   </a:ext>
                 </a:extLst>
               </p:cNvPr>
@@ -12032,7 +12032,7 @@
           <p:cNvPr id="3074" name="Picture 2" descr="https://www.ecloudvalley.com/wp-content/uploads/2019/09/Unsupervised-learning.png">
             <a:extLst>
               <a:ext uri="{FF2B5EF4-FFF2-40B4-BE49-F238E27FC236}">
-                <a16:creationId xmlns:a16="http://schemas.microsoft.com/office/drawing/2014/main" xmlns="" id="{E1E9C2D9-93F7-4EA6-9C7E-D658C2452746}"/>
+                <a16:creationId xmlns="" xmlns:a16="http://schemas.microsoft.com/office/drawing/2014/main" id="{E1E9C2D9-93F7-4EA6-9C7E-D658C2452746}"/>
               </a:ext>
             </a:extLst>
           </p:cNvPr>
@@ -12077,7 +12077,7 @@
           <p:cNvPr id="1028" name="Picture 4" descr="https://slideplayer.com/slide/13055479/79/images/6/Data+Compression+Reduce+data+from+3D+to+2D+Andrew+Ng.jpg">
             <a:extLst>
               <a:ext uri="{FF2B5EF4-FFF2-40B4-BE49-F238E27FC236}">
-                <a16:creationId xmlns:a16="http://schemas.microsoft.com/office/drawing/2014/main" xmlns="" id="{F20F10B0-B790-4630-9FD0-F82B2B0DFAD5}"/>
+                <a16:creationId xmlns="" xmlns:a16="http://schemas.microsoft.com/office/drawing/2014/main" id="{F20F10B0-B790-4630-9FD0-F82B2B0DFAD5}"/>
               </a:ext>
             </a:extLst>
           </p:cNvPr>
@@ -12122,7 +12122,7 @@
           <p:cNvPr id="1030" name="Picture 6" descr="Image result for outlier ">
             <a:extLst>
               <a:ext uri="{FF2B5EF4-FFF2-40B4-BE49-F238E27FC236}">
-                <a16:creationId xmlns:a16="http://schemas.microsoft.com/office/drawing/2014/main" xmlns="" id="{5E7788A9-1556-48E2-A68C-C98CBCD57CE7}"/>
+                <a16:creationId xmlns="" xmlns:a16="http://schemas.microsoft.com/office/drawing/2014/main" id="{5E7788A9-1556-48E2-A68C-C98CBCD57CE7}"/>
               </a:ext>
             </a:extLst>
           </p:cNvPr>
@@ -12167,7 +12167,7 @@
           <p:cNvPr id="1032" name="Picture 8" descr="http://users.telenet.be/martialluyts/img/basket.jpg">
             <a:extLst>
               <a:ext uri="{FF2B5EF4-FFF2-40B4-BE49-F238E27FC236}">
-                <a16:creationId xmlns:a16="http://schemas.microsoft.com/office/drawing/2014/main" xmlns="" id="{91C7F0A4-66BC-4E4C-B7C9-061F60727247}"/>
+                <a16:creationId xmlns="" xmlns:a16="http://schemas.microsoft.com/office/drawing/2014/main" id="{91C7F0A4-66BC-4E4C-B7C9-061F60727247}"/>
               </a:ext>
             </a:extLst>
           </p:cNvPr>
@@ -12529,7 +12529,7 @@
           <p:cNvPr id="2" name="Título 1">
             <a:extLst>
               <a:ext uri="{FF2B5EF4-FFF2-40B4-BE49-F238E27FC236}">
-                <a16:creationId xmlns:a16="http://schemas.microsoft.com/office/drawing/2014/main" xmlns="" id="{646F6830-B3DF-4F50-823F-7E36C43380D1}"/>
+                <a16:creationId xmlns="" xmlns:a16="http://schemas.microsoft.com/office/drawing/2014/main" id="{646F6830-B3DF-4F50-823F-7E36C43380D1}"/>
               </a:ext>
             </a:extLst>
           </p:cNvPr>
@@ -12562,7 +12562,7 @@
           <p:cNvPr id="3" name="Espaço Reservado para Conteúdo 2">
             <a:extLst>
               <a:ext uri="{FF2B5EF4-FFF2-40B4-BE49-F238E27FC236}">
-                <a16:creationId xmlns:a16="http://schemas.microsoft.com/office/drawing/2014/main" xmlns="" xmlns:a14="http://schemas.microsoft.com/office/drawing/2010/main" xmlns:mc="http://schemas.openxmlformats.org/markup-compatibility/2006" id="{071E0B55-13FE-4ADE-80F7-AFEDEF27C875}"/>
+                <a16:creationId xmlns:mc="http://schemas.openxmlformats.org/markup-compatibility/2006" xmlns:a14="http://schemas.microsoft.com/office/drawing/2010/main" xmlns="" xmlns:a16="http://schemas.microsoft.com/office/drawing/2014/main" id="{071E0B55-13FE-4ADE-80F7-AFEDEF27C875}"/>
               </a:ext>
             </a:extLst>
           </p:cNvPr>
@@ -14760,7 +14760,7 @@
           <p:cNvPr id="2" name="Título 1">
             <a:extLst>
               <a:ext uri="{FF2B5EF4-FFF2-40B4-BE49-F238E27FC236}">
-                <a16:creationId xmlns:a16="http://schemas.microsoft.com/office/drawing/2014/main" xmlns="" id="{A2A4684C-1159-4F88-A2B1-6BABEDE38C4D}"/>
+                <a16:creationId xmlns="" xmlns:a16="http://schemas.microsoft.com/office/drawing/2014/main" id="{A2A4684C-1159-4F88-A2B1-6BABEDE38C4D}"/>
               </a:ext>
             </a:extLst>
           </p:cNvPr>
@@ -14788,7 +14788,7 @@
           <p:cNvPr id="3" name="Espaço Reservado para Conteúdo 2">
             <a:extLst>
               <a:ext uri="{FF2B5EF4-FFF2-40B4-BE49-F238E27FC236}">
-                <a16:creationId xmlns:a16="http://schemas.microsoft.com/office/drawing/2014/main" xmlns="" id="{EC432B31-D382-41FF-BB6B-2ABDD322424B}"/>
+                <a16:creationId xmlns="" xmlns:a16="http://schemas.microsoft.com/office/drawing/2014/main" id="{EC432B31-D382-41FF-BB6B-2ABDD322424B}"/>
               </a:ext>
             </a:extLst>
           </p:cNvPr>
@@ -15306,37 +15306,44 @@
             </a:r>
             <a:r>
               <a:rPr lang="pt-BR" dirty="0" smtClean="0"/>
-              <a:t> Teles): </a:t>
+              <a:t> </a:t>
+            </a:r>
+            <a:r>
+              <a:rPr lang="pt-BR" dirty="0"/>
+              <a:t>Teles: </a:t>
+            </a:r>
+            <a:r>
+              <a:rPr lang="pt-BR" b="1" dirty="0"/>
+              <a:t>maycol.teles@ges.inatel.br</a:t>
+            </a:r>
+            <a:r>
+              <a:rPr lang="pt-BR" dirty="0"/>
+              <a:t>): </a:t>
             </a:r>
             <a:r>
               <a:rPr lang="pt-BR" dirty="0" smtClean="0"/>
-              <a:t>quarta</a:t>
+              <a:t>quartas-feiras </a:t>
+            </a:r>
+            <a:r>
+              <a:rPr lang="pt-BR" dirty="0"/>
+              <a:t>das </a:t>
             </a:r>
             <a:r>
               <a:rPr lang="pt-BR" dirty="0" smtClean="0"/>
-              <a:t>s-feiras </a:t>
-            </a:r>
-            <a:r>
-              <a:rPr lang="pt-BR"/>
-              <a:t>das </a:t>
-            </a:r>
-            <a:r>
-              <a:rPr lang="pt-BR" smtClean="0"/>
               <a:t>18:30 </a:t>
             </a:r>
             <a:r>
-              <a:rPr lang="pt-BR"/>
+              <a:rPr lang="pt-BR" dirty="0"/>
               <a:t>às </a:t>
             </a:r>
             <a:r>
-              <a:rPr lang="pt-BR" smtClean="0"/>
+              <a:rPr lang="pt-BR" dirty="0" smtClean="0"/>
               <a:t>19:30 </a:t>
             </a:r>
             <a:r>
               <a:rPr lang="pt-BR" dirty="0"/>
               <a:t>.</a:t>
             </a:r>
-            <a:endParaRPr lang="pt-BR" dirty="0"/>
           </a:p>
           <a:p>
             <a:pPr lvl="1">
@@ -15345,11 +15352,7 @@
             </a:pPr>
             <a:r>
               <a:rPr lang="pt-BR" dirty="0" smtClean="0"/>
-              <a:t>Atendimento </a:t>
-            </a:r>
-            <a:r>
-              <a:rPr lang="pt-BR" dirty="0" smtClean="0"/>
-              <a:t>remoto via </a:t>
+              <a:t>Atendimento remoto via </a:t>
             </a:r>
             <a:r>
               <a:rPr lang="pt-BR" dirty="0"/>
@@ -15557,7 +15560,7 @@
           <p:cNvPr id="4" name="Título 1">
             <a:extLst>
               <a:ext uri="{FF2B5EF4-FFF2-40B4-BE49-F238E27FC236}">
-                <a16:creationId xmlns:a16="http://schemas.microsoft.com/office/drawing/2014/main" xmlns="" id="{32666AC8-2E17-4DB4-B0F5-60C640CCFD2E}"/>
+                <a16:creationId xmlns="" xmlns:a16="http://schemas.microsoft.com/office/drawing/2014/main" id="{32666AC8-2E17-4DB4-B0F5-60C640CCFD2E}"/>
               </a:ext>
             </a:extLst>
           </p:cNvPr>
@@ -18799,7 +18802,7 @@
           <p:cNvPr id="4" name="Agrupar 9">
             <a:extLst>
               <a:ext uri="{FF2B5EF4-FFF2-40B4-BE49-F238E27FC236}">
-                <a16:creationId xmlns:a16="http://schemas.microsoft.com/office/drawing/2014/main" xmlns="" id="{0B96ABED-DB41-410B-A604-C06F86EA7584}"/>
+                <a16:creationId xmlns="" xmlns:a16="http://schemas.microsoft.com/office/drawing/2014/main" id="{0B96ABED-DB41-410B-A604-C06F86EA7584}"/>
               </a:ext>
             </a:extLst>
           </p:cNvPr>
@@ -18819,7 +18822,7 @@
             <p:cNvPr id="5" name="Elipse 3">
               <a:extLst>
                 <a:ext uri="{FF2B5EF4-FFF2-40B4-BE49-F238E27FC236}">
-                  <a16:creationId xmlns:a16="http://schemas.microsoft.com/office/drawing/2014/main" xmlns="" id="{78EA9474-9E04-44C4-9E19-67FD40FBA058}"/>
+                  <a16:creationId xmlns="" xmlns:a16="http://schemas.microsoft.com/office/drawing/2014/main" id="{78EA9474-9E04-44C4-9E19-67FD40FBA058}"/>
                 </a:ext>
               </a:extLst>
             </p:cNvPr>
@@ -18876,7 +18879,7 @@
             <p:cNvPr id="6" name="Elipse 4">
               <a:extLst>
                 <a:ext uri="{FF2B5EF4-FFF2-40B4-BE49-F238E27FC236}">
-                  <a16:creationId xmlns:a16="http://schemas.microsoft.com/office/drawing/2014/main" xmlns="" id="{DA23CE7C-64D2-4FF1-83C3-4920F0AD635C}"/>
+                  <a16:creationId xmlns="" xmlns:a16="http://schemas.microsoft.com/office/drawing/2014/main" id="{DA23CE7C-64D2-4FF1-83C3-4920F0AD635C}"/>
                 </a:ext>
               </a:extLst>
             </p:cNvPr>
@@ -18934,7 +18937,7 @@
             <p:cNvPr id="7" name="Elipse 5">
               <a:extLst>
                 <a:ext uri="{FF2B5EF4-FFF2-40B4-BE49-F238E27FC236}">
-                  <a16:creationId xmlns:a16="http://schemas.microsoft.com/office/drawing/2014/main" xmlns="" id="{BDF2AACA-BD34-40AD-9FDE-4F93EBB4342D}"/>
+                  <a16:creationId xmlns="" xmlns:a16="http://schemas.microsoft.com/office/drawing/2014/main" id="{BDF2AACA-BD34-40AD-9FDE-4F93EBB4342D}"/>
                 </a:ext>
               </a:extLst>
             </p:cNvPr>
@@ -18992,7 +18995,7 @@
             <p:cNvPr id="8" name="CaixaDeTexto 10">
               <a:extLst>
                 <a:ext uri="{FF2B5EF4-FFF2-40B4-BE49-F238E27FC236}">
-                  <a16:creationId xmlns:a16="http://schemas.microsoft.com/office/drawing/2014/main" xmlns="" id="{51F63BB8-6AA0-41B8-AF42-7EF062B069A1}"/>
+                  <a16:creationId xmlns="" xmlns:a16="http://schemas.microsoft.com/office/drawing/2014/main" id="{51F63BB8-6AA0-41B8-AF42-7EF062B069A1}"/>
                 </a:ext>
               </a:extLst>
             </p:cNvPr>
@@ -19043,7 +19046,7 @@
             <p:cNvPr id="9" name="CaixaDeTexto 11">
               <a:extLst>
                 <a:ext uri="{FF2B5EF4-FFF2-40B4-BE49-F238E27FC236}">
-                  <a16:creationId xmlns:a16="http://schemas.microsoft.com/office/drawing/2014/main" xmlns="" id="{DFD039E3-20CE-44F5-92EF-195036537592}"/>
+                  <a16:creationId xmlns="" xmlns:a16="http://schemas.microsoft.com/office/drawing/2014/main" id="{DFD039E3-20CE-44F5-92EF-195036537592}"/>
                 </a:ext>
               </a:extLst>
             </p:cNvPr>
@@ -19094,7 +19097,7 @@
             <p:cNvPr id="10" name="CaixaDeTexto 12">
               <a:extLst>
                 <a:ext uri="{FF2B5EF4-FFF2-40B4-BE49-F238E27FC236}">
-                  <a16:creationId xmlns:a16="http://schemas.microsoft.com/office/drawing/2014/main" xmlns="" id="{2BA92F8A-1455-40AE-B18C-EA6C3DE256D6}"/>
+                  <a16:creationId xmlns="" xmlns:a16="http://schemas.microsoft.com/office/drawing/2014/main" id="{2BA92F8A-1455-40AE-B18C-EA6C3DE256D6}"/>
                 </a:ext>
               </a:extLst>
             </p:cNvPr>
@@ -20779,7 +20782,7 @@
           <p:cNvPr id="2" name="Título 1">
             <a:extLst>
               <a:ext uri="{FF2B5EF4-FFF2-40B4-BE49-F238E27FC236}">
-                <a16:creationId xmlns:a16="http://schemas.microsoft.com/office/drawing/2014/main" xmlns="" id="{C4F48192-B348-4C3E-8621-D3755D2230F8}"/>
+                <a16:creationId xmlns="" xmlns:a16="http://schemas.microsoft.com/office/drawing/2014/main" id="{C4F48192-B348-4C3E-8621-D3755D2230F8}"/>
               </a:ext>
             </a:extLst>
           </p:cNvPr>
@@ -20816,7 +20819,7 @@
           <p:cNvPr id="3" name="Espaço Reservado para Conteúdo 2">
             <a:extLst>
               <a:ext uri="{FF2B5EF4-FFF2-40B4-BE49-F238E27FC236}">
-                <a16:creationId xmlns:a16="http://schemas.microsoft.com/office/drawing/2014/main" xmlns="" id="{E3DECB90-AFD9-4AC6-A356-C93A7442A6E6}"/>
+                <a16:creationId xmlns="" xmlns:a16="http://schemas.microsoft.com/office/drawing/2014/main" id="{E3DECB90-AFD9-4AC6-A356-C93A7442A6E6}"/>
               </a:ext>
             </a:extLst>
           </p:cNvPr>
@@ -20978,7 +20981,7 @@
           <p:cNvPr id="3074" name="Picture 2" descr="Image result for machine learning">
             <a:extLst>
               <a:ext uri="{FF2B5EF4-FFF2-40B4-BE49-F238E27FC236}">
-                <a16:creationId xmlns:a16="http://schemas.microsoft.com/office/drawing/2014/main" xmlns="" id="{78A93243-9634-4B0E-B1B2-37A218EAEADD}"/>
+                <a16:creationId xmlns="" xmlns:a16="http://schemas.microsoft.com/office/drawing/2014/main" id="{78A93243-9634-4B0E-B1B2-37A218EAEADD}"/>
               </a:ext>
             </a:extLst>
           </p:cNvPr>
@@ -21432,7 +21435,7 @@
           <p:cNvPr id="2" name="Título 1">
             <a:extLst>
               <a:ext uri="{FF2B5EF4-FFF2-40B4-BE49-F238E27FC236}">
-                <a16:creationId xmlns:a16="http://schemas.microsoft.com/office/drawing/2014/main" xmlns="" id="{323B9288-93D4-4CC5-BE00-B2E741C4A62E}"/>
+                <a16:creationId xmlns="" xmlns:a16="http://schemas.microsoft.com/office/drawing/2014/main" id="{323B9288-93D4-4CC5-BE00-B2E741C4A62E}"/>
               </a:ext>
             </a:extLst>
           </p:cNvPr>
@@ -21460,7 +21463,7 @@
           <p:cNvPr id="3" name="Espaço Reservado para Conteúdo 2">
             <a:extLst>
               <a:ext uri="{FF2B5EF4-FFF2-40B4-BE49-F238E27FC236}">
-                <a16:creationId xmlns:a16="http://schemas.microsoft.com/office/drawing/2014/main" xmlns="" id="{C04549A7-FF67-48B8-B0EE-75CF43A83803}"/>
+                <a16:creationId xmlns="" xmlns:a16="http://schemas.microsoft.com/office/drawing/2014/main" id="{C04549A7-FF67-48B8-B0EE-75CF43A83803}"/>
               </a:ext>
             </a:extLst>
           </p:cNvPr>
@@ -21565,7 +21568,7 @@
           <p:cNvPr id="2052" name="Picture 4" descr="Image result for google">
             <a:extLst>
               <a:ext uri="{FF2B5EF4-FFF2-40B4-BE49-F238E27FC236}">
-                <a16:creationId xmlns:a16="http://schemas.microsoft.com/office/drawing/2014/main" xmlns="" id="{438DFBB1-BCAF-4232-8212-13512A523B87}"/>
+                <a16:creationId xmlns="" xmlns:a16="http://schemas.microsoft.com/office/drawing/2014/main" id="{438DFBB1-BCAF-4232-8212-13512A523B87}"/>
               </a:ext>
             </a:extLst>
           </p:cNvPr>
@@ -21610,7 +21613,7 @@
           <p:cNvPr id="2054" name="Picture 6" descr="Image result for amazon">
             <a:extLst>
               <a:ext uri="{FF2B5EF4-FFF2-40B4-BE49-F238E27FC236}">
-                <a16:creationId xmlns:a16="http://schemas.microsoft.com/office/drawing/2014/main" xmlns="" id="{0F346A9F-5169-48E9-BC8D-A7A5601546B4}"/>
+                <a16:creationId xmlns="" xmlns:a16="http://schemas.microsoft.com/office/drawing/2014/main" id="{0F346A9F-5169-48E9-BC8D-A7A5601546B4}"/>
               </a:ext>
             </a:extLst>
           </p:cNvPr>
@@ -21655,7 +21658,7 @@
           <p:cNvPr id="2056" name="Picture 8" descr="Image result for IBM">
             <a:extLst>
               <a:ext uri="{FF2B5EF4-FFF2-40B4-BE49-F238E27FC236}">
-                <a16:creationId xmlns:a16="http://schemas.microsoft.com/office/drawing/2014/main" xmlns="" id="{F4203440-F9CD-4A35-AECB-4F9069DDD8D8}"/>
+                <a16:creationId xmlns="" xmlns:a16="http://schemas.microsoft.com/office/drawing/2014/main" id="{F4203440-F9CD-4A35-AECB-4F9069DDD8D8}"/>
               </a:ext>
             </a:extLst>
           </p:cNvPr>
@@ -21702,7 +21705,7 @@
           <p:cNvPr id="2058" name="Picture 10" descr="Image result for microsoft">
             <a:extLst>
               <a:ext uri="{FF2B5EF4-FFF2-40B4-BE49-F238E27FC236}">
-                <a16:creationId xmlns:a16="http://schemas.microsoft.com/office/drawing/2014/main" xmlns="" id="{889DF1D8-7481-4A46-9FD7-52BAF8D9886D}"/>
+                <a16:creationId xmlns="" xmlns:a16="http://schemas.microsoft.com/office/drawing/2014/main" id="{889DF1D8-7481-4A46-9FD7-52BAF8D9886D}"/>
               </a:ext>
             </a:extLst>
           </p:cNvPr>
@@ -21747,7 +21750,7 @@
           <p:cNvPr id="2062" name="Picture 14" descr="Image result for apple">
             <a:extLst>
               <a:ext uri="{FF2B5EF4-FFF2-40B4-BE49-F238E27FC236}">
-                <a16:creationId xmlns:a16="http://schemas.microsoft.com/office/drawing/2014/main" xmlns="" id="{E6493393-D074-45B9-BE4A-3BA749178941}"/>
+                <a16:creationId xmlns="" xmlns:a16="http://schemas.microsoft.com/office/drawing/2014/main" id="{E6493393-D074-45B9-BE4A-3BA749178941}"/>
               </a:ext>
             </a:extLst>
           </p:cNvPr>
@@ -21792,7 +21795,7 @@
           <p:cNvPr id="5" name="Picture 4" descr="Image result for ericsson logo">
             <a:extLst>
               <a:ext uri="{FF2B5EF4-FFF2-40B4-BE49-F238E27FC236}">
-                <a16:creationId xmlns:a16="http://schemas.microsoft.com/office/drawing/2014/main" xmlns="" id="{D2E42DB6-DBED-40AD-BE13-35A320551592}"/>
+                <a16:creationId xmlns="" xmlns:a16="http://schemas.microsoft.com/office/drawing/2014/main" id="{D2E42DB6-DBED-40AD-BE13-35A320551592}"/>
               </a:ext>
             </a:extLst>
           </p:cNvPr>
@@ -21839,7 +21842,7 @@
           <p:cNvPr id="6" name="Picture 6" descr="Image result for qualcomm logo">
             <a:extLst>
               <a:ext uri="{FF2B5EF4-FFF2-40B4-BE49-F238E27FC236}">
-                <a16:creationId xmlns:a16="http://schemas.microsoft.com/office/drawing/2014/main" xmlns="" id="{16E08342-ACB0-45D6-9003-A412614BF63C}"/>
+                <a16:creationId xmlns="" xmlns:a16="http://schemas.microsoft.com/office/drawing/2014/main" id="{16E08342-ACB0-45D6-9003-A412614BF63C}"/>
               </a:ext>
             </a:extLst>
           </p:cNvPr>
@@ -21884,7 +21887,7 @@
           <p:cNvPr id="7" name="Picture 8" descr="Image result for huawei logo">
             <a:extLst>
               <a:ext uri="{FF2B5EF4-FFF2-40B4-BE49-F238E27FC236}">
-                <a16:creationId xmlns:a16="http://schemas.microsoft.com/office/drawing/2014/main" xmlns="" id="{4D4C2FC0-11E7-423E-ADFE-E40E3FBE955B}"/>
+                <a16:creationId xmlns="" xmlns:a16="http://schemas.microsoft.com/office/drawing/2014/main" id="{4D4C2FC0-11E7-423E-ADFE-E40E3FBE955B}"/>
               </a:ext>
             </a:extLst>
           </p:cNvPr>
@@ -22011,7 +22014,7 @@
           <p:cNvPr id="2050" name="Picture 2" descr="Image result for facebook">
             <a:extLst>
               <a:ext uri="{FF2B5EF4-FFF2-40B4-BE49-F238E27FC236}">
-                <a16:creationId xmlns:a16="http://schemas.microsoft.com/office/drawing/2014/main" xmlns="" id="{629596EE-D27E-4FA4-917F-4B2F4A295C7D}"/>
+                <a16:creationId xmlns="" xmlns:a16="http://schemas.microsoft.com/office/drawing/2014/main" id="{629596EE-D27E-4FA4-917F-4B2F4A295C7D}"/>
               </a:ext>
             </a:extLst>
           </p:cNvPr>
@@ -22926,7 +22929,7 @@
             <p:cNvPr id="5" name="Agrupar 4">
               <a:extLst>
                 <a:ext uri="{FF2B5EF4-FFF2-40B4-BE49-F238E27FC236}">
-                  <a16:creationId xmlns:a16="http://schemas.microsoft.com/office/drawing/2014/main" xmlns="" id="{7463A6D3-5626-4043-85E5-66DFB2E72B8A}"/>
+                  <a16:creationId xmlns="" xmlns:a16="http://schemas.microsoft.com/office/drawing/2014/main" id="{7463A6D3-5626-4043-85E5-66DFB2E72B8A}"/>
                 </a:ext>
               </a:extLst>
             </p:cNvPr>
@@ -22946,7 +22949,7 @@
               <p:cNvPr id="11" name="Picture 2" descr="Image result for umbrella">
                 <a:extLst>
                   <a:ext uri="{FF2B5EF4-FFF2-40B4-BE49-F238E27FC236}">
-                    <a16:creationId xmlns:a16="http://schemas.microsoft.com/office/drawing/2014/main" xmlns="" id="{46CE05B1-E4CB-4173-8A0C-9C000F3F0A67}"/>
+                    <a16:creationId xmlns="" xmlns:a16="http://schemas.microsoft.com/office/drawing/2014/main" id="{46CE05B1-E4CB-4173-8A0C-9C000F3F0A67}"/>
                   </a:ext>
                 </a:extLst>
               </p:cNvPr>
@@ -22991,7 +22994,7 @@
               <p:cNvPr id="12" name="CaixaDeTexto 3">
                 <a:extLst>
                   <a:ext uri="{FF2B5EF4-FFF2-40B4-BE49-F238E27FC236}">
-                    <a16:creationId xmlns:a16="http://schemas.microsoft.com/office/drawing/2014/main" xmlns="" id="{CC08EDBF-9120-4A11-84A9-24A056EA1046}"/>
+                    <a16:creationId xmlns="" xmlns:a16="http://schemas.microsoft.com/office/drawing/2014/main" id="{CC08EDBF-9120-4A11-84A9-24A056EA1046}"/>
                   </a:ext>
                 </a:extLst>
               </p:cNvPr>
@@ -23462,7 +23465,7 @@
           <p:cNvPr id="4" name="Picture 4" descr="Image result for aprendizado de máquina">
             <a:extLst>
               <a:ext uri="{FF2B5EF4-FFF2-40B4-BE49-F238E27FC236}">
-                <a16:creationId xmlns:a16="http://schemas.microsoft.com/office/drawing/2014/main" xmlns="" id="{4530CE78-625F-49E3-B829-A2E7FD1CE262}"/>
+                <a16:creationId xmlns="" xmlns:a16="http://schemas.microsoft.com/office/drawing/2014/main" id="{4530CE78-625F-49E3-B829-A2E7FD1CE262}"/>
               </a:ext>
             </a:extLst>
           </p:cNvPr>

--- a/slides/T319_Introdução.pptx
+++ b/slides/T319_Introdução.pptx
@@ -306,7 +306,7 @@
           <a:p>
             <a:fld id="{144F1436-6906-4D93-B7A2-786C327BFA14}" type="datetimeFigureOut">
               <a:rPr lang="nl-BE" smtClean="0"/>
-              <a:t>22/07/2022</a:t>
+              <a:t>1/08/2022</a:t>
             </a:fld>
             <a:endParaRPr lang="nl-BE"/>
           </a:p>
@@ -471,7 +471,7 @@
           <a:p>
             <a:fld id="{AA8CD09E-2914-4F47-B6C1-51B2C31814C9}" type="datetimeFigureOut">
               <a:rPr lang="pt-BR" smtClean="0"/>
-              <a:t>22/07/2022</a:t>
+              <a:t>01/08/2022</a:t>
             </a:fld>
             <a:endParaRPr lang="pt-BR"/>
           </a:p>
@@ -5237,7 +5237,7 @@
           <a:p>
             <a:fld id="{63289F7E-B80B-496E-81B4-D396C37C9454}" type="datetimeFigureOut">
               <a:rPr lang="pt-BR" smtClean="0"/>
-              <a:t>22/07/2022</a:t>
+              <a:t>01/08/2022</a:t>
             </a:fld>
             <a:endParaRPr lang="pt-BR"/>
           </a:p>
@@ -5435,7 +5435,7 @@
           <a:p>
             <a:fld id="{63289F7E-B80B-496E-81B4-D396C37C9454}" type="datetimeFigureOut">
               <a:rPr lang="pt-BR" smtClean="0"/>
-              <a:t>22/07/2022</a:t>
+              <a:t>01/08/2022</a:t>
             </a:fld>
             <a:endParaRPr lang="pt-BR"/>
           </a:p>
@@ -5643,7 +5643,7 @@
           <a:p>
             <a:fld id="{63289F7E-B80B-496E-81B4-D396C37C9454}" type="datetimeFigureOut">
               <a:rPr lang="pt-BR" smtClean="0"/>
-              <a:t>22/07/2022</a:t>
+              <a:t>01/08/2022</a:t>
             </a:fld>
             <a:endParaRPr lang="pt-BR"/>
           </a:p>
@@ -5841,7 +5841,7 @@
           <a:p>
             <a:fld id="{63289F7E-B80B-496E-81B4-D396C37C9454}" type="datetimeFigureOut">
               <a:rPr lang="pt-BR" smtClean="0"/>
-              <a:t>22/07/2022</a:t>
+              <a:t>01/08/2022</a:t>
             </a:fld>
             <a:endParaRPr lang="pt-BR"/>
           </a:p>
@@ -6116,7 +6116,7 @@
           <a:p>
             <a:fld id="{63289F7E-B80B-496E-81B4-D396C37C9454}" type="datetimeFigureOut">
               <a:rPr lang="pt-BR" smtClean="0"/>
-              <a:t>22/07/2022</a:t>
+              <a:t>01/08/2022</a:t>
             </a:fld>
             <a:endParaRPr lang="pt-BR"/>
           </a:p>
@@ -6381,7 +6381,7 @@
           <a:p>
             <a:fld id="{63289F7E-B80B-496E-81B4-D396C37C9454}" type="datetimeFigureOut">
               <a:rPr lang="pt-BR" smtClean="0"/>
-              <a:t>22/07/2022</a:t>
+              <a:t>01/08/2022</a:t>
             </a:fld>
             <a:endParaRPr lang="pt-BR"/>
           </a:p>
@@ -6793,7 +6793,7 @@
           <a:p>
             <a:fld id="{63289F7E-B80B-496E-81B4-D396C37C9454}" type="datetimeFigureOut">
               <a:rPr lang="pt-BR" smtClean="0"/>
-              <a:t>22/07/2022</a:t>
+              <a:t>01/08/2022</a:t>
             </a:fld>
             <a:endParaRPr lang="pt-BR"/>
           </a:p>
@@ -6934,7 +6934,7 @@
           <a:p>
             <a:fld id="{63289F7E-B80B-496E-81B4-D396C37C9454}" type="datetimeFigureOut">
               <a:rPr lang="pt-BR" smtClean="0"/>
-              <a:t>22/07/2022</a:t>
+              <a:t>01/08/2022</a:t>
             </a:fld>
             <a:endParaRPr lang="pt-BR"/>
           </a:p>
@@ -7047,7 +7047,7 @@
           <a:p>
             <a:fld id="{63289F7E-B80B-496E-81B4-D396C37C9454}" type="datetimeFigureOut">
               <a:rPr lang="pt-BR" smtClean="0"/>
-              <a:t>22/07/2022</a:t>
+              <a:t>01/08/2022</a:t>
             </a:fld>
             <a:endParaRPr lang="pt-BR"/>
           </a:p>
@@ -7358,7 +7358,7 @@
           <a:p>
             <a:fld id="{63289F7E-B80B-496E-81B4-D396C37C9454}" type="datetimeFigureOut">
               <a:rPr lang="pt-BR" smtClean="0"/>
-              <a:t>22/07/2022</a:t>
+              <a:t>01/08/2022</a:t>
             </a:fld>
             <a:endParaRPr lang="pt-BR"/>
           </a:p>
@@ -7646,7 +7646,7 @@
           <a:p>
             <a:fld id="{63289F7E-B80B-496E-81B4-D396C37C9454}" type="datetimeFigureOut">
               <a:rPr lang="pt-BR" smtClean="0"/>
-              <a:t>22/07/2022</a:t>
+              <a:t>01/08/2022</a:t>
             </a:fld>
             <a:endParaRPr lang="pt-BR"/>
           </a:p>
@@ -7887,7 +7887,7 @@
           <a:p>
             <a:fld id="{63289F7E-B80B-496E-81B4-D396C37C9454}" type="datetimeFigureOut">
               <a:rPr lang="pt-BR" smtClean="0"/>
-              <a:t>22/07/2022</a:t>
+              <a:t>01/08/2022</a:t>
             </a:fld>
             <a:endParaRPr lang="pt-BR"/>
           </a:p>
@@ -13104,8 +13104,16 @@
           </a:p>
           <a:p>
             <a:r>
+              <a:rPr lang="pt-BR" smtClean="0"/>
+              <a:t>Não </a:t>
+            </a:r>
+            <a:r>
+              <a:rPr lang="pt-BR" smtClean="0"/>
+              <a:t>nos </a:t>
+            </a:r>
+            <a:r>
               <a:rPr lang="pt-BR" dirty="0" smtClean="0"/>
-              <a:t>Não nós aprofundaremos nos conceitos matemáticos envolvidos.</a:t>
+              <a:t>aprofundaremos nos conceitos matemáticos envolvidos.</a:t>
             </a:r>
           </a:p>
           <a:p>
@@ -15259,35 +15267,55 @@
             </a:pPr>
             <a:r>
               <a:rPr lang="pt-BR" dirty="0"/>
-              <a:t>Professor: </a:t>
+              <a:t>Professor</a:t>
+            </a:r>
+            <a:r>
+              <a:rPr lang="pt-BR"/>
+              <a:t>: </a:t>
+            </a:r>
+            <a:r>
+              <a:rPr lang="pt-BR" smtClean="0"/>
+              <a:t>quintas-feiras </a:t>
+            </a:r>
+            <a:r>
+              <a:rPr lang="pt-BR"/>
+              <a:t>das </a:t>
+            </a:r>
+            <a:r>
+              <a:rPr lang="pt-BR" smtClean="0"/>
+              <a:t>18:00 </a:t>
+            </a:r>
+            <a:r>
+              <a:rPr lang="pt-BR"/>
+              <a:t>às </a:t>
+            </a:r>
+            <a:r>
+              <a:rPr lang="pt-BR" smtClean="0"/>
+              <a:t>19:00 </a:t>
+            </a:r>
+            <a:r>
+              <a:rPr lang="pt-BR" dirty="0"/>
+              <a:t>e sextas-feiras </a:t>
+            </a:r>
+            <a:r>
+              <a:rPr lang="pt-BR"/>
+              <a:t>das </a:t>
+            </a:r>
+            <a:r>
+              <a:rPr lang="pt-BR" smtClean="0"/>
+              <a:t>16:00 </a:t>
+            </a:r>
+            <a:r>
+              <a:rPr lang="pt-BR"/>
+              <a:t>às </a:t>
+            </a:r>
+            <a:r>
+              <a:rPr lang="pt-BR" smtClean="0"/>
+              <a:t>17:00</a:t>
             </a:r>
             <a:r>
               <a:rPr lang="pt-BR" dirty="0" smtClean="0"/>
-              <a:t>terças-feiras </a:t>
-            </a:r>
-            <a:r>
-              <a:rPr lang="pt-BR" dirty="0"/>
-              <a:t>das </a:t>
-            </a:r>
-            <a:r>
-              <a:rPr lang="pt-BR" dirty="0" smtClean="0"/>
-              <a:t>20:30 </a:t>
-            </a:r>
-            <a:r>
-              <a:rPr lang="pt-BR" dirty="0"/>
-              <a:t>às </a:t>
-            </a:r>
-            <a:r>
-              <a:rPr lang="pt-BR" dirty="0" smtClean="0"/>
-              <a:t>21:30 </a:t>
-            </a:r>
-            <a:r>
-              <a:rPr lang="pt-BR" dirty="0"/>
-              <a:t>e sextas-feiras das 15:30 às </a:t>
-            </a:r>
-            <a:r>
-              <a:rPr lang="pt-BR" dirty="0" smtClean="0"/>
-              <a:t>16:30.</a:t>
+              <a:t>.</a:t>
             </a:r>
             <a:endParaRPr lang="pt-BR" dirty="0"/>
           </a:p>
@@ -22475,6 +22503,45 @@
           </a:extLst>
         </p:spPr>
       </p:pic>
+      <p:pic>
+        <p:nvPicPr>
+          <p:cNvPr id="6" name="Picture 4" descr="O que é Inteligência Artificial ? – DigiSac.blog"/>
+          <p:cNvPicPr>
+            <a:picLocks noChangeAspect="1" noChangeArrowheads="1"/>
+          </p:cNvPicPr>
+          <p:nvPr/>
+        </p:nvPicPr>
+        <p:blipFill rotWithShape="1">
+          <a:blip r:embed="rId5" cstate="print">
+            <a:extLst>
+              <a:ext uri="{28A0092B-C50C-407E-A947-70E740481C1C}">
+                <a14:useLocalDpi xmlns:a14="http://schemas.microsoft.com/office/drawing/2010/main" val="0"/>
+              </a:ext>
+            </a:extLst>
+          </a:blip>
+          <a:srcRect l="2460" t="8888" r="3211"/>
+          <a:stretch/>
+        </p:blipFill>
+        <p:spPr bwMode="auto">
+          <a:xfrm>
+            <a:off x="8719213" y="5067289"/>
+            <a:ext cx="3287973" cy="1662029"/>
+          </a:xfrm>
+          <a:prstGeom prst="rect">
+            <a:avLst/>
+          </a:prstGeom>
+          <a:noFill/>
+          <a:extLst>
+            <a:ext uri="{909E8E84-426E-40DD-AFC4-6F175D3DCCD1}">
+              <a14:hiddenFill xmlns:a14="http://schemas.microsoft.com/office/drawing/2010/main">
+                <a:solidFill>
+                  <a:srgbClr val="FFFFFF"/>
+                </a:solidFill>
+              </a14:hiddenFill>
+            </a:ext>
+          </a:extLst>
+        </p:spPr>
+      </p:pic>
     </p:spTree>
     <p:extLst>
       <p:ext uri="{BB962C8B-B14F-4D97-AF65-F5344CB8AC3E}">
@@ -22593,11 +22660,11 @@
             </a:r>
             <a:r>
               <a:rPr lang="pt-BR" sz="1600" dirty="0"/>
-              <a:t>e compreensão automática de línguas humanas </a:t>
+              <a:t>e compreensão automática de </a:t>
             </a:r>
             <a:r>
               <a:rPr lang="pt-BR" sz="1600" dirty="0" smtClean="0"/>
-              <a:t>naturais.</a:t>
+              <a:t>linguagens naturais.</a:t>
             </a:r>
             <a:endParaRPr lang="pt-BR" sz="1600" dirty="0" smtClean="0">
               <a:cs typeface="Calibri"/>

--- a/slides/T319_Introdução.pptx
+++ b/slides/T319_Introdução.pptx
@@ -18,22 +18,22 @@
     <p:sldId id="335" r:id="rId6"/>
     <p:sldId id="264" r:id="rId7"/>
     <p:sldId id="340" r:id="rId8"/>
-    <p:sldId id="327" r:id="rId9"/>
-    <p:sldId id="341" r:id="rId10"/>
-    <p:sldId id="342" r:id="rId11"/>
+    <p:sldId id="346" r:id="rId9"/>
+    <p:sldId id="347" r:id="rId10"/>
+    <p:sldId id="348" r:id="rId11"/>
     <p:sldId id="328" r:id="rId12"/>
     <p:sldId id="345" r:id="rId13"/>
     <p:sldId id="343" r:id="rId14"/>
-    <p:sldId id="344" r:id="rId15"/>
+    <p:sldId id="349" r:id="rId15"/>
     <p:sldId id="275" r:id="rId16"/>
-    <p:sldId id="337" r:id="rId17"/>
-    <p:sldId id="277" r:id="rId18"/>
+    <p:sldId id="350" r:id="rId17"/>
+    <p:sldId id="351" r:id="rId18"/>
     <p:sldId id="333" r:id="rId19"/>
-    <p:sldId id="279" r:id="rId20"/>
-    <p:sldId id="331" r:id="rId21"/>
-    <p:sldId id="322" r:id="rId22"/>
+    <p:sldId id="352" r:id="rId20"/>
+    <p:sldId id="356" r:id="rId21"/>
+    <p:sldId id="354" r:id="rId22"/>
     <p:sldId id="309" r:id="rId23"/>
-    <p:sldId id="291" r:id="rId24"/>
+    <p:sldId id="355" r:id="rId24"/>
     <p:sldId id="339" r:id="rId25"/>
     <p:sldId id="263" r:id="rId26"/>
     <p:sldId id="298" r:id="rId27"/>
@@ -306,7 +306,7 @@
           <a:p>
             <a:fld id="{144F1436-6906-4D93-B7A2-786C327BFA14}" type="datetimeFigureOut">
               <a:rPr lang="nl-BE" smtClean="0"/>
-              <a:t>1/08/2022</a:t>
+              <a:t>5/08/2022</a:t>
             </a:fld>
             <a:endParaRPr lang="nl-BE"/>
           </a:p>
@@ -471,7 +471,7 @@
           <a:p>
             <a:fld id="{AA8CD09E-2914-4F47-B6C1-51B2C31814C9}" type="datetimeFigureOut">
               <a:rPr lang="pt-BR" smtClean="0"/>
-              <a:t>01/08/2022</a:t>
+              <a:t>05/08/2022</a:t>
             </a:fld>
             <a:endParaRPr lang="pt-BR"/>
           </a:p>
@@ -1128,7 +1128,7 @@
     </p:spTree>
     <p:extLst>
       <p:ext uri="{BB962C8B-B14F-4D97-AF65-F5344CB8AC3E}">
-        <p14:creationId xmlns:p14="http://schemas.microsoft.com/office/powerpoint/2010/main" val="2539312623"/>
+        <p14:creationId xmlns:p14="http://schemas.microsoft.com/office/powerpoint/2010/main" val="3870339263"/>
       </p:ext>
     </p:extLst>
   </p:cSld>
@@ -1182,7 +1182,49 @@
           <a:bodyPr/>
           <a:lstStyle/>
           <a:p>
-            <a:endParaRPr lang="nl-BE"/>
+            <a:r>
+              <a:rPr lang="nl-BE" dirty="0" smtClean="0"/>
+              <a:t>Os algortimos de ML podem ser agrupados de acordo com o tipo de aprendizado que</a:t>
+            </a:r>
+            <a:r>
+              <a:rPr lang="nl-BE" baseline="0" dirty="0" smtClean="0"/>
+              <a:t> realizam:</a:t>
+            </a:r>
+          </a:p>
+          <a:p>
+            <a:r>
+              <a:rPr lang="pt-BR" sz="2800" dirty="0" smtClean="0"/>
+              <a:t>Supervisionado</a:t>
+            </a:r>
+          </a:p>
+          <a:p>
+            <a:r>
+              <a:rPr lang="pt-BR" sz="2800" dirty="0" smtClean="0"/>
+              <a:t>Não-Supervisionado</a:t>
+            </a:r>
+          </a:p>
+          <a:p>
+            <a:r>
+              <a:rPr lang="pt-BR" sz="2800" dirty="0" err="1" smtClean="0"/>
+              <a:t>Semi-Supervisionado</a:t>
+            </a:r>
+            <a:endParaRPr lang="pt-BR" sz="2800" dirty="0" smtClean="0"/>
+          </a:p>
+          <a:p>
+            <a:r>
+              <a:rPr lang="pt-BR" sz="2800" dirty="0" smtClean="0"/>
+              <a:t>Por Reforço</a:t>
+            </a:r>
+          </a:p>
+          <a:p>
+            <a:r>
+              <a:rPr lang="pt-BR" sz="2800" dirty="0" err="1" smtClean="0"/>
+              <a:t>Metaheurístico</a:t>
+            </a:r>
+            <a:endParaRPr lang="pt-BR" sz="2800" dirty="0" smtClean="0"/>
+          </a:p>
+          <a:p>
+            <a:endParaRPr lang="nl-BE" dirty="0"/>
           </a:p>
         </p:txBody>
       </p:sp>
@@ -1404,7 +1446,7 @@
     </p:spTree>
     <p:extLst>
       <p:ext uri="{BB962C8B-B14F-4D97-AF65-F5344CB8AC3E}">
-        <p14:creationId xmlns:p14="http://schemas.microsoft.com/office/powerpoint/2010/main" val="766985391"/>
+        <p14:creationId xmlns:p14="http://schemas.microsoft.com/office/powerpoint/2010/main" val="969416774"/>
       </p:ext>
     </p:extLst>
   </p:cSld>
@@ -1570,7 +1612,7 @@
             </a:r>
             <a:r>
               <a:rPr lang="pt-BR" sz="1200" b="0" baseline="0" dirty="0" smtClean="0"/>
-              <a:t>: Em reconhecimento de faces, os atributos possuem grandes dimensões (ou seja, são vetores grandes ) o que dificulta o treinamento de algoritmos de ML, portanto, diminuindo-se a dimensão das features pode-se diminuir o tempo de treinamento sem afetar grandemente a performance do algoritmo utilizado.</a:t>
+              <a:t>: Em reconhecimento de faces, os atributos possuem grandes dimensões (ou seja, são vetores grandes ) o que dificulta o treinamento de algoritmos de ML, portanto, diminuindo-se a dimensão das features pode-se diminuir o tempo de treinamento sem afetar muito a performance do algoritmo utilizado.</a:t>
             </a:r>
           </a:p>
           <a:p>
@@ -1621,7 +1663,15 @@
             </a:r>
             <a:r>
               <a:rPr lang="pt-BR" sz="1200" baseline="0" dirty="0" smtClean="0"/>
-              <a:t>: detecta se uma nova observação (i.e., atributos ou exemplos) pertence à mesma distribuição que as observações existentes/anteriores. Identificação de features que levantam suspeitas por serem significativamente diferentes da maioria dos dados. </a:t>
+              <a:t>: detecta se uma nova observação (i.e., atributos ou exemplos) pertence à mesma distribuição que as observações </a:t>
+            </a:r>
+            <a:r>
+              <a:rPr lang="pt-BR" sz="1200" baseline="0" dirty="0" smtClean="0"/>
+              <a:t>anteriores</a:t>
+            </a:r>
+            <a:r>
+              <a:rPr lang="pt-BR" sz="1200" baseline="0" dirty="0" smtClean="0"/>
+              <a:t>. Identificação de features que levantam suspeitas por serem significativamente diferentes da maioria dos dados. </a:t>
             </a:r>
           </a:p>
           <a:p>
@@ -1675,13 +1725,13 @@
               <a:rPr lang="pt-BR" sz="1200" dirty="0">
                 <a:cs typeface="Calibri"/>
               </a:rPr>
-              <a:t>encontrando regras que descrevam grandes porções dos </a:t>
+              <a:t>encontrando regras que descrevam </a:t>
             </a:r>
             <a:r>
               <a:rPr lang="pt-BR" sz="1200" dirty="0" smtClean="0">
                 <a:cs typeface="Calibri"/>
               </a:rPr>
-              <a:t>dados.</a:t>
+              <a:t>os dados de entrada.</a:t>
             </a:r>
           </a:p>
           <a:p>
@@ -1749,7 +1799,7 @@
     </p:spTree>
     <p:extLst>
       <p:ext uri="{BB962C8B-B14F-4D97-AF65-F5344CB8AC3E}">
-        <p14:creationId xmlns:p14="http://schemas.microsoft.com/office/powerpoint/2010/main" val="3899716061"/>
+        <p14:creationId xmlns:p14="http://schemas.microsoft.com/office/powerpoint/2010/main" val="3544729411"/>
       </p:ext>
     </p:extLst>
   </p:cSld>
@@ -1996,7 +2046,7 @@
             </a:r>
             <a:r>
               <a:rPr lang="pt-BR" sz="1200" b="0" i="0" baseline="0" dirty="0" smtClean="0"/>
-              <a:t> tem como objetivo aprender/construir um modelo do ambiente em que está inserido.</a:t>
+              <a:t> tem como objetivo aprender/construir um modelo do ambiente em que está inserido através de interações do tipo “tentativa e erro”, ou seja, ele observa o ambiente, escolhe uma ação e aguarda o resultado da ação (reforço positivo ou negativo).</a:t>
             </a:r>
           </a:p>
           <a:p>
@@ -2446,7 +2496,7 @@
     </p:spTree>
     <p:extLst>
       <p:ext uri="{BB962C8B-B14F-4D97-AF65-F5344CB8AC3E}">
-        <p14:creationId xmlns:p14="http://schemas.microsoft.com/office/powerpoint/2010/main" val="1289586974"/>
+        <p14:creationId xmlns:p14="http://schemas.microsoft.com/office/powerpoint/2010/main" val="2411832669"/>
       </p:ext>
     </p:extLst>
   </p:cSld>
@@ -2475,7 +2525,7 @@
       </p:grpSpPr>
       <p:sp>
         <p:nvSpPr>
-          <p:cNvPr id="2" name="Slide Image Placeholder 1"/>
+          <p:cNvPr id="2" name="Espaço Reservado para Imagem de Slide 1"/>
           <p:cNvSpPr>
             <a:spLocks noGrp="1" noRot="1" noChangeAspect="1"/>
           </p:cNvSpPr>
@@ -2487,7 +2537,7 @@
       </p:sp>
       <p:sp>
         <p:nvSpPr>
-          <p:cNvPr id="3" name="Notes Placeholder 2"/>
+          <p:cNvPr id="3" name="Espaço Reservado para Anotações 2"/>
           <p:cNvSpPr>
             <a:spLocks noGrp="1"/>
           </p:cNvSpPr>
@@ -2518,7 +2568,7 @@
               <a:defRPr/>
             </a:pPr>
             <a:r>
-              <a:rPr lang="pt-BR" b="1" i="1" dirty="0" smtClean="0"/>
+              <a:rPr lang="pt-BR" b="1" i="1" dirty="0" err="1" smtClean="0"/>
               <a:t>Metaheurísticas</a:t>
             </a:r>
             <a:r>
@@ -2557,7 +2607,19 @@
                 <a:ea typeface="+mn-ea"/>
                 <a:cs typeface="+mn-cs"/>
               </a:rPr>
-              <a:t>NP-completos: Nondeterministic</a:t>
+              <a:t>NP-completos: </a:t>
+            </a:r>
+            <a:r>
+              <a:rPr lang="pt-BR" sz="1200" b="0" i="0" kern="1200" dirty="0" err="1" smtClean="0">
+                <a:solidFill>
+                  <a:schemeClr val="tx1"/>
+                </a:solidFill>
+                <a:effectLst/>
+                <a:latin typeface="+mn-lt"/>
+                <a:ea typeface="+mn-ea"/>
+                <a:cs typeface="+mn-cs"/>
+              </a:rPr>
+              <a:t>Nondeterministic</a:t>
             </a:r>
             <a:r>
               <a:rPr lang="pt-BR" sz="1200" b="0" i="0" kern="1200" baseline="0" dirty="0" smtClean="0">
@@ -2569,7 +2631,43 @@
                 <a:ea typeface="+mn-ea"/>
                 <a:cs typeface="+mn-cs"/>
               </a:rPr>
-              <a:t> Polynomial Problems</a:t>
+              <a:t> </a:t>
+            </a:r>
+            <a:r>
+              <a:rPr lang="pt-BR" sz="1200" b="0" i="0" kern="1200" baseline="0" dirty="0" err="1" smtClean="0">
+                <a:solidFill>
+                  <a:schemeClr val="tx1"/>
+                </a:solidFill>
+                <a:effectLst/>
+                <a:latin typeface="+mn-lt"/>
+                <a:ea typeface="+mn-ea"/>
+                <a:cs typeface="+mn-cs"/>
+              </a:rPr>
+              <a:t>Polynomial</a:t>
+            </a:r>
+            <a:r>
+              <a:rPr lang="pt-BR" sz="1200" b="0" i="0" kern="1200" baseline="0" dirty="0" smtClean="0">
+                <a:solidFill>
+                  <a:schemeClr val="tx1"/>
+                </a:solidFill>
+                <a:effectLst/>
+                <a:latin typeface="+mn-lt"/>
+                <a:ea typeface="+mn-ea"/>
+                <a:cs typeface="+mn-cs"/>
+              </a:rPr>
+              <a:t> </a:t>
+            </a:r>
+            <a:r>
+              <a:rPr lang="pt-BR" sz="1200" b="0" i="0" kern="1200" baseline="0" dirty="0" err="1" smtClean="0">
+                <a:solidFill>
+                  <a:schemeClr val="tx1"/>
+                </a:solidFill>
+                <a:effectLst/>
+                <a:latin typeface="+mn-lt"/>
+                <a:ea typeface="+mn-ea"/>
+                <a:cs typeface="+mn-cs"/>
+              </a:rPr>
+              <a:t>Problems</a:t>
             </a:r>
             <a:endParaRPr lang="pt-BR" sz="1200" b="0" i="0" kern="1200" dirty="0" smtClean="0">
               <a:solidFill>
@@ -2615,7 +2713,31 @@
                 <a:ea typeface="+mn-ea"/>
                 <a:cs typeface="+mn-cs"/>
               </a:rPr>
-              <a:t>objetivo de encontrar soluções rápidas, muitas vezes sub-ótimas, para um problema</a:t>
+              <a:t>objetivo de encontrar soluções rápidas, muitas vezes </a:t>
+            </a:r>
+            <a:r>
+              <a:rPr lang="pt-BR" sz="1200" b="1" i="0" kern="1200" dirty="0" err="1" smtClean="0">
+                <a:solidFill>
+                  <a:schemeClr val="tx1"/>
+                </a:solidFill>
+                <a:effectLst/>
+                <a:latin typeface="+mn-lt"/>
+                <a:ea typeface="+mn-ea"/>
+                <a:cs typeface="+mn-cs"/>
+              </a:rPr>
+              <a:t>sub-ótimas</a:t>
+            </a:r>
+            <a:r>
+              <a:rPr lang="pt-BR" sz="1200" b="1" i="0" kern="1200" dirty="0" smtClean="0">
+                <a:solidFill>
+                  <a:schemeClr val="tx1"/>
+                </a:solidFill>
+                <a:effectLst/>
+                <a:latin typeface="+mn-lt"/>
+                <a:ea typeface="+mn-ea"/>
+                <a:cs typeface="+mn-cs"/>
+              </a:rPr>
+              <a:t>, para um problema</a:t>
             </a:r>
             <a:r>
               <a:rPr lang="pt-BR" sz="1200" b="0" i="0" kern="1200" dirty="0" smtClean="0">
@@ -2681,7 +2803,7 @@
               <a:t>Uma </a:t>
             </a:r>
             <a:r>
-              <a:rPr lang="pt-BR" sz="1200" b="1" i="1" dirty="0" smtClean="0"/>
+              <a:rPr lang="pt-BR" sz="1200" b="1" i="1" dirty="0" err="1" smtClean="0"/>
               <a:t>metaheurística</a:t>
             </a:r>
             <a:r>
@@ -2772,7 +2894,15 @@
             </a:pPr>
             <a:r>
               <a:rPr lang="pt-BR" dirty="0" smtClean="0"/>
-              <a:t>As metaheurísticas são estratégias que orientam o processo de busca com o objetivo de explorar eficientemente o espaço à procura de soluções quase ótimas. </a:t>
+              <a:t>As </a:t>
+            </a:r>
+            <a:r>
+              <a:rPr lang="pt-BR" dirty="0" err="1" smtClean="0"/>
+              <a:t>metaheurísticas</a:t>
+            </a:r>
+            <a:r>
+              <a:rPr lang="pt-BR" dirty="0" smtClean="0"/>
+              <a:t> são estratégias que orientam o processo de busca com o objetivo de explorar eficientemente o espaço à procura de soluções quase ótimas. </a:t>
             </a:r>
           </a:p>
           <a:p>
@@ -2815,7 +2945,15 @@
             </a:pPr>
             <a:r>
               <a:rPr lang="pt-BR" dirty="0" smtClean="0"/>
-              <a:t>O objetivo das metaheurísticas é explorar eficientemente o espaço de busca para encontrar soluções ótimas ou próximas das ótimas. </a:t>
+              <a:t>O objetivo das </a:t>
+            </a:r>
+            <a:r>
+              <a:rPr lang="pt-BR" dirty="0" err="1" smtClean="0"/>
+              <a:t>metaheurísticas</a:t>
+            </a:r>
+            <a:r>
+              <a:rPr lang="pt-BR" dirty="0" smtClean="0"/>
+              <a:t> é explorar eficientemente o espaço de busca para encontrar soluções ótimas ou próximas das ótimas. </a:t>
             </a:r>
           </a:p>
           <a:p>
@@ -2900,7 +3038,7 @@
               <a:defRPr/>
             </a:pPr>
             <a:r>
-              <a:rPr lang="pt-BR" sz="1200" b="1" i="1" dirty="0" smtClean="0"/>
+              <a:rPr lang="pt-BR" sz="1200" b="1" i="1" dirty="0" err="1" smtClean="0"/>
               <a:t>Metaheurísticas</a:t>
             </a:r>
             <a:r>
@@ -2914,13 +3052,16 @@
             <a:endParaRPr lang="pt-BR" sz="1200" dirty="0" smtClean="0"/>
           </a:p>
           <a:p>
-            <a:endParaRPr lang="pt-BR" sz="1200" dirty="0"/>
+            <a:endParaRPr lang="pt-BR" sz="1200" dirty="0" smtClean="0"/>
+          </a:p>
+          <a:p>
+            <a:endParaRPr lang="en-US" dirty="0"/>
           </a:p>
         </p:txBody>
       </p:sp>
       <p:sp>
         <p:nvSpPr>
-          <p:cNvPr id="4" name="Slide Number Placeholder 3"/>
+          <p:cNvPr id="4" name="Espaço Reservado para Número de Slide 3"/>
           <p:cNvSpPr>
             <a:spLocks noGrp="1"/>
           </p:cNvSpPr>
@@ -2944,7 +3085,7 @@
     </p:spTree>
     <p:extLst>
       <p:ext uri="{BB962C8B-B14F-4D97-AF65-F5344CB8AC3E}">
-        <p14:creationId xmlns:p14="http://schemas.microsoft.com/office/powerpoint/2010/main" val="953715885"/>
+        <p14:creationId xmlns:p14="http://schemas.microsoft.com/office/powerpoint/2010/main" val="2230142512"/>
       </p:ext>
     </p:extLst>
   </p:cSld>
@@ -3112,7 +3253,7 @@
     </p:spTree>
     <p:extLst>
       <p:ext uri="{BB962C8B-B14F-4D97-AF65-F5344CB8AC3E}">
-        <p14:creationId xmlns:p14="http://schemas.microsoft.com/office/powerpoint/2010/main" val="4227994176"/>
+        <p14:creationId xmlns:p14="http://schemas.microsoft.com/office/powerpoint/2010/main" val="359081279"/>
       </p:ext>
     </p:extLst>
   </p:cSld>
@@ -4003,7 +4144,15 @@
             </a:pPr>
             <a:r>
               <a:rPr lang="en-US" sz="1200" i="1" dirty="0" smtClean="0"/>
-              <a:t>AI is a broader concept to create intelligent machines that can simulate human thinking capability and behavior, whereas, machine learning is an application or subset of AI that allows machines to learn from data without being programmed explicitly.</a:t>
+              <a:t>AI is a broader concept to create intelligent machines that can </a:t>
+            </a:r>
+            <a:r>
+              <a:rPr lang="en-US" sz="1200" b="1" i="1" dirty="0" smtClean="0"/>
+              <a:t>simulate</a:t>
+            </a:r>
+            <a:r>
+              <a:rPr lang="en-US" sz="1200" i="1" dirty="0" smtClean="0"/>
+              <a:t> human thinking capability and behavior, whereas, machine learning is an application or subset of AI that allows machines to learn from data without being programmed explicitly.</a:t>
             </a:r>
             <a:endParaRPr lang="pt-BR" sz="1200" b="1" dirty="0" smtClean="0">
               <a:cs typeface="Calibri"/>
@@ -4057,7 +4206,7 @@
               <a:rPr lang="pt-BR" sz="1200" b="0" baseline="0" dirty="0" smtClean="0">
                 <a:cs typeface="Calibri"/>
               </a:rPr>
-              <a:t>: lida com problemas de como criar e armazenar conhecimento do mundo. É um campo da inteligência artificial que se concentra no design de representações computacionais que capturam informações sobre o mundo.</a:t>
+              <a:t>: lida com problemas de como criar (extrair, absorver) e armazenar conhecimento do mundo. É um campo da inteligência artificial que se concentra no design de representações computacionais que capturam informações sobre o mundo.</a:t>
             </a:r>
           </a:p>
           <a:p>
@@ -4126,7 +4275,19 @@
               <a:rPr lang="pt-BR" sz="1200" b="0" baseline="0" dirty="0" smtClean="0">
                 <a:cs typeface="Calibri"/>
               </a:rPr>
-              <a:t>: desenvolvimento de máquinas inteligentes que obtém informação de imagens. Exemplos: reconhecimento de faces, controle de qualidade em industrias, carros autônomos, etc.</a:t>
+              <a:t>: desenvolvimento de máquinas inteligentes que obtém informação de </a:t>
+            </a:r>
+            <a:r>
+              <a:rPr lang="pt-BR" sz="1200" b="0" baseline="0" dirty="0" smtClean="0">
+                <a:cs typeface="Calibri"/>
+              </a:rPr>
+              <a:t>imagens e vídeos. </a:t>
+            </a:r>
+            <a:r>
+              <a:rPr lang="pt-BR" sz="1200" b="0" baseline="0" dirty="0" smtClean="0">
+                <a:cs typeface="Calibri"/>
+              </a:rPr>
+              <a:t>Exemplos: reconhecimento de faces, controle de qualidade em industrias, carros autônomos, etc.</a:t>
             </a:r>
           </a:p>
           <a:p>
@@ -4144,7 +4305,19 @@
               <a:rPr lang="pt-BR" sz="1200" b="0" baseline="0" dirty="0" smtClean="0">
                 <a:cs typeface="Calibri"/>
               </a:rPr>
-              <a:t>: lida com o design (projeto), construção e operação de robôs que repliquem ações humanas. Exemplos: robôs militares, industriais, médicos, etc.</a:t>
+              <a:t>: lida com o </a:t>
+            </a:r>
+            <a:r>
+              <a:rPr lang="pt-BR" sz="1200" b="0" baseline="0" dirty="0" smtClean="0">
+                <a:cs typeface="Calibri"/>
+              </a:rPr>
+              <a:t>projeto, </a:t>
+            </a:r>
+            <a:r>
+              <a:rPr lang="pt-BR" sz="1200" b="0" baseline="0" dirty="0" smtClean="0">
+                <a:cs typeface="Calibri"/>
+              </a:rPr>
+              <a:t>construção e operação de robôs que repliquem ações humanas. Exemplos: robôs militares, industriais, médicos, etc.</a:t>
             </a:r>
           </a:p>
           <a:p>
@@ -4390,6 +4563,215 @@
           </a:p>
           <a:p>
             <a:endParaRPr lang="pt-BR" sz="1200" dirty="0" smtClean="0"/>
+          </a:p>
+          <a:p>
+            <a:endParaRPr lang="pt-BR" dirty="0" smtClean="0"/>
+          </a:p>
+          <a:p>
+            <a:pPr fontAlgn="base"/>
+            <a:r>
+              <a:rPr lang="pt-BR" sz="1200" b="1" i="0" kern="1200" dirty="0" smtClean="0">
+                <a:solidFill>
+                  <a:schemeClr val="tx1"/>
+                </a:solidFill>
+                <a:effectLst/>
+                <a:latin typeface="+mn-lt"/>
+                <a:ea typeface="+mn-ea"/>
+                <a:cs typeface="+mn-cs"/>
+              </a:rPr>
+              <a:t>Simulação</a:t>
+            </a:r>
+            <a:r>
+              <a:rPr lang="pt-BR" sz="1200" b="0" i="0" kern="1200" dirty="0" smtClean="0">
+                <a:solidFill>
+                  <a:schemeClr val="tx1"/>
+                </a:solidFill>
+                <a:effectLst/>
+                <a:latin typeface="+mn-lt"/>
+                <a:ea typeface="+mn-ea"/>
+                <a:cs typeface="+mn-cs"/>
+              </a:rPr>
+              <a:t> tem a ver com a possibilidade de imitar o comportamento de um sistema sem necessariamente reproduzir seus componentes ou saber como ele funciona internamente.</a:t>
+            </a:r>
+          </a:p>
+          <a:p>
+            <a:pPr fontAlgn="base"/>
+            <a:r>
+              <a:rPr lang="pt-BR" sz="1200" b="1" i="0" kern="1200" dirty="0" smtClean="0">
+                <a:solidFill>
+                  <a:schemeClr val="tx1"/>
+                </a:solidFill>
+                <a:effectLst/>
+                <a:latin typeface="+mn-lt"/>
+                <a:ea typeface="+mn-ea"/>
+                <a:cs typeface="+mn-cs"/>
+              </a:rPr>
+              <a:t>Emulação</a:t>
+            </a:r>
+            <a:r>
+              <a:rPr lang="pt-BR" sz="1200" b="0" i="0" kern="1200" dirty="0" smtClean="0">
+                <a:solidFill>
+                  <a:schemeClr val="tx1"/>
+                </a:solidFill>
+                <a:effectLst/>
+                <a:latin typeface="+mn-lt"/>
+                <a:ea typeface="+mn-ea"/>
+                <a:cs typeface="+mn-cs"/>
+              </a:rPr>
+              <a:t> tem a ver com a possibilidade de reconstruir um sistema a partir do entendimento do funcionamento do mesmo, de forma que o resultado seja bastante semelhante ao original.</a:t>
+            </a:r>
+          </a:p>
+          <a:p>
+            <a:pPr fontAlgn="base"/>
+            <a:r>
+              <a:rPr lang="pt-BR" sz="1200" b="0" i="0" kern="1200" dirty="0" smtClean="0">
+                <a:solidFill>
+                  <a:schemeClr val="tx1"/>
+                </a:solidFill>
+                <a:effectLst/>
+                <a:latin typeface="+mn-lt"/>
+                <a:ea typeface="+mn-ea"/>
+                <a:cs typeface="+mn-cs"/>
+              </a:rPr>
+              <a:t>Um exemplo ilustrativo: No filme "</a:t>
+            </a:r>
+            <a:r>
+              <a:rPr lang="pt-BR" sz="1200" b="0" i="0" u="sng" kern="1200" dirty="0" smtClean="0">
+                <a:solidFill>
+                  <a:schemeClr val="tx1"/>
+                </a:solidFill>
+                <a:effectLst/>
+                <a:latin typeface="+mn-lt"/>
+                <a:ea typeface="+mn-ea"/>
+                <a:cs typeface="+mn-cs"/>
+                <a:hlinkClick r:id="rId3"/>
+              </a:rPr>
+              <a:t>Enigma de Outro Mundo</a:t>
+            </a:r>
+            <a:r>
+              <a:rPr lang="pt-BR" sz="1200" b="0" i="0" kern="1200" dirty="0" smtClean="0">
+                <a:solidFill>
+                  <a:schemeClr val="tx1"/>
+                </a:solidFill>
+                <a:effectLst/>
+                <a:latin typeface="+mn-lt"/>
+                <a:ea typeface="+mn-ea"/>
+                <a:cs typeface="+mn-cs"/>
+              </a:rPr>
+              <a:t>", o alienígena tem um processo de reprodução que a partir do DNA da sua vítima replica uma nova pessoa, imitando quase que completamente seus órgãos, tecidos, etc. Isso seria uma </a:t>
+            </a:r>
+            <a:r>
+              <a:rPr lang="pt-BR" sz="1200" b="1" i="0" kern="1200" dirty="0" smtClean="0">
+                <a:solidFill>
+                  <a:schemeClr val="tx1"/>
+                </a:solidFill>
+                <a:effectLst/>
+                <a:latin typeface="+mn-lt"/>
+                <a:ea typeface="+mn-ea"/>
+                <a:cs typeface="+mn-cs"/>
+              </a:rPr>
+              <a:t>emulação</a:t>
+            </a:r>
+            <a:r>
+              <a:rPr lang="pt-BR" sz="1200" b="0" i="0" kern="1200" dirty="0" smtClean="0">
+                <a:solidFill>
+                  <a:schemeClr val="tx1"/>
+                </a:solidFill>
+                <a:effectLst/>
+                <a:latin typeface="+mn-lt"/>
+                <a:ea typeface="+mn-ea"/>
+                <a:cs typeface="+mn-cs"/>
+              </a:rPr>
+              <a:t>. Já no filme "</a:t>
+            </a:r>
+            <a:r>
+              <a:rPr lang="pt-BR" sz="1200" b="0" i="0" u="sng" kern="1200" dirty="0" smtClean="0">
+                <a:solidFill>
+                  <a:schemeClr val="tx1"/>
+                </a:solidFill>
+                <a:effectLst/>
+                <a:latin typeface="+mn-lt"/>
+                <a:ea typeface="+mn-ea"/>
+                <a:cs typeface="+mn-cs"/>
+                <a:hlinkClick r:id="rId4"/>
+              </a:rPr>
+              <a:t>Homem Bicentenário</a:t>
+            </a:r>
+            <a:r>
+              <a:rPr lang="pt-BR" sz="1200" b="0" i="0" kern="1200" dirty="0" smtClean="0">
+                <a:solidFill>
+                  <a:schemeClr val="tx1"/>
+                </a:solidFill>
+                <a:effectLst/>
+                <a:latin typeface="+mn-lt"/>
+                <a:ea typeface="+mn-ea"/>
+                <a:cs typeface="+mn-cs"/>
+              </a:rPr>
+              <a:t>", um robô tenta imitar a aparência e comportamento dos humanos. Isso seria uma </a:t>
+            </a:r>
+            <a:r>
+              <a:rPr lang="pt-BR" sz="1200" b="1" i="0" kern="1200" dirty="0" smtClean="0">
+                <a:solidFill>
+                  <a:schemeClr val="tx1"/>
+                </a:solidFill>
+                <a:effectLst/>
+                <a:latin typeface="+mn-lt"/>
+                <a:ea typeface="+mn-ea"/>
+                <a:cs typeface="+mn-cs"/>
+              </a:rPr>
+              <a:t>simulação</a:t>
+            </a:r>
+            <a:r>
+              <a:rPr lang="pt-BR" sz="1200" b="0" i="0" kern="1200" dirty="0" smtClean="0">
+                <a:solidFill>
+                  <a:schemeClr val="tx1"/>
+                </a:solidFill>
+                <a:effectLst/>
+                <a:latin typeface="+mn-lt"/>
+                <a:ea typeface="+mn-ea"/>
+                <a:cs typeface="+mn-cs"/>
+              </a:rPr>
+              <a:t>.</a:t>
+            </a:r>
+          </a:p>
+          <a:p>
+            <a:pPr fontAlgn="base"/>
+            <a:r>
+              <a:rPr lang="pt-BR" sz="1200" b="0" i="0" kern="1200" dirty="0" smtClean="0">
+                <a:solidFill>
+                  <a:schemeClr val="tx1"/>
+                </a:solidFill>
+                <a:effectLst/>
+                <a:latin typeface="+mn-lt"/>
+                <a:ea typeface="+mn-ea"/>
+                <a:cs typeface="+mn-cs"/>
+              </a:rPr>
+              <a:t>No seu caso, o programa que reproduz o comportamento do dispositivo </a:t>
+            </a:r>
+            <a:r>
+              <a:rPr lang="pt-BR" sz="1200" b="0" i="0" kern="1200" dirty="0" err="1" smtClean="0">
+                <a:solidFill>
+                  <a:schemeClr val="tx1"/>
+                </a:solidFill>
+                <a:effectLst/>
+                <a:latin typeface="+mn-lt"/>
+                <a:ea typeface="+mn-ea"/>
+                <a:cs typeface="+mn-cs"/>
+              </a:rPr>
+              <a:t>Android</a:t>
+            </a:r>
+            <a:r>
+              <a:rPr lang="pt-BR" sz="1200" b="0" i="0" kern="1200" dirty="0" smtClean="0">
+                <a:solidFill>
+                  <a:schemeClr val="tx1"/>
+                </a:solidFill>
+                <a:effectLst/>
+                <a:latin typeface="+mn-lt"/>
+                <a:ea typeface="+mn-ea"/>
+                <a:cs typeface="+mn-cs"/>
+              </a:rPr>
+              <a:t> é um emulador porque você pode colocar seu código que roda no dispositivo real e ele funcionará da mesma forma. Já, se a aplicação rodando no browser for uma aplicação completamente diferente da que roda no dispositivo, porém o resultado para o usuário é o mesmo, então a aplicação é um simulador.</a:t>
+            </a:r>
           </a:p>
           <a:p>
             <a:endParaRPr lang="pt-BR" dirty="0"/>
@@ -4422,7 +4804,7 @@
     </p:spTree>
     <p:extLst>
       <p:ext uri="{BB962C8B-B14F-4D97-AF65-F5344CB8AC3E}">
-        <p14:creationId xmlns:p14="http://schemas.microsoft.com/office/powerpoint/2010/main" val="3018427087"/>
+        <p14:creationId xmlns:p14="http://schemas.microsoft.com/office/powerpoint/2010/main" val="2510569213"/>
       </p:ext>
     </p:extLst>
   </p:cSld>
@@ -4585,7 +4967,7 @@
     </p:spTree>
     <p:extLst>
       <p:ext uri="{BB962C8B-B14F-4D97-AF65-F5344CB8AC3E}">
-        <p14:creationId xmlns:p14="http://schemas.microsoft.com/office/powerpoint/2010/main" val="1055841839"/>
+        <p14:creationId xmlns:p14="http://schemas.microsoft.com/office/powerpoint/2010/main" val="2519530409"/>
       </p:ext>
     </p:extLst>
   </p:cSld>
@@ -4773,11 +5155,67 @@
             </a:r>
             <a:r>
               <a:rPr lang="pt-BR" sz="1200" b="0" dirty="0" smtClean="0"/>
-              <a:t>(ou amostra).</a:t>
-            </a:r>
+              <a:t>(ou amostra</a:t>
+            </a:r>
+            <a:r>
+              <a:rPr lang="pt-BR" sz="1200" b="0" dirty="0" smtClean="0"/>
+              <a:t>).</a:t>
+            </a:r>
+          </a:p>
+          <a:p>
+            <a:endParaRPr lang="pt-BR" sz="1200" b="0" dirty="0" smtClean="0"/>
+          </a:p>
+          <a:p>
+            <a:r>
+              <a:rPr lang="pt-BR" sz="1200" b="0" dirty="0" smtClean="0"/>
+              <a:t>Induzir conhecimento através da apresentação de experiências prévias.</a:t>
+            </a:r>
+          </a:p>
+          <a:p>
+            <a:endParaRPr lang="pt-BR" sz="1200" b="0" dirty="0" smtClean="0"/>
+          </a:p>
+          <a:p>
+            <a:pPr marL="0" marR="0" lvl="0" indent="0" algn="l" defTabSz="914400" rtl="0" eaLnBrk="1" fontAlgn="auto" latinLnBrk="0" hangingPunct="1">
+              <a:lnSpc>
+                <a:spcPct val="100000"/>
+              </a:lnSpc>
+              <a:spcBef>
+                <a:spcPts val="0"/>
+              </a:spcBef>
+              <a:spcAft>
+                <a:spcPts val="0"/>
+              </a:spcAft>
+              <a:buClrTx/>
+              <a:buSzTx/>
+              <a:buFontTx/>
+              <a:buNone/>
+              <a:tabLst/>
+              <a:defRPr/>
+            </a:pPr>
+            <a:r>
+              <a:rPr lang="pt-BR" b="1" dirty="0" smtClean="0"/>
+              <a:t>Induzir</a:t>
+            </a:r>
+            <a:r>
+              <a:rPr lang="pt-BR" dirty="0" smtClean="0"/>
+              <a:t> conhecimento através de experiências prévias.</a:t>
+            </a:r>
+          </a:p>
+          <a:p>
             <a:endParaRPr lang="en-US" sz="1200" b="0" dirty="0" smtClean="0"/>
           </a:p>
           <a:p>
+            <a:endParaRPr lang="pt-BR" dirty="0" smtClean="0"/>
+          </a:p>
+          <a:p>
+            <a:r>
+              <a:rPr lang="pt-BR" dirty="0" smtClean="0"/>
+              <a:t>Através de experiências prévias, induz-se</a:t>
+            </a:r>
+            <a:r>
+              <a:rPr lang="pt-BR" baseline="0" dirty="0" smtClean="0"/>
+              <a:t> conhecimento nas máquinas</a:t>
+            </a:r>
             <a:endParaRPr lang="en-US" dirty="0"/>
           </a:p>
         </p:txBody>
@@ -4808,7 +5246,7 @@
     </p:spTree>
     <p:extLst>
       <p:ext uri="{BB962C8B-B14F-4D97-AF65-F5344CB8AC3E}">
-        <p14:creationId xmlns:p14="http://schemas.microsoft.com/office/powerpoint/2010/main" val="999938664"/>
+        <p14:creationId xmlns:p14="http://schemas.microsoft.com/office/powerpoint/2010/main" val="3607433501"/>
       </p:ext>
     </p:extLst>
   </p:cSld>
@@ -5112,7 +5550,7 @@
           <p:cNvPr id="2" name="Título 1">
             <a:extLst>
               <a:ext uri="{FF2B5EF4-FFF2-40B4-BE49-F238E27FC236}">
-                <a16:creationId xmlns="" xmlns:a16="http://schemas.microsoft.com/office/drawing/2014/main" id="{1DB9B4FF-B06E-403C-A326-BDC64D8FF94E}"/>
+                <a16:creationId xmlns:a16="http://schemas.microsoft.com/office/drawing/2014/main" xmlns="" id="{1DB9B4FF-B06E-403C-A326-BDC64D8FF94E}"/>
               </a:ext>
             </a:extLst>
           </p:cNvPr>
@@ -5149,7 +5587,7 @@
           <p:cNvPr id="3" name="Subtítulo 2">
             <a:extLst>
               <a:ext uri="{FF2B5EF4-FFF2-40B4-BE49-F238E27FC236}">
-                <a16:creationId xmlns="" xmlns:a16="http://schemas.microsoft.com/office/drawing/2014/main" id="{247BDFCE-746E-45BF-A319-4733D58D1632}"/>
+                <a16:creationId xmlns:a16="http://schemas.microsoft.com/office/drawing/2014/main" xmlns="" id="{247BDFCE-746E-45BF-A319-4733D58D1632}"/>
               </a:ext>
             </a:extLst>
           </p:cNvPr>
@@ -5219,7 +5657,7 @@
           <p:cNvPr id="4" name="Espaço Reservado para Data 3">
             <a:extLst>
               <a:ext uri="{FF2B5EF4-FFF2-40B4-BE49-F238E27FC236}">
-                <a16:creationId xmlns="" xmlns:a16="http://schemas.microsoft.com/office/drawing/2014/main" id="{9EDE2778-5372-4104-B96D-968184DA8288}"/>
+                <a16:creationId xmlns:a16="http://schemas.microsoft.com/office/drawing/2014/main" xmlns="" id="{9EDE2778-5372-4104-B96D-968184DA8288}"/>
               </a:ext>
             </a:extLst>
           </p:cNvPr>
@@ -5237,7 +5675,7 @@
           <a:p>
             <a:fld id="{63289F7E-B80B-496E-81B4-D396C37C9454}" type="datetimeFigureOut">
               <a:rPr lang="pt-BR" smtClean="0"/>
-              <a:t>01/08/2022</a:t>
+              <a:t>05/08/2022</a:t>
             </a:fld>
             <a:endParaRPr lang="pt-BR"/>
           </a:p>
@@ -5248,7 +5686,7 @@
           <p:cNvPr id="5" name="Espaço Reservado para Rodapé 4">
             <a:extLst>
               <a:ext uri="{FF2B5EF4-FFF2-40B4-BE49-F238E27FC236}">
-                <a16:creationId xmlns="" xmlns:a16="http://schemas.microsoft.com/office/drawing/2014/main" id="{C1DD0F41-C861-4051-988D-3024A37A4B93}"/>
+                <a16:creationId xmlns:a16="http://schemas.microsoft.com/office/drawing/2014/main" xmlns="" id="{C1DD0F41-C861-4051-988D-3024A37A4B93}"/>
               </a:ext>
             </a:extLst>
           </p:cNvPr>
@@ -5273,7 +5711,7 @@
           <p:cNvPr id="6" name="Espaço Reservado para Número de Slide 5">
             <a:extLst>
               <a:ext uri="{FF2B5EF4-FFF2-40B4-BE49-F238E27FC236}">
-                <a16:creationId xmlns="" xmlns:a16="http://schemas.microsoft.com/office/drawing/2014/main" id="{07E5967E-D980-431A-A5DB-3F0C5030A81E}"/>
+                <a16:creationId xmlns:a16="http://schemas.microsoft.com/office/drawing/2014/main" xmlns="" id="{07E5967E-D980-431A-A5DB-3F0C5030A81E}"/>
               </a:ext>
             </a:extLst>
           </p:cNvPr>
@@ -5332,7 +5770,7 @@
           <p:cNvPr id="2" name="Título 1">
             <a:extLst>
               <a:ext uri="{FF2B5EF4-FFF2-40B4-BE49-F238E27FC236}">
-                <a16:creationId xmlns="" xmlns:a16="http://schemas.microsoft.com/office/drawing/2014/main" id="{9036C49F-3E68-4175-81BA-3C3FEE44308A}"/>
+                <a16:creationId xmlns:a16="http://schemas.microsoft.com/office/drawing/2014/main" xmlns="" id="{9036C49F-3E68-4175-81BA-3C3FEE44308A}"/>
               </a:ext>
             </a:extLst>
           </p:cNvPr>
@@ -5360,7 +5798,7 @@
           <p:cNvPr id="3" name="Espaço Reservado para Texto Vertical 2">
             <a:extLst>
               <a:ext uri="{FF2B5EF4-FFF2-40B4-BE49-F238E27FC236}">
-                <a16:creationId xmlns="" xmlns:a16="http://schemas.microsoft.com/office/drawing/2014/main" id="{426FA736-3DD3-4D4E-B57B-BBE1D8F7D424}"/>
+                <a16:creationId xmlns:a16="http://schemas.microsoft.com/office/drawing/2014/main" xmlns="" id="{426FA736-3DD3-4D4E-B57B-BBE1D8F7D424}"/>
               </a:ext>
             </a:extLst>
           </p:cNvPr>
@@ -5417,7 +5855,7 @@
           <p:cNvPr id="4" name="Espaço Reservado para Data 3">
             <a:extLst>
               <a:ext uri="{FF2B5EF4-FFF2-40B4-BE49-F238E27FC236}">
-                <a16:creationId xmlns="" xmlns:a16="http://schemas.microsoft.com/office/drawing/2014/main" id="{99E8855C-D8FD-48F6-B14E-861E0DE4D915}"/>
+                <a16:creationId xmlns:a16="http://schemas.microsoft.com/office/drawing/2014/main" xmlns="" id="{99E8855C-D8FD-48F6-B14E-861E0DE4D915}"/>
               </a:ext>
             </a:extLst>
           </p:cNvPr>
@@ -5435,7 +5873,7 @@
           <a:p>
             <a:fld id="{63289F7E-B80B-496E-81B4-D396C37C9454}" type="datetimeFigureOut">
               <a:rPr lang="pt-BR" smtClean="0"/>
-              <a:t>01/08/2022</a:t>
+              <a:t>05/08/2022</a:t>
             </a:fld>
             <a:endParaRPr lang="pt-BR"/>
           </a:p>
@@ -5446,7 +5884,7 @@
           <p:cNvPr id="5" name="Espaço Reservado para Rodapé 4">
             <a:extLst>
               <a:ext uri="{FF2B5EF4-FFF2-40B4-BE49-F238E27FC236}">
-                <a16:creationId xmlns="" xmlns:a16="http://schemas.microsoft.com/office/drawing/2014/main" id="{97C0BB88-2F21-42A5-ACFF-83DA47F2D340}"/>
+                <a16:creationId xmlns:a16="http://schemas.microsoft.com/office/drawing/2014/main" xmlns="" id="{97C0BB88-2F21-42A5-ACFF-83DA47F2D340}"/>
               </a:ext>
             </a:extLst>
           </p:cNvPr>
@@ -5471,7 +5909,7 @@
           <p:cNvPr id="6" name="Espaço Reservado para Número de Slide 5">
             <a:extLst>
               <a:ext uri="{FF2B5EF4-FFF2-40B4-BE49-F238E27FC236}">
-                <a16:creationId xmlns="" xmlns:a16="http://schemas.microsoft.com/office/drawing/2014/main" id="{6CB462B3-1F22-4C05-B4B8-7A279FB7D5E9}"/>
+                <a16:creationId xmlns:a16="http://schemas.microsoft.com/office/drawing/2014/main" xmlns="" id="{6CB462B3-1F22-4C05-B4B8-7A279FB7D5E9}"/>
               </a:ext>
             </a:extLst>
           </p:cNvPr>
@@ -5530,7 +5968,7 @@
           <p:cNvPr id="2" name="Título Vertical 1">
             <a:extLst>
               <a:ext uri="{FF2B5EF4-FFF2-40B4-BE49-F238E27FC236}">
-                <a16:creationId xmlns="" xmlns:a16="http://schemas.microsoft.com/office/drawing/2014/main" id="{EAEAB728-701C-4207-A9D5-23FF45C60502}"/>
+                <a16:creationId xmlns:a16="http://schemas.microsoft.com/office/drawing/2014/main" xmlns="" id="{EAEAB728-701C-4207-A9D5-23FF45C60502}"/>
               </a:ext>
             </a:extLst>
           </p:cNvPr>
@@ -5563,7 +6001,7 @@
           <p:cNvPr id="3" name="Espaço Reservado para Texto Vertical 2">
             <a:extLst>
               <a:ext uri="{FF2B5EF4-FFF2-40B4-BE49-F238E27FC236}">
-                <a16:creationId xmlns="" xmlns:a16="http://schemas.microsoft.com/office/drawing/2014/main" id="{BA8C8CCF-7823-480A-9A19-0F664DD17E3B}"/>
+                <a16:creationId xmlns:a16="http://schemas.microsoft.com/office/drawing/2014/main" xmlns="" id="{BA8C8CCF-7823-480A-9A19-0F664DD17E3B}"/>
               </a:ext>
             </a:extLst>
           </p:cNvPr>
@@ -5625,7 +6063,7 @@
           <p:cNvPr id="4" name="Espaço Reservado para Data 3">
             <a:extLst>
               <a:ext uri="{FF2B5EF4-FFF2-40B4-BE49-F238E27FC236}">
-                <a16:creationId xmlns="" xmlns:a16="http://schemas.microsoft.com/office/drawing/2014/main" id="{721D5734-7B1F-425D-942F-6EB73344027C}"/>
+                <a16:creationId xmlns:a16="http://schemas.microsoft.com/office/drawing/2014/main" xmlns="" id="{721D5734-7B1F-425D-942F-6EB73344027C}"/>
               </a:ext>
             </a:extLst>
           </p:cNvPr>
@@ -5643,7 +6081,7 @@
           <a:p>
             <a:fld id="{63289F7E-B80B-496E-81B4-D396C37C9454}" type="datetimeFigureOut">
               <a:rPr lang="pt-BR" smtClean="0"/>
-              <a:t>01/08/2022</a:t>
+              <a:t>05/08/2022</a:t>
             </a:fld>
             <a:endParaRPr lang="pt-BR"/>
           </a:p>
@@ -5654,7 +6092,7 @@
           <p:cNvPr id="5" name="Espaço Reservado para Rodapé 4">
             <a:extLst>
               <a:ext uri="{FF2B5EF4-FFF2-40B4-BE49-F238E27FC236}">
-                <a16:creationId xmlns="" xmlns:a16="http://schemas.microsoft.com/office/drawing/2014/main" id="{1E1AAEAC-F08D-45FE-89EC-B1B349A868C9}"/>
+                <a16:creationId xmlns:a16="http://schemas.microsoft.com/office/drawing/2014/main" xmlns="" id="{1E1AAEAC-F08D-45FE-89EC-B1B349A868C9}"/>
               </a:ext>
             </a:extLst>
           </p:cNvPr>
@@ -5679,7 +6117,7 @@
           <p:cNvPr id="6" name="Espaço Reservado para Número de Slide 5">
             <a:extLst>
               <a:ext uri="{FF2B5EF4-FFF2-40B4-BE49-F238E27FC236}">
-                <a16:creationId xmlns="" xmlns:a16="http://schemas.microsoft.com/office/drawing/2014/main" id="{BAA44493-9911-47B2-87A6-C2141A972BC8}"/>
+                <a16:creationId xmlns:a16="http://schemas.microsoft.com/office/drawing/2014/main" xmlns="" id="{BAA44493-9911-47B2-87A6-C2141A972BC8}"/>
               </a:ext>
             </a:extLst>
           </p:cNvPr>
@@ -5738,7 +6176,7 @@
           <p:cNvPr id="2" name="Título 1">
             <a:extLst>
               <a:ext uri="{FF2B5EF4-FFF2-40B4-BE49-F238E27FC236}">
-                <a16:creationId xmlns="" xmlns:a16="http://schemas.microsoft.com/office/drawing/2014/main" id="{71BD44A5-8F21-4626-A01D-48A1C874B1D5}"/>
+                <a16:creationId xmlns:a16="http://schemas.microsoft.com/office/drawing/2014/main" xmlns="" id="{71BD44A5-8F21-4626-A01D-48A1C874B1D5}"/>
               </a:ext>
             </a:extLst>
           </p:cNvPr>
@@ -5766,7 +6204,7 @@
           <p:cNvPr id="3" name="Espaço Reservado para Conteúdo 2">
             <a:extLst>
               <a:ext uri="{FF2B5EF4-FFF2-40B4-BE49-F238E27FC236}">
-                <a16:creationId xmlns="" xmlns:a16="http://schemas.microsoft.com/office/drawing/2014/main" id="{B79E8085-65A9-48AA-951D-71D978BFF4ED}"/>
+                <a16:creationId xmlns:a16="http://schemas.microsoft.com/office/drawing/2014/main" xmlns="" id="{B79E8085-65A9-48AA-951D-71D978BFF4ED}"/>
               </a:ext>
             </a:extLst>
           </p:cNvPr>
@@ -5823,7 +6261,7 @@
           <p:cNvPr id="4" name="Espaço Reservado para Data 3">
             <a:extLst>
               <a:ext uri="{FF2B5EF4-FFF2-40B4-BE49-F238E27FC236}">
-                <a16:creationId xmlns="" xmlns:a16="http://schemas.microsoft.com/office/drawing/2014/main" id="{F05BE1AF-51EA-425D-B188-DE7BD675009F}"/>
+                <a16:creationId xmlns:a16="http://schemas.microsoft.com/office/drawing/2014/main" xmlns="" id="{F05BE1AF-51EA-425D-B188-DE7BD675009F}"/>
               </a:ext>
             </a:extLst>
           </p:cNvPr>
@@ -5841,7 +6279,7 @@
           <a:p>
             <a:fld id="{63289F7E-B80B-496E-81B4-D396C37C9454}" type="datetimeFigureOut">
               <a:rPr lang="pt-BR" smtClean="0"/>
-              <a:t>01/08/2022</a:t>
+              <a:t>05/08/2022</a:t>
             </a:fld>
             <a:endParaRPr lang="pt-BR"/>
           </a:p>
@@ -5852,7 +6290,7 @@
           <p:cNvPr id="5" name="Espaço Reservado para Rodapé 4">
             <a:extLst>
               <a:ext uri="{FF2B5EF4-FFF2-40B4-BE49-F238E27FC236}">
-                <a16:creationId xmlns="" xmlns:a16="http://schemas.microsoft.com/office/drawing/2014/main" id="{121BE632-29CF-4CB9-B365-C9EF38F89BE6}"/>
+                <a16:creationId xmlns:a16="http://schemas.microsoft.com/office/drawing/2014/main" xmlns="" id="{121BE632-29CF-4CB9-B365-C9EF38F89BE6}"/>
               </a:ext>
             </a:extLst>
           </p:cNvPr>
@@ -5877,7 +6315,7 @@
           <p:cNvPr id="6" name="Espaço Reservado para Número de Slide 5">
             <a:extLst>
               <a:ext uri="{FF2B5EF4-FFF2-40B4-BE49-F238E27FC236}">
-                <a16:creationId xmlns="" xmlns:a16="http://schemas.microsoft.com/office/drawing/2014/main" id="{60CF3DD1-9AEC-4A57-B461-4E4DD86FAC18}"/>
+                <a16:creationId xmlns:a16="http://schemas.microsoft.com/office/drawing/2014/main" xmlns="" id="{60CF3DD1-9AEC-4A57-B461-4E4DD86FAC18}"/>
               </a:ext>
             </a:extLst>
           </p:cNvPr>
@@ -5936,7 +6374,7 @@
           <p:cNvPr id="2" name="Título 1">
             <a:extLst>
               <a:ext uri="{FF2B5EF4-FFF2-40B4-BE49-F238E27FC236}">
-                <a16:creationId xmlns="" xmlns:a16="http://schemas.microsoft.com/office/drawing/2014/main" id="{34AB2FF0-A4D7-4E28-991D-FF26140D5988}"/>
+                <a16:creationId xmlns:a16="http://schemas.microsoft.com/office/drawing/2014/main" xmlns="" id="{34AB2FF0-A4D7-4E28-991D-FF26140D5988}"/>
               </a:ext>
             </a:extLst>
           </p:cNvPr>
@@ -5973,7 +6411,7 @@
           <p:cNvPr id="3" name="Espaço Reservado para Texto 2">
             <a:extLst>
               <a:ext uri="{FF2B5EF4-FFF2-40B4-BE49-F238E27FC236}">
-                <a16:creationId xmlns="" xmlns:a16="http://schemas.microsoft.com/office/drawing/2014/main" id="{E2AC45B0-4145-40DB-8E61-105461170604}"/>
+                <a16:creationId xmlns:a16="http://schemas.microsoft.com/office/drawing/2014/main" xmlns="" id="{E2AC45B0-4145-40DB-8E61-105461170604}"/>
               </a:ext>
             </a:extLst>
           </p:cNvPr>
@@ -6098,7 +6536,7 @@
           <p:cNvPr id="4" name="Espaço Reservado para Data 3">
             <a:extLst>
               <a:ext uri="{FF2B5EF4-FFF2-40B4-BE49-F238E27FC236}">
-                <a16:creationId xmlns="" xmlns:a16="http://schemas.microsoft.com/office/drawing/2014/main" id="{50F1D3FB-740A-4EBA-A309-2CE71D12ECFB}"/>
+                <a16:creationId xmlns:a16="http://schemas.microsoft.com/office/drawing/2014/main" xmlns="" id="{50F1D3FB-740A-4EBA-A309-2CE71D12ECFB}"/>
               </a:ext>
             </a:extLst>
           </p:cNvPr>
@@ -6116,7 +6554,7 @@
           <a:p>
             <a:fld id="{63289F7E-B80B-496E-81B4-D396C37C9454}" type="datetimeFigureOut">
               <a:rPr lang="pt-BR" smtClean="0"/>
-              <a:t>01/08/2022</a:t>
+              <a:t>05/08/2022</a:t>
             </a:fld>
             <a:endParaRPr lang="pt-BR"/>
           </a:p>
@@ -6127,7 +6565,7 @@
           <p:cNvPr id="5" name="Espaço Reservado para Rodapé 4">
             <a:extLst>
               <a:ext uri="{FF2B5EF4-FFF2-40B4-BE49-F238E27FC236}">
-                <a16:creationId xmlns="" xmlns:a16="http://schemas.microsoft.com/office/drawing/2014/main" id="{BDCAB18F-8715-4465-A940-F9C193A2ACE9}"/>
+                <a16:creationId xmlns:a16="http://schemas.microsoft.com/office/drawing/2014/main" xmlns="" id="{BDCAB18F-8715-4465-A940-F9C193A2ACE9}"/>
               </a:ext>
             </a:extLst>
           </p:cNvPr>
@@ -6152,7 +6590,7 @@
           <p:cNvPr id="6" name="Espaço Reservado para Número de Slide 5">
             <a:extLst>
               <a:ext uri="{FF2B5EF4-FFF2-40B4-BE49-F238E27FC236}">
-                <a16:creationId xmlns="" xmlns:a16="http://schemas.microsoft.com/office/drawing/2014/main" id="{353466C6-8248-429F-8056-FF040BF509EB}"/>
+                <a16:creationId xmlns:a16="http://schemas.microsoft.com/office/drawing/2014/main" xmlns="" id="{353466C6-8248-429F-8056-FF040BF509EB}"/>
               </a:ext>
             </a:extLst>
           </p:cNvPr>
@@ -6211,7 +6649,7 @@
           <p:cNvPr id="2" name="Título 1">
             <a:extLst>
               <a:ext uri="{FF2B5EF4-FFF2-40B4-BE49-F238E27FC236}">
-                <a16:creationId xmlns="" xmlns:a16="http://schemas.microsoft.com/office/drawing/2014/main" id="{BC7BB9F0-F14B-4A91-B2B7-35BC47FE4DE7}"/>
+                <a16:creationId xmlns:a16="http://schemas.microsoft.com/office/drawing/2014/main" xmlns="" id="{BC7BB9F0-F14B-4A91-B2B7-35BC47FE4DE7}"/>
               </a:ext>
             </a:extLst>
           </p:cNvPr>
@@ -6239,7 +6677,7 @@
           <p:cNvPr id="3" name="Espaço Reservado para Conteúdo 2">
             <a:extLst>
               <a:ext uri="{FF2B5EF4-FFF2-40B4-BE49-F238E27FC236}">
-                <a16:creationId xmlns="" xmlns:a16="http://schemas.microsoft.com/office/drawing/2014/main" id="{EC1FC1C4-73DA-47A6-8496-B0B457F7D39A}"/>
+                <a16:creationId xmlns:a16="http://schemas.microsoft.com/office/drawing/2014/main" xmlns="" id="{EC1FC1C4-73DA-47A6-8496-B0B457F7D39A}"/>
               </a:ext>
             </a:extLst>
           </p:cNvPr>
@@ -6301,7 +6739,7 @@
           <p:cNvPr id="4" name="Espaço Reservado para Conteúdo 3">
             <a:extLst>
               <a:ext uri="{FF2B5EF4-FFF2-40B4-BE49-F238E27FC236}">
-                <a16:creationId xmlns="" xmlns:a16="http://schemas.microsoft.com/office/drawing/2014/main" id="{E92F06A8-A449-4D92-9912-76873E529B38}"/>
+                <a16:creationId xmlns:a16="http://schemas.microsoft.com/office/drawing/2014/main" xmlns="" id="{E92F06A8-A449-4D92-9912-76873E529B38}"/>
               </a:ext>
             </a:extLst>
           </p:cNvPr>
@@ -6363,7 +6801,7 @@
           <p:cNvPr id="5" name="Espaço Reservado para Data 4">
             <a:extLst>
               <a:ext uri="{FF2B5EF4-FFF2-40B4-BE49-F238E27FC236}">
-                <a16:creationId xmlns="" xmlns:a16="http://schemas.microsoft.com/office/drawing/2014/main" id="{938070A4-BC2F-4D55-BD8D-DEAF11BB9EE9}"/>
+                <a16:creationId xmlns:a16="http://schemas.microsoft.com/office/drawing/2014/main" xmlns="" id="{938070A4-BC2F-4D55-BD8D-DEAF11BB9EE9}"/>
               </a:ext>
             </a:extLst>
           </p:cNvPr>
@@ -6381,7 +6819,7 @@
           <a:p>
             <a:fld id="{63289F7E-B80B-496E-81B4-D396C37C9454}" type="datetimeFigureOut">
               <a:rPr lang="pt-BR" smtClean="0"/>
-              <a:t>01/08/2022</a:t>
+              <a:t>05/08/2022</a:t>
             </a:fld>
             <a:endParaRPr lang="pt-BR"/>
           </a:p>
@@ -6392,7 +6830,7 @@
           <p:cNvPr id="6" name="Espaço Reservado para Rodapé 5">
             <a:extLst>
               <a:ext uri="{FF2B5EF4-FFF2-40B4-BE49-F238E27FC236}">
-                <a16:creationId xmlns="" xmlns:a16="http://schemas.microsoft.com/office/drawing/2014/main" id="{45CC2DB8-844A-465F-BA9A-7734C80C7F43}"/>
+                <a16:creationId xmlns:a16="http://schemas.microsoft.com/office/drawing/2014/main" xmlns="" id="{45CC2DB8-844A-465F-BA9A-7734C80C7F43}"/>
               </a:ext>
             </a:extLst>
           </p:cNvPr>
@@ -6417,7 +6855,7 @@
           <p:cNvPr id="7" name="Espaço Reservado para Número de Slide 6">
             <a:extLst>
               <a:ext uri="{FF2B5EF4-FFF2-40B4-BE49-F238E27FC236}">
-                <a16:creationId xmlns="" xmlns:a16="http://schemas.microsoft.com/office/drawing/2014/main" id="{4CC606A8-097B-4040-94E0-CD8C88280D8F}"/>
+                <a16:creationId xmlns:a16="http://schemas.microsoft.com/office/drawing/2014/main" xmlns="" id="{4CC606A8-097B-4040-94E0-CD8C88280D8F}"/>
               </a:ext>
             </a:extLst>
           </p:cNvPr>
@@ -6476,7 +6914,7 @@
           <p:cNvPr id="2" name="Título 1">
             <a:extLst>
               <a:ext uri="{FF2B5EF4-FFF2-40B4-BE49-F238E27FC236}">
-                <a16:creationId xmlns="" xmlns:a16="http://schemas.microsoft.com/office/drawing/2014/main" id="{76D66686-0143-4CB6-8C09-BA326F1E7ACA}"/>
+                <a16:creationId xmlns:a16="http://schemas.microsoft.com/office/drawing/2014/main" xmlns="" id="{76D66686-0143-4CB6-8C09-BA326F1E7ACA}"/>
               </a:ext>
             </a:extLst>
           </p:cNvPr>
@@ -6509,7 +6947,7 @@
           <p:cNvPr id="3" name="Espaço Reservado para Texto 2">
             <a:extLst>
               <a:ext uri="{FF2B5EF4-FFF2-40B4-BE49-F238E27FC236}">
-                <a16:creationId xmlns="" xmlns:a16="http://schemas.microsoft.com/office/drawing/2014/main" id="{0227AB85-F59E-4BCE-B846-4FA0992C2F23}"/>
+                <a16:creationId xmlns:a16="http://schemas.microsoft.com/office/drawing/2014/main" xmlns="" id="{0227AB85-F59E-4BCE-B846-4FA0992C2F23}"/>
               </a:ext>
             </a:extLst>
           </p:cNvPr>
@@ -6580,7 +7018,7 @@
           <p:cNvPr id="4" name="Espaço Reservado para Conteúdo 3">
             <a:extLst>
               <a:ext uri="{FF2B5EF4-FFF2-40B4-BE49-F238E27FC236}">
-                <a16:creationId xmlns="" xmlns:a16="http://schemas.microsoft.com/office/drawing/2014/main" id="{3373456C-7319-4D0A-827D-D29F6B083F5D}"/>
+                <a16:creationId xmlns:a16="http://schemas.microsoft.com/office/drawing/2014/main" xmlns="" id="{3373456C-7319-4D0A-827D-D29F6B083F5D}"/>
               </a:ext>
             </a:extLst>
           </p:cNvPr>
@@ -6642,7 +7080,7 @@
           <p:cNvPr id="5" name="Espaço Reservado para Texto 4">
             <a:extLst>
               <a:ext uri="{FF2B5EF4-FFF2-40B4-BE49-F238E27FC236}">
-                <a16:creationId xmlns="" xmlns:a16="http://schemas.microsoft.com/office/drawing/2014/main" id="{4CD109D0-2E83-4262-8029-A871CEC47406}"/>
+                <a16:creationId xmlns:a16="http://schemas.microsoft.com/office/drawing/2014/main" xmlns="" id="{4CD109D0-2E83-4262-8029-A871CEC47406}"/>
               </a:ext>
             </a:extLst>
           </p:cNvPr>
@@ -6713,7 +7151,7 @@
           <p:cNvPr id="6" name="Espaço Reservado para Conteúdo 5">
             <a:extLst>
               <a:ext uri="{FF2B5EF4-FFF2-40B4-BE49-F238E27FC236}">
-                <a16:creationId xmlns="" xmlns:a16="http://schemas.microsoft.com/office/drawing/2014/main" id="{AD706E3A-CFBB-4A6C-A65F-D0360A9E74FE}"/>
+                <a16:creationId xmlns:a16="http://schemas.microsoft.com/office/drawing/2014/main" xmlns="" id="{AD706E3A-CFBB-4A6C-A65F-D0360A9E74FE}"/>
               </a:ext>
             </a:extLst>
           </p:cNvPr>
@@ -6775,7 +7213,7 @@
           <p:cNvPr id="7" name="Espaço Reservado para Data 6">
             <a:extLst>
               <a:ext uri="{FF2B5EF4-FFF2-40B4-BE49-F238E27FC236}">
-                <a16:creationId xmlns="" xmlns:a16="http://schemas.microsoft.com/office/drawing/2014/main" id="{4172C0E5-5AF0-4805-BB51-443733CD2BD5}"/>
+                <a16:creationId xmlns:a16="http://schemas.microsoft.com/office/drawing/2014/main" xmlns="" id="{4172C0E5-5AF0-4805-BB51-443733CD2BD5}"/>
               </a:ext>
             </a:extLst>
           </p:cNvPr>
@@ -6793,7 +7231,7 @@
           <a:p>
             <a:fld id="{63289F7E-B80B-496E-81B4-D396C37C9454}" type="datetimeFigureOut">
               <a:rPr lang="pt-BR" smtClean="0"/>
-              <a:t>01/08/2022</a:t>
+              <a:t>05/08/2022</a:t>
             </a:fld>
             <a:endParaRPr lang="pt-BR"/>
           </a:p>
@@ -6804,7 +7242,7 @@
           <p:cNvPr id="8" name="Espaço Reservado para Rodapé 7">
             <a:extLst>
               <a:ext uri="{FF2B5EF4-FFF2-40B4-BE49-F238E27FC236}">
-                <a16:creationId xmlns="" xmlns:a16="http://schemas.microsoft.com/office/drawing/2014/main" id="{0E801648-156F-497E-99CF-797DF48051E1}"/>
+                <a16:creationId xmlns:a16="http://schemas.microsoft.com/office/drawing/2014/main" xmlns="" id="{0E801648-156F-497E-99CF-797DF48051E1}"/>
               </a:ext>
             </a:extLst>
           </p:cNvPr>
@@ -6829,7 +7267,7 @@
           <p:cNvPr id="9" name="Espaço Reservado para Número de Slide 8">
             <a:extLst>
               <a:ext uri="{FF2B5EF4-FFF2-40B4-BE49-F238E27FC236}">
-                <a16:creationId xmlns="" xmlns:a16="http://schemas.microsoft.com/office/drawing/2014/main" id="{EEE23D32-80E7-4796-A137-66BF842E4B53}"/>
+                <a16:creationId xmlns:a16="http://schemas.microsoft.com/office/drawing/2014/main" xmlns="" id="{EEE23D32-80E7-4796-A137-66BF842E4B53}"/>
               </a:ext>
             </a:extLst>
           </p:cNvPr>
@@ -6888,7 +7326,7 @@
           <p:cNvPr id="2" name="Título 1">
             <a:extLst>
               <a:ext uri="{FF2B5EF4-FFF2-40B4-BE49-F238E27FC236}">
-                <a16:creationId xmlns="" xmlns:a16="http://schemas.microsoft.com/office/drawing/2014/main" id="{2BCE2379-C78F-47E1-8CFC-B846E7AF148D}"/>
+                <a16:creationId xmlns:a16="http://schemas.microsoft.com/office/drawing/2014/main" xmlns="" id="{2BCE2379-C78F-47E1-8CFC-B846E7AF148D}"/>
               </a:ext>
             </a:extLst>
           </p:cNvPr>
@@ -6916,7 +7354,7 @@
           <p:cNvPr id="3" name="Espaço Reservado para Data 2">
             <a:extLst>
               <a:ext uri="{FF2B5EF4-FFF2-40B4-BE49-F238E27FC236}">
-                <a16:creationId xmlns="" xmlns:a16="http://schemas.microsoft.com/office/drawing/2014/main" id="{342600A9-7F92-4E22-9D94-E4717252A817}"/>
+                <a16:creationId xmlns:a16="http://schemas.microsoft.com/office/drawing/2014/main" xmlns="" id="{342600A9-7F92-4E22-9D94-E4717252A817}"/>
               </a:ext>
             </a:extLst>
           </p:cNvPr>
@@ -6934,7 +7372,7 @@
           <a:p>
             <a:fld id="{63289F7E-B80B-496E-81B4-D396C37C9454}" type="datetimeFigureOut">
               <a:rPr lang="pt-BR" smtClean="0"/>
-              <a:t>01/08/2022</a:t>
+              <a:t>05/08/2022</a:t>
             </a:fld>
             <a:endParaRPr lang="pt-BR"/>
           </a:p>
@@ -6945,7 +7383,7 @@
           <p:cNvPr id="4" name="Espaço Reservado para Rodapé 3">
             <a:extLst>
               <a:ext uri="{FF2B5EF4-FFF2-40B4-BE49-F238E27FC236}">
-                <a16:creationId xmlns="" xmlns:a16="http://schemas.microsoft.com/office/drawing/2014/main" id="{192E6BED-F546-40CC-A2DF-99CBA853654E}"/>
+                <a16:creationId xmlns:a16="http://schemas.microsoft.com/office/drawing/2014/main" xmlns="" id="{192E6BED-F546-40CC-A2DF-99CBA853654E}"/>
               </a:ext>
             </a:extLst>
           </p:cNvPr>
@@ -6970,7 +7408,7 @@
           <p:cNvPr id="5" name="Espaço Reservado para Número de Slide 4">
             <a:extLst>
               <a:ext uri="{FF2B5EF4-FFF2-40B4-BE49-F238E27FC236}">
-                <a16:creationId xmlns="" xmlns:a16="http://schemas.microsoft.com/office/drawing/2014/main" id="{6091CC40-A8C4-4063-80EB-CC5099621678}"/>
+                <a16:creationId xmlns:a16="http://schemas.microsoft.com/office/drawing/2014/main" xmlns="" id="{6091CC40-A8C4-4063-80EB-CC5099621678}"/>
               </a:ext>
             </a:extLst>
           </p:cNvPr>
@@ -7029,7 +7467,7 @@
           <p:cNvPr id="2" name="Espaço Reservado para Data 1">
             <a:extLst>
               <a:ext uri="{FF2B5EF4-FFF2-40B4-BE49-F238E27FC236}">
-                <a16:creationId xmlns="" xmlns:a16="http://schemas.microsoft.com/office/drawing/2014/main" id="{DD19515C-212C-4EAE-84A3-8FF4BC844F1B}"/>
+                <a16:creationId xmlns:a16="http://schemas.microsoft.com/office/drawing/2014/main" xmlns="" id="{DD19515C-212C-4EAE-84A3-8FF4BC844F1B}"/>
               </a:ext>
             </a:extLst>
           </p:cNvPr>
@@ -7047,7 +7485,7 @@
           <a:p>
             <a:fld id="{63289F7E-B80B-496E-81B4-D396C37C9454}" type="datetimeFigureOut">
               <a:rPr lang="pt-BR" smtClean="0"/>
-              <a:t>01/08/2022</a:t>
+              <a:t>05/08/2022</a:t>
             </a:fld>
             <a:endParaRPr lang="pt-BR"/>
           </a:p>
@@ -7058,7 +7496,7 @@
           <p:cNvPr id="3" name="Espaço Reservado para Rodapé 2">
             <a:extLst>
               <a:ext uri="{FF2B5EF4-FFF2-40B4-BE49-F238E27FC236}">
-                <a16:creationId xmlns="" xmlns:a16="http://schemas.microsoft.com/office/drawing/2014/main" id="{94D3D120-B3E8-4C96-861D-7A4F12F49B3A}"/>
+                <a16:creationId xmlns:a16="http://schemas.microsoft.com/office/drawing/2014/main" xmlns="" id="{94D3D120-B3E8-4C96-861D-7A4F12F49B3A}"/>
               </a:ext>
             </a:extLst>
           </p:cNvPr>
@@ -7083,7 +7521,7 @@
           <p:cNvPr id="4" name="Espaço Reservado para Número de Slide 3">
             <a:extLst>
               <a:ext uri="{FF2B5EF4-FFF2-40B4-BE49-F238E27FC236}">
-                <a16:creationId xmlns="" xmlns:a16="http://schemas.microsoft.com/office/drawing/2014/main" id="{42E49B68-FA1B-468B-9F17-D5C09243D454}"/>
+                <a16:creationId xmlns:a16="http://schemas.microsoft.com/office/drawing/2014/main" xmlns="" id="{42E49B68-FA1B-468B-9F17-D5C09243D454}"/>
               </a:ext>
             </a:extLst>
           </p:cNvPr>
@@ -7142,7 +7580,7 @@
           <p:cNvPr id="2" name="Título 1">
             <a:extLst>
               <a:ext uri="{FF2B5EF4-FFF2-40B4-BE49-F238E27FC236}">
-                <a16:creationId xmlns="" xmlns:a16="http://schemas.microsoft.com/office/drawing/2014/main" id="{1C17BCBE-A897-4319-85EC-D87909C24980}"/>
+                <a16:creationId xmlns:a16="http://schemas.microsoft.com/office/drawing/2014/main" xmlns="" id="{1C17BCBE-A897-4319-85EC-D87909C24980}"/>
               </a:ext>
             </a:extLst>
           </p:cNvPr>
@@ -7179,7 +7617,7 @@
           <p:cNvPr id="3" name="Espaço Reservado para Conteúdo 2">
             <a:extLst>
               <a:ext uri="{FF2B5EF4-FFF2-40B4-BE49-F238E27FC236}">
-                <a16:creationId xmlns="" xmlns:a16="http://schemas.microsoft.com/office/drawing/2014/main" id="{4226F885-0204-4913-868B-4B8B82576F17}"/>
+                <a16:creationId xmlns:a16="http://schemas.microsoft.com/office/drawing/2014/main" xmlns="" id="{4226F885-0204-4913-868B-4B8B82576F17}"/>
               </a:ext>
             </a:extLst>
           </p:cNvPr>
@@ -7269,7 +7707,7 @@
           <p:cNvPr id="4" name="Espaço Reservado para Texto 3">
             <a:extLst>
               <a:ext uri="{FF2B5EF4-FFF2-40B4-BE49-F238E27FC236}">
-                <a16:creationId xmlns="" xmlns:a16="http://schemas.microsoft.com/office/drawing/2014/main" id="{00F9F784-A858-441B-8AB5-697098141751}"/>
+                <a16:creationId xmlns:a16="http://schemas.microsoft.com/office/drawing/2014/main" xmlns="" id="{00F9F784-A858-441B-8AB5-697098141751}"/>
               </a:ext>
             </a:extLst>
           </p:cNvPr>
@@ -7340,7 +7778,7 @@
           <p:cNvPr id="5" name="Espaço Reservado para Data 4">
             <a:extLst>
               <a:ext uri="{FF2B5EF4-FFF2-40B4-BE49-F238E27FC236}">
-                <a16:creationId xmlns="" xmlns:a16="http://schemas.microsoft.com/office/drawing/2014/main" id="{A4DC363A-5000-472E-8B17-02E7DCB8840A}"/>
+                <a16:creationId xmlns:a16="http://schemas.microsoft.com/office/drawing/2014/main" xmlns="" id="{A4DC363A-5000-472E-8B17-02E7DCB8840A}"/>
               </a:ext>
             </a:extLst>
           </p:cNvPr>
@@ -7358,7 +7796,7 @@
           <a:p>
             <a:fld id="{63289F7E-B80B-496E-81B4-D396C37C9454}" type="datetimeFigureOut">
               <a:rPr lang="pt-BR" smtClean="0"/>
-              <a:t>01/08/2022</a:t>
+              <a:t>05/08/2022</a:t>
             </a:fld>
             <a:endParaRPr lang="pt-BR"/>
           </a:p>
@@ -7369,7 +7807,7 @@
           <p:cNvPr id="6" name="Espaço Reservado para Rodapé 5">
             <a:extLst>
               <a:ext uri="{FF2B5EF4-FFF2-40B4-BE49-F238E27FC236}">
-                <a16:creationId xmlns="" xmlns:a16="http://schemas.microsoft.com/office/drawing/2014/main" id="{5548425D-2C21-4C56-BAD4-662978775C28}"/>
+                <a16:creationId xmlns:a16="http://schemas.microsoft.com/office/drawing/2014/main" xmlns="" id="{5548425D-2C21-4C56-BAD4-662978775C28}"/>
               </a:ext>
             </a:extLst>
           </p:cNvPr>
@@ -7394,7 +7832,7 @@
           <p:cNvPr id="7" name="Espaço Reservado para Número de Slide 6">
             <a:extLst>
               <a:ext uri="{FF2B5EF4-FFF2-40B4-BE49-F238E27FC236}">
-                <a16:creationId xmlns="" xmlns:a16="http://schemas.microsoft.com/office/drawing/2014/main" id="{C63E9726-E64C-42B2-AE8A-8C235A956B48}"/>
+                <a16:creationId xmlns:a16="http://schemas.microsoft.com/office/drawing/2014/main" xmlns="" id="{C63E9726-E64C-42B2-AE8A-8C235A956B48}"/>
               </a:ext>
             </a:extLst>
           </p:cNvPr>
@@ -7453,7 +7891,7 @@
           <p:cNvPr id="2" name="Título 1">
             <a:extLst>
               <a:ext uri="{FF2B5EF4-FFF2-40B4-BE49-F238E27FC236}">
-                <a16:creationId xmlns="" xmlns:a16="http://schemas.microsoft.com/office/drawing/2014/main" id="{11086A78-3E74-450C-96A6-CA8AC37AF772}"/>
+                <a16:creationId xmlns:a16="http://schemas.microsoft.com/office/drawing/2014/main" xmlns="" id="{11086A78-3E74-450C-96A6-CA8AC37AF772}"/>
               </a:ext>
             </a:extLst>
           </p:cNvPr>
@@ -7490,7 +7928,7 @@
           <p:cNvPr id="3" name="Espaço Reservado para Imagem 2">
             <a:extLst>
               <a:ext uri="{FF2B5EF4-FFF2-40B4-BE49-F238E27FC236}">
-                <a16:creationId xmlns="" xmlns:a16="http://schemas.microsoft.com/office/drawing/2014/main" id="{5F5B7312-975A-4DBC-9B2F-3652ADA006FD}"/>
+                <a16:creationId xmlns:a16="http://schemas.microsoft.com/office/drawing/2014/main" xmlns="" id="{5F5B7312-975A-4DBC-9B2F-3652ADA006FD}"/>
               </a:ext>
             </a:extLst>
           </p:cNvPr>
@@ -7557,7 +7995,7 @@
           <p:cNvPr id="4" name="Espaço Reservado para Texto 3">
             <a:extLst>
               <a:ext uri="{FF2B5EF4-FFF2-40B4-BE49-F238E27FC236}">
-                <a16:creationId xmlns="" xmlns:a16="http://schemas.microsoft.com/office/drawing/2014/main" id="{AAF805F5-1DFF-41C6-944C-7D79FE0D0963}"/>
+                <a16:creationId xmlns:a16="http://schemas.microsoft.com/office/drawing/2014/main" xmlns="" id="{AAF805F5-1DFF-41C6-944C-7D79FE0D0963}"/>
               </a:ext>
             </a:extLst>
           </p:cNvPr>
@@ -7628,7 +8066,7 @@
           <p:cNvPr id="5" name="Espaço Reservado para Data 4">
             <a:extLst>
               <a:ext uri="{FF2B5EF4-FFF2-40B4-BE49-F238E27FC236}">
-                <a16:creationId xmlns="" xmlns:a16="http://schemas.microsoft.com/office/drawing/2014/main" id="{02113D81-8665-4516-BD81-C6A1F254EECD}"/>
+                <a16:creationId xmlns:a16="http://schemas.microsoft.com/office/drawing/2014/main" xmlns="" id="{02113D81-8665-4516-BD81-C6A1F254EECD}"/>
               </a:ext>
             </a:extLst>
           </p:cNvPr>
@@ -7646,7 +8084,7 @@
           <a:p>
             <a:fld id="{63289F7E-B80B-496E-81B4-D396C37C9454}" type="datetimeFigureOut">
               <a:rPr lang="pt-BR" smtClean="0"/>
-              <a:t>01/08/2022</a:t>
+              <a:t>05/08/2022</a:t>
             </a:fld>
             <a:endParaRPr lang="pt-BR"/>
           </a:p>
@@ -7657,7 +8095,7 @@
           <p:cNvPr id="6" name="Espaço Reservado para Rodapé 5">
             <a:extLst>
               <a:ext uri="{FF2B5EF4-FFF2-40B4-BE49-F238E27FC236}">
-                <a16:creationId xmlns="" xmlns:a16="http://schemas.microsoft.com/office/drawing/2014/main" id="{2B00C88B-FF32-40AA-A187-727D96FD7862}"/>
+                <a16:creationId xmlns:a16="http://schemas.microsoft.com/office/drawing/2014/main" xmlns="" id="{2B00C88B-FF32-40AA-A187-727D96FD7862}"/>
               </a:ext>
             </a:extLst>
           </p:cNvPr>
@@ -7682,7 +8120,7 @@
           <p:cNvPr id="7" name="Espaço Reservado para Número de Slide 6">
             <a:extLst>
               <a:ext uri="{FF2B5EF4-FFF2-40B4-BE49-F238E27FC236}">
-                <a16:creationId xmlns="" xmlns:a16="http://schemas.microsoft.com/office/drawing/2014/main" id="{A04D1A2D-69F7-4B8F-A730-BC26DC340BA6}"/>
+                <a16:creationId xmlns:a16="http://schemas.microsoft.com/office/drawing/2014/main" xmlns="" id="{A04D1A2D-69F7-4B8F-A730-BC26DC340BA6}"/>
               </a:ext>
             </a:extLst>
           </p:cNvPr>
@@ -7746,7 +8184,7 @@
           <p:cNvPr id="2" name="Espaço Reservado para Título 1">
             <a:extLst>
               <a:ext uri="{FF2B5EF4-FFF2-40B4-BE49-F238E27FC236}">
-                <a16:creationId xmlns="" xmlns:a16="http://schemas.microsoft.com/office/drawing/2014/main" id="{E69A0273-1966-4A1B-9370-4C1CE5036371}"/>
+                <a16:creationId xmlns:a16="http://schemas.microsoft.com/office/drawing/2014/main" xmlns="" id="{E69A0273-1966-4A1B-9370-4C1CE5036371}"/>
               </a:ext>
             </a:extLst>
           </p:cNvPr>
@@ -7784,7 +8222,7 @@
           <p:cNvPr id="3" name="Espaço Reservado para Texto 2">
             <a:extLst>
               <a:ext uri="{FF2B5EF4-FFF2-40B4-BE49-F238E27FC236}">
-                <a16:creationId xmlns="" xmlns:a16="http://schemas.microsoft.com/office/drawing/2014/main" id="{3B9CF87A-0448-49A7-AB25-EBC1D56A40EF}"/>
+                <a16:creationId xmlns:a16="http://schemas.microsoft.com/office/drawing/2014/main" xmlns="" id="{3B9CF87A-0448-49A7-AB25-EBC1D56A40EF}"/>
               </a:ext>
             </a:extLst>
           </p:cNvPr>
@@ -7851,7 +8289,7 @@
           <p:cNvPr id="4" name="Espaço Reservado para Data 3">
             <a:extLst>
               <a:ext uri="{FF2B5EF4-FFF2-40B4-BE49-F238E27FC236}">
-                <a16:creationId xmlns="" xmlns:a16="http://schemas.microsoft.com/office/drawing/2014/main" id="{2EF7B1F2-BB5A-44D0-816D-16AD2C71430E}"/>
+                <a16:creationId xmlns:a16="http://schemas.microsoft.com/office/drawing/2014/main" xmlns="" id="{2EF7B1F2-BB5A-44D0-816D-16AD2C71430E}"/>
               </a:ext>
             </a:extLst>
           </p:cNvPr>
@@ -7887,7 +8325,7 @@
           <a:p>
             <a:fld id="{63289F7E-B80B-496E-81B4-D396C37C9454}" type="datetimeFigureOut">
               <a:rPr lang="pt-BR" smtClean="0"/>
-              <a:t>01/08/2022</a:t>
+              <a:t>05/08/2022</a:t>
             </a:fld>
             <a:endParaRPr lang="pt-BR"/>
           </a:p>
@@ -7898,7 +8336,7 @@
           <p:cNvPr id="5" name="Espaço Reservado para Rodapé 4">
             <a:extLst>
               <a:ext uri="{FF2B5EF4-FFF2-40B4-BE49-F238E27FC236}">
-                <a16:creationId xmlns="" xmlns:a16="http://schemas.microsoft.com/office/drawing/2014/main" id="{C703F94C-2CC8-4DAA-BC35-14FC3E841DCD}"/>
+                <a16:creationId xmlns:a16="http://schemas.microsoft.com/office/drawing/2014/main" xmlns="" id="{C703F94C-2CC8-4DAA-BC35-14FC3E841DCD}"/>
               </a:ext>
             </a:extLst>
           </p:cNvPr>
@@ -7941,7 +8379,7 @@
           <p:cNvPr id="6" name="Espaço Reservado para Número de Slide 5">
             <a:extLst>
               <a:ext uri="{FF2B5EF4-FFF2-40B4-BE49-F238E27FC236}">
-                <a16:creationId xmlns="" xmlns:a16="http://schemas.microsoft.com/office/drawing/2014/main" id="{64051336-7048-457A-8B61-D94291D71648}"/>
+                <a16:creationId xmlns:a16="http://schemas.microsoft.com/office/drawing/2014/main" xmlns="" id="{64051336-7048-457A-8B61-D94291D71648}"/>
               </a:ext>
             </a:extLst>
           </p:cNvPr>
@@ -8309,7 +8747,7 @@
           <p:cNvPr id="2" name="Título 1">
             <a:extLst>
               <a:ext uri="{FF2B5EF4-FFF2-40B4-BE49-F238E27FC236}">
-                <a16:creationId xmlns="" xmlns:a16="http://schemas.microsoft.com/office/drawing/2014/main" id="{32666AC8-2E17-4DB4-B0F5-60C640CCFD2E}"/>
+                <a16:creationId xmlns:a16="http://schemas.microsoft.com/office/drawing/2014/main" xmlns="" id="{32666AC8-2E17-4DB4-B0F5-60C640CCFD2E}"/>
               </a:ext>
             </a:extLst>
           </p:cNvPr>
@@ -8356,7 +8794,7 @@
           <p:cNvPr id="4" name="CaixaDeTexto 3">
             <a:extLst>
               <a:ext uri="{FF2B5EF4-FFF2-40B4-BE49-F238E27FC236}">
-                <a16:creationId xmlns="" xmlns:a16="http://schemas.microsoft.com/office/drawing/2014/main" id="{430EB894-B7D4-434C-9D1A-A14094D9BEEC}"/>
+                <a16:creationId xmlns:a16="http://schemas.microsoft.com/office/drawing/2014/main" xmlns="" id="{430EB894-B7D4-434C-9D1A-A14094D9BEEC}"/>
               </a:ext>
             </a:extLst>
           </p:cNvPr>
@@ -8397,7 +8835,7 @@
           <p:cNvPr id="1026" name="Picture 2" descr="Logo">
             <a:extLst>
               <a:ext uri="{FF2B5EF4-FFF2-40B4-BE49-F238E27FC236}">
-                <a16:creationId xmlns="" xmlns:a16="http://schemas.microsoft.com/office/drawing/2014/main" id="{3F2642E0-4F6A-4196-8F58-E77D36E9A33F}"/>
+                <a16:creationId xmlns:a16="http://schemas.microsoft.com/office/drawing/2014/main" xmlns="" id="{3F2642E0-4F6A-4196-8F58-E77D36E9A33F}"/>
               </a:ext>
             </a:extLst>
           </p:cNvPr>
@@ -8442,7 +8880,7 @@
           <p:cNvPr id="5122" name="Picture 2" descr="Image result for machine learning">
             <a:extLst>
               <a:ext uri="{FF2B5EF4-FFF2-40B4-BE49-F238E27FC236}">
-                <a16:creationId xmlns="" xmlns:a16="http://schemas.microsoft.com/office/drawing/2014/main" id="{810CE0A2-4102-44A6-A370-175E7896CDCB}"/>
+                <a16:creationId xmlns:a16="http://schemas.microsoft.com/office/drawing/2014/main" xmlns="" id="{810CE0A2-4102-44A6-A370-175E7896CDCB}"/>
               </a:ext>
             </a:extLst>
           </p:cNvPr>
@@ -8548,7 +8986,7 @@
         <p:spPr>
           <a:xfrm>
             <a:off x="838200" y="1825624"/>
-            <a:ext cx="11061700" cy="4676775"/>
+            <a:ext cx="11139152" cy="5032376"/>
           </a:xfrm>
         </p:spPr>
         <p:txBody>
@@ -8593,21 +9031,56 @@
             </a:r>
             <a:r>
               <a:rPr lang="pt-BR" b="1" i="1" dirty="0"/>
-              <a:t>aprender sem serem explicitamente programados</a:t>
-            </a:r>
+              <a:t>aprender sem serem explicitamente </a:t>
+            </a:r>
+            <a:r>
+              <a:rPr lang="pt-BR" b="1" i="1" dirty="0" smtClean="0"/>
+              <a:t>programados</a:t>
+            </a:r>
+            <a:r>
+              <a:rPr lang="pt-BR" b="1" i="1" dirty="0" smtClean="0"/>
+              <a:t>.</a:t>
+            </a:r>
+            <a:r>
+              <a:rPr lang="pt-BR" dirty="0" smtClean="0"/>
+              <a:t>”</a:t>
+            </a:r>
+          </a:p>
+          <a:p>
             <a:r>
               <a:rPr lang="pt-BR" dirty="0"/>
-              <a:t>”.</a:t>
-            </a:r>
-          </a:p>
-          <a:p>
+              <a:t>Através de </a:t>
+            </a:r>
+            <a:r>
+              <a:rPr lang="pt-BR" b="1" i="1" dirty="0"/>
+              <a:t>experiências prévias</a:t>
+            </a:r>
             <a:r>
               <a:rPr lang="pt-BR" dirty="0"/>
-              <a:t>A</a:t>
+              <a:t>, </a:t>
+            </a:r>
+            <a:r>
+              <a:rPr lang="pt-BR" b="1" i="1" dirty="0"/>
+              <a:t>induz-se</a:t>
+            </a:r>
+            <a:r>
+              <a:rPr lang="pt-BR" dirty="0"/>
+              <a:t> conhecimento nas </a:t>
             </a:r>
             <a:r>
               <a:rPr lang="pt-BR" dirty="0" smtClean="0"/>
-              <a:t>lgoritmos de </a:t>
+              <a:t>máquinas.</a:t>
+            </a:r>
+            <a:endParaRPr lang="en-US" dirty="0"/>
+          </a:p>
+          <a:p>
+            <a:r>
+              <a:rPr lang="pt-BR" dirty="0" smtClean="0"/>
+              <a:t>Algoritmos </a:t>
+            </a:r>
+            <a:r>
+              <a:rPr lang="pt-BR" dirty="0" smtClean="0"/>
+              <a:t>de </a:t>
             </a:r>
             <a:r>
               <a:rPr lang="pt-BR" dirty="0"/>
@@ -8662,7 +9135,7 @@
           <p:cNvPr id="4" name="Picture 2" descr="https://www.oulu.fi/sites/default/files/11/machines%20_decide.jpg">
             <a:extLst>
               <a:ext uri="{FF2B5EF4-FFF2-40B4-BE49-F238E27FC236}">
-                <a16:creationId xmlns="" xmlns:a16="http://schemas.microsoft.com/office/drawing/2014/main" id="{6B8DD7A2-43EE-406C-8FF3-BC9A04CF3BD4}"/>
+                <a16:creationId xmlns:a16="http://schemas.microsoft.com/office/drawing/2014/main" xmlns="" id="{6B8DD7A2-43EE-406C-8FF3-BC9A04CF3BD4}"/>
               </a:ext>
             </a:extLst>
           </p:cNvPr>
@@ -8686,8 +9159,8 @@
         </p:blipFill>
         <p:spPr bwMode="auto">
           <a:xfrm>
-            <a:off x="4237575" y="5130800"/>
-            <a:ext cx="2258475" cy="1506535"/>
+            <a:off x="4068919" y="5458522"/>
+            <a:ext cx="2027081" cy="1352182"/>
           </a:xfrm>
           <a:prstGeom prst="rect">
             <a:avLst/>
@@ -8748,7 +9221,7 @@
           <p:cNvPr id="6" name="Picture 8" descr="Image result for applications of artificial intelligence">
             <a:extLst>
               <a:ext uri="{FF2B5EF4-FFF2-40B4-BE49-F238E27FC236}">
-                <a16:creationId xmlns:a16="http://schemas.microsoft.com/office/drawing/2014/main" xmlns="" id="{030E6182-967A-44D7-8BED-F8E414DAE678}"/>
+                <a16:creationId xmlns="" xmlns:a16="http://schemas.microsoft.com/office/drawing/2014/main" id="{030E6182-967A-44D7-8BED-F8E414DAE678}"/>
               </a:ext>
             </a:extLst>
           </p:cNvPr>
@@ -8772,8 +9245,8 @@
         </p:blipFill>
         <p:spPr bwMode="auto">
           <a:xfrm>
-            <a:off x="8831839" y="5072184"/>
-            <a:ext cx="2886695" cy="1623766"/>
+            <a:off x="9414455" y="5458521"/>
+            <a:ext cx="2421229" cy="1361941"/>
           </a:xfrm>
           <a:prstGeom prst="rect">
             <a:avLst/>
@@ -8793,7 +9266,7 @@
     </p:spTree>
     <p:extLst>
       <p:ext uri="{BB962C8B-B14F-4D97-AF65-F5344CB8AC3E}">
-        <p14:creationId xmlns:p14="http://schemas.microsoft.com/office/powerpoint/2010/main" val="695435709"/>
+        <p14:creationId xmlns:p14="http://schemas.microsoft.com/office/powerpoint/2010/main" val="4261443684"/>
       </p:ext>
     </p:extLst>
   </p:cSld>
@@ -9235,11 +9708,6 @@
               </a:rPr>
               <a:t>Computador</a:t>
             </a:r>
-            <a:endParaRPr lang="pt-BR" dirty="0">
-              <a:solidFill>
-                <a:schemeClr val="tx1"/>
-              </a:solidFill>
-            </a:endParaRPr>
           </a:p>
         </p:txBody>
       </p:sp>
@@ -9486,7 +9954,7 @@
         <p:spPr>
           <a:xfrm>
             <a:off x="3712450" y="6383812"/>
-            <a:ext cx="3565784" cy="369332"/>
+            <a:ext cx="5720990" cy="369332"/>
           </a:xfrm>
           <a:prstGeom prst="rect">
             <a:avLst/>
@@ -9500,11 +9968,7 @@
           <a:p>
             <a:r>
               <a:rPr lang="pt-BR" b="1" i="1" dirty="0"/>
-              <a:t>Conjunto de </a:t>
-            </a:r>
-            <a:r>
-              <a:rPr lang="pt-BR" b="1" i="1" dirty="0" smtClean="0"/>
-              <a:t>dados de treinamento.</a:t>
+              <a:t>Conjunto de dados de treinamento = experiências prévias.</a:t>
             </a:r>
             <a:endParaRPr lang="en-US" b="1" i="1" dirty="0"/>
           </a:p>
@@ -9595,6 +10059,62 @@
           </a:fontRef>
         </p:style>
       </p:cxnSp>
+      <p:sp>
+        <p:nvSpPr>
+          <p:cNvPr id="22" name="Texto explicativo retangular 21"/>
+          <p:cNvSpPr/>
+          <p:nvPr/>
+        </p:nvSpPr>
+        <p:spPr>
+          <a:xfrm>
+            <a:off x="7552551" y="4846822"/>
+            <a:ext cx="1169418" cy="422029"/>
+          </a:xfrm>
+          <a:prstGeom prst="wedgeRectCallout">
+            <a:avLst>
+              <a:gd name="adj1" fmla="val -44165"/>
+              <a:gd name="adj2" fmla="val 111702"/>
+            </a:avLst>
+          </a:prstGeom>
+          <a:noFill/>
+        </p:spPr>
+        <p:style>
+          <a:lnRef idx="2">
+            <a:schemeClr val="accent1">
+              <a:shade val="50000"/>
+            </a:schemeClr>
+          </a:lnRef>
+          <a:fillRef idx="1">
+            <a:schemeClr val="accent1"/>
+          </a:fillRef>
+          <a:effectRef idx="0">
+            <a:schemeClr val="accent1"/>
+          </a:effectRef>
+          <a:fontRef idx="minor">
+            <a:schemeClr val="lt1"/>
+          </a:fontRef>
+        </p:style>
+        <p:txBody>
+          <a:bodyPr rtlCol="0" anchor="ctr"/>
+          <a:lstStyle/>
+          <a:p>
+            <a:pPr algn="ctr"/>
+            <a:r>
+              <a:rPr lang="pt-BR" sz="1400" dirty="0" smtClean="0">
+                <a:solidFill>
+                  <a:schemeClr val="tx1"/>
+                </a:solidFill>
+              </a:rPr>
+              <a:t>Resultado do treinamento</a:t>
+            </a:r>
+            <a:endParaRPr lang="en-US" sz="1400" dirty="0">
+              <a:solidFill>
+                <a:schemeClr val="tx1"/>
+              </a:solidFill>
+            </a:endParaRPr>
+          </a:p>
+        </p:txBody>
+      </p:sp>
     </p:spTree>
     <p:extLst>
       <p:ext uri="{BB962C8B-B14F-4D97-AF65-F5344CB8AC3E}">
@@ -10302,7 +10822,15 @@
             </a:r>
             <a:r>
               <a:rPr lang="pt-BR" dirty="0"/>
-              <a:t>: detecção e/ou diagnóstico de doenças (câncer, Alzheimer, pneumonia, COVID-19, etc.).</a:t>
+              <a:t>: detecção </a:t>
+            </a:r>
+            <a:r>
+              <a:rPr lang="pt-BR" dirty="0" smtClean="0"/>
+              <a:t>e </a:t>
+            </a:r>
+            <a:r>
+              <a:rPr lang="pt-BR" dirty="0"/>
+              <a:t>diagnóstico de doenças (câncer, Alzheimer, pneumonia, COVID-19, etc.).</a:t>
             </a:r>
           </a:p>
           <a:p>
@@ -10361,7 +10889,7 @@
           <p:cNvPr id="4" name="Picture 2" descr="Image result for artificial intelligence">
             <a:extLst>
               <a:ext uri="{FF2B5EF4-FFF2-40B4-BE49-F238E27FC236}">
-                <a16:creationId xmlns:a16="http://schemas.microsoft.com/office/drawing/2014/main" xmlns="" id="{0DAEA2E1-C284-43E2-8055-9522C82515CA}"/>
+                <a16:creationId xmlns="" xmlns:a16="http://schemas.microsoft.com/office/drawing/2014/main" id="{0DAEA2E1-C284-43E2-8055-9522C82515CA}"/>
               </a:ext>
             </a:extLst>
           </p:cNvPr>
@@ -10408,7 +10936,7 @@
           <p:cNvPr id="5" name="Picture 8" descr="Image result for applications of artificial intelligence">
             <a:extLst>
               <a:ext uri="{FF2B5EF4-FFF2-40B4-BE49-F238E27FC236}">
-                <a16:creationId xmlns:a16="http://schemas.microsoft.com/office/drawing/2014/main" xmlns="" id="{030E6182-967A-44D7-8BED-F8E414DAE678}"/>
+                <a16:creationId xmlns="" xmlns:a16="http://schemas.microsoft.com/office/drawing/2014/main" id="{030E6182-967A-44D7-8BED-F8E414DAE678}"/>
               </a:ext>
             </a:extLst>
           </p:cNvPr>
@@ -10521,13 +11049,25 @@
         </p:spPr>
         <p:txBody>
           <a:bodyPr>
-            <a:normAutofit fontScale="92500"/>
+            <a:normAutofit fontScale="92500" lnSpcReduction="10000"/>
           </a:bodyPr>
           <a:lstStyle/>
           <a:p>
             <a:r>
               <a:rPr lang="pt-BR" dirty="0"/>
-              <a:t>Possibilidade de analisar e extrair informações úteis de enormes volumes dados (de </a:t>
+              <a:t>Possibilidade de </a:t>
+            </a:r>
+            <a:r>
+              <a:rPr lang="pt-BR" b="1" i="1" dirty="0"/>
+              <a:t>analisar e extrair informações úteis de enormes volumes </a:t>
+            </a:r>
+            <a:r>
+              <a:rPr lang="pt-BR" b="1" i="1" dirty="0" smtClean="0"/>
+              <a:t>de dados </a:t>
+            </a:r>
+            <a:r>
+              <a:rPr lang="pt-BR" dirty="0"/>
+              <a:t>(de </a:t>
             </a:r>
             <a:r>
               <a:rPr lang="pt-BR" dirty="0" err="1"/>
@@ -10553,7 +11093,31 @@
           <a:p>
             <a:r>
               <a:rPr lang="pt-BR" dirty="0" smtClean="0"/>
-              <a:t>A extração de informações úteis a partir de dados vale ouro, pois têm grande potencial para aumentar o lucro das empresas.</a:t>
+              <a:t>A </a:t>
+            </a:r>
+            <a:r>
+              <a:rPr lang="pt-BR" b="1" i="1" dirty="0" smtClean="0"/>
+              <a:t>extração de informações úteis </a:t>
+            </a:r>
+            <a:r>
+              <a:rPr lang="pt-BR" dirty="0" smtClean="0"/>
+              <a:t>a partir de dados </a:t>
+            </a:r>
+            <a:r>
+              <a:rPr lang="pt-BR" b="1" i="1" dirty="0" smtClean="0"/>
+              <a:t>vale ouro</a:t>
+            </a:r>
+            <a:r>
+              <a:rPr lang="pt-BR" dirty="0" smtClean="0"/>
+              <a:t>, pois tem grande potencial para </a:t>
+            </a:r>
+            <a:r>
+              <a:rPr lang="pt-BR" b="1" i="1" dirty="0" smtClean="0"/>
+              <a:t>aumentar o lucro </a:t>
+            </a:r>
+            <a:r>
+              <a:rPr lang="pt-BR" dirty="0" smtClean="0"/>
+              <a:t>das empresas.</a:t>
             </a:r>
           </a:p>
           <a:p>
@@ -10655,7 +11219,7 @@
           <a:p>
             <a:r>
               <a:rPr lang="pt-BR" dirty="0" smtClean="0"/>
-              <a:t>Criação de </a:t>
+              <a:t>Disponibilidade de </a:t>
             </a:r>
             <a:r>
               <a:rPr lang="pt-BR" i="1" dirty="0"/>
@@ -10663,7 +11227,15 @@
             </a:r>
             <a:r>
               <a:rPr lang="pt-BR" dirty="0"/>
-              <a:t> e bibliotecas poderosas que facilitam o desenvolvimento de soluções com ML.</a:t>
+              <a:t> e bibliotecas </a:t>
+            </a:r>
+            <a:r>
+              <a:rPr lang="pt-BR" dirty="0" smtClean="0"/>
+              <a:t>que </a:t>
+            </a:r>
+            <a:r>
+              <a:rPr lang="pt-BR" dirty="0"/>
+              <a:t>facilitam o desenvolvimento de soluções com ML.</a:t>
             </a:r>
           </a:p>
           <a:p>
@@ -10676,7 +11248,7 @@
           <p:cNvPr id="4" name="Picture 2" descr="Image result for tensorflow logo">
             <a:extLst>
               <a:ext uri="{FF2B5EF4-FFF2-40B4-BE49-F238E27FC236}">
-                <a16:creationId xmlns="" xmlns:a16="http://schemas.microsoft.com/office/drawing/2014/main" id="{B9A1D4E3-9D1C-4A3E-944D-BA941DCBD60B}"/>
+                <a16:creationId xmlns:a16="http://schemas.microsoft.com/office/drawing/2014/main" xmlns="" id="{B9A1D4E3-9D1C-4A3E-944D-BA941DCBD60B}"/>
               </a:ext>
             </a:extLst>
           </p:cNvPr>
@@ -10700,7 +11272,7 @@
         </p:blipFill>
         <p:spPr bwMode="auto">
           <a:xfrm>
-            <a:off x="4028437" y="5694658"/>
+            <a:off x="3804339" y="5641982"/>
             <a:ext cx="1300035" cy="1083362"/>
           </a:xfrm>
           <a:prstGeom prst="rect">
@@ -10723,7 +11295,7 @@
           <p:cNvPr id="5" name="Picture 4" descr="Image result for pytorch logo">
             <a:extLst>
               <a:ext uri="{FF2B5EF4-FFF2-40B4-BE49-F238E27FC236}">
-                <a16:creationId xmlns="" xmlns:a16="http://schemas.microsoft.com/office/drawing/2014/main" id="{6A0D8B6B-9A8B-4981-B678-86257C33AF3C}"/>
+                <a16:creationId xmlns:a16="http://schemas.microsoft.com/office/drawing/2014/main" xmlns="" id="{6A0D8B6B-9A8B-4981-B678-86257C33AF3C}"/>
               </a:ext>
             </a:extLst>
           </p:cNvPr>
@@ -10767,10 +11339,10 @@
       </p:pic>
       <p:pic>
         <p:nvPicPr>
-          <p:cNvPr id="6" name="Picture 6" descr="Image result for scikit learn logo">
+          <p:cNvPr id="7" name="Picture 8" descr="Image result for keras logo">
             <a:extLst>
               <a:ext uri="{FF2B5EF4-FFF2-40B4-BE49-F238E27FC236}">
-                <a16:creationId xmlns="" xmlns:a16="http://schemas.microsoft.com/office/drawing/2014/main" id="{87129D40-D136-4716-8871-12CAEC603994}"/>
+                <a16:creationId xmlns:a16="http://schemas.microsoft.com/office/drawing/2014/main" xmlns="" id="{33CCF501-0E9C-4C8C-BFCC-713767570EF0}"/>
               </a:ext>
             </a:extLst>
           </p:cNvPr>
@@ -10794,54 +11366,7 @@
         </p:blipFill>
         <p:spPr bwMode="auto">
           <a:xfrm>
-            <a:off x="8693969" y="5694657"/>
-            <a:ext cx="1617612" cy="872242"/>
-          </a:xfrm>
-          <a:prstGeom prst="rect">
-            <a:avLst/>
-          </a:prstGeom>
-          <a:noFill/>
-          <a:extLst>
-            <a:ext uri="{909E8E84-426E-40DD-AFC4-6F175D3DCCD1}">
-              <a14:hiddenFill xmlns:a14="http://schemas.microsoft.com/office/drawing/2010/main">
-                <a:solidFill>
-                  <a:srgbClr val="FFFFFF"/>
-                </a:solidFill>
-              </a14:hiddenFill>
-            </a:ext>
-          </a:extLst>
-        </p:spPr>
-      </p:pic>
-      <p:pic>
-        <p:nvPicPr>
-          <p:cNvPr id="7" name="Picture 8" descr="Image result for keras logo">
-            <a:extLst>
-              <a:ext uri="{FF2B5EF4-FFF2-40B4-BE49-F238E27FC236}">
-                <a16:creationId xmlns="" xmlns:a16="http://schemas.microsoft.com/office/drawing/2014/main" id="{33CCF501-0E9C-4C8C-BFCC-713767570EF0}"/>
-              </a:ext>
-            </a:extLst>
-          </p:cNvPr>
-          <p:cNvPicPr>
-            <a:picLocks noChangeAspect="1" noChangeArrowheads="1"/>
-          </p:cNvPicPr>
-          <p:nvPr/>
-        </p:nvPicPr>
-        <p:blipFill>
-          <a:blip r:embed="rId6">
-            <a:extLst>
-              <a:ext uri="{28A0092B-C50C-407E-A947-70E740481C1C}">
-                <a14:useLocalDpi xmlns:a14="http://schemas.microsoft.com/office/drawing/2010/main" val="0"/>
-              </a:ext>
-            </a:extLst>
-          </a:blip>
-          <a:srcRect/>
-          <a:stretch>
-            <a:fillRect/>
-          </a:stretch>
-        </p:blipFill>
-        <p:spPr bwMode="auto">
-          <a:xfrm>
-            <a:off x="1404564" y="6047283"/>
+            <a:off x="1162498" y="6047283"/>
             <a:ext cx="2160581" cy="626931"/>
           </a:xfrm>
           <a:prstGeom prst="rect">
@@ -10864,7 +11389,7 @@
           <p:cNvPr id="8" name="Picture 10" descr="Image result for theano logo">
             <a:extLst>
               <a:ext uri="{FF2B5EF4-FFF2-40B4-BE49-F238E27FC236}">
-                <a16:creationId xmlns="" xmlns:a16="http://schemas.microsoft.com/office/drawing/2014/main" id="{579B04DE-B2DC-4ED7-AA9D-5AAA9580572E}"/>
+                <a16:creationId xmlns:a16="http://schemas.microsoft.com/office/drawing/2014/main" xmlns="" id="{579B04DE-B2DC-4ED7-AA9D-5AAA9580572E}"/>
               </a:ext>
             </a:extLst>
           </p:cNvPr>
@@ -10874,7 +11399,7 @@
           <p:nvPr/>
         </p:nvPicPr>
         <p:blipFill>
-          <a:blip r:embed="rId7">
+          <a:blip r:embed="rId6">
             <a:extLst>
               <a:ext uri="{28A0092B-C50C-407E-A947-70E740481C1C}">
                 <a14:useLocalDpi xmlns:a14="http://schemas.microsoft.com/office/drawing/2010/main" val="0"/>
@@ -10911,7 +11436,54 @@
           <p:cNvPr id="9" name="Picture 12" descr="Image result for pandas data mining logo">
             <a:extLst>
               <a:ext uri="{FF2B5EF4-FFF2-40B4-BE49-F238E27FC236}">
-                <a16:creationId xmlns="" xmlns:a16="http://schemas.microsoft.com/office/drawing/2014/main" id="{A9345AF3-EF63-4F70-A5B2-8F8ED0E283FD}"/>
+                <a16:creationId xmlns:a16="http://schemas.microsoft.com/office/drawing/2014/main" xmlns="" id="{A9345AF3-EF63-4F70-A5B2-8F8ED0E283FD}"/>
+              </a:ext>
+            </a:extLst>
+          </p:cNvPr>
+          <p:cNvPicPr>
+            <a:picLocks noChangeAspect="1" noChangeArrowheads="1"/>
+          </p:cNvPicPr>
+          <p:nvPr/>
+        </p:nvPicPr>
+        <p:blipFill>
+          <a:blip r:embed="rId7">
+            <a:extLst>
+              <a:ext uri="{28A0092B-C50C-407E-A947-70E740481C1C}">
+                <a14:useLocalDpi xmlns:a14="http://schemas.microsoft.com/office/drawing/2010/main" val="0"/>
+              </a:ext>
+            </a:extLst>
+          </a:blip>
+          <a:srcRect/>
+          <a:stretch>
+            <a:fillRect/>
+          </a:stretch>
+        </p:blipFill>
+        <p:spPr bwMode="auto">
+          <a:xfrm>
+            <a:off x="10311581" y="5729274"/>
+            <a:ext cx="1811064" cy="1128726"/>
+          </a:xfrm>
+          <a:prstGeom prst="rect">
+            <a:avLst/>
+          </a:prstGeom>
+          <a:noFill/>
+          <a:extLst>
+            <a:ext uri="{909E8E84-426E-40DD-AFC4-6F175D3DCCD1}">
+              <a14:hiddenFill xmlns:a14="http://schemas.microsoft.com/office/drawing/2010/main">
+                <a:solidFill>
+                  <a:srgbClr val="FFFFFF"/>
+                </a:solidFill>
+              </a14:hiddenFill>
+            </a:ext>
+          </a:extLst>
+        </p:spPr>
+      </p:pic>
+      <p:pic>
+        <p:nvPicPr>
+          <p:cNvPr id="6" name="Picture 6" descr="Image result for scikit learn logo">
+            <a:extLst>
+              <a:ext uri="{FF2B5EF4-FFF2-40B4-BE49-F238E27FC236}">
+                <a16:creationId xmlns:a16="http://schemas.microsoft.com/office/drawing/2014/main" xmlns="" id="{87129D40-D136-4716-8871-12CAEC603994}"/>
               </a:ext>
             </a:extLst>
           </p:cNvPr>
@@ -10935,8 +11507,8 @@
         </p:blipFill>
         <p:spPr bwMode="auto">
           <a:xfrm>
-            <a:off x="10221808" y="5673296"/>
-            <a:ext cx="1811064" cy="1128726"/>
+            <a:off x="8719385" y="5611162"/>
+            <a:ext cx="1617612" cy="872242"/>
           </a:xfrm>
           <a:prstGeom prst="rect">
             <a:avLst/>
@@ -10956,7 +11528,7 @@
     </p:spTree>
     <p:extLst>
       <p:ext uri="{BB962C8B-B14F-4D97-AF65-F5344CB8AC3E}">
-        <p14:creationId xmlns:p14="http://schemas.microsoft.com/office/powerpoint/2010/main" val="3515940439"/>
+        <p14:creationId xmlns:p14="http://schemas.microsoft.com/office/powerpoint/2010/main" val="2449731618"/>
       </p:ext>
     </p:extLst>
   </p:cSld>
@@ -10988,7 +11560,7 @@
           <p:cNvPr id="2" name="Título 1">
             <a:extLst>
               <a:ext uri="{FF2B5EF4-FFF2-40B4-BE49-F238E27FC236}">
-                <a16:creationId xmlns="" xmlns:a16="http://schemas.microsoft.com/office/drawing/2014/main" id="{220079F9-71B9-4466-B35D-68523A745D24}"/>
+                <a16:creationId xmlns:a16="http://schemas.microsoft.com/office/drawing/2014/main" xmlns="" id="{220079F9-71B9-4466-B35D-68523A745D24}"/>
               </a:ext>
             </a:extLst>
           </p:cNvPr>
@@ -11021,7 +11593,7 @@
           <p:cNvPr id="3" name="Espaço Reservado para Conteúdo 2">
             <a:extLst>
               <a:ext uri="{FF2B5EF4-FFF2-40B4-BE49-F238E27FC236}">
-                <a16:creationId xmlns="" xmlns:a16="http://schemas.microsoft.com/office/drawing/2014/main" id="{5BA8D271-087B-414B-ABC6-D7C5E7367E33}"/>
+                <a16:creationId xmlns:a16="http://schemas.microsoft.com/office/drawing/2014/main" xmlns="" id="{5BA8D271-087B-414B-ABC6-D7C5E7367E33}"/>
               </a:ext>
             </a:extLst>
           </p:cNvPr>
@@ -11035,7 +11607,7 @@
         <p:spPr>
           <a:xfrm>
             <a:off x="838200" y="1825624"/>
-            <a:ext cx="6367819" cy="4819875"/>
+            <a:ext cx="6497097" cy="4819875"/>
           </a:xfrm>
         </p:spPr>
         <p:txBody>
@@ -11048,9 +11620,26 @@
               <a:buNone/>
             </a:pPr>
             <a:r>
+              <a:rPr lang="nl-BE" dirty="0"/>
+              <a:t>Os algortimos de </a:t>
+            </a:r>
+            <a:r>
+              <a:rPr lang="nl-BE" dirty="0" smtClean="0"/>
+              <a:t>aprendizado de máquina </a:t>
+            </a:r>
+            <a:r>
+              <a:rPr lang="nl-BE" dirty="0"/>
+              <a:t>podem ser agrupados de acordo com o tipo de aprendizado que </a:t>
+            </a:r>
+            <a:r>
+              <a:rPr lang="nl-BE" dirty="0" smtClean="0"/>
+              <a:t>realizam</a:t>
+            </a:r>
+            <a:r>
               <a:rPr lang="pt-BR" dirty="0" smtClean="0"/>
-              <a:t>Dependendo do tipo de aprendizado realizado pelos algoritmos, eles podem ser agrupados da seguinte forma:</a:t>
-            </a:r>
+              <a:t>:</a:t>
+            </a:r>
+            <a:endParaRPr lang="pt-BR" dirty="0" smtClean="0"/>
           </a:p>
           <a:p>
             <a:pPr lvl="1" fontAlgn="base"/>
@@ -11105,7 +11694,7 @@
           <p:cNvPr id="3074" name="Picture 2" descr="Image result for machine learning">
             <a:extLst>
               <a:ext uri="{FF2B5EF4-FFF2-40B4-BE49-F238E27FC236}">
-                <a16:creationId xmlns="" xmlns:a16="http://schemas.microsoft.com/office/drawing/2014/main" id="{0F1D94CB-2EF0-4960-BC00-8889565E93D1}"/>
+                <a16:creationId xmlns:a16="http://schemas.microsoft.com/office/drawing/2014/main" xmlns="" id="{0F1D94CB-2EF0-4960-BC00-8889565E93D1}"/>
               </a:ext>
             </a:extLst>
           </p:cNvPr>
@@ -11211,7 +11800,7 @@
           <p:cNvPr id="4" name="Picture 4" descr="Image result for supervised learning">
             <a:extLst>
               <a:ext uri="{FF2B5EF4-FFF2-40B4-BE49-F238E27FC236}">
-                <a16:creationId xmlns="" xmlns:a16="http://schemas.microsoft.com/office/drawing/2014/main" id="{2520F4EA-1E3E-4F3B-97C0-DF47861DCD42}"/>
+                <a16:creationId xmlns:a16="http://schemas.microsoft.com/office/drawing/2014/main" xmlns="" id="{2520F4EA-1E3E-4F3B-97C0-DF47861DCD42}"/>
               </a:ext>
             </a:extLst>
           </p:cNvPr>
@@ -11294,8 +11883,8 @@
           </a:extLst>
         </p:spPr>
       </p:pic>
-      <mc:AlternateContent xmlns:mc="http://schemas.openxmlformats.org/markup-compatibility/2006" xmlns:a14="http://schemas.microsoft.com/office/drawing/2010/main">
-        <mc:Choice Requires="a14">
+      <mc:AlternateContent xmlns:mc="http://schemas.openxmlformats.org/markup-compatibility/2006">
+        <mc:Choice xmlns:a14="http://schemas.microsoft.com/office/drawing/2010/main" Requires="a14">
           <p:sp>
             <p:nvSpPr>
               <p:cNvPr id="3" name="Content Placeholder 2"/>
@@ -11325,7 +11914,15 @@
                 </a:pPr>
                 <a:r>
                   <a:rPr lang="pt-BR" dirty="0" smtClean="0"/>
-                  <a:t>No aprendizado supervisionado, o algoritmo tem acesso às saídas esperadas, </a:t>
+                  <a:t>No aprendizado supervisionado, o </a:t>
+                </a:r>
+                <a:r>
+                  <a:rPr lang="pt-BR" b="1" i="1" dirty="0" smtClean="0"/>
+                  <a:t>algoritmo de ML tem acesso às saídas esperada</a:t>
+                </a:r>
+                <a:r>
+                  <a:rPr lang="pt-BR" dirty="0" smtClean="0"/>
+                  <a:t>s, </a:t>
                 </a:r>
                 <a14:m>
                   <m:oMath xmlns:m="http://schemas.openxmlformats.org/officeDocument/2006/math">
@@ -11359,7 +11956,15 @@
                 </a:r>
                 <a:r>
                   <a:rPr lang="pt-BR" dirty="0"/>
-                  <a:t>, do Inglês</a:t>
+                  <a:t>, do </a:t>
+                </a:r>
+                <a:r>
+                  <a:rPr lang="pt-BR" dirty="0"/>
+                  <a:t>i</a:t>
+                </a:r>
+                <a:r>
+                  <a:rPr lang="pt-BR" dirty="0" smtClean="0"/>
+                  <a:t>nglês</a:t>
                 </a:r>
                 <a:r>
                   <a:rPr lang="pt-BR" dirty="0" smtClean="0"/>
@@ -11485,7 +12090,15 @@
                 </a:r>
                 <a:r>
                   <a:rPr lang="pt-BR" dirty="0" smtClean="0"/>
-                  <a:t>algoritmos supervisionados </a:t>
+                  <a:t>algoritmos </a:t>
+                </a:r>
+                <a:r>
+                  <a:rPr lang="pt-BR" i="1" dirty="0" smtClean="0"/>
+                  <a:t>supervisionados</a:t>
+                </a:r>
+                <a:r>
+                  <a:rPr lang="pt-BR" dirty="0" smtClean="0"/>
+                  <a:t> </a:t>
                 </a:r>
                 <a:r>
                   <a:rPr lang="pt-BR" dirty="0"/>
@@ -11505,7 +12118,15 @@
                 </a:r>
                 <a:r>
                   <a:rPr lang="pt-BR" dirty="0"/>
-                  <a:t> que mapeie as entradas </a:t>
+                  <a:t> que </a:t>
+                </a:r>
+                <a:r>
+                  <a:rPr lang="pt-BR" b="1" i="1" dirty="0"/>
+                  <a:t>mapeie</a:t>
+                </a:r>
+                <a:r>
+                  <a:rPr lang="pt-BR" dirty="0"/>
+                  <a:t> as entradas </a:t>
                 </a:r>
                 <a14:m>
                   <m:oMath xmlns:m="http://schemas.openxmlformats.org/officeDocument/2006/math">
@@ -11601,15 +12222,27 @@
                 </a:r>
                 <a:r>
                   <a:rPr lang="pt-BR" b="1" i="1" dirty="0"/>
-                  <a:t>Regressão</a:t>
+                  <a:t>r</a:t>
+                </a:r>
+                <a:r>
+                  <a:rPr lang="pt-BR" b="1" i="1" dirty="0" smtClean="0"/>
+                  <a:t>egressão</a:t>
+                </a:r>
+                <a:r>
+                  <a:rPr lang="pt-BR" dirty="0" smtClean="0"/>
+                  <a:t> </a:t>
                 </a:r>
                 <a:r>
                   <a:rPr lang="pt-BR" dirty="0"/>
-                  <a:t> e </a:t>
+                  <a:t>e </a:t>
                 </a:r>
                 <a:r>
                   <a:rPr lang="pt-BR" b="1" i="1" dirty="0"/>
-                  <a:t>Classificação</a:t>
+                  <a:t>c</a:t>
+                </a:r>
+                <a:r>
+                  <a:rPr lang="pt-BR" b="1" i="1" dirty="0" smtClean="0"/>
+                  <a:t>lassificação</a:t>
                 </a:r>
                 <a:r>
                   <a:rPr lang="pt-BR" dirty="0"/>
@@ -11707,7 +12340,7 @@
             </p:txBody>
           </p:sp>
         </mc:Choice>
-        <mc:Fallback xmlns="">
+        <mc:Fallback>
           <p:sp>
             <p:nvSpPr>
               <p:cNvPr id="3" name="Content Placeholder 2"/>
@@ -11726,7 +12359,7 @@
               <a:blipFill rotWithShape="0">
                 <a:blip r:embed="rId5"/>
                 <a:stretch>
-                  <a:fillRect l="-1148" t="-3027" r="-1913" b="-1574"/>
+                  <a:fillRect l="-1148" t="-3027" r="-1989" b="-1574"/>
                 </a:stretch>
               </a:blipFill>
             </p:spPr>
@@ -11748,7 +12381,7 @@
     </p:spTree>
     <p:extLst>
       <p:ext uri="{BB962C8B-B14F-4D97-AF65-F5344CB8AC3E}">
-        <p14:creationId xmlns:p14="http://schemas.microsoft.com/office/powerpoint/2010/main" val="3127737271"/>
+        <p14:creationId xmlns:p14="http://schemas.microsoft.com/office/powerpoint/2010/main" val="2037902557"/>
       </p:ext>
     </p:extLst>
   </p:cSld>
@@ -11780,7 +12413,7 @@
           <p:cNvPr id="2" name="Título 1">
             <a:extLst>
               <a:ext uri="{FF2B5EF4-FFF2-40B4-BE49-F238E27FC236}">
-                <a16:creationId xmlns="" xmlns:a16="http://schemas.microsoft.com/office/drawing/2014/main" id="{6CB39B9C-599D-4DED-8180-FA8AD66BB117}"/>
+                <a16:creationId xmlns:a16="http://schemas.microsoft.com/office/drawing/2014/main" xmlns="" id="{6CB39B9C-599D-4DED-8180-FA8AD66BB117}"/>
               </a:ext>
             </a:extLst>
           </p:cNvPr>
@@ -11808,14 +12441,14 @@
           </a:p>
         </p:txBody>
       </p:sp>
-      <mc:AlternateContent xmlns:mc="http://schemas.openxmlformats.org/markup-compatibility/2006" xmlns:a14="http://schemas.microsoft.com/office/drawing/2010/main">
-        <mc:Choice Requires="a14">
+      <mc:AlternateContent xmlns:mc="http://schemas.openxmlformats.org/markup-compatibility/2006">
+        <mc:Choice xmlns:a14="http://schemas.microsoft.com/office/drawing/2010/main" Requires="a14">
           <p:sp>
             <p:nvSpPr>
               <p:cNvPr id="3" name="Espaço Reservado para Conteúdo 2">
                 <a:extLst>
                   <a:ext uri="{FF2B5EF4-FFF2-40B4-BE49-F238E27FC236}">
-                    <a16:creationId xmlns="" xmlns:a16="http://schemas.microsoft.com/office/drawing/2014/main" id="{5E0262E2-3A0F-4805-BCCB-6745237D1574}"/>
+                    <a16:creationId xmlns:a16="http://schemas.microsoft.com/office/drawing/2014/main" xmlns="" id="{5E0262E2-3A0F-4805-BCCB-6745237D1574}"/>
                   </a:ext>
                 </a:extLst>
               </p:cNvPr>
@@ -11834,7 +12467,7 @@
             </p:spPr>
             <p:txBody>
               <a:bodyPr vert="horz" lIns="91440" tIns="45720" rIns="91440" bIns="45720" rtlCol="0" anchor="t">
-                <a:normAutofit fontScale="92500" lnSpcReduction="10000"/>
+                <a:normAutofit lnSpcReduction="10000"/>
               </a:bodyPr>
               <a:lstStyle/>
               <a:p>
@@ -11844,13 +12477,45 @@
                 </a:r>
                 <a:r>
                   <a:rPr lang="pt-BR" dirty="0" smtClean="0"/>
-                  <a:t>os algoritmos não têm acesso às saídas esperadas</a:t>
+                  <a:t>os algoritmos não têm acesso às saídas </a:t>
+                </a:r>
+                <a:r>
+                  <a:rPr lang="pt-BR" dirty="0" smtClean="0"/>
+                  <a:t>esperadas, </a:t>
+                </a:r>
+                <a14:m>
+                  <m:oMath xmlns:m="http://schemas.openxmlformats.org/officeDocument/2006/math">
+                    <m:r>
+                      <a:rPr lang="pt-BR" i="1">
+                        <a:latin typeface="Cambria Math" panose="02040503050406030204" pitchFamily="18" charset="0"/>
+                      </a:rPr>
+                      <m:t>𝑦</m:t>
+                    </m:r>
+                  </m:oMath>
+                </a14:m>
+                <a:r>
+                  <a:rPr lang="pt-BR" dirty="0" smtClean="0">
+                    <a:cs typeface="Calibri"/>
+                  </a:rPr>
+                  <a:t>. </a:t>
                 </a:r>
                 <a:r>
                   <a:rPr lang="pt-BR" dirty="0" smtClean="0">
                     <a:cs typeface="Calibri"/>
                   </a:rPr>
-                  <a:t>. Eles só recebem os atributos, </a:t>
+                  <a:t>Eles só </a:t>
+                </a:r>
+                <a:r>
+                  <a:rPr lang="pt-BR" dirty="0" smtClean="0">
+                    <a:cs typeface="Calibri"/>
+                  </a:rPr>
+                  <a:t>conhecem os </a:t>
+                </a:r>
+                <a:r>
+                  <a:rPr lang="pt-BR" dirty="0" smtClean="0">
+                    <a:cs typeface="Calibri"/>
+                  </a:rPr>
+                  <a:t>atributos, </a:t>
                 </a:r>
                 <a14:m>
                   <m:oMath xmlns:m="http://schemas.openxmlformats.org/officeDocument/2006/math">
@@ -11869,44 +12534,6 @@
                   <a:t>.</a:t>
                 </a:r>
                 <a:endParaRPr lang="pt-BR" dirty="0"/>
-              </a:p>
-              <a:p>
-                <a:r>
-                  <a:rPr lang="pt-BR" dirty="0" smtClean="0"/>
-                  <a:t>Neste caso, os </a:t>
-                </a:r>
-                <a:r>
-                  <a:rPr lang="pt-BR" dirty="0"/>
-                  <a:t>algoritmos </a:t>
-                </a:r>
-                <a:r>
-                  <a:rPr lang="pt-BR" b="1" i="1" dirty="0" smtClean="0"/>
-                  <a:t>aprendem/descobrem</a:t>
-                </a:r>
-                <a:r>
-                  <a:rPr lang="pt-BR" dirty="0" smtClean="0"/>
-                  <a:t> </a:t>
-                </a:r>
-                <a:r>
-                  <a:rPr lang="pt-BR" b="1" i="1" dirty="0" smtClean="0"/>
-                  <a:t>padrões </a:t>
-                </a:r>
-                <a:r>
-                  <a:rPr lang="pt-BR" dirty="0" smtClean="0"/>
-                  <a:t>(muitas vezes ocultos) presentes </a:t>
-                </a:r>
-                <a:r>
-                  <a:rPr lang="pt-BR" dirty="0"/>
-                  <a:t>nos dados de entrada </a:t>
-                </a:r>
-                <a:r>
-                  <a:rPr lang="pt-BR" b="1" i="1" dirty="0"/>
-                  <a:t>sem a presença de rótulos</a:t>
-                </a:r>
-                <a:r>
-                  <a:rPr lang="pt-BR" dirty="0"/>
-                  <a:t>.</a:t>
-                </a:r>
               </a:p>
               <a:p>
                 <a:r>
@@ -11931,22 +12558,78 @@
                 </a:r>
                 <a:r>
                   <a:rPr lang="pt-BR" dirty="0" smtClean="0"/>
-                  <a:t> </a:t>
+                  <a:t> padrões, </a:t>
                 </a:r>
                 <a:r>
                   <a:rPr lang="pt-BR" dirty="0"/>
-                  <a:t>padrões (e.g., </a:t>
+                  <a:t>muitas vezes </a:t>
                 </a:r>
                 <a:r>
                   <a:rPr lang="pt-BR" dirty="0" smtClean="0"/>
-                  <a:t>similaridades) desconhecidos se baseando apenas nos exemplos de entrada.</a:t>
+                  <a:t>ocultos, </a:t>
+                </a:r>
+                <a:r>
+                  <a:rPr lang="pt-BR" dirty="0"/>
+                  <a:t>presentes nos dados </a:t>
+                </a:r>
+                <a:r>
+                  <a:rPr lang="pt-BR" dirty="0" smtClean="0"/>
+                  <a:t>se </a:t>
+                </a:r>
+                <a:r>
+                  <a:rPr lang="pt-BR" dirty="0" smtClean="0"/>
+                  <a:t>baseando </a:t>
+                </a:r>
+                <a:r>
+                  <a:rPr lang="pt-BR" dirty="0" smtClean="0"/>
+                  <a:t>apenas, por exemplo, na similaridade entre os </a:t>
+                </a:r>
+                <a:r>
+                  <a:rPr lang="pt-BR" b="1" i="1" dirty="0"/>
+                  <a:t>atributos</a:t>
+                </a:r>
+                <a:r>
+                  <a:rPr lang="pt-BR" dirty="0"/>
+                  <a:t>, </a:t>
+                </a:r>
+                <a14:m>
+                  <m:oMath xmlns:m="http://schemas.openxmlformats.org/officeDocument/2006/math">
+                    <m:r>
+                      <a:rPr lang="pt-BR" b="1" i="1">
+                        <a:latin typeface="Cambria Math" panose="02040503050406030204" pitchFamily="18" charset="0"/>
+                      </a:rPr>
+                      <m:t>𝒙</m:t>
+                    </m:r>
+                    <m:r>
+                      <a:rPr lang="pt-BR" b="1" i="1">
+                        <a:latin typeface="Cambria Math" panose="02040503050406030204" pitchFamily="18" charset="0"/>
+                      </a:rPr>
+                      <m:t> </m:t>
+                    </m:r>
+                  </m:oMath>
+                </a14:m>
+                <a:r>
+                  <a:rPr lang="pt-BR" dirty="0" smtClean="0"/>
+                  <a:t>ou seja, </a:t>
+                </a:r>
+                <a:r>
+                  <a:rPr lang="pt-BR" b="1" i="1" dirty="0"/>
+                  <a:t>sem a presença de rótulos</a:t>
+                </a:r>
+                <a:r>
+                  <a:rPr lang="pt-BR" dirty="0" smtClean="0"/>
+                  <a:t>.</a:t>
                 </a:r>
                 <a:endParaRPr lang="pt-BR" dirty="0"/>
               </a:p>
               <a:p>
                 <a:r>
+                  <a:rPr lang="pt-BR" dirty="0" smtClean="0"/>
+                  <a:t>Os algoritmos tratam problemas </a:t>
+                </a:r>
+                <a:r>
                   <a:rPr lang="pt-BR" dirty="0"/>
-                  <a:t>Trata problemas de c</a:t>
+                  <a:t>de c</a:t>
                 </a:r>
                 <a:r>
                   <a:rPr lang="pt-BR" dirty="0" smtClean="0"/>
@@ -11983,13 +12666,13 @@
             </p:txBody>
           </p:sp>
         </mc:Choice>
-        <mc:Fallback xmlns="">
+        <mc:Fallback>
           <p:sp>
             <p:nvSpPr>
               <p:cNvPr id="3" name="Espaço Reservado para Conteúdo 2">
                 <a:extLst>
                   <a:ext uri="{FF2B5EF4-FFF2-40B4-BE49-F238E27FC236}">
-                    <a16:creationId xmlns="" xmlns:a16="http://schemas.microsoft.com/office/drawing/2014/main" xmlns:a14="http://schemas.microsoft.com/office/drawing/2010/main" id="{5E0262E2-3A0F-4805-BCCB-6745237D1574}"/>
+                    <a16:creationId xmlns:a16="http://schemas.microsoft.com/office/drawing/2014/main" xmlns="" xmlns:a14="http://schemas.microsoft.com/office/drawing/2010/main" id="{5E0262E2-3A0F-4805-BCCB-6745237D1574}"/>
                   </a:ext>
                 </a:extLst>
               </p:cNvPr>
@@ -12008,7 +12691,7 @@
               <a:blipFill rotWithShape="0">
                 <a:blip r:embed="rId3"/>
                 <a:stretch>
-                  <a:fillRect l="-813" t="-3922" r="-759" b="-2353"/>
+                  <a:fillRect l="-922" t="-4314" r="-217" b="-4902"/>
                 </a:stretch>
               </a:blipFill>
             </p:spPr>
@@ -12032,7 +12715,7 @@
           <p:cNvPr id="3074" name="Picture 2" descr="https://www.ecloudvalley.com/wp-content/uploads/2019/09/Unsupervised-learning.png">
             <a:extLst>
               <a:ext uri="{FF2B5EF4-FFF2-40B4-BE49-F238E27FC236}">
-                <a16:creationId xmlns="" xmlns:a16="http://schemas.microsoft.com/office/drawing/2014/main" id="{E1E9C2D9-93F7-4EA6-9C7E-D658C2452746}"/>
+                <a16:creationId xmlns:a16="http://schemas.microsoft.com/office/drawing/2014/main" xmlns="" id="{E1E9C2D9-93F7-4EA6-9C7E-D658C2452746}"/>
               </a:ext>
             </a:extLst>
           </p:cNvPr>
@@ -12077,7 +12760,7 @@
           <p:cNvPr id="1028" name="Picture 4" descr="https://slideplayer.com/slide/13055479/79/images/6/Data+Compression+Reduce+data+from+3D+to+2D+Andrew+Ng.jpg">
             <a:extLst>
               <a:ext uri="{FF2B5EF4-FFF2-40B4-BE49-F238E27FC236}">
-                <a16:creationId xmlns="" xmlns:a16="http://schemas.microsoft.com/office/drawing/2014/main" id="{F20F10B0-B790-4630-9FD0-F82B2B0DFAD5}"/>
+                <a16:creationId xmlns:a16="http://schemas.microsoft.com/office/drawing/2014/main" xmlns="" id="{F20F10B0-B790-4630-9FD0-F82B2B0DFAD5}"/>
               </a:ext>
             </a:extLst>
           </p:cNvPr>
@@ -12122,7 +12805,7 @@
           <p:cNvPr id="1030" name="Picture 6" descr="Image result for outlier ">
             <a:extLst>
               <a:ext uri="{FF2B5EF4-FFF2-40B4-BE49-F238E27FC236}">
-                <a16:creationId xmlns="" xmlns:a16="http://schemas.microsoft.com/office/drawing/2014/main" id="{5E7788A9-1556-48E2-A68C-C98CBCD57CE7}"/>
+                <a16:creationId xmlns:a16="http://schemas.microsoft.com/office/drawing/2014/main" xmlns="" id="{5E7788A9-1556-48E2-A68C-C98CBCD57CE7}"/>
               </a:ext>
             </a:extLst>
           </p:cNvPr>
@@ -12167,7 +12850,7 @@
           <p:cNvPr id="1032" name="Picture 8" descr="http://users.telenet.be/martialluyts/img/basket.jpg">
             <a:extLst>
               <a:ext uri="{FF2B5EF4-FFF2-40B4-BE49-F238E27FC236}">
-                <a16:creationId xmlns="" xmlns:a16="http://schemas.microsoft.com/office/drawing/2014/main" id="{91C7F0A4-66BC-4E4C-B7C9-061F60727247}"/>
+                <a16:creationId xmlns:a16="http://schemas.microsoft.com/office/drawing/2014/main" xmlns="" id="{91C7F0A4-66BC-4E4C-B7C9-061F60727247}"/>
               </a:ext>
             </a:extLst>
           </p:cNvPr>
@@ -12274,7 +12957,7 @@
         <p:spPr>
           <a:xfrm>
             <a:off x="1101132" y="4748640"/>
-            <a:ext cx="1439753" cy="369332"/>
+            <a:ext cx="1492653" cy="369332"/>
           </a:xfrm>
           <a:prstGeom prst="rect">
             <a:avLst/>
@@ -12287,7 +12970,7 @@
           <a:lstStyle/>
           <a:p>
             <a:r>
-              <a:rPr lang="pt-BR" b="1" dirty="0"/>
+              <a:rPr lang="pt-BR" b="1" dirty="0" smtClean="0"/>
               <a:t>Clusterização</a:t>
             </a:r>
             <a:endParaRPr lang="pt-BR" dirty="0"/>
@@ -12328,7 +13011,7 @@
     </p:spTree>
     <p:extLst>
       <p:ext uri="{BB962C8B-B14F-4D97-AF65-F5344CB8AC3E}">
-        <p14:creationId xmlns:p14="http://schemas.microsoft.com/office/powerpoint/2010/main" val="2076219387"/>
+        <p14:creationId xmlns:p14="http://schemas.microsoft.com/office/powerpoint/2010/main" val="2743820718"/>
       </p:ext>
     </p:extLst>
   </p:cSld>
@@ -12396,13 +13079,13 @@
         </p:nvSpPr>
         <p:spPr>
           <a:xfrm>
-            <a:off x="838199" y="1825624"/>
-            <a:ext cx="10959353" cy="4682751"/>
+            <a:off x="838199" y="1825623"/>
+            <a:ext cx="11189678" cy="4022517"/>
           </a:xfrm>
         </p:spPr>
         <p:txBody>
           <a:bodyPr>
-            <a:normAutofit/>
+            <a:normAutofit fontScale="92500" lnSpcReduction="10000"/>
           </a:bodyPr>
           <a:lstStyle/>
           <a:p>
@@ -12475,12 +13158,12 @@
               <a:t>algoritmos de </a:t>
             </a:r>
             <a:r>
-              <a:rPr lang="pt-BR" b="1" i="1" dirty="0"/>
-              <a:t>clustering</a:t>
-            </a:r>
-            <a:r>
-              <a:rPr lang="pt-BR" dirty="0"/>
-              <a:t> e </a:t>
+              <a:rPr lang="pt-BR" b="1" i="1" dirty="0" smtClean="0"/>
+              <a:t>clusterização </a:t>
+            </a:r>
+            <a:r>
+              <a:rPr lang="pt-BR" dirty="0" smtClean="0"/>
+              <a:t>e </a:t>
             </a:r>
             <a:r>
               <a:rPr lang="pt-BR" b="1" i="1" dirty="0"/>
@@ -12494,6 +13177,36 @@
           </a:p>
         </p:txBody>
       </p:sp>
+      <p:pic>
+        <p:nvPicPr>
+          <p:cNvPr id="4" name="Picture 3"/>
+          <p:cNvPicPr>
+            <a:picLocks noChangeAspect="1"/>
+          </p:cNvPicPr>
+          <p:nvPr/>
+        </p:nvPicPr>
+        <p:blipFill>
+          <a:blip r:embed="rId3">
+            <a:extLst>
+              <a:ext uri="{28A0092B-C50C-407E-A947-70E740481C1C}">
+                <a14:useLocalDpi xmlns:a14="http://schemas.microsoft.com/office/drawing/2010/main" val="0"/>
+              </a:ext>
+            </a:extLst>
+          </a:blip>
+          <a:stretch>
+            <a:fillRect/>
+          </a:stretch>
+        </p:blipFill>
+        <p:spPr>
+          <a:xfrm>
+            <a:off x="3356149" y="5570525"/>
+            <a:ext cx="4988963" cy="1287475"/>
+          </a:xfrm>
+          <a:prstGeom prst="rect">
+            <a:avLst/>
+          </a:prstGeom>
+        </p:spPr>
+      </p:pic>
     </p:spTree>
     <p:extLst>
       <p:ext uri="{BB962C8B-B14F-4D97-AF65-F5344CB8AC3E}">
@@ -12504,6 +13217,13 @@
   <p:clrMapOvr>
     <a:masterClrMapping/>
   </p:clrMapOvr>
+  <p:timing>
+    <p:tnLst>
+      <p:par>
+        <p:cTn id="1" dur="indefinite" restart="never" nodeType="tmRoot"/>
+      </p:par>
+    </p:tnLst>
+  </p:timing>
 </p:sld>
 </file>
 
@@ -12529,7 +13249,7 @@
           <p:cNvPr id="2" name="Título 1">
             <a:extLst>
               <a:ext uri="{FF2B5EF4-FFF2-40B4-BE49-F238E27FC236}">
-                <a16:creationId xmlns="" xmlns:a16="http://schemas.microsoft.com/office/drawing/2014/main" id="{646F6830-B3DF-4F50-823F-7E36C43380D1}"/>
+                <a16:creationId xmlns:a16="http://schemas.microsoft.com/office/drawing/2014/main" xmlns="" id="{646F6830-B3DF-4F50-823F-7E36C43380D1}"/>
               </a:ext>
             </a:extLst>
           </p:cNvPr>
@@ -12562,7 +13282,7 @@
           <p:cNvPr id="3" name="Espaço Reservado para Conteúdo 2">
             <a:extLst>
               <a:ext uri="{FF2B5EF4-FFF2-40B4-BE49-F238E27FC236}">
-                <a16:creationId xmlns:mc="http://schemas.openxmlformats.org/markup-compatibility/2006" xmlns:a14="http://schemas.microsoft.com/office/drawing/2010/main" xmlns="" xmlns:a16="http://schemas.microsoft.com/office/drawing/2014/main" id="{071E0B55-13FE-4ADE-80F7-AFEDEF27C875}"/>
+                <a16:creationId xmlns:a16="http://schemas.microsoft.com/office/drawing/2014/main" xmlns="" xmlns:a14="http://schemas.microsoft.com/office/drawing/2010/main" xmlns:mc="http://schemas.openxmlformats.org/markup-compatibility/2006" id="{071E0B55-13FE-4ADE-80F7-AFEDEF27C875}"/>
               </a:ext>
             </a:extLst>
           </p:cNvPr>
@@ -12595,7 +13315,15 @@
             </a:r>
             <a:r>
               <a:rPr lang="pt-BR" dirty="0"/>
-              <a:t>diferente das anteriores pois </a:t>
+              <a:t>diferente das </a:t>
+            </a:r>
+            <a:r>
+              <a:rPr lang="pt-BR" dirty="0" smtClean="0"/>
+              <a:t>anteriores, </a:t>
+            </a:r>
+            <a:r>
+              <a:rPr lang="pt-BR" dirty="0"/>
+              <a:t>pois </a:t>
             </a:r>
             <a:r>
               <a:rPr lang="pt-BR" b="1" i="1" dirty="0"/>
@@ -12672,16 +13400,24 @@
               <a:t> do </a:t>
             </a:r>
             <a:r>
-              <a:rPr lang="pt-BR" b="1" i="1" dirty="0"/>
+              <a:rPr lang="pt-BR" b="1" i="1" dirty="0" smtClean="0"/>
               <a:t>ambiente</a:t>
             </a:r>
             <a:r>
+              <a:rPr lang="pt-BR" dirty="0" smtClean="0"/>
+              <a:t>, </a:t>
+            </a:r>
+            <a:r>
               <a:rPr lang="pt-BR" dirty="0"/>
-              <a:t> em que está inserido, seleciona e executa </a:t>
-            </a:r>
-            <a:r>
-              <a:rPr lang="pt-BR" b="1" i="1" dirty="0"/>
-              <a:t>ações </a:t>
+              <a:t>seleciona e executa </a:t>
+            </a:r>
+            <a:r>
+              <a:rPr lang="pt-BR" dirty="0" smtClean="0"/>
+              <a:t>uma </a:t>
+            </a:r>
+            <a:r>
+              <a:rPr lang="pt-BR" b="1" i="1" dirty="0" smtClean="0"/>
+              <a:t>ação </a:t>
             </a:r>
             <a:r>
               <a:rPr lang="pt-BR" dirty="0"/>
@@ -12696,26 +13432,43 @@
               <a:t>(ou </a:t>
             </a:r>
             <a:r>
-              <a:rPr lang="pt-BR" b="1" i="1" dirty="0"/>
-              <a:t>reforço</a:t>
+              <a:rPr lang="pt-BR" b="1" i="1" dirty="0" smtClean="0"/>
+              <a:t>reforço +/-</a:t>
+            </a:r>
+            <a:r>
+              <a:rPr lang="pt-BR" dirty="0" smtClean="0"/>
+              <a:t>) </a:t>
             </a:r>
             <a:r>
               <a:rPr lang="pt-BR" dirty="0"/>
-              <a:t>) em consequência das </a:t>
-            </a:r>
-            <a:r>
-              <a:rPr lang="pt-BR" b="1" i="1" dirty="0"/>
-              <a:t>ações</a:t>
-            </a:r>
+              <a:t>em consequência </a:t>
+            </a:r>
+            <a:r>
+              <a:rPr lang="pt-BR" dirty="0" smtClean="0"/>
+              <a:t>da </a:t>
+            </a:r>
+            <a:r>
+              <a:rPr lang="pt-BR" b="1" i="1" dirty="0" smtClean="0"/>
+              <a:t>ação</a:t>
+            </a:r>
+            <a:r>
+              <a:rPr lang="pt-BR" dirty="0" smtClean="0"/>
+              <a:t> tomada.</a:t>
+            </a:r>
+            <a:endParaRPr lang="pt-BR" dirty="0"/>
+          </a:p>
+          <a:p>
             <a:r>
               <a:rPr lang="pt-BR" dirty="0"/>
-              <a:t> tomadas.</a:t>
-            </a:r>
-          </a:p>
-          <a:p>
+              <a:t>Seguindo estes passos, o agente </a:t>
+            </a:r>
+            <a:r>
+              <a:rPr lang="pt-BR" dirty="0" smtClean="0"/>
+              <a:t>aprende </a:t>
+            </a:r>
             <a:r>
               <a:rPr lang="pt-BR" dirty="0"/>
-              <a:t>Seguindo estes passos, o agente deve aprender por si só qual a melhor </a:t>
+              <a:t>por si só qual a melhor </a:t>
             </a:r>
             <a:r>
               <a:rPr lang="pt-BR" b="1" i="1" dirty="0"/>
@@ -12761,28 +13514,29 @@
             </a:r>
             <a:r>
               <a:rPr lang="pt-BR" dirty="0"/>
-              <a:t> deve escolher quando estiver em uma determinada situação, ou seja, </a:t>
+              <a:t> deve escolher quando </a:t>
             </a:r>
             <a:r>
               <a:rPr lang="pt-BR" dirty="0" smtClean="0"/>
-              <a:t>em um </a:t>
-            </a:r>
-            <a:r>
-              <a:rPr lang="pt-BR" b="1" i="1" dirty="0"/>
+              <a:t>o </a:t>
+            </a:r>
+            <a:r>
+              <a:rPr lang="pt-BR" b="1" i="1" dirty="0" smtClean="0"/>
+              <a:t>ambiente</a:t>
+            </a:r>
+            <a:r>
+              <a:rPr lang="pt-BR" dirty="0" smtClean="0"/>
+              <a:t> estiver em um determinado </a:t>
+            </a:r>
+            <a:r>
+              <a:rPr lang="pt-BR" b="1" i="1" dirty="0" smtClean="0"/>
               <a:t>estado</a:t>
             </a:r>
             <a:r>
-              <a:rPr lang="pt-BR" dirty="0"/>
-              <a:t> do </a:t>
-            </a:r>
-            <a:r>
-              <a:rPr lang="pt-BR" b="1" i="1" dirty="0"/>
-              <a:t>ambiente</a:t>
-            </a:r>
-            <a:r>
-              <a:rPr lang="pt-BR" dirty="0"/>
+              <a:rPr lang="pt-BR" dirty="0" smtClean="0"/>
               <a:t>.</a:t>
             </a:r>
+            <a:endParaRPr lang="pt-BR" dirty="0"/>
           </a:p>
           <a:p>
             <a:r>
@@ -12846,7 +13600,7 @@
       </p:sp>
       <p:pic>
         <p:nvPicPr>
-          <p:cNvPr id="5" name="Picture 4"/>
+          <p:cNvPr id="8" name="Picture 4"/>
           <p:cNvPicPr>
             <a:picLocks noChangeAspect="1"/>
           </p:cNvPicPr>
@@ -12869,7 +13623,7 @@
       </p:pic>
       <p:pic>
         <p:nvPicPr>
-          <p:cNvPr id="3074" name="Picture 2" descr="Three Things to Know About Reinforcement Learning"/>
+          <p:cNvPr id="9" name="Picture 2" descr="Three Things to Know About Reinforcement Learning"/>
           <p:cNvPicPr>
             <a:picLocks noChangeAspect="1" noChangeArrowheads="1"/>
           </p:cNvPicPr>
@@ -12909,7 +13663,7 @@
     </p:spTree>
     <p:extLst>
       <p:ext uri="{BB962C8B-B14F-4D97-AF65-F5344CB8AC3E}">
-        <p14:creationId xmlns:p14="http://schemas.microsoft.com/office/powerpoint/2010/main" val="1373984689"/>
+        <p14:creationId xmlns:p14="http://schemas.microsoft.com/office/powerpoint/2010/main" val="609307716"/>
       </p:ext>
     </p:extLst>
   </p:cSld>
@@ -13105,11 +13859,7 @@
           <a:p>
             <a:r>
               <a:rPr lang="pt-BR" smtClean="0"/>
-              <a:t>Não </a:t>
-            </a:r>
-            <a:r>
-              <a:rPr lang="pt-BR" smtClean="0"/>
-              <a:t>nos </a:t>
+              <a:t>Não nos </a:t>
             </a:r>
             <a:r>
               <a:rPr lang="pt-BR" dirty="0" smtClean="0"/>
@@ -13162,7 +13912,7 @@
       </p:grpSpPr>
       <p:sp>
         <p:nvSpPr>
-          <p:cNvPr id="2" name="Title 1"/>
+          <p:cNvPr id="2" name="Título 1"/>
           <p:cNvSpPr>
             <a:spLocks noGrp="1"/>
           </p:cNvSpPr>
@@ -13183,13 +13933,13 @@
               <a:rPr lang="pt-PT" dirty="0"/>
               <a:t>Metaheurístico</a:t>
             </a:r>
-            <a:endParaRPr lang="pt-BR" dirty="0"/>
+            <a:endParaRPr lang="en-US" dirty="0"/>
           </a:p>
         </p:txBody>
       </p:sp>
       <p:sp>
         <p:nvSpPr>
-          <p:cNvPr id="3" name="Content Placeholder 2"/>
+          <p:cNvPr id="3" name="Espaço Reservado para Conteúdo 2"/>
           <p:cNvSpPr>
             <a:spLocks noGrp="1"/>
           </p:cNvSpPr>
@@ -13199,48 +13949,36 @@
         </p:nvSpPr>
         <p:spPr>
           <a:xfrm>
-            <a:off x="838199" y="1825624"/>
-            <a:ext cx="11146971" cy="5032375"/>
+            <a:off x="838201" y="1825624"/>
+            <a:ext cx="10938468" cy="5032375"/>
           </a:xfrm>
         </p:spPr>
         <p:txBody>
           <a:bodyPr>
-            <a:normAutofit fontScale="92500" lnSpcReduction="10000"/>
+            <a:normAutofit fontScale="92500" lnSpcReduction="20000"/>
           </a:bodyPr>
           <a:lstStyle/>
           <a:p>
             <a:pPr algn="just"/>
             <a:r>
-              <a:rPr lang="pt-BR" dirty="0" smtClean="0"/>
+              <a:rPr lang="pt-BR" dirty="0"/>
               <a:t>Uma </a:t>
             </a:r>
             <a:r>
-              <a:rPr lang="pt-BR" b="1" i="1" dirty="0" smtClean="0"/>
+              <a:rPr lang="pt-BR" b="1" i="1" dirty="0" err="1"/>
               <a:t>metaheurística</a:t>
             </a:r>
             <a:r>
-              <a:rPr lang="pt-BR" dirty="0" smtClean="0"/>
-              <a:t> </a:t>
-            </a:r>
-            <a:r>
               <a:rPr lang="pt-BR" dirty="0"/>
-              <a:t>é um </a:t>
-            </a:r>
-            <a:r>
-              <a:rPr lang="pt-BR" dirty="0" smtClean="0"/>
-              <a:t>método </a:t>
-            </a:r>
-            <a:r>
-              <a:rPr lang="pt-BR" b="1" i="1" dirty="0" smtClean="0"/>
-              <a:t>heurístico</a:t>
-            </a:r>
-            <a:r>
-              <a:rPr lang="pt-BR" dirty="0" smtClean="0"/>
-              <a:t> usado para </a:t>
+              <a:t> é um algoritmo usado para encontrar soluções de </a:t>
+            </a:r>
+            <a:r>
+              <a:rPr lang="pt-BR" b="1" i="1" dirty="0"/>
+              <a:t>forma rápida</a:t>
             </a:r>
             <a:r>
               <a:rPr lang="pt-BR" dirty="0"/>
-              <a:t>resolver de forma </a:t>
+              <a:t> e </a:t>
             </a:r>
             <a:r>
               <a:rPr lang="pt-BR" b="1" i="1" dirty="0"/>
@@ -13248,11 +13986,70 @@
             </a:r>
             <a:r>
               <a:rPr lang="pt-BR" dirty="0"/>
-              <a:t> problemas de </a:t>
-            </a:r>
-            <a:r>
-              <a:rPr lang="pt-BR" dirty="0" smtClean="0"/>
-              <a:t>otimização.</a:t>
+              <a:t>, mas muitas vezes </a:t>
+            </a:r>
+            <a:r>
+              <a:rPr lang="pt-BR" b="1" i="1" dirty="0" err="1"/>
+              <a:t>sub-ótimas</a:t>
+            </a:r>
+            <a:r>
+              <a:rPr lang="pt-BR" dirty="0"/>
+              <a:t>, para </a:t>
+            </a:r>
+            <a:r>
+              <a:rPr lang="pt-BR" b="1" i="1" dirty="0"/>
+              <a:t>problemas</a:t>
+            </a:r>
+            <a:r>
+              <a:rPr lang="pt-BR" dirty="0"/>
+              <a:t> </a:t>
+            </a:r>
+            <a:r>
+              <a:rPr lang="pt-BR" b="1" i="1" dirty="0"/>
+              <a:t>complexos de otimização.</a:t>
+            </a:r>
+            <a:endParaRPr lang="pt-BR" dirty="0"/>
+          </a:p>
+          <a:p>
+            <a:pPr algn="just"/>
+            <a:r>
+              <a:rPr lang="pt-BR" dirty="0" err="1"/>
+              <a:t>Metaheurísticas</a:t>
+            </a:r>
+            <a:r>
+              <a:rPr lang="pt-BR" dirty="0"/>
+              <a:t> são geralmente aplicadas a problemas para os quais </a:t>
+            </a:r>
+            <a:r>
+              <a:rPr lang="pt-BR" b="1" i="1" dirty="0"/>
+              <a:t>não se conhece um algoritmo eficiente </a:t>
+            </a:r>
+            <a:r>
+              <a:rPr lang="pt-BR" dirty="0"/>
+              <a:t>ou </a:t>
+            </a:r>
+            <a:r>
+              <a:rPr lang="pt-BR" b="1" i="1" dirty="0"/>
+              <a:t>não se tem uma solução conhecida</a:t>
+            </a:r>
+            <a:r>
+              <a:rPr lang="pt-BR" dirty="0"/>
+              <a:t>.</a:t>
+            </a:r>
+          </a:p>
+          <a:p>
+            <a:pPr algn="just"/>
+            <a:r>
+              <a:rPr lang="pt-BR" dirty="0"/>
+              <a:t>Características das </a:t>
+            </a:r>
+            <a:r>
+              <a:rPr lang="pt-BR" dirty="0" err="1"/>
+              <a:t>metaheurísticas</a:t>
+            </a:r>
+            <a:r>
+              <a:rPr lang="pt-BR" dirty="0"/>
+              <a:t>:</a:t>
             </a:r>
           </a:p>
           <a:p>
@@ -13261,66 +14058,32 @@
               <a:buChar char="§"/>
             </a:pPr>
             <a:r>
+              <a:rPr lang="pt-BR" dirty="0"/>
+              <a:t>não </a:t>
+            </a:r>
+            <a:r>
               <a:rPr lang="pt-BR" b="1" i="1" dirty="0"/>
-              <a:t>Heurística</a:t>
+              <a:t>garantem que uma solução ótima seja encontrada</a:t>
             </a:r>
             <a:r>
               <a:rPr lang="pt-BR" dirty="0"/>
-              <a:t> é um método ou processo criado com o objetivo de encontrar soluções, </a:t>
-            </a:r>
-            <a:r>
-              <a:rPr lang="pt-BR" dirty="0" smtClean="0"/>
-              <a:t>de </a:t>
-            </a:r>
-            <a:r>
-              <a:rPr lang="pt-BR" b="1" i="1" dirty="0" smtClean="0"/>
-              <a:t>forma rápida</a:t>
-            </a:r>
-            <a:r>
-              <a:rPr lang="pt-BR" dirty="0" smtClean="0"/>
-              <a:t>, mas muitas </a:t>
+              <a:t>, mas podem encontrar uma </a:t>
+            </a:r>
+            <a:r>
+              <a:rPr lang="pt-BR" b="1" i="1" dirty="0"/>
+              <a:t>solução suficientemente boa </a:t>
             </a:r>
             <a:r>
               <a:rPr lang="pt-BR" dirty="0"/>
-              <a:t>vezes </a:t>
-            </a:r>
-            <a:r>
-              <a:rPr lang="pt-BR" b="1" i="1" dirty="0"/>
-              <a:t>sub-ótimas</a:t>
+              <a:t>(</a:t>
+            </a:r>
+            <a:r>
+              <a:rPr lang="pt-BR" dirty="0" err="1"/>
+              <a:t>sub-ótima</a:t>
             </a:r>
             <a:r>
               <a:rPr lang="pt-BR" dirty="0"/>
-              <a:t>, para </a:t>
-            </a:r>
-            <a:r>
-              <a:rPr lang="pt-BR" dirty="0" smtClean="0"/>
-              <a:t>problemas complexos.</a:t>
-            </a:r>
-          </a:p>
-          <a:p>
-            <a:pPr algn="just"/>
-            <a:r>
-              <a:rPr lang="pt-BR" b="1" i="1" dirty="0" smtClean="0"/>
-              <a:t>Metaheurísticas</a:t>
-            </a:r>
-            <a:r>
-              <a:rPr lang="pt-BR" dirty="0" smtClean="0"/>
-              <a:t> </a:t>
-            </a:r>
-            <a:r>
-              <a:rPr lang="pt-BR" dirty="0"/>
-              <a:t>são geralmente aplicadas a problemas para os quais não se conhece </a:t>
-            </a:r>
-            <a:r>
-              <a:rPr lang="pt-BR" dirty="0" smtClean="0"/>
-              <a:t>um algoritmo eficiente ou não se tem uma solução conhecida.</a:t>
-            </a:r>
-          </a:p>
-          <a:p>
-            <a:pPr algn="just"/>
-            <a:r>
-              <a:rPr lang="pt-BR" dirty="0" smtClean="0"/>
-              <a:t>Características das metaheurísticas:</a:t>
+              <a:t>).</a:t>
             </a:r>
           </a:p>
           <a:p>
@@ -13329,32 +14092,16 @@
               <a:buChar char="§"/>
             </a:pPr>
             <a:r>
-              <a:rPr lang="pt-BR" dirty="0" smtClean="0"/>
-              <a:t>não </a:t>
-            </a:r>
-            <a:r>
               <a:rPr lang="pt-BR" dirty="0"/>
-              <a:t>garantem que uma solução globalmente ótima </a:t>
-            </a:r>
-            <a:r>
-              <a:rPr lang="pt-BR" dirty="0" smtClean="0"/>
-              <a:t>seja encontrada, mas </a:t>
+              <a:t>são estratégias </a:t>
+            </a:r>
+            <a:r>
+              <a:rPr lang="pt-BR" b="1" i="1" dirty="0"/>
+              <a:t>que orientam o processo de busca através do espaço de soluções</a:t>
             </a:r>
             <a:r>
               <a:rPr lang="pt-BR" dirty="0"/>
-              <a:t>podem encontrar </a:t>
-            </a:r>
-            <a:r>
-              <a:rPr lang="pt-BR" dirty="0" smtClean="0"/>
-              <a:t>uma solução </a:t>
-            </a:r>
-            <a:r>
-              <a:rPr lang="pt-BR" dirty="0"/>
-              <a:t>suficientemente </a:t>
-            </a:r>
-            <a:r>
-              <a:rPr lang="pt-BR" dirty="0" smtClean="0"/>
-              <a:t>boa (sub-ótima).</a:t>
+              <a:t>.</a:t>
             </a:r>
           </a:p>
           <a:p>
@@ -13363,16 +14110,16 @@
               <a:buChar char="§"/>
             </a:pPr>
             <a:r>
-              <a:rPr lang="pt-BR" dirty="0" smtClean="0"/>
-              <a:t>são </a:t>
-            </a:r>
-            <a:r>
               <a:rPr lang="pt-BR" dirty="0"/>
-              <a:t>estratégias que orientam o processo de </a:t>
-            </a:r>
-            <a:r>
-              <a:rPr lang="pt-BR" dirty="0" smtClean="0"/>
-              <a:t>busca através do espaço de soluções.</a:t>
+              <a:t>não são específicas do problema, ou seja, </a:t>
+            </a:r>
+            <a:r>
+              <a:rPr lang="pt-BR" b="1" i="1" dirty="0"/>
+              <a:t>são genéricas</a:t>
+            </a:r>
+            <a:r>
+              <a:rPr lang="pt-BR" dirty="0"/>
+              <a:t>.</a:t>
             </a:r>
           </a:p>
           <a:p>
@@ -13382,64 +14129,63 @@
             </a:pPr>
             <a:r>
               <a:rPr lang="pt-BR" dirty="0"/>
-              <a:t>não são específicas do </a:t>
+              <a:t>funcionam bem mesmo em dispositivos com </a:t>
+            </a:r>
+            <a:r>
+              <a:rPr lang="pt-BR" b="1" i="1" dirty="0"/>
+              <a:t>capacidade computacional </a:t>
+            </a:r>
+            <a:r>
+              <a:rPr lang="pt-BR" b="1" i="1" dirty="0" smtClean="0"/>
+              <a:t>limitada</a:t>
             </a:r>
             <a:r>
               <a:rPr lang="pt-BR" dirty="0" smtClean="0"/>
-              <a:t>problema, ou seja, são genéricas.</a:t>
-            </a:r>
-          </a:p>
-          <a:p>
-            <a:pPr lvl="1" algn="just">
-              <a:buFont typeface="Wingdings" panose="05000000000000000000" pitchFamily="2" charset="2"/>
-              <a:buChar char="§"/>
-            </a:pPr>
+              <a:t> (e.g., dispositivos </a:t>
+            </a:r>
+            <a:r>
+              <a:rPr lang="pt-BR" dirty="0" err="1" smtClean="0"/>
+              <a:t>IoT</a:t>
+            </a:r>
+            <a:r>
+              <a:rPr lang="pt-BR" dirty="0" smtClean="0"/>
+              <a:t>).</a:t>
+            </a:r>
+            <a:endParaRPr lang="pt-BR" dirty="0"/>
+          </a:p>
+          <a:p>
+            <a:pPr algn="just"/>
             <a:r>
               <a:rPr lang="pt-BR" dirty="0"/>
-              <a:t>f</a:t>
+              <a:t>São algoritmos inspirados pelo </a:t>
+            </a:r>
+            <a:r>
+              <a:rPr lang="pt-BR" b="1" i="1" dirty="0"/>
+              <a:t>processo de seleção natural </a:t>
+            </a:r>
+            <a:r>
+              <a:rPr lang="pt-BR" dirty="0"/>
+              <a:t>(e.g., algoritmo </a:t>
             </a:r>
             <a:r>
               <a:rPr lang="pt-BR" dirty="0" smtClean="0"/>
-              <a:t>uncionam bem mesmo </a:t>
+              <a:t>genético) ou </a:t>
             </a:r>
             <a:r>
               <a:rPr lang="pt-BR" dirty="0"/>
-              <a:t>com capacidade de computação </a:t>
+              <a:t>no </a:t>
+            </a:r>
+            <a:r>
+              <a:rPr lang="pt-BR" b="1" i="1" dirty="0"/>
+              <a:t>comportamento de grupos de animais </a:t>
+            </a:r>
+            <a:r>
+              <a:rPr lang="pt-BR" dirty="0"/>
+              <a:t>(e.g., otimização da colônia de formigas</a:t>
             </a:r>
             <a:r>
               <a:rPr lang="pt-BR" dirty="0" smtClean="0"/>
-              <a:t>limitada.</a:t>
-            </a:r>
-          </a:p>
-          <a:p>
-            <a:pPr algn="just"/>
-            <a:r>
-              <a:rPr lang="pt-BR" dirty="0" smtClean="0"/>
-              <a:t>São algoritmos inspirados </a:t>
-            </a:r>
-            <a:r>
-              <a:rPr lang="pt-BR" dirty="0"/>
-              <a:t>pelo processo de seleção </a:t>
-            </a:r>
-            <a:r>
-              <a:rPr lang="pt-BR" dirty="0" smtClean="0"/>
-              <a:t>natural (algoritmo genético) ou no comportamento </a:t>
-            </a:r>
-            <a:r>
-              <a:rPr lang="pt-BR" dirty="0"/>
-              <a:t>de animais </a:t>
-            </a:r>
-            <a:r>
-              <a:rPr lang="pt-BR" dirty="0" smtClean="0"/>
-              <a:t>(otimização da colônia </a:t>
-            </a:r>
-            <a:r>
-              <a:rPr lang="pt-BR" dirty="0"/>
-              <a:t>de </a:t>
-            </a:r>
-            <a:r>
-              <a:rPr lang="pt-BR" dirty="0" smtClean="0"/>
-              <a:t>formigas).</a:t>
+              <a:t>).</a:t>
             </a:r>
             <a:endParaRPr lang="pt-BR" dirty="0"/>
           </a:p>
@@ -13448,20 +14194,13 @@
     </p:spTree>
     <p:extLst>
       <p:ext uri="{BB962C8B-B14F-4D97-AF65-F5344CB8AC3E}">
-        <p14:creationId xmlns:p14="http://schemas.microsoft.com/office/powerpoint/2010/main" val="1457676146"/>
+        <p14:creationId xmlns:p14="http://schemas.microsoft.com/office/powerpoint/2010/main" val="3670090108"/>
       </p:ext>
     </p:extLst>
   </p:cSld>
   <p:clrMapOvr>
     <a:masterClrMapping/>
   </p:clrMapOvr>
-  <p:timing>
-    <p:tnLst>
-      <p:par>
-        <p:cTn id="1" dur="indefinite" restart="never" nodeType="tmRoot"/>
-      </p:par>
-    </p:tnLst>
-  </p:timing>
 </p:sld>
 </file>
 
@@ -13498,12 +14237,8 @@
           <a:lstStyle/>
           <a:p>
             <a:r>
-              <a:rPr lang="pt-BR" dirty="0"/>
-              <a:t>Executando </a:t>
-            </a:r>
-            <a:r>
               <a:rPr lang="pt-BR" dirty="0" smtClean="0"/>
-              <a:t>os códigos</a:t>
+              <a:t>Executando códigos</a:t>
             </a:r>
             <a:endParaRPr lang="pt-BR" dirty="0"/>
           </a:p>
@@ -13521,13 +14256,13 @@
         </p:nvSpPr>
         <p:spPr>
           <a:xfrm>
-            <a:off x="838199" y="1825624"/>
-            <a:ext cx="7568382" cy="5032375"/>
+            <a:off x="838198" y="1825624"/>
+            <a:ext cx="7882055" cy="5032375"/>
           </a:xfrm>
         </p:spPr>
         <p:txBody>
           <a:bodyPr>
-            <a:normAutofit fontScale="92500"/>
+            <a:normAutofit fontScale="92500" lnSpcReduction="10000"/>
           </a:bodyPr>
           <a:lstStyle/>
           <a:p>
@@ -13550,32 +14285,6 @@
             <a:r>
               <a:rPr lang="pt-BR" dirty="0" smtClean="0"/>
               <a:t>.</a:t>
-            </a:r>
-          </a:p>
-          <a:p>
-            <a:r>
-              <a:rPr lang="pt-BR" dirty="0" smtClean="0"/>
-              <a:t>Utilizaremos</a:t>
-            </a:r>
-            <a:r>
-              <a:rPr lang="pt-BR" dirty="0"/>
-              <a:t> </a:t>
-            </a:r>
-            <a:r>
-              <a:rPr lang="pt-BR" b="1" i="1" dirty="0"/>
-              <a:t>notebooks </a:t>
-            </a:r>
-            <a:r>
-              <a:rPr lang="pt-BR" b="1" i="1" dirty="0" smtClean="0"/>
-              <a:t>Jupyter</a:t>
-            </a:r>
-            <a:r>
-              <a:rPr lang="pt-BR" dirty="0"/>
-              <a:t> </a:t>
-            </a:r>
-            <a:r>
-              <a:rPr lang="pt-BR" dirty="0" smtClean="0"/>
-              <a:t>para execução de exemplos e resolução dos exercícios práticos.</a:t>
             </a:r>
           </a:p>
           <a:p>
@@ -13585,15 +14294,41 @@
             </a:pPr>
             <a:r>
               <a:rPr lang="pt-BR" dirty="0" smtClean="0"/>
-              <a:t>Eles são </a:t>
+              <a:t>Fácil de aprender, possui várias bibliotecas, é a linguagem mais utilizada em ML e é </a:t>
+            </a:r>
+            <a:r>
+              <a:rPr lang="pt-BR" i="1" dirty="0" smtClean="0"/>
+              <a:t>open-source</a:t>
+            </a:r>
+            <a:r>
+              <a:rPr lang="pt-BR" dirty="0" smtClean="0"/>
+              <a:t> e gratuita.</a:t>
+            </a:r>
+          </a:p>
+          <a:p>
+            <a:r>
+              <a:rPr lang="pt-BR" dirty="0" smtClean="0"/>
+              <a:t>Utilizaremos</a:t>
+            </a:r>
+            <a:r>
+              <a:rPr lang="pt-BR" dirty="0"/>
+              <a:t> </a:t>
+            </a:r>
+            <a:r>
+              <a:rPr lang="pt-BR" b="1" i="1" dirty="0"/>
+              <a:t>notebooks </a:t>
             </a:r>
             <a:r>
               <a:rPr lang="pt-BR" b="1" i="1" dirty="0" smtClean="0"/>
-              <a:t>documentos virtuais </a:t>
+              <a:t>Jupyter</a:t>
+            </a:r>
+            <a:r>
+              <a:rPr lang="pt-BR" dirty="0"/>
+              <a:t> </a:t>
             </a:r>
             <a:r>
               <a:rPr lang="pt-BR" dirty="0" smtClean="0"/>
-              <a:t>usados para criar e documentar código. </a:t>
+              <a:t>para execução de exemplos e resolução dos exercícios práticos.</a:t>
             </a:r>
           </a:p>
           <a:p>
@@ -13603,6 +14338,24 @@
             </a:pPr>
             <a:r>
               <a:rPr lang="pt-BR" dirty="0" smtClean="0"/>
+              <a:t>Eles são </a:t>
+            </a:r>
+            <a:r>
+              <a:rPr lang="pt-BR" b="1" i="1" dirty="0" smtClean="0"/>
+              <a:t>documentos virtuais </a:t>
+            </a:r>
+            <a:r>
+              <a:rPr lang="pt-BR" dirty="0" smtClean="0"/>
+              <a:t>usados para desenvolver e documentar código. </a:t>
+            </a:r>
+          </a:p>
+          <a:p>
+            <a:pPr lvl="1">
+              <a:buFont typeface="Wingdings" panose="05000000000000000000" pitchFamily="2" charset="2"/>
+              <a:buChar char="§"/>
+            </a:pPr>
+            <a:r>
+              <a:rPr lang="pt-BR" dirty="0" smtClean="0"/>
               <a:t>Pode-se adicionar equações, gráficos e texto, além de código.</a:t>
             </a:r>
             <a:endParaRPr lang="pt-BR" dirty="0"/>
@@ -13626,15 +14379,7 @@
             </a:r>
             <a:r>
               <a:rPr lang="pt-BR" dirty="0" smtClean="0"/>
-              <a:t>, que são ambientes computacionais (i.e., servidores) </a:t>
-            </a:r>
-            <a:r>
-              <a:rPr lang="pt-BR" dirty="0"/>
-              <a:t>interativos </a:t>
-            </a:r>
-            <a:r>
-              <a:rPr lang="pt-BR" dirty="0" smtClean="0"/>
-              <a:t>e gratuitos.</a:t>
+              <a:t>, que são ambientes computacionais interativos e gratuitos executados na nuvem.</a:t>
             </a:r>
           </a:p>
           <a:p>
@@ -13654,248 +14399,263 @@
           </a:p>
         </p:txBody>
       </p:sp>
-      <p:pic>
-        <p:nvPicPr>
-          <p:cNvPr id="4" name="Picture 2" descr="Python logo"/>
-          <p:cNvPicPr>
-            <a:picLocks noChangeAspect="1" noChangeArrowheads="1"/>
-          </p:cNvPicPr>
+      <p:grpSp>
+        <p:nvGrpSpPr>
+          <p:cNvPr id="8" name="Grupo 7"/>
+          <p:cNvGrpSpPr/>
           <p:nvPr/>
-        </p:nvPicPr>
-        <p:blipFill>
-          <a:blip r:embed="rId2">
+        </p:nvGrpSpPr>
+        <p:grpSpPr>
+          <a:xfrm>
+            <a:off x="8720252" y="2668036"/>
+            <a:ext cx="3367669" cy="2093536"/>
+            <a:chOff x="8279312" y="2668035"/>
+            <a:chExt cx="3912688" cy="2267359"/>
+          </a:xfrm>
+        </p:grpSpPr>
+        <p:pic>
+          <p:nvPicPr>
+            <p:cNvPr id="4" name="Picture 2" descr="Python logo"/>
+            <p:cNvPicPr>
+              <a:picLocks noChangeAspect="1" noChangeArrowheads="1"/>
+            </p:cNvPicPr>
+            <p:nvPr/>
+          </p:nvPicPr>
+          <p:blipFill>
+            <a:blip r:embed="rId2">
+              <a:extLst>
+                <a:ext uri="{28A0092B-C50C-407E-A947-70E740481C1C}">
+                  <a14:useLocalDpi xmlns:a14="http://schemas.microsoft.com/office/drawing/2010/main" val="0"/>
+                </a:ext>
+              </a:extLst>
+            </a:blip>
+            <a:srcRect/>
+            <a:stretch>
+              <a:fillRect/>
+            </a:stretch>
+          </p:blipFill>
+          <p:spPr bwMode="auto">
+            <a:xfrm>
+              <a:off x="8279312" y="2668035"/>
+              <a:ext cx="1193934" cy="1193934"/>
+            </a:xfrm>
+            <a:prstGeom prst="rect">
+              <a:avLst/>
+            </a:prstGeom>
+            <a:noFill/>
             <a:extLst>
-              <a:ext uri="{28A0092B-C50C-407E-A947-70E740481C1C}">
-                <a14:useLocalDpi xmlns:a14="http://schemas.microsoft.com/office/drawing/2010/main" val="0"/>
+              <a:ext uri="{909E8E84-426E-40DD-AFC4-6F175D3DCCD1}">
+                <a14:hiddenFill xmlns:a14="http://schemas.microsoft.com/office/drawing/2010/main">
+                  <a:solidFill>
+                    <a:srgbClr val="FFFFFF"/>
+                  </a:solidFill>
+                </a14:hiddenFill>
               </a:ext>
             </a:extLst>
-          </a:blip>
-          <a:srcRect/>
-          <a:stretch>
-            <a:fillRect/>
-          </a:stretch>
-        </p:blipFill>
-        <p:spPr bwMode="auto">
-          <a:xfrm>
-            <a:off x="8190821" y="2523069"/>
-            <a:ext cx="1193934" cy="1193934"/>
-          </a:xfrm>
-          <a:prstGeom prst="rect">
-            <a:avLst/>
-          </a:prstGeom>
-          <a:noFill/>
-          <a:extLst>
-            <a:ext uri="{909E8E84-426E-40DD-AFC4-6F175D3DCCD1}">
-              <a14:hiddenFill xmlns:a14="http://schemas.microsoft.com/office/drawing/2010/main">
-                <a:solidFill>
-                  <a:srgbClr val="FFFFFF"/>
-                </a:solidFill>
-              </a14:hiddenFill>
-            </a:ext>
-          </a:extLst>
-        </p:spPr>
-      </p:pic>
-      <p:pic>
-        <p:nvPicPr>
-          <p:cNvPr id="5" name="Picture 4" descr="Image result for jupyter"/>
-          <p:cNvPicPr>
-            <a:picLocks noChangeAspect="1" noChangeArrowheads="1"/>
-          </p:cNvPicPr>
-          <p:nvPr/>
-        </p:nvPicPr>
-        <p:blipFill rotWithShape="1">
-          <a:blip r:embed="rId3" cstate="print">
+          </p:spPr>
+        </p:pic>
+        <p:pic>
+          <p:nvPicPr>
+            <p:cNvPr id="5" name="Picture 4" descr="Image result for jupyter"/>
+            <p:cNvPicPr>
+              <a:picLocks noChangeAspect="1" noChangeArrowheads="1"/>
+            </p:cNvPicPr>
+            <p:nvPr/>
+          </p:nvPicPr>
+          <p:blipFill rotWithShape="1">
+            <a:blip r:embed="rId3" cstate="print">
+              <a:extLst>
+                <a:ext uri="{28A0092B-C50C-407E-A947-70E740481C1C}">
+                  <a14:useLocalDpi xmlns:a14="http://schemas.microsoft.com/office/drawing/2010/main" val="0"/>
+                </a:ext>
+              </a:extLst>
+            </a:blip>
+            <a:srcRect l="3671" t="8603" r="3244" b="8448"/>
+            <a:stretch/>
+          </p:blipFill>
+          <p:spPr bwMode="auto">
+            <a:xfrm>
+              <a:off x="9833367" y="2668035"/>
+              <a:ext cx="2358633" cy="1044334"/>
+            </a:xfrm>
+            <a:prstGeom prst="rect">
+              <a:avLst/>
+            </a:prstGeom>
+            <a:noFill/>
             <a:extLst>
-              <a:ext uri="{28A0092B-C50C-407E-A947-70E740481C1C}">
-                <a14:useLocalDpi xmlns:a14="http://schemas.microsoft.com/office/drawing/2010/main" val="0"/>
+              <a:ext uri="{909E8E84-426E-40DD-AFC4-6F175D3DCCD1}">
+                <a14:hiddenFill xmlns:a14="http://schemas.microsoft.com/office/drawing/2010/main">
+                  <a:solidFill>
+                    <a:srgbClr val="FFFFFF"/>
+                  </a:solidFill>
+                </a14:hiddenFill>
               </a:ext>
             </a:extLst>
-          </a:blip>
-          <a:srcRect l="3671" t="8603" r="3244" b="8448"/>
-          <a:stretch/>
-        </p:blipFill>
-        <p:spPr bwMode="auto">
-          <a:xfrm>
-            <a:off x="9744876" y="2523069"/>
-            <a:ext cx="2358633" cy="1044334"/>
-          </a:xfrm>
-          <a:prstGeom prst="rect">
-            <a:avLst/>
-          </a:prstGeom>
-          <a:noFill/>
-          <a:extLst>
-            <a:ext uri="{909E8E84-426E-40DD-AFC4-6F175D3DCCD1}">
-              <a14:hiddenFill xmlns:a14="http://schemas.microsoft.com/office/drawing/2010/main">
-                <a:solidFill>
-                  <a:srgbClr val="FFFFFF"/>
-                </a:solidFill>
-              </a14:hiddenFill>
-            </a:ext>
-          </a:extLst>
-        </p:spPr>
-      </p:pic>
-      <p:pic>
-        <p:nvPicPr>
-          <p:cNvPr id="6" name="Picture 2" descr="A Complete guide to Google Colab for Deep Learning"/>
-          <p:cNvPicPr>
-            <a:picLocks noChangeAspect="1" noChangeArrowheads="1"/>
-          </p:cNvPicPr>
-          <p:nvPr/>
-        </p:nvPicPr>
-        <p:blipFill rotWithShape="1">
-          <a:blip r:embed="rId4" cstate="print">
+          </p:spPr>
+        </p:pic>
+        <p:pic>
+          <p:nvPicPr>
+            <p:cNvPr id="6" name="Picture 2" descr="A Complete guide to Google Colab for Deep Learning"/>
+            <p:cNvPicPr>
+              <a:picLocks noChangeAspect="1" noChangeArrowheads="1"/>
+            </p:cNvPicPr>
+            <p:nvPr/>
+          </p:nvPicPr>
+          <p:blipFill rotWithShape="1">
+            <a:blip r:embed="rId4" cstate="print">
+              <a:extLst>
+                <a:ext uri="{28A0092B-C50C-407E-A947-70E740481C1C}">
+                  <a14:useLocalDpi xmlns:a14="http://schemas.microsoft.com/office/drawing/2010/main" val="0"/>
+                </a:ext>
+              </a:extLst>
+            </a:blip>
+            <a:srcRect l="10635" t="12614" r="10002" b="18232"/>
+            <a:stretch/>
+          </p:blipFill>
+          <p:spPr bwMode="auto">
+            <a:xfrm>
+              <a:off x="10382114" y="4315690"/>
+              <a:ext cx="1608495" cy="619704"/>
+            </a:xfrm>
+            <a:prstGeom prst="rect">
+              <a:avLst/>
+            </a:prstGeom>
+            <a:noFill/>
             <a:extLst>
-              <a:ext uri="{28A0092B-C50C-407E-A947-70E740481C1C}">
-                <a14:useLocalDpi xmlns:a14="http://schemas.microsoft.com/office/drawing/2010/main" val="0"/>
+              <a:ext uri="{909E8E84-426E-40DD-AFC4-6F175D3DCCD1}">
+                <a14:hiddenFill xmlns:a14="http://schemas.microsoft.com/office/drawing/2010/main">
+                  <a:solidFill>
+                    <a:srgbClr val="FFFFFF"/>
+                  </a:solidFill>
+                </a14:hiddenFill>
               </a:ext>
             </a:extLst>
-          </a:blip>
-          <a:srcRect l="10635" t="12614" r="10002" b="18232"/>
-          <a:stretch/>
-        </p:blipFill>
-        <p:spPr bwMode="auto">
-          <a:xfrm>
-            <a:off x="10293623" y="4170724"/>
-            <a:ext cx="1608495" cy="619704"/>
-          </a:xfrm>
-          <a:prstGeom prst="rect">
-            <a:avLst/>
-          </a:prstGeom>
-          <a:noFill/>
-          <a:extLst>
-            <a:ext uri="{909E8E84-426E-40DD-AFC4-6F175D3DCCD1}">
-              <a14:hiddenFill xmlns:a14="http://schemas.microsoft.com/office/drawing/2010/main">
-                <a:solidFill>
-                  <a:srgbClr val="FFFFFF"/>
-                </a:solidFill>
-              </a14:hiddenFill>
-            </a:ext>
-          </a:extLst>
-        </p:spPr>
-      </p:pic>
-      <p:pic>
-        <p:nvPicPr>
-          <p:cNvPr id="7" name="Picture 6" descr="Binder"/>
-          <p:cNvPicPr>
-            <a:picLocks noChangeAspect="1" noChangeArrowheads="1"/>
-          </p:cNvPicPr>
-          <p:nvPr/>
-        </p:nvPicPr>
-        <p:blipFill rotWithShape="1">
-          <a:blip r:embed="rId5" cstate="print">
+          </p:spPr>
+        </p:pic>
+        <p:pic>
+          <p:nvPicPr>
+            <p:cNvPr id="7" name="Picture 6" descr="Binder"/>
+            <p:cNvPicPr>
+              <a:picLocks noChangeAspect="1" noChangeArrowheads="1"/>
+            </p:cNvPicPr>
+            <p:nvPr/>
+          </p:nvPicPr>
+          <p:blipFill rotWithShape="1">
+            <a:blip r:embed="rId5" cstate="print">
+              <a:extLst>
+                <a:ext uri="{28A0092B-C50C-407E-A947-70E740481C1C}">
+                  <a14:useLocalDpi xmlns:a14="http://schemas.microsoft.com/office/drawing/2010/main" val="0"/>
+                </a:ext>
+              </a:extLst>
+            </a:blip>
+            <a:srcRect l="8480" t="32120" r="7574" b="30846"/>
+            <a:stretch/>
+          </p:blipFill>
+          <p:spPr bwMode="auto">
+            <a:xfrm>
+              <a:off x="8279313" y="4494019"/>
+              <a:ext cx="1900564" cy="441375"/>
+            </a:xfrm>
+            <a:prstGeom prst="rect">
+              <a:avLst/>
+            </a:prstGeom>
+            <a:noFill/>
             <a:extLst>
-              <a:ext uri="{28A0092B-C50C-407E-A947-70E740481C1C}">
-                <a14:useLocalDpi xmlns:a14="http://schemas.microsoft.com/office/drawing/2010/main" val="0"/>
+              <a:ext uri="{909E8E84-426E-40DD-AFC4-6F175D3DCCD1}">
+                <a14:hiddenFill xmlns:a14="http://schemas.microsoft.com/office/drawing/2010/main">
+                  <a:solidFill>
+                    <a:srgbClr val="FFFFFF"/>
+                  </a:solidFill>
+                </a14:hiddenFill>
               </a:ext>
             </a:extLst>
-          </a:blip>
-          <a:srcRect l="8480" t="32120" r="7574" b="30846"/>
-          <a:stretch/>
-        </p:blipFill>
-        <p:spPr bwMode="auto">
-          <a:xfrm>
-            <a:off x="8190822" y="4349053"/>
-            <a:ext cx="1900564" cy="441375"/>
-          </a:xfrm>
-          <a:prstGeom prst="rect">
-            <a:avLst/>
-          </a:prstGeom>
-          <a:noFill/>
-          <a:extLst>
-            <a:ext uri="{909E8E84-426E-40DD-AFC4-6F175D3DCCD1}">
-              <a14:hiddenFill xmlns:a14="http://schemas.microsoft.com/office/drawing/2010/main">
-                <a:solidFill>
-                  <a:srgbClr val="FFFFFF"/>
-                </a:solidFill>
-              </a14:hiddenFill>
-            </a:ext>
-          </a:extLst>
-        </p:spPr>
-      </p:pic>
-      <p:sp>
-        <p:nvSpPr>
-          <p:cNvPr id="10" name="Plus 9"/>
-          <p:cNvSpPr/>
-          <p:nvPr/>
-        </p:nvSpPr>
-        <p:spPr>
-          <a:xfrm>
-            <a:off x="9384755" y="2841845"/>
-            <a:ext cx="492843" cy="556382"/>
-          </a:xfrm>
-          <a:prstGeom prst="mathPlus">
-            <a:avLst/>
-          </a:prstGeom>
-        </p:spPr>
-        <p:style>
-          <a:lnRef idx="2">
-            <a:schemeClr val="accent1">
-              <a:shade val="50000"/>
-            </a:schemeClr>
-          </a:lnRef>
-          <a:fillRef idx="1">
-            <a:schemeClr val="accent1"/>
-          </a:fillRef>
-          <a:effectRef idx="0">
-            <a:schemeClr val="accent1"/>
-          </a:effectRef>
-          <a:fontRef idx="minor">
-            <a:schemeClr val="lt1"/>
-          </a:fontRef>
-        </p:style>
-        <p:txBody>
-          <a:bodyPr rtlCol="0" anchor="ctr"/>
-          <a:lstStyle/>
-          <a:p>
-            <a:pPr algn="ctr"/>
-            <a:endParaRPr lang="pt-BR"/>
-          </a:p>
-        </p:txBody>
-      </p:sp>
-      <p:sp>
-        <p:nvSpPr>
-          <p:cNvPr id="11" name="Down Arrow 10"/>
-          <p:cNvSpPr/>
-          <p:nvPr/>
-        </p:nvSpPr>
-        <p:spPr>
-          <a:xfrm>
-            <a:off x="9631692" y="3886179"/>
-            <a:ext cx="661931" cy="362561"/>
-          </a:xfrm>
-          <a:prstGeom prst="downArrow">
-            <a:avLst/>
-          </a:prstGeom>
-        </p:spPr>
-        <p:style>
-          <a:lnRef idx="2">
-            <a:schemeClr val="accent1">
-              <a:shade val="50000"/>
-            </a:schemeClr>
-          </a:lnRef>
-          <a:fillRef idx="1">
-            <a:schemeClr val="accent1"/>
-          </a:fillRef>
-          <a:effectRef idx="0">
-            <a:schemeClr val="accent1"/>
-          </a:effectRef>
-          <a:fontRef idx="minor">
-            <a:schemeClr val="lt1"/>
-          </a:fontRef>
-        </p:style>
-        <p:txBody>
-          <a:bodyPr rtlCol="0" anchor="ctr"/>
-          <a:lstStyle/>
-          <a:p>
-            <a:pPr algn="ctr"/>
-            <a:endParaRPr lang="pt-BR"/>
-          </a:p>
-        </p:txBody>
-      </p:sp>
+          </p:spPr>
+        </p:pic>
+        <p:sp>
+          <p:nvSpPr>
+            <p:cNvPr id="10" name="Plus 9"/>
+            <p:cNvSpPr/>
+            <p:nvPr/>
+          </p:nvSpPr>
+          <p:spPr>
+            <a:xfrm>
+              <a:off x="9473246" y="2986811"/>
+              <a:ext cx="492843" cy="556382"/>
+            </a:xfrm>
+            <a:prstGeom prst="mathPlus">
+              <a:avLst/>
+            </a:prstGeom>
+          </p:spPr>
+          <p:style>
+            <a:lnRef idx="2">
+              <a:schemeClr val="accent1">
+                <a:shade val="50000"/>
+              </a:schemeClr>
+            </a:lnRef>
+            <a:fillRef idx="1">
+              <a:schemeClr val="accent1"/>
+            </a:fillRef>
+            <a:effectRef idx="0">
+              <a:schemeClr val="accent1"/>
+            </a:effectRef>
+            <a:fontRef idx="minor">
+              <a:schemeClr val="lt1"/>
+            </a:fontRef>
+          </p:style>
+          <p:txBody>
+            <a:bodyPr rtlCol="0" anchor="ctr"/>
+            <a:lstStyle/>
+            <a:p>
+              <a:pPr algn="ctr"/>
+              <a:endParaRPr lang="pt-BR"/>
+            </a:p>
+          </p:txBody>
+        </p:sp>
+        <p:sp>
+          <p:nvSpPr>
+            <p:cNvPr id="11" name="Down Arrow 10"/>
+            <p:cNvSpPr/>
+            <p:nvPr/>
+          </p:nvSpPr>
+          <p:spPr>
+            <a:xfrm>
+              <a:off x="9720183" y="4031145"/>
+              <a:ext cx="661931" cy="362561"/>
+            </a:xfrm>
+            <a:prstGeom prst="downArrow">
+              <a:avLst/>
+            </a:prstGeom>
+          </p:spPr>
+          <p:style>
+            <a:lnRef idx="2">
+              <a:schemeClr val="accent1">
+                <a:shade val="50000"/>
+              </a:schemeClr>
+            </a:lnRef>
+            <a:fillRef idx="1">
+              <a:schemeClr val="accent1"/>
+            </a:fillRef>
+            <a:effectRef idx="0">
+              <a:schemeClr val="accent1"/>
+            </a:effectRef>
+            <a:fontRef idx="minor">
+              <a:schemeClr val="lt1"/>
+            </a:fontRef>
+          </p:style>
+          <p:txBody>
+            <a:bodyPr rtlCol="0" anchor="ctr"/>
+            <a:lstStyle/>
+            <a:p>
+              <a:pPr algn="ctr"/>
+              <a:endParaRPr lang="pt-BR"/>
+            </a:p>
+          </p:txBody>
+        </p:sp>
+      </p:grpSp>
     </p:spTree>
     <p:extLst>
       <p:ext uri="{BB962C8B-B14F-4D97-AF65-F5344CB8AC3E}">
-        <p14:creationId xmlns:p14="http://schemas.microsoft.com/office/powerpoint/2010/main" val="3249038444"/>
+        <p14:creationId xmlns:p14="http://schemas.microsoft.com/office/powerpoint/2010/main" val="4030211220"/>
       </p:ext>
     </p:extLst>
   </p:cSld>
@@ -13983,7 +14743,7 @@
         </p:spPr>
         <p:txBody>
           <a:bodyPr>
-            <a:normAutofit fontScale="92500"/>
+            <a:normAutofit fontScale="92500" lnSpcReduction="10000"/>
           </a:bodyPr>
           <a:lstStyle/>
           <a:p>
@@ -14095,6 +14855,17 @@
               <a:rPr lang="pt-BR" dirty="0" smtClean="0"/>
               <a:t>.</a:t>
             </a:r>
+          </a:p>
+          <a:p>
+            <a:pPr lvl="1">
+              <a:buFont typeface="Wingdings" panose="05000000000000000000" pitchFamily="2" charset="2"/>
+              <a:buChar char="§"/>
+            </a:pPr>
+            <a:r>
+              <a:rPr lang="pt-BR" dirty="0" smtClean="0"/>
+              <a:t>Não pode ser instalado localmente.</a:t>
+            </a:r>
+            <a:endParaRPr lang="pt-BR" dirty="0" smtClean="0"/>
           </a:p>
           <a:p>
             <a:r>
@@ -14235,12 +15006,12 @@
         <p:spPr>
           <a:xfrm>
             <a:off x="838201" y="2031118"/>
-            <a:ext cx="10829924" cy="4826882"/>
+            <a:ext cx="11127058" cy="4826882"/>
           </a:xfrm>
         </p:spPr>
         <p:txBody>
           <a:bodyPr>
-            <a:normAutofit/>
+            <a:normAutofit lnSpcReduction="10000"/>
           </a:bodyPr>
           <a:lstStyle/>
           <a:p>
@@ -14284,7 +15055,7 @@
           <a:p>
             <a:r>
               <a:rPr lang="pt-BR" dirty="0" smtClean="0"/>
-              <a:t>Vantagem:</a:t>
+              <a:t>Vantagens:</a:t>
             </a:r>
           </a:p>
           <a:p>
@@ -14298,27 +15069,53 @@
             </a:r>
           </a:p>
           <a:p>
-            <a:r>
-              <a:rPr lang="pt-BR" dirty="0" smtClean="0"/>
-              <a:t>Desvantagens:</a:t>
-            </a:r>
-          </a:p>
-          <a:p>
             <a:pPr lvl="1">
               <a:buFont typeface="Wingdings" panose="05000000000000000000" pitchFamily="2" charset="2"/>
               <a:buChar char="§"/>
             </a:pPr>
             <a:r>
               <a:rPr lang="pt-BR" dirty="0" smtClean="0"/>
-              <a:t>Poucos </a:t>
-            </a:r>
-            <a:r>
-              <a:rPr lang="pt-BR" dirty="0"/>
-              <a:t>servidores </a:t>
+              <a:t>Pode ser instalado localmente. </a:t>
+            </a:r>
+            <a:r>
+              <a:rPr lang="pt-BR" dirty="0" smtClean="0">
+                <a:hlinkClick r:id="rId3"/>
+              </a:rPr>
+              <a:t>Tutorial para </a:t>
+            </a:r>
+            <a:r>
+              <a:rPr lang="pt-BR" dirty="0">
+                <a:hlinkClick r:id="rId3"/>
+              </a:rPr>
+              <a:t>instalação do </a:t>
+            </a:r>
+            <a:r>
+              <a:rPr lang="pt-BR" dirty="0" err="1" smtClean="0">
+                <a:hlinkClick r:id="rId3"/>
+              </a:rPr>
+              <a:t>Jupyter</a:t>
+            </a:r>
+            <a:r>
+              <a:rPr lang="pt-BR" dirty="0" smtClean="0">
+                <a:hlinkClick r:id="rId3"/>
+              </a:rPr>
+              <a:t>/</a:t>
+            </a:r>
+            <a:r>
+              <a:rPr lang="pt-BR" dirty="0" err="1" smtClean="0">
+                <a:hlinkClick r:id="rId3"/>
+              </a:rPr>
+              <a:t>Binder</a:t>
             </a:r>
             <a:r>
               <a:rPr lang="pt-BR" dirty="0" smtClean="0"/>
-              <a:t>disponíveis.</a:t>
+              <a:t>.</a:t>
+            </a:r>
+          </a:p>
+          <a:p>
+            <a:r>
+              <a:rPr lang="pt-BR" dirty="0" smtClean="0"/>
+              <a:t>Desvantagens:</a:t>
             </a:r>
           </a:p>
           <a:p>
@@ -14327,12 +15124,16 @@
               <a:buChar char="§"/>
             </a:pPr>
             <a:r>
+              <a:rPr lang="pt-BR" dirty="0" smtClean="0"/>
+              <a:t>Poucos </a:t>
+            </a:r>
+            <a:r>
               <a:rPr lang="pt-BR" dirty="0"/>
-              <a:t>Não é possível salvar os notebooks </a:t>
+              <a:t>servidores </a:t>
             </a:r>
             <a:r>
               <a:rPr lang="pt-BR" dirty="0" smtClean="0"/>
-              <a:t>(e.g., Google Drive).</a:t>
+              <a:t>disponíveis.</a:t>
             </a:r>
           </a:p>
           <a:p>
@@ -14341,6 +15142,20 @@
               <a:buChar char="§"/>
             </a:pPr>
             <a:r>
+              <a:rPr lang="pt-BR" dirty="0"/>
+              <a:t>Não é possível salvar os notebooks </a:t>
+            </a:r>
+            <a:r>
+              <a:rPr lang="pt-BR" dirty="0" smtClean="0"/>
+              <a:t>(e.g., Google Drive).</a:t>
+            </a:r>
+          </a:p>
+          <a:p>
+            <a:pPr lvl="1">
+              <a:buFont typeface="Wingdings" panose="05000000000000000000" pitchFamily="2" charset="2"/>
+              <a:buChar char="§"/>
+            </a:pPr>
+            <a:r>
               <a:rPr lang="pt-BR" dirty="0" smtClean="0"/>
               <a:t>Depois </a:t>
             </a:r>
@@ -14372,13 +15187,13 @@
             </a:r>
             <a:r>
               <a:rPr lang="pt-BR" dirty="0">
-                <a:hlinkClick r:id="rId3"/>
+                <a:hlinkClick r:id="rId4"/>
               </a:rPr>
               <a:t>https://jupyter.org</a:t>
             </a:r>
             <a:r>
               <a:rPr lang="pt-BR" dirty="0" smtClean="0">
-                <a:hlinkClick r:id="rId3"/>
+                <a:hlinkClick r:id="rId4"/>
               </a:rPr>
               <a:t>/</a:t>
             </a:r>
@@ -14398,7 +15213,7 @@
           <p:nvPr/>
         </p:nvPicPr>
         <p:blipFill rotWithShape="1">
-          <a:blip r:embed="rId4" cstate="print">
+          <a:blip r:embed="rId5" cstate="print">
             <a:extLst>
               <a:ext uri="{28A0092B-C50C-407E-A947-70E740481C1C}">
                 <a14:useLocalDpi xmlns:a14="http://schemas.microsoft.com/office/drawing/2010/main" val="0"/>
@@ -14431,7 +15246,7 @@
     </p:spTree>
     <p:extLst>
       <p:ext uri="{BB962C8B-B14F-4D97-AF65-F5344CB8AC3E}">
-        <p14:creationId xmlns:p14="http://schemas.microsoft.com/office/powerpoint/2010/main" val="2010083548"/>
+        <p14:creationId xmlns:p14="http://schemas.microsoft.com/office/powerpoint/2010/main" val="2829510589"/>
       </p:ext>
     </p:extLst>
   </p:cSld>
@@ -14481,15 +15296,15 @@
           <a:lstStyle/>
           <a:p>
             <a:r>
-              <a:rPr lang="pt-BR" dirty="0"/>
-              <a:t>Objetivo</a:t>
+              <a:rPr lang="pt-BR" dirty="0" smtClean="0"/>
+              <a:t>Objetivo do curso</a:t>
             </a:r>
             <a:endParaRPr lang="en-US" dirty="0"/>
           </a:p>
         </p:txBody>
       </p:sp>
-      <mc:AlternateContent xmlns:mc="http://schemas.openxmlformats.org/markup-compatibility/2006" xmlns:a14="http://schemas.microsoft.com/office/drawing/2010/main">
-        <mc:Choice Requires="a14">
+      <mc:AlternateContent xmlns:mc="http://schemas.openxmlformats.org/markup-compatibility/2006">
+        <mc:Choice xmlns:a14="http://schemas.microsoft.com/office/drawing/2010/main" Requires="a14">
           <p:sp>
             <p:nvSpPr>
               <p:cNvPr id="3" name="Espaço Reservado para Conteúdo 2"/>
@@ -14584,7 +15399,15 @@
               <a:p>
                 <a:r>
                   <a:rPr lang="pt-BR" dirty="0" smtClean="0"/>
-                  <a:t>Na maioria dos casos, não conhecemos o mapeamento verdadeiro (muitas vezes ele nem existe) entre </a:t>
+                  <a:t>Na maioria dos casos, não conhecemos o </a:t>
+                </a:r>
+                <a:r>
+                  <a:rPr lang="pt-BR" b="1" i="1" dirty="0" smtClean="0"/>
+                  <a:t>mapeamento verdadeiro </a:t>
+                </a:r>
+                <a:r>
+                  <a:rPr lang="pt-BR" dirty="0" smtClean="0"/>
+                  <a:t>(muitas vezes ele nem existe) entre </a:t>
                 </a:r>
                 <a14:m>
                   <m:oMath xmlns:m="http://schemas.openxmlformats.org/officeDocument/2006/math">
@@ -14612,13 +15435,21 @@
                 </a14:m>
                 <a:r>
                   <a:rPr lang="pt-BR" dirty="0" smtClean="0"/>
-                  <a:t> e nos baseamos apenas em uma métrica para definir se a aproximação é boa.</a:t>
+                  <a:t> e nos baseamos apenas em uma </a:t>
+                </a:r>
+                <a:r>
+                  <a:rPr lang="pt-BR" b="1" i="1" dirty="0" smtClean="0"/>
+                  <a:t>métrica</a:t>
+                </a:r>
+                <a:r>
+                  <a:rPr lang="pt-BR" dirty="0" smtClean="0"/>
+                  <a:t> para definir se a aproximação é boa.</a:t>
                 </a:r>
               </a:p>
             </p:txBody>
           </p:sp>
         </mc:Choice>
-        <mc:Fallback xmlns="">
+        <mc:Fallback>
           <p:sp>
             <p:nvSpPr>
               <p:cNvPr id="3" name="Espaço Reservado para Conteúdo 2"/>
@@ -14768,7 +15599,7 @@
           <p:cNvPr id="2" name="Título 1">
             <a:extLst>
               <a:ext uri="{FF2B5EF4-FFF2-40B4-BE49-F238E27FC236}">
-                <a16:creationId xmlns="" xmlns:a16="http://schemas.microsoft.com/office/drawing/2014/main" id="{A2A4684C-1159-4F88-A2B1-6BABEDE38C4D}"/>
+                <a16:creationId xmlns:a16="http://schemas.microsoft.com/office/drawing/2014/main" xmlns="" id="{A2A4684C-1159-4F88-A2B1-6BABEDE38C4D}"/>
               </a:ext>
             </a:extLst>
           </p:cNvPr>
@@ -14796,7 +15627,7 @@
           <p:cNvPr id="3" name="Espaço Reservado para Conteúdo 2">
             <a:extLst>
               <a:ext uri="{FF2B5EF4-FFF2-40B4-BE49-F238E27FC236}">
-                <a16:creationId xmlns="" xmlns:a16="http://schemas.microsoft.com/office/drawing/2014/main" id="{EC432B31-D382-41FF-BB6B-2ABDD322424B}"/>
+                <a16:creationId xmlns:a16="http://schemas.microsoft.com/office/drawing/2014/main" xmlns="" id="{EC432B31-D382-41FF-BB6B-2ABDD322424B}"/>
               </a:ext>
             </a:extLst>
           </p:cNvPr>
@@ -15516,16 +16347,64 @@
           <a:p>
             <a:pPr lvl="1"/>
             <a:r>
+              <a:rPr lang="pt-BR" dirty="0" smtClean="0"/>
+              <a:t>Pode </a:t>
+            </a:r>
+            <a:r>
               <a:rPr lang="pt-BR" dirty="0"/>
-              <a:t>Pode ser baixado do MS Teams ou do GitHub.</a:t>
+              <a:t>ser </a:t>
+            </a:r>
+            <a:r>
+              <a:rPr lang="pt-BR" dirty="0" smtClean="0"/>
+              <a:t>acessado através </a:t>
+            </a:r>
+            <a:r>
+              <a:rPr lang="pt-BR" dirty="0"/>
+              <a:t>do link </a:t>
+            </a:r>
+            <a:r>
+              <a:rPr lang="pt-BR" dirty="0" smtClean="0"/>
+              <a:t>acima (Google </a:t>
+            </a:r>
+            <a:r>
+              <a:rPr lang="pt-BR" dirty="0" err="1" smtClean="0"/>
+              <a:t>Colab</a:t>
+            </a:r>
+            <a:r>
+              <a:rPr lang="pt-BR" dirty="0" smtClean="0"/>
+              <a:t>) ou no </a:t>
+            </a:r>
+            <a:r>
+              <a:rPr lang="pt-BR" dirty="0" smtClean="0"/>
+              <a:t>G</a:t>
+            </a:r>
+            <a:r>
+              <a:rPr lang="pt-BR" dirty="0" smtClean="0"/>
+              <a:t>itHub.</a:t>
             </a:r>
           </a:p>
           <a:p>
             <a:pPr lvl="1"/>
             <a:r>
-              <a:rPr lang="pt-BR" dirty="0"/>
-              <a:t>Pode ser respondido através do link acima (na nuvem) ou localmente.</a:t>
-            </a:r>
+              <a:rPr lang="pt-BR" dirty="0" smtClean="0"/>
+              <a:t>Vídeo explicando o laboratório #1: Arquivos -&gt; </a:t>
+            </a:r>
+            <a:r>
+              <a:rPr lang="pt-BR" dirty="0" err="1" smtClean="0"/>
+              <a:t>Recordings</a:t>
+            </a:r>
+            <a:r>
+              <a:rPr lang="pt-BR" dirty="0" smtClean="0"/>
+              <a:t> -&gt; Laboratório #1</a:t>
+            </a:r>
+          </a:p>
+          <a:p>
+            <a:pPr lvl="1"/>
+            <a:r>
+              <a:rPr lang="pt-BR" dirty="0" smtClean="0"/>
+              <a:t>Se atentem aos prazos de entrega.</a:t>
+            </a:r>
+            <a:endParaRPr lang="pt-BR" dirty="0"/>
           </a:p>
           <a:p>
             <a:pPr lvl="1"/>
@@ -15548,7 +16427,23 @@
                   <a:srgbClr val="FF0000"/>
                 </a:solidFill>
               </a:rPr>
-              <a:t>Laboratórios podem ser feitos em grupo, mas as entregas devem ser individuais.</a:t>
+              <a:t>Laboratórios podem ser </a:t>
+            </a:r>
+            <a:r>
+              <a:rPr lang="pt-BR" b="1" dirty="0" smtClean="0">
+                <a:solidFill>
+                  <a:srgbClr val="FF0000"/>
+                </a:solidFill>
+              </a:rPr>
+              <a:t>resolvidos em </a:t>
+            </a:r>
+            <a:r>
+              <a:rPr lang="pt-BR" b="1" dirty="0">
+                <a:solidFill>
+                  <a:srgbClr val="FF0000"/>
+                </a:solidFill>
+              </a:rPr>
+              <a:t>grupo, mas as entregas devem ser individuais.</a:t>
             </a:r>
           </a:p>
         </p:txBody>
@@ -15588,7 +16483,7 @@
           <p:cNvPr id="4" name="Título 1">
             <a:extLst>
               <a:ext uri="{FF2B5EF4-FFF2-40B4-BE49-F238E27FC236}">
-                <a16:creationId xmlns="" xmlns:a16="http://schemas.microsoft.com/office/drawing/2014/main" id="{32666AC8-2E17-4DB4-B0F5-60C640CCFD2E}"/>
+                <a16:creationId xmlns:a16="http://schemas.microsoft.com/office/drawing/2014/main" xmlns="" id="{32666AC8-2E17-4DB4-B0F5-60C640CCFD2E}"/>
               </a:ext>
             </a:extLst>
           </p:cNvPr>
@@ -18830,7 +19725,7 @@
           <p:cNvPr id="4" name="Agrupar 9">
             <a:extLst>
               <a:ext uri="{FF2B5EF4-FFF2-40B4-BE49-F238E27FC236}">
-                <a16:creationId xmlns="" xmlns:a16="http://schemas.microsoft.com/office/drawing/2014/main" id="{0B96ABED-DB41-410B-A604-C06F86EA7584}"/>
+                <a16:creationId xmlns:a16="http://schemas.microsoft.com/office/drawing/2014/main" xmlns="" id="{0B96ABED-DB41-410B-A604-C06F86EA7584}"/>
               </a:ext>
             </a:extLst>
           </p:cNvPr>
@@ -18850,7 +19745,7 @@
             <p:cNvPr id="5" name="Elipse 3">
               <a:extLst>
                 <a:ext uri="{FF2B5EF4-FFF2-40B4-BE49-F238E27FC236}">
-                  <a16:creationId xmlns="" xmlns:a16="http://schemas.microsoft.com/office/drawing/2014/main" id="{78EA9474-9E04-44C4-9E19-67FD40FBA058}"/>
+                  <a16:creationId xmlns:a16="http://schemas.microsoft.com/office/drawing/2014/main" xmlns="" id="{78EA9474-9E04-44C4-9E19-67FD40FBA058}"/>
                 </a:ext>
               </a:extLst>
             </p:cNvPr>
@@ -18907,7 +19802,7 @@
             <p:cNvPr id="6" name="Elipse 4">
               <a:extLst>
                 <a:ext uri="{FF2B5EF4-FFF2-40B4-BE49-F238E27FC236}">
-                  <a16:creationId xmlns="" xmlns:a16="http://schemas.microsoft.com/office/drawing/2014/main" id="{DA23CE7C-64D2-4FF1-83C3-4920F0AD635C}"/>
+                  <a16:creationId xmlns:a16="http://schemas.microsoft.com/office/drawing/2014/main" xmlns="" id="{DA23CE7C-64D2-4FF1-83C3-4920F0AD635C}"/>
                 </a:ext>
               </a:extLst>
             </p:cNvPr>
@@ -18965,7 +19860,7 @@
             <p:cNvPr id="7" name="Elipse 5">
               <a:extLst>
                 <a:ext uri="{FF2B5EF4-FFF2-40B4-BE49-F238E27FC236}">
-                  <a16:creationId xmlns="" xmlns:a16="http://schemas.microsoft.com/office/drawing/2014/main" id="{BDF2AACA-BD34-40AD-9FDE-4F93EBB4342D}"/>
+                  <a16:creationId xmlns:a16="http://schemas.microsoft.com/office/drawing/2014/main" xmlns="" id="{BDF2AACA-BD34-40AD-9FDE-4F93EBB4342D}"/>
                 </a:ext>
               </a:extLst>
             </p:cNvPr>
@@ -19023,7 +19918,7 @@
             <p:cNvPr id="8" name="CaixaDeTexto 10">
               <a:extLst>
                 <a:ext uri="{FF2B5EF4-FFF2-40B4-BE49-F238E27FC236}">
-                  <a16:creationId xmlns="" xmlns:a16="http://schemas.microsoft.com/office/drawing/2014/main" id="{51F63BB8-6AA0-41B8-AF42-7EF062B069A1}"/>
+                  <a16:creationId xmlns:a16="http://schemas.microsoft.com/office/drawing/2014/main" xmlns="" id="{51F63BB8-6AA0-41B8-AF42-7EF062B069A1}"/>
                 </a:ext>
               </a:extLst>
             </p:cNvPr>
@@ -19074,7 +19969,7 @@
             <p:cNvPr id="9" name="CaixaDeTexto 11">
               <a:extLst>
                 <a:ext uri="{FF2B5EF4-FFF2-40B4-BE49-F238E27FC236}">
-                  <a16:creationId xmlns="" xmlns:a16="http://schemas.microsoft.com/office/drawing/2014/main" id="{DFD039E3-20CE-44F5-92EF-195036537592}"/>
+                  <a16:creationId xmlns:a16="http://schemas.microsoft.com/office/drawing/2014/main" xmlns="" id="{DFD039E3-20CE-44F5-92EF-195036537592}"/>
                 </a:ext>
               </a:extLst>
             </p:cNvPr>
@@ -19125,7 +20020,7 @@
             <p:cNvPr id="10" name="CaixaDeTexto 12">
               <a:extLst>
                 <a:ext uri="{FF2B5EF4-FFF2-40B4-BE49-F238E27FC236}">
-                  <a16:creationId xmlns="" xmlns:a16="http://schemas.microsoft.com/office/drawing/2014/main" id="{2BA92F8A-1455-40AE-B18C-EA6C3DE256D6}"/>
+                  <a16:creationId xmlns:a16="http://schemas.microsoft.com/office/drawing/2014/main" xmlns="" id="{2BA92F8A-1455-40AE-B18C-EA6C3DE256D6}"/>
                 </a:ext>
               </a:extLst>
             </p:cNvPr>
@@ -20810,7 +21705,7 @@
           <p:cNvPr id="2" name="Título 1">
             <a:extLst>
               <a:ext uri="{FF2B5EF4-FFF2-40B4-BE49-F238E27FC236}">
-                <a16:creationId xmlns="" xmlns:a16="http://schemas.microsoft.com/office/drawing/2014/main" id="{C4F48192-B348-4C3E-8621-D3755D2230F8}"/>
+                <a16:creationId xmlns:a16="http://schemas.microsoft.com/office/drawing/2014/main" xmlns="" id="{C4F48192-B348-4C3E-8621-D3755D2230F8}"/>
               </a:ext>
             </a:extLst>
           </p:cNvPr>
@@ -20847,7 +21742,7 @@
           <p:cNvPr id="3" name="Espaço Reservado para Conteúdo 2">
             <a:extLst>
               <a:ext uri="{FF2B5EF4-FFF2-40B4-BE49-F238E27FC236}">
-                <a16:creationId xmlns="" xmlns:a16="http://schemas.microsoft.com/office/drawing/2014/main" id="{E3DECB90-AFD9-4AC6-A356-C93A7442A6E6}"/>
+                <a16:creationId xmlns:a16="http://schemas.microsoft.com/office/drawing/2014/main" xmlns="" id="{E3DECB90-AFD9-4AC6-A356-C93A7442A6E6}"/>
               </a:ext>
             </a:extLst>
           </p:cNvPr>
@@ -21009,7 +21904,7 @@
           <p:cNvPr id="3074" name="Picture 2" descr="Image result for machine learning">
             <a:extLst>
               <a:ext uri="{FF2B5EF4-FFF2-40B4-BE49-F238E27FC236}">
-                <a16:creationId xmlns="" xmlns:a16="http://schemas.microsoft.com/office/drawing/2014/main" id="{78A93243-9634-4B0E-B1B2-37A218EAEADD}"/>
+                <a16:creationId xmlns:a16="http://schemas.microsoft.com/office/drawing/2014/main" xmlns="" id="{78A93243-9634-4B0E-B1B2-37A218EAEADD}"/>
               </a:ext>
             </a:extLst>
           </p:cNvPr>
@@ -21463,7 +22358,7 @@
           <p:cNvPr id="2" name="Título 1">
             <a:extLst>
               <a:ext uri="{FF2B5EF4-FFF2-40B4-BE49-F238E27FC236}">
-                <a16:creationId xmlns="" xmlns:a16="http://schemas.microsoft.com/office/drawing/2014/main" id="{323B9288-93D4-4CC5-BE00-B2E741C4A62E}"/>
+                <a16:creationId xmlns:a16="http://schemas.microsoft.com/office/drawing/2014/main" xmlns="" id="{323B9288-93D4-4CC5-BE00-B2E741C4A62E}"/>
               </a:ext>
             </a:extLst>
           </p:cNvPr>
@@ -21491,7 +22386,7 @@
           <p:cNvPr id="3" name="Espaço Reservado para Conteúdo 2">
             <a:extLst>
               <a:ext uri="{FF2B5EF4-FFF2-40B4-BE49-F238E27FC236}">
-                <a16:creationId xmlns="" xmlns:a16="http://schemas.microsoft.com/office/drawing/2014/main" id="{C04549A7-FF67-48B8-B0EE-75CF43A83803}"/>
+                <a16:creationId xmlns:a16="http://schemas.microsoft.com/office/drawing/2014/main" xmlns="" id="{C04549A7-FF67-48B8-B0EE-75CF43A83803}"/>
               </a:ext>
             </a:extLst>
           </p:cNvPr>
@@ -21524,11 +22419,23 @@
             </a:r>
             <a:r>
               <a:rPr lang="pt-BR" dirty="0" smtClean="0"/>
-              <a:t>usam IA em seus produtos e/ou soluções internas para </a:t>
+              <a:t>usam IA em seus produtos </a:t>
+            </a:r>
+            <a:r>
+              <a:rPr lang="pt-BR" dirty="0" smtClean="0"/>
+              <a:t>e </a:t>
+            </a:r>
+            <a:r>
+              <a:rPr lang="pt-BR" dirty="0" smtClean="0"/>
+              <a:t>soluções internas para </a:t>
             </a:r>
             <a:r>
               <a:rPr lang="pt-BR" dirty="0"/>
-              <a:t>resolver os mais diversos tipos de problemas e assim </a:t>
+              <a:t>resolver os mais diversos tipos de problemas </a:t>
+            </a:r>
+            <a:r>
+              <a:rPr lang="pt-BR" dirty="0" smtClean="0"/>
+              <a:t>e, assim, </a:t>
             </a:r>
             <a:r>
               <a:rPr lang="pt-BR" dirty="0" smtClean="0"/>
@@ -21540,7 +22447,15 @@
             </a:r>
             <a:r>
               <a:rPr lang="pt-BR" dirty="0" smtClean="0"/>
-              <a:t>eficiência e consequentemente os lucros.</a:t>
+              <a:t>eficiência </a:t>
+            </a:r>
+            <a:r>
+              <a:rPr lang="pt-BR" dirty="0" smtClean="0"/>
+              <a:t>e, consequentemente, </a:t>
+            </a:r>
+            <a:r>
+              <a:rPr lang="pt-BR" dirty="0" smtClean="0"/>
+              <a:t>os lucros.</a:t>
             </a:r>
           </a:p>
           <a:p>
@@ -21596,7 +22511,7 @@
           <p:cNvPr id="2052" name="Picture 4" descr="Image result for google">
             <a:extLst>
               <a:ext uri="{FF2B5EF4-FFF2-40B4-BE49-F238E27FC236}">
-                <a16:creationId xmlns="" xmlns:a16="http://schemas.microsoft.com/office/drawing/2014/main" id="{438DFBB1-BCAF-4232-8212-13512A523B87}"/>
+                <a16:creationId xmlns:a16="http://schemas.microsoft.com/office/drawing/2014/main" xmlns="" id="{438DFBB1-BCAF-4232-8212-13512A523B87}"/>
               </a:ext>
             </a:extLst>
           </p:cNvPr>
@@ -21641,7 +22556,7 @@
           <p:cNvPr id="2054" name="Picture 6" descr="Image result for amazon">
             <a:extLst>
               <a:ext uri="{FF2B5EF4-FFF2-40B4-BE49-F238E27FC236}">
-                <a16:creationId xmlns="" xmlns:a16="http://schemas.microsoft.com/office/drawing/2014/main" id="{0F346A9F-5169-48E9-BC8D-A7A5601546B4}"/>
+                <a16:creationId xmlns:a16="http://schemas.microsoft.com/office/drawing/2014/main" xmlns="" id="{0F346A9F-5169-48E9-BC8D-A7A5601546B4}"/>
               </a:ext>
             </a:extLst>
           </p:cNvPr>
@@ -21686,7 +22601,7 @@
           <p:cNvPr id="2056" name="Picture 8" descr="Image result for IBM">
             <a:extLst>
               <a:ext uri="{FF2B5EF4-FFF2-40B4-BE49-F238E27FC236}">
-                <a16:creationId xmlns="" xmlns:a16="http://schemas.microsoft.com/office/drawing/2014/main" id="{F4203440-F9CD-4A35-AECB-4F9069DDD8D8}"/>
+                <a16:creationId xmlns:a16="http://schemas.microsoft.com/office/drawing/2014/main" xmlns="" id="{F4203440-F9CD-4A35-AECB-4F9069DDD8D8}"/>
               </a:ext>
             </a:extLst>
           </p:cNvPr>
@@ -21733,7 +22648,7 @@
           <p:cNvPr id="2058" name="Picture 10" descr="Image result for microsoft">
             <a:extLst>
               <a:ext uri="{FF2B5EF4-FFF2-40B4-BE49-F238E27FC236}">
-                <a16:creationId xmlns="" xmlns:a16="http://schemas.microsoft.com/office/drawing/2014/main" id="{889DF1D8-7481-4A46-9FD7-52BAF8D9886D}"/>
+                <a16:creationId xmlns:a16="http://schemas.microsoft.com/office/drawing/2014/main" xmlns="" id="{889DF1D8-7481-4A46-9FD7-52BAF8D9886D}"/>
               </a:ext>
             </a:extLst>
           </p:cNvPr>
@@ -21778,7 +22693,7 @@
           <p:cNvPr id="2062" name="Picture 14" descr="Image result for apple">
             <a:extLst>
               <a:ext uri="{FF2B5EF4-FFF2-40B4-BE49-F238E27FC236}">
-                <a16:creationId xmlns="" xmlns:a16="http://schemas.microsoft.com/office/drawing/2014/main" id="{E6493393-D074-45B9-BE4A-3BA749178941}"/>
+                <a16:creationId xmlns:a16="http://schemas.microsoft.com/office/drawing/2014/main" xmlns="" id="{E6493393-D074-45B9-BE4A-3BA749178941}"/>
               </a:ext>
             </a:extLst>
           </p:cNvPr>
@@ -21820,13 +22735,7 @@
       </p:pic>
       <p:pic>
         <p:nvPicPr>
-          <p:cNvPr id="5" name="Picture 4" descr="Image result for ericsson logo">
-            <a:extLst>
-              <a:ext uri="{FF2B5EF4-FFF2-40B4-BE49-F238E27FC236}">
-                <a16:creationId xmlns="" xmlns:a16="http://schemas.microsoft.com/office/drawing/2014/main" id="{D2E42DB6-DBED-40AD-BE13-35A320551592}"/>
-              </a:ext>
-            </a:extLst>
-          </p:cNvPr>
+          <p:cNvPr id="8" name="Picture 2" descr="yH5BAEAAAAALAAAAAABAAEAAAIBRAA7 - Netflix Logo"/>
           <p:cNvPicPr>
             <a:picLocks noChangeAspect="1" noChangeArrowheads="1"/>
           </p:cNvPicPr>
@@ -21834,139 +22743,6 @@
         </p:nvPicPr>
         <p:blipFill>
           <a:blip r:embed="rId8" cstate="print">
-            <a:extLst>
-              <a:ext uri="{28A0092B-C50C-407E-A947-70E740481C1C}">
-                <a14:useLocalDpi xmlns:a14="http://schemas.microsoft.com/office/drawing/2010/main" val="0"/>
-              </a:ext>
-            </a:extLst>
-          </a:blip>
-          <a:srcRect/>
-          <a:stretch>
-            <a:fillRect/>
-          </a:stretch>
-        </p:blipFill>
-        <p:spPr bwMode="auto">
-          <a:xfrm>
-            <a:off x="5843148" y="5221099"/>
-            <a:ext cx="899047" cy="786666"/>
-          </a:xfrm>
-          <a:prstGeom prst="rect">
-            <a:avLst/>
-          </a:prstGeom>
-          <a:noFill/>
-          <a:extLst>
-            <a:ext uri="{909E8E84-426E-40DD-AFC4-6F175D3DCCD1}">
-              <a14:hiddenFill xmlns:a14="http://schemas.microsoft.com/office/drawing/2010/main">
-                <a:solidFill>
-                  <a:srgbClr val="FFFFFF"/>
-                </a:solidFill>
-              </a14:hiddenFill>
-            </a:ext>
-          </a:extLst>
-        </p:spPr>
-      </p:pic>
-      <p:pic>
-        <p:nvPicPr>
-          <p:cNvPr id="6" name="Picture 6" descr="Image result for qualcomm logo">
-            <a:extLst>
-              <a:ext uri="{FF2B5EF4-FFF2-40B4-BE49-F238E27FC236}">
-                <a16:creationId xmlns="" xmlns:a16="http://schemas.microsoft.com/office/drawing/2014/main" id="{16E08342-ACB0-45D6-9003-A412614BF63C}"/>
-              </a:ext>
-            </a:extLst>
-          </p:cNvPr>
-          <p:cNvPicPr>
-            <a:picLocks noChangeAspect="1" noChangeArrowheads="1"/>
-          </p:cNvPicPr>
-          <p:nvPr/>
-        </p:nvPicPr>
-        <p:blipFill rotWithShape="1">
-          <a:blip r:embed="rId9">
-            <a:extLst>
-              <a:ext uri="{28A0092B-C50C-407E-A947-70E740481C1C}">
-                <a14:useLocalDpi xmlns:a14="http://schemas.microsoft.com/office/drawing/2010/main" val="0"/>
-              </a:ext>
-            </a:extLst>
-          </a:blip>
-          <a:srcRect l="11486" t="28911" r="9544" b="27731"/>
-          <a:stretch/>
-        </p:blipFill>
-        <p:spPr bwMode="auto">
-          <a:xfrm>
-            <a:off x="6742195" y="6183562"/>
-            <a:ext cx="2516531" cy="527641"/>
-          </a:xfrm>
-          <a:prstGeom prst="rect">
-            <a:avLst/>
-          </a:prstGeom>
-          <a:noFill/>
-          <a:extLst>
-            <a:ext uri="{909E8E84-426E-40DD-AFC4-6F175D3DCCD1}">
-              <a14:hiddenFill xmlns:a14="http://schemas.microsoft.com/office/drawing/2010/main">
-                <a:solidFill>
-                  <a:srgbClr val="FFFFFF"/>
-                </a:solidFill>
-              </a14:hiddenFill>
-            </a:ext>
-          </a:extLst>
-        </p:spPr>
-      </p:pic>
-      <p:pic>
-        <p:nvPicPr>
-          <p:cNvPr id="7" name="Picture 8" descr="Image result for huawei logo">
-            <a:extLst>
-              <a:ext uri="{FF2B5EF4-FFF2-40B4-BE49-F238E27FC236}">
-                <a16:creationId xmlns="" xmlns:a16="http://schemas.microsoft.com/office/drawing/2014/main" id="{4D4C2FC0-11E7-423E-ADFE-E40E3FBE955B}"/>
-              </a:ext>
-            </a:extLst>
-          </p:cNvPr>
-          <p:cNvPicPr>
-            <a:picLocks noChangeAspect="1" noChangeArrowheads="1"/>
-          </p:cNvPicPr>
-          <p:nvPr/>
-        </p:nvPicPr>
-        <p:blipFill>
-          <a:blip r:embed="rId10" cstate="print">
-            <a:extLst>
-              <a:ext uri="{28A0092B-C50C-407E-A947-70E740481C1C}">
-                <a14:useLocalDpi xmlns:a14="http://schemas.microsoft.com/office/drawing/2010/main" val="0"/>
-              </a:ext>
-            </a:extLst>
-          </a:blip>
-          <a:srcRect/>
-          <a:stretch>
-            <a:fillRect/>
-          </a:stretch>
-        </p:blipFill>
-        <p:spPr bwMode="auto">
-          <a:xfrm>
-            <a:off x="9458163" y="5327984"/>
-            <a:ext cx="776224" cy="786666"/>
-          </a:xfrm>
-          <a:prstGeom prst="rect">
-            <a:avLst/>
-          </a:prstGeom>
-          <a:noFill/>
-          <a:extLst>
-            <a:ext uri="{909E8E84-426E-40DD-AFC4-6F175D3DCCD1}">
-              <a14:hiddenFill xmlns:a14="http://schemas.microsoft.com/office/drawing/2010/main">
-                <a:solidFill>
-                  <a:srgbClr val="FFFFFF"/>
-                </a:solidFill>
-              </a14:hiddenFill>
-            </a:ext>
-          </a:extLst>
-        </p:spPr>
-      </p:pic>
-      <p:pic>
-        <p:nvPicPr>
-          <p:cNvPr id="8" name="Picture 2" descr="yH5BAEAAAAALAAAAAABAAEAAAIBRAA7 - Netflix Logo"/>
-          <p:cNvPicPr>
-            <a:picLocks noChangeAspect="1" noChangeArrowheads="1"/>
-          </p:cNvPicPr>
-          <p:nvPr/>
-        </p:nvPicPr>
-        <p:blipFill>
-          <a:blip r:embed="rId11" cstate="print">
             <a:extLst>
               <a:ext uri="{28A0092B-C50C-407E-A947-70E740481C1C}">
                 <a14:useLocalDpi xmlns:a14="http://schemas.microsoft.com/office/drawing/2010/main" val="0"/>
@@ -22007,7 +22783,7 @@
           <p:nvPr/>
         </p:nvPicPr>
         <p:blipFill rotWithShape="1">
-          <a:blip r:embed="rId12" cstate="print">
+          <a:blip r:embed="rId9" cstate="print">
             <a:extLst>
               <a:ext uri="{28A0092B-C50C-407E-A947-70E740481C1C}">
                 <a14:useLocalDpi xmlns:a14="http://schemas.microsoft.com/office/drawing/2010/main" val="0"/>
@@ -22042,7 +22818,7 @@
           <p:cNvPr id="2050" name="Picture 2" descr="Image result for facebook">
             <a:extLst>
               <a:ext uri="{FF2B5EF4-FFF2-40B4-BE49-F238E27FC236}">
-                <a16:creationId xmlns="" xmlns:a16="http://schemas.microsoft.com/office/drawing/2014/main" id="{629596EE-D27E-4FA4-917F-4B2F4A295C7D}"/>
+                <a16:creationId xmlns:a16="http://schemas.microsoft.com/office/drawing/2014/main" xmlns="" id="{629596EE-D27E-4FA4-917F-4B2F4A295C7D}"/>
               </a:ext>
             </a:extLst>
           </p:cNvPr>
@@ -22052,7 +22828,7 @@
           <p:nvPr/>
         </p:nvPicPr>
         <p:blipFill rotWithShape="1">
-          <a:blip r:embed="rId13">
+          <a:blip r:embed="rId10">
             <a:extLst>
               <a:ext uri="{28A0092B-C50C-407E-A947-70E740481C1C}">
                 <a14:useLocalDpi xmlns:a14="http://schemas.microsoft.com/office/drawing/2010/main" val="0"/>
@@ -22084,7 +22860,146 @@
       </p:pic>
       <p:pic>
         <p:nvPicPr>
-          <p:cNvPr id="11" name="Picture 10"/>
+          <p:cNvPr id="21" name="Picture 4" descr="Image result for ericsson logo">
+            <a:extLst>
+              <a:ext uri="{FF2B5EF4-FFF2-40B4-BE49-F238E27FC236}">
+                <a16:creationId xmlns:a16="http://schemas.microsoft.com/office/drawing/2014/main" xmlns="" id="{D2E42DB6-DBED-40AD-BE13-35A320551592}"/>
+              </a:ext>
+            </a:extLst>
+          </p:cNvPr>
+          <p:cNvPicPr>
+            <a:picLocks noChangeAspect="1" noChangeArrowheads="1"/>
+          </p:cNvPicPr>
+          <p:nvPr/>
+        </p:nvPicPr>
+        <p:blipFill>
+          <a:blip r:embed="rId11" cstate="print">
+            <a:extLst>
+              <a:ext uri="{28A0092B-C50C-407E-A947-70E740481C1C}">
+                <a14:useLocalDpi xmlns:a14="http://schemas.microsoft.com/office/drawing/2010/main" val="0"/>
+              </a:ext>
+            </a:extLst>
+          </a:blip>
+          <a:srcRect/>
+          <a:stretch>
+            <a:fillRect/>
+          </a:stretch>
+        </p:blipFill>
+        <p:spPr bwMode="auto">
+          <a:xfrm>
+            <a:off x="5843148" y="5221099"/>
+            <a:ext cx="899047" cy="786666"/>
+          </a:xfrm>
+          <a:prstGeom prst="rect">
+            <a:avLst/>
+          </a:prstGeom>
+          <a:noFill/>
+          <a:extLst>
+            <a:ext uri="{909E8E84-426E-40DD-AFC4-6F175D3DCCD1}">
+              <a14:hiddenFill xmlns:a14="http://schemas.microsoft.com/office/drawing/2010/main">
+                <a:solidFill>
+                  <a:srgbClr val="FFFFFF"/>
+                </a:solidFill>
+              </a14:hiddenFill>
+            </a:ext>
+          </a:extLst>
+        </p:spPr>
+      </p:pic>
+      <p:pic>
+        <p:nvPicPr>
+          <p:cNvPr id="22" name="Picture 6" descr="Image result for qualcomm logo">
+            <a:extLst>
+              <a:ext uri="{FF2B5EF4-FFF2-40B4-BE49-F238E27FC236}">
+                <a16:creationId xmlns:a16="http://schemas.microsoft.com/office/drawing/2014/main" xmlns="" id="{16E08342-ACB0-45D6-9003-A412614BF63C}"/>
+              </a:ext>
+            </a:extLst>
+          </p:cNvPr>
+          <p:cNvPicPr>
+            <a:picLocks noChangeAspect="1" noChangeArrowheads="1"/>
+          </p:cNvPicPr>
+          <p:nvPr/>
+        </p:nvPicPr>
+        <p:blipFill rotWithShape="1">
+          <a:blip r:embed="rId12">
+            <a:extLst>
+              <a:ext uri="{28A0092B-C50C-407E-A947-70E740481C1C}">
+                <a14:useLocalDpi xmlns:a14="http://schemas.microsoft.com/office/drawing/2010/main" val="0"/>
+              </a:ext>
+            </a:extLst>
+          </a:blip>
+          <a:srcRect l="11486" t="28911" r="9544" b="27731"/>
+          <a:stretch/>
+        </p:blipFill>
+        <p:spPr bwMode="auto">
+          <a:xfrm>
+            <a:off x="6742195" y="6183562"/>
+            <a:ext cx="2516531" cy="527641"/>
+          </a:xfrm>
+          <a:prstGeom prst="rect">
+            <a:avLst/>
+          </a:prstGeom>
+          <a:noFill/>
+          <a:extLst>
+            <a:ext uri="{909E8E84-426E-40DD-AFC4-6F175D3DCCD1}">
+              <a14:hiddenFill xmlns:a14="http://schemas.microsoft.com/office/drawing/2010/main">
+                <a:solidFill>
+                  <a:srgbClr val="FFFFFF"/>
+                </a:solidFill>
+              </a14:hiddenFill>
+            </a:ext>
+          </a:extLst>
+        </p:spPr>
+      </p:pic>
+      <p:pic>
+        <p:nvPicPr>
+          <p:cNvPr id="23" name="Picture 8" descr="Image result for huawei logo">
+            <a:extLst>
+              <a:ext uri="{FF2B5EF4-FFF2-40B4-BE49-F238E27FC236}">
+                <a16:creationId xmlns:a16="http://schemas.microsoft.com/office/drawing/2014/main" xmlns="" id="{4D4C2FC0-11E7-423E-ADFE-E40E3FBE955B}"/>
+              </a:ext>
+            </a:extLst>
+          </p:cNvPr>
+          <p:cNvPicPr>
+            <a:picLocks noChangeAspect="1" noChangeArrowheads="1"/>
+          </p:cNvPicPr>
+          <p:nvPr/>
+        </p:nvPicPr>
+        <p:blipFill>
+          <a:blip r:embed="rId13" cstate="print">
+            <a:extLst>
+              <a:ext uri="{28A0092B-C50C-407E-A947-70E740481C1C}">
+                <a14:useLocalDpi xmlns:a14="http://schemas.microsoft.com/office/drawing/2010/main" val="0"/>
+              </a:ext>
+            </a:extLst>
+          </a:blip>
+          <a:srcRect/>
+          <a:stretch>
+            <a:fillRect/>
+          </a:stretch>
+        </p:blipFill>
+        <p:spPr bwMode="auto">
+          <a:xfrm>
+            <a:off x="9553317" y="5221099"/>
+            <a:ext cx="776224" cy="786666"/>
+          </a:xfrm>
+          <a:prstGeom prst="rect">
+            <a:avLst/>
+          </a:prstGeom>
+          <a:noFill/>
+          <a:extLst>
+            <a:ext uri="{909E8E84-426E-40DD-AFC4-6F175D3DCCD1}">
+              <a14:hiddenFill xmlns:a14="http://schemas.microsoft.com/office/drawing/2010/main">
+                <a:solidFill>
+                  <a:srgbClr val="FFFFFF"/>
+                </a:solidFill>
+              </a14:hiddenFill>
+            </a:ext>
+          </a:extLst>
+        </p:spPr>
+      </p:pic>
+      <p:pic>
+        <p:nvPicPr>
+          <p:cNvPr id="24" name="Picture 10"/>
           <p:cNvPicPr>
             <a:picLocks noChangeAspect="1"/>
           </p:cNvPicPr>
@@ -22114,7 +23029,7 @@
       </p:pic>
       <p:pic>
         <p:nvPicPr>
-          <p:cNvPr id="1030" name="Picture 6" descr="TU Dresden: Accessible PDF documents – How to create from Word, Powerpoint  and InDesign – PDF Association"/>
+          <p:cNvPr id="25" name="Picture 6" descr="TU Dresden: Accessible PDF documents – How to create from Word, Powerpoint  and InDesign – PDF Association"/>
           <p:cNvPicPr>
             <a:picLocks noChangeAspect="1" noChangeArrowheads="1"/>
           </p:cNvPicPr>
@@ -22153,7 +23068,7 @@
       </p:pic>
       <p:pic>
         <p:nvPicPr>
-          <p:cNvPr id="1032" name="Picture 8" descr="Assistant professor in Mathematics spec. in Optimization and Systems Theory, KTH Royal Institute of Technology"/>
+          <p:cNvPr id="26" name="Picture 8" descr="Assistant professor in Mathematics spec. in Optimization and Systems Theory, KTH Royal Institute of Technology"/>
           <p:cNvPicPr>
             <a:picLocks noChangeAspect="1" noChangeArrowheads="1"/>
           </p:cNvPicPr>
@@ -22194,7 +23109,7 @@
       </p:pic>
       <p:pic>
         <p:nvPicPr>
-          <p:cNvPr id="1026" name="Picture 2" descr="Tudo que você precisa saber para entrar no MIT - Engenharia é:"/>
+          <p:cNvPr id="27" name="Picture 2" descr="Tudo que você precisa saber para entrar no MIT - Engenharia é:"/>
           <p:cNvPicPr>
             <a:picLocks noChangeAspect="1" noChangeArrowheads="1"/>
           </p:cNvPicPr>
@@ -22233,7 +23148,7 @@
       </p:pic>
       <p:pic>
         <p:nvPicPr>
-          <p:cNvPr id="1028" name="Picture 4" descr="Logo Nokia – Logos PNG"/>
+          <p:cNvPr id="28" name="Picture 4" descr="Logo Nokia – Logos PNG"/>
           <p:cNvPicPr>
             <a:picLocks noChangeAspect="1" noChangeArrowheads="1"/>
           </p:cNvPicPr>
@@ -22254,6 +23169,45 @@
           <a:xfrm>
             <a:off x="7209545" y="5413146"/>
             <a:ext cx="1781929" cy="440326"/>
+          </a:xfrm>
+          <a:prstGeom prst="rect">
+            <a:avLst/>
+          </a:prstGeom>
+          <a:noFill/>
+          <a:extLst>
+            <a:ext uri="{909E8E84-426E-40DD-AFC4-6F175D3DCCD1}">
+              <a14:hiddenFill xmlns:a14="http://schemas.microsoft.com/office/drawing/2010/main">
+                <a:solidFill>
+                  <a:srgbClr val="FFFFFF"/>
+                </a:solidFill>
+              </a14:hiddenFill>
+            </a:ext>
+          </a:extLst>
+        </p:spPr>
+      </p:pic>
+      <p:pic>
+        <p:nvPicPr>
+          <p:cNvPr id="29" name="Picture 2" descr="ZTE revela novo logo e sua nova filosofia sustentável e divertida -  TudoCelular.com"/>
+          <p:cNvPicPr>
+            <a:picLocks noChangeAspect="1" noChangeArrowheads="1"/>
+          </p:cNvPicPr>
+          <p:nvPr/>
+        </p:nvPicPr>
+        <p:blipFill rotWithShape="1">
+          <a:blip r:embed="rId19" cstate="print">
+            <a:extLst>
+              <a:ext uri="{28A0092B-C50C-407E-A947-70E740481C1C}">
+                <a14:useLocalDpi xmlns:a14="http://schemas.microsoft.com/office/drawing/2010/main" val="0"/>
+              </a:ext>
+            </a:extLst>
+          </a:blip>
+          <a:srcRect l="2960" t="7858" r="3315" b="5454"/>
+          <a:stretch/>
+        </p:blipFill>
+        <p:spPr bwMode="auto">
+          <a:xfrm>
+            <a:off x="10697152" y="6090350"/>
+            <a:ext cx="1063636" cy="519209"/>
           </a:xfrm>
           <a:prstGeom prst="rect">
             <a:avLst/>
@@ -22354,15 +23308,51 @@
             </a:r>
             <a:r>
               <a:rPr lang="pt-BR" dirty="0"/>
-              <a:t>: Capacidade de uma máquina de interpretar corretamente estímulos vindos do ambiente, aprender com eles e </a:t>
+              <a:t>: Capacidade de uma máquina de </a:t>
+            </a:r>
+            <a:r>
+              <a:rPr lang="pt-BR" b="1" i="1" dirty="0"/>
+              <a:t>interpretar</a:t>
+            </a:r>
+            <a:r>
+              <a:rPr lang="pt-BR" dirty="0"/>
+              <a:t> </a:t>
+            </a:r>
+            <a:r>
+              <a:rPr lang="pt-BR" b="1" i="1" dirty="0" smtClean="0"/>
+              <a:t>estímulos </a:t>
+            </a:r>
+            <a:r>
+              <a:rPr lang="pt-BR" dirty="0"/>
+              <a:t>vindos do ambiente, </a:t>
+            </a:r>
+            <a:r>
+              <a:rPr lang="pt-BR" b="1" i="1" dirty="0"/>
+              <a:t>aprender</a:t>
+            </a:r>
+            <a:r>
+              <a:rPr lang="pt-BR" dirty="0"/>
+              <a:t> com eles e </a:t>
             </a:r>
             <a:r>
               <a:rPr lang="pt-BR" dirty="0" smtClean="0"/>
-              <a:t>usar o conhecimento adquirido </a:t>
+              <a:t>usar o </a:t>
+            </a:r>
+            <a:r>
+              <a:rPr lang="pt-BR" b="1" i="1" dirty="0" smtClean="0"/>
+              <a:t>conhecimento adquirido </a:t>
             </a:r>
             <a:r>
               <a:rPr lang="pt-BR" dirty="0"/>
-              <a:t>para realizar tarefas.</a:t>
+              <a:t>para </a:t>
+            </a:r>
+            <a:r>
+              <a:rPr lang="pt-BR" b="1" i="1" dirty="0"/>
+              <a:t>realizar tarefas</a:t>
+            </a:r>
+            <a:r>
+              <a:rPr lang="pt-BR" dirty="0"/>
+              <a:t>.</a:t>
             </a:r>
           </a:p>
           <a:p>
@@ -22607,7 +23597,7 @@
         <p:spPr>
           <a:xfrm>
             <a:off x="838199" y="1825624"/>
-            <a:ext cx="10515601" cy="5032375"/>
+            <a:ext cx="11006527" cy="5032375"/>
           </a:xfrm>
         </p:spPr>
         <p:txBody>
@@ -22619,7 +23609,23 @@
             <a:pPr algn="just"/>
             <a:r>
               <a:rPr lang="pt-BR" sz="2400" dirty="0" smtClean="0"/>
-              <a:t>Para conseguirmos criar uma máquina inteligente, precisamos antes dividir o problema em problemas menores (subáreas):</a:t>
+              <a:t>Para criar uma máquina </a:t>
+            </a:r>
+            <a:r>
+              <a:rPr lang="pt-BR" sz="2400" dirty="0"/>
+              <a:t>que </a:t>
+            </a:r>
+            <a:r>
+              <a:rPr lang="pt-BR" sz="2400" dirty="0" smtClean="0"/>
+              <a:t>simule a </a:t>
+            </a:r>
+            <a:r>
+              <a:rPr lang="pt-BR" sz="2400" dirty="0"/>
+              <a:t>inteligência humana, </a:t>
+            </a:r>
+            <a:r>
+              <a:rPr lang="pt-BR" sz="2400" dirty="0" smtClean="0"/>
+              <a:t>divide-se o problema em problemas menores (subáreas):</a:t>
             </a:r>
           </a:p>
           <a:p>
@@ -22772,7 +23778,13 @@
               <a:rPr lang="pt-BR" sz="1600" dirty="0">
                 <a:cs typeface="Calibri"/>
               </a:rPr>
-              <a:t>conhecimento adquirido.</a:t>
+              <a:t>conhecimento </a:t>
+            </a:r>
+            <a:r>
+              <a:rPr lang="pt-BR" sz="1600" dirty="0" smtClean="0">
+                <a:cs typeface="Calibri"/>
+              </a:rPr>
+              <a:t>prévio.</a:t>
             </a:r>
             <a:endParaRPr lang="pt-BR" sz="1600" dirty="0"/>
           </a:p>
@@ -22922,7 +23934,13 @@
               <a:rPr lang="pt-BR" sz="1600" dirty="0" smtClean="0">
                 <a:cs typeface="Calibri"/>
               </a:rPr>
-              <a:t>Criação de máquinas que aprendem através de exemplos.</a:t>
+              <a:t>Criação de máquinas que aprendem através de exemplos (i.e., </a:t>
+            </a:r>
+            <a:r>
+              <a:rPr lang="pt-BR" sz="1600" dirty="0" smtClean="0">
+                <a:cs typeface="Calibri"/>
+              </a:rPr>
+              <a:t>experiências prévias).</a:t>
             </a:r>
             <a:endParaRPr lang="pt-BR" sz="1600" dirty="0"/>
           </a:p>
@@ -22977,18 +23995,52 @@
           </a:p>
         </p:txBody>
       </p:sp>
+      <p:sp>
+        <p:nvSpPr>
+          <p:cNvPr id="18" name="Retângulo 17"/>
+          <p:cNvSpPr/>
+          <p:nvPr/>
+        </p:nvSpPr>
+        <p:spPr>
+          <a:xfrm>
+            <a:off x="7961101" y="2829629"/>
+            <a:ext cx="4230899" cy="646331"/>
+          </a:xfrm>
+          <a:prstGeom prst="rect">
+            <a:avLst/>
+          </a:prstGeom>
+        </p:spPr>
+        <p:txBody>
+          <a:bodyPr wrap="square">
+            <a:spAutoFit/>
+          </a:bodyPr>
+          <a:lstStyle/>
+          <a:p>
+            <a:pPr algn="ctr"/>
+            <a:r>
+              <a:rPr lang="pt-BR" b="1" i="1" dirty="0"/>
+              <a:t>IA é uma área muito ampla que engloba várias </a:t>
+            </a:r>
+            <a:r>
+              <a:rPr lang="pt-BR" b="1" i="1" dirty="0" smtClean="0"/>
+              <a:t>aplicações diferentes.</a:t>
+            </a:r>
+            <a:endParaRPr lang="en-US" b="1" i="1" dirty="0"/>
+          </a:p>
+        </p:txBody>
+      </p:sp>
       <p:grpSp>
         <p:nvGrpSpPr>
-          <p:cNvPr id="16" name="Grupo 15"/>
+          <p:cNvPr id="4" name="Grupo 3"/>
           <p:cNvGrpSpPr/>
           <p:nvPr/>
         </p:nvGrpSpPr>
         <p:grpSpPr>
           <a:xfrm>
-            <a:off x="8455323" y="3475960"/>
-            <a:ext cx="3292177" cy="2277374"/>
-            <a:chOff x="8899823" y="757100"/>
-            <a:chExt cx="3292177" cy="2277374"/>
+            <a:off x="7961101" y="3475960"/>
+            <a:ext cx="4141448" cy="2277374"/>
+            <a:chOff x="8050552" y="3475960"/>
+            <a:chExt cx="4141448" cy="2277374"/>
           </a:xfrm>
         </p:grpSpPr>
         <p:grpSp>
@@ -22996,7 +24048,7 @@
             <p:cNvPr id="5" name="Agrupar 4">
               <a:extLst>
                 <a:ext uri="{FF2B5EF4-FFF2-40B4-BE49-F238E27FC236}">
-                  <a16:creationId xmlns="" xmlns:a16="http://schemas.microsoft.com/office/drawing/2014/main" id="{7463A6D3-5626-4043-85E5-66DFB2E72B8A}"/>
+                  <a16:creationId xmlns:a16="http://schemas.microsoft.com/office/drawing/2014/main" xmlns="" id="{7463A6D3-5626-4043-85E5-66DFB2E72B8A}"/>
                 </a:ext>
               </a:extLst>
             </p:cNvPr>
@@ -23005,7 +24057,7 @@
           </p:nvGrpSpPr>
           <p:grpSpPr>
             <a:xfrm>
-              <a:off x="9040231" y="757100"/>
+              <a:off x="8595731" y="3475960"/>
               <a:ext cx="3016858" cy="2277374"/>
               <a:chOff x="9273707" y="365125"/>
               <a:chExt cx="2918293" cy="2351181"/>
@@ -23016,7 +24068,7 @@
               <p:cNvPr id="11" name="Picture 2" descr="Image result for umbrella">
                 <a:extLst>
                   <a:ext uri="{FF2B5EF4-FFF2-40B4-BE49-F238E27FC236}">
-                    <a16:creationId xmlns="" xmlns:a16="http://schemas.microsoft.com/office/drawing/2014/main" id="{46CE05B1-E4CB-4173-8A0C-9C000F3F0A67}"/>
+                    <a16:creationId xmlns:a16="http://schemas.microsoft.com/office/drawing/2014/main" xmlns="" id="{46CE05B1-E4CB-4173-8A0C-9C000F3F0A67}"/>
                   </a:ext>
                 </a:extLst>
               </p:cNvPr>
@@ -23061,7 +24113,7 @@
               <p:cNvPr id="12" name="CaixaDeTexto 3">
                 <a:extLst>
                   <a:ext uri="{FF2B5EF4-FFF2-40B4-BE49-F238E27FC236}">
-                    <a16:creationId xmlns="" xmlns:a16="http://schemas.microsoft.com/office/drawing/2014/main" id="{CC08EDBF-9120-4A11-84A9-24A056EA1046}"/>
+                    <a16:creationId xmlns:a16="http://schemas.microsoft.com/office/drawing/2014/main" xmlns="" id="{CC08EDBF-9120-4A11-84A9-24A056EA1046}"/>
                   </a:ext>
                 </a:extLst>
               </p:cNvPr>
@@ -23105,7 +24157,7 @@
           </p:nvSpPr>
           <p:spPr>
             <a:xfrm>
-              <a:off x="11145407" y="1841438"/>
+              <a:off x="10700907" y="4560298"/>
               <a:ext cx="769364" cy="415321"/>
             </a:xfrm>
             <a:prstGeom prst="rect">
@@ -23136,7 +24188,7 @@
           </p:nvSpPr>
           <p:spPr>
             <a:xfrm>
-              <a:off x="9081580" y="1780428"/>
+              <a:off x="9240908" y="4539723"/>
               <a:ext cx="851572" cy="373910"/>
             </a:xfrm>
             <a:prstGeom prst="rect">
@@ -23153,7 +24205,7 @@
               <a:pPr algn="ctr"/>
               <a:r>
                 <a:rPr lang="pt-BR" dirty="0" smtClean="0"/>
-                <a:t>NLP</a:t>
+                <a:t>PLN</a:t>
               </a:r>
               <a:endParaRPr lang="pt-BR" dirty="0"/>
             </a:p>
@@ -23167,7 +24219,7 @@
           </p:nvSpPr>
           <p:spPr>
             <a:xfrm>
-              <a:off x="8899823" y="2250802"/>
+              <a:off x="8050552" y="4432754"/>
               <a:ext cx="1500073" cy="369332"/>
             </a:xfrm>
             <a:prstGeom prst="rect">
@@ -23202,7 +24254,7 @@
           </p:nvSpPr>
           <p:spPr>
             <a:xfrm>
-              <a:off x="10655851" y="1792150"/>
+              <a:off x="10211351" y="4511010"/>
               <a:ext cx="591890" cy="373910"/>
             </a:xfrm>
             <a:prstGeom prst="rect">
@@ -23219,7 +24271,7 @@
               <a:pPr algn="ctr"/>
               <a:r>
                 <a:rPr lang="pt-BR" dirty="0" smtClean="0"/>
-                <a:t>CV</a:t>
+                <a:t>VC</a:t>
               </a:r>
               <a:endParaRPr lang="pt-BR" dirty="0"/>
             </a:p>
@@ -23233,8 +24285,8 @@
           </p:nvSpPr>
           <p:spPr>
             <a:xfrm>
-              <a:off x="10772057" y="2231959"/>
-              <a:ext cx="951367" cy="373910"/>
+              <a:off x="10374631" y="4919705"/>
+              <a:ext cx="1817369" cy="369332"/>
             </a:xfrm>
             <a:prstGeom prst="rect">
               <a:avLst/>
@@ -23250,7 +24302,7 @@
               <a:pPr algn="ctr"/>
               <a:r>
                 <a:rPr lang="pt-BR" dirty="0" smtClean="0"/>
-                <a:t>KR&amp;R</a:t>
+                <a:t>Representação</a:t>
               </a:r>
               <a:endParaRPr lang="pt-BR" dirty="0"/>
             </a:p>
@@ -23264,7 +24316,7 @@
           </p:nvSpPr>
           <p:spPr>
             <a:xfrm>
-              <a:off x="10691927" y="2647280"/>
+              <a:off x="10252699" y="5323822"/>
               <a:ext cx="1500073" cy="369332"/>
             </a:xfrm>
             <a:prstGeom prst="rect">
@@ -23295,7 +24347,7 @@
           </p:nvSpPr>
           <p:spPr>
             <a:xfrm>
-              <a:off x="9442929" y="2655482"/>
+              <a:off x="8998429" y="5374342"/>
               <a:ext cx="851572" cy="373910"/>
             </a:xfrm>
             <a:prstGeom prst="rect">
@@ -23318,51 +24370,55 @@
             </a:p>
           </p:txBody>
         </p:sp>
+        <p:sp>
+          <p:nvSpPr>
+            <p:cNvPr id="17" name="TextBox 7"/>
+            <p:cNvSpPr txBox="1"/>
+            <p:nvPr/>
+          </p:nvSpPr>
+          <p:spPr>
+            <a:xfrm>
+              <a:off x="8353960" y="4919705"/>
+              <a:ext cx="1500073" cy="369332"/>
+            </a:xfrm>
+            <a:prstGeom prst="rect">
+              <a:avLst/>
+            </a:prstGeom>
+            <a:noFill/>
+          </p:spPr>
+          <p:txBody>
+            <a:bodyPr wrap="square" rtlCol="0">
+              <a:spAutoFit/>
+            </a:bodyPr>
+            <a:lstStyle/>
+            <a:p>
+              <a:pPr algn="ctr"/>
+              <a:r>
+                <a:rPr lang="pt-BR" dirty="0" smtClean="0"/>
+                <a:t>Raciocínio</a:t>
+              </a:r>
+              <a:endParaRPr lang="pt-BR" dirty="0"/>
+            </a:p>
+          </p:txBody>
+        </p:sp>
       </p:grpSp>
-      <p:sp>
-        <p:nvSpPr>
-          <p:cNvPr id="18" name="Retângulo 17"/>
-          <p:cNvSpPr/>
-          <p:nvPr/>
-        </p:nvSpPr>
-        <p:spPr>
-          <a:xfrm>
-            <a:off x="8141519" y="2829629"/>
-            <a:ext cx="3703207" cy="646331"/>
-          </a:xfrm>
-          <a:prstGeom prst="rect">
-            <a:avLst/>
-          </a:prstGeom>
-        </p:spPr>
-        <p:txBody>
-          <a:bodyPr wrap="square">
-            <a:spAutoFit/>
-          </a:bodyPr>
-          <a:lstStyle/>
-          <a:p>
-            <a:pPr algn="ctr"/>
-            <a:r>
-              <a:rPr lang="pt-BR" b="1" i="1" dirty="0"/>
-              <a:t>IA é uma área muito ampla que engloba várias </a:t>
-            </a:r>
-            <a:r>
-              <a:rPr lang="pt-BR" b="1" i="1" dirty="0" smtClean="0"/>
-              <a:t>aplicações diferentes.</a:t>
-            </a:r>
-            <a:endParaRPr lang="en-US" b="1" i="1" dirty="0"/>
-          </a:p>
-        </p:txBody>
-      </p:sp>
     </p:spTree>
     <p:extLst>
       <p:ext uri="{BB962C8B-B14F-4D97-AF65-F5344CB8AC3E}">
-        <p14:creationId xmlns:p14="http://schemas.microsoft.com/office/powerpoint/2010/main" val="2616151690"/>
+        <p14:creationId xmlns:p14="http://schemas.microsoft.com/office/powerpoint/2010/main" val="2224876769"/>
       </p:ext>
     </p:extLst>
   </p:cSld>
   <p:clrMapOvr>
     <a:masterClrMapping/>
   </p:clrMapOvr>
+  <p:timing>
+    <p:tnLst>
+      <p:par>
+        <p:cTn id="1" dur="indefinite" restart="never" nodeType="tmRoot"/>
+      </p:par>
+    </p:tnLst>
+  </p:timing>
 </p:sld>
 </file>
 
@@ -23419,7 +24475,7 @@
         <p:spPr>
           <a:xfrm>
             <a:off x="838200" y="1825624"/>
-            <a:ext cx="10998200" cy="5032376"/>
+            <a:ext cx="11110546" cy="5032376"/>
           </a:xfrm>
         </p:spPr>
         <p:txBody>
@@ -23489,8 +24545,13 @@
             </a:r>
             <a:r>
               <a:rPr lang="pt-BR" dirty="0"/>
-              <a:t>a análise e solução eficiente de vários problemas em várias áreas.</a:t>
-            </a:r>
+              <a:t>a análise e solução eficiente de vários problemas em várias </a:t>
+            </a:r>
+            <a:r>
+              <a:rPr lang="pt-BR" dirty="0" smtClean="0"/>
+              <a:t>áreas, incluindo telecomunicações.</a:t>
+            </a:r>
+            <a:endParaRPr lang="pt-BR" dirty="0"/>
           </a:p>
           <a:p>
             <a:pPr lvl="1">
@@ -23503,7 +24564,15 @@
             </a:r>
             <a:r>
               <a:rPr lang="pt-BR" dirty="0"/>
-              <a:t>: vários procedimentos e processos em várias áreas que apresentam desempenho ótimo na teoria não são utilizados na prática, pois possuem complexidade computacional e/ou custo proibitivos.</a:t>
+              <a:t>: vários procedimentos e processos </a:t>
+            </a:r>
+            <a:r>
+              <a:rPr lang="pt-BR" dirty="0" smtClean="0"/>
+              <a:t>de várias </a:t>
+            </a:r>
+            <a:r>
+              <a:rPr lang="pt-BR" dirty="0"/>
+              <a:t>áreas que apresentam desempenho ótimo na teoria não são utilizados na prática, pois possuem complexidade computacional e/ou custo proibitivos.</a:t>
             </a:r>
           </a:p>
           <a:p>
@@ -23517,11 +24586,19 @@
             </a:r>
             <a:r>
               <a:rPr lang="pt-BR" dirty="0"/>
-              <a:t>: existem muitos empregos na área de análise, ciência e engenharia de dados, além de pesquisas inovadoras para a solução de problemas com ML</a:t>
+              <a:t>: existem muitos empregos na área de análise, ciência e engenharia de dados, além de pesquisas inovadoras </a:t>
             </a:r>
             <a:r>
               <a:rPr lang="pt-BR" dirty="0" smtClean="0"/>
-              <a:t>.</a:t>
+              <a:t>que usem </a:t>
+            </a:r>
+            <a:r>
+              <a:rPr lang="pt-BR" dirty="0"/>
+              <a:t>ML para a solução de </a:t>
+            </a:r>
+            <a:r>
+              <a:rPr lang="pt-BR" dirty="0" smtClean="0"/>
+              <a:t>problemas em diversas áreas do conhecimento.</a:t>
             </a:r>
             <a:endParaRPr lang="pt-BR" dirty="0"/>
           </a:p>
@@ -23532,7 +24609,7 @@
           <p:cNvPr id="4" name="Picture 4" descr="Image result for aprendizado de máquina">
             <a:extLst>
               <a:ext uri="{FF2B5EF4-FFF2-40B4-BE49-F238E27FC236}">
-                <a16:creationId xmlns="" xmlns:a16="http://schemas.microsoft.com/office/drawing/2014/main" id="{4530CE78-625F-49E3-B829-A2E7FD1CE262}"/>
+                <a16:creationId xmlns:a16="http://schemas.microsoft.com/office/drawing/2014/main" xmlns="" id="{4530CE78-625F-49E3-B829-A2E7FD1CE262}"/>
               </a:ext>
             </a:extLst>
           </p:cNvPr>
@@ -23616,13 +24693,20 @@
     </p:spTree>
     <p:extLst>
       <p:ext uri="{BB962C8B-B14F-4D97-AF65-F5344CB8AC3E}">
-        <p14:creationId xmlns:p14="http://schemas.microsoft.com/office/powerpoint/2010/main" val="1449418759"/>
+        <p14:creationId xmlns:p14="http://schemas.microsoft.com/office/powerpoint/2010/main" val="3778175312"/>
       </p:ext>
     </p:extLst>
   </p:cSld>
   <p:clrMapOvr>
     <a:masterClrMapping/>
   </p:clrMapOvr>
+  <p:timing>
+    <p:tnLst>
+      <p:par>
+        <p:cTn id="1" dur="indefinite" restart="never" nodeType="tmRoot"/>
+      </p:par>
+    </p:tnLst>
+  </p:timing>
 </p:sld>
 </file>
 

--- a/slides/T319_Introdução.pptx
+++ b/slides/T319_Introdução.pptx
@@ -1663,15 +1663,7 @@
             </a:r>
             <a:r>
               <a:rPr lang="pt-BR" sz="1200" baseline="0" dirty="0" smtClean="0"/>
-              <a:t>: detecta se uma nova observação (i.e., atributos ou exemplos) pertence à mesma distribuição que as observações </a:t>
-            </a:r>
-            <a:r>
-              <a:rPr lang="pt-BR" sz="1200" baseline="0" dirty="0" smtClean="0"/>
-              <a:t>anteriores</a:t>
-            </a:r>
-            <a:r>
-              <a:rPr lang="pt-BR" sz="1200" baseline="0" dirty="0" smtClean="0"/>
-              <a:t>. Identificação de features que levantam suspeitas por serem significativamente diferentes da maioria dos dados. </a:t>
+              <a:t>: detecta se uma nova observação (i.e., atributos ou exemplos) pertence à mesma distribuição que as observações anteriores. Identificação de features que levantam suspeitas por serem significativamente diferentes da maioria dos dados. </a:t>
             </a:r>
           </a:p>
           <a:p>
@@ -4275,19 +4267,7 @@
               <a:rPr lang="pt-BR" sz="1200" b="0" baseline="0" dirty="0" smtClean="0">
                 <a:cs typeface="Calibri"/>
               </a:rPr>
-              <a:t>: desenvolvimento de máquinas inteligentes que obtém informação de </a:t>
-            </a:r>
-            <a:r>
-              <a:rPr lang="pt-BR" sz="1200" b="0" baseline="0" dirty="0" smtClean="0">
-                <a:cs typeface="Calibri"/>
-              </a:rPr>
-              <a:t>imagens e vídeos. </a:t>
-            </a:r>
-            <a:r>
-              <a:rPr lang="pt-BR" sz="1200" b="0" baseline="0" dirty="0" smtClean="0">
-                <a:cs typeface="Calibri"/>
-              </a:rPr>
-              <a:t>Exemplos: reconhecimento de faces, controle de qualidade em industrias, carros autônomos, etc.</a:t>
+              <a:t>: desenvolvimento de máquinas inteligentes que obtém informação de imagens e vídeos. Exemplos: reconhecimento de faces, controle de qualidade em industrias, carros autônomos, etc.</a:t>
             </a:r>
           </a:p>
           <a:p>
@@ -4305,19 +4285,7 @@
               <a:rPr lang="pt-BR" sz="1200" b="0" baseline="0" dirty="0" smtClean="0">
                 <a:cs typeface="Calibri"/>
               </a:rPr>
-              <a:t>: lida com o </a:t>
-            </a:r>
-            <a:r>
-              <a:rPr lang="pt-BR" sz="1200" b="0" baseline="0" dirty="0" smtClean="0">
-                <a:cs typeface="Calibri"/>
-              </a:rPr>
-              <a:t>projeto, </a:t>
-            </a:r>
-            <a:r>
-              <a:rPr lang="pt-BR" sz="1200" b="0" baseline="0" dirty="0" smtClean="0">
-                <a:cs typeface="Calibri"/>
-              </a:rPr>
-              <a:t>construção e operação de robôs que repliquem ações humanas. Exemplos: robôs militares, industriais, médicos, etc.</a:t>
+              <a:t>: lida com o projeto, construção e operação de robôs que repliquem ações humanas. Exemplos: robôs militares, industriais, médicos, etc.</a:t>
             </a:r>
           </a:p>
           <a:p>
@@ -5155,11 +5123,7 @@
             </a:r>
             <a:r>
               <a:rPr lang="pt-BR" sz="1200" b="0" dirty="0" smtClean="0"/>
-              <a:t>(ou amostra</a:t>
-            </a:r>
-            <a:r>
-              <a:rPr lang="pt-BR" sz="1200" b="0" dirty="0" smtClean="0"/>
-              <a:t>).</a:t>
+              <a:t>(ou amostra).</a:t>
             </a:r>
           </a:p>
           <a:p>
@@ -5550,7 +5514,7 @@
           <p:cNvPr id="2" name="Título 1">
             <a:extLst>
               <a:ext uri="{FF2B5EF4-FFF2-40B4-BE49-F238E27FC236}">
-                <a16:creationId xmlns:a16="http://schemas.microsoft.com/office/drawing/2014/main" xmlns="" id="{1DB9B4FF-B06E-403C-A326-BDC64D8FF94E}"/>
+                <a16:creationId xmlns="" xmlns:a16="http://schemas.microsoft.com/office/drawing/2014/main" id="{1DB9B4FF-B06E-403C-A326-BDC64D8FF94E}"/>
               </a:ext>
             </a:extLst>
           </p:cNvPr>
@@ -5587,7 +5551,7 @@
           <p:cNvPr id="3" name="Subtítulo 2">
             <a:extLst>
               <a:ext uri="{FF2B5EF4-FFF2-40B4-BE49-F238E27FC236}">
-                <a16:creationId xmlns:a16="http://schemas.microsoft.com/office/drawing/2014/main" xmlns="" id="{247BDFCE-746E-45BF-A319-4733D58D1632}"/>
+                <a16:creationId xmlns="" xmlns:a16="http://schemas.microsoft.com/office/drawing/2014/main" id="{247BDFCE-746E-45BF-A319-4733D58D1632}"/>
               </a:ext>
             </a:extLst>
           </p:cNvPr>
@@ -5657,7 +5621,7 @@
           <p:cNvPr id="4" name="Espaço Reservado para Data 3">
             <a:extLst>
               <a:ext uri="{FF2B5EF4-FFF2-40B4-BE49-F238E27FC236}">
-                <a16:creationId xmlns:a16="http://schemas.microsoft.com/office/drawing/2014/main" xmlns="" id="{9EDE2778-5372-4104-B96D-968184DA8288}"/>
+                <a16:creationId xmlns="" xmlns:a16="http://schemas.microsoft.com/office/drawing/2014/main" id="{9EDE2778-5372-4104-B96D-968184DA8288}"/>
               </a:ext>
             </a:extLst>
           </p:cNvPr>
@@ -5686,7 +5650,7 @@
           <p:cNvPr id="5" name="Espaço Reservado para Rodapé 4">
             <a:extLst>
               <a:ext uri="{FF2B5EF4-FFF2-40B4-BE49-F238E27FC236}">
-                <a16:creationId xmlns:a16="http://schemas.microsoft.com/office/drawing/2014/main" xmlns="" id="{C1DD0F41-C861-4051-988D-3024A37A4B93}"/>
+                <a16:creationId xmlns="" xmlns:a16="http://schemas.microsoft.com/office/drawing/2014/main" id="{C1DD0F41-C861-4051-988D-3024A37A4B93}"/>
               </a:ext>
             </a:extLst>
           </p:cNvPr>
@@ -5711,7 +5675,7 @@
           <p:cNvPr id="6" name="Espaço Reservado para Número de Slide 5">
             <a:extLst>
               <a:ext uri="{FF2B5EF4-FFF2-40B4-BE49-F238E27FC236}">
-                <a16:creationId xmlns:a16="http://schemas.microsoft.com/office/drawing/2014/main" xmlns="" id="{07E5967E-D980-431A-A5DB-3F0C5030A81E}"/>
+                <a16:creationId xmlns="" xmlns:a16="http://schemas.microsoft.com/office/drawing/2014/main" id="{07E5967E-D980-431A-A5DB-3F0C5030A81E}"/>
               </a:ext>
             </a:extLst>
           </p:cNvPr>
@@ -5770,7 +5734,7 @@
           <p:cNvPr id="2" name="Título 1">
             <a:extLst>
               <a:ext uri="{FF2B5EF4-FFF2-40B4-BE49-F238E27FC236}">
-                <a16:creationId xmlns:a16="http://schemas.microsoft.com/office/drawing/2014/main" xmlns="" id="{9036C49F-3E68-4175-81BA-3C3FEE44308A}"/>
+                <a16:creationId xmlns="" xmlns:a16="http://schemas.microsoft.com/office/drawing/2014/main" id="{9036C49F-3E68-4175-81BA-3C3FEE44308A}"/>
               </a:ext>
             </a:extLst>
           </p:cNvPr>
@@ -5798,7 +5762,7 @@
           <p:cNvPr id="3" name="Espaço Reservado para Texto Vertical 2">
             <a:extLst>
               <a:ext uri="{FF2B5EF4-FFF2-40B4-BE49-F238E27FC236}">
-                <a16:creationId xmlns:a16="http://schemas.microsoft.com/office/drawing/2014/main" xmlns="" id="{426FA736-3DD3-4D4E-B57B-BBE1D8F7D424}"/>
+                <a16:creationId xmlns="" xmlns:a16="http://schemas.microsoft.com/office/drawing/2014/main" id="{426FA736-3DD3-4D4E-B57B-BBE1D8F7D424}"/>
               </a:ext>
             </a:extLst>
           </p:cNvPr>
@@ -5855,7 +5819,7 @@
           <p:cNvPr id="4" name="Espaço Reservado para Data 3">
             <a:extLst>
               <a:ext uri="{FF2B5EF4-FFF2-40B4-BE49-F238E27FC236}">
-                <a16:creationId xmlns:a16="http://schemas.microsoft.com/office/drawing/2014/main" xmlns="" id="{99E8855C-D8FD-48F6-B14E-861E0DE4D915}"/>
+                <a16:creationId xmlns="" xmlns:a16="http://schemas.microsoft.com/office/drawing/2014/main" id="{99E8855C-D8FD-48F6-B14E-861E0DE4D915}"/>
               </a:ext>
             </a:extLst>
           </p:cNvPr>
@@ -5884,7 +5848,7 @@
           <p:cNvPr id="5" name="Espaço Reservado para Rodapé 4">
             <a:extLst>
               <a:ext uri="{FF2B5EF4-FFF2-40B4-BE49-F238E27FC236}">
-                <a16:creationId xmlns:a16="http://schemas.microsoft.com/office/drawing/2014/main" xmlns="" id="{97C0BB88-2F21-42A5-ACFF-83DA47F2D340}"/>
+                <a16:creationId xmlns="" xmlns:a16="http://schemas.microsoft.com/office/drawing/2014/main" id="{97C0BB88-2F21-42A5-ACFF-83DA47F2D340}"/>
               </a:ext>
             </a:extLst>
           </p:cNvPr>
@@ -5909,7 +5873,7 @@
           <p:cNvPr id="6" name="Espaço Reservado para Número de Slide 5">
             <a:extLst>
               <a:ext uri="{FF2B5EF4-FFF2-40B4-BE49-F238E27FC236}">
-                <a16:creationId xmlns:a16="http://schemas.microsoft.com/office/drawing/2014/main" xmlns="" id="{6CB462B3-1F22-4C05-B4B8-7A279FB7D5E9}"/>
+                <a16:creationId xmlns="" xmlns:a16="http://schemas.microsoft.com/office/drawing/2014/main" id="{6CB462B3-1F22-4C05-B4B8-7A279FB7D5E9}"/>
               </a:ext>
             </a:extLst>
           </p:cNvPr>
@@ -5968,7 +5932,7 @@
           <p:cNvPr id="2" name="Título Vertical 1">
             <a:extLst>
               <a:ext uri="{FF2B5EF4-FFF2-40B4-BE49-F238E27FC236}">
-                <a16:creationId xmlns:a16="http://schemas.microsoft.com/office/drawing/2014/main" xmlns="" id="{EAEAB728-701C-4207-A9D5-23FF45C60502}"/>
+                <a16:creationId xmlns="" xmlns:a16="http://schemas.microsoft.com/office/drawing/2014/main" id="{EAEAB728-701C-4207-A9D5-23FF45C60502}"/>
               </a:ext>
             </a:extLst>
           </p:cNvPr>
@@ -6001,7 +5965,7 @@
           <p:cNvPr id="3" name="Espaço Reservado para Texto Vertical 2">
             <a:extLst>
               <a:ext uri="{FF2B5EF4-FFF2-40B4-BE49-F238E27FC236}">
-                <a16:creationId xmlns:a16="http://schemas.microsoft.com/office/drawing/2014/main" xmlns="" id="{BA8C8CCF-7823-480A-9A19-0F664DD17E3B}"/>
+                <a16:creationId xmlns="" xmlns:a16="http://schemas.microsoft.com/office/drawing/2014/main" id="{BA8C8CCF-7823-480A-9A19-0F664DD17E3B}"/>
               </a:ext>
             </a:extLst>
           </p:cNvPr>
@@ -6063,7 +6027,7 @@
           <p:cNvPr id="4" name="Espaço Reservado para Data 3">
             <a:extLst>
               <a:ext uri="{FF2B5EF4-FFF2-40B4-BE49-F238E27FC236}">
-                <a16:creationId xmlns:a16="http://schemas.microsoft.com/office/drawing/2014/main" xmlns="" id="{721D5734-7B1F-425D-942F-6EB73344027C}"/>
+                <a16:creationId xmlns="" xmlns:a16="http://schemas.microsoft.com/office/drawing/2014/main" id="{721D5734-7B1F-425D-942F-6EB73344027C}"/>
               </a:ext>
             </a:extLst>
           </p:cNvPr>
@@ -6092,7 +6056,7 @@
           <p:cNvPr id="5" name="Espaço Reservado para Rodapé 4">
             <a:extLst>
               <a:ext uri="{FF2B5EF4-FFF2-40B4-BE49-F238E27FC236}">
-                <a16:creationId xmlns:a16="http://schemas.microsoft.com/office/drawing/2014/main" xmlns="" id="{1E1AAEAC-F08D-45FE-89EC-B1B349A868C9}"/>
+                <a16:creationId xmlns="" xmlns:a16="http://schemas.microsoft.com/office/drawing/2014/main" id="{1E1AAEAC-F08D-45FE-89EC-B1B349A868C9}"/>
               </a:ext>
             </a:extLst>
           </p:cNvPr>
@@ -6117,7 +6081,7 @@
           <p:cNvPr id="6" name="Espaço Reservado para Número de Slide 5">
             <a:extLst>
               <a:ext uri="{FF2B5EF4-FFF2-40B4-BE49-F238E27FC236}">
-                <a16:creationId xmlns:a16="http://schemas.microsoft.com/office/drawing/2014/main" xmlns="" id="{BAA44493-9911-47B2-87A6-C2141A972BC8}"/>
+                <a16:creationId xmlns="" xmlns:a16="http://schemas.microsoft.com/office/drawing/2014/main" id="{BAA44493-9911-47B2-87A6-C2141A972BC8}"/>
               </a:ext>
             </a:extLst>
           </p:cNvPr>
@@ -6176,7 +6140,7 @@
           <p:cNvPr id="2" name="Título 1">
             <a:extLst>
               <a:ext uri="{FF2B5EF4-FFF2-40B4-BE49-F238E27FC236}">
-                <a16:creationId xmlns:a16="http://schemas.microsoft.com/office/drawing/2014/main" xmlns="" id="{71BD44A5-8F21-4626-A01D-48A1C874B1D5}"/>
+                <a16:creationId xmlns="" xmlns:a16="http://schemas.microsoft.com/office/drawing/2014/main" id="{71BD44A5-8F21-4626-A01D-48A1C874B1D5}"/>
               </a:ext>
             </a:extLst>
           </p:cNvPr>
@@ -6204,7 +6168,7 @@
           <p:cNvPr id="3" name="Espaço Reservado para Conteúdo 2">
             <a:extLst>
               <a:ext uri="{FF2B5EF4-FFF2-40B4-BE49-F238E27FC236}">
-                <a16:creationId xmlns:a16="http://schemas.microsoft.com/office/drawing/2014/main" xmlns="" id="{B79E8085-65A9-48AA-951D-71D978BFF4ED}"/>
+                <a16:creationId xmlns="" xmlns:a16="http://schemas.microsoft.com/office/drawing/2014/main" id="{B79E8085-65A9-48AA-951D-71D978BFF4ED}"/>
               </a:ext>
             </a:extLst>
           </p:cNvPr>
@@ -6261,7 +6225,7 @@
           <p:cNvPr id="4" name="Espaço Reservado para Data 3">
             <a:extLst>
               <a:ext uri="{FF2B5EF4-FFF2-40B4-BE49-F238E27FC236}">
-                <a16:creationId xmlns:a16="http://schemas.microsoft.com/office/drawing/2014/main" xmlns="" id="{F05BE1AF-51EA-425D-B188-DE7BD675009F}"/>
+                <a16:creationId xmlns="" xmlns:a16="http://schemas.microsoft.com/office/drawing/2014/main" id="{F05BE1AF-51EA-425D-B188-DE7BD675009F}"/>
               </a:ext>
             </a:extLst>
           </p:cNvPr>
@@ -6290,7 +6254,7 @@
           <p:cNvPr id="5" name="Espaço Reservado para Rodapé 4">
             <a:extLst>
               <a:ext uri="{FF2B5EF4-FFF2-40B4-BE49-F238E27FC236}">
-                <a16:creationId xmlns:a16="http://schemas.microsoft.com/office/drawing/2014/main" xmlns="" id="{121BE632-29CF-4CB9-B365-C9EF38F89BE6}"/>
+                <a16:creationId xmlns="" xmlns:a16="http://schemas.microsoft.com/office/drawing/2014/main" id="{121BE632-29CF-4CB9-B365-C9EF38F89BE6}"/>
               </a:ext>
             </a:extLst>
           </p:cNvPr>
@@ -6315,7 +6279,7 @@
           <p:cNvPr id="6" name="Espaço Reservado para Número de Slide 5">
             <a:extLst>
               <a:ext uri="{FF2B5EF4-FFF2-40B4-BE49-F238E27FC236}">
-                <a16:creationId xmlns:a16="http://schemas.microsoft.com/office/drawing/2014/main" xmlns="" id="{60CF3DD1-9AEC-4A57-B461-4E4DD86FAC18}"/>
+                <a16:creationId xmlns="" xmlns:a16="http://schemas.microsoft.com/office/drawing/2014/main" id="{60CF3DD1-9AEC-4A57-B461-4E4DD86FAC18}"/>
               </a:ext>
             </a:extLst>
           </p:cNvPr>
@@ -6374,7 +6338,7 @@
           <p:cNvPr id="2" name="Título 1">
             <a:extLst>
               <a:ext uri="{FF2B5EF4-FFF2-40B4-BE49-F238E27FC236}">
-                <a16:creationId xmlns:a16="http://schemas.microsoft.com/office/drawing/2014/main" xmlns="" id="{34AB2FF0-A4D7-4E28-991D-FF26140D5988}"/>
+                <a16:creationId xmlns="" xmlns:a16="http://schemas.microsoft.com/office/drawing/2014/main" id="{34AB2FF0-A4D7-4E28-991D-FF26140D5988}"/>
               </a:ext>
             </a:extLst>
           </p:cNvPr>
@@ -6411,7 +6375,7 @@
           <p:cNvPr id="3" name="Espaço Reservado para Texto 2">
             <a:extLst>
               <a:ext uri="{FF2B5EF4-FFF2-40B4-BE49-F238E27FC236}">
-                <a16:creationId xmlns:a16="http://schemas.microsoft.com/office/drawing/2014/main" xmlns="" id="{E2AC45B0-4145-40DB-8E61-105461170604}"/>
+                <a16:creationId xmlns="" xmlns:a16="http://schemas.microsoft.com/office/drawing/2014/main" id="{E2AC45B0-4145-40DB-8E61-105461170604}"/>
               </a:ext>
             </a:extLst>
           </p:cNvPr>
@@ -6536,7 +6500,7 @@
           <p:cNvPr id="4" name="Espaço Reservado para Data 3">
             <a:extLst>
               <a:ext uri="{FF2B5EF4-FFF2-40B4-BE49-F238E27FC236}">
-                <a16:creationId xmlns:a16="http://schemas.microsoft.com/office/drawing/2014/main" xmlns="" id="{50F1D3FB-740A-4EBA-A309-2CE71D12ECFB}"/>
+                <a16:creationId xmlns="" xmlns:a16="http://schemas.microsoft.com/office/drawing/2014/main" id="{50F1D3FB-740A-4EBA-A309-2CE71D12ECFB}"/>
               </a:ext>
             </a:extLst>
           </p:cNvPr>
@@ -6565,7 +6529,7 @@
           <p:cNvPr id="5" name="Espaço Reservado para Rodapé 4">
             <a:extLst>
               <a:ext uri="{FF2B5EF4-FFF2-40B4-BE49-F238E27FC236}">
-                <a16:creationId xmlns:a16="http://schemas.microsoft.com/office/drawing/2014/main" xmlns="" id="{BDCAB18F-8715-4465-A940-F9C193A2ACE9}"/>
+                <a16:creationId xmlns="" xmlns:a16="http://schemas.microsoft.com/office/drawing/2014/main" id="{BDCAB18F-8715-4465-A940-F9C193A2ACE9}"/>
               </a:ext>
             </a:extLst>
           </p:cNvPr>
@@ -6590,7 +6554,7 @@
           <p:cNvPr id="6" name="Espaço Reservado para Número de Slide 5">
             <a:extLst>
               <a:ext uri="{FF2B5EF4-FFF2-40B4-BE49-F238E27FC236}">
-                <a16:creationId xmlns:a16="http://schemas.microsoft.com/office/drawing/2014/main" xmlns="" id="{353466C6-8248-429F-8056-FF040BF509EB}"/>
+                <a16:creationId xmlns="" xmlns:a16="http://schemas.microsoft.com/office/drawing/2014/main" id="{353466C6-8248-429F-8056-FF040BF509EB}"/>
               </a:ext>
             </a:extLst>
           </p:cNvPr>
@@ -6649,7 +6613,7 @@
           <p:cNvPr id="2" name="Título 1">
             <a:extLst>
               <a:ext uri="{FF2B5EF4-FFF2-40B4-BE49-F238E27FC236}">
-                <a16:creationId xmlns:a16="http://schemas.microsoft.com/office/drawing/2014/main" xmlns="" id="{BC7BB9F0-F14B-4A91-B2B7-35BC47FE4DE7}"/>
+                <a16:creationId xmlns="" xmlns:a16="http://schemas.microsoft.com/office/drawing/2014/main" id="{BC7BB9F0-F14B-4A91-B2B7-35BC47FE4DE7}"/>
               </a:ext>
             </a:extLst>
           </p:cNvPr>
@@ -6677,7 +6641,7 @@
           <p:cNvPr id="3" name="Espaço Reservado para Conteúdo 2">
             <a:extLst>
               <a:ext uri="{FF2B5EF4-FFF2-40B4-BE49-F238E27FC236}">
-                <a16:creationId xmlns:a16="http://schemas.microsoft.com/office/drawing/2014/main" xmlns="" id="{EC1FC1C4-73DA-47A6-8496-B0B457F7D39A}"/>
+                <a16:creationId xmlns="" xmlns:a16="http://schemas.microsoft.com/office/drawing/2014/main" id="{EC1FC1C4-73DA-47A6-8496-B0B457F7D39A}"/>
               </a:ext>
             </a:extLst>
           </p:cNvPr>
@@ -6739,7 +6703,7 @@
           <p:cNvPr id="4" name="Espaço Reservado para Conteúdo 3">
             <a:extLst>
               <a:ext uri="{FF2B5EF4-FFF2-40B4-BE49-F238E27FC236}">
-                <a16:creationId xmlns:a16="http://schemas.microsoft.com/office/drawing/2014/main" xmlns="" id="{E92F06A8-A449-4D92-9912-76873E529B38}"/>
+                <a16:creationId xmlns="" xmlns:a16="http://schemas.microsoft.com/office/drawing/2014/main" id="{E92F06A8-A449-4D92-9912-76873E529B38}"/>
               </a:ext>
             </a:extLst>
           </p:cNvPr>
@@ -6801,7 +6765,7 @@
           <p:cNvPr id="5" name="Espaço Reservado para Data 4">
             <a:extLst>
               <a:ext uri="{FF2B5EF4-FFF2-40B4-BE49-F238E27FC236}">
-                <a16:creationId xmlns:a16="http://schemas.microsoft.com/office/drawing/2014/main" xmlns="" id="{938070A4-BC2F-4D55-BD8D-DEAF11BB9EE9}"/>
+                <a16:creationId xmlns="" xmlns:a16="http://schemas.microsoft.com/office/drawing/2014/main" id="{938070A4-BC2F-4D55-BD8D-DEAF11BB9EE9}"/>
               </a:ext>
             </a:extLst>
           </p:cNvPr>
@@ -6830,7 +6794,7 @@
           <p:cNvPr id="6" name="Espaço Reservado para Rodapé 5">
             <a:extLst>
               <a:ext uri="{FF2B5EF4-FFF2-40B4-BE49-F238E27FC236}">
-                <a16:creationId xmlns:a16="http://schemas.microsoft.com/office/drawing/2014/main" xmlns="" id="{45CC2DB8-844A-465F-BA9A-7734C80C7F43}"/>
+                <a16:creationId xmlns="" xmlns:a16="http://schemas.microsoft.com/office/drawing/2014/main" id="{45CC2DB8-844A-465F-BA9A-7734C80C7F43}"/>
               </a:ext>
             </a:extLst>
           </p:cNvPr>
@@ -6855,7 +6819,7 @@
           <p:cNvPr id="7" name="Espaço Reservado para Número de Slide 6">
             <a:extLst>
               <a:ext uri="{FF2B5EF4-FFF2-40B4-BE49-F238E27FC236}">
-                <a16:creationId xmlns:a16="http://schemas.microsoft.com/office/drawing/2014/main" xmlns="" id="{4CC606A8-097B-4040-94E0-CD8C88280D8F}"/>
+                <a16:creationId xmlns="" xmlns:a16="http://schemas.microsoft.com/office/drawing/2014/main" id="{4CC606A8-097B-4040-94E0-CD8C88280D8F}"/>
               </a:ext>
             </a:extLst>
           </p:cNvPr>
@@ -6914,7 +6878,7 @@
           <p:cNvPr id="2" name="Título 1">
             <a:extLst>
               <a:ext uri="{FF2B5EF4-FFF2-40B4-BE49-F238E27FC236}">
-                <a16:creationId xmlns:a16="http://schemas.microsoft.com/office/drawing/2014/main" xmlns="" id="{76D66686-0143-4CB6-8C09-BA326F1E7ACA}"/>
+                <a16:creationId xmlns="" xmlns:a16="http://schemas.microsoft.com/office/drawing/2014/main" id="{76D66686-0143-4CB6-8C09-BA326F1E7ACA}"/>
               </a:ext>
             </a:extLst>
           </p:cNvPr>
@@ -6947,7 +6911,7 @@
           <p:cNvPr id="3" name="Espaço Reservado para Texto 2">
             <a:extLst>
               <a:ext uri="{FF2B5EF4-FFF2-40B4-BE49-F238E27FC236}">
-                <a16:creationId xmlns:a16="http://schemas.microsoft.com/office/drawing/2014/main" xmlns="" id="{0227AB85-F59E-4BCE-B846-4FA0992C2F23}"/>
+                <a16:creationId xmlns="" xmlns:a16="http://schemas.microsoft.com/office/drawing/2014/main" id="{0227AB85-F59E-4BCE-B846-4FA0992C2F23}"/>
               </a:ext>
             </a:extLst>
           </p:cNvPr>
@@ -7018,7 +6982,7 @@
           <p:cNvPr id="4" name="Espaço Reservado para Conteúdo 3">
             <a:extLst>
               <a:ext uri="{FF2B5EF4-FFF2-40B4-BE49-F238E27FC236}">
-                <a16:creationId xmlns:a16="http://schemas.microsoft.com/office/drawing/2014/main" xmlns="" id="{3373456C-7319-4D0A-827D-D29F6B083F5D}"/>
+                <a16:creationId xmlns="" xmlns:a16="http://schemas.microsoft.com/office/drawing/2014/main" id="{3373456C-7319-4D0A-827D-D29F6B083F5D}"/>
               </a:ext>
             </a:extLst>
           </p:cNvPr>
@@ -7080,7 +7044,7 @@
           <p:cNvPr id="5" name="Espaço Reservado para Texto 4">
             <a:extLst>
               <a:ext uri="{FF2B5EF4-FFF2-40B4-BE49-F238E27FC236}">
-                <a16:creationId xmlns:a16="http://schemas.microsoft.com/office/drawing/2014/main" xmlns="" id="{4CD109D0-2E83-4262-8029-A871CEC47406}"/>
+                <a16:creationId xmlns="" xmlns:a16="http://schemas.microsoft.com/office/drawing/2014/main" id="{4CD109D0-2E83-4262-8029-A871CEC47406}"/>
               </a:ext>
             </a:extLst>
           </p:cNvPr>
@@ -7151,7 +7115,7 @@
           <p:cNvPr id="6" name="Espaço Reservado para Conteúdo 5">
             <a:extLst>
               <a:ext uri="{FF2B5EF4-FFF2-40B4-BE49-F238E27FC236}">
-                <a16:creationId xmlns:a16="http://schemas.microsoft.com/office/drawing/2014/main" xmlns="" id="{AD706E3A-CFBB-4A6C-A65F-D0360A9E74FE}"/>
+                <a16:creationId xmlns="" xmlns:a16="http://schemas.microsoft.com/office/drawing/2014/main" id="{AD706E3A-CFBB-4A6C-A65F-D0360A9E74FE}"/>
               </a:ext>
             </a:extLst>
           </p:cNvPr>
@@ -7213,7 +7177,7 @@
           <p:cNvPr id="7" name="Espaço Reservado para Data 6">
             <a:extLst>
               <a:ext uri="{FF2B5EF4-FFF2-40B4-BE49-F238E27FC236}">
-                <a16:creationId xmlns:a16="http://schemas.microsoft.com/office/drawing/2014/main" xmlns="" id="{4172C0E5-5AF0-4805-BB51-443733CD2BD5}"/>
+                <a16:creationId xmlns="" xmlns:a16="http://schemas.microsoft.com/office/drawing/2014/main" id="{4172C0E5-5AF0-4805-BB51-443733CD2BD5}"/>
               </a:ext>
             </a:extLst>
           </p:cNvPr>
@@ -7242,7 +7206,7 @@
           <p:cNvPr id="8" name="Espaço Reservado para Rodapé 7">
             <a:extLst>
               <a:ext uri="{FF2B5EF4-FFF2-40B4-BE49-F238E27FC236}">
-                <a16:creationId xmlns:a16="http://schemas.microsoft.com/office/drawing/2014/main" xmlns="" id="{0E801648-156F-497E-99CF-797DF48051E1}"/>
+                <a16:creationId xmlns="" xmlns:a16="http://schemas.microsoft.com/office/drawing/2014/main" id="{0E801648-156F-497E-99CF-797DF48051E1}"/>
               </a:ext>
             </a:extLst>
           </p:cNvPr>
@@ -7267,7 +7231,7 @@
           <p:cNvPr id="9" name="Espaço Reservado para Número de Slide 8">
             <a:extLst>
               <a:ext uri="{FF2B5EF4-FFF2-40B4-BE49-F238E27FC236}">
-                <a16:creationId xmlns:a16="http://schemas.microsoft.com/office/drawing/2014/main" xmlns="" id="{EEE23D32-80E7-4796-A137-66BF842E4B53}"/>
+                <a16:creationId xmlns="" xmlns:a16="http://schemas.microsoft.com/office/drawing/2014/main" id="{EEE23D32-80E7-4796-A137-66BF842E4B53}"/>
               </a:ext>
             </a:extLst>
           </p:cNvPr>
@@ -7326,7 +7290,7 @@
           <p:cNvPr id="2" name="Título 1">
             <a:extLst>
               <a:ext uri="{FF2B5EF4-FFF2-40B4-BE49-F238E27FC236}">
-                <a16:creationId xmlns:a16="http://schemas.microsoft.com/office/drawing/2014/main" xmlns="" id="{2BCE2379-C78F-47E1-8CFC-B846E7AF148D}"/>
+                <a16:creationId xmlns="" xmlns:a16="http://schemas.microsoft.com/office/drawing/2014/main" id="{2BCE2379-C78F-47E1-8CFC-B846E7AF148D}"/>
               </a:ext>
             </a:extLst>
           </p:cNvPr>
@@ -7354,7 +7318,7 @@
           <p:cNvPr id="3" name="Espaço Reservado para Data 2">
             <a:extLst>
               <a:ext uri="{FF2B5EF4-FFF2-40B4-BE49-F238E27FC236}">
-                <a16:creationId xmlns:a16="http://schemas.microsoft.com/office/drawing/2014/main" xmlns="" id="{342600A9-7F92-4E22-9D94-E4717252A817}"/>
+                <a16:creationId xmlns="" xmlns:a16="http://schemas.microsoft.com/office/drawing/2014/main" id="{342600A9-7F92-4E22-9D94-E4717252A817}"/>
               </a:ext>
             </a:extLst>
           </p:cNvPr>
@@ -7383,7 +7347,7 @@
           <p:cNvPr id="4" name="Espaço Reservado para Rodapé 3">
             <a:extLst>
               <a:ext uri="{FF2B5EF4-FFF2-40B4-BE49-F238E27FC236}">
-                <a16:creationId xmlns:a16="http://schemas.microsoft.com/office/drawing/2014/main" xmlns="" id="{192E6BED-F546-40CC-A2DF-99CBA853654E}"/>
+                <a16:creationId xmlns="" xmlns:a16="http://schemas.microsoft.com/office/drawing/2014/main" id="{192E6BED-F546-40CC-A2DF-99CBA853654E}"/>
               </a:ext>
             </a:extLst>
           </p:cNvPr>
@@ -7408,7 +7372,7 @@
           <p:cNvPr id="5" name="Espaço Reservado para Número de Slide 4">
             <a:extLst>
               <a:ext uri="{FF2B5EF4-FFF2-40B4-BE49-F238E27FC236}">
-                <a16:creationId xmlns:a16="http://schemas.microsoft.com/office/drawing/2014/main" xmlns="" id="{6091CC40-A8C4-4063-80EB-CC5099621678}"/>
+                <a16:creationId xmlns="" xmlns:a16="http://schemas.microsoft.com/office/drawing/2014/main" id="{6091CC40-A8C4-4063-80EB-CC5099621678}"/>
               </a:ext>
             </a:extLst>
           </p:cNvPr>
@@ -7467,7 +7431,7 @@
           <p:cNvPr id="2" name="Espaço Reservado para Data 1">
             <a:extLst>
               <a:ext uri="{FF2B5EF4-FFF2-40B4-BE49-F238E27FC236}">
-                <a16:creationId xmlns:a16="http://schemas.microsoft.com/office/drawing/2014/main" xmlns="" id="{DD19515C-212C-4EAE-84A3-8FF4BC844F1B}"/>
+                <a16:creationId xmlns="" xmlns:a16="http://schemas.microsoft.com/office/drawing/2014/main" id="{DD19515C-212C-4EAE-84A3-8FF4BC844F1B}"/>
               </a:ext>
             </a:extLst>
           </p:cNvPr>
@@ -7496,7 +7460,7 @@
           <p:cNvPr id="3" name="Espaço Reservado para Rodapé 2">
             <a:extLst>
               <a:ext uri="{FF2B5EF4-FFF2-40B4-BE49-F238E27FC236}">
-                <a16:creationId xmlns:a16="http://schemas.microsoft.com/office/drawing/2014/main" xmlns="" id="{94D3D120-B3E8-4C96-861D-7A4F12F49B3A}"/>
+                <a16:creationId xmlns="" xmlns:a16="http://schemas.microsoft.com/office/drawing/2014/main" id="{94D3D120-B3E8-4C96-861D-7A4F12F49B3A}"/>
               </a:ext>
             </a:extLst>
           </p:cNvPr>
@@ -7521,7 +7485,7 @@
           <p:cNvPr id="4" name="Espaço Reservado para Número de Slide 3">
             <a:extLst>
               <a:ext uri="{FF2B5EF4-FFF2-40B4-BE49-F238E27FC236}">
-                <a16:creationId xmlns:a16="http://schemas.microsoft.com/office/drawing/2014/main" xmlns="" id="{42E49B68-FA1B-468B-9F17-D5C09243D454}"/>
+                <a16:creationId xmlns="" xmlns:a16="http://schemas.microsoft.com/office/drawing/2014/main" id="{42E49B68-FA1B-468B-9F17-D5C09243D454}"/>
               </a:ext>
             </a:extLst>
           </p:cNvPr>
@@ -7580,7 +7544,7 @@
           <p:cNvPr id="2" name="Título 1">
             <a:extLst>
               <a:ext uri="{FF2B5EF4-FFF2-40B4-BE49-F238E27FC236}">
-                <a16:creationId xmlns:a16="http://schemas.microsoft.com/office/drawing/2014/main" xmlns="" id="{1C17BCBE-A897-4319-85EC-D87909C24980}"/>
+                <a16:creationId xmlns="" xmlns:a16="http://schemas.microsoft.com/office/drawing/2014/main" id="{1C17BCBE-A897-4319-85EC-D87909C24980}"/>
               </a:ext>
             </a:extLst>
           </p:cNvPr>
@@ -7617,7 +7581,7 @@
           <p:cNvPr id="3" name="Espaço Reservado para Conteúdo 2">
             <a:extLst>
               <a:ext uri="{FF2B5EF4-FFF2-40B4-BE49-F238E27FC236}">
-                <a16:creationId xmlns:a16="http://schemas.microsoft.com/office/drawing/2014/main" xmlns="" id="{4226F885-0204-4913-868B-4B8B82576F17}"/>
+                <a16:creationId xmlns="" xmlns:a16="http://schemas.microsoft.com/office/drawing/2014/main" id="{4226F885-0204-4913-868B-4B8B82576F17}"/>
               </a:ext>
             </a:extLst>
           </p:cNvPr>
@@ -7707,7 +7671,7 @@
           <p:cNvPr id="4" name="Espaço Reservado para Texto 3">
             <a:extLst>
               <a:ext uri="{FF2B5EF4-FFF2-40B4-BE49-F238E27FC236}">
-                <a16:creationId xmlns:a16="http://schemas.microsoft.com/office/drawing/2014/main" xmlns="" id="{00F9F784-A858-441B-8AB5-697098141751}"/>
+                <a16:creationId xmlns="" xmlns:a16="http://schemas.microsoft.com/office/drawing/2014/main" id="{00F9F784-A858-441B-8AB5-697098141751}"/>
               </a:ext>
             </a:extLst>
           </p:cNvPr>
@@ -7778,7 +7742,7 @@
           <p:cNvPr id="5" name="Espaço Reservado para Data 4">
             <a:extLst>
               <a:ext uri="{FF2B5EF4-FFF2-40B4-BE49-F238E27FC236}">
-                <a16:creationId xmlns:a16="http://schemas.microsoft.com/office/drawing/2014/main" xmlns="" id="{A4DC363A-5000-472E-8B17-02E7DCB8840A}"/>
+                <a16:creationId xmlns="" xmlns:a16="http://schemas.microsoft.com/office/drawing/2014/main" id="{A4DC363A-5000-472E-8B17-02E7DCB8840A}"/>
               </a:ext>
             </a:extLst>
           </p:cNvPr>
@@ -7807,7 +7771,7 @@
           <p:cNvPr id="6" name="Espaço Reservado para Rodapé 5">
             <a:extLst>
               <a:ext uri="{FF2B5EF4-FFF2-40B4-BE49-F238E27FC236}">
-                <a16:creationId xmlns:a16="http://schemas.microsoft.com/office/drawing/2014/main" xmlns="" id="{5548425D-2C21-4C56-BAD4-662978775C28}"/>
+                <a16:creationId xmlns="" xmlns:a16="http://schemas.microsoft.com/office/drawing/2014/main" id="{5548425D-2C21-4C56-BAD4-662978775C28}"/>
               </a:ext>
             </a:extLst>
           </p:cNvPr>
@@ -7832,7 +7796,7 @@
           <p:cNvPr id="7" name="Espaço Reservado para Número de Slide 6">
             <a:extLst>
               <a:ext uri="{FF2B5EF4-FFF2-40B4-BE49-F238E27FC236}">
-                <a16:creationId xmlns:a16="http://schemas.microsoft.com/office/drawing/2014/main" xmlns="" id="{C63E9726-E64C-42B2-AE8A-8C235A956B48}"/>
+                <a16:creationId xmlns="" xmlns:a16="http://schemas.microsoft.com/office/drawing/2014/main" id="{C63E9726-E64C-42B2-AE8A-8C235A956B48}"/>
               </a:ext>
             </a:extLst>
           </p:cNvPr>
@@ -7891,7 +7855,7 @@
           <p:cNvPr id="2" name="Título 1">
             <a:extLst>
               <a:ext uri="{FF2B5EF4-FFF2-40B4-BE49-F238E27FC236}">
-                <a16:creationId xmlns:a16="http://schemas.microsoft.com/office/drawing/2014/main" xmlns="" id="{11086A78-3E74-450C-96A6-CA8AC37AF772}"/>
+                <a16:creationId xmlns="" xmlns:a16="http://schemas.microsoft.com/office/drawing/2014/main" id="{11086A78-3E74-450C-96A6-CA8AC37AF772}"/>
               </a:ext>
             </a:extLst>
           </p:cNvPr>
@@ -7928,7 +7892,7 @@
           <p:cNvPr id="3" name="Espaço Reservado para Imagem 2">
             <a:extLst>
               <a:ext uri="{FF2B5EF4-FFF2-40B4-BE49-F238E27FC236}">
-                <a16:creationId xmlns:a16="http://schemas.microsoft.com/office/drawing/2014/main" xmlns="" id="{5F5B7312-975A-4DBC-9B2F-3652ADA006FD}"/>
+                <a16:creationId xmlns="" xmlns:a16="http://schemas.microsoft.com/office/drawing/2014/main" id="{5F5B7312-975A-4DBC-9B2F-3652ADA006FD}"/>
               </a:ext>
             </a:extLst>
           </p:cNvPr>
@@ -7995,7 +7959,7 @@
           <p:cNvPr id="4" name="Espaço Reservado para Texto 3">
             <a:extLst>
               <a:ext uri="{FF2B5EF4-FFF2-40B4-BE49-F238E27FC236}">
-                <a16:creationId xmlns:a16="http://schemas.microsoft.com/office/drawing/2014/main" xmlns="" id="{AAF805F5-1DFF-41C6-944C-7D79FE0D0963}"/>
+                <a16:creationId xmlns="" xmlns:a16="http://schemas.microsoft.com/office/drawing/2014/main" id="{AAF805F5-1DFF-41C6-944C-7D79FE0D0963}"/>
               </a:ext>
             </a:extLst>
           </p:cNvPr>
@@ -8066,7 +8030,7 @@
           <p:cNvPr id="5" name="Espaço Reservado para Data 4">
             <a:extLst>
               <a:ext uri="{FF2B5EF4-FFF2-40B4-BE49-F238E27FC236}">
-                <a16:creationId xmlns:a16="http://schemas.microsoft.com/office/drawing/2014/main" xmlns="" id="{02113D81-8665-4516-BD81-C6A1F254EECD}"/>
+                <a16:creationId xmlns="" xmlns:a16="http://schemas.microsoft.com/office/drawing/2014/main" id="{02113D81-8665-4516-BD81-C6A1F254EECD}"/>
               </a:ext>
             </a:extLst>
           </p:cNvPr>
@@ -8095,7 +8059,7 @@
           <p:cNvPr id="6" name="Espaço Reservado para Rodapé 5">
             <a:extLst>
               <a:ext uri="{FF2B5EF4-FFF2-40B4-BE49-F238E27FC236}">
-                <a16:creationId xmlns:a16="http://schemas.microsoft.com/office/drawing/2014/main" xmlns="" id="{2B00C88B-FF32-40AA-A187-727D96FD7862}"/>
+                <a16:creationId xmlns="" xmlns:a16="http://schemas.microsoft.com/office/drawing/2014/main" id="{2B00C88B-FF32-40AA-A187-727D96FD7862}"/>
               </a:ext>
             </a:extLst>
           </p:cNvPr>
@@ -8120,7 +8084,7 @@
           <p:cNvPr id="7" name="Espaço Reservado para Número de Slide 6">
             <a:extLst>
               <a:ext uri="{FF2B5EF4-FFF2-40B4-BE49-F238E27FC236}">
-                <a16:creationId xmlns:a16="http://schemas.microsoft.com/office/drawing/2014/main" xmlns="" id="{A04D1A2D-69F7-4B8F-A730-BC26DC340BA6}"/>
+                <a16:creationId xmlns="" xmlns:a16="http://schemas.microsoft.com/office/drawing/2014/main" id="{A04D1A2D-69F7-4B8F-A730-BC26DC340BA6}"/>
               </a:ext>
             </a:extLst>
           </p:cNvPr>
@@ -8184,7 +8148,7 @@
           <p:cNvPr id="2" name="Espaço Reservado para Título 1">
             <a:extLst>
               <a:ext uri="{FF2B5EF4-FFF2-40B4-BE49-F238E27FC236}">
-                <a16:creationId xmlns:a16="http://schemas.microsoft.com/office/drawing/2014/main" xmlns="" id="{E69A0273-1966-4A1B-9370-4C1CE5036371}"/>
+                <a16:creationId xmlns="" xmlns:a16="http://schemas.microsoft.com/office/drawing/2014/main" id="{E69A0273-1966-4A1B-9370-4C1CE5036371}"/>
               </a:ext>
             </a:extLst>
           </p:cNvPr>
@@ -8222,7 +8186,7 @@
           <p:cNvPr id="3" name="Espaço Reservado para Texto 2">
             <a:extLst>
               <a:ext uri="{FF2B5EF4-FFF2-40B4-BE49-F238E27FC236}">
-                <a16:creationId xmlns:a16="http://schemas.microsoft.com/office/drawing/2014/main" xmlns="" id="{3B9CF87A-0448-49A7-AB25-EBC1D56A40EF}"/>
+                <a16:creationId xmlns="" xmlns:a16="http://schemas.microsoft.com/office/drawing/2014/main" id="{3B9CF87A-0448-49A7-AB25-EBC1D56A40EF}"/>
               </a:ext>
             </a:extLst>
           </p:cNvPr>
@@ -8289,7 +8253,7 @@
           <p:cNvPr id="4" name="Espaço Reservado para Data 3">
             <a:extLst>
               <a:ext uri="{FF2B5EF4-FFF2-40B4-BE49-F238E27FC236}">
-                <a16:creationId xmlns:a16="http://schemas.microsoft.com/office/drawing/2014/main" xmlns="" id="{2EF7B1F2-BB5A-44D0-816D-16AD2C71430E}"/>
+                <a16:creationId xmlns="" xmlns:a16="http://schemas.microsoft.com/office/drawing/2014/main" id="{2EF7B1F2-BB5A-44D0-816D-16AD2C71430E}"/>
               </a:ext>
             </a:extLst>
           </p:cNvPr>
@@ -8336,7 +8300,7 @@
           <p:cNvPr id="5" name="Espaço Reservado para Rodapé 4">
             <a:extLst>
               <a:ext uri="{FF2B5EF4-FFF2-40B4-BE49-F238E27FC236}">
-                <a16:creationId xmlns:a16="http://schemas.microsoft.com/office/drawing/2014/main" xmlns="" id="{C703F94C-2CC8-4DAA-BC35-14FC3E841DCD}"/>
+                <a16:creationId xmlns="" xmlns:a16="http://schemas.microsoft.com/office/drawing/2014/main" id="{C703F94C-2CC8-4DAA-BC35-14FC3E841DCD}"/>
               </a:ext>
             </a:extLst>
           </p:cNvPr>
@@ -8379,7 +8343,7 @@
           <p:cNvPr id="6" name="Espaço Reservado para Número de Slide 5">
             <a:extLst>
               <a:ext uri="{FF2B5EF4-FFF2-40B4-BE49-F238E27FC236}">
-                <a16:creationId xmlns:a16="http://schemas.microsoft.com/office/drawing/2014/main" xmlns="" id="{64051336-7048-457A-8B61-D94291D71648}"/>
+                <a16:creationId xmlns="" xmlns:a16="http://schemas.microsoft.com/office/drawing/2014/main" id="{64051336-7048-457A-8B61-D94291D71648}"/>
               </a:ext>
             </a:extLst>
           </p:cNvPr>
@@ -8747,7 +8711,7 @@
           <p:cNvPr id="2" name="Título 1">
             <a:extLst>
               <a:ext uri="{FF2B5EF4-FFF2-40B4-BE49-F238E27FC236}">
-                <a16:creationId xmlns:a16="http://schemas.microsoft.com/office/drawing/2014/main" xmlns="" id="{32666AC8-2E17-4DB4-B0F5-60C640CCFD2E}"/>
+                <a16:creationId xmlns="" xmlns:a16="http://schemas.microsoft.com/office/drawing/2014/main" id="{32666AC8-2E17-4DB4-B0F5-60C640CCFD2E}"/>
               </a:ext>
             </a:extLst>
           </p:cNvPr>
@@ -8794,7 +8758,7 @@
           <p:cNvPr id="4" name="CaixaDeTexto 3">
             <a:extLst>
               <a:ext uri="{FF2B5EF4-FFF2-40B4-BE49-F238E27FC236}">
-                <a16:creationId xmlns:a16="http://schemas.microsoft.com/office/drawing/2014/main" xmlns="" id="{430EB894-B7D4-434C-9D1A-A14094D9BEEC}"/>
+                <a16:creationId xmlns="" xmlns:a16="http://schemas.microsoft.com/office/drawing/2014/main" id="{430EB894-B7D4-434C-9D1A-A14094D9BEEC}"/>
               </a:ext>
             </a:extLst>
           </p:cNvPr>
@@ -8835,7 +8799,7 @@
           <p:cNvPr id="1026" name="Picture 2" descr="Logo">
             <a:extLst>
               <a:ext uri="{FF2B5EF4-FFF2-40B4-BE49-F238E27FC236}">
-                <a16:creationId xmlns:a16="http://schemas.microsoft.com/office/drawing/2014/main" xmlns="" id="{3F2642E0-4F6A-4196-8F58-E77D36E9A33F}"/>
+                <a16:creationId xmlns="" xmlns:a16="http://schemas.microsoft.com/office/drawing/2014/main" id="{3F2642E0-4F6A-4196-8F58-E77D36E9A33F}"/>
               </a:ext>
             </a:extLst>
           </p:cNvPr>
@@ -8880,7 +8844,7 @@
           <p:cNvPr id="5122" name="Picture 2" descr="Image result for machine learning">
             <a:extLst>
               <a:ext uri="{FF2B5EF4-FFF2-40B4-BE49-F238E27FC236}">
-                <a16:creationId xmlns:a16="http://schemas.microsoft.com/office/drawing/2014/main" xmlns="" id="{810CE0A2-4102-44A6-A370-175E7896CDCB}"/>
+                <a16:creationId xmlns="" xmlns:a16="http://schemas.microsoft.com/office/drawing/2014/main" id="{810CE0A2-4102-44A6-A370-175E7896CDCB}"/>
               </a:ext>
             </a:extLst>
           </p:cNvPr>
@@ -8902,7 +8866,7 @@
         </p:blipFill>
         <p:spPr bwMode="auto">
           <a:xfrm>
-            <a:off x="4965305" y="3396429"/>
+            <a:off x="4965305" y="3426573"/>
             <a:ext cx="2261389" cy="2237061"/>
           </a:xfrm>
           <a:prstGeom prst="rect">
@@ -9035,11 +8999,7 @@
             </a:r>
             <a:r>
               <a:rPr lang="pt-BR" b="1" i="1" dirty="0" smtClean="0"/>
-              <a:t>programados</a:t>
-            </a:r>
-            <a:r>
-              <a:rPr lang="pt-BR" b="1" i="1" dirty="0" smtClean="0"/>
-              <a:t>.</a:t>
+              <a:t>programados.</a:t>
             </a:r>
             <a:r>
               <a:rPr lang="pt-BR" dirty="0" smtClean="0"/>
@@ -9076,11 +9036,7 @@
           <a:p>
             <a:r>
               <a:rPr lang="pt-BR" dirty="0" smtClean="0"/>
-              <a:t>Algoritmos </a:t>
-            </a:r>
-            <a:r>
-              <a:rPr lang="pt-BR" dirty="0" smtClean="0"/>
-              <a:t>de </a:t>
+              <a:t>Algoritmos de </a:t>
             </a:r>
             <a:r>
               <a:rPr lang="pt-BR" dirty="0"/>
@@ -9135,7 +9091,7 @@
           <p:cNvPr id="4" name="Picture 2" descr="https://www.oulu.fi/sites/default/files/11/machines%20_decide.jpg">
             <a:extLst>
               <a:ext uri="{FF2B5EF4-FFF2-40B4-BE49-F238E27FC236}">
-                <a16:creationId xmlns:a16="http://schemas.microsoft.com/office/drawing/2014/main" xmlns="" id="{6B8DD7A2-43EE-406C-8FF3-BC9A04CF3BD4}"/>
+                <a16:creationId xmlns="" xmlns:a16="http://schemas.microsoft.com/office/drawing/2014/main" id="{6B8DD7A2-43EE-406C-8FF3-BC9A04CF3BD4}"/>
               </a:ext>
             </a:extLst>
           </p:cNvPr>
@@ -9221,7 +9177,7 @@
           <p:cNvPr id="6" name="Picture 8" descr="Image result for applications of artificial intelligence">
             <a:extLst>
               <a:ext uri="{FF2B5EF4-FFF2-40B4-BE49-F238E27FC236}">
-                <a16:creationId xmlns="" xmlns:a16="http://schemas.microsoft.com/office/drawing/2014/main" id="{030E6182-967A-44D7-8BED-F8E414DAE678}"/>
+                <a16:creationId xmlns:a16="http://schemas.microsoft.com/office/drawing/2014/main" xmlns="" id="{030E6182-967A-44D7-8BED-F8E414DAE678}"/>
               </a:ext>
             </a:extLst>
           </p:cNvPr>
@@ -10889,7 +10845,7 @@
           <p:cNvPr id="4" name="Picture 2" descr="Image result for artificial intelligence">
             <a:extLst>
               <a:ext uri="{FF2B5EF4-FFF2-40B4-BE49-F238E27FC236}">
-                <a16:creationId xmlns="" xmlns:a16="http://schemas.microsoft.com/office/drawing/2014/main" id="{0DAEA2E1-C284-43E2-8055-9522C82515CA}"/>
+                <a16:creationId xmlns:a16="http://schemas.microsoft.com/office/drawing/2014/main" xmlns="" id="{0DAEA2E1-C284-43E2-8055-9522C82515CA}"/>
               </a:ext>
             </a:extLst>
           </p:cNvPr>
@@ -10936,7 +10892,7 @@
           <p:cNvPr id="5" name="Picture 8" descr="Image result for applications of artificial intelligence">
             <a:extLst>
               <a:ext uri="{FF2B5EF4-FFF2-40B4-BE49-F238E27FC236}">
-                <a16:creationId xmlns="" xmlns:a16="http://schemas.microsoft.com/office/drawing/2014/main" id="{030E6182-967A-44D7-8BED-F8E414DAE678}"/>
+                <a16:creationId xmlns:a16="http://schemas.microsoft.com/office/drawing/2014/main" xmlns="" id="{030E6182-967A-44D7-8BED-F8E414DAE678}"/>
               </a:ext>
             </a:extLst>
           </p:cNvPr>
@@ -11248,7 +11204,7 @@
           <p:cNvPr id="4" name="Picture 2" descr="Image result for tensorflow logo">
             <a:extLst>
               <a:ext uri="{FF2B5EF4-FFF2-40B4-BE49-F238E27FC236}">
-                <a16:creationId xmlns:a16="http://schemas.microsoft.com/office/drawing/2014/main" xmlns="" id="{B9A1D4E3-9D1C-4A3E-944D-BA941DCBD60B}"/>
+                <a16:creationId xmlns="" xmlns:a16="http://schemas.microsoft.com/office/drawing/2014/main" id="{B9A1D4E3-9D1C-4A3E-944D-BA941DCBD60B}"/>
               </a:ext>
             </a:extLst>
           </p:cNvPr>
@@ -11295,7 +11251,7 @@
           <p:cNvPr id="5" name="Picture 4" descr="Image result for pytorch logo">
             <a:extLst>
               <a:ext uri="{FF2B5EF4-FFF2-40B4-BE49-F238E27FC236}">
-                <a16:creationId xmlns:a16="http://schemas.microsoft.com/office/drawing/2014/main" xmlns="" id="{6A0D8B6B-9A8B-4981-B678-86257C33AF3C}"/>
+                <a16:creationId xmlns="" xmlns:a16="http://schemas.microsoft.com/office/drawing/2014/main" id="{6A0D8B6B-9A8B-4981-B678-86257C33AF3C}"/>
               </a:ext>
             </a:extLst>
           </p:cNvPr>
@@ -11342,7 +11298,7 @@
           <p:cNvPr id="7" name="Picture 8" descr="Image result for keras logo">
             <a:extLst>
               <a:ext uri="{FF2B5EF4-FFF2-40B4-BE49-F238E27FC236}">
-                <a16:creationId xmlns:a16="http://schemas.microsoft.com/office/drawing/2014/main" xmlns="" id="{33CCF501-0E9C-4C8C-BFCC-713767570EF0}"/>
+                <a16:creationId xmlns="" xmlns:a16="http://schemas.microsoft.com/office/drawing/2014/main" id="{33CCF501-0E9C-4C8C-BFCC-713767570EF0}"/>
               </a:ext>
             </a:extLst>
           </p:cNvPr>
@@ -11389,7 +11345,7 @@
           <p:cNvPr id="8" name="Picture 10" descr="Image result for theano logo">
             <a:extLst>
               <a:ext uri="{FF2B5EF4-FFF2-40B4-BE49-F238E27FC236}">
-                <a16:creationId xmlns:a16="http://schemas.microsoft.com/office/drawing/2014/main" xmlns="" id="{579B04DE-B2DC-4ED7-AA9D-5AAA9580572E}"/>
+                <a16:creationId xmlns="" xmlns:a16="http://schemas.microsoft.com/office/drawing/2014/main" id="{579B04DE-B2DC-4ED7-AA9D-5AAA9580572E}"/>
               </a:ext>
             </a:extLst>
           </p:cNvPr>
@@ -11436,7 +11392,7 @@
           <p:cNvPr id="9" name="Picture 12" descr="Image result for pandas data mining logo">
             <a:extLst>
               <a:ext uri="{FF2B5EF4-FFF2-40B4-BE49-F238E27FC236}">
-                <a16:creationId xmlns:a16="http://schemas.microsoft.com/office/drawing/2014/main" xmlns="" id="{A9345AF3-EF63-4F70-A5B2-8F8ED0E283FD}"/>
+                <a16:creationId xmlns="" xmlns:a16="http://schemas.microsoft.com/office/drawing/2014/main" id="{A9345AF3-EF63-4F70-A5B2-8F8ED0E283FD}"/>
               </a:ext>
             </a:extLst>
           </p:cNvPr>
@@ -11483,7 +11439,7 @@
           <p:cNvPr id="6" name="Picture 6" descr="Image result for scikit learn logo">
             <a:extLst>
               <a:ext uri="{FF2B5EF4-FFF2-40B4-BE49-F238E27FC236}">
-                <a16:creationId xmlns:a16="http://schemas.microsoft.com/office/drawing/2014/main" xmlns="" id="{87129D40-D136-4716-8871-12CAEC603994}"/>
+                <a16:creationId xmlns="" xmlns:a16="http://schemas.microsoft.com/office/drawing/2014/main" id="{87129D40-D136-4716-8871-12CAEC603994}"/>
               </a:ext>
             </a:extLst>
           </p:cNvPr>
@@ -11560,7 +11516,7 @@
           <p:cNvPr id="2" name="Título 1">
             <a:extLst>
               <a:ext uri="{FF2B5EF4-FFF2-40B4-BE49-F238E27FC236}">
-                <a16:creationId xmlns:a16="http://schemas.microsoft.com/office/drawing/2014/main" xmlns="" id="{220079F9-71B9-4466-B35D-68523A745D24}"/>
+                <a16:creationId xmlns="" xmlns:a16="http://schemas.microsoft.com/office/drawing/2014/main" id="{220079F9-71B9-4466-B35D-68523A745D24}"/>
               </a:ext>
             </a:extLst>
           </p:cNvPr>
@@ -11593,7 +11549,7 @@
           <p:cNvPr id="3" name="Espaço Reservado para Conteúdo 2">
             <a:extLst>
               <a:ext uri="{FF2B5EF4-FFF2-40B4-BE49-F238E27FC236}">
-                <a16:creationId xmlns:a16="http://schemas.microsoft.com/office/drawing/2014/main" xmlns="" id="{5BA8D271-087B-414B-ABC6-D7C5E7367E33}"/>
+                <a16:creationId xmlns="" xmlns:a16="http://schemas.microsoft.com/office/drawing/2014/main" id="{5BA8D271-087B-414B-ABC6-D7C5E7367E33}"/>
               </a:ext>
             </a:extLst>
           </p:cNvPr>
@@ -11639,7 +11595,6 @@
               <a:rPr lang="pt-BR" dirty="0" smtClean="0"/>
               <a:t>:</a:t>
             </a:r>
-            <a:endParaRPr lang="pt-BR" dirty="0" smtClean="0"/>
           </a:p>
           <a:p>
             <a:pPr lvl="1" fontAlgn="base"/>
@@ -11694,7 +11649,7 @@
           <p:cNvPr id="3074" name="Picture 2" descr="Image result for machine learning">
             <a:extLst>
               <a:ext uri="{FF2B5EF4-FFF2-40B4-BE49-F238E27FC236}">
-                <a16:creationId xmlns:a16="http://schemas.microsoft.com/office/drawing/2014/main" xmlns="" id="{0F1D94CB-2EF0-4960-BC00-8889565E93D1}"/>
+                <a16:creationId xmlns="" xmlns:a16="http://schemas.microsoft.com/office/drawing/2014/main" id="{0F1D94CB-2EF0-4960-BC00-8889565E93D1}"/>
               </a:ext>
             </a:extLst>
           </p:cNvPr>
@@ -11800,7 +11755,7 @@
           <p:cNvPr id="4" name="Picture 4" descr="Image result for supervised learning">
             <a:extLst>
               <a:ext uri="{FF2B5EF4-FFF2-40B4-BE49-F238E27FC236}">
-                <a16:creationId xmlns:a16="http://schemas.microsoft.com/office/drawing/2014/main" xmlns="" id="{2520F4EA-1E3E-4F3B-97C0-DF47861DCD42}"/>
+                <a16:creationId xmlns="" xmlns:a16="http://schemas.microsoft.com/office/drawing/2014/main" id="{2520F4EA-1E3E-4F3B-97C0-DF47861DCD42}"/>
               </a:ext>
             </a:extLst>
           </p:cNvPr>
@@ -11883,8 +11838,8 @@
           </a:extLst>
         </p:spPr>
       </p:pic>
-      <mc:AlternateContent xmlns:mc="http://schemas.openxmlformats.org/markup-compatibility/2006">
-        <mc:Choice xmlns:a14="http://schemas.microsoft.com/office/drawing/2010/main" Requires="a14">
+      <mc:AlternateContent xmlns:mc="http://schemas.openxmlformats.org/markup-compatibility/2006" xmlns:a14="http://schemas.microsoft.com/office/drawing/2010/main">
+        <mc:Choice Requires="a14">
           <p:sp>
             <p:nvSpPr>
               <p:cNvPr id="3" name="Content Placeholder 2"/>
@@ -11956,19 +11911,11 @@
                 </a:r>
                 <a:r>
                   <a:rPr lang="pt-BR" dirty="0"/>
-                  <a:t>, do </a:t>
-                </a:r>
-                <a:r>
-                  <a:rPr lang="pt-BR" dirty="0"/>
-                  <a:t>i</a:t>
+                  <a:t>, do i</a:t>
                 </a:r>
                 <a:r>
                   <a:rPr lang="pt-BR" dirty="0" smtClean="0"/>
-                  <a:t>nglês</a:t>
-                </a:r>
-                <a:r>
-                  <a:rPr lang="pt-BR" dirty="0" smtClean="0"/>
-                  <a:t>), para o conjunto de valores de entrada, chamados de </a:t>
+                  <a:t>nglês), para o conjunto de valores de entrada, chamados de </a:t>
                 </a:r>
                 <a:r>
                   <a:rPr lang="pt-BR" b="1" i="1" dirty="0"/>
@@ -12340,7 +12287,7 @@
             </p:txBody>
           </p:sp>
         </mc:Choice>
-        <mc:Fallback>
+        <mc:Fallback xmlns="">
           <p:sp>
             <p:nvSpPr>
               <p:cNvPr id="3" name="Content Placeholder 2"/>
@@ -12413,7 +12360,7 @@
           <p:cNvPr id="2" name="Título 1">
             <a:extLst>
               <a:ext uri="{FF2B5EF4-FFF2-40B4-BE49-F238E27FC236}">
-                <a16:creationId xmlns:a16="http://schemas.microsoft.com/office/drawing/2014/main" xmlns="" id="{6CB39B9C-599D-4DED-8180-FA8AD66BB117}"/>
+                <a16:creationId xmlns="" xmlns:a16="http://schemas.microsoft.com/office/drawing/2014/main" id="{6CB39B9C-599D-4DED-8180-FA8AD66BB117}"/>
               </a:ext>
             </a:extLst>
           </p:cNvPr>
@@ -12441,14 +12388,14 @@
           </a:p>
         </p:txBody>
       </p:sp>
-      <mc:AlternateContent xmlns:mc="http://schemas.openxmlformats.org/markup-compatibility/2006">
-        <mc:Choice xmlns:a14="http://schemas.microsoft.com/office/drawing/2010/main" Requires="a14">
+      <mc:AlternateContent xmlns:mc="http://schemas.openxmlformats.org/markup-compatibility/2006" xmlns:a14="http://schemas.microsoft.com/office/drawing/2010/main">
+        <mc:Choice Requires="a14">
           <p:sp>
             <p:nvSpPr>
               <p:cNvPr id="3" name="Espaço Reservado para Conteúdo 2">
                 <a:extLst>
                   <a:ext uri="{FF2B5EF4-FFF2-40B4-BE49-F238E27FC236}">
-                    <a16:creationId xmlns:a16="http://schemas.microsoft.com/office/drawing/2014/main" xmlns="" id="{5E0262E2-3A0F-4805-BCCB-6745237D1574}"/>
+                    <a16:creationId xmlns="" xmlns:a16="http://schemas.microsoft.com/office/drawing/2014/main" id="{5E0262E2-3A0F-4805-BCCB-6745237D1574}"/>
                   </a:ext>
                 </a:extLst>
               </p:cNvPr>
@@ -12477,11 +12424,7 @@
                 </a:r>
                 <a:r>
                   <a:rPr lang="pt-BR" dirty="0" smtClean="0"/>
-                  <a:t>os algoritmos não têm acesso às saídas </a:t>
-                </a:r>
-                <a:r>
-                  <a:rPr lang="pt-BR" dirty="0" smtClean="0"/>
-                  <a:t>esperadas, </a:t>
+                  <a:t>os algoritmos não têm acesso às saídas esperadas, </a:t>
                 </a:r>
                 <a14:m>
                   <m:oMath xmlns:m="http://schemas.openxmlformats.org/officeDocument/2006/math">
@@ -12497,25 +12440,7 @@
                   <a:rPr lang="pt-BR" dirty="0" smtClean="0">
                     <a:cs typeface="Calibri"/>
                   </a:rPr>
-                  <a:t>. </a:t>
-                </a:r>
-                <a:r>
-                  <a:rPr lang="pt-BR" dirty="0" smtClean="0">
-                    <a:cs typeface="Calibri"/>
-                  </a:rPr>
-                  <a:t>Eles só </a:t>
-                </a:r>
-                <a:r>
-                  <a:rPr lang="pt-BR" dirty="0" smtClean="0">
-                    <a:cs typeface="Calibri"/>
-                  </a:rPr>
-                  <a:t>conhecem os </a:t>
-                </a:r>
-                <a:r>
-                  <a:rPr lang="pt-BR" dirty="0" smtClean="0">
-                    <a:cs typeface="Calibri"/>
-                  </a:rPr>
-                  <a:t>atributos, </a:t>
+                  <a:t>. Eles só conhecem os atributos, </a:t>
                 </a:r>
                 <a14:m>
                   <m:oMath xmlns:m="http://schemas.openxmlformats.org/officeDocument/2006/math">
@@ -12574,15 +12499,7 @@
                 </a:r>
                 <a:r>
                   <a:rPr lang="pt-BR" dirty="0" smtClean="0"/>
-                  <a:t>se </a:t>
-                </a:r>
-                <a:r>
-                  <a:rPr lang="pt-BR" dirty="0" smtClean="0"/>
-                  <a:t>baseando </a:t>
-                </a:r>
-                <a:r>
-                  <a:rPr lang="pt-BR" dirty="0" smtClean="0"/>
-                  <a:t>apenas, por exemplo, na similaridade entre os </a:t>
+                  <a:t>se baseando apenas, por exemplo, na similaridade entre os </a:t>
                 </a:r>
                 <a:r>
                   <a:rPr lang="pt-BR" b="1" i="1" dirty="0"/>
@@ -12666,7 +12583,7 @@
             </p:txBody>
           </p:sp>
         </mc:Choice>
-        <mc:Fallback>
+        <mc:Fallback xmlns="">
           <p:sp>
             <p:nvSpPr>
               <p:cNvPr id="3" name="Espaço Reservado para Conteúdo 2">
@@ -12715,7 +12632,7 @@
           <p:cNvPr id="3074" name="Picture 2" descr="https://www.ecloudvalley.com/wp-content/uploads/2019/09/Unsupervised-learning.png">
             <a:extLst>
               <a:ext uri="{FF2B5EF4-FFF2-40B4-BE49-F238E27FC236}">
-                <a16:creationId xmlns:a16="http://schemas.microsoft.com/office/drawing/2014/main" xmlns="" id="{E1E9C2D9-93F7-4EA6-9C7E-D658C2452746}"/>
+                <a16:creationId xmlns="" xmlns:a16="http://schemas.microsoft.com/office/drawing/2014/main" id="{E1E9C2D9-93F7-4EA6-9C7E-D658C2452746}"/>
               </a:ext>
             </a:extLst>
           </p:cNvPr>
@@ -12760,7 +12677,7 @@
           <p:cNvPr id="1028" name="Picture 4" descr="https://slideplayer.com/slide/13055479/79/images/6/Data+Compression+Reduce+data+from+3D+to+2D+Andrew+Ng.jpg">
             <a:extLst>
               <a:ext uri="{FF2B5EF4-FFF2-40B4-BE49-F238E27FC236}">
-                <a16:creationId xmlns:a16="http://schemas.microsoft.com/office/drawing/2014/main" xmlns="" id="{F20F10B0-B790-4630-9FD0-F82B2B0DFAD5}"/>
+                <a16:creationId xmlns="" xmlns:a16="http://schemas.microsoft.com/office/drawing/2014/main" id="{F20F10B0-B790-4630-9FD0-F82B2B0DFAD5}"/>
               </a:ext>
             </a:extLst>
           </p:cNvPr>
@@ -12805,7 +12722,7 @@
           <p:cNvPr id="1030" name="Picture 6" descr="Image result for outlier ">
             <a:extLst>
               <a:ext uri="{FF2B5EF4-FFF2-40B4-BE49-F238E27FC236}">
-                <a16:creationId xmlns:a16="http://schemas.microsoft.com/office/drawing/2014/main" xmlns="" id="{5E7788A9-1556-48E2-A68C-C98CBCD57CE7}"/>
+                <a16:creationId xmlns="" xmlns:a16="http://schemas.microsoft.com/office/drawing/2014/main" id="{5E7788A9-1556-48E2-A68C-C98CBCD57CE7}"/>
               </a:ext>
             </a:extLst>
           </p:cNvPr>
@@ -12850,7 +12767,7 @@
           <p:cNvPr id="1032" name="Picture 8" descr="http://users.telenet.be/martialluyts/img/basket.jpg">
             <a:extLst>
               <a:ext uri="{FF2B5EF4-FFF2-40B4-BE49-F238E27FC236}">
-                <a16:creationId xmlns:a16="http://schemas.microsoft.com/office/drawing/2014/main" xmlns="" id="{91C7F0A4-66BC-4E4C-B7C9-061F60727247}"/>
+                <a16:creationId xmlns="" xmlns:a16="http://schemas.microsoft.com/office/drawing/2014/main" id="{91C7F0A4-66BC-4E4C-B7C9-061F60727247}"/>
               </a:ext>
             </a:extLst>
           </p:cNvPr>
@@ -13249,7 +13166,7 @@
           <p:cNvPr id="2" name="Título 1">
             <a:extLst>
               <a:ext uri="{FF2B5EF4-FFF2-40B4-BE49-F238E27FC236}">
-                <a16:creationId xmlns:a16="http://schemas.microsoft.com/office/drawing/2014/main" xmlns="" id="{646F6830-B3DF-4F50-823F-7E36C43380D1}"/>
+                <a16:creationId xmlns="" xmlns:a16="http://schemas.microsoft.com/office/drawing/2014/main" id="{646F6830-B3DF-4F50-823F-7E36C43380D1}"/>
               </a:ext>
             </a:extLst>
           </p:cNvPr>
@@ -13282,7 +13199,7 @@
           <p:cNvPr id="3" name="Espaço Reservado para Conteúdo 2">
             <a:extLst>
               <a:ext uri="{FF2B5EF4-FFF2-40B4-BE49-F238E27FC236}">
-                <a16:creationId xmlns:a16="http://schemas.microsoft.com/office/drawing/2014/main" xmlns="" xmlns:a14="http://schemas.microsoft.com/office/drawing/2010/main" xmlns:mc="http://schemas.openxmlformats.org/markup-compatibility/2006" id="{071E0B55-13FE-4ADE-80F7-AFEDEF27C875}"/>
+                <a16:creationId xmlns:mc="http://schemas.openxmlformats.org/markup-compatibility/2006" xmlns:a14="http://schemas.microsoft.com/office/drawing/2010/main" xmlns="" xmlns:a16="http://schemas.microsoft.com/office/drawing/2014/main" id="{071E0B55-13FE-4ADE-80F7-AFEDEF27C875}"/>
               </a:ext>
             </a:extLst>
           </p:cNvPr>
@@ -14865,7 +14782,6 @@
               <a:rPr lang="pt-BR" dirty="0" smtClean="0"/>
               <a:t>Não pode ser instalado localmente.</a:t>
             </a:r>
-            <a:endParaRPr lang="pt-BR" dirty="0" smtClean="0"/>
           </a:p>
           <a:p>
             <a:r>
@@ -15303,8 +15219,8 @@
           </a:p>
         </p:txBody>
       </p:sp>
-      <mc:AlternateContent xmlns:mc="http://schemas.openxmlformats.org/markup-compatibility/2006">
-        <mc:Choice xmlns:a14="http://schemas.microsoft.com/office/drawing/2010/main" Requires="a14">
+      <mc:AlternateContent xmlns:mc="http://schemas.openxmlformats.org/markup-compatibility/2006" xmlns:a14="http://schemas.microsoft.com/office/drawing/2010/main">
+        <mc:Choice Requires="a14">
           <p:sp>
             <p:nvSpPr>
               <p:cNvPr id="3" name="Espaço Reservado para Conteúdo 2"/>
@@ -15449,7 +15365,7 @@
             </p:txBody>
           </p:sp>
         </mc:Choice>
-        <mc:Fallback>
+        <mc:Fallback xmlns="">
           <p:sp>
             <p:nvSpPr>
               <p:cNvPr id="3" name="Espaço Reservado para Conteúdo 2"/>
@@ -15599,7 +15515,7 @@
           <p:cNvPr id="2" name="Título 1">
             <a:extLst>
               <a:ext uri="{FF2B5EF4-FFF2-40B4-BE49-F238E27FC236}">
-                <a16:creationId xmlns:a16="http://schemas.microsoft.com/office/drawing/2014/main" xmlns="" id="{A2A4684C-1159-4F88-A2B1-6BABEDE38C4D}"/>
+                <a16:creationId xmlns="" xmlns:a16="http://schemas.microsoft.com/office/drawing/2014/main" id="{A2A4684C-1159-4F88-A2B1-6BABEDE38C4D}"/>
               </a:ext>
             </a:extLst>
           </p:cNvPr>
@@ -15627,7 +15543,7 @@
           <p:cNvPr id="3" name="Espaço Reservado para Conteúdo 2">
             <a:extLst>
               <a:ext uri="{FF2B5EF4-FFF2-40B4-BE49-F238E27FC236}">
-                <a16:creationId xmlns:a16="http://schemas.microsoft.com/office/drawing/2014/main" xmlns="" id="{EC432B31-D382-41FF-BB6B-2ABDD322424B}"/>
+                <a16:creationId xmlns="" xmlns:a16="http://schemas.microsoft.com/office/drawing/2014/main" id="{EC432B31-D382-41FF-BB6B-2ABDD322424B}"/>
               </a:ext>
             </a:extLst>
           </p:cNvPr>
@@ -16372,15 +16288,7 @@
             </a:r>
             <a:r>
               <a:rPr lang="pt-BR" dirty="0" smtClean="0"/>
-              <a:t>) ou no </a:t>
-            </a:r>
-            <a:r>
-              <a:rPr lang="pt-BR" dirty="0" smtClean="0"/>
-              <a:t>G</a:t>
-            </a:r>
-            <a:r>
-              <a:rPr lang="pt-BR" dirty="0" smtClean="0"/>
-              <a:t>itHub.</a:t>
+              <a:t>) ou no GitHub.</a:t>
             </a:r>
           </a:p>
           <a:p>
@@ -16483,7 +16391,7 @@
           <p:cNvPr id="4" name="Título 1">
             <a:extLst>
               <a:ext uri="{FF2B5EF4-FFF2-40B4-BE49-F238E27FC236}">
-                <a16:creationId xmlns:a16="http://schemas.microsoft.com/office/drawing/2014/main" xmlns="" id="{32666AC8-2E17-4DB4-B0F5-60C640CCFD2E}"/>
+                <a16:creationId xmlns="" xmlns:a16="http://schemas.microsoft.com/office/drawing/2014/main" id="{32666AC8-2E17-4DB4-B0F5-60C640CCFD2E}"/>
               </a:ext>
             </a:extLst>
           </p:cNvPr>
@@ -19725,7 +19633,7 @@
           <p:cNvPr id="4" name="Agrupar 9">
             <a:extLst>
               <a:ext uri="{FF2B5EF4-FFF2-40B4-BE49-F238E27FC236}">
-                <a16:creationId xmlns:a16="http://schemas.microsoft.com/office/drawing/2014/main" xmlns="" id="{0B96ABED-DB41-410B-A604-C06F86EA7584}"/>
+                <a16:creationId xmlns="" xmlns:a16="http://schemas.microsoft.com/office/drawing/2014/main" id="{0B96ABED-DB41-410B-A604-C06F86EA7584}"/>
               </a:ext>
             </a:extLst>
           </p:cNvPr>
@@ -19745,7 +19653,7 @@
             <p:cNvPr id="5" name="Elipse 3">
               <a:extLst>
                 <a:ext uri="{FF2B5EF4-FFF2-40B4-BE49-F238E27FC236}">
-                  <a16:creationId xmlns:a16="http://schemas.microsoft.com/office/drawing/2014/main" xmlns="" id="{78EA9474-9E04-44C4-9E19-67FD40FBA058}"/>
+                  <a16:creationId xmlns="" xmlns:a16="http://schemas.microsoft.com/office/drawing/2014/main" id="{78EA9474-9E04-44C4-9E19-67FD40FBA058}"/>
                 </a:ext>
               </a:extLst>
             </p:cNvPr>
@@ -19802,7 +19710,7 @@
             <p:cNvPr id="6" name="Elipse 4">
               <a:extLst>
                 <a:ext uri="{FF2B5EF4-FFF2-40B4-BE49-F238E27FC236}">
-                  <a16:creationId xmlns:a16="http://schemas.microsoft.com/office/drawing/2014/main" xmlns="" id="{DA23CE7C-64D2-4FF1-83C3-4920F0AD635C}"/>
+                  <a16:creationId xmlns="" xmlns:a16="http://schemas.microsoft.com/office/drawing/2014/main" id="{DA23CE7C-64D2-4FF1-83C3-4920F0AD635C}"/>
                 </a:ext>
               </a:extLst>
             </p:cNvPr>
@@ -19860,7 +19768,7 @@
             <p:cNvPr id="7" name="Elipse 5">
               <a:extLst>
                 <a:ext uri="{FF2B5EF4-FFF2-40B4-BE49-F238E27FC236}">
-                  <a16:creationId xmlns:a16="http://schemas.microsoft.com/office/drawing/2014/main" xmlns="" id="{BDF2AACA-BD34-40AD-9FDE-4F93EBB4342D}"/>
+                  <a16:creationId xmlns="" xmlns:a16="http://schemas.microsoft.com/office/drawing/2014/main" id="{BDF2AACA-BD34-40AD-9FDE-4F93EBB4342D}"/>
                 </a:ext>
               </a:extLst>
             </p:cNvPr>
@@ -19918,7 +19826,7 @@
             <p:cNvPr id="8" name="CaixaDeTexto 10">
               <a:extLst>
                 <a:ext uri="{FF2B5EF4-FFF2-40B4-BE49-F238E27FC236}">
-                  <a16:creationId xmlns:a16="http://schemas.microsoft.com/office/drawing/2014/main" xmlns="" id="{51F63BB8-6AA0-41B8-AF42-7EF062B069A1}"/>
+                  <a16:creationId xmlns="" xmlns:a16="http://schemas.microsoft.com/office/drawing/2014/main" id="{51F63BB8-6AA0-41B8-AF42-7EF062B069A1}"/>
                 </a:ext>
               </a:extLst>
             </p:cNvPr>
@@ -19969,7 +19877,7 @@
             <p:cNvPr id="9" name="CaixaDeTexto 11">
               <a:extLst>
                 <a:ext uri="{FF2B5EF4-FFF2-40B4-BE49-F238E27FC236}">
-                  <a16:creationId xmlns:a16="http://schemas.microsoft.com/office/drawing/2014/main" xmlns="" id="{DFD039E3-20CE-44F5-92EF-195036537592}"/>
+                  <a16:creationId xmlns="" xmlns:a16="http://schemas.microsoft.com/office/drawing/2014/main" id="{DFD039E3-20CE-44F5-92EF-195036537592}"/>
                 </a:ext>
               </a:extLst>
             </p:cNvPr>
@@ -20020,7 +19928,7 @@
             <p:cNvPr id="10" name="CaixaDeTexto 12">
               <a:extLst>
                 <a:ext uri="{FF2B5EF4-FFF2-40B4-BE49-F238E27FC236}">
-                  <a16:creationId xmlns:a16="http://schemas.microsoft.com/office/drawing/2014/main" xmlns="" id="{2BA92F8A-1455-40AE-B18C-EA6C3DE256D6}"/>
+                  <a16:creationId xmlns="" xmlns:a16="http://schemas.microsoft.com/office/drawing/2014/main" id="{2BA92F8A-1455-40AE-B18C-EA6C3DE256D6}"/>
                 </a:ext>
               </a:extLst>
             </p:cNvPr>
@@ -21705,7 +21613,7 @@
           <p:cNvPr id="2" name="Título 1">
             <a:extLst>
               <a:ext uri="{FF2B5EF4-FFF2-40B4-BE49-F238E27FC236}">
-                <a16:creationId xmlns:a16="http://schemas.microsoft.com/office/drawing/2014/main" xmlns="" id="{C4F48192-B348-4C3E-8621-D3755D2230F8}"/>
+                <a16:creationId xmlns="" xmlns:a16="http://schemas.microsoft.com/office/drawing/2014/main" id="{C4F48192-B348-4C3E-8621-D3755D2230F8}"/>
               </a:ext>
             </a:extLst>
           </p:cNvPr>
@@ -21742,7 +21650,7 @@
           <p:cNvPr id="3" name="Espaço Reservado para Conteúdo 2">
             <a:extLst>
               <a:ext uri="{FF2B5EF4-FFF2-40B4-BE49-F238E27FC236}">
-                <a16:creationId xmlns:a16="http://schemas.microsoft.com/office/drawing/2014/main" xmlns="" id="{E3DECB90-AFD9-4AC6-A356-C93A7442A6E6}"/>
+                <a16:creationId xmlns="" xmlns:a16="http://schemas.microsoft.com/office/drawing/2014/main" id="{E3DECB90-AFD9-4AC6-A356-C93A7442A6E6}"/>
               </a:ext>
             </a:extLst>
           </p:cNvPr>
@@ -21904,7 +21812,7 @@
           <p:cNvPr id="3074" name="Picture 2" descr="Image result for machine learning">
             <a:extLst>
               <a:ext uri="{FF2B5EF4-FFF2-40B4-BE49-F238E27FC236}">
-                <a16:creationId xmlns:a16="http://schemas.microsoft.com/office/drawing/2014/main" xmlns="" id="{78A93243-9634-4B0E-B1B2-37A218EAEADD}"/>
+                <a16:creationId xmlns="" xmlns:a16="http://schemas.microsoft.com/office/drawing/2014/main" id="{78A93243-9634-4B0E-B1B2-37A218EAEADD}"/>
               </a:ext>
             </a:extLst>
           </p:cNvPr>
@@ -22358,7 +22266,7 @@
           <p:cNvPr id="2" name="Título 1">
             <a:extLst>
               <a:ext uri="{FF2B5EF4-FFF2-40B4-BE49-F238E27FC236}">
-                <a16:creationId xmlns:a16="http://schemas.microsoft.com/office/drawing/2014/main" xmlns="" id="{323B9288-93D4-4CC5-BE00-B2E741C4A62E}"/>
+                <a16:creationId xmlns="" xmlns:a16="http://schemas.microsoft.com/office/drawing/2014/main" id="{323B9288-93D4-4CC5-BE00-B2E741C4A62E}"/>
               </a:ext>
             </a:extLst>
           </p:cNvPr>
@@ -22386,7 +22294,7 @@
           <p:cNvPr id="3" name="Espaço Reservado para Conteúdo 2">
             <a:extLst>
               <a:ext uri="{FF2B5EF4-FFF2-40B4-BE49-F238E27FC236}">
-                <a16:creationId xmlns:a16="http://schemas.microsoft.com/office/drawing/2014/main" xmlns="" id="{C04549A7-FF67-48B8-B0EE-75CF43A83803}"/>
+                <a16:creationId xmlns="" xmlns:a16="http://schemas.microsoft.com/office/drawing/2014/main" id="{C04549A7-FF67-48B8-B0EE-75CF43A83803}"/>
               </a:ext>
             </a:extLst>
           </p:cNvPr>
@@ -22419,15 +22327,7 @@
             </a:r>
             <a:r>
               <a:rPr lang="pt-BR" dirty="0" smtClean="0"/>
-              <a:t>usam IA em seus produtos </a:t>
-            </a:r>
-            <a:r>
-              <a:rPr lang="pt-BR" dirty="0" smtClean="0"/>
-              <a:t>e </a:t>
-            </a:r>
-            <a:r>
-              <a:rPr lang="pt-BR" dirty="0" smtClean="0"/>
-              <a:t>soluções internas para </a:t>
+              <a:t>usam IA em seus produtos e soluções internas para </a:t>
             </a:r>
             <a:r>
               <a:rPr lang="pt-BR" dirty="0"/>
@@ -22435,11 +22335,7 @@
             </a:r>
             <a:r>
               <a:rPr lang="pt-BR" dirty="0" smtClean="0"/>
-              <a:t>e, assim, </a:t>
-            </a:r>
-            <a:r>
-              <a:rPr lang="pt-BR" dirty="0" smtClean="0"/>
-              <a:t>aumentarem </a:t>
+              <a:t>e, assim, aumentarem </a:t>
             </a:r>
             <a:r>
               <a:rPr lang="pt-BR" dirty="0"/>
@@ -22447,15 +22343,7 @@
             </a:r>
             <a:r>
               <a:rPr lang="pt-BR" dirty="0" smtClean="0"/>
-              <a:t>eficiência </a:t>
-            </a:r>
-            <a:r>
-              <a:rPr lang="pt-BR" dirty="0" smtClean="0"/>
-              <a:t>e, consequentemente, </a:t>
-            </a:r>
-            <a:r>
-              <a:rPr lang="pt-BR" dirty="0" smtClean="0"/>
-              <a:t>os lucros.</a:t>
+              <a:t>eficiência e, consequentemente, os lucros.</a:t>
             </a:r>
           </a:p>
           <a:p>
@@ -22511,7 +22399,7 @@
           <p:cNvPr id="2052" name="Picture 4" descr="Image result for google">
             <a:extLst>
               <a:ext uri="{FF2B5EF4-FFF2-40B4-BE49-F238E27FC236}">
-                <a16:creationId xmlns:a16="http://schemas.microsoft.com/office/drawing/2014/main" xmlns="" id="{438DFBB1-BCAF-4232-8212-13512A523B87}"/>
+                <a16:creationId xmlns="" xmlns:a16="http://schemas.microsoft.com/office/drawing/2014/main" id="{438DFBB1-BCAF-4232-8212-13512A523B87}"/>
               </a:ext>
             </a:extLst>
           </p:cNvPr>
@@ -22556,7 +22444,7 @@
           <p:cNvPr id="2054" name="Picture 6" descr="Image result for amazon">
             <a:extLst>
               <a:ext uri="{FF2B5EF4-FFF2-40B4-BE49-F238E27FC236}">
-                <a16:creationId xmlns:a16="http://schemas.microsoft.com/office/drawing/2014/main" xmlns="" id="{0F346A9F-5169-48E9-BC8D-A7A5601546B4}"/>
+                <a16:creationId xmlns="" xmlns:a16="http://schemas.microsoft.com/office/drawing/2014/main" id="{0F346A9F-5169-48E9-BC8D-A7A5601546B4}"/>
               </a:ext>
             </a:extLst>
           </p:cNvPr>
@@ -22601,7 +22489,7 @@
           <p:cNvPr id="2056" name="Picture 8" descr="Image result for IBM">
             <a:extLst>
               <a:ext uri="{FF2B5EF4-FFF2-40B4-BE49-F238E27FC236}">
-                <a16:creationId xmlns:a16="http://schemas.microsoft.com/office/drawing/2014/main" xmlns="" id="{F4203440-F9CD-4A35-AECB-4F9069DDD8D8}"/>
+                <a16:creationId xmlns="" xmlns:a16="http://schemas.microsoft.com/office/drawing/2014/main" id="{F4203440-F9CD-4A35-AECB-4F9069DDD8D8}"/>
               </a:ext>
             </a:extLst>
           </p:cNvPr>
@@ -22648,7 +22536,7 @@
           <p:cNvPr id="2058" name="Picture 10" descr="Image result for microsoft">
             <a:extLst>
               <a:ext uri="{FF2B5EF4-FFF2-40B4-BE49-F238E27FC236}">
-                <a16:creationId xmlns:a16="http://schemas.microsoft.com/office/drawing/2014/main" xmlns="" id="{889DF1D8-7481-4A46-9FD7-52BAF8D9886D}"/>
+                <a16:creationId xmlns="" xmlns:a16="http://schemas.microsoft.com/office/drawing/2014/main" id="{889DF1D8-7481-4A46-9FD7-52BAF8D9886D}"/>
               </a:ext>
             </a:extLst>
           </p:cNvPr>
@@ -22693,7 +22581,7 @@
           <p:cNvPr id="2062" name="Picture 14" descr="Image result for apple">
             <a:extLst>
               <a:ext uri="{FF2B5EF4-FFF2-40B4-BE49-F238E27FC236}">
-                <a16:creationId xmlns:a16="http://schemas.microsoft.com/office/drawing/2014/main" xmlns="" id="{E6493393-D074-45B9-BE4A-3BA749178941}"/>
+                <a16:creationId xmlns="" xmlns:a16="http://schemas.microsoft.com/office/drawing/2014/main" id="{E6493393-D074-45B9-BE4A-3BA749178941}"/>
               </a:ext>
             </a:extLst>
           </p:cNvPr>
@@ -22818,7 +22706,7 @@
           <p:cNvPr id="2050" name="Picture 2" descr="Image result for facebook">
             <a:extLst>
               <a:ext uri="{FF2B5EF4-FFF2-40B4-BE49-F238E27FC236}">
-                <a16:creationId xmlns:a16="http://schemas.microsoft.com/office/drawing/2014/main" xmlns="" id="{629596EE-D27E-4FA4-917F-4B2F4A295C7D}"/>
+                <a16:creationId xmlns="" xmlns:a16="http://schemas.microsoft.com/office/drawing/2014/main" id="{629596EE-D27E-4FA4-917F-4B2F4A295C7D}"/>
               </a:ext>
             </a:extLst>
           </p:cNvPr>
@@ -22863,7 +22751,7 @@
           <p:cNvPr id="21" name="Picture 4" descr="Image result for ericsson logo">
             <a:extLst>
               <a:ext uri="{FF2B5EF4-FFF2-40B4-BE49-F238E27FC236}">
-                <a16:creationId xmlns:a16="http://schemas.microsoft.com/office/drawing/2014/main" xmlns="" id="{D2E42DB6-DBED-40AD-BE13-35A320551592}"/>
+                <a16:creationId xmlns="" xmlns:a16="http://schemas.microsoft.com/office/drawing/2014/main" id="{D2E42DB6-DBED-40AD-BE13-35A320551592}"/>
               </a:ext>
             </a:extLst>
           </p:cNvPr>
@@ -22910,7 +22798,7 @@
           <p:cNvPr id="22" name="Picture 6" descr="Image result for qualcomm logo">
             <a:extLst>
               <a:ext uri="{FF2B5EF4-FFF2-40B4-BE49-F238E27FC236}">
-                <a16:creationId xmlns:a16="http://schemas.microsoft.com/office/drawing/2014/main" xmlns="" id="{16E08342-ACB0-45D6-9003-A412614BF63C}"/>
+                <a16:creationId xmlns="" xmlns:a16="http://schemas.microsoft.com/office/drawing/2014/main" id="{16E08342-ACB0-45D6-9003-A412614BF63C}"/>
               </a:ext>
             </a:extLst>
           </p:cNvPr>
@@ -22955,7 +22843,7 @@
           <p:cNvPr id="23" name="Picture 8" descr="Image result for huawei logo">
             <a:extLst>
               <a:ext uri="{FF2B5EF4-FFF2-40B4-BE49-F238E27FC236}">
-                <a16:creationId xmlns:a16="http://schemas.microsoft.com/office/drawing/2014/main" xmlns="" id="{4D4C2FC0-11E7-423E-ADFE-E40E3FBE955B}"/>
+                <a16:creationId xmlns="" xmlns:a16="http://schemas.microsoft.com/office/drawing/2014/main" id="{4D4C2FC0-11E7-423E-ADFE-E40E3FBE955B}"/>
               </a:ext>
             </a:extLst>
           </p:cNvPr>
@@ -23934,13 +23822,7 @@
               <a:rPr lang="pt-BR" sz="1600" dirty="0" smtClean="0">
                 <a:cs typeface="Calibri"/>
               </a:rPr>
-              <a:t>Criação de máquinas que aprendem através de exemplos (i.e., </a:t>
-            </a:r>
-            <a:r>
-              <a:rPr lang="pt-BR" sz="1600" dirty="0" smtClean="0">
-                <a:cs typeface="Calibri"/>
-              </a:rPr>
-              <a:t>experiências prévias).</a:t>
+              <a:t>Criação de máquinas que aprendem através de exemplos (i.e., experiências prévias).</a:t>
             </a:r>
             <a:endParaRPr lang="pt-BR" sz="1600" dirty="0"/>
           </a:p>
@@ -24048,7 +23930,7 @@
             <p:cNvPr id="5" name="Agrupar 4">
               <a:extLst>
                 <a:ext uri="{FF2B5EF4-FFF2-40B4-BE49-F238E27FC236}">
-                  <a16:creationId xmlns:a16="http://schemas.microsoft.com/office/drawing/2014/main" xmlns="" id="{7463A6D3-5626-4043-85E5-66DFB2E72B8A}"/>
+                  <a16:creationId xmlns="" xmlns:a16="http://schemas.microsoft.com/office/drawing/2014/main" id="{7463A6D3-5626-4043-85E5-66DFB2E72B8A}"/>
                 </a:ext>
               </a:extLst>
             </p:cNvPr>
@@ -24068,7 +23950,7 @@
               <p:cNvPr id="11" name="Picture 2" descr="Image result for umbrella">
                 <a:extLst>
                   <a:ext uri="{FF2B5EF4-FFF2-40B4-BE49-F238E27FC236}">
-                    <a16:creationId xmlns:a16="http://schemas.microsoft.com/office/drawing/2014/main" xmlns="" id="{46CE05B1-E4CB-4173-8A0C-9C000F3F0A67}"/>
+                    <a16:creationId xmlns="" xmlns:a16="http://schemas.microsoft.com/office/drawing/2014/main" id="{46CE05B1-E4CB-4173-8A0C-9C000F3F0A67}"/>
                   </a:ext>
                 </a:extLst>
               </p:cNvPr>
@@ -24113,7 +23995,7 @@
               <p:cNvPr id="12" name="CaixaDeTexto 3">
                 <a:extLst>
                   <a:ext uri="{FF2B5EF4-FFF2-40B4-BE49-F238E27FC236}">
-                    <a16:creationId xmlns:a16="http://schemas.microsoft.com/office/drawing/2014/main" xmlns="" id="{CC08EDBF-9120-4A11-84A9-24A056EA1046}"/>
+                    <a16:creationId xmlns="" xmlns:a16="http://schemas.microsoft.com/office/drawing/2014/main" id="{CC08EDBF-9120-4A11-84A9-24A056EA1046}"/>
                   </a:ext>
                 </a:extLst>
               </p:cNvPr>
@@ -24609,7 +24491,7 @@
           <p:cNvPr id="4" name="Picture 4" descr="Image result for aprendizado de máquina">
             <a:extLst>
               <a:ext uri="{FF2B5EF4-FFF2-40B4-BE49-F238E27FC236}">
-                <a16:creationId xmlns:a16="http://schemas.microsoft.com/office/drawing/2014/main" xmlns="" id="{4530CE78-625F-49E3-B829-A2E7FD1CE262}"/>
+                <a16:creationId xmlns="" xmlns:a16="http://schemas.microsoft.com/office/drawing/2014/main" id="{4530CE78-625F-49E3-B829-A2E7FD1CE262}"/>
               </a:ext>
             </a:extLst>
           </p:cNvPr>

--- a/slides/T319_Introdução.pptx
+++ b/slides/T319_Introdução.pptx
@@ -306,7 +306,7 @@
           <a:p>
             <a:fld id="{144F1436-6906-4D93-B7A2-786C327BFA14}" type="datetimeFigureOut">
               <a:rPr lang="nl-BE" smtClean="0"/>
-              <a:t>5/08/2022</a:t>
+              <a:t>2/02/2023</a:t>
             </a:fld>
             <a:endParaRPr lang="nl-BE"/>
           </a:p>
@@ -471,7 +471,7 @@
           <a:p>
             <a:fld id="{AA8CD09E-2914-4F47-B6C1-51B2C31814C9}" type="datetimeFigureOut">
               <a:rPr lang="pt-BR" smtClean="0"/>
-              <a:t>05/08/2022</a:t>
+              <a:t>02/02/2023</a:t>
             </a:fld>
             <a:endParaRPr lang="pt-BR"/>
           </a:p>
@@ -5514,7 +5514,7 @@
           <p:cNvPr id="2" name="Título 1">
             <a:extLst>
               <a:ext uri="{FF2B5EF4-FFF2-40B4-BE49-F238E27FC236}">
-                <a16:creationId xmlns="" xmlns:a16="http://schemas.microsoft.com/office/drawing/2014/main" id="{1DB9B4FF-B06E-403C-A326-BDC64D8FF94E}"/>
+                <a16:creationId xmlns:a16="http://schemas.microsoft.com/office/drawing/2014/main" xmlns="" id="{1DB9B4FF-B06E-403C-A326-BDC64D8FF94E}"/>
               </a:ext>
             </a:extLst>
           </p:cNvPr>
@@ -5551,7 +5551,7 @@
           <p:cNvPr id="3" name="Subtítulo 2">
             <a:extLst>
               <a:ext uri="{FF2B5EF4-FFF2-40B4-BE49-F238E27FC236}">
-                <a16:creationId xmlns="" xmlns:a16="http://schemas.microsoft.com/office/drawing/2014/main" id="{247BDFCE-746E-45BF-A319-4733D58D1632}"/>
+                <a16:creationId xmlns:a16="http://schemas.microsoft.com/office/drawing/2014/main" xmlns="" id="{247BDFCE-746E-45BF-A319-4733D58D1632}"/>
               </a:ext>
             </a:extLst>
           </p:cNvPr>
@@ -5621,7 +5621,7 @@
           <p:cNvPr id="4" name="Espaço Reservado para Data 3">
             <a:extLst>
               <a:ext uri="{FF2B5EF4-FFF2-40B4-BE49-F238E27FC236}">
-                <a16:creationId xmlns="" xmlns:a16="http://schemas.microsoft.com/office/drawing/2014/main" id="{9EDE2778-5372-4104-B96D-968184DA8288}"/>
+                <a16:creationId xmlns:a16="http://schemas.microsoft.com/office/drawing/2014/main" xmlns="" id="{9EDE2778-5372-4104-B96D-968184DA8288}"/>
               </a:ext>
             </a:extLst>
           </p:cNvPr>
@@ -5639,7 +5639,7 @@
           <a:p>
             <a:fld id="{63289F7E-B80B-496E-81B4-D396C37C9454}" type="datetimeFigureOut">
               <a:rPr lang="pt-BR" smtClean="0"/>
-              <a:t>05/08/2022</a:t>
+              <a:t>02/02/2023</a:t>
             </a:fld>
             <a:endParaRPr lang="pt-BR"/>
           </a:p>
@@ -5650,7 +5650,7 @@
           <p:cNvPr id="5" name="Espaço Reservado para Rodapé 4">
             <a:extLst>
               <a:ext uri="{FF2B5EF4-FFF2-40B4-BE49-F238E27FC236}">
-                <a16:creationId xmlns="" xmlns:a16="http://schemas.microsoft.com/office/drawing/2014/main" id="{C1DD0F41-C861-4051-988D-3024A37A4B93}"/>
+                <a16:creationId xmlns:a16="http://schemas.microsoft.com/office/drawing/2014/main" xmlns="" id="{C1DD0F41-C861-4051-988D-3024A37A4B93}"/>
               </a:ext>
             </a:extLst>
           </p:cNvPr>
@@ -5675,7 +5675,7 @@
           <p:cNvPr id="6" name="Espaço Reservado para Número de Slide 5">
             <a:extLst>
               <a:ext uri="{FF2B5EF4-FFF2-40B4-BE49-F238E27FC236}">
-                <a16:creationId xmlns="" xmlns:a16="http://schemas.microsoft.com/office/drawing/2014/main" id="{07E5967E-D980-431A-A5DB-3F0C5030A81E}"/>
+                <a16:creationId xmlns:a16="http://schemas.microsoft.com/office/drawing/2014/main" xmlns="" id="{07E5967E-D980-431A-A5DB-3F0C5030A81E}"/>
               </a:ext>
             </a:extLst>
           </p:cNvPr>
@@ -5734,7 +5734,7 @@
           <p:cNvPr id="2" name="Título 1">
             <a:extLst>
               <a:ext uri="{FF2B5EF4-FFF2-40B4-BE49-F238E27FC236}">
-                <a16:creationId xmlns="" xmlns:a16="http://schemas.microsoft.com/office/drawing/2014/main" id="{9036C49F-3E68-4175-81BA-3C3FEE44308A}"/>
+                <a16:creationId xmlns:a16="http://schemas.microsoft.com/office/drawing/2014/main" xmlns="" id="{9036C49F-3E68-4175-81BA-3C3FEE44308A}"/>
               </a:ext>
             </a:extLst>
           </p:cNvPr>
@@ -5762,7 +5762,7 @@
           <p:cNvPr id="3" name="Espaço Reservado para Texto Vertical 2">
             <a:extLst>
               <a:ext uri="{FF2B5EF4-FFF2-40B4-BE49-F238E27FC236}">
-                <a16:creationId xmlns="" xmlns:a16="http://schemas.microsoft.com/office/drawing/2014/main" id="{426FA736-3DD3-4D4E-B57B-BBE1D8F7D424}"/>
+                <a16:creationId xmlns:a16="http://schemas.microsoft.com/office/drawing/2014/main" xmlns="" id="{426FA736-3DD3-4D4E-B57B-BBE1D8F7D424}"/>
               </a:ext>
             </a:extLst>
           </p:cNvPr>
@@ -5819,7 +5819,7 @@
           <p:cNvPr id="4" name="Espaço Reservado para Data 3">
             <a:extLst>
               <a:ext uri="{FF2B5EF4-FFF2-40B4-BE49-F238E27FC236}">
-                <a16:creationId xmlns="" xmlns:a16="http://schemas.microsoft.com/office/drawing/2014/main" id="{99E8855C-D8FD-48F6-B14E-861E0DE4D915}"/>
+                <a16:creationId xmlns:a16="http://schemas.microsoft.com/office/drawing/2014/main" xmlns="" id="{99E8855C-D8FD-48F6-B14E-861E0DE4D915}"/>
               </a:ext>
             </a:extLst>
           </p:cNvPr>
@@ -5837,7 +5837,7 @@
           <a:p>
             <a:fld id="{63289F7E-B80B-496E-81B4-D396C37C9454}" type="datetimeFigureOut">
               <a:rPr lang="pt-BR" smtClean="0"/>
-              <a:t>05/08/2022</a:t>
+              <a:t>02/02/2023</a:t>
             </a:fld>
             <a:endParaRPr lang="pt-BR"/>
           </a:p>
@@ -5848,7 +5848,7 @@
           <p:cNvPr id="5" name="Espaço Reservado para Rodapé 4">
             <a:extLst>
               <a:ext uri="{FF2B5EF4-FFF2-40B4-BE49-F238E27FC236}">
-                <a16:creationId xmlns="" xmlns:a16="http://schemas.microsoft.com/office/drawing/2014/main" id="{97C0BB88-2F21-42A5-ACFF-83DA47F2D340}"/>
+                <a16:creationId xmlns:a16="http://schemas.microsoft.com/office/drawing/2014/main" xmlns="" id="{97C0BB88-2F21-42A5-ACFF-83DA47F2D340}"/>
               </a:ext>
             </a:extLst>
           </p:cNvPr>
@@ -5873,7 +5873,7 @@
           <p:cNvPr id="6" name="Espaço Reservado para Número de Slide 5">
             <a:extLst>
               <a:ext uri="{FF2B5EF4-FFF2-40B4-BE49-F238E27FC236}">
-                <a16:creationId xmlns="" xmlns:a16="http://schemas.microsoft.com/office/drawing/2014/main" id="{6CB462B3-1F22-4C05-B4B8-7A279FB7D5E9}"/>
+                <a16:creationId xmlns:a16="http://schemas.microsoft.com/office/drawing/2014/main" xmlns="" id="{6CB462B3-1F22-4C05-B4B8-7A279FB7D5E9}"/>
               </a:ext>
             </a:extLst>
           </p:cNvPr>
@@ -5932,7 +5932,7 @@
           <p:cNvPr id="2" name="Título Vertical 1">
             <a:extLst>
               <a:ext uri="{FF2B5EF4-FFF2-40B4-BE49-F238E27FC236}">
-                <a16:creationId xmlns="" xmlns:a16="http://schemas.microsoft.com/office/drawing/2014/main" id="{EAEAB728-701C-4207-A9D5-23FF45C60502}"/>
+                <a16:creationId xmlns:a16="http://schemas.microsoft.com/office/drawing/2014/main" xmlns="" id="{EAEAB728-701C-4207-A9D5-23FF45C60502}"/>
               </a:ext>
             </a:extLst>
           </p:cNvPr>
@@ -5965,7 +5965,7 @@
           <p:cNvPr id="3" name="Espaço Reservado para Texto Vertical 2">
             <a:extLst>
               <a:ext uri="{FF2B5EF4-FFF2-40B4-BE49-F238E27FC236}">
-                <a16:creationId xmlns="" xmlns:a16="http://schemas.microsoft.com/office/drawing/2014/main" id="{BA8C8CCF-7823-480A-9A19-0F664DD17E3B}"/>
+                <a16:creationId xmlns:a16="http://schemas.microsoft.com/office/drawing/2014/main" xmlns="" id="{BA8C8CCF-7823-480A-9A19-0F664DD17E3B}"/>
               </a:ext>
             </a:extLst>
           </p:cNvPr>
@@ -6027,7 +6027,7 @@
           <p:cNvPr id="4" name="Espaço Reservado para Data 3">
             <a:extLst>
               <a:ext uri="{FF2B5EF4-FFF2-40B4-BE49-F238E27FC236}">
-                <a16:creationId xmlns="" xmlns:a16="http://schemas.microsoft.com/office/drawing/2014/main" id="{721D5734-7B1F-425D-942F-6EB73344027C}"/>
+                <a16:creationId xmlns:a16="http://schemas.microsoft.com/office/drawing/2014/main" xmlns="" id="{721D5734-7B1F-425D-942F-6EB73344027C}"/>
               </a:ext>
             </a:extLst>
           </p:cNvPr>
@@ -6045,7 +6045,7 @@
           <a:p>
             <a:fld id="{63289F7E-B80B-496E-81B4-D396C37C9454}" type="datetimeFigureOut">
               <a:rPr lang="pt-BR" smtClean="0"/>
-              <a:t>05/08/2022</a:t>
+              <a:t>02/02/2023</a:t>
             </a:fld>
             <a:endParaRPr lang="pt-BR"/>
           </a:p>
@@ -6056,7 +6056,7 @@
           <p:cNvPr id="5" name="Espaço Reservado para Rodapé 4">
             <a:extLst>
               <a:ext uri="{FF2B5EF4-FFF2-40B4-BE49-F238E27FC236}">
-                <a16:creationId xmlns="" xmlns:a16="http://schemas.microsoft.com/office/drawing/2014/main" id="{1E1AAEAC-F08D-45FE-89EC-B1B349A868C9}"/>
+                <a16:creationId xmlns:a16="http://schemas.microsoft.com/office/drawing/2014/main" xmlns="" id="{1E1AAEAC-F08D-45FE-89EC-B1B349A868C9}"/>
               </a:ext>
             </a:extLst>
           </p:cNvPr>
@@ -6081,7 +6081,7 @@
           <p:cNvPr id="6" name="Espaço Reservado para Número de Slide 5">
             <a:extLst>
               <a:ext uri="{FF2B5EF4-FFF2-40B4-BE49-F238E27FC236}">
-                <a16:creationId xmlns="" xmlns:a16="http://schemas.microsoft.com/office/drawing/2014/main" id="{BAA44493-9911-47B2-87A6-C2141A972BC8}"/>
+                <a16:creationId xmlns:a16="http://schemas.microsoft.com/office/drawing/2014/main" xmlns="" id="{BAA44493-9911-47B2-87A6-C2141A972BC8}"/>
               </a:ext>
             </a:extLst>
           </p:cNvPr>
@@ -6140,7 +6140,7 @@
           <p:cNvPr id="2" name="Título 1">
             <a:extLst>
               <a:ext uri="{FF2B5EF4-FFF2-40B4-BE49-F238E27FC236}">
-                <a16:creationId xmlns="" xmlns:a16="http://schemas.microsoft.com/office/drawing/2014/main" id="{71BD44A5-8F21-4626-A01D-48A1C874B1D5}"/>
+                <a16:creationId xmlns:a16="http://schemas.microsoft.com/office/drawing/2014/main" xmlns="" id="{71BD44A5-8F21-4626-A01D-48A1C874B1D5}"/>
               </a:ext>
             </a:extLst>
           </p:cNvPr>
@@ -6168,7 +6168,7 @@
           <p:cNvPr id="3" name="Espaço Reservado para Conteúdo 2">
             <a:extLst>
               <a:ext uri="{FF2B5EF4-FFF2-40B4-BE49-F238E27FC236}">
-                <a16:creationId xmlns="" xmlns:a16="http://schemas.microsoft.com/office/drawing/2014/main" id="{B79E8085-65A9-48AA-951D-71D978BFF4ED}"/>
+                <a16:creationId xmlns:a16="http://schemas.microsoft.com/office/drawing/2014/main" xmlns="" id="{B79E8085-65A9-48AA-951D-71D978BFF4ED}"/>
               </a:ext>
             </a:extLst>
           </p:cNvPr>
@@ -6225,7 +6225,7 @@
           <p:cNvPr id="4" name="Espaço Reservado para Data 3">
             <a:extLst>
               <a:ext uri="{FF2B5EF4-FFF2-40B4-BE49-F238E27FC236}">
-                <a16:creationId xmlns="" xmlns:a16="http://schemas.microsoft.com/office/drawing/2014/main" id="{F05BE1AF-51EA-425D-B188-DE7BD675009F}"/>
+                <a16:creationId xmlns:a16="http://schemas.microsoft.com/office/drawing/2014/main" xmlns="" id="{F05BE1AF-51EA-425D-B188-DE7BD675009F}"/>
               </a:ext>
             </a:extLst>
           </p:cNvPr>
@@ -6243,7 +6243,7 @@
           <a:p>
             <a:fld id="{63289F7E-B80B-496E-81B4-D396C37C9454}" type="datetimeFigureOut">
               <a:rPr lang="pt-BR" smtClean="0"/>
-              <a:t>05/08/2022</a:t>
+              <a:t>02/02/2023</a:t>
             </a:fld>
             <a:endParaRPr lang="pt-BR"/>
           </a:p>
@@ -6254,7 +6254,7 @@
           <p:cNvPr id="5" name="Espaço Reservado para Rodapé 4">
             <a:extLst>
               <a:ext uri="{FF2B5EF4-FFF2-40B4-BE49-F238E27FC236}">
-                <a16:creationId xmlns="" xmlns:a16="http://schemas.microsoft.com/office/drawing/2014/main" id="{121BE632-29CF-4CB9-B365-C9EF38F89BE6}"/>
+                <a16:creationId xmlns:a16="http://schemas.microsoft.com/office/drawing/2014/main" xmlns="" id="{121BE632-29CF-4CB9-B365-C9EF38F89BE6}"/>
               </a:ext>
             </a:extLst>
           </p:cNvPr>
@@ -6279,7 +6279,7 @@
           <p:cNvPr id="6" name="Espaço Reservado para Número de Slide 5">
             <a:extLst>
               <a:ext uri="{FF2B5EF4-FFF2-40B4-BE49-F238E27FC236}">
-                <a16:creationId xmlns="" xmlns:a16="http://schemas.microsoft.com/office/drawing/2014/main" id="{60CF3DD1-9AEC-4A57-B461-4E4DD86FAC18}"/>
+                <a16:creationId xmlns:a16="http://schemas.microsoft.com/office/drawing/2014/main" xmlns="" id="{60CF3DD1-9AEC-4A57-B461-4E4DD86FAC18}"/>
               </a:ext>
             </a:extLst>
           </p:cNvPr>
@@ -6338,7 +6338,7 @@
           <p:cNvPr id="2" name="Título 1">
             <a:extLst>
               <a:ext uri="{FF2B5EF4-FFF2-40B4-BE49-F238E27FC236}">
-                <a16:creationId xmlns="" xmlns:a16="http://schemas.microsoft.com/office/drawing/2014/main" id="{34AB2FF0-A4D7-4E28-991D-FF26140D5988}"/>
+                <a16:creationId xmlns:a16="http://schemas.microsoft.com/office/drawing/2014/main" xmlns="" id="{34AB2FF0-A4D7-4E28-991D-FF26140D5988}"/>
               </a:ext>
             </a:extLst>
           </p:cNvPr>
@@ -6375,7 +6375,7 @@
           <p:cNvPr id="3" name="Espaço Reservado para Texto 2">
             <a:extLst>
               <a:ext uri="{FF2B5EF4-FFF2-40B4-BE49-F238E27FC236}">
-                <a16:creationId xmlns="" xmlns:a16="http://schemas.microsoft.com/office/drawing/2014/main" id="{E2AC45B0-4145-40DB-8E61-105461170604}"/>
+                <a16:creationId xmlns:a16="http://schemas.microsoft.com/office/drawing/2014/main" xmlns="" id="{E2AC45B0-4145-40DB-8E61-105461170604}"/>
               </a:ext>
             </a:extLst>
           </p:cNvPr>
@@ -6500,7 +6500,7 @@
           <p:cNvPr id="4" name="Espaço Reservado para Data 3">
             <a:extLst>
               <a:ext uri="{FF2B5EF4-FFF2-40B4-BE49-F238E27FC236}">
-                <a16:creationId xmlns="" xmlns:a16="http://schemas.microsoft.com/office/drawing/2014/main" id="{50F1D3FB-740A-4EBA-A309-2CE71D12ECFB}"/>
+                <a16:creationId xmlns:a16="http://schemas.microsoft.com/office/drawing/2014/main" xmlns="" id="{50F1D3FB-740A-4EBA-A309-2CE71D12ECFB}"/>
               </a:ext>
             </a:extLst>
           </p:cNvPr>
@@ -6518,7 +6518,7 @@
           <a:p>
             <a:fld id="{63289F7E-B80B-496E-81B4-D396C37C9454}" type="datetimeFigureOut">
               <a:rPr lang="pt-BR" smtClean="0"/>
-              <a:t>05/08/2022</a:t>
+              <a:t>02/02/2023</a:t>
             </a:fld>
             <a:endParaRPr lang="pt-BR"/>
           </a:p>
@@ -6529,7 +6529,7 @@
           <p:cNvPr id="5" name="Espaço Reservado para Rodapé 4">
             <a:extLst>
               <a:ext uri="{FF2B5EF4-FFF2-40B4-BE49-F238E27FC236}">
-                <a16:creationId xmlns="" xmlns:a16="http://schemas.microsoft.com/office/drawing/2014/main" id="{BDCAB18F-8715-4465-A940-F9C193A2ACE9}"/>
+                <a16:creationId xmlns:a16="http://schemas.microsoft.com/office/drawing/2014/main" xmlns="" id="{BDCAB18F-8715-4465-A940-F9C193A2ACE9}"/>
               </a:ext>
             </a:extLst>
           </p:cNvPr>
@@ -6554,7 +6554,7 @@
           <p:cNvPr id="6" name="Espaço Reservado para Número de Slide 5">
             <a:extLst>
               <a:ext uri="{FF2B5EF4-FFF2-40B4-BE49-F238E27FC236}">
-                <a16:creationId xmlns="" xmlns:a16="http://schemas.microsoft.com/office/drawing/2014/main" id="{353466C6-8248-429F-8056-FF040BF509EB}"/>
+                <a16:creationId xmlns:a16="http://schemas.microsoft.com/office/drawing/2014/main" xmlns="" id="{353466C6-8248-429F-8056-FF040BF509EB}"/>
               </a:ext>
             </a:extLst>
           </p:cNvPr>
@@ -6613,7 +6613,7 @@
           <p:cNvPr id="2" name="Título 1">
             <a:extLst>
               <a:ext uri="{FF2B5EF4-FFF2-40B4-BE49-F238E27FC236}">
-                <a16:creationId xmlns="" xmlns:a16="http://schemas.microsoft.com/office/drawing/2014/main" id="{BC7BB9F0-F14B-4A91-B2B7-35BC47FE4DE7}"/>
+                <a16:creationId xmlns:a16="http://schemas.microsoft.com/office/drawing/2014/main" xmlns="" id="{BC7BB9F0-F14B-4A91-B2B7-35BC47FE4DE7}"/>
               </a:ext>
             </a:extLst>
           </p:cNvPr>
@@ -6641,7 +6641,7 @@
           <p:cNvPr id="3" name="Espaço Reservado para Conteúdo 2">
             <a:extLst>
               <a:ext uri="{FF2B5EF4-FFF2-40B4-BE49-F238E27FC236}">
-                <a16:creationId xmlns="" xmlns:a16="http://schemas.microsoft.com/office/drawing/2014/main" id="{EC1FC1C4-73DA-47A6-8496-B0B457F7D39A}"/>
+                <a16:creationId xmlns:a16="http://schemas.microsoft.com/office/drawing/2014/main" xmlns="" id="{EC1FC1C4-73DA-47A6-8496-B0B457F7D39A}"/>
               </a:ext>
             </a:extLst>
           </p:cNvPr>
@@ -6703,7 +6703,7 @@
           <p:cNvPr id="4" name="Espaço Reservado para Conteúdo 3">
             <a:extLst>
               <a:ext uri="{FF2B5EF4-FFF2-40B4-BE49-F238E27FC236}">
-                <a16:creationId xmlns="" xmlns:a16="http://schemas.microsoft.com/office/drawing/2014/main" id="{E92F06A8-A449-4D92-9912-76873E529B38}"/>
+                <a16:creationId xmlns:a16="http://schemas.microsoft.com/office/drawing/2014/main" xmlns="" id="{E92F06A8-A449-4D92-9912-76873E529B38}"/>
               </a:ext>
             </a:extLst>
           </p:cNvPr>
@@ -6765,7 +6765,7 @@
           <p:cNvPr id="5" name="Espaço Reservado para Data 4">
             <a:extLst>
               <a:ext uri="{FF2B5EF4-FFF2-40B4-BE49-F238E27FC236}">
-                <a16:creationId xmlns="" xmlns:a16="http://schemas.microsoft.com/office/drawing/2014/main" id="{938070A4-BC2F-4D55-BD8D-DEAF11BB9EE9}"/>
+                <a16:creationId xmlns:a16="http://schemas.microsoft.com/office/drawing/2014/main" xmlns="" id="{938070A4-BC2F-4D55-BD8D-DEAF11BB9EE9}"/>
               </a:ext>
             </a:extLst>
           </p:cNvPr>
@@ -6783,7 +6783,7 @@
           <a:p>
             <a:fld id="{63289F7E-B80B-496E-81B4-D396C37C9454}" type="datetimeFigureOut">
               <a:rPr lang="pt-BR" smtClean="0"/>
-              <a:t>05/08/2022</a:t>
+              <a:t>02/02/2023</a:t>
             </a:fld>
             <a:endParaRPr lang="pt-BR"/>
           </a:p>
@@ -6794,7 +6794,7 @@
           <p:cNvPr id="6" name="Espaço Reservado para Rodapé 5">
             <a:extLst>
               <a:ext uri="{FF2B5EF4-FFF2-40B4-BE49-F238E27FC236}">
-                <a16:creationId xmlns="" xmlns:a16="http://schemas.microsoft.com/office/drawing/2014/main" id="{45CC2DB8-844A-465F-BA9A-7734C80C7F43}"/>
+                <a16:creationId xmlns:a16="http://schemas.microsoft.com/office/drawing/2014/main" xmlns="" id="{45CC2DB8-844A-465F-BA9A-7734C80C7F43}"/>
               </a:ext>
             </a:extLst>
           </p:cNvPr>
@@ -6819,7 +6819,7 @@
           <p:cNvPr id="7" name="Espaço Reservado para Número de Slide 6">
             <a:extLst>
               <a:ext uri="{FF2B5EF4-FFF2-40B4-BE49-F238E27FC236}">
-                <a16:creationId xmlns="" xmlns:a16="http://schemas.microsoft.com/office/drawing/2014/main" id="{4CC606A8-097B-4040-94E0-CD8C88280D8F}"/>
+                <a16:creationId xmlns:a16="http://schemas.microsoft.com/office/drawing/2014/main" xmlns="" id="{4CC606A8-097B-4040-94E0-CD8C88280D8F}"/>
               </a:ext>
             </a:extLst>
           </p:cNvPr>
@@ -6878,7 +6878,7 @@
           <p:cNvPr id="2" name="Título 1">
             <a:extLst>
               <a:ext uri="{FF2B5EF4-FFF2-40B4-BE49-F238E27FC236}">
-                <a16:creationId xmlns="" xmlns:a16="http://schemas.microsoft.com/office/drawing/2014/main" id="{76D66686-0143-4CB6-8C09-BA326F1E7ACA}"/>
+                <a16:creationId xmlns:a16="http://schemas.microsoft.com/office/drawing/2014/main" xmlns="" id="{76D66686-0143-4CB6-8C09-BA326F1E7ACA}"/>
               </a:ext>
             </a:extLst>
           </p:cNvPr>
@@ -6911,7 +6911,7 @@
           <p:cNvPr id="3" name="Espaço Reservado para Texto 2">
             <a:extLst>
               <a:ext uri="{FF2B5EF4-FFF2-40B4-BE49-F238E27FC236}">
-                <a16:creationId xmlns="" xmlns:a16="http://schemas.microsoft.com/office/drawing/2014/main" id="{0227AB85-F59E-4BCE-B846-4FA0992C2F23}"/>
+                <a16:creationId xmlns:a16="http://schemas.microsoft.com/office/drawing/2014/main" xmlns="" id="{0227AB85-F59E-4BCE-B846-4FA0992C2F23}"/>
               </a:ext>
             </a:extLst>
           </p:cNvPr>
@@ -6982,7 +6982,7 @@
           <p:cNvPr id="4" name="Espaço Reservado para Conteúdo 3">
             <a:extLst>
               <a:ext uri="{FF2B5EF4-FFF2-40B4-BE49-F238E27FC236}">
-                <a16:creationId xmlns="" xmlns:a16="http://schemas.microsoft.com/office/drawing/2014/main" id="{3373456C-7319-4D0A-827D-D29F6B083F5D}"/>
+                <a16:creationId xmlns:a16="http://schemas.microsoft.com/office/drawing/2014/main" xmlns="" id="{3373456C-7319-4D0A-827D-D29F6B083F5D}"/>
               </a:ext>
             </a:extLst>
           </p:cNvPr>
@@ -7044,7 +7044,7 @@
           <p:cNvPr id="5" name="Espaço Reservado para Texto 4">
             <a:extLst>
               <a:ext uri="{FF2B5EF4-FFF2-40B4-BE49-F238E27FC236}">
-                <a16:creationId xmlns="" xmlns:a16="http://schemas.microsoft.com/office/drawing/2014/main" id="{4CD109D0-2E83-4262-8029-A871CEC47406}"/>
+                <a16:creationId xmlns:a16="http://schemas.microsoft.com/office/drawing/2014/main" xmlns="" id="{4CD109D0-2E83-4262-8029-A871CEC47406}"/>
               </a:ext>
             </a:extLst>
           </p:cNvPr>
@@ -7115,7 +7115,7 @@
           <p:cNvPr id="6" name="Espaço Reservado para Conteúdo 5">
             <a:extLst>
               <a:ext uri="{FF2B5EF4-FFF2-40B4-BE49-F238E27FC236}">
-                <a16:creationId xmlns="" xmlns:a16="http://schemas.microsoft.com/office/drawing/2014/main" id="{AD706E3A-CFBB-4A6C-A65F-D0360A9E74FE}"/>
+                <a16:creationId xmlns:a16="http://schemas.microsoft.com/office/drawing/2014/main" xmlns="" id="{AD706E3A-CFBB-4A6C-A65F-D0360A9E74FE}"/>
               </a:ext>
             </a:extLst>
           </p:cNvPr>
@@ -7177,7 +7177,7 @@
           <p:cNvPr id="7" name="Espaço Reservado para Data 6">
             <a:extLst>
               <a:ext uri="{FF2B5EF4-FFF2-40B4-BE49-F238E27FC236}">
-                <a16:creationId xmlns="" xmlns:a16="http://schemas.microsoft.com/office/drawing/2014/main" id="{4172C0E5-5AF0-4805-BB51-443733CD2BD5}"/>
+                <a16:creationId xmlns:a16="http://schemas.microsoft.com/office/drawing/2014/main" xmlns="" id="{4172C0E5-5AF0-4805-BB51-443733CD2BD5}"/>
               </a:ext>
             </a:extLst>
           </p:cNvPr>
@@ -7195,7 +7195,7 @@
           <a:p>
             <a:fld id="{63289F7E-B80B-496E-81B4-D396C37C9454}" type="datetimeFigureOut">
               <a:rPr lang="pt-BR" smtClean="0"/>
-              <a:t>05/08/2022</a:t>
+              <a:t>02/02/2023</a:t>
             </a:fld>
             <a:endParaRPr lang="pt-BR"/>
           </a:p>
@@ -7206,7 +7206,7 @@
           <p:cNvPr id="8" name="Espaço Reservado para Rodapé 7">
             <a:extLst>
               <a:ext uri="{FF2B5EF4-FFF2-40B4-BE49-F238E27FC236}">
-                <a16:creationId xmlns="" xmlns:a16="http://schemas.microsoft.com/office/drawing/2014/main" id="{0E801648-156F-497E-99CF-797DF48051E1}"/>
+                <a16:creationId xmlns:a16="http://schemas.microsoft.com/office/drawing/2014/main" xmlns="" id="{0E801648-156F-497E-99CF-797DF48051E1}"/>
               </a:ext>
             </a:extLst>
           </p:cNvPr>
@@ -7231,7 +7231,7 @@
           <p:cNvPr id="9" name="Espaço Reservado para Número de Slide 8">
             <a:extLst>
               <a:ext uri="{FF2B5EF4-FFF2-40B4-BE49-F238E27FC236}">
-                <a16:creationId xmlns="" xmlns:a16="http://schemas.microsoft.com/office/drawing/2014/main" id="{EEE23D32-80E7-4796-A137-66BF842E4B53}"/>
+                <a16:creationId xmlns:a16="http://schemas.microsoft.com/office/drawing/2014/main" xmlns="" id="{EEE23D32-80E7-4796-A137-66BF842E4B53}"/>
               </a:ext>
             </a:extLst>
           </p:cNvPr>
@@ -7290,7 +7290,7 @@
           <p:cNvPr id="2" name="Título 1">
             <a:extLst>
               <a:ext uri="{FF2B5EF4-FFF2-40B4-BE49-F238E27FC236}">
-                <a16:creationId xmlns="" xmlns:a16="http://schemas.microsoft.com/office/drawing/2014/main" id="{2BCE2379-C78F-47E1-8CFC-B846E7AF148D}"/>
+                <a16:creationId xmlns:a16="http://schemas.microsoft.com/office/drawing/2014/main" xmlns="" id="{2BCE2379-C78F-47E1-8CFC-B846E7AF148D}"/>
               </a:ext>
             </a:extLst>
           </p:cNvPr>
@@ -7318,7 +7318,7 @@
           <p:cNvPr id="3" name="Espaço Reservado para Data 2">
             <a:extLst>
               <a:ext uri="{FF2B5EF4-FFF2-40B4-BE49-F238E27FC236}">
-                <a16:creationId xmlns="" xmlns:a16="http://schemas.microsoft.com/office/drawing/2014/main" id="{342600A9-7F92-4E22-9D94-E4717252A817}"/>
+                <a16:creationId xmlns:a16="http://schemas.microsoft.com/office/drawing/2014/main" xmlns="" id="{342600A9-7F92-4E22-9D94-E4717252A817}"/>
               </a:ext>
             </a:extLst>
           </p:cNvPr>
@@ -7336,7 +7336,7 @@
           <a:p>
             <a:fld id="{63289F7E-B80B-496E-81B4-D396C37C9454}" type="datetimeFigureOut">
               <a:rPr lang="pt-BR" smtClean="0"/>
-              <a:t>05/08/2022</a:t>
+              <a:t>02/02/2023</a:t>
             </a:fld>
             <a:endParaRPr lang="pt-BR"/>
           </a:p>
@@ -7347,7 +7347,7 @@
           <p:cNvPr id="4" name="Espaço Reservado para Rodapé 3">
             <a:extLst>
               <a:ext uri="{FF2B5EF4-FFF2-40B4-BE49-F238E27FC236}">
-                <a16:creationId xmlns="" xmlns:a16="http://schemas.microsoft.com/office/drawing/2014/main" id="{192E6BED-F546-40CC-A2DF-99CBA853654E}"/>
+                <a16:creationId xmlns:a16="http://schemas.microsoft.com/office/drawing/2014/main" xmlns="" id="{192E6BED-F546-40CC-A2DF-99CBA853654E}"/>
               </a:ext>
             </a:extLst>
           </p:cNvPr>
@@ -7372,7 +7372,7 @@
           <p:cNvPr id="5" name="Espaço Reservado para Número de Slide 4">
             <a:extLst>
               <a:ext uri="{FF2B5EF4-FFF2-40B4-BE49-F238E27FC236}">
-                <a16:creationId xmlns="" xmlns:a16="http://schemas.microsoft.com/office/drawing/2014/main" id="{6091CC40-A8C4-4063-80EB-CC5099621678}"/>
+                <a16:creationId xmlns:a16="http://schemas.microsoft.com/office/drawing/2014/main" xmlns="" id="{6091CC40-A8C4-4063-80EB-CC5099621678}"/>
               </a:ext>
             </a:extLst>
           </p:cNvPr>
@@ -7431,7 +7431,7 @@
           <p:cNvPr id="2" name="Espaço Reservado para Data 1">
             <a:extLst>
               <a:ext uri="{FF2B5EF4-FFF2-40B4-BE49-F238E27FC236}">
-                <a16:creationId xmlns="" xmlns:a16="http://schemas.microsoft.com/office/drawing/2014/main" id="{DD19515C-212C-4EAE-84A3-8FF4BC844F1B}"/>
+                <a16:creationId xmlns:a16="http://schemas.microsoft.com/office/drawing/2014/main" xmlns="" id="{DD19515C-212C-4EAE-84A3-8FF4BC844F1B}"/>
               </a:ext>
             </a:extLst>
           </p:cNvPr>
@@ -7449,7 +7449,7 @@
           <a:p>
             <a:fld id="{63289F7E-B80B-496E-81B4-D396C37C9454}" type="datetimeFigureOut">
               <a:rPr lang="pt-BR" smtClean="0"/>
-              <a:t>05/08/2022</a:t>
+              <a:t>02/02/2023</a:t>
             </a:fld>
             <a:endParaRPr lang="pt-BR"/>
           </a:p>
@@ -7460,7 +7460,7 @@
           <p:cNvPr id="3" name="Espaço Reservado para Rodapé 2">
             <a:extLst>
               <a:ext uri="{FF2B5EF4-FFF2-40B4-BE49-F238E27FC236}">
-                <a16:creationId xmlns="" xmlns:a16="http://schemas.microsoft.com/office/drawing/2014/main" id="{94D3D120-B3E8-4C96-861D-7A4F12F49B3A}"/>
+                <a16:creationId xmlns:a16="http://schemas.microsoft.com/office/drawing/2014/main" xmlns="" id="{94D3D120-B3E8-4C96-861D-7A4F12F49B3A}"/>
               </a:ext>
             </a:extLst>
           </p:cNvPr>
@@ -7485,7 +7485,7 @@
           <p:cNvPr id="4" name="Espaço Reservado para Número de Slide 3">
             <a:extLst>
               <a:ext uri="{FF2B5EF4-FFF2-40B4-BE49-F238E27FC236}">
-                <a16:creationId xmlns="" xmlns:a16="http://schemas.microsoft.com/office/drawing/2014/main" id="{42E49B68-FA1B-468B-9F17-D5C09243D454}"/>
+                <a16:creationId xmlns:a16="http://schemas.microsoft.com/office/drawing/2014/main" xmlns="" id="{42E49B68-FA1B-468B-9F17-D5C09243D454}"/>
               </a:ext>
             </a:extLst>
           </p:cNvPr>
@@ -7544,7 +7544,7 @@
           <p:cNvPr id="2" name="Título 1">
             <a:extLst>
               <a:ext uri="{FF2B5EF4-FFF2-40B4-BE49-F238E27FC236}">
-                <a16:creationId xmlns="" xmlns:a16="http://schemas.microsoft.com/office/drawing/2014/main" id="{1C17BCBE-A897-4319-85EC-D87909C24980}"/>
+                <a16:creationId xmlns:a16="http://schemas.microsoft.com/office/drawing/2014/main" xmlns="" id="{1C17BCBE-A897-4319-85EC-D87909C24980}"/>
               </a:ext>
             </a:extLst>
           </p:cNvPr>
@@ -7581,7 +7581,7 @@
           <p:cNvPr id="3" name="Espaço Reservado para Conteúdo 2">
             <a:extLst>
               <a:ext uri="{FF2B5EF4-FFF2-40B4-BE49-F238E27FC236}">
-                <a16:creationId xmlns="" xmlns:a16="http://schemas.microsoft.com/office/drawing/2014/main" id="{4226F885-0204-4913-868B-4B8B82576F17}"/>
+                <a16:creationId xmlns:a16="http://schemas.microsoft.com/office/drawing/2014/main" xmlns="" id="{4226F885-0204-4913-868B-4B8B82576F17}"/>
               </a:ext>
             </a:extLst>
           </p:cNvPr>
@@ -7671,7 +7671,7 @@
           <p:cNvPr id="4" name="Espaço Reservado para Texto 3">
             <a:extLst>
               <a:ext uri="{FF2B5EF4-FFF2-40B4-BE49-F238E27FC236}">
-                <a16:creationId xmlns="" xmlns:a16="http://schemas.microsoft.com/office/drawing/2014/main" id="{00F9F784-A858-441B-8AB5-697098141751}"/>
+                <a16:creationId xmlns:a16="http://schemas.microsoft.com/office/drawing/2014/main" xmlns="" id="{00F9F784-A858-441B-8AB5-697098141751}"/>
               </a:ext>
             </a:extLst>
           </p:cNvPr>
@@ -7742,7 +7742,7 @@
           <p:cNvPr id="5" name="Espaço Reservado para Data 4">
             <a:extLst>
               <a:ext uri="{FF2B5EF4-FFF2-40B4-BE49-F238E27FC236}">
-                <a16:creationId xmlns="" xmlns:a16="http://schemas.microsoft.com/office/drawing/2014/main" id="{A4DC363A-5000-472E-8B17-02E7DCB8840A}"/>
+                <a16:creationId xmlns:a16="http://schemas.microsoft.com/office/drawing/2014/main" xmlns="" id="{A4DC363A-5000-472E-8B17-02E7DCB8840A}"/>
               </a:ext>
             </a:extLst>
           </p:cNvPr>
@@ -7760,7 +7760,7 @@
           <a:p>
             <a:fld id="{63289F7E-B80B-496E-81B4-D396C37C9454}" type="datetimeFigureOut">
               <a:rPr lang="pt-BR" smtClean="0"/>
-              <a:t>05/08/2022</a:t>
+              <a:t>02/02/2023</a:t>
             </a:fld>
             <a:endParaRPr lang="pt-BR"/>
           </a:p>
@@ -7771,7 +7771,7 @@
           <p:cNvPr id="6" name="Espaço Reservado para Rodapé 5">
             <a:extLst>
               <a:ext uri="{FF2B5EF4-FFF2-40B4-BE49-F238E27FC236}">
-                <a16:creationId xmlns="" xmlns:a16="http://schemas.microsoft.com/office/drawing/2014/main" id="{5548425D-2C21-4C56-BAD4-662978775C28}"/>
+                <a16:creationId xmlns:a16="http://schemas.microsoft.com/office/drawing/2014/main" xmlns="" id="{5548425D-2C21-4C56-BAD4-662978775C28}"/>
               </a:ext>
             </a:extLst>
           </p:cNvPr>
@@ -7796,7 +7796,7 @@
           <p:cNvPr id="7" name="Espaço Reservado para Número de Slide 6">
             <a:extLst>
               <a:ext uri="{FF2B5EF4-FFF2-40B4-BE49-F238E27FC236}">
-                <a16:creationId xmlns="" xmlns:a16="http://schemas.microsoft.com/office/drawing/2014/main" id="{C63E9726-E64C-42B2-AE8A-8C235A956B48}"/>
+                <a16:creationId xmlns:a16="http://schemas.microsoft.com/office/drawing/2014/main" xmlns="" id="{C63E9726-E64C-42B2-AE8A-8C235A956B48}"/>
               </a:ext>
             </a:extLst>
           </p:cNvPr>
@@ -7855,7 +7855,7 @@
           <p:cNvPr id="2" name="Título 1">
             <a:extLst>
               <a:ext uri="{FF2B5EF4-FFF2-40B4-BE49-F238E27FC236}">
-                <a16:creationId xmlns="" xmlns:a16="http://schemas.microsoft.com/office/drawing/2014/main" id="{11086A78-3E74-450C-96A6-CA8AC37AF772}"/>
+                <a16:creationId xmlns:a16="http://schemas.microsoft.com/office/drawing/2014/main" xmlns="" id="{11086A78-3E74-450C-96A6-CA8AC37AF772}"/>
               </a:ext>
             </a:extLst>
           </p:cNvPr>
@@ -7892,7 +7892,7 @@
           <p:cNvPr id="3" name="Espaço Reservado para Imagem 2">
             <a:extLst>
               <a:ext uri="{FF2B5EF4-FFF2-40B4-BE49-F238E27FC236}">
-                <a16:creationId xmlns="" xmlns:a16="http://schemas.microsoft.com/office/drawing/2014/main" id="{5F5B7312-975A-4DBC-9B2F-3652ADA006FD}"/>
+                <a16:creationId xmlns:a16="http://schemas.microsoft.com/office/drawing/2014/main" xmlns="" id="{5F5B7312-975A-4DBC-9B2F-3652ADA006FD}"/>
               </a:ext>
             </a:extLst>
           </p:cNvPr>
@@ -7959,7 +7959,7 @@
           <p:cNvPr id="4" name="Espaço Reservado para Texto 3">
             <a:extLst>
               <a:ext uri="{FF2B5EF4-FFF2-40B4-BE49-F238E27FC236}">
-                <a16:creationId xmlns="" xmlns:a16="http://schemas.microsoft.com/office/drawing/2014/main" id="{AAF805F5-1DFF-41C6-944C-7D79FE0D0963}"/>
+                <a16:creationId xmlns:a16="http://schemas.microsoft.com/office/drawing/2014/main" xmlns="" id="{AAF805F5-1DFF-41C6-944C-7D79FE0D0963}"/>
               </a:ext>
             </a:extLst>
           </p:cNvPr>
@@ -8030,7 +8030,7 @@
           <p:cNvPr id="5" name="Espaço Reservado para Data 4">
             <a:extLst>
               <a:ext uri="{FF2B5EF4-FFF2-40B4-BE49-F238E27FC236}">
-                <a16:creationId xmlns="" xmlns:a16="http://schemas.microsoft.com/office/drawing/2014/main" id="{02113D81-8665-4516-BD81-C6A1F254EECD}"/>
+                <a16:creationId xmlns:a16="http://schemas.microsoft.com/office/drawing/2014/main" xmlns="" id="{02113D81-8665-4516-BD81-C6A1F254EECD}"/>
               </a:ext>
             </a:extLst>
           </p:cNvPr>
@@ -8048,7 +8048,7 @@
           <a:p>
             <a:fld id="{63289F7E-B80B-496E-81B4-D396C37C9454}" type="datetimeFigureOut">
               <a:rPr lang="pt-BR" smtClean="0"/>
-              <a:t>05/08/2022</a:t>
+              <a:t>02/02/2023</a:t>
             </a:fld>
             <a:endParaRPr lang="pt-BR"/>
           </a:p>
@@ -8059,7 +8059,7 @@
           <p:cNvPr id="6" name="Espaço Reservado para Rodapé 5">
             <a:extLst>
               <a:ext uri="{FF2B5EF4-FFF2-40B4-BE49-F238E27FC236}">
-                <a16:creationId xmlns="" xmlns:a16="http://schemas.microsoft.com/office/drawing/2014/main" id="{2B00C88B-FF32-40AA-A187-727D96FD7862}"/>
+                <a16:creationId xmlns:a16="http://schemas.microsoft.com/office/drawing/2014/main" xmlns="" id="{2B00C88B-FF32-40AA-A187-727D96FD7862}"/>
               </a:ext>
             </a:extLst>
           </p:cNvPr>
@@ -8084,7 +8084,7 @@
           <p:cNvPr id="7" name="Espaço Reservado para Número de Slide 6">
             <a:extLst>
               <a:ext uri="{FF2B5EF4-FFF2-40B4-BE49-F238E27FC236}">
-                <a16:creationId xmlns="" xmlns:a16="http://schemas.microsoft.com/office/drawing/2014/main" id="{A04D1A2D-69F7-4B8F-A730-BC26DC340BA6}"/>
+                <a16:creationId xmlns:a16="http://schemas.microsoft.com/office/drawing/2014/main" xmlns="" id="{A04D1A2D-69F7-4B8F-A730-BC26DC340BA6}"/>
               </a:ext>
             </a:extLst>
           </p:cNvPr>
@@ -8148,7 +8148,7 @@
           <p:cNvPr id="2" name="Espaço Reservado para Título 1">
             <a:extLst>
               <a:ext uri="{FF2B5EF4-FFF2-40B4-BE49-F238E27FC236}">
-                <a16:creationId xmlns="" xmlns:a16="http://schemas.microsoft.com/office/drawing/2014/main" id="{E69A0273-1966-4A1B-9370-4C1CE5036371}"/>
+                <a16:creationId xmlns:a16="http://schemas.microsoft.com/office/drawing/2014/main" xmlns="" id="{E69A0273-1966-4A1B-9370-4C1CE5036371}"/>
               </a:ext>
             </a:extLst>
           </p:cNvPr>
@@ -8186,7 +8186,7 @@
           <p:cNvPr id="3" name="Espaço Reservado para Texto 2">
             <a:extLst>
               <a:ext uri="{FF2B5EF4-FFF2-40B4-BE49-F238E27FC236}">
-                <a16:creationId xmlns="" xmlns:a16="http://schemas.microsoft.com/office/drawing/2014/main" id="{3B9CF87A-0448-49A7-AB25-EBC1D56A40EF}"/>
+                <a16:creationId xmlns:a16="http://schemas.microsoft.com/office/drawing/2014/main" xmlns="" id="{3B9CF87A-0448-49A7-AB25-EBC1D56A40EF}"/>
               </a:ext>
             </a:extLst>
           </p:cNvPr>
@@ -8253,7 +8253,7 @@
           <p:cNvPr id="4" name="Espaço Reservado para Data 3">
             <a:extLst>
               <a:ext uri="{FF2B5EF4-FFF2-40B4-BE49-F238E27FC236}">
-                <a16:creationId xmlns="" xmlns:a16="http://schemas.microsoft.com/office/drawing/2014/main" id="{2EF7B1F2-BB5A-44D0-816D-16AD2C71430E}"/>
+                <a16:creationId xmlns:a16="http://schemas.microsoft.com/office/drawing/2014/main" xmlns="" id="{2EF7B1F2-BB5A-44D0-816D-16AD2C71430E}"/>
               </a:ext>
             </a:extLst>
           </p:cNvPr>
@@ -8289,7 +8289,7 @@
           <a:p>
             <a:fld id="{63289F7E-B80B-496E-81B4-D396C37C9454}" type="datetimeFigureOut">
               <a:rPr lang="pt-BR" smtClean="0"/>
-              <a:t>05/08/2022</a:t>
+              <a:t>02/02/2023</a:t>
             </a:fld>
             <a:endParaRPr lang="pt-BR"/>
           </a:p>
@@ -8300,7 +8300,7 @@
           <p:cNvPr id="5" name="Espaço Reservado para Rodapé 4">
             <a:extLst>
               <a:ext uri="{FF2B5EF4-FFF2-40B4-BE49-F238E27FC236}">
-                <a16:creationId xmlns="" xmlns:a16="http://schemas.microsoft.com/office/drawing/2014/main" id="{C703F94C-2CC8-4DAA-BC35-14FC3E841DCD}"/>
+                <a16:creationId xmlns:a16="http://schemas.microsoft.com/office/drawing/2014/main" xmlns="" id="{C703F94C-2CC8-4DAA-BC35-14FC3E841DCD}"/>
               </a:ext>
             </a:extLst>
           </p:cNvPr>
@@ -8343,7 +8343,7 @@
           <p:cNvPr id="6" name="Espaço Reservado para Número de Slide 5">
             <a:extLst>
               <a:ext uri="{FF2B5EF4-FFF2-40B4-BE49-F238E27FC236}">
-                <a16:creationId xmlns="" xmlns:a16="http://schemas.microsoft.com/office/drawing/2014/main" id="{64051336-7048-457A-8B61-D94291D71648}"/>
+                <a16:creationId xmlns:a16="http://schemas.microsoft.com/office/drawing/2014/main" xmlns="" id="{64051336-7048-457A-8B61-D94291D71648}"/>
               </a:ext>
             </a:extLst>
           </p:cNvPr>
@@ -8711,7 +8711,7 @@
           <p:cNvPr id="2" name="Título 1">
             <a:extLst>
               <a:ext uri="{FF2B5EF4-FFF2-40B4-BE49-F238E27FC236}">
-                <a16:creationId xmlns="" xmlns:a16="http://schemas.microsoft.com/office/drawing/2014/main" id="{32666AC8-2E17-4DB4-B0F5-60C640CCFD2E}"/>
+                <a16:creationId xmlns:a16="http://schemas.microsoft.com/office/drawing/2014/main" xmlns="" id="{32666AC8-2E17-4DB4-B0F5-60C640CCFD2E}"/>
               </a:ext>
             </a:extLst>
           </p:cNvPr>
@@ -8758,7 +8758,7 @@
           <p:cNvPr id="4" name="CaixaDeTexto 3">
             <a:extLst>
               <a:ext uri="{FF2B5EF4-FFF2-40B4-BE49-F238E27FC236}">
-                <a16:creationId xmlns="" xmlns:a16="http://schemas.microsoft.com/office/drawing/2014/main" id="{430EB894-B7D4-434C-9D1A-A14094D9BEEC}"/>
+                <a16:creationId xmlns:a16="http://schemas.microsoft.com/office/drawing/2014/main" xmlns="" id="{430EB894-B7D4-434C-9D1A-A14094D9BEEC}"/>
               </a:ext>
             </a:extLst>
           </p:cNvPr>
@@ -8799,7 +8799,7 @@
           <p:cNvPr id="1026" name="Picture 2" descr="Logo">
             <a:extLst>
               <a:ext uri="{FF2B5EF4-FFF2-40B4-BE49-F238E27FC236}">
-                <a16:creationId xmlns="" xmlns:a16="http://schemas.microsoft.com/office/drawing/2014/main" id="{3F2642E0-4F6A-4196-8F58-E77D36E9A33F}"/>
+                <a16:creationId xmlns:a16="http://schemas.microsoft.com/office/drawing/2014/main" xmlns="" id="{3F2642E0-4F6A-4196-8F58-E77D36E9A33F}"/>
               </a:ext>
             </a:extLst>
           </p:cNvPr>
@@ -8844,7 +8844,7 @@
           <p:cNvPr id="5122" name="Picture 2" descr="Image result for machine learning">
             <a:extLst>
               <a:ext uri="{FF2B5EF4-FFF2-40B4-BE49-F238E27FC236}">
-                <a16:creationId xmlns="" xmlns:a16="http://schemas.microsoft.com/office/drawing/2014/main" id="{810CE0A2-4102-44A6-A370-175E7896CDCB}"/>
+                <a16:creationId xmlns:a16="http://schemas.microsoft.com/office/drawing/2014/main" xmlns="" id="{810CE0A2-4102-44A6-A370-175E7896CDCB}"/>
               </a:ext>
             </a:extLst>
           </p:cNvPr>
@@ -9091,7 +9091,7 @@
           <p:cNvPr id="4" name="Picture 2" descr="https://www.oulu.fi/sites/default/files/11/machines%20_decide.jpg">
             <a:extLst>
               <a:ext uri="{FF2B5EF4-FFF2-40B4-BE49-F238E27FC236}">
-                <a16:creationId xmlns="" xmlns:a16="http://schemas.microsoft.com/office/drawing/2014/main" id="{6B8DD7A2-43EE-406C-8FF3-BC9A04CF3BD4}"/>
+                <a16:creationId xmlns:a16="http://schemas.microsoft.com/office/drawing/2014/main" xmlns="" id="{6B8DD7A2-43EE-406C-8FF3-BC9A04CF3BD4}"/>
               </a:ext>
             </a:extLst>
           </p:cNvPr>
@@ -9177,7 +9177,7 @@
           <p:cNvPr id="6" name="Picture 8" descr="Image result for applications of artificial intelligence">
             <a:extLst>
               <a:ext uri="{FF2B5EF4-FFF2-40B4-BE49-F238E27FC236}">
-                <a16:creationId xmlns:a16="http://schemas.microsoft.com/office/drawing/2014/main" xmlns="" id="{030E6182-967A-44D7-8BED-F8E414DAE678}"/>
+                <a16:creationId xmlns="" xmlns:a16="http://schemas.microsoft.com/office/drawing/2014/main" id="{030E6182-967A-44D7-8BED-F8E414DAE678}"/>
               </a:ext>
             </a:extLst>
           </p:cNvPr>
@@ -10845,7 +10845,7 @@
           <p:cNvPr id="4" name="Picture 2" descr="Image result for artificial intelligence">
             <a:extLst>
               <a:ext uri="{FF2B5EF4-FFF2-40B4-BE49-F238E27FC236}">
-                <a16:creationId xmlns:a16="http://schemas.microsoft.com/office/drawing/2014/main" xmlns="" id="{0DAEA2E1-C284-43E2-8055-9522C82515CA}"/>
+                <a16:creationId xmlns="" xmlns:a16="http://schemas.microsoft.com/office/drawing/2014/main" id="{0DAEA2E1-C284-43E2-8055-9522C82515CA}"/>
               </a:ext>
             </a:extLst>
           </p:cNvPr>
@@ -10892,7 +10892,7 @@
           <p:cNvPr id="5" name="Picture 8" descr="Image result for applications of artificial intelligence">
             <a:extLst>
               <a:ext uri="{FF2B5EF4-FFF2-40B4-BE49-F238E27FC236}">
-                <a16:creationId xmlns:a16="http://schemas.microsoft.com/office/drawing/2014/main" xmlns="" id="{030E6182-967A-44D7-8BED-F8E414DAE678}"/>
+                <a16:creationId xmlns="" xmlns:a16="http://schemas.microsoft.com/office/drawing/2014/main" id="{030E6182-967A-44D7-8BED-F8E414DAE678}"/>
               </a:ext>
             </a:extLst>
           </p:cNvPr>
@@ -11204,7 +11204,7 @@
           <p:cNvPr id="4" name="Picture 2" descr="Image result for tensorflow logo">
             <a:extLst>
               <a:ext uri="{FF2B5EF4-FFF2-40B4-BE49-F238E27FC236}">
-                <a16:creationId xmlns="" xmlns:a16="http://schemas.microsoft.com/office/drawing/2014/main" id="{B9A1D4E3-9D1C-4A3E-944D-BA941DCBD60B}"/>
+                <a16:creationId xmlns:a16="http://schemas.microsoft.com/office/drawing/2014/main" xmlns="" id="{B9A1D4E3-9D1C-4A3E-944D-BA941DCBD60B}"/>
               </a:ext>
             </a:extLst>
           </p:cNvPr>
@@ -11251,7 +11251,7 @@
           <p:cNvPr id="5" name="Picture 4" descr="Image result for pytorch logo">
             <a:extLst>
               <a:ext uri="{FF2B5EF4-FFF2-40B4-BE49-F238E27FC236}">
-                <a16:creationId xmlns="" xmlns:a16="http://schemas.microsoft.com/office/drawing/2014/main" id="{6A0D8B6B-9A8B-4981-B678-86257C33AF3C}"/>
+                <a16:creationId xmlns:a16="http://schemas.microsoft.com/office/drawing/2014/main" xmlns="" id="{6A0D8B6B-9A8B-4981-B678-86257C33AF3C}"/>
               </a:ext>
             </a:extLst>
           </p:cNvPr>
@@ -11298,7 +11298,7 @@
           <p:cNvPr id="7" name="Picture 8" descr="Image result for keras logo">
             <a:extLst>
               <a:ext uri="{FF2B5EF4-FFF2-40B4-BE49-F238E27FC236}">
-                <a16:creationId xmlns="" xmlns:a16="http://schemas.microsoft.com/office/drawing/2014/main" id="{33CCF501-0E9C-4C8C-BFCC-713767570EF0}"/>
+                <a16:creationId xmlns:a16="http://schemas.microsoft.com/office/drawing/2014/main" xmlns="" id="{33CCF501-0E9C-4C8C-BFCC-713767570EF0}"/>
               </a:ext>
             </a:extLst>
           </p:cNvPr>
@@ -11345,7 +11345,7 @@
           <p:cNvPr id="8" name="Picture 10" descr="Image result for theano logo">
             <a:extLst>
               <a:ext uri="{FF2B5EF4-FFF2-40B4-BE49-F238E27FC236}">
-                <a16:creationId xmlns="" xmlns:a16="http://schemas.microsoft.com/office/drawing/2014/main" id="{579B04DE-B2DC-4ED7-AA9D-5AAA9580572E}"/>
+                <a16:creationId xmlns:a16="http://schemas.microsoft.com/office/drawing/2014/main" xmlns="" id="{579B04DE-B2DC-4ED7-AA9D-5AAA9580572E}"/>
               </a:ext>
             </a:extLst>
           </p:cNvPr>
@@ -11392,7 +11392,7 @@
           <p:cNvPr id="9" name="Picture 12" descr="Image result for pandas data mining logo">
             <a:extLst>
               <a:ext uri="{FF2B5EF4-FFF2-40B4-BE49-F238E27FC236}">
-                <a16:creationId xmlns="" xmlns:a16="http://schemas.microsoft.com/office/drawing/2014/main" id="{A9345AF3-EF63-4F70-A5B2-8F8ED0E283FD}"/>
+                <a16:creationId xmlns:a16="http://schemas.microsoft.com/office/drawing/2014/main" xmlns="" id="{A9345AF3-EF63-4F70-A5B2-8F8ED0E283FD}"/>
               </a:ext>
             </a:extLst>
           </p:cNvPr>
@@ -11439,7 +11439,7 @@
           <p:cNvPr id="6" name="Picture 6" descr="Image result for scikit learn logo">
             <a:extLst>
               <a:ext uri="{FF2B5EF4-FFF2-40B4-BE49-F238E27FC236}">
-                <a16:creationId xmlns="" xmlns:a16="http://schemas.microsoft.com/office/drawing/2014/main" id="{87129D40-D136-4716-8871-12CAEC603994}"/>
+                <a16:creationId xmlns:a16="http://schemas.microsoft.com/office/drawing/2014/main" xmlns="" id="{87129D40-D136-4716-8871-12CAEC603994}"/>
               </a:ext>
             </a:extLst>
           </p:cNvPr>
@@ -11516,7 +11516,7 @@
           <p:cNvPr id="2" name="Título 1">
             <a:extLst>
               <a:ext uri="{FF2B5EF4-FFF2-40B4-BE49-F238E27FC236}">
-                <a16:creationId xmlns="" xmlns:a16="http://schemas.microsoft.com/office/drawing/2014/main" id="{220079F9-71B9-4466-B35D-68523A745D24}"/>
+                <a16:creationId xmlns:a16="http://schemas.microsoft.com/office/drawing/2014/main" xmlns="" id="{220079F9-71B9-4466-B35D-68523A745D24}"/>
               </a:ext>
             </a:extLst>
           </p:cNvPr>
@@ -11549,7 +11549,7 @@
           <p:cNvPr id="3" name="Espaço Reservado para Conteúdo 2">
             <a:extLst>
               <a:ext uri="{FF2B5EF4-FFF2-40B4-BE49-F238E27FC236}">
-                <a16:creationId xmlns="" xmlns:a16="http://schemas.microsoft.com/office/drawing/2014/main" id="{5BA8D271-087B-414B-ABC6-D7C5E7367E33}"/>
+                <a16:creationId xmlns:a16="http://schemas.microsoft.com/office/drawing/2014/main" xmlns="" id="{5BA8D271-087B-414B-ABC6-D7C5E7367E33}"/>
               </a:ext>
             </a:extLst>
           </p:cNvPr>
@@ -11649,7 +11649,7 @@
           <p:cNvPr id="3074" name="Picture 2" descr="Image result for machine learning">
             <a:extLst>
               <a:ext uri="{FF2B5EF4-FFF2-40B4-BE49-F238E27FC236}">
-                <a16:creationId xmlns="" xmlns:a16="http://schemas.microsoft.com/office/drawing/2014/main" id="{0F1D94CB-2EF0-4960-BC00-8889565E93D1}"/>
+                <a16:creationId xmlns:a16="http://schemas.microsoft.com/office/drawing/2014/main" xmlns="" id="{0F1D94CB-2EF0-4960-BC00-8889565E93D1}"/>
               </a:ext>
             </a:extLst>
           </p:cNvPr>
@@ -11755,7 +11755,7 @@
           <p:cNvPr id="4" name="Picture 4" descr="Image result for supervised learning">
             <a:extLst>
               <a:ext uri="{FF2B5EF4-FFF2-40B4-BE49-F238E27FC236}">
-                <a16:creationId xmlns="" xmlns:a16="http://schemas.microsoft.com/office/drawing/2014/main" id="{2520F4EA-1E3E-4F3B-97C0-DF47861DCD42}"/>
+                <a16:creationId xmlns:a16="http://schemas.microsoft.com/office/drawing/2014/main" xmlns="" id="{2520F4EA-1E3E-4F3B-97C0-DF47861DCD42}"/>
               </a:ext>
             </a:extLst>
           </p:cNvPr>
@@ -12360,7 +12360,7 @@
           <p:cNvPr id="2" name="Título 1">
             <a:extLst>
               <a:ext uri="{FF2B5EF4-FFF2-40B4-BE49-F238E27FC236}">
-                <a16:creationId xmlns="" xmlns:a16="http://schemas.microsoft.com/office/drawing/2014/main" id="{6CB39B9C-599D-4DED-8180-FA8AD66BB117}"/>
+                <a16:creationId xmlns:a16="http://schemas.microsoft.com/office/drawing/2014/main" xmlns="" id="{6CB39B9C-599D-4DED-8180-FA8AD66BB117}"/>
               </a:ext>
             </a:extLst>
           </p:cNvPr>
@@ -12395,7 +12395,7 @@
               <p:cNvPr id="3" name="Espaço Reservado para Conteúdo 2">
                 <a:extLst>
                   <a:ext uri="{FF2B5EF4-FFF2-40B4-BE49-F238E27FC236}">
-                    <a16:creationId xmlns="" xmlns:a16="http://schemas.microsoft.com/office/drawing/2014/main" id="{5E0262E2-3A0F-4805-BCCB-6745237D1574}"/>
+                    <a16:creationId xmlns:a16="http://schemas.microsoft.com/office/drawing/2014/main" xmlns="" id="{5E0262E2-3A0F-4805-BCCB-6745237D1574}"/>
                   </a:ext>
                 </a:extLst>
               </p:cNvPr>
@@ -12632,7 +12632,7 @@
           <p:cNvPr id="3074" name="Picture 2" descr="https://www.ecloudvalley.com/wp-content/uploads/2019/09/Unsupervised-learning.png">
             <a:extLst>
               <a:ext uri="{FF2B5EF4-FFF2-40B4-BE49-F238E27FC236}">
-                <a16:creationId xmlns="" xmlns:a16="http://schemas.microsoft.com/office/drawing/2014/main" id="{E1E9C2D9-93F7-4EA6-9C7E-D658C2452746}"/>
+                <a16:creationId xmlns:a16="http://schemas.microsoft.com/office/drawing/2014/main" xmlns="" id="{E1E9C2D9-93F7-4EA6-9C7E-D658C2452746}"/>
               </a:ext>
             </a:extLst>
           </p:cNvPr>
@@ -12677,7 +12677,7 @@
           <p:cNvPr id="1028" name="Picture 4" descr="https://slideplayer.com/slide/13055479/79/images/6/Data+Compression+Reduce+data+from+3D+to+2D+Andrew+Ng.jpg">
             <a:extLst>
               <a:ext uri="{FF2B5EF4-FFF2-40B4-BE49-F238E27FC236}">
-                <a16:creationId xmlns="" xmlns:a16="http://schemas.microsoft.com/office/drawing/2014/main" id="{F20F10B0-B790-4630-9FD0-F82B2B0DFAD5}"/>
+                <a16:creationId xmlns:a16="http://schemas.microsoft.com/office/drawing/2014/main" xmlns="" id="{F20F10B0-B790-4630-9FD0-F82B2B0DFAD5}"/>
               </a:ext>
             </a:extLst>
           </p:cNvPr>
@@ -12722,7 +12722,7 @@
           <p:cNvPr id="1030" name="Picture 6" descr="Image result for outlier ">
             <a:extLst>
               <a:ext uri="{FF2B5EF4-FFF2-40B4-BE49-F238E27FC236}">
-                <a16:creationId xmlns="" xmlns:a16="http://schemas.microsoft.com/office/drawing/2014/main" id="{5E7788A9-1556-48E2-A68C-C98CBCD57CE7}"/>
+                <a16:creationId xmlns:a16="http://schemas.microsoft.com/office/drawing/2014/main" xmlns="" id="{5E7788A9-1556-48E2-A68C-C98CBCD57CE7}"/>
               </a:ext>
             </a:extLst>
           </p:cNvPr>
@@ -12767,7 +12767,7 @@
           <p:cNvPr id="1032" name="Picture 8" descr="http://users.telenet.be/martialluyts/img/basket.jpg">
             <a:extLst>
               <a:ext uri="{FF2B5EF4-FFF2-40B4-BE49-F238E27FC236}">
-                <a16:creationId xmlns="" xmlns:a16="http://schemas.microsoft.com/office/drawing/2014/main" id="{91C7F0A4-66BC-4E4C-B7C9-061F60727247}"/>
+                <a16:creationId xmlns:a16="http://schemas.microsoft.com/office/drawing/2014/main" xmlns="" id="{91C7F0A4-66BC-4E4C-B7C9-061F60727247}"/>
               </a:ext>
             </a:extLst>
           </p:cNvPr>
@@ -13166,7 +13166,7 @@
           <p:cNvPr id="2" name="Título 1">
             <a:extLst>
               <a:ext uri="{FF2B5EF4-FFF2-40B4-BE49-F238E27FC236}">
-                <a16:creationId xmlns="" xmlns:a16="http://schemas.microsoft.com/office/drawing/2014/main" id="{646F6830-B3DF-4F50-823F-7E36C43380D1}"/>
+                <a16:creationId xmlns:a16="http://schemas.microsoft.com/office/drawing/2014/main" xmlns="" id="{646F6830-B3DF-4F50-823F-7E36C43380D1}"/>
               </a:ext>
             </a:extLst>
           </p:cNvPr>
@@ -13199,7 +13199,7 @@
           <p:cNvPr id="3" name="Espaço Reservado para Conteúdo 2">
             <a:extLst>
               <a:ext uri="{FF2B5EF4-FFF2-40B4-BE49-F238E27FC236}">
-                <a16:creationId xmlns:mc="http://schemas.openxmlformats.org/markup-compatibility/2006" xmlns:a14="http://schemas.microsoft.com/office/drawing/2010/main" xmlns="" xmlns:a16="http://schemas.microsoft.com/office/drawing/2014/main" id="{071E0B55-13FE-4ADE-80F7-AFEDEF27C875}"/>
+                <a16:creationId xmlns:a16="http://schemas.microsoft.com/office/drawing/2014/main" xmlns="" xmlns:a14="http://schemas.microsoft.com/office/drawing/2010/main" xmlns:mc="http://schemas.openxmlformats.org/markup-compatibility/2006" id="{071E0B55-13FE-4ADE-80F7-AFEDEF27C875}"/>
               </a:ext>
             </a:extLst>
           </p:cNvPr>
@@ -15515,7 +15515,7 @@
           <p:cNvPr id="2" name="Título 1">
             <a:extLst>
               <a:ext uri="{FF2B5EF4-FFF2-40B4-BE49-F238E27FC236}">
-                <a16:creationId xmlns="" xmlns:a16="http://schemas.microsoft.com/office/drawing/2014/main" id="{A2A4684C-1159-4F88-A2B1-6BABEDE38C4D}"/>
+                <a16:creationId xmlns:a16="http://schemas.microsoft.com/office/drawing/2014/main" xmlns="" id="{A2A4684C-1159-4F88-A2B1-6BABEDE38C4D}"/>
               </a:ext>
             </a:extLst>
           </p:cNvPr>
@@ -15543,7 +15543,7 @@
           <p:cNvPr id="3" name="Espaço Reservado para Conteúdo 2">
             <a:extLst>
               <a:ext uri="{FF2B5EF4-FFF2-40B4-BE49-F238E27FC236}">
-                <a16:creationId xmlns="" xmlns:a16="http://schemas.microsoft.com/office/drawing/2014/main" id="{EC432B31-D382-41FF-BB6B-2ABDD322424B}"/>
+                <a16:creationId xmlns:a16="http://schemas.microsoft.com/office/drawing/2014/main" xmlns="" id="{EC432B31-D382-41FF-BB6B-2ABDD322424B}"/>
               </a:ext>
             </a:extLst>
           </p:cNvPr>
@@ -16014,51 +16014,31 @@
             </a:pPr>
             <a:r>
               <a:rPr lang="pt-BR" dirty="0"/>
-              <a:t>Professor</a:t>
-            </a:r>
-            <a:r>
-              <a:rPr lang="pt-BR"/>
-              <a:t>: </a:t>
-            </a:r>
-            <a:r>
-              <a:rPr lang="pt-BR" smtClean="0"/>
+              <a:t>Professor: </a:t>
+            </a:r>
+            <a:r>
+              <a:rPr lang="pt-BR" dirty="0" smtClean="0"/>
               <a:t>quintas-feiras </a:t>
             </a:r>
             <a:r>
-              <a:rPr lang="pt-BR"/>
+              <a:rPr lang="pt-BR" dirty="0"/>
               <a:t>das </a:t>
             </a:r>
             <a:r>
-              <a:rPr lang="pt-BR" smtClean="0"/>
-              <a:t>18:00 </a:t>
-            </a:r>
-            <a:r>
-              <a:rPr lang="pt-BR"/>
+              <a:rPr lang="pt-BR" dirty="0" smtClean="0"/>
+              <a:t>17:30 </a:t>
+            </a:r>
+            <a:r>
+              <a:rPr lang="pt-BR" dirty="0"/>
               <a:t>às </a:t>
             </a:r>
             <a:r>
-              <a:rPr lang="pt-BR" smtClean="0"/>
-              <a:t>19:00 </a:t>
-            </a:r>
-            <a:r>
-              <a:rPr lang="pt-BR" dirty="0"/>
-              <a:t>e sextas-feiras </a:t>
-            </a:r>
-            <a:r>
-              <a:rPr lang="pt-BR"/>
-              <a:t>das </a:t>
-            </a:r>
-            <a:r>
-              <a:rPr lang="pt-BR" smtClean="0"/>
-              <a:t>16:00 </a:t>
-            </a:r>
-            <a:r>
-              <a:rPr lang="pt-BR"/>
-              <a:t>às </a:t>
-            </a:r>
-            <a:r>
-              <a:rPr lang="pt-BR" smtClean="0"/>
-              <a:t>17:00</a:t>
+              <a:rPr lang="pt-BR" dirty="0" smtClean="0"/>
+              <a:t>19:30 </a:t>
+            </a:r>
+            <a:r>
+              <a:rPr lang="pt-BR" dirty="0" smtClean="0"/>
+              <a:t>(provisório)</a:t>
             </a:r>
             <a:r>
               <a:rPr lang="pt-BR" dirty="0" smtClean="0"/>
@@ -16088,37 +16068,16 @@
               <a:t>Teles: </a:t>
             </a:r>
             <a:r>
-              <a:rPr lang="pt-BR" b="1" dirty="0"/>
+              <a:rPr lang="pt-BR" b="1" dirty="0">
+                <a:hlinkClick r:id="rId3"/>
+              </a:rPr>
               <a:t>maycol.teles@ges.inatel.br</a:t>
             </a:r>
             <a:r>
-              <a:rPr lang="pt-BR" dirty="0"/>
-              <a:t>): </a:t>
-            </a:r>
-            <a:r>
               <a:rPr lang="pt-BR" dirty="0" smtClean="0"/>
-              <a:t>quartas-feiras </a:t>
-            </a:r>
-            <a:r>
-              <a:rPr lang="pt-BR" dirty="0"/>
-              <a:t>das </a:t>
-            </a:r>
-            <a:r>
-              <a:rPr lang="pt-BR" dirty="0" smtClean="0"/>
-              <a:t>18:30 </a:t>
-            </a:r>
-            <a:r>
-              <a:rPr lang="pt-BR" dirty="0"/>
-              <a:t>às </a:t>
-            </a:r>
-            <a:r>
-              <a:rPr lang="pt-BR" dirty="0" smtClean="0"/>
-              <a:t>19:30 </a:t>
-            </a:r>
-            <a:r>
-              <a:rPr lang="pt-BR" dirty="0"/>
-              <a:t>.</a:t>
-            </a:r>
+              <a:t>): será divulgado em breve.</a:t>
+            </a:r>
+            <a:endParaRPr lang="pt-BR" dirty="0"/>
           </a:p>
           <a:p>
             <a:pPr lvl="1">
@@ -16391,7 +16350,7 @@
           <p:cNvPr id="4" name="Título 1">
             <a:extLst>
               <a:ext uri="{FF2B5EF4-FFF2-40B4-BE49-F238E27FC236}">
-                <a16:creationId xmlns="" xmlns:a16="http://schemas.microsoft.com/office/drawing/2014/main" id="{32666AC8-2E17-4DB4-B0F5-60C640CCFD2E}"/>
+                <a16:creationId xmlns:a16="http://schemas.microsoft.com/office/drawing/2014/main" xmlns="" id="{32666AC8-2E17-4DB4-B0F5-60C640CCFD2E}"/>
               </a:ext>
             </a:extLst>
           </p:cNvPr>
@@ -16607,7 +16566,7 @@
             <p:ph idx="1"/>
             <p:extLst>
               <p:ext uri="{D42A27DB-BD31-4B8C-83A1-F6EECF244321}">
-                <p14:modId xmlns:p14="http://schemas.microsoft.com/office/powerpoint/2010/main" val="4148633585"/>
+                <p14:modId xmlns:p14="http://schemas.microsoft.com/office/powerpoint/2010/main" val="3963907668"/>
               </p:ext>
             </p:extLst>
           </p:nvPr>
@@ -16964,10 +16923,10 @@
                     <a:p>
                       <a:pPr algn="ctr" rtl="0" fontAlgn="b"/>
                       <a:r>
-                        <a:rPr lang="en-US" dirty="0">
+                        <a:rPr lang="pt-BR">
                           <a:effectLst/>
                         </a:rPr>
-                        <a:t>5/8/2022</a:t>
+                        <a:t>10/2/2023</a:t>
                       </a:r>
                     </a:p>
                   </a:txBody>
@@ -17086,8 +17045,17 @@
                       </a:pPr>
                       <a:r>
                         <a:rPr lang="pt-BR" sz="2000" dirty="0" smtClean="0"/>
-                        <a:t>21:30 às 23:10</a:t>
+                        <a:t>19:30 </a:t>
                       </a:r>
+                      <a:r>
+                        <a:rPr lang="pt-BR" sz="2000" dirty="0" smtClean="0"/>
+                        <a:t>às </a:t>
+                      </a:r>
+                      <a:r>
+                        <a:rPr lang="pt-BR" sz="2000" dirty="0" smtClean="0"/>
+                        <a:t>21:10</a:t>
+                      </a:r>
+                      <a:endParaRPr lang="pt-BR" sz="2000" dirty="0" smtClean="0"/>
                     </a:p>
                   </a:txBody>
                   <a:tcPr marL="23211" marR="23211" marT="15474" marB="15474" anchor="ctr">
@@ -17243,10 +17211,10 @@
                     <a:p>
                       <a:pPr algn="ctr" rtl="0" fontAlgn="b"/>
                       <a:r>
-                        <a:rPr lang="en-US">
+                        <a:rPr lang="pt-BR">
                           <a:effectLst/>
                         </a:rPr>
-                        <a:t>19/8/2022</a:t>
+                        <a:t>24/2/2023</a:t>
                       </a:r>
                     </a:p>
                   </a:txBody>
@@ -17531,10 +17499,10 @@
                     <a:p>
                       <a:pPr algn="ctr" rtl="0" fontAlgn="b"/>
                       <a:r>
-                        <a:rPr lang="en-US">
+                        <a:rPr lang="pt-BR">
                           <a:effectLst/>
                         </a:rPr>
-                        <a:t>2/9/2022</a:t>
+                        <a:t>10/3/2023</a:t>
                       </a:r>
                     </a:p>
                   </a:txBody>
@@ -17819,10 +17787,10 @@
                     <a:p>
                       <a:pPr algn="ctr" rtl="0" fontAlgn="b"/>
                       <a:r>
-                        <a:rPr lang="en-US">
+                        <a:rPr lang="pt-BR">
                           <a:effectLst/>
                         </a:rPr>
-                        <a:t>16/9/2022</a:t>
+                        <a:t>24/3/2023</a:t>
                       </a:r>
                     </a:p>
                   </a:txBody>
@@ -18075,10 +18043,10 @@
                     <a:p>
                       <a:pPr algn="ctr" rtl="0" fontAlgn="b"/>
                       <a:r>
-                        <a:rPr lang="en-US">
+                        <a:rPr lang="pt-BR">
                           <a:effectLst/>
                         </a:rPr>
-                        <a:t>30/9/2022</a:t>
+                        <a:t>7/4/2023</a:t>
                       </a:r>
                     </a:p>
                   </a:txBody>
@@ -18331,10 +18299,10 @@
                     <a:p>
                       <a:pPr algn="ctr" rtl="0" fontAlgn="b"/>
                       <a:r>
-                        <a:rPr lang="en-US">
+                        <a:rPr lang="pt-BR">
                           <a:effectLst/>
                         </a:rPr>
-                        <a:t>14/10/2022</a:t>
+                        <a:t>21/4/2023</a:t>
                       </a:r>
                     </a:p>
                   </a:txBody>
@@ -18587,10 +18555,10 @@
                     <a:p>
                       <a:pPr algn="ctr" rtl="0" fontAlgn="b"/>
                       <a:r>
-                        <a:rPr lang="en-US">
+                        <a:rPr lang="pt-BR">
                           <a:effectLst/>
                         </a:rPr>
-                        <a:t>28/10/2022</a:t>
+                        <a:t>5/5/2023</a:t>
                       </a:r>
                     </a:p>
                   </a:txBody>
@@ -18846,13 +18814,16 @@
                     <a:p>
                       <a:pPr algn="ctr" rtl="0" fontAlgn="b"/>
                       <a:r>
-                        <a:rPr lang="en-US" b="1" dirty="0">
+                        <a:rPr lang="pt-BR" sz="2000" b="1" kern="1200" dirty="0">
                           <a:solidFill>
                             <a:srgbClr val="00B050"/>
                           </a:solidFill>
                           <a:effectLst/>
+                          <a:latin typeface="+mn-lt"/>
+                          <a:ea typeface="+mn-ea"/>
+                          <a:cs typeface="+mn-cs"/>
                         </a:rPr>
-                        <a:t>11/11/2022</a:t>
+                        <a:t>19/5/2023</a:t>
                       </a:r>
                     </a:p>
                   </a:txBody>
@@ -19113,10 +19084,10 @@
                     <a:p>
                       <a:pPr algn="ctr" rtl="0" fontAlgn="b"/>
                       <a:r>
-                        <a:rPr lang="en-US">
+                        <a:rPr lang="pt-BR">
                           <a:effectLst/>
                         </a:rPr>
-                        <a:t>25/11/2022</a:t>
+                        <a:t>2/6/2023</a:t>
                       </a:r>
                     </a:p>
                   </a:txBody>
@@ -19384,10 +19355,10 @@
                     <a:p>
                       <a:pPr algn="ctr" rtl="0" fontAlgn="b"/>
                       <a:r>
-                        <a:rPr lang="en-US" dirty="0">
+                        <a:rPr lang="pt-BR" dirty="0">
                           <a:effectLst/>
                         </a:rPr>
-                        <a:t>9/12/2022</a:t>
+                        <a:t>16/6/2023</a:t>
                       </a:r>
                     </a:p>
                   </a:txBody>
@@ -19633,7 +19604,7 @@
           <p:cNvPr id="4" name="Agrupar 9">
             <a:extLst>
               <a:ext uri="{FF2B5EF4-FFF2-40B4-BE49-F238E27FC236}">
-                <a16:creationId xmlns="" xmlns:a16="http://schemas.microsoft.com/office/drawing/2014/main" id="{0B96ABED-DB41-410B-A604-C06F86EA7584}"/>
+                <a16:creationId xmlns:a16="http://schemas.microsoft.com/office/drawing/2014/main" xmlns="" id="{0B96ABED-DB41-410B-A604-C06F86EA7584}"/>
               </a:ext>
             </a:extLst>
           </p:cNvPr>
@@ -19653,7 +19624,7 @@
             <p:cNvPr id="5" name="Elipse 3">
               <a:extLst>
                 <a:ext uri="{FF2B5EF4-FFF2-40B4-BE49-F238E27FC236}">
-                  <a16:creationId xmlns="" xmlns:a16="http://schemas.microsoft.com/office/drawing/2014/main" id="{78EA9474-9E04-44C4-9E19-67FD40FBA058}"/>
+                  <a16:creationId xmlns:a16="http://schemas.microsoft.com/office/drawing/2014/main" xmlns="" id="{78EA9474-9E04-44C4-9E19-67FD40FBA058}"/>
                 </a:ext>
               </a:extLst>
             </p:cNvPr>
@@ -19710,7 +19681,7 @@
             <p:cNvPr id="6" name="Elipse 4">
               <a:extLst>
                 <a:ext uri="{FF2B5EF4-FFF2-40B4-BE49-F238E27FC236}">
-                  <a16:creationId xmlns="" xmlns:a16="http://schemas.microsoft.com/office/drawing/2014/main" id="{DA23CE7C-64D2-4FF1-83C3-4920F0AD635C}"/>
+                  <a16:creationId xmlns:a16="http://schemas.microsoft.com/office/drawing/2014/main" xmlns="" id="{DA23CE7C-64D2-4FF1-83C3-4920F0AD635C}"/>
                 </a:ext>
               </a:extLst>
             </p:cNvPr>
@@ -19768,7 +19739,7 @@
             <p:cNvPr id="7" name="Elipse 5">
               <a:extLst>
                 <a:ext uri="{FF2B5EF4-FFF2-40B4-BE49-F238E27FC236}">
-                  <a16:creationId xmlns="" xmlns:a16="http://schemas.microsoft.com/office/drawing/2014/main" id="{BDF2AACA-BD34-40AD-9FDE-4F93EBB4342D}"/>
+                  <a16:creationId xmlns:a16="http://schemas.microsoft.com/office/drawing/2014/main" xmlns="" id="{BDF2AACA-BD34-40AD-9FDE-4F93EBB4342D}"/>
                 </a:ext>
               </a:extLst>
             </p:cNvPr>
@@ -19826,7 +19797,7 @@
             <p:cNvPr id="8" name="CaixaDeTexto 10">
               <a:extLst>
                 <a:ext uri="{FF2B5EF4-FFF2-40B4-BE49-F238E27FC236}">
-                  <a16:creationId xmlns="" xmlns:a16="http://schemas.microsoft.com/office/drawing/2014/main" id="{51F63BB8-6AA0-41B8-AF42-7EF062B069A1}"/>
+                  <a16:creationId xmlns:a16="http://schemas.microsoft.com/office/drawing/2014/main" xmlns="" id="{51F63BB8-6AA0-41B8-AF42-7EF062B069A1}"/>
                 </a:ext>
               </a:extLst>
             </p:cNvPr>
@@ -19877,7 +19848,7 @@
             <p:cNvPr id="9" name="CaixaDeTexto 11">
               <a:extLst>
                 <a:ext uri="{FF2B5EF4-FFF2-40B4-BE49-F238E27FC236}">
-                  <a16:creationId xmlns="" xmlns:a16="http://schemas.microsoft.com/office/drawing/2014/main" id="{DFD039E3-20CE-44F5-92EF-195036537592}"/>
+                  <a16:creationId xmlns:a16="http://schemas.microsoft.com/office/drawing/2014/main" xmlns="" id="{DFD039E3-20CE-44F5-92EF-195036537592}"/>
                 </a:ext>
               </a:extLst>
             </p:cNvPr>
@@ -19928,7 +19899,7 @@
             <p:cNvPr id="10" name="CaixaDeTexto 12">
               <a:extLst>
                 <a:ext uri="{FF2B5EF4-FFF2-40B4-BE49-F238E27FC236}">
-                  <a16:creationId xmlns="" xmlns:a16="http://schemas.microsoft.com/office/drawing/2014/main" id="{2BA92F8A-1455-40AE-B18C-EA6C3DE256D6}"/>
+                  <a16:creationId xmlns:a16="http://schemas.microsoft.com/office/drawing/2014/main" xmlns="" id="{2BA92F8A-1455-40AE-B18C-EA6C3DE256D6}"/>
                 </a:ext>
               </a:extLst>
             </p:cNvPr>
@@ -21613,7 +21584,7 @@
           <p:cNvPr id="2" name="Título 1">
             <a:extLst>
               <a:ext uri="{FF2B5EF4-FFF2-40B4-BE49-F238E27FC236}">
-                <a16:creationId xmlns="" xmlns:a16="http://schemas.microsoft.com/office/drawing/2014/main" id="{C4F48192-B348-4C3E-8621-D3755D2230F8}"/>
+                <a16:creationId xmlns:a16="http://schemas.microsoft.com/office/drawing/2014/main" xmlns="" id="{C4F48192-B348-4C3E-8621-D3755D2230F8}"/>
               </a:ext>
             </a:extLst>
           </p:cNvPr>
@@ -21650,7 +21621,7 @@
           <p:cNvPr id="3" name="Espaço Reservado para Conteúdo 2">
             <a:extLst>
               <a:ext uri="{FF2B5EF4-FFF2-40B4-BE49-F238E27FC236}">
-                <a16:creationId xmlns="" xmlns:a16="http://schemas.microsoft.com/office/drawing/2014/main" id="{E3DECB90-AFD9-4AC6-A356-C93A7442A6E6}"/>
+                <a16:creationId xmlns:a16="http://schemas.microsoft.com/office/drawing/2014/main" xmlns="" id="{E3DECB90-AFD9-4AC6-A356-C93A7442A6E6}"/>
               </a:ext>
             </a:extLst>
           </p:cNvPr>
@@ -21812,7 +21783,7 @@
           <p:cNvPr id="3074" name="Picture 2" descr="Image result for machine learning">
             <a:extLst>
               <a:ext uri="{FF2B5EF4-FFF2-40B4-BE49-F238E27FC236}">
-                <a16:creationId xmlns="" xmlns:a16="http://schemas.microsoft.com/office/drawing/2014/main" id="{78A93243-9634-4B0E-B1B2-37A218EAEADD}"/>
+                <a16:creationId xmlns:a16="http://schemas.microsoft.com/office/drawing/2014/main" xmlns="" id="{78A93243-9634-4B0E-B1B2-37A218EAEADD}"/>
               </a:ext>
             </a:extLst>
           </p:cNvPr>
@@ -21975,7 +21946,15 @@
             </a:r>
             <a:r>
               <a:rPr lang="pt-BR" dirty="0"/>
-              <a:t>trabalho com peso de 85%.</a:t>
+              <a:t>trabalho </a:t>
+            </a:r>
+            <a:r>
+              <a:rPr lang="pt-BR" dirty="0" smtClean="0"/>
+              <a:t>em grupo com </a:t>
+            </a:r>
+            <a:r>
+              <a:rPr lang="pt-BR" dirty="0"/>
+              <a:t>peso de 85%.</a:t>
             </a:r>
           </a:p>
           <a:p>
@@ -21999,7 +21978,15 @@
             </a:pPr>
             <a:r>
               <a:rPr lang="pt-BR" dirty="0" smtClean="0"/>
-              <a:t>Uma parte  do trabalho será feita </a:t>
+              <a:t>Uma parte </a:t>
+            </a:r>
+            <a:r>
+              <a:rPr lang="pt-BR" dirty="0" smtClean="0"/>
+              <a:t>do </a:t>
+            </a:r>
+            <a:r>
+              <a:rPr lang="pt-BR" dirty="0" smtClean="0"/>
+              <a:t>trabalho será feita </a:t>
             </a:r>
             <a:r>
               <a:rPr lang="pt-BR" b="1" i="1" dirty="0" smtClean="0"/>
@@ -22266,7 +22253,7 @@
           <p:cNvPr id="2" name="Título 1">
             <a:extLst>
               <a:ext uri="{FF2B5EF4-FFF2-40B4-BE49-F238E27FC236}">
-                <a16:creationId xmlns="" xmlns:a16="http://schemas.microsoft.com/office/drawing/2014/main" id="{323B9288-93D4-4CC5-BE00-B2E741C4A62E}"/>
+                <a16:creationId xmlns:a16="http://schemas.microsoft.com/office/drawing/2014/main" xmlns="" id="{323B9288-93D4-4CC5-BE00-B2E741C4A62E}"/>
               </a:ext>
             </a:extLst>
           </p:cNvPr>
@@ -22294,7 +22281,7 @@
           <p:cNvPr id="3" name="Espaço Reservado para Conteúdo 2">
             <a:extLst>
               <a:ext uri="{FF2B5EF4-FFF2-40B4-BE49-F238E27FC236}">
-                <a16:creationId xmlns="" xmlns:a16="http://schemas.microsoft.com/office/drawing/2014/main" id="{C04549A7-FF67-48B8-B0EE-75CF43A83803}"/>
+                <a16:creationId xmlns:a16="http://schemas.microsoft.com/office/drawing/2014/main" xmlns="" id="{C04549A7-FF67-48B8-B0EE-75CF43A83803}"/>
               </a:ext>
             </a:extLst>
           </p:cNvPr>
@@ -22399,7 +22386,7 @@
           <p:cNvPr id="2052" name="Picture 4" descr="Image result for google">
             <a:extLst>
               <a:ext uri="{FF2B5EF4-FFF2-40B4-BE49-F238E27FC236}">
-                <a16:creationId xmlns="" xmlns:a16="http://schemas.microsoft.com/office/drawing/2014/main" id="{438DFBB1-BCAF-4232-8212-13512A523B87}"/>
+                <a16:creationId xmlns:a16="http://schemas.microsoft.com/office/drawing/2014/main" xmlns="" id="{438DFBB1-BCAF-4232-8212-13512A523B87}"/>
               </a:ext>
             </a:extLst>
           </p:cNvPr>
@@ -22444,7 +22431,7 @@
           <p:cNvPr id="2054" name="Picture 6" descr="Image result for amazon">
             <a:extLst>
               <a:ext uri="{FF2B5EF4-FFF2-40B4-BE49-F238E27FC236}">
-                <a16:creationId xmlns="" xmlns:a16="http://schemas.microsoft.com/office/drawing/2014/main" id="{0F346A9F-5169-48E9-BC8D-A7A5601546B4}"/>
+                <a16:creationId xmlns:a16="http://schemas.microsoft.com/office/drawing/2014/main" xmlns="" id="{0F346A9F-5169-48E9-BC8D-A7A5601546B4}"/>
               </a:ext>
             </a:extLst>
           </p:cNvPr>
@@ -22489,7 +22476,7 @@
           <p:cNvPr id="2056" name="Picture 8" descr="Image result for IBM">
             <a:extLst>
               <a:ext uri="{FF2B5EF4-FFF2-40B4-BE49-F238E27FC236}">
-                <a16:creationId xmlns="" xmlns:a16="http://schemas.microsoft.com/office/drawing/2014/main" id="{F4203440-F9CD-4A35-AECB-4F9069DDD8D8}"/>
+                <a16:creationId xmlns:a16="http://schemas.microsoft.com/office/drawing/2014/main" xmlns="" id="{F4203440-F9CD-4A35-AECB-4F9069DDD8D8}"/>
               </a:ext>
             </a:extLst>
           </p:cNvPr>
@@ -22536,7 +22523,7 @@
           <p:cNvPr id="2058" name="Picture 10" descr="Image result for microsoft">
             <a:extLst>
               <a:ext uri="{FF2B5EF4-FFF2-40B4-BE49-F238E27FC236}">
-                <a16:creationId xmlns="" xmlns:a16="http://schemas.microsoft.com/office/drawing/2014/main" id="{889DF1D8-7481-4A46-9FD7-52BAF8D9886D}"/>
+                <a16:creationId xmlns:a16="http://schemas.microsoft.com/office/drawing/2014/main" xmlns="" id="{889DF1D8-7481-4A46-9FD7-52BAF8D9886D}"/>
               </a:ext>
             </a:extLst>
           </p:cNvPr>
@@ -22581,7 +22568,7 @@
           <p:cNvPr id="2062" name="Picture 14" descr="Image result for apple">
             <a:extLst>
               <a:ext uri="{FF2B5EF4-FFF2-40B4-BE49-F238E27FC236}">
-                <a16:creationId xmlns="" xmlns:a16="http://schemas.microsoft.com/office/drawing/2014/main" id="{E6493393-D074-45B9-BE4A-3BA749178941}"/>
+                <a16:creationId xmlns:a16="http://schemas.microsoft.com/office/drawing/2014/main" xmlns="" id="{E6493393-D074-45B9-BE4A-3BA749178941}"/>
               </a:ext>
             </a:extLst>
           </p:cNvPr>
@@ -22706,7 +22693,7 @@
           <p:cNvPr id="2050" name="Picture 2" descr="Image result for facebook">
             <a:extLst>
               <a:ext uri="{FF2B5EF4-FFF2-40B4-BE49-F238E27FC236}">
-                <a16:creationId xmlns="" xmlns:a16="http://schemas.microsoft.com/office/drawing/2014/main" id="{629596EE-D27E-4FA4-917F-4B2F4A295C7D}"/>
+                <a16:creationId xmlns:a16="http://schemas.microsoft.com/office/drawing/2014/main" xmlns="" id="{629596EE-D27E-4FA4-917F-4B2F4A295C7D}"/>
               </a:ext>
             </a:extLst>
           </p:cNvPr>
@@ -22751,7 +22738,7 @@
           <p:cNvPr id="21" name="Picture 4" descr="Image result for ericsson logo">
             <a:extLst>
               <a:ext uri="{FF2B5EF4-FFF2-40B4-BE49-F238E27FC236}">
-                <a16:creationId xmlns="" xmlns:a16="http://schemas.microsoft.com/office/drawing/2014/main" id="{D2E42DB6-DBED-40AD-BE13-35A320551592}"/>
+                <a16:creationId xmlns:a16="http://schemas.microsoft.com/office/drawing/2014/main" xmlns="" id="{D2E42DB6-DBED-40AD-BE13-35A320551592}"/>
               </a:ext>
             </a:extLst>
           </p:cNvPr>
@@ -22798,7 +22785,7 @@
           <p:cNvPr id="22" name="Picture 6" descr="Image result for qualcomm logo">
             <a:extLst>
               <a:ext uri="{FF2B5EF4-FFF2-40B4-BE49-F238E27FC236}">
-                <a16:creationId xmlns="" xmlns:a16="http://schemas.microsoft.com/office/drawing/2014/main" id="{16E08342-ACB0-45D6-9003-A412614BF63C}"/>
+                <a16:creationId xmlns:a16="http://schemas.microsoft.com/office/drawing/2014/main" xmlns="" id="{16E08342-ACB0-45D6-9003-A412614BF63C}"/>
               </a:ext>
             </a:extLst>
           </p:cNvPr>
@@ -22843,7 +22830,7 @@
           <p:cNvPr id="23" name="Picture 8" descr="Image result for huawei logo">
             <a:extLst>
               <a:ext uri="{FF2B5EF4-FFF2-40B4-BE49-F238E27FC236}">
-                <a16:creationId xmlns="" xmlns:a16="http://schemas.microsoft.com/office/drawing/2014/main" id="{4D4C2FC0-11E7-423E-ADFE-E40E3FBE955B}"/>
+                <a16:creationId xmlns:a16="http://schemas.microsoft.com/office/drawing/2014/main" xmlns="" id="{4D4C2FC0-11E7-423E-ADFE-E40E3FBE955B}"/>
               </a:ext>
             </a:extLst>
           </p:cNvPr>
@@ -23930,7 +23917,7 @@
             <p:cNvPr id="5" name="Agrupar 4">
               <a:extLst>
                 <a:ext uri="{FF2B5EF4-FFF2-40B4-BE49-F238E27FC236}">
-                  <a16:creationId xmlns="" xmlns:a16="http://schemas.microsoft.com/office/drawing/2014/main" id="{7463A6D3-5626-4043-85E5-66DFB2E72B8A}"/>
+                  <a16:creationId xmlns:a16="http://schemas.microsoft.com/office/drawing/2014/main" xmlns="" id="{7463A6D3-5626-4043-85E5-66DFB2E72B8A}"/>
                 </a:ext>
               </a:extLst>
             </p:cNvPr>
@@ -23950,7 +23937,7 @@
               <p:cNvPr id="11" name="Picture 2" descr="Image result for umbrella">
                 <a:extLst>
                   <a:ext uri="{FF2B5EF4-FFF2-40B4-BE49-F238E27FC236}">
-                    <a16:creationId xmlns="" xmlns:a16="http://schemas.microsoft.com/office/drawing/2014/main" id="{46CE05B1-E4CB-4173-8A0C-9C000F3F0A67}"/>
+                    <a16:creationId xmlns:a16="http://schemas.microsoft.com/office/drawing/2014/main" xmlns="" id="{46CE05B1-E4CB-4173-8A0C-9C000F3F0A67}"/>
                   </a:ext>
                 </a:extLst>
               </p:cNvPr>
@@ -23995,7 +23982,7 @@
               <p:cNvPr id="12" name="CaixaDeTexto 3">
                 <a:extLst>
                   <a:ext uri="{FF2B5EF4-FFF2-40B4-BE49-F238E27FC236}">
-                    <a16:creationId xmlns="" xmlns:a16="http://schemas.microsoft.com/office/drawing/2014/main" id="{CC08EDBF-9120-4A11-84A9-24A056EA1046}"/>
+                    <a16:creationId xmlns:a16="http://schemas.microsoft.com/office/drawing/2014/main" xmlns="" id="{CC08EDBF-9120-4A11-84A9-24A056EA1046}"/>
                   </a:ext>
                 </a:extLst>
               </p:cNvPr>
@@ -24491,7 +24478,7 @@
           <p:cNvPr id="4" name="Picture 4" descr="Image result for aprendizado de máquina">
             <a:extLst>
               <a:ext uri="{FF2B5EF4-FFF2-40B4-BE49-F238E27FC236}">
-                <a16:creationId xmlns="" xmlns:a16="http://schemas.microsoft.com/office/drawing/2014/main" id="{4530CE78-625F-49E3-B829-A2E7FD1CE262}"/>
+                <a16:creationId xmlns:a16="http://schemas.microsoft.com/office/drawing/2014/main" xmlns="" id="{4530CE78-625F-49E3-B829-A2E7FD1CE262}"/>
               </a:ext>
             </a:extLst>
           </p:cNvPr>

--- a/slides/T319_Introdução.pptx
+++ b/slides/T319_Introdução.pptx
@@ -306,7 +306,7 @@
           <a:p>
             <a:fld id="{144F1436-6906-4D93-B7A2-786C327BFA14}" type="datetimeFigureOut">
               <a:rPr lang="nl-BE" smtClean="0"/>
-              <a:t>2/02/2023</a:t>
+              <a:t>6/02/2023</a:t>
             </a:fld>
             <a:endParaRPr lang="nl-BE"/>
           </a:p>
@@ -471,7 +471,7 @@
           <a:p>
             <a:fld id="{AA8CD09E-2914-4F47-B6C1-51B2C31814C9}" type="datetimeFigureOut">
               <a:rPr lang="pt-BR" smtClean="0"/>
-              <a:t>02/02/2023</a:t>
+              <a:t>06/02/2023</a:t>
             </a:fld>
             <a:endParaRPr lang="pt-BR"/>
           </a:p>
@@ -5514,7 +5514,7 @@
           <p:cNvPr id="2" name="Título 1">
             <a:extLst>
               <a:ext uri="{FF2B5EF4-FFF2-40B4-BE49-F238E27FC236}">
-                <a16:creationId xmlns:a16="http://schemas.microsoft.com/office/drawing/2014/main" xmlns="" id="{1DB9B4FF-B06E-403C-A326-BDC64D8FF94E}"/>
+                <a16:creationId xmlns="" xmlns:a16="http://schemas.microsoft.com/office/drawing/2014/main" id="{1DB9B4FF-B06E-403C-A326-BDC64D8FF94E}"/>
               </a:ext>
             </a:extLst>
           </p:cNvPr>
@@ -5551,7 +5551,7 @@
           <p:cNvPr id="3" name="Subtítulo 2">
             <a:extLst>
               <a:ext uri="{FF2B5EF4-FFF2-40B4-BE49-F238E27FC236}">
-                <a16:creationId xmlns:a16="http://schemas.microsoft.com/office/drawing/2014/main" xmlns="" id="{247BDFCE-746E-45BF-A319-4733D58D1632}"/>
+                <a16:creationId xmlns="" xmlns:a16="http://schemas.microsoft.com/office/drawing/2014/main" id="{247BDFCE-746E-45BF-A319-4733D58D1632}"/>
               </a:ext>
             </a:extLst>
           </p:cNvPr>
@@ -5621,7 +5621,7 @@
           <p:cNvPr id="4" name="Espaço Reservado para Data 3">
             <a:extLst>
               <a:ext uri="{FF2B5EF4-FFF2-40B4-BE49-F238E27FC236}">
-                <a16:creationId xmlns:a16="http://schemas.microsoft.com/office/drawing/2014/main" xmlns="" id="{9EDE2778-5372-4104-B96D-968184DA8288}"/>
+                <a16:creationId xmlns="" xmlns:a16="http://schemas.microsoft.com/office/drawing/2014/main" id="{9EDE2778-5372-4104-B96D-968184DA8288}"/>
               </a:ext>
             </a:extLst>
           </p:cNvPr>
@@ -5639,7 +5639,7 @@
           <a:p>
             <a:fld id="{63289F7E-B80B-496E-81B4-D396C37C9454}" type="datetimeFigureOut">
               <a:rPr lang="pt-BR" smtClean="0"/>
-              <a:t>02/02/2023</a:t>
+              <a:t>06/02/2023</a:t>
             </a:fld>
             <a:endParaRPr lang="pt-BR"/>
           </a:p>
@@ -5650,7 +5650,7 @@
           <p:cNvPr id="5" name="Espaço Reservado para Rodapé 4">
             <a:extLst>
               <a:ext uri="{FF2B5EF4-FFF2-40B4-BE49-F238E27FC236}">
-                <a16:creationId xmlns:a16="http://schemas.microsoft.com/office/drawing/2014/main" xmlns="" id="{C1DD0F41-C861-4051-988D-3024A37A4B93}"/>
+                <a16:creationId xmlns="" xmlns:a16="http://schemas.microsoft.com/office/drawing/2014/main" id="{C1DD0F41-C861-4051-988D-3024A37A4B93}"/>
               </a:ext>
             </a:extLst>
           </p:cNvPr>
@@ -5675,7 +5675,7 @@
           <p:cNvPr id="6" name="Espaço Reservado para Número de Slide 5">
             <a:extLst>
               <a:ext uri="{FF2B5EF4-FFF2-40B4-BE49-F238E27FC236}">
-                <a16:creationId xmlns:a16="http://schemas.microsoft.com/office/drawing/2014/main" xmlns="" id="{07E5967E-D980-431A-A5DB-3F0C5030A81E}"/>
+                <a16:creationId xmlns="" xmlns:a16="http://schemas.microsoft.com/office/drawing/2014/main" id="{07E5967E-D980-431A-A5DB-3F0C5030A81E}"/>
               </a:ext>
             </a:extLst>
           </p:cNvPr>
@@ -5734,7 +5734,7 @@
           <p:cNvPr id="2" name="Título 1">
             <a:extLst>
               <a:ext uri="{FF2B5EF4-FFF2-40B4-BE49-F238E27FC236}">
-                <a16:creationId xmlns:a16="http://schemas.microsoft.com/office/drawing/2014/main" xmlns="" id="{9036C49F-3E68-4175-81BA-3C3FEE44308A}"/>
+                <a16:creationId xmlns="" xmlns:a16="http://schemas.microsoft.com/office/drawing/2014/main" id="{9036C49F-3E68-4175-81BA-3C3FEE44308A}"/>
               </a:ext>
             </a:extLst>
           </p:cNvPr>
@@ -5762,7 +5762,7 @@
           <p:cNvPr id="3" name="Espaço Reservado para Texto Vertical 2">
             <a:extLst>
               <a:ext uri="{FF2B5EF4-FFF2-40B4-BE49-F238E27FC236}">
-                <a16:creationId xmlns:a16="http://schemas.microsoft.com/office/drawing/2014/main" xmlns="" id="{426FA736-3DD3-4D4E-B57B-BBE1D8F7D424}"/>
+                <a16:creationId xmlns="" xmlns:a16="http://schemas.microsoft.com/office/drawing/2014/main" id="{426FA736-3DD3-4D4E-B57B-BBE1D8F7D424}"/>
               </a:ext>
             </a:extLst>
           </p:cNvPr>
@@ -5819,7 +5819,7 @@
           <p:cNvPr id="4" name="Espaço Reservado para Data 3">
             <a:extLst>
               <a:ext uri="{FF2B5EF4-FFF2-40B4-BE49-F238E27FC236}">
-                <a16:creationId xmlns:a16="http://schemas.microsoft.com/office/drawing/2014/main" xmlns="" id="{99E8855C-D8FD-48F6-B14E-861E0DE4D915}"/>
+                <a16:creationId xmlns="" xmlns:a16="http://schemas.microsoft.com/office/drawing/2014/main" id="{99E8855C-D8FD-48F6-B14E-861E0DE4D915}"/>
               </a:ext>
             </a:extLst>
           </p:cNvPr>
@@ -5837,7 +5837,7 @@
           <a:p>
             <a:fld id="{63289F7E-B80B-496E-81B4-D396C37C9454}" type="datetimeFigureOut">
               <a:rPr lang="pt-BR" smtClean="0"/>
-              <a:t>02/02/2023</a:t>
+              <a:t>06/02/2023</a:t>
             </a:fld>
             <a:endParaRPr lang="pt-BR"/>
           </a:p>
@@ -5848,7 +5848,7 @@
           <p:cNvPr id="5" name="Espaço Reservado para Rodapé 4">
             <a:extLst>
               <a:ext uri="{FF2B5EF4-FFF2-40B4-BE49-F238E27FC236}">
-                <a16:creationId xmlns:a16="http://schemas.microsoft.com/office/drawing/2014/main" xmlns="" id="{97C0BB88-2F21-42A5-ACFF-83DA47F2D340}"/>
+                <a16:creationId xmlns="" xmlns:a16="http://schemas.microsoft.com/office/drawing/2014/main" id="{97C0BB88-2F21-42A5-ACFF-83DA47F2D340}"/>
               </a:ext>
             </a:extLst>
           </p:cNvPr>
@@ -5873,7 +5873,7 @@
           <p:cNvPr id="6" name="Espaço Reservado para Número de Slide 5">
             <a:extLst>
               <a:ext uri="{FF2B5EF4-FFF2-40B4-BE49-F238E27FC236}">
-                <a16:creationId xmlns:a16="http://schemas.microsoft.com/office/drawing/2014/main" xmlns="" id="{6CB462B3-1F22-4C05-B4B8-7A279FB7D5E9}"/>
+                <a16:creationId xmlns="" xmlns:a16="http://schemas.microsoft.com/office/drawing/2014/main" id="{6CB462B3-1F22-4C05-B4B8-7A279FB7D5E9}"/>
               </a:ext>
             </a:extLst>
           </p:cNvPr>
@@ -5932,7 +5932,7 @@
           <p:cNvPr id="2" name="Título Vertical 1">
             <a:extLst>
               <a:ext uri="{FF2B5EF4-FFF2-40B4-BE49-F238E27FC236}">
-                <a16:creationId xmlns:a16="http://schemas.microsoft.com/office/drawing/2014/main" xmlns="" id="{EAEAB728-701C-4207-A9D5-23FF45C60502}"/>
+                <a16:creationId xmlns="" xmlns:a16="http://schemas.microsoft.com/office/drawing/2014/main" id="{EAEAB728-701C-4207-A9D5-23FF45C60502}"/>
               </a:ext>
             </a:extLst>
           </p:cNvPr>
@@ -5965,7 +5965,7 @@
           <p:cNvPr id="3" name="Espaço Reservado para Texto Vertical 2">
             <a:extLst>
               <a:ext uri="{FF2B5EF4-FFF2-40B4-BE49-F238E27FC236}">
-                <a16:creationId xmlns:a16="http://schemas.microsoft.com/office/drawing/2014/main" xmlns="" id="{BA8C8CCF-7823-480A-9A19-0F664DD17E3B}"/>
+                <a16:creationId xmlns="" xmlns:a16="http://schemas.microsoft.com/office/drawing/2014/main" id="{BA8C8CCF-7823-480A-9A19-0F664DD17E3B}"/>
               </a:ext>
             </a:extLst>
           </p:cNvPr>
@@ -6027,7 +6027,7 @@
           <p:cNvPr id="4" name="Espaço Reservado para Data 3">
             <a:extLst>
               <a:ext uri="{FF2B5EF4-FFF2-40B4-BE49-F238E27FC236}">
-                <a16:creationId xmlns:a16="http://schemas.microsoft.com/office/drawing/2014/main" xmlns="" id="{721D5734-7B1F-425D-942F-6EB73344027C}"/>
+                <a16:creationId xmlns="" xmlns:a16="http://schemas.microsoft.com/office/drawing/2014/main" id="{721D5734-7B1F-425D-942F-6EB73344027C}"/>
               </a:ext>
             </a:extLst>
           </p:cNvPr>
@@ -6045,7 +6045,7 @@
           <a:p>
             <a:fld id="{63289F7E-B80B-496E-81B4-D396C37C9454}" type="datetimeFigureOut">
               <a:rPr lang="pt-BR" smtClean="0"/>
-              <a:t>02/02/2023</a:t>
+              <a:t>06/02/2023</a:t>
             </a:fld>
             <a:endParaRPr lang="pt-BR"/>
           </a:p>
@@ -6056,7 +6056,7 @@
           <p:cNvPr id="5" name="Espaço Reservado para Rodapé 4">
             <a:extLst>
               <a:ext uri="{FF2B5EF4-FFF2-40B4-BE49-F238E27FC236}">
-                <a16:creationId xmlns:a16="http://schemas.microsoft.com/office/drawing/2014/main" xmlns="" id="{1E1AAEAC-F08D-45FE-89EC-B1B349A868C9}"/>
+                <a16:creationId xmlns="" xmlns:a16="http://schemas.microsoft.com/office/drawing/2014/main" id="{1E1AAEAC-F08D-45FE-89EC-B1B349A868C9}"/>
               </a:ext>
             </a:extLst>
           </p:cNvPr>
@@ -6081,7 +6081,7 @@
           <p:cNvPr id="6" name="Espaço Reservado para Número de Slide 5">
             <a:extLst>
               <a:ext uri="{FF2B5EF4-FFF2-40B4-BE49-F238E27FC236}">
-                <a16:creationId xmlns:a16="http://schemas.microsoft.com/office/drawing/2014/main" xmlns="" id="{BAA44493-9911-47B2-87A6-C2141A972BC8}"/>
+                <a16:creationId xmlns="" xmlns:a16="http://schemas.microsoft.com/office/drawing/2014/main" id="{BAA44493-9911-47B2-87A6-C2141A972BC8}"/>
               </a:ext>
             </a:extLst>
           </p:cNvPr>
@@ -6140,7 +6140,7 @@
           <p:cNvPr id="2" name="Título 1">
             <a:extLst>
               <a:ext uri="{FF2B5EF4-FFF2-40B4-BE49-F238E27FC236}">
-                <a16:creationId xmlns:a16="http://schemas.microsoft.com/office/drawing/2014/main" xmlns="" id="{71BD44A5-8F21-4626-A01D-48A1C874B1D5}"/>
+                <a16:creationId xmlns="" xmlns:a16="http://schemas.microsoft.com/office/drawing/2014/main" id="{71BD44A5-8F21-4626-A01D-48A1C874B1D5}"/>
               </a:ext>
             </a:extLst>
           </p:cNvPr>
@@ -6168,7 +6168,7 @@
           <p:cNvPr id="3" name="Espaço Reservado para Conteúdo 2">
             <a:extLst>
               <a:ext uri="{FF2B5EF4-FFF2-40B4-BE49-F238E27FC236}">
-                <a16:creationId xmlns:a16="http://schemas.microsoft.com/office/drawing/2014/main" xmlns="" id="{B79E8085-65A9-48AA-951D-71D978BFF4ED}"/>
+                <a16:creationId xmlns="" xmlns:a16="http://schemas.microsoft.com/office/drawing/2014/main" id="{B79E8085-65A9-48AA-951D-71D978BFF4ED}"/>
               </a:ext>
             </a:extLst>
           </p:cNvPr>
@@ -6225,7 +6225,7 @@
           <p:cNvPr id="4" name="Espaço Reservado para Data 3">
             <a:extLst>
               <a:ext uri="{FF2B5EF4-FFF2-40B4-BE49-F238E27FC236}">
-                <a16:creationId xmlns:a16="http://schemas.microsoft.com/office/drawing/2014/main" xmlns="" id="{F05BE1AF-51EA-425D-B188-DE7BD675009F}"/>
+                <a16:creationId xmlns="" xmlns:a16="http://schemas.microsoft.com/office/drawing/2014/main" id="{F05BE1AF-51EA-425D-B188-DE7BD675009F}"/>
               </a:ext>
             </a:extLst>
           </p:cNvPr>
@@ -6243,7 +6243,7 @@
           <a:p>
             <a:fld id="{63289F7E-B80B-496E-81B4-D396C37C9454}" type="datetimeFigureOut">
               <a:rPr lang="pt-BR" smtClean="0"/>
-              <a:t>02/02/2023</a:t>
+              <a:t>06/02/2023</a:t>
             </a:fld>
             <a:endParaRPr lang="pt-BR"/>
           </a:p>
@@ -6254,7 +6254,7 @@
           <p:cNvPr id="5" name="Espaço Reservado para Rodapé 4">
             <a:extLst>
               <a:ext uri="{FF2B5EF4-FFF2-40B4-BE49-F238E27FC236}">
-                <a16:creationId xmlns:a16="http://schemas.microsoft.com/office/drawing/2014/main" xmlns="" id="{121BE632-29CF-4CB9-B365-C9EF38F89BE6}"/>
+                <a16:creationId xmlns="" xmlns:a16="http://schemas.microsoft.com/office/drawing/2014/main" id="{121BE632-29CF-4CB9-B365-C9EF38F89BE6}"/>
               </a:ext>
             </a:extLst>
           </p:cNvPr>
@@ -6279,7 +6279,7 @@
           <p:cNvPr id="6" name="Espaço Reservado para Número de Slide 5">
             <a:extLst>
               <a:ext uri="{FF2B5EF4-FFF2-40B4-BE49-F238E27FC236}">
-                <a16:creationId xmlns:a16="http://schemas.microsoft.com/office/drawing/2014/main" xmlns="" id="{60CF3DD1-9AEC-4A57-B461-4E4DD86FAC18}"/>
+                <a16:creationId xmlns="" xmlns:a16="http://schemas.microsoft.com/office/drawing/2014/main" id="{60CF3DD1-9AEC-4A57-B461-4E4DD86FAC18}"/>
               </a:ext>
             </a:extLst>
           </p:cNvPr>
@@ -6338,7 +6338,7 @@
           <p:cNvPr id="2" name="Título 1">
             <a:extLst>
               <a:ext uri="{FF2B5EF4-FFF2-40B4-BE49-F238E27FC236}">
-                <a16:creationId xmlns:a16="http://schemas.microsoft.com/office/drawing/2014/main" xmlns="" id="{34AB2FF0-A4D7-4E28-991D-FF26140D5988}"/>
+                <a16:creationId xmlns="" xmlns:a16="http://schemas.microsoft.com/office/drawing/2014/main" id="{34AB2FF0-A4D7-4E28-991D-FF26140D5988}"/>
               </a:ext>
             </a:extLst>
           </p:cNvPr>
@@ -6375,7 +6375,7 @@
           <p:cNvPr id="3" name="Espaço Reservado para Texto 2">
             <a:extLst>
               <a:ext uri="{FF2B5EF4-FFF2-40B4-BE49-F238E27FC236}">
-                <a16:creationId xmlns:a16="http://schemas.microsoft.com/office/drawing/2014/main" xmlns="" id="{E2AC45B0-4145-40DB-8E61-105461170604}"/>
+                <a16:creationId xmlns="" xmlns:a16="http://schemas.microsoft.com/office/drawing/2014/main" id="{E2AC45B0-4145-40DB-8E61-105461170604}"/>
               </a:ext>
             </a:extLst>
           </p:cNvPr>
@@ -6500,7 +6500,7 @@
           <p:cNvPr id="4" name="Espaço Reservado para Data 3">
             <a:extLst>
               <a:ext uri="{FF2B5EF4-FFF2-40B4-BE49-F238E27FC236}">
-                <a16:creationId xmlns:a16="http://schemas.microsoft.com/office/drawing/2014/main" xmlns="" id="{50F1D3FB-740A-4EBA-A309-2CE71D12ECFB}"/>
+                <a16:creationId xmlns="" xmlns:a16="http://schemas.microsoft.com/office/drawing/2014/main" id="{50F1D3FB-740A-4EBA-A309-2CE71D12ECFB}"/>
               </a:ext>
             </a:extLst>
           </p:cNvPr>
@@ -6518,7 +6518,7 @@
           <a:p>
             <a:fld id="{63289F7E-B80B-496E-81B4-D396C37C9454}" type="datetimeFigureOut">
               <a:rPr lang="pt-BR" smtClean="0"/>
-              <a:t>02/02/2023</a:t>
+              <a:t>06/02/2023</a:t>
             </a:fld>
             <a:endParaRPr lang="pt-BR"/>
           </a:p>
@@ -6529,7 +6529,7 @@
           <p:cNvPr id="5" name="Espaço Reservado para Rodapé 4">
             <a:extLst>
               <a:ext uri="{FF2B5EF4-FFF2-40B4-BE49-F238E27FC236}">
-                <a16:creationId xmlns:a16="http://schemas.microsoft.com/office/drawing/2014/main" xmlns="" id="{BDCAB18F-8715-4465-A940-F9C193A2ACE9}"/>
+                <a16:creationId xmlns="" xmlns:a16="http://schemas.microsoft.com/office/drawing/2014/main" id="{BDCAB18F-8715-4465-A940-F9C193A2ACE9}"/>
               </a:ext>
             </a:extLst>
           </p:cNvPr>
@@ -6554,7 +6554,7 @@
           <p:cNvPr id="6" name="Espaço Reservado para Número de Slide 5">
             <a:extLst>
               <a:ext uri="{FF2B5EF4-FFF2-40B4-BE49-F238E27FC236}">
-                <a16:creationId xmlns:a16="http://schemas.microsoft.com/office/drawing/2014/main" xmlns="" id="{353466C6-8248-429F-8056-FF040BF509EB}"/>
+                <a16:creationId xmlns="" xmlns:a16="http://schemas.microsoft.com/office/drawing/2014/main" id="{353466C6-8248-429F-8056-FF040BF509EB}"/>
               </a:ext>
             </a:extLst>
           </p:cNvPr>
@@ -6613,7 +6613,7 @@
           <p:cNvPr id="2" name="Título 1">
             <a:extLst>
               <a:ext uri="{FF2B5EF4-FFF2-40B4-BE49-F238E27FC236}">
-                <a16:creationId xmlns:a16="http://schemas.microsoft.com/office/drawing/2014/main" xmlns="" id="{BC7BB9F0-F14B-4A91-B2B7-35BC47FE4DE7}"/>
+                <a16:creationId xmlns="" xmlns:a16="http://schemas.microsoft.com/office/drawing/2014/main" id="{BC7BB9F0-F14B-4A91-B2B7-35BC47FE4DE7}"/>
               </a:ext>
             </a:extLst>
           </p:cNvPr>
@@ -6641,7 +6641,7 @@
           <p:cNvPr id="3" name="Espaço Reservado para Conteúdo 2">
             <a:extLst>
               <a:ext uri="{FF2B5EF4-FFF2-40B4-BE49-F238E27FC236}">
-                <a16:creationId xmlns:a16="http://schemas.microsoft.com/office/drawing/2014/main" xmlns="" id="{EC1FC1C4-73DA-47A6-8496-B0B457F7D39A}"/>
+                <a16:creationId xmlns="" xmlns:a16="http://schemas.microsoft.com/office/drawing/2014/main" id="{EC1FC1C4-73DA-47A6-8496-B0B457F7D39A}"/>
               </a:ext>
             </a:extLst>
           </p:cNvPr>
@@ -6703,7 +6703,7 @@
           <p:cNvPr id="4" name="Espaço Reservado para Conteúdo 3">
             <a:extLst>
               <a:ext uri="{FF2B5EF4-FFF2-40B4-BE49-F238E27FC236}">
-                <a16:creationId xmlns:a16="http://schemas.microsoft.com/office/drawing/2014/main" xmlns="" id="{E92F06A8-A449-4D92-9912-76873E529B38}"/>
+                <a16:creationId xmlns="" xmlns:a16="http://schemas.microsoft.com/office/drawing/2014/main" id="{E92F06A8-A449-4D92-9912-76873E529B38}"/>
               </a:ext>
             </a:extLst>
           </p:cNvPr>
@@ -6765,7 +6765,7 @@
           <p:cNvPr id="5" name="Espaço Reservado para Data 4">
             <a:extLst>
               <a:ext uri="{FF2B5EF4-FFF2-40B4-BE49-F238E27FC236}">
-                <a16:creationId xmlns:a16="http://schemas.microsoft.com/office/drawing/2014/main" xmlns="" id="{938070A4-BC2F-4D55-BD8D-DEAF11BB9EE9}"/>
+                <a16:creationId xmlns="" xmlns:a16="http://schemas.microsoft.com/office/drawing/2014/main" id="{938070A4-BC2F-4D55-BD8D-DEAF11BB9EE9}"/>
               </a:ext>
             </a:extLst>
           </p:cNvPr>
@@ -6783,7 +6783,7 @@
           <a:p>
             <a:fld id="{63289F7E-B80B-496E-81B4-D396C37C9454}" type="datetimeFigureOut">
               <a:rPr lang="pt-BR" smtClean="0"/>
-              <a:t>02/02/2023</a:t>
+              <a:t>06/02/2023</a:t>
             </a:fld>
             <a:endParaRPr lang="pt-BR"/>
           </a:p>
@@ -6794,7 +6794,7 @@
           <p:cNvPr id="6" name="Espaço Reservado para Rodapé 5">
             <a:extLst>
               <a:ext uri="{FF2B5EF4-FFF2-40B4-BE49-F238E27FC236}">
-                <a16:creationId xmlns:a16="http://schemas.microsoft.com/office/drawing/2014/main" xmlns="" id="{45CC2DB8-844A-465F-BA9A-7734C80C7F43}"/>
+                <a16:creationId xmlns="" xmlns:a16="http://schemas.microsoft.com/office/drawing/2014/main" id="{45CC2DB8-844A-465F-BA9A-7734C80C7F43}"/>
               </a:ext>
             </a:extLst>
           </p:cNvPr>
@@ -6819,7 +6819,7 @@
           <p:cNvPr id="7" name="Espaço Reservado para Número de Slide 6">
             <a:extLst>
               <a:ext uri="{FF2B5EF4-FFF2-40B4-BE49-F238E27FC236}">
-                <a16:creationId xmlns:a16="http://schemas.microsoft.com/office/drawing/2014/main" xmlns="" id="{4CC606A8-097B-4040-94E0-CD8C88280D8F}"/>
+                <a16:creationId xmlns="" xmlns:a16="http://schemas.microsoft.com/office/drawing/2014/main" id="{4CC606A8-097B-4040-94E0-CD8C88280D8F}"/>
               </a:ext>
             </a:extLst>
           </p:cNvPr>
@@ -6878,7 +6878,7 @@
           <p:cNvPr id="2" name="Título 1">
             <a:extLst>
               <a:ext uri="{FF2B5EF4-FFF2-40B4-BE49-F238E27FC236}">
-                <a16:creationId xmlns:a16="http://schemas.microsoft.com/office/drawing/2014/main" xmlns="" id="{76D66686-0143-4CB6-8C09-BA326F1E7ACA}"/>
+                <a16:creationId xmlns="" xmlns:a16="http://schemas.microsoft.com/office/drawing/2014/main" id="{76D66686-0143-4CB6-8C09-BA326F1E7ACA}"/>
               </a:ext>
             </a:extLst>
           </p:cNvPr>
@@ -6911,7 +6911,7 @@
           <p:cNvPr id="3" name="Espaço Reservado para Texto 2">
             <a:extLst>
               <a:ext uri="{FF2B5EF4-FFF2-40B4-BE49-F238E27FC236}">
-                <a16:creationId xmlns:a16="http://schemas.microsoft.com/office/drawing/2014/main" xmlns="" id="{0227AB85-F59E-4BCE-B846-4FA0992C2F23}"/>
+                <a16:creationId xmlns="" xmlns:a16="http://schemas.microsoft.com/office/drawing/2014/main" id="{0227AB85-F59E-4BCE-B846-4FA0992C2F23}"/>
               </a:ext>
             </a:extLst>
           </p:cNvPr>
@@ -6982,7 +6982,7 @@
           <p:cNvPr id="4" name="Espaço Reservado para Conteúdo 3">
             <a:extLst>
               <a:ext uri="{FF2B5EF4-FFF2-40B4-BE49-F238E27FC236}">
-                <a16:creationId xmlns:a16="http://schemas.microsoft.com/office/drawing/2014/main" xmlns="" id="{3373456C-7319-4D0A-827D-D29F6B083F5D}"/>
+                <a16:creationId xmlns="" xmlns:a16="http://schemas.microsoft.com/office/drawing/2014/main" id="{3373456C-7319-4D0A-827D-D29F6B083F5D}"/>
               </a:ext>
             </a:extLst>
           </p:cNvPr>
@@ -7044,7 +7044,7 @@
           <p:cNvPr id="5" name="Espaço Reservado para Texto 4">
             <a:extLst>
               <a:ext uri="{FF2B5EF4-FFF2-40B4-BE49-F238E27FC236}">
-                <a16:creationId xmlns:a16="http://schemas.microsoft.com/office/drawing/2014/main" xmlns="" id="{4CD109D0-2E83-4262-8029-A871CEC47406}"/>
+                <a16:creationId xmlns="" xmlns:a16="http://schemas.microsoft.com/office/drawing/2014/main" id="{4CD109D0-2E83-4262-8029-A871CEC47406}"/>
               </a:ext>
             </a:extLst>
           </p:cNvPr>
@@ -7115,7 +7115,7 @@
           <p:cNvPr id="6" name="Espaço Reservado para Conteúdo 5">
             <a:extLst>
               <a:ext uri="{FF2B5EF4-FFF2-40B4-BE49-F238E27FC236}">
-                <a16:creationId xmlns:a16="http://schemas.microsoft.com/office/drawing/2014/main" xmlns="" id="{AD706E3A-CFBB-4A6C-A65F-D0360A9E74FE}"/>
+                <a16:creationId xmlns="" xmlns:a16="http://schemas.microsoft.com/office/drawing/2014/main" id="{AD706E3A-CFBB-4A6C-A65F-D0360A9E74FE}"/>
               </a:ext>
             </a:extLst>
           </p:cNvPr>
@@ -7177,7 +7177,7 @@
           <p:cNvPr id="7" name="Espaço Reservado para Data 6">
             <a:extLst>
               <a:ext uri="{FF2B5EF4-FFF2-40B4-BE49-F238E27FC236}">
-                <a16:creationId xmlns:a16="http://schemas.microsoft.com/office/drawing/2014/main" xmlns="" id="{4172C0E5-5AF0-4805-BB51-443733CD2BD5}"/>
+                <a16:creationId xmlns="" xmlns:a16="http://schemas.microsoft.com/office/drawing/2014/main" id="{4172C0E5-5AF0-4805-BB51-443733CD2BD5}"/>
               </a:ext>
             </a:extLst>
           </p:cNvPr>
@@ -7195,7 +7195,7 @@
           <a:p>
             <a:fld id="{63289F7E-B80B-496E-81B4-D396C37C9454}" type="datetimeFigureOut">
               <a:rPr lang="pt-BR" smtClean="0"/>
-              <a:t>02/02/2023</a:t>
+              <a:t>06/02/2023</a:t>
             </a:fld>
             <a:endParaRPr lang="pt-BR"/>
           </a:p>
@@ -7206,7 +7206,7 @@
           <p:cNvPr id="8" name="Espaço Reservado para Rodapé 7">
             <a:extLst>
               <a:ext uri="{FF2B5EF4-FFF2-40B4-BE49-F238E27FC236}">
-                <a16:creationId xmlns:a16="http://schemas.microsoft.com/office/drawing/2014/main" xmlns="" id="{0E801648-156F-497E-99CF-797DF48051E1}"/>
+                <a16:creationId xmlns="" xmlns:a16="http://schemas.microsoft.com/office/drawing/2014/main" id="{0E801648-156F-497E-99CF-797DF48051E1}"/>
               </a:ext>
             </a:extLst>
           </p:cNvPr>
@@ -7231,7 +7231,7 @@
           <p:cNvPr id="9" name="Espaço Reservado para Número de Slide 8">
             <a:extLst>
               <a:ext uri="{FF2B5EF4-FFF2-40B4-BE49-F238E27FC236}">
-                <a16:creationId xmlns:a16="http://schemas.microsoft.com/office/drawing/2014/main" xmlns="" id="{EEE23D32-80E7-4796-A137-66BF842E4B53}"/>
+                <a16:creationId xmlns="" xmlns:a16="http://schemas.microsoft.com/office/drawing/2014/main" id="{EEE23D32-80E7-4796-A137-66BF842E4B53}"/>
               </a:ext>
             </a:extLst>
           </p:cNvPr>
@@ -7290,7 +7290,7 @@
           <p:cNvPr id="2" name="Título 1">
             <a:extLst>
               <a:ext uri="{FF2B5EF4-FFF2-40B4-BE49-F238E27FC236}">
-                <a16:creationId xmlns:a16="http://schemas.microsoft.com/office/drawing/2014/main" xmlns="" id="{2BCE2379-C78F-47E1-8CFC-B846E7AF148D}"/>
+                <a16:creationId xmlns="" xmlns:a16="http://schemas.microsoft.com/office/drawing/2014/main" id="{2BCE2379-C78F-47E1-8CFC-B846E7AF148D}"/>
               </a:ext>
             </a:extLst>
           </p:cNvPr>
@@ -7318,7 +7318,7 @@
           <p:cNvPr id="3" name="Espaço Reservado para Data 2">
             <a:extLst>
               <a:ext uri="{FF2B5EF4-FFF2-40B4-BE49-F238E27FC236}">
-                <a16:creationId xmlns:a16="http://schemas.microsoft.com/office/drawing/2014/main" xmlns="" id="{342600A9-7F92-4E22-9D94-E4717252A817}"/>
+                <a16:creationId xmlns="" xmlns:a16="http://schemas.microsoft.com/office/drawing/2014/main" id="{342600A9-7F92-4E22-9D94-E4717252A817}"/>
               </a:ext>
             </a:extLst>
           </p:cNvPr>
@@ -7336,7 +7336,7 @@
           <a:p>
             <a:fld id="{63289F7E-B80B-496E-81B4-D396C37C9454}" type="datetimeFigureOut">
               <a:rPr lang="pt-BR" smtClean="0"/>
-              <a:t>02/02/2023</a:t>
+              <a:t>06/02/2023</a:t>
             </a:fld>
             <a:endParaRPr lang="pt-BR"/>
           </a:p>
@@ -7347,7 +7347,7 @@
           <p:cNvPr id="4" name="Espaço Reservado para Rodapé 3">
             <a:extLst>
               <a:ext uri="{FF2B5EF4-FFF2-40B4-BE49-F238E27FC236}">
-                <a16:creationId xmlns:a16="http://schemas.microsoft.com/office/drawing/2014/main" xmlns="" id="{192E6BED-F546-40CC-A2DF-99CBA853654E}"/>
+                <a16:creationId xmlns="" xmlns:a16="http://schemas.microsoft.com/office/drawing/2014/main" id="{192E6BED-F546-40CC-A2DF-99CBA853654E}"/>
               </a:ext>
             </a:extLst>
           </p:cNvPr>
@@ -7372,7 +7372,7 @@
           <p:cNvPr id="5" name="Espaço Reservado para Número de Slide 4">
             <a:extLst>
               <a:ext uri="{FF2B5EF4-FFF2-40B4-BE49-F238E27FC236}">
-                <a16:creationId xmlns:a16="http://schemas.microsoft.com/office/drawing/2014/main" xmlns="" id="{6091CC40-A8C4-4063-80EB-CC5099621678}"/>
+                <a16:creationId xmlns="" xmlns:a16="http://schemas.microsoft.com/office/drawing/2014/main" id="{6091CC40-A8C4-4063-80EB-CC5099621678}"/>
               </a:ext>
             </a:extLst>
           </p:cNvPr>
@@ -7431,7 +7431,7 @@
           <p:cNvPr id="2" name="Espaço Reservado para Data 1">
             <a:extLst>
               <a:ext uri="{FF2B5EF4-FFF2-40B4-BE49-F238E27FC236}">
-                <a16:creationId xmlns:a16="http://schemas.microsoft.com/office/drawing/2014/main" xmlns="" id="{DD19515C-212C-4EAE-84A3-8FF4BC844F1B}"/>
+                <a16:creationId xmlns="" xmlns:a16="http://schemas.microsoft.com/office/drawing/2014/main" id="{DD19515C-212C-4EAE-84A3-8FF4BC844F1B}"/>
               </a:ext>
             </a:extLst>
           </p:cNvPr>
@@ -7449,7 +7449,7 @@
           <a:p>
             <a:fld id="{63289F7E-B80B-496E-81B4-D396C37C9454}" type="datetimeFigureOut">
               <a:rPr lang="pt-BR" smtClean="0"/>
-              <a:t>02/02/2023</a:t>
+              <a:t>06/02/2023</a:t>
             </a:fld>
             <a:endParaRPr lang="pt-BR"/>
           </a:p>
@@ -7460,7 +7460,7 @@
           <p:cNvPr id="3" name="Espaço Reservado para Rodapé 2">
             <a:extLst>
               <a:ext uri="{FF2B5EF4-FFF2-40B4-BE49-F238E27FC236}">
-                <a16:creationId xmlns:a16="http://schemas.microsoft.com/office/drawing/2014/main" xmlns="" id="{94D3D120-B3E8-4C96-861D-7A4F12F49B3A}"/>
+                <a16:creationId xmlns="" xmlns:a16="http://schemas.microsoft.com/office/drawing/2014/main" id="{94D3D120-B3E8-4C96-861D-7A4F12F49B3A}"/>
               </a:ext>
             </a:extLst>
           </p:cNvPr>
@@ -7485,7 +7485,7 @@
           <p:cNvPr id="4" name="Espaço Reservado para Número de Slide 3">
             <a:extLst>
               <a:ext uri="{FF2B5EF4-FFF2-40B4-BE49-F238E27FC236}">
-                <a16:creationId xmlns:a16="http://schemas.microsoft.com/office/drawing/2014/main" xmlns="" id="{42E49B68-FA1B-468B-9F17-D5C09243D454}"/>
+                <a16:creationId xmlns="" xmlns:a16="http://schemas.microsoft.com/office/drawing/2014/main" id="{42E49B68-FA1B-468B-9F17-D5C09243D454}"/>
               </a:ext>
             </a:extLst>
           </p:cNvPr>
@@ -7544,7 +7544,7 @@
           <p:cNvPr id="2" name="Título 1">
             <a:extLst>
               <a:ext uri="{FF2B5EF4-FFF2-40B4-BE49-F238E27FC236}">
-                <a16:creationId xmlns:a16="http://schemas.microsoft.com/office/drawing/2014/main" xmlns="" id="{1C17BCBE-A897-4319-85EC-D87909C24980}"/>
+                <a16:creationId xmlns="" xmlns:a16="http://schemas.microsoft.com/office/drawing/2014/main" id="{1C17BCBE-A897-4319-85EC-D87909C24980}"/>
               </a:ext>
             </a:extLst>
           </p:cNvPr>
@@ -7581,7 +7581,7 @@
           <p:cNvPr id="3" name="Espaço Reservado para Conteúdo 2">
             <a:extLst>
               <a:ext uri="{FF2B5EF4-FFF2-40B4-BE49-F238E27FC236}">
-                <a16:creationId xmlns:a16="http://schemas.microsoft.com/office/drawing/2014/main" xmlns="" id="{4226F885-0204-4913-868B-4B8B82576F17}"/>
+                <a16:creationId xmlns="" xmlns:a16="http://schemas.microsoft.com/office/drawing/2014/main" id="{4226F885-0204-4913-868B-4B8B82576F17}"/>
               </a:ext>
             </a:extLst>
           </p:cNvPr>
@@ -7671,7 +7671,7 @@
           <p:cNvPr id="4" name="Espaço Reservado para Texto 3">
             <a:extLst>
               <a:ext uri="{FF2B5EF4-FFF2-40B4-BE49-F238E27FC236}">
-                <a16:creationId xmlns:a16="http://schemas.microsoft.com/office/drawing/2014/main" xmlns="" id="{00F9F784-A858-441B-8AB5-697098141751}"/>
+                <a16:creationId xmlns="" xmlns:a16="http://schemas.microsoft.com/office/drawing/2014/main" id="{00F9F784-A858-441B-8AB5-697098141751}"/>
               </a:ext>
             </a:extLst>
           </p:cNvPr>
@@ -7742,7 +7742,7 @@
           <p:cNvPr id="5" name="Espaço Reservado para Data 4">
             <a:extLst>
               <a:ext uri="{FF2B5EF4-FFF2-40B4-BE49-F238E27FC236}">
-                <a16:creationId xmlns:a16="http://schemas.microsoft.com/office/drawing/2014/main" xmlns="" id="{A4DC363A-5000-472E-8B17-02E7DCB8840A}"/>
+                <a16:creationId xmlns="" xmlns:a16="http://schemas.microsoft.com/office/drawing/2014/main" id="{A4DC363A-5000-472E-8B17-02E7DCB8840A}"/>
               </a:ext>
             </a:extLst>
           </p:cNvPr>
@@ -7760,7 +7760,7 @@
           <a:p>
             <a:fld id="{63289F7E-B80B-496E-81B4-D396C37C9454}" type="datetimeFigureOut">
               <a:rPr lang="pt-BR" smtClean="0"/>
-              <a:t>02/02/2023</a:t>
+              <a:t>06/02/2023</a:t>
             </a:fld>
             <a:endParaRPr lang="pt-BR"/>
           </a:p>
@@ -7771,7 +7771,7 @@
           <p:cNvPr id="6" name="Espaço Reservado para Rodapé 5">
             <a:extLst>
               <a:ext uri="{FF2B5EF4-FFF2-40B4-BE49-F238E27FC236}">
-                <a16:creationId xmlns:a16="http://schemas.microsoft.com/office/drawing/2014/main" xmlns="" id="{5548425D-2C21-4C56-BAD4-662978775C28}"/>
+                <a16:creationId xmlns="" xmlns:a16="http://schemas.microsoft.com/office/drawing/2014/main" id="{5548425D-2C21-4C56-BAD4-662978775C28}"/>
               </a:ext>
             </a:extLst>
           </p:cNvPr>
@@ -7796,7 +7796,7 @@
           <p:cNvPr id="7" name="Espaço Reservado para Número de Slide 6">
             <a:extLst>
               <a:ext uri="{FF2B5EF4-FFF2-40B4-BE49-F238E27FC236}">
-                <a16:creationId xmlns:a16="http://schemas.microsoft.com/office/drawing/2014/main" xmlns="" id="{C63E9726-E64C-42B2-AE8A-8C235A956B48}"/>
+                <a16:creationId xmlns="" xmlns:a16="http://schemas.microsoft.com/office/drawing/2014/main" id="{C63E9726-E64C-42B2-AE8A-8C235A956B48}"/>
               </a:ext>
             </a:extLst>
           </p:cNvPr>
@@ -7855,7 +7855,7 @@
           <p:cNvPr id="2" name="Título 1">
             <a:extLst>
               <a:ext uri="{FF2B5EF4-FFF2-40B4-BE49-F238E27FC236}">
-                <a16:creationId xmlns:a16="http://schemas.microsoft.com/office/drawing/2014/main" xmlns="" id="{11086A78-3E74-450C-96A6-CA8AC37AF772}"/>
+                <a16:creationId xmlns="" xmlns:a16="http://schemas.microsoft.com/office/drawing/2014/main" id="{11086A78-3E74-450C-96A6-CA8AC37AF772}"/>
               </a:ext>
             </a:extLst>
           </p:cNvPr>
@@ -7892,7 +7892,7 @@
           <p:cNvPr id="3" name="Espaço Reservado para Imagem 2">
             <a:extLst>
               <a:ext uri="{FF2B5EF4-FFF2-40B4-BE49-F238E27FC236}">
-                <a16:creationId xmlns:a16="http://schemas.microsoft.com/office/drawing/2014/main" xmlns="" id="{5F5B7312-975A-4DBC-9B2F-3652ADA006FD}"/>
+                <a16:creationId xmlns="" xmlns:a16="http://schemas.microsoft.com/office/drawing/2014/main" id="{5F5B7312-975A-4DBC-9B2F-3652ADA006FD}"/>
               </a:ext>
             </a:extLst>
           </p:cNvPr>
@@ -7959,7 +7959,7 @@
           <p:cNvPr id="4" name="Espaço Reservado para Texto 3">
             <a:extLst>
               <a:ext uri="{FF2B5EF4-FFF2-40B4-BE49-F238E27FC236}">
-                <a16:creationId xmlns:a16="http://schemas.microsoft.com/office/drawing/2014/main" xmlns="" id="{AAF805F5-1DFF-41C6-944C-7D79FE0D0963}"/>
+                <a16:creationId xmlns="" xmlns:a16="http://schemas.microsoft.com/office/drawing/2014/main" id="{AAF805F5-1DFF-41C6-944C-7D79FE0D0963}"/>
               </a:ext>
             </a:extLst>
           </p:cNvPr>
@@ -8030,7 +8030,7 @@
           <p:cNvPr id="5" name="Espaço Reservado para Data 4">
             <a:extLst>
               <a:ext uri="{FF2B5EF4-FFF2-40B4-BE49-F238E27FC236}">
-                <a16:creationId xmlns:a16="http://schemas.microsoft.com/office/drawing/2014/main" xmlns="" id="{02113D81-8665-4516-BD81-C6A1F254EECD}"/>
+                <a16:creationId xmlns="" xmlns:a16="http://schemas.microsoft.com/office/drawing/2014/main" id="{02113D81-8665-4516-BD81-C6A1F254EECD}"/>
               </a:ext>
             </a:extLst>
           </p:cNvPr>
@@ -8048,7 +8048,7 @@
           <a:p>
             <a:fld id="{63289F7E-B80B-496E-81B4-D396C37C9454}" type="datetimeFigureOut">
               <a:rPr lang="pt-BR" smtClean="0"/>
-              <a:t>02/02/2023</a:t>
+              <a:t>06/02/2023</a:t>
             </a:fld>
             <a:endParaRPr lang="pt-BR"/>
           </a:p>
@@ -8059,7 +8059,7 @@
           <p:cNvPr id="6" name="Espaço Reservado para Rodapé 5">
             <a:extLst>
               <a:ext uri="{FF2B5EF4-FFF2-40B4-BE49-F238E27FC236}">
-                <a16:creationId xmlns:a16="http://schemas.microsoft.com/office/drawing/2014/main" xmlns="" id="{2B00C88B-FF32-40AA-A187-727D96FD7862}"/>
+                <a16:creationId xmlns="" xmlns:a16="http://schemas.microsoft.com/office/drawing/2014/main" id="{2B00C88B-FF32-40AA-A187-727D96FD7862}"/>
               </a:ext>
             </a:extLst>
           </p:cNvPr>
@@ -8084,7 +8084,7 @@
           <p:cNvPr id="7" name="Espaço Reservado para Número de Slide 6">
             <a:extLst>
               <a:ext uri="{FF2B5EF4-FFF2-40B4-BE49-F238E27FC236}">
-                <a16:creationId xmlns:a16="http://schemas.microsoft.com/office/drawing/2014/main" xmlns="" id="{A04D1A2D-69F7-4B8F-A730-BC26DC340BA6}"/>
+                <a16:creationId xmlns="" xmlns:a16="http://schemas.microsoft.com/office/drawing/2014/main" id="{A04D1A2D-69F7-4B8F-A730-BC26DC340BA6}"/>
               </a:ext>
             </a:extLst>
           </p:cNvPr>
@@ -8148,7 +8148,7 @@
           <p:cNvPr id="2" name="Espaço Reservado para Título 1">
             <a:extLst>
               <a:ext uri="{FF2B5EF4-FFF2-40B4-BE49-F238E27FC236}">
-                <a16:creationId xmlns:a16="http://schemas.microsoft.com/office/drawing/2014/main" xmlns="" id="{E69A0273-1966-4A1B-9370-4C1CE5036371}"/>
+                <a16:creationId xmlns="" xmlns:a16="http://schemas.microsoft.com/office/drawing/2014/main" id="{E69A0273-1966-4A1B-9370-4C1CE5036371}"/>
               </a:ext>
             </a:extLst>
           </p:cNvPr>
@@ -8186,7 +8186,7 @@
           <p:cNvPr id="3" name="Espaço Reservado para Texto 2">
             <a:extLst>
               <a:ext uri="{FF2B5EF4-FFF2-40B4-BE49-F238E27FC236}">
-                <a16:creationId xmlns:a16="http://schemas.microsoft.com/office/drawing/2014/main" xmlns="" id="{3B9CF87A-0448-49A7-AB25-EBC1D56A40EF}"/>
+                <a16:creationId xmlns="" xmlns:a16="http://schemas.microsoft.com/office/drawing/2014/main" id="{3B9CF87A-0448-49A7-AB25-EBC1D56A40EF}"/>
               </a:ext>
             </a:extLst>
           </p:cNvPr>
@@ -8253,7 +8253,7 @@
           <p:cNvPr id="4" name="Espaço Reservado para Data 3">
             <a:extLst>
               <a:ext uri="{FF2B5EF4-FFF2-40B4-BE49-F238E27FC236}">
-                <a16:creationId xmlns:a16="http://schemas.microsoft.com/office/drawing/2014/main" xmlns="" id="{2EF7B1F2-BB5A-44D0-816D-16AD2C71430E}"/>
+                <a16:creationId xmlns="" xmlns:a16="http://schemas.microsoft.com/office/drawing/2014/main" id="{2EF7B1F2-BB5A-44D0-816D-16AD2C71430E}"/>
               </a:ext>
             </a:extLst>
           </p:cNvPr>
@@ -8289,7 +8289,7 @@
           <a:p>
             <a:fld id="{63289F7E-B80B-496E-81B4-D396C37C9454}" type="datetimeFigureOut">
               <a:rPr lang="pt-BR" smtClean="0"/>
-              <a:t>02/02/2023</a:t>
+              <a:t>06/02/2023</a:t>
             </a:fld>
             <a:endParaRPr lang="pt-BR"/>
           </a:p>
@@ -8300,7 +8300,7 @@
           <p:cNvPr id="5" name="Espaço Reservado para Rodapé 4">
             <a:extLst>
               <a:ext uri="{FF2B5EF4-FFF2-40B4-BE49-F238E27FC236}">
-                <a16:creationId xmlns:a16="http://schemas.microsoft.com/office/drawing/2014/main" xmlns="" id="{C703F94C-2CC8-4DAA-BC35-14FC3E841DCD}"/>
+                <a16:creationId xmlns="" xmlns:a16="http://schemas.microsoft.com/office/drawing/2014/main" id="{C703F94C-2CC8-4DAA-BC35-14FC3E841DCD}"/>
               </a:ext>
             </a:extLst>
           </p:cNvPr>
@@ -8343,7 +8343,7 @@
           <p:cNvPr id="6" name="Espaço Reservado para Número de Slide 5">
             <a:extLst>
               <a:ext uri="{FF2B5EF4-FFF2-40B4-BE49-F238E27FC236}">
-                <a16:creationId xmlns:a16="http://schemas.microsoft.com/office/drawing/2014/main" xmlns="" id="{64051336-7048-457A-8B61-D94291D71648}"/>
+                <a16:creationId xmlns="" xmlns:a16="http://schemas.microsoft.com/office/drawing/2014/main" id="{64051336-7048-457A-8B61-D94291D71648}"/>
               </a:ext>
             </a:extLst>
           </p:cNvPr>
@@ -8711,7 +8711,7 @@
           <p:cNvPr id="2" name="Título 1">
             <a:extLst>
               <a:ext uri="{FF2B5EF4-FFF2-40B4-BE49-F238E27FC236}">
-                <a16:creationId xmlns:a16="http://schemas.microsoft.com/office/drawing/2014/main" xmlns="" id="{32666AC8-2E17-4DB4-B0F5-60C640CCFD2E}"/>
+                <a16:creationId xmlns="" xmlns:a16="http://schemas.microsoft.com/office/drawing/2014/main" id="{32666AC8-2E17-4DB4-B0F5-60C640CCFD2E}"/>
               </a:ext>
             </a:extLst>
           </p:cNvPr>
@@ -8758,7 +8758,7 @@
           <p:cNvPr id="4" name="CaixaDeTexto 3">
             <a:extLst>
               <a:ext uri="{FF2B5EF4-FFF2-40B4-BE49-F238E27FC236}">
-                <a16:creationId xmlns:a16="http://schemas.microsoft.com/office/drawing/2014/main" xmlns="" id="{430EB894-B7D4-434C-9D1A-A14094D9BEEC}"/>
+                <a16:creationId xmlns="" xmlns:a16="http://schemas.microsoft.com/office/drawing/2014/main" id="{430EB894-B7D4-434C-9D1A-A14094D9BEEC}"/>
               </a:ext>
             </a:extLst>
           </p:cNvPr>
@@ -8799,7 +8799,7 @@
           <p:cNvPr id="1026" name="Picture 2" descr="Logo">
             <a:extLst>
               <a:ext uri="{FF2B5EF4-FFF2-40B4-BE49-F238E27FC236}">
-                <a16:creationId xmlns:a16="http://schemas.microsoft.com/office/drawing/2014/main" xmlns="" id="{3F2642E0-4F6A-4196-8F58-E77D36E9A33F}"/>
+                <a16:creationId xmlns="" xmlns:a16="http://schemas.microsoft.com/office/drawing/2014/main" id="{3F2642E0-4F6A-4196-8F58-E77D36E9A33F}"/>
               </a:ext>
             </a:extLst>
           </p:cNvPr>
@@ -8844,7 +8844,7 @@
           <p:cNvPr id="5122" name="Picture 2" descr="Image result for machine learning">
             <a:extLst>
               <a:ext uri="{FF2B5EF4-FFF2-40B4-BE49-F238E27FC236}">
-                <a16:creationId xmlns:a16="http://schemas.microsoft.com/office/drawing/2014/main" xmlns="" id="{810CE0A2-4102-44A6-A370-175E7896CDCB}"/>
+                <a16:creationId xmlns="" xmlns:a16="http://schemas.microsoft.com/office/drawing/2014/main" id="{810CE0A2-4102-44A6-A370-175E7896CDCB}"/>
               </a:ext>
             </a:extLst>
           </p:cNvPr>
@@ -9091,7 +9091,7 @@
           <p:cNvPr id="4" name="Picture 2" descr="https://www.oulu.fi/sites/default/files/11/machines%20_decide.jpg">
             <a:extLst>
               <a:ext uri="{FF2B5EF4-FFF2-40B4-BE49-F238E27FC236}">
-                <a16:creationId xmlns:a16="http://schemas.microsoft.com/office/drawing/2014/main" xmlns="" id="{6B8DD7A2-43EE-406C-8FF3-BC9A04CF3BD4}"/>
+                <a16:creationId xmlns="" xmlns:a16="http://schemas.microsoft.com/office/drawing/2014/main" id="{6B8DD7A2-43EE-406C-8FF3-BC9A04CF3BD4}"/>
               </a:ext>
             </a:extLst>
           </p:cNvPr>
@@ -9177,7 +9177,7 @@
           <p:cNvPr id="6" name="Picture 8" descr="Image result for applications of artificial intelligence">
             <a:extLst>
               <a:ext uri="{FF2B5EF4-FFF2-40B4-BE49-F238E27FC236}">
-                <a16:creationId xmlns="" xmlns:a16="http://schemas.microsoft.com/office/drawing/2014/main" id="{030E6182-967A-44D7-8BED-F8E414DAE678}"/>
+                <a16:creationId xmlns:a16="http://schemas.microsoft.com/office/drawing/2014/main" xmlns="" id="{030E6182-967A-44D7-8BED-F8E414DAE678}"/>
               </a:ext>
             </a:extLst>
           </p:cNvPr>
@@ -10845,7 +10845,7 @@
           <p:cNvPr id="4" name="Picture 2" descr="Image result for artificial intelligence">
             <a:extLst>
               <a:ext uri="{FF2B5EF4-FFF2-40B4-BE49-F238E27FC236}">
-                <a16:creationId xmlns="" xmlns:a16="http://schemas.microsoft.com/office/drawing/2014/main" id="{0DAEA2E1-C284-43E2-8055-9522C82515CA}"/>
+                <a16:creationId xmlns:a16="http://schemas.microsoft.com/office/drawing/2014/main" xmlns="" id="{0DAEA2E1-C284-43E2-8055-9522C82515CA}"/>
               </a:ext>
             </a:extLst>
           </p:cNvPr>
@@ -10892,7 +10892,7 @@
           <p:cNvPr id="5" name="Picture 8" descr="Image result for applications of artificial intelligence">
             <a:extLst>
               <a:ext uri="{FF2B5EF4-FFF2-40B4-BE49-F238E27FC236}">
-                <a16:creationId xmlns="" xmlns:a16="http://schemas.microsoft.com/office/drawing/2014/main" id="{030E6182-967A-44D7-8BED-F8E414DAE678}"/>
+                <a16:creationId xmlns:a16="http://schemas.microsoft.com/office/drawing/2014/main" xmlns="" id="{030E6182-967A-44D7-8BED-F8E414DAE678}"/>
               </a:ext>
             </a:extLst>
           </p:cNvPr>
@@ -11204,7 +11204,7 @@
           <p:cNvPr id="4" name="Picture 2" descr="Image result for tensorflow logo">
             <a:extLst>
               <a:ext uri="{FF2B5EF4-FFF2-40B4-BE49-F238E27FC236}">
-                <a16:creationId xmlns:a16="http://schemas.microsoft.com/office/drawing/2014/main" xmlns="" id="{B9A1D4E3-9D1C-4A3E-944D-BA941DCBD60B}"/>
+                <a16:creationId xmlns="" xmlns:a16="http://schemas.microsoft.com/office/drawing/2014/main" id="{B9A1D4E3-9D1C-4A3E-944D-BA941DCBD60B}"/>
               </a:ext>
             </a:extLst>
           </p:cNvPr>
@@ -11251,7 +11251,7 @@
           <p:cNvPr id="5" name="Picture 4" descr="Image result for pytorch logo">
             <a:extLst>
               <a:ext uri="{FF2B5EF4-FFF2-40B4-BE49-F238E27FC236}">
-                <a16:creationId xmlns:a16="http://schemas.microsoft.com/office/drawing/2014/main" xmlns="" id="{6A0D8B6B-9A8B-4981-B678-86257C33AF3C}"/>
+                <a16:creationId xmlns="" xmlns:a16="http://schemas.microsoft.com/office/drawing/2014/main" id="{6A0D8B6B-9A8B-4981-B678-86257C33AF3C}"/>
               </a:ext>
             </a:extLst>
           </p:cNvPr>
@@ -11298,7 +11298,7 @@
           <p:cNvPr id="7" name="Picture 8" descr="Image result for keras logo">
             <a:extLst>
               <a:ext uri="{FF2B5EF4-FFF2-40B4-BE49-F238E27FC236}">
-                <a16:creationId xmlns:a16="http://schemas.microsoft.com/office/drawing/2014/main" xmlns="" id="{33CCF501-0E9C-4C8C-BFCC-713767570EF0}"/>
+                <a16:creationId xmlns="" xmlns:a16="http://schemas.microsoft.com/office/drawing/2014/main" id="{33CCF501-0E9C-4C8C-BFCC-713767570EF0}"/>
               </a:ext>
             </a:extLst>
           </p:cNvPr>
@@ -11345,7 +11345,7 @@
           <p:cNvPr id="8" name="Picture 10" descr="Image result for theano logo">
             <a:extLst>
               <a:ext uri="{FF2B5EF4-FFF2-40B4-BE49-F238E27FC236}">
-                <a16:creationId xmlns:a16="http://schemas.microsoft.com/office/drawing/2014/main" xmlns="" id="{579B04DE-B2DC-4ED7-AA9D-5AAA9580572E}"/>
+                <a16:creationId xmlns="" xmlns:a16="http://schemas.microsoft.com/office/drawing/2014/main" id="{579B04DE-B2DC-4ED7-AA9D-5AAA9580572E}"/>
               </a:ext>
             </a:extLst>
           </p:cNvPr>
@@ -11392,7 +11392,7 @@
           <p:cNvPr id="9" name="Picture 12" descr="Image result for pandas data mining logo">
             <a:extLst>
               <a:ext uri="{FF2B5EF4-FFF2-40B4-BE49-F238E27FC236}">
-                <a16:creationId xmlns:a16="http://schemas.microsoft.com/office/drawing/2014/main" xmlns="" id="{A9345AF3-EF63-4F70-A5B2-8F8ED0E283FD}"/>
+                <a16:creationId xmlns="" xmlns:a16="http://schemas.microsoft.com/office/drawing/2014/main" id="{A9345AF3-EF63-4F70-A5B2-8F8ED0E283FD}"/>
               </a:ext>
             </a:extLst>
           </p:cNvPr>
@@ -11439,7 +11439,7 @@
           <p:cNvPr id="6" name="Picture 6" descr="Image result for scikit learn logo">
             <a:extLst>
               <a:ext uri="{FF2B5EF4-FFF2-40B4-BE49-F238E27FC236}">
-                <a16:creationId xmlns:a16="http://schemas.microsoft.com/office/drawing/2014/main" xmlns="" id="{87129D40-D136-4716-8871-12CAEC603994}"/>
+                <a16:creationId xmlns="" xmlns:a16="http://schemas.microsoft.com/office/drawing/2014/main" id="{87129D40-D136-4716-8871-12CAEC603994}"/>
               </a:ext>
             </a:extLst>
           </p:cNvPr>
@@ -11516,7 +11516,7 @@
           <p:cNvPr id="2" name="Título 1">
             <a:extLst>
               <a:ext uri="{FF2B5EF4-FFF2-40B4-BE49-F238E27FC236}">
-                <a16:creationId xmlns:a16="http://schemas.microsoft.com/office/drawing/2014/main" xmlns="" id="{220079F9-71B9-4466-B35D-68523A745D24}"/>
+                <a16:creationId xmlns="" xmlns:a16="http://schemas.microsoft.com/office/drawing/2014/main" id="{220079F9-71B9-4466-B35D-68523A745D24}"/>
               </a:ext>
             </a:extLst>
           </p:cNvPr>
@@ -11549,7 +11549,7 @@
           <p:cNvPr id="3" name="Espaço Reservado para Conteúdo 2">
             <a:extLst>
               <a:ext uri="{FF2B5EF4-FFF2-40B4-BE49-F238E27FC236}">
-                <a16:creationId xmlns:a16="http://schemas.microsoft.com/office/drawing/2014/main" xmlns="" id="{5BA8D271-087B-414B-ABC6-D7C5E7367E33}"/>
+                <a16:creationId xmlns="" xmlns:a16="http://schemas.microsoft.com/office/drawing/2014/main" id="{5BA8D271-087B-414B-ABC6-D7C5E7367E33}"/>
               </a:ext>
             </a:extLst>
           </p:cNvPr>
@@ -11649,7 +11649,7 @@
           <p:cNvPr id="3074" name="Picture 2" descr="Image result for machine learning">
             <a:extLst>
               <a:ext uri="{FF2B5EF4-FFF2-40B4-BE49-F238E27FC236}">
-                <a16:creationId xmlns:a16="http://schemas.microsoft.com/office/drawing/2014/main" xmlns="" id="{0F1D94CB-2EF0-4960-BC00-8889565E93D1}"/>
+                <a16:creationId xmlns="" xmlns:a16="http://schemas.microsoft.com/office/drawing/2014/main" id="{0F1D94CB-2EF0-4960-BC00-8889565E93D1}"/>
               </a:ext>
             </a:extLst>
           </p:cNvPr>
@@ -11755,7 +11755,7 @@
           <p:cNvPr id="4" name="Picture 4" descr="Image result for supervised learning">
             <a:extLst>
               <a:ext uri="{FF2B5EF4-FFF2-40B4-BE49-F238E27FC236}">
-                <a16:creationId xmlns:a16="http://schemas.microsoft.com/office/drawing/2014/main" xmlns="" id="{2520F4EA-1E3E-4F3B-97C0-DF47861DCD42}"/>
+                <a16:creationId xmlns="" xmlns:a16="http://schemas.microsoft.com/office/drawing/2014/main" id="{2520F4EA-1E3E-4F3B-97C0-DF47861DCD42}"/>
               </a:ext>
             </a:extLst>
           </p:cNvPr>
@@ -12360,7 +12360,7 @@
           <p:cNvPr id="2" name="Título 1">
             <a:extLst>
               <a:ext uri="{FF2B5EF4-FFF2-40B4-BE49-F238E27FC236}">
-                <a16:creationId xmlns:a16="http://schemas.microsoft.com/office/drawing/2014/main" xmlns="" id="{6CB39B9C-599D-4DED-8180-FA8AD66BB117}"/>
+                <a16:creationId xmlns="" xmlns:a16="http://schemas.microsoft.com/office/drawing/2014/main" id="{6CB39B9C-599D-4DED-8180-FA8AD66BB117}"/>
               </a:ext>
             </a:extLst>
           </p:cNvPr>
@@ -12395,7 +12395,7 @@
               <p:cNvPr id="3" name="Espaço Reservado para Conteúdo 2">
                 <a:extLst>
                   <a:ext uri="{FF2B5EF4-FFF2-40B4-BE49-F238E27FC236}">
-                    <a16:creationId xmlns:a16="http://schemas.microsoft.com/office/drawing/2014/main" xmlns="" id="{5E0262E2-3A0F-4805-BCCB-6745237D1574}"/>
+                    <a16:creationId xmlns="" xmlns:a16="http://schemas.microsoft.com/office/drawing/2014/main" id="{5E0262E2-3A0F-4805-BCCB-6745237D1574}"/>
                   </a:ext>
                 </a:extLst>
               </p:cNvPr>
@@ -12632,7 +12632,7 @@
           <p:cNvPr id="3074" name="Picture 2" descr="https://www.ecloudvalley.com/wp-content/uploads/2019/09/Unsupervised-learning.png">
             <a:extLst>
               <a:ext uri="{FF2B5EF4-FFF2-40B4-BE49-F238E27FC236}">
-                <a16:creationId xmlns:a16="http://schemas.microsoft.com/office/drawing/2014/main" xmlns="" id="{E1E9C2D9-93F7-4EA6-9C7E-D658C2452746}"/>
+                <a16:creationId xmlns="" xmlns:a16="http://schemas.microsoft.com/office/drawing/2014/main" id="{E1E9C2D9-93F7-4EA6-9C7E-D658C2452746}"/>
               </a:ext>
             </a:extLst>
           </p:cNvPr>
@@ -12677,7 +12677,7 @@
           <p:cNvPr id="1028" name="Picture 4" descr="https://slideplayer.com/slide/13055479/79/images/6/Data+Compression+Reduce+data+from+3D+to+2D+Andrew+Ng.jpg">
             <a:extLst>
               <a:ext uri="{FF2B5EF4-FFF2-40B4-BE49-F238E27FC236}">
-                <a16:creationId xmlns:a16="http://schemas.microsoft.com/office/drawing/2014/main" xmlns="" id="{F20F10B0-B790-4630-9FD0-F82B2B0DFAD5}"/>
+                <a16:creationId xmlns="" xmlns:a16="http://schemas.microsoft.com/office/drawing/2014/main" id="{F20F10B0-B790-4630-9FD0-F82B2B0DFAD5}"/>
               </a:ext>
             </a:extLst>
           </p:cNvPr>
@@ -12722,7 +12722,7 @@
           <p:cNvPr id="1030" name="Picture 6" descr="Image result for outlier ">
             <a:extLst>
               <a:ext uri="{FF2B5EF4-FFF2-40B4-BE49-F238E27FC236}">
-                <a16:creationId xmlns:a16="http://schemas.microsoft.com/office/drawing/2014/main" xmlns="" id="{5E7788A9-1556-48E2-A68C-C98CBCD57CE7}"/>
+                <a16:creationId xmlns="" xmlns:a16="http://schemas.microsoft.com/office/drawing/2014/main" id="{5E7788A9-1556-48E2-A68C-C98CBCD57CE7}"/>
               </a:ext>
             </a:extLst>
           </p:cNvPr>
@@ -12767,7 +12767,7 @@
           <p:cNvPr id="1032" name="Picture 8" descr="http://users.telenet.be/martialluyts/img/basket.jpg">
             <a:extLst>
               <a:ext uri="{FF2B5EF4-FFF2-40B4-BE49-F238E27FC236}">
-                <a16:creationId xmlns:a16="http://schemas.microsoft.com/office/drawing/2014/main" xmlns="" id="{91C7F0A4-66BC-4E4C-B7C9-061F60727247}"/>
+                <a16:creationId xmlns="" xmlns:a16="http://schemas.microsoft.com/office/drawing/2014/main" id="{91C7F0A4-66BC-4E4C-B7C9-061F60727247}"/>
               </a:ext>
             </a:extLst>
           </p:cNvPr>
@@ -13166,7 +13166,7 @@
           <p:cNvPr id="2" name="Título 1">
             <a:extLst>
               <a:ext uri="{FF2B5EF4-FFF2-40B4-BE49-F238E27FC236}">
-                <a16:creationId xmlns:a16="http://schemas.microsoft.com/office/drawing/2014/main" xmlns="" id="{646F6830-B3DF-4F50-823F-7E36C43380D1}"/>
+                <a16:creationId xmlns="" xmlns:a16="http://schemas.microsoft.com/office/drawing/2014/main" id="{646F6830-B3DF-4F50-823F-7E36C43380D1}"/>
               </a:ext>
             </a:extLst>
           </p:cNvPr>
@@ -13199,7 +13199,7 @@
           <p:cNvPr id="3" name="Espaço Reservado para Conteúdo 2">
             <a:extLst>
               <a:ext uri="{FF2B5EF4-FFF2-40B4-BE49-F238E27FC236}">
-                <a16:creationId xmlns:a16="http://schemas.microsoft.com/office/drawing/2014/main" xmlns="" xmlns:a14="http://schemas.microsoft.com/office/drawing/2010/main" xmlns:mc="http://schemas.openxmlformats.org/markup-compatibility/2006" id="{071E0B55-13FE-4ADE-80F7-AFEDEF27C875}"/>
+                <a16:creationId xmlns:mc="http://schemas.openxmlformats.org/markup-compatibility/2006" xmlns:a14="http://schemas.microsoft.com/office/drawing/2010/main" xmlns="" xmlns:a16="http://schemas.microsoft.com/office/drawing/2014/main" id="{071E0B55-13FE-4ADE-80F7-AFEDEF27C875}"/>
               </a:ext>
             </a:extLst>
           </p:cNvPr>
@@ -15515,7 +15515,7 @@
           <p:cNvPr id="2" name="Título 1">
             <a:extLst>
               <a:ext uri="{FF2B5EF4-FFF2-40B4-BE49-F238E27FC236}">
-                <a16:creationId xmlns:a16="http://schemas.microsoft.com/office/drawing/2014/main" xmlns="" id="{A2A4684C-1159-4F88-A2B1-6BABEDE38C4D}"/>
+                <a16:creationId xmlns="" xmlns:a16="http://schemas.microsoft.com/office/drawing/2014/main" id="{A2A4684C-1159-4F88-A2B1-6BABEDE38C4D}"/>
               </a:ext>
             </a:extLst>
           </p:cNvPr>
@@ -15543,7 +15543,7 @@
           <p:cNvPr id="3" name="Espaço Reservado para Conteúdo 2">
             <a:extLst>
               <a:ext uri="{FF2B5EF4-FFF2-40B4-BE49-F238E27FC236}">
-                <a16:creationId xmlns:a16="http://schemas.microsoft.com/office/drawing/2014/main" xmlns="" id="{EC432B31-D382-41FF-BB6B-2ABDD322424B}"/>
+                <a16:creationId xmlns="" xmlns:a16="http://schemas.microsoft.com/office/drawing/2014/main" id="{EC432B31-D382-41FF-BB6B-2ABDD322424B}"/>
               </a:ext>
             </a:extLst>
           </p:cNvPr>
@@ -16034,15 +16034,7 @@
             </a:r>
             <a:r>
               <a:rPr lang="pt-BR" dirty="0" smtClean="0"/>
-              <a:t>19:30 </a:t>
-            </a:r>
-            <a:r>
-              <a:rPr lang="pt-BR" dirty="0" smtClean="0"/>
-              <a:t>(provisório)</a:t>
-            </a:r>
-            <a:r>
-              <a:rPr lang="pt-BR" dirty="0" smtClean="0"/>
-              <a:t>.</a:t>
+              <a:t>19:30 (provisório).</a:t>
             </a:r>
             <a:endParaRPr lang="pt-BR" dirty="0"/>
           </a:p>
@@ -16074,8 +16066,8 @@
               <a:t>maycol.teles@ges.inatel.br</a:t>
             </a:r>
             <a:r>
-              <a:rPr lang="pt-BR" dirty="0" smtClean="0"/>
-              <a:t>): será divulgado em breve.</a:t>
+              <a:rPr lang="pt-BR" smtClean="0"/>
+              <a:t>): quartas-feiras das 18:30 às 19:30.</a:t>
             </a:r>
             <a:endParaRPr lang="pt-BR" dirty="0"/>
           </a:p>
@@ -16350,7 +16342,7 @@
           <p:cNvPr id="4" name="Título 1">
             <a:extLst>
               <a:ext uri="{FF2B5EF4-FFF2-40B4-BE49-F238E27FC236}">
-                <a16:creationId xmlns:a16="http://schemas.microsoft.com/office/drawing/2014/main" xmlns="" id="{32666AC8-2E17-4DB4-B0F5-60C640CCFD2E}"/>
+                <a16:creationId xmlns="" xmlns:a16="http://schemas.microsoft.com/office/drawing/2014/main" id="{32666AC8-2E17-4DB4-B0F5-60C640CCFD2E}"/>
               </a:ext>
             </a:extLst>
           </p:cNvPr>
@@ -17045,17 +17037,8 @@
                       </a:pPr>
                       <a:r>
                         <a:rPr lang="pt-BR" sz="2000" dirty="0" smtClean="0"/>
-                        <a:t>19:30 </a:t>
+                        <a:t>19:30 às 21:10</a:t>
                       </a:r>
-                      <a:r>
-                        <a:rPr lang="pt-BR" sz="2000" dirty="0" smtClean="0"/>
-                        <a:t>às </a:t>
-                      </a:r>
-                      <a:r>
-                        <a:rPr lang="pt-BR" sz="2000" dirty="0" smtClean="0"/>
-                        <a:t>21:10</a:t>
-                      </a:r>
-                      <a:endParaRPr lang="pt-BR" sz="2000" dirty="0" smtClean="0"/>
                     </a:p>
                   </a:txBody>
                   <a:tcPr marL="23211" marR="23211" marT="15474" marB="15474" anchor="ctr">
@@ -19604,7 +19587,7 @@
           <p:cNvPr id="4" name="Agrupar 9">
             <a:extLst>
               <a:ext uri="{FF2B5EF4-FFF2-40B4-BE49-F238E27FC236}">
-                <a16:creationId xmlns:a16="http://schemas.microsoft.com/office/drawing/2014/main" xmlns="" id="{0B96ABED-DB41-410B-A604-C06F86EA7584}"/>
+                <a16:creationId xmlns="" xmlns:a16="http://schemas.microsoft.com/office/drawing/2014/main" id="{0B96ABED-DB41-410B-A604-C06F86EA7584}"/>
               </a:ext>
             </a:extLst>
           </p:cNvPr>
@@ -19624,7 +19607,7 @@
             <p:cNvPr id="5" name="Elipse 3">
               <a:extLst>
                 <a:ext uri="{FF2B5EF4-FFF2-40B4-BE49-F238E27FC236}">
-                  <a16:creationId xmlns:a16="http://schemas.microsoft.com/office/drawing/2014/main" xmlns="" id="{78EA9474-9E04-44C4-9E19-67FD40FBA058}"/>
+                  <a16:creationId xmlns="" xmlns:a16="http://schemas.microsoft.com/office/drawing/2014/main" id="{78EA9474-9E04-44C4-9E19-67FD40FBA058}"/>
                 </a:ext>
               </a:extLst>
             </p:cNvPr>
@@ -19681,7 +19664,7 @@
             <p:cNvPr id="6" name="Elipse 4">
               <a:extLst>
                 <a:ext uri="{FF2B5EF4-FFF2-40B4-BE49-F238E27FC236}">
-                  <a16:creationId xmlns:a16="http://schemas.microsoft.com/office/drawing/2014/main" xmlns="" id="{DA23CE7C-64D2-4FF1-83C3-4920F0AD635C}"/>
+                  <a16:creationId xmlns="" xmlns:a16="http://schemas.microsoft.com/office/drawing/2014/main" id="{DA23CE7C-64D2-4FF1-83C3-4920F0AD635C}"/>
                 </a:ext>
               </a:extLst>
             </p:cNvPr>
@@ -19739,7 +19722,7 @@
             <p:cNvPr id="7" name="Elipse 5">
               <a:extLst>
                 <a:ext uri="{FF2B5EF4-FFF2-40B4-BE49-F238E27FC236}">
-                  <a16:creationId xmlns:a16="http://schemas.microsoft.com/office/drawing/2014/main" xmlns="" id="{BDF2AACA-BD34-40AD-9FDE-4F93EBB4342D}"/>
+                  <a16:creationId xmlns="" xmlns:a16="http://schemas.microsoft.com/office/drawing/2014/main" id="{BDF2AACA-BD34-40AD-9FDE-4F93EBB4342D}"/>
                 </a:ext>
               </a:extLst>
             </p:cNvPr>
@@ -19797,7 +19780,7 @@
             <p:cNvPr id="8" name="CaixaDeTexto 10">
               <a:extLst>
                 <a:ext uri="{FF2B5EF4-FFF2-40B4-BE49-F238E27FC236}">
-                  <a16:creationId xmlns:a16="http://schemas.microsoft.com/office/drawing/2014/main" xmlns="" id="{51F63BB8-6AA0-41B8-AF42-7EF062B069A1}"/>
+                  <a16:creationId xmlns="" xmlns:a16="http://schemas.microsoft.com/office/drawing/2014/main" id="{51F63BB8-6AA0-41B8-AF42-7EF062B069A1}"/>
                 </a:ext>
               </a:extLst>
             </p:cNvPr>
@@ -19848,7 +19831,7 @@
             <p:cNvPr id="9" name="CaixaDeTexto 11">
               <a:extLst>
                 <a:ext uri="{FF2B5EF4-FFF2-40B4-BE49-F238E27FC236}">
-                  <a16:creationId xmlns:a16="http://schemas.microsoft.com/office/drawing/2014/main" xmlns="" id="{DFD039E3-20CE-44F5-92EF-195036537592}"/>
+                  <a16:creationId xmlns="" xmlns:a16="http://schemas.microsoft.com/office/drawing/2014/main" id="{DFD039E3-20CE-44F5-92EF-195036537592}"/>
                 </a:ext>
               </a:extLst>
             </p:cNvPr>
@@ -19899,7 +19882,7 @@
             <p:cNvPr id="10" name="CaixaDeTexto 12">
               <a:extLst>
                 <a:ext uri="{FF2B5EF4-FFF2-40B4-BE49-F238E27FC236}">
-                  <a16:creationId xmlns:a16="http://schemas.microsoft.com/office/drawing/2014/main" xmlns="" id="{2BA92F8A-1455-40AE-B18C-EA6C3DE256D6}"/>
+                  <a16:creationId xmlns="" xmlns:a16="http://schemas.microsoft.com/office/drawing/2014/main" id="{2BA92F8A-1455-40AE-B18C-EA6C3DE256D6}"/>
                 </a:ext>
               </a:extLst>
             </p:cNvPr>
@@ -21584,7 +21567,7 @@
           <p:cNvPr id="2" name="Título 1">
             <a:extLst>
               <a:ext uri="{FF2B5EF4-FFF2-40B4-BE49-F238E27FC236}">
-                <a16:creationId xmlns:a16="http://schemas.microsoft.com/office/drawing/2014/main" xmlns="" id="{C4F48192-B348-4C3E-8621-D3755D2230F8}"/>
+                <a16:creationId xmlns="" xmlns:a16="http://schemas.microsoft.com/office/drawing/2014/main" id="{C4F48192-B348-4C3E-8621-D3755D2230F8}"/>
               </a:ext>
             </a:extLst>
           </p:cNvPr>
@@ -21621,7 +21604,7 @@
           <p:cNvPr id="3" name="Espaço Reservado para Conteúdo 2">
             <a:extLst>
               <a:ext uri="{FF2B5EF4-FFF2-40B4-BE49-F238E27FC236}">
-                <a16:creationId xmlns:a16="http://schemas.microsoft.com/office/drawing/2014/main" xmlns="" id="{E3DECB90-AFD9-4AC6-A356-C93A7442A6E6}"/>
+                <a16:creationId xmlns="" xmlns:a16="http://schemas.microsoft.com/office/drawing/2014/main" id="{E3DECB90-AFD9-4AC6-A356-C93A7442A6E6}"/>
               </a:ext>
             </a:extLst>
           </p:cNvPr>
@@ -21783,7 +21766,7 @@
           <p:cNvPr id="3074" name="Picture 2" descr="Image result for machine learning">
             <a:extLst>
               <a:ext uri="{FF2B5EF4-FFF2-40B4-BE49-F238E27FC236}">
-                <a16:creationId xmlns:a16="http://schemas.microsoft.com/office/drawing/2014/main" xmlns="" id="{78A93243-9634-4B0E-B1B2-37A218EAEADD}"/>
+                <a16:creationId xmlns="" xmlns:a16="http://schemas.microsoft.com/office/drawing/2014/main" id="{78A93243-9634-4B0E-B1B2-37A218EAEADD}"/>
               </a:ext>
             </a:extLst>
           </p:cNvPr>
@@ -21978,15 +21961,7 @@
             </a:pPr>
             <a:r>
               <a:rPr lang="pt-BR" dirty="0" smtClean="0"/>
-              <a:t>Uma parte </a:t>
-            </a:r>
-            <a:r>
-              <a:rPr lang="pt-BR" dirty="0" smtClean="0"/>
-              <a:t>do </a:t>
-            </a:r>
-            <a:r>
-              <a:rPr lang="pt-BR" dirty="0" smtClean="0"/>
-              <a:t>trabalho será feita </a:t>
+              <a:t>Uma parte do trabalho será feita </a:t>
             </a:r>
             <a:r>
               <a:rPr lang="pt-BR" b="1" i="1" dirty="0" smtClean="0"/>
@@ -22253,7 +22228,7 @@
           <p:cNvPr id="2" name="Título 1">
             <a:extLst>
               <a:ext uri="{FF2B5EF4-FFF2-40B4-BE49-F238E27FC236}">
-                <a16:creationId xmlns:a16="http://schemas.microsoft.com/office/drawing/2014/main" xmlns="" id="{323B9288-93D4-4CC5-BE00-B2E741C4A62E}"/>
+                <a16:creationId xmlns="" xmlns:a16="http://schemas.microsoft.com/office/drawing/2014/main" id="{323B9288-93D4-4CC5-BE00-B2E741C4A62E}"/>
               </a:ext>
             </a:extLst>
           </p:cNvPr>
@@ -22281,7 +22256,7 @@
           <p:cNvPr id="3" name="Espaço Reservado para Conteúdo 2">
             <a:extLst>
               <a:ext uri="{FF2B5EF4-FFF2-40B4-BE49-F238E27FC236}">
-                <a16:creationId xmlns:a16="http://schemas.microsoft.com/office/drawing/2014/main" xmlns="" id="{C04549A7-FF67-48B8-B0EE-75CF43A83803}"/>
+                <a16:creationId xmlns="" xmlns:a16="http://schemas.microsoft.com/office/drawing/2014/main" id="{C04549A7-FF67-48B8-B0EE-75CF43A83803}"/>
               </a:ext>
             </a:extLst>
           </p:cNvPr>
@@ -22386,7 +22361,7 @@
           <p:cNvPr id="2052" name="Picture 4" descr="Image result for google">
             <a:extLst>
               <a:ext uri="{FF2B5EF4-FFF2-40B4-BE49-F238E27FC236}">
-                <a16:creationId xmlns:a16="http://schemas.microsoft.com/office/drawing/2014/main" xmlns="" id="{438DFBB1-BCAF-4232-8212-13512A523B87}"/>
+                <a16:creationId xmlns="" xmlns:a16="http://schemas.microsoft.com/office/drawing/2014/main" id="{438DFBB1-BCAF-4232-8212-13512A523B87}"/>
               </a:ext>
             </a:extLst>
           </p:cNvPr>
@@ -22431,7 +22406,7 @@
           <p:cNvPr id="2054" name="Picture 6" descr="Image result for amazon">
             <a:extLst>
               <a:ext uri="{FF2B5EF4-FFF2-40B4-BE49-F238E27FC236}">
-                <a16:creationId xmlns:a16="http://schemas.microsoft.com/office/drawing/2014/main" xmlns="" id="{0F346A9F-5169-48E9-BC8D-A7A5601546B4}"/>
+                <a16:creationId xmlns="" xmlns:a16="http://schemas.microsoft.com/office/drawing/2014/main" id="{0F346A9F-5169-48E9-BC8D-A7A5601546B4}"/>
               </a:ext>
             </a:extLst>
           </p:cNvPr>
@@ -22476,7 +22451,7 @@
           <p:cNvPr id="2056" name="Picture 8" descr="Image result for IBM">
             <a:extLst>
               <a:ext uri="{FF2B5EF4-FFF2-40B4-BE49-F238E27FC236}">
-                <a16:creationId xmlns:a16="http://schemas.microsoft.com/office/drawing/2014/main" xmlns="" id="{F4203440-F9CD-4A35-AECB-4F9069DDD8D8}"/>
+                <a16:creationId xmlns="" xmlns:a16="http://schemas.microsoft.com/office/drawing/2014/main" id="{F4203440-F9CD-4A35-AECB-4F9069DDD8D8}"/>
               </a:ext>
             </a:extLst>
           </p:cNvPr>
@@ -22523,7 +22498,7 @@
           <p:cNvPr id="2058" name="Picture 10" descr="Image result for microsoft">
             <a:extLst>
               <a:ext uri="{FF2B5EF4-FFF2-40B4-BE49-F238E27FC236}">
-                <a16:creationId xmlns:a16="http://schemas.microsoft.com/office/drawing/2014/main" xmlns="" id="{889DF1D8-7481-4A46-9FD7-52BAF8D9886D}"/>
+                <a16:creationId xmlns="" xmlns:a16="http://schemas.microsoft.com/office/drawing/2014/main" id="{889DF1D8-7481-4A46-9FD7-52BAF8D9886D}"/>
               </a:ext>
             </a:extLst>
           </p:cNvPr>
@@ -22568,7 +22543,7 @@
           <p:cNvPr id="2062" name="Picture 14" descr="Image result for apple">
             <a:extLst>
               <a:ext uri="{FF2B5EF4-FFF2-40B4-BE49-F238E27FC236}">
-                <a16:creationId xmlns:a16="http://schemas.microsoft.com/office/drawing/2014/main" xmlns="" id="{E6493393-D074-45B9-BE4A-3BA749178941}"/>
+                <a16:creationId xmlns="" xmlns:a16="http://schemas.microsoft.com/office/drawing/2014/main" id="{E6493393-D074-45B9-BE4A-3BA749178941}"/>
               </a:ext>
             </a:extLst>
           </p:cNvPr>
@@ -22693,7 +22668,7 @@
           <p:cNvPr id="2050" name="Picture 2" descr="Image result for facebook">
             <a:extLst>
               <a:ext uri="{FF2B5EF4-FFF2-40B4-BE49-F238E27FC236}">
-                <a16:creationId xmlns:a16="http://schemas.microsoft.com/office/drawing/2014/main" xmlns="" id="{629596EE-D27E-4FA4-917F-4B2F4A295C7D}"/>
+                <a16:creationId xmlns="" xmlns:a16="http://schemas.microsoft.com/office/drawing/2014/main" id="{629596EE-D27E-4FA4-917F-4B2F4A295C7D}"/>
               </a:ext>
             </a:extLst>
           </p:cNvPr>
@@ -22738,7 +22713,7 @@
           <p:cNvPr id="21" name="Picture 4" descr="Image result for ericsson logo">
             <a:extLst>
               <a:ext uri="{FF2B5EF4-FFF2-40B4-BE49-F238E27FC236}">
-                <a16:creationId xmlns:a16="http://schemas.microsoft.com/office/drawing/2014/main" xmlns="" id="{D2E42DB6-DBED-40AD-BE13-35A320551592}"/>
+                <a16:creationId xmlns="" xmlns:a16="http://schemas.microsoft.com/office/drawing/2014/main" id="{D2E42DB6-DBED-40AD-BE13-35A320551592}"/>
               </a:ext>
             </a:extLst>
           </p:cNvPr>
@@ -22785,7 +22760,7 @@
           <p:cNvPr id="22" name="Picture 6" descr="Image result for qualcomm logo">
             <a:extLst>
               <a:ext uri="{FF2B5EF4-FFF2-40B4-BE49-F238E27FC236}">
-                <a16:creationId xmlns:a16="http://schemas.microsoft.com/office/drawing/2014/main" xmlns="" id="{16E08342-ACB0-45D6-9003-A412614BF63C}"/>
+                <a16:creationId xmlns="" xmlns:a16="http://schemas.microsoft.com/office/drawing/2014/main" id="{16E08342-ACB0-45D6-9003-A412614BF63C}"/>
               </a:ext>
             </a:extLst>
           </p:cNvPr>
@@ -22830,7 +22805,7 @@
           <p:cNvPr id="23" name="Picture 8" descr="Image result for huawei logo">
             <a:extLst>
               <a:ext uri="{FF2B5EF4-FFF2-40B4-BE49-F238E27FC236}">
-                <a16:creationId xmlns:a16="http://schemas.microsoft.com/office/drawing/2014/main" xmlns="" id="{4D4C2FC0-11E7-423E-ADFE-E40E3FBE955B}"/>
+                <a16:creationId xmlns="" xmlns:a16="http://schemas.microsoft.com/office/drawing/2014/main" id="{4D4C2FC0-11E7-423E-ADFE-E40E3FBE955B}"/>
               </a:ext>
             </a:extLst>
           </p:cNvPr>
@@ -23917,7 +23892,7 @@
             <p:cNvPr id="5" name="Agrupar 4">
               <a:extLst>
                 <a:ext uri="{FF2B5EF4-FFF2-40B4-BE49-F238E27FC236}">
-                  <a16:creationId xmlns:a16="http://schemas.microsoft.com/office/drawing/2014/main" xmlns="" id="{7463A6D3-5626-4043-85E5-66DFB2E72B8A}"/>
+                  <a16:creationId xmlns="" xmlns:a16="http://schemas.microsoft.com/office/drawing/2014/main" id="{7463A6D3-5626-4043-85E5-66DFB2E72B8A}"/>
                 </a:ext>
               </a:extLst>
             </p:cNvPr>
@@ -23937,7 +23912,7 @@
               <p:cNvPr id="11" name="Picture 2" descr="Image result for umbrella">
                 <a:extLst>
                   <a:ext uri="{FF2B5EF4-FFF2-40B4-BE49-F238E27FC236}">
-                    <a16:creationId xmlns:a16="http://schemas.microsoft.com/office/drawing/2014/main" xmlns="" id="{46CE05B1-E4CB-4173-8A0C-9C000F3F0A67}"/>
+                    <a16:creationId xmlns="" xmlns:a16="http://schemas.microsoft.com/office/drawing/2014/main" id="{46CE05B1-E4CB-4173-8A0C-9C000F3F0A67}"/>
                   </a:ext>
                 </a:extLst>
               </p:cNvPr>
@@ -23982,7 +23957,7 @@
               <p:cNvPr id="12" name="CaixaDeTexto 3">
                 <a:extLst>
                   <a:ext uri="{FF2B5EF4-FFF2-40B4-BE49-F238E27FC236}">
-                    <a16:creationId xmlns:a16="http://schemas.microsoft.com/office/drawing/2014/main" xmlns="" id="{CC08EDBF-9120-4A11-84A9-24A056EA1046}"/>
+                    <a16:creationId xmlns="" xmlns:a16="http://schemas.microsoft.com/office/drawing/2014/main" id="{CC08EDBF-9120-4A11-84A9-24A056EA1046}"/>
                   </a:ext>
                 </a:extLst>
               </p:cNvPr>
@@ -24478,7 +24453,7 @@
           <p:cNvPr id="4" name="Picture 4" descr="Image result for aprendizado de máquina">
             <a:extLst>
               <a:ext uri="{FF2B5EF4-FFF2-40B4-BE49-F238E27FC236}">
-                <a16:creationId xmlns:a16="http://schemas.microsoft.com/office/drawing/2014/main" xmlns="" id="{4530CE78-625F-49E3-B829-A2E7FD1CE262}"/>
+                <a16:creationId xmlns="" xmlns:a16="http://schemas.microsoft.com/office/drawing/2014/main" id="{4530CE78-625F-49E3-B829-A2E7FD1CE262}"/>
               </a:ext>
             </a:extLst>
           </p:cNvPr>

--- a/slides/T319_Introdução.pptx
+++ b/slides/T319_Introdução.pptx
@@ -306,7 +306,7 @@
           <a:p>
             <a:fld id="{144F1436-6906-4D93-B7A2-786C327BFA14}" type="datetimeFigureOut">
               <a:rPr lang="nl-BE" smtClean="0"/>
-              <a:t>6/02/2023</a:t>
+              <a:t>10/02/2023</a:t>
             </a:fld>
             <a:endParaRPr lang="nl-BE"/>
           </a:p>
@@ -471,7 +471,7 @@
           <a:p>
             <a:fld id="{AA8CD09E-2914-4F47-B6C1-51B2C31814C9}" type="datetimeFigureOut">
               <a:rPr lang="pt-BR" smtClean="0"/>
-              <a:t>06/02/2023</a:t>
+              <a:t>10/02/2023</a:t>
             </a:fld>
             <a:endParaRPr lang="pt-BR"/>
           </a:p>
@@ -963,15 +963,7 @@
             </a:r>
             <a:r>
               <a:rPr lang="pt-BR" sz="1200" dirty="0" smtClean="0"/>
-              <a:t> é uma biblioteca de software livre e de código aberto para fluxo de dados e programação </a:t>
-            </a:r>
-            <a:r>
-              <a:rPr lang="pt-BR" sz="1200" dirty="0" err="1" smtClean="0"/>
-              <a:t>diferenciável</a:t>
-            </a:r>
-            <a:r>
-              <a:rPr lang="pt-BR" sz="1200" dirty="0" smtClean="0"/>
-              <a:t>. É uma biblioteca matemática simbólica e também é usada para aplicativos de aprendizado de máquina, como redes neurais.</a:t>
+              <a:t> é uma biblioteca de software livre e de código aberto para fluxo de dados e programação diferenciável. É uma biblioteca matemática simbólica e também é usada para aplicativos de aprendizado de máquina, como redes neurais.</a:t>
             </a:r>
           </a:p>
           <a:p>
@@ -2705,31 +2697,7 @@
                 <a:ea typeface="+mn-ea"/>
                 <a:cs typeface="+mn-cs"/>
               </a:rPr>
-              <a:t>objetivo de encontrar soluções rápidas, muitas vezes </a:t>
-            </a:r>
-            <a:r>
-              <a:rPr lang="pt-BR" sz="1200" b="1" i="0" kern="1200" dirty="0" err="1" smtClean="0">
-                <a:solidFill>
-                  <a:schemeClr val="tx1"/>
-                </a:solidFill>
-                <a:effectLst/>
-                <a:latin typeface="+mn-lt"/>
-                <a:ea typeface="+mn-ea"/>
-                <a:cs typeface="+mn-cs"/>
-              </a:rPr>
-              <a:t>sub-ótimas</a:t>
-            </a:r>
-            <a:r>
-              <a:rPr lang="pt-BR" sz="1200" b="1" i="0" kern="1200" dirty="0" smtClean="0">
-                <a:solidFill>
-                  <a:schemeClr val="tx1"/>
-                </a:solidFill>
-                <a:effectLst/>
-                <a:latin typeface="+mn-lt"/>
-                <a:ea typeface="+mn-ea"/>
-                <a:cs typeface="+mn-cs"/>
-              </a:rPr>
-              <a:t>, para um problema</a:t>
+              <a:t>objetivo de encontrar soluções rápidas, muitas vezes sub-ótimas, para um problema</a:t>
             </a:r>
             <a:r>
               <a:rPr lang="pt-BR" sz="1200" b="0" i="0" kern="1200" dirty="0" smtClean="0">
@@ -5639,7 +5607,7 @@
           <a:p>
             <a:fld id="{63289F7E-B80B-496E-81B4-D396C37C9454}" type="datetimeFigureOut">
               <a:rPr lang="pt-BR" smtClean="0"/>
-              <a:t>06/02/2023</a:t>
+              <a:t>10/02/2023</a:t>
             </a:fld>
             <a:endParaRPr lang="pt-BR"/>
           </a:p>
@@ -5837,7 +5805,7 @@
           <a:p>
             <a:fld id="{63289F7E-B80B-496E-81B4-D396C37C9454}" type="datetimeFigureOut">
               <a:rPr lang="pt-BR" smtClean="0"/>
-              <a:t>06/02/2023</a:t>
+              <a:t>10/02/2023</a:t>
             </a:fld>
             <a:endParaRPr lang="pt-BR"/>
           </a:p>
@@ -6045,7 +6013,7 @@
           <a:p>
             <a:fld id="{63289F7E-B80B-496E-81B4-D396C37C9454}" type="datetimeFigureOut">
               <a:rPr lang="pt-BR" smtClean="0"/>
-              <a:t>06/02/2023</a:t>
+              <a:t>10/02/2023</a:t>
             </a:fld>
             <a:endParaRPr lang="pt-BR"/>
           </a:p>
@@ -6243,7 +6211,7 @@
           <a:p>
             <a:fld id="{63289F7E-B80B-496E-81B4-D396C37C9454}" type="datetimeFigureOut">
               <a:rPr lang="pt-BR" smtClean="0"/>
-              <a:t>06/02/2023</a:t>
+              <a:t>10/02/2023</a:t>
             </a:fld>
             <a:endParaRPr lang="pt-BR"/>
           </a:p>
@@ -6518,7 +6486,7 @@
           <a:p>
             <a:fld id="{63289F7E-B80B-496E-81B4-D396C37C9454}" type="datetimeFigureOut">
               <a:rPr lang="pt-BR" smtClean="0"/>
-              <a:t>06/02/2023</a:t>
+              <a:t>10/02/2023</a:t>
             </a:fld>
             <a:endParaRPr lang="pt-BR"/>
           </a:p>
@@ -6783,7 +6751,7 @@
           <a:p>
             <a:fld id="{63289F7E-B80B-496E-81B4-D396C37C9454}" type="datetimeFigureOut">
               <a:rPr lang="pt-BR" smtClean="0"/>
-              <a:t>06/02/2023</a:t>
+              <a:t>10/02/2023</a:t>
             </a:fld>
             <a:endParaRPr lang="pt-BR"/>
           </a:p>
@@ -7195,7 +7163,7 @@
           <a:p>
             <a:fld id="{63289F7E-B80B-496E-81B4-D396C37C9454}" type="datetimeFigureOut">
               <a:rPr lang="pt-BR" smtClean="0"/>
-              <a:t>06/02/2023</a:t>
+              <a:t>10/02/2023</a:t>
             </a:fld>
             <a:endParaRPr lang="pt-BR"/>
           </a:p>
@@ -7336,7 +7304,7 @@
           <a:p>
             <a:fld id="{63289F7E-B80B-496E-81B4-D396C37C9454}" type="datetimeFigureOut">
               <a:rPr lang="pt-BR" smtClean="0"/>
-              <a:t>06/02/2023</a:t>
+              <a:t>10/02/2023</a:t>
             </a:fld>
             <a:endParaRPr lang="pt-BR"/>
           </a:p>
@@ -7449,7 +7417,7 @@
           <a:p>
             <a:fld id="{63289F7E-B80B-496E-81B4-D396C37C9454}" type="datetimeFigureOut">
               <a:rPr lang="pt-BR" smtClean="0"/>
-              <a:t>06/02/2023</a:t>
+              <a:t>10/02/2023</a:t>
             </a:fld>
             <a:endParaRPr lang="pt-BR"/>
           </a:p>
@@ -7760,7 +7728,7 @@
           <a:p>
             <a:fld id="{63289F7E-B80B-496E-81B4-D396C37C9454}" type="datetimeFigureOut">
               <a:rPr lang="pt-BR" smtClean="0"/>
-              <a:t>06/02/2023</a:t>
+              <a:t>10/02/2023</a:t>
             </a:fld>
             <a:endParaRPr lang="pt-BR"/>
           </a:p>
@@ -8048,7 +8016,7 @@
           <a:p>
             <a:fld id="{63289F7E-B80B-496E-81B4-D396C37C9454}" type="datetimeFigureOut">
               <a:rPr lang="pt-BR" smtClean="0"/>
-              <a:t>06/02/2023</a:t>
+              <a:t>10/02/2023</a:t>
             </a:fld>
             <a:endParaRPr lang="pt-BR"/>
           </a:p>
@@ -8289,7 +8257,7 @@
           <a:p>
             <a:fld id="{63289F7E-B80B-496E-81B4-D396C37C9454}" type="datetimeFigureOut">
               <a:rPr lang="pt-BR" smtClean="0"/>
-              <a:t>06/02/2023</a:t>
+              <a:t>10/02/2023</a:t>
             </a:fld>
             <a:endParaRPr lang="pt-BR"/>
           </a:p>
@@ -9052,11 +9020,15 @@
             </a:r>
             <a:r>
               <a:rPr lang="pt-BR" b="1" i="1" dirty="0"/>
-              <a:t>aprendem automaticamente</a:t>
-            </a:r>
-            <a:r>
-              <a:rPr lang="pt-BR" dirty="0"/>
-              <a:t> </a:t>
+              <a:t>aprendem </a:t>
+            </a:r>
+            <a:r>
+              <a:rPr lang="pt-BR" b="1" i="1" dirty="0" smtClean="0"/>
+              <a:t>automaticamente </a:t>
+            </a:r>
+            <a:r>
+              <a:rPr lang="pt-BR" dirty="0" smtClean="0"/>
+              <a:t>(através de treinamento) </a:t>
             </a:r>
             <a:r>
               <a:rPr lang="pt-BR" dirty="0" smtClean="0"/>
@@ -9115,8 +9087,8 @@
         </p:blipFill>
         <p:spPr bwMode="auto">
           <a:xfrm>
-            <a:off x="4068919" y="5458522"/>
-            <a:ext cx="2027081" cy="1352182"/>
+            <a:off x="6885992" y="5542453"/>
+            <a:ext cx="1915886" cy="1278009"/>
           </a:xfrm>
           <a:prstGeom prst="rect">
             <a:avLst/>
@@ -9488,68 +9460,239 @@
           </a:fontRef>
         </p:style>
       </p:cxnSp>
-      <p:sp>
-        <p:nvSpPr>
-          <p:cNvPr id="9" name="TextBox 8"/>
-          <p:cNvSpPr txBox="1"/>
-          <p:nvPr/>
-        </p:nvSpPr>
-        <p:spPr>
-          <a:xfrm>
-            <a:off x="2340649" y="3021353"/>
-            <a:ext cx="1039586" cy="369332"/>
-          </a:xfrm>
-          <a:prstGeom prst="rect">
-            <a:avLst/>
-          </a:prstGeom>
-          <a:noFill/>
-        </p:spPr>
-        <p:txBody>
-          <a:bodyPr wrap="square" rtlCol="0">
-            <a:spAutoFit/>
-          </a:bodyPr>
-          <a:lstStyle/>
-          <a:p>
-            <a:pPr algn="ctr"/>
-            <a:r>
-              <a:rPr lang="pt-BR" dirty="0" smtClean="0"/>
-              <a:t>Entradas</a:t>
-            </a:r>
-            <a:endParaRPr lang="pt-BR" dirty="0"/>
-          </a:p>
-        </p:txBody>
-      </p:sp>
-      <p:sp>
-        <p:nvSpPr>
-          <p:cNvPr id="10" name="TextBox 9"/>
-          <p:cNvSpPr txBox="1"/>
-          <p:nvPr/>
-        </p:nvSpPr>
-        <p:spPr>
-          <a:xfrm>
-            <a:off x="2259447" y="3500890"/>
-            <a:ext cx="1174530" cy="369332"/>
-          </a:xfrm>
-          <a:prstGeom prst="rect">
-            <a:avLst/>
-          </a:prstGeom>
-          <a:noFill/>
-        </p:spPr>
-        <p:txBody>
-          <a:bodyPr wrap="square" rtlCol="0">
-            <a:spAutoFit/>
-          </a:bodyPr>
-          <a:lstStyle/>
-          <a:p>
-            <a:pPr algn="ctr"/>
-            <a:r>
-              <a:rPr lang="pt-BR" dirty="0" smtClean="0"/>
-              <a:t>Programa</a:t>
-            </a:r>
-            <a:endParaRPr lang="pt-BR" dirty="0"/>
-          </a:p>
-        </p:txBody>
-      </p:sp>
+      <mc:AlternateContent xmlns:mc="http://schemas.openxmlformats.org/markup-compatibility/2006">
+        <mc:Choice xmlns:a14="http://schemas.microsoft.com/office/drawing/2010/main" Requires="a14">
+          <p:sp>
+            <p:nvSpPr>
+              <p:cNvPr id="9" name="TextBox 8"/>
+              <p:cNvSpPr txBox="1"/>
+              <p:nvPr/>
+            </p:nvSpPr>
+            <p:spPr>
+              <a:xfrm>
+                <a:off x="2222561" y="3502404"/>
+                <a:ext cx="1039586" cy="584775"/>
+              </a:xfrm>
+              <a:prstGeom prst="rect">
+                <a:avLst/>
+              </a:prstGeom>
+              <a:noFill/>
+            </p:spPr>
+            <p:txBody>
+              <a:bodyPr wrap="square" rtlCol="0">
+                <a:spAutoFit/>
+              </a:bodyPr>
+              <a:lstStyle/>
+              <a:p>
+                <a:pPr algn="ctr"/>
+                <a:r>
+                  <a:rPr lang="pt-BR" dirty="0" smtClean="0"/>
+                  <a:t>Entradas</a:t>
+                </a:r>
+              </a:p>
+              <a:p>
+                <a:pPr algn="ctr"/>
+                <a:r>
+                  <a:rPr lang="pt-BR" sz="1400" dirty="0" smtClean="0"/>
+                  <a:t>e.g., </a:t>
+                </a:r>
+                <a14:m>
+                  <m:oMath xmlns:m="http://schemas.openxmlformats.org/officeDocument/2006/math">
+                    <m:r>
+                      <a:rPr lang="pt-BR" sz="1400" i="1">
+                        <a:latin typeface="Cambria Math" panose="02040503050406030204" pitchFamily="18" charset="0"/>
+                      </a:rPr>
+                      <m:t>𝑥</m:t>
+                    </m:r>
+                  </m:oMath>
+                </a14:m>
+                <a:endParaRPr lang="pt-BR" dirty="0"/>
+              </a:p>
+            </p:txBody>
+          </p:sp>
+        </mc:Choice>
+        <mc:Fallback>
+          <p:sp>
+            <p:nvSpPr>
+              <p:cNvPr id="9" name="TextBox 8"/>
+              <p:cNvSpPr txBox="1">
+                <a:spLocks noRot="1" noChangeAspect="1" noMove="1" noResize="1" noEditPoints="1" noAdjustHandles="1" noChangeArrowheads="1" noChangeShapeType="1" noTextEdit="1"/>
+              </p:cNvSpPr>
+              <p:nvPr/>
+            </p:nvSpPr>
+            <p:spPr>
+              <a:xfrm>
+                <a:off x="2222561" y="3502404"/>
+                <a:ext cx="1039586" cy="584775"/>
+              </a:xfrm>
+              <a:prstGeom prst="rect">
+                <a:avLst/>
+              </a:prstGeom>
+              <a:blipFill rotWithShape="0">
+                <a:blip r:embed="rId3"/>
+                <a:stretch>
+                  <a:fillRect l="-4118" t="-6316" r="-2941" b="-10526"/>
+                </a:stretch>
+              </a:blipFill>
+            </p:spPr>
+            <p:txBody>
+              <a:bodyPr/>
+              <a:lstStyle/>
+              <a:p>
+                <a:r>
+                  <a:rPr lang="pt-BR">
+                    <a:noFill/>
+                  </a:rPr>
+                  <a:t> </a:t>
+                </a:r>
+              </a:p>
+            </p:txBody>
+          </p:sp>
+        </mc:Fallback>
+      </mc:AlternateContent>
+      <mc:AlternateContent xmlns:mc="http://schemas.openxmlformats.org/markup-compatibility/2006">
+        <mc:Choice xmlns:a14="http://schemas.microsoft.com/office/drawing/2010/main" Requires="a14">
+          <p:sp>
+            <p:nvSpPr>
+              <p:cNvPr id="10" name="TextBox 9"/>
+              <p:cNvSpPr txBox="1"/>
+              <p:nvPr/>
+            </p:nvSpPr>
+            <p:spPr>
+              <a:xfrm>
+                <a:off x="1847461" y="2725419"/>
+                <a:ext cx="1688987" cy="800219"/>
+              </a:xfrm>
+              <a:prstGeom prst="rect">
+                <a:avLst/>
+              </a:prstGeom>
+              <a:noFill/>
+            </p:spPr>
+            <p:txBody>
+              <a:bodyPr wrap="square" rtlCol="0">
+                <a:spAutoFit/>
+              </a:bodyPr>
+              <a:lstStyle/>
+              <a:p>
+                <a:pPr algn="ctr"/>
+                <a:r>
+                  <a:rPr lang="pt-BR" dirty="0" smtClean="0"/>
+                  <a:t>Programa</a:t>
+                </a:r>
+              </a:p>
+              <a:p>
+                <a:pPr algn="ctr"/>
+                <a:r>
+                  <a:rPr lang="pt-BR" sz="1400" dirty="0" smtClean="0"/>
+                  <a:t>e.g., uma função: </a:t>
+                </a:r>
+                <a14:m>
+                  <m:oMath xmlns:m="http://schemas.openxmlformats.org/officeDocument/2006/math">
+                    <m:r>
+                      <a:rPr lang="pt-BR" sz="1400" b="0" i="1" smtClean="0">
+                        <a:latin typeface="Cambria Math" panose="02040503050406030204" pitchFamily="18" charset="0"/>
+                      </a:rPr>
+                      <m:t>𝑦</m:t>
+                    </m:r>
+                    <m:r>
+                      <a:rPr lang="pt-BR" sz="1400" b="0" i="1" smtClean="0">
+                        <a:latin typeface="Cambria Math" panose="02040503050406030204" pitchFamily="18" charset="0"/>
+                      </a:rPr>
+                      <m:t>=</m:t>
+                    </m:r>
+                    <m:r>
+                      <a:rPr lang="pt-BR" sz="1400" b="0" i="1" smtClean="0">
+                        <a:latin typeface="Cambria Math" panose="02040503050406030204" pitchFamily="18" charset="0"/>
+                      </a:rPr>
+                      <m:t>𝑓</m:t>
+                    </m:r>
+                    <m:d>
+                      <m:dPr>
+                        <m:ctrlPr>
+                          <a:rPr lang="pt-BR" sz="1400" b="0" i="1" smtClean="0">
+                            <a:latin typeface="Cambria Math" panose="02040503050406030204" pitchFamily="18" charset="0"/>
+                          </a:rPr>
+                        </m:ctrlPr>
+                      </m:dPr>
+                      <m:e>
+                        <m:r>
+                          <a:rPr lang="pt-BR" sz="1400" b="0" i="1" smtClean="0">
+                            <a:latin typeface="Cambria Math" panose="02040503050406030204" pitchFamily="18" charset="0"/>
+                          </a:rPr>
+                          <m:t>𝑥</m:t>
+                        </m:r>
+                      </m:e>
+                    </m:d>
+                    <m:r>
+                      <a:rPr lang="pt-BR" sz="1400" b="0" i="1" smtClean="0">
+                        <a:latin typeface="Cambria Math" panose="02040503050406030204" pitchFamily="18" charset="0"/>
+                      </a:rPr>
+                      <m:t>=</m:t>
+                    </m:r>
+                    <m:r>
+                      <a:rPr lang="pt-BR" sz="1400" b="0" i="1" smtClean="0">
+                        <a:latin typeface="Cambria Math" panose="02040503050406030204" pitchFamily="18" charset="0"/>
+                      </a:rPr>
+                      <m:t>𝑎</m:t>
+                    </m:r>
+                    <m:r>
+                      <a:rPr lang="pt-BR" sz="1400" b="0" i="1" smtClean="0">
+                        <a:latin typeface="Cambria Math" panose="02040503050406030204" pitchFamily="18" charset="0"/>
+                      </a:rPr>
+                      <m:t>+</m:t>
+                    </m:r>
+                    <m:r>
+                      <a:rPr lang="pt-BR" sz="1400" b="0" i="1" smtClean="0">
+                        <a:latin typeface="Cambria Math" panose="02040503050406030204" pitchFamily="18" charset="0"/>
+                      </a:rPr>
+                      <m:t>𝑏𝑥</m:t>
+                    </m:r>
+                  </m:oMath>
+                </a14:m>
+                <a:endParaRPr lang="pt-BR" sz="1400" dirty="0"/>
+              </a:p>
+            </p:txBody>
+          </p:sp>
+        </mc:Choice>
+        <mc:Fallback>
+          <p:sp>
+            <p:nvSpPr>
+              <p:cNvPr id="10" name="TextBox 9"/>
+              <p:cNvSpPr txBox="1">
+                <a:spLocks noRot="1" noChangeAspect="1" noMove="1" noResize="1" noEditPoints="1" noAdjustHandles="1" noChangeArrowheads="1" noChangeShapeType="1" noTextEdit="1"/>
+              </p:cNvSpPr>
+              <p:nvPr/>
+            </p:nvSpPr>
+            <p:spPr>
+              <a:xfrm>
+                <a:off x="1847461" y="2725419"/>
+                <a:ext cx="1688987" cy="800219"/>
+              </a:xfrm>
+              <a:prstGeom prst="rect">
+                <a:avLst/>
+              </a:prstGeom>
+              <a:blipFill rotWithShape="0">
+                <a:blip r:embed="rId4"/>
+                <a:stretch>
+                  <a:fillRect t="-3817" b="-2290"/>
+                </a:stretch>
+              </a:blipFill>
+            </p:spPr>
+            <p:txBody>
+              <a:bodyPr/>
+              <a:lstStyle/>
+              <a:p>
+                <a:r>
+                  <a:rPr lang="pt-BR">
+                    <a:noFill/>
+                  </a:rPr>
+                  <a:t> </a:t>
+                </a:r>
+              </a:p>
+            </p:txBody>
+          </p:sp>
+        </mc:Fallback>
+      </mc:AlternateContent>
       <p:cxnSp>
         <p:nvCxnSpPr>
           <p:cNvPr id="11" name="Straight Arrow Connector 10"/>
@@ -9583,37 +9726,125 @@
           </a:fontRef>
         </p:style>
       </p:cxnSp>
-      <p:sp>
-        <p:nvSpPr>
-          <p:cNvPr id="12" name="TextBox 11"/>
-          <p:cNvSpPr txBox="1"/>
-          <p:nvPr/>
-        </p:nvSpPr>
-        <p:spPr>
-          <a:xfrm>
-            <a:off x="6971268" y="3263292"/>
-            <a:ext cx="1220451" cy="369332"/>
-          </a:xfrm>
-          <a:prstGeom prst="rect">
-            <a:avLst/>
-          </a:prstGeom>
-          <a:noFill/>
-        </p:spPr>
-        <p:txBody>
-          <a:bodyPr wrap="square" rtlCol="0">
-            <a:spAutoFit/>
-          </a:bodyPr>
-          <a:lstStyle/>
-          <a:p>
-            <a:pPr algn="ctr"/>
-            <a:r>
-              <a:rPr lang="pt-BR" dirty="0" smtClean="0"/>
-              <a:t>Resultados</a:t>
-            </a:r>
-            <a:endParaRPr lang="pt-BR" dirty="0"/>
-          </a:p>
-        </p:txBody>
-      </p:sp>
+      <mc:AlternateContent xmlns:mc="http://schemas.openxmlformats.org/markup-compatibility/2006">
+        <mc:Choice xmlns:a14="http://schemas.microsoft.com/office/drawing/2010/main" Requires="a14">
+          <p:sp>
+            <p:nvSpPr>
+              <p:cNvPr id="12" name="TextBox 11"/>
+              <p:cNvSpPr txBox="1"/>
+              <p:nvPr/>
+            </p:nvSpPr>
+            <p:spPr>
+              <a:xfrm>
+                <a:off x="6971268" y="3263292"/>
+                <a:ext cx="1220451" cy="584775"/>
+              </a:xfrm>
+              <a:prstGeom prst="rect">
+                <a:avLst/>
+              </a:prstGeom>
+              <a:noFill/>
+            </p:spPr>
+            <p:txBody>
+              <a:bodyPr wrap="square" rtlCol="0">
+                <a:spAutoFit/>
+              </a:bodyPr>
+              <a:lstStyle/>
+              <a:p>
+                <a:pPr algn="ctr"/>
+                <a:r>
+                  <a:rPr lang="pt-BR" dirty="0" smtClean="0"/>
+                  <a:t>Resultados</a:t>
+                </a:r>
+              </a:p>
+              <a:p>
+                <a:pPr algn="ctr"/>
+                <a:r>
+                  <a:rPr lang="pt-BR" sz="1400" dirty="0" smtClean="0"/>
+                  <a:t>e.g., </a:t>
+                </a:r>
+                <a14:m>
+                  <m:oMath xmlns:m="http://schemas.openxmlformats.org/officeDocument/2006/math">
+                    <m:r>
+                      <a:rPr lang="pt-BR" sz="1400" i="1">
+                        <a:latin typeface="Cambria Math" panose="02040503050406030204" pitchFamily="18" charset="0"/>
+                      </a:rPr>
+                      <m:t>𝑦</m:t>
+                    </m:r>
+                    <m:r>
+                      <a:rPr lang="pt-BR" sz="1400" i="1">
+                        <a:latin typeface="Cambria Math" panose="02040503050406030204" pitchFamily="18" charset="0"/>
+                      </a:rPr>
+                      <m:t>=</m:t>
+                    </m:r>
+                    <m:r>
+                      <a:rPr lang="pt-BR" sz="1400" i="1">
+                        <a:latin typeface="Cambria Math" panose="02040503050406030204" pitchFamily="18" charset="0"/>
+                      </a:rPr>
+                      <m:t>𝑓</m:t>
+                    </m:r>
+                    <m:d>
+                      <m:dPr>
+                        <m:ctrlPr>
+                          <a:rPr lang="pt-BR" sz="1400" i="1">
+                            <a:latin typeface="Cambria Math" panose="02040503050406030204" pitchFamily="18" charset="0"/>
+                          </a:rPr>
+                        </m:ctrlPr>
+                      </m:dPr>
+                      <m:e>
+                        <m:r>
+                          <a:rPr lang="pt-BR" sz="1400" i="1">
+                            <a:latin typeface="Cambria Math" panose="02040503050406030204" pitchFamily="18" charset="0"/>
+                          </a:rPr>
+                          <m:t>𝑥</m:t>
+                        </m:r>
+                      </m:e>
+                    </m:d>
+                  </m:oMath>
+                </a14:m>
+                <a:endParaRPr lang="pt-BR" dirty="0"/>
+              </a:p>
+            </p:txBody>
+          </p:sp>
+        </mc:Choice>
+        <mc:Fallback>
+          <p:sp>
+            <p:nvSpPr>
+              <p:cNvPr id="12" name="TextBox 11"/>
+              <p:cNvSpPr txBox="1">
+                <a:spLocks noRot="1" noChangeAspect="1" noMove="1" noResize="1" noEditPoints="1" noAdjustHandles="1" noChangeArrowheads="1" noChangeShapeType="1" noTextEdit="1"/>
+              </p:cNvSpPr>
+              <p:nvPr/>
+            </p:nvSpPr>
+            <p:spPr>
+              <a:xfrm>
+                <a:off x="6971268" y="3263292"/>
+                <a:ext cx="1220451" cy="584775"/>
+              </a:xfrm>
+              <a:prstGeom prst="rect">
+                <a:avLst/>
+              </a:prstGeom>
+              <a:blipFill rotWithShape="0">
+                <a:blip r:embed="rId5"/>
+                <a:stretch>
+                  <a:fillRect l="-4500" t="-5208" r="-3500" b="-10417"/>
+                </a:stretch>
+              </a:blipFill>
+            </p:spPr>
+            <p:txBody>
+              <a:bodyPr/>
+              <a:lstStyle/>
+              <a:p>
+                <a:r>
+                  <a:rPr lang="pt-BR">
+                    <a:noFill/>
+                  </a:rPr>
+                  <a:t> </a:t>
+                </a:r>
+              </a:p>
+            </p:txBody>
+          </p:sp>
+        </mc:Fallback>
+      </mc:AlternateContent>
       <p:sp>
         <p:nvSpPr>
           <p:cNvPr id="13" name="Rectangle 12"/>
@@ -9764,68 +9995,219 @@
           </a:fontRef>
         </p:style>
       </p:cxnSp>
-      <p:sp>
-        <p:nvSpPr>
-          <p:cNvPr id="17" name="TextBox 16"/>
-          <p:cNvSpPr txBox="1"/>
-          <p:nvPr/>
-        </p:nvSpPr>
-        <p:spPr>
-          <a:xfrm>
-            <a:off x="2382573" y="5165395"/>
-            <a:ext cx="1039586" cy="369332"/>
-          </a:xfrm>
-          <a:prstGeom prst="rect">
-            <a:avLst/>
-          </a:prstGeom>
-          <a:noFill/>
-        </p:spPr>
-        <p:txBody>
-          <a:bodyPr wrap="square" rtlCol="0">
-            <a:spAutoFit/>
-          </a:bodyPr>
-          <a:lstStyle/>
-          <a:p>
-            <a:pPr algn="ctr"/>
-            <a:r>
-              <a:rPr lang="pt-BR" dirty="0" smtClean="0"/>
-              <a:t>Entradas</a:t>
-            </a:r>
-            <a:endParaRPr lang="pt-BR" dirty="0"/>
-          </a:p>
-        </p:txBody>
-      </p:sp>
-      <p:sp>
-        <p:nvSpPr>
-          <p:cNvPr id="18" name="TextBox 17"/>
-          <p:cNvSpPr txBox="1"/>
-          <p:nvPr/>
-        </p:nvSpPr>
-        <p:spPr>
-          <a:xfrm>
-            <a:off x="2304406" y="5545487"/>
-            <a:ext cx="1195919" cy="646331"/>
-          </a:xfrm>
-          <a:prstGeom prst="rect">
-            <a:avLst/>
-          </a:prstGeom>
-          <a:noFill/>
-        </p:spPr>
-        <p:txBody>
-          <a:bodyPr wrap="square" rtlCol="0">
-            <a:spAutoFit/>
-          </a:bodyPr>
-          <a:lstStyle/>
-          <a:p>
-            <a:pPr algn="ctr"/>
-            <a:r>
-              <a:rPr lang="pt-BR" dirty="0" smtClean="0"/>
-              <a:t>Resultados esperados</a:t>
-            </a:r>
-            <a:endParaRPr lang="pt-BR" dirty="0"/>
-          </a:p>
-        </p:txBody>
-      </p:sp>
+      <mc:AlternateContent xmlns:mc="http://schemas.openxmlformats.org/markup-compatibility/2006">
+        <mc:Choice xmlns:a14="http://schemas.microsoft.com/office/drawing/2010/main" Requires="a14">
+          <p:sp>
+            <p:nvSpPr>
+              <p:cNvPr id="17" name="TextBox 16"/>
+              <p:cNvSpPr txBox="1"/>
+              <p:nvPr/>
+            </p:nvSpPr>
+            <p:spPr>
+              <a:xfrm>
+                <a:off x="2382573" y="5073582"/>
+                <a:ext cx="1039586" cy="584775"/>
+              </a:xfrm>
+              <a:prstGeom prst="rect">
+                <a:avLst/>
+              </a:prstGeom>
+              <a:noFill/>
+            </p:spPr>
+            <p:txBody>
+              <a:bodyPr wrap="square" rtlCol="0">
+                <a:spAutoFit/>
+              </a:bodyPr>
+              <a:lstStyle/>
+              <a:p>
+                <a:pPr algn="ctr"/>
+                <a:r>
+                  <a:rPr lang="pt-BR" dirty="0" smtClean="0"/>
+                  <a:t>Entradas</a:t>
+                </a:r>
+              </a:p>
+              <a:p>
+                <a:pPr algn="ctr"/>
+                <a:r>
+                  <a:rPr lang="pt-BR" sz="1400" dirty="0"/>
+                  <a:t>e.g., </a:t>
+                </a:r>
+                <a14:m>
+                  <m:oMath xmlns:m="http://schemas.openxmlformats.org/officeDocument/2006/math">
+                    <m:r>
+                      <a:rPr lang="pt-BR" sz="1400" i="1">
+                        <a:latin typeface="Cambria Math" panose="02040503050406030204" pitchFamily="18" charset="0"/>
+                      </a:rPr>
+                      <m:t>𝑥</m:t>
+                    </m:r>
+                  </m:oMath>
+                </a14:m>
+                <a:endParaRPr lang="pt-BR" sz="1400" dirty="0"/>
+              </a:p>
+            </p:txBody>
+          </p:sp>
+        </mc:Choice>
+        <mc:Fallback>
+          <p:sp>
+            <p:nvSpPr>
+              <p:cNvPr id="17" name="TextBox 16"/>
+              <p:cNvSpPr txBox="1">
+                <a:spLocks noRot="1" noChangeAspect="1" noMove="1" noResize="1" noEditPoints="1" noAdjustHandles="1" noChangeArrowheads="1" noChangeShapeType="1" noTextEdit="1"/>
+              </p:cNvSpPr>
+              <p:nvPr/>
+            </p:nvSpPr>
+            <p:spPr>
+              <a:xfrm>
+                <a:off x="2382573" y="5073582"/>
+                <a:ext cx="1039586" cy="584775"/>
+              </a:xfrm>
+              <a:prstGeom prst="rect">
+                <a:avLst/>
+              </a:prstGeom>
+              <a:blipFill rotWithShape="0">
+                <a:blip r:embed="rId6"/>
+                <a:stretch>
+                  <a:fillRect l="-4118" t="-5208" r="-2941" b="-10417"/>
+                </a:stretch>
+              </a:blipFill>
+            </p:spPr>
+            <p:txBody>
+              <a:bodyPr/>
+              <a:lstStyle/>
+              <a:p>
+                <a:r>
+                  <a:rPr lang="pt-BR">
+                    <a:noFill/>
+                  </a:rPr>
+                  <a:t> </a:t>
+                </a:r>
+              </a:p>
+            </p:txBody>
+          </p:sp>
+        </mc:Fallback>
+      </mc:AlternateContent>
+      <mc:AlternateContent xmlns:mc="http://schemas.openxmlformats.org/markup-compatibility/2006">
+        <mc:Choice xmlns:a14="http://schemas.microsoft.com/office/drawing/2010/main" Requires="a14">
+          <p:sp>
+            <p:nvSpPr>
+              <p:cNvPr id="18" name="TextBox 17"/>
+              <p:cNvSpPr txBox="1"/>
+              <p:nvPr/>
+            </p:nvSpPr>
+            <p:spPr>
+              <a:xfrm>
+                <a:off x="2111868" y="5574492"/>
+                <a:ext cx="1512176" cy="861774"/>
+              </a:xfrm>
+              <a:prstGeom prst="rect">
+                <a:avLst/>
+              </a:prstGeom>
+              <a:noFill/>
+            </p:spPr>
+            <p:txBody>
+              <a:bodyPr wrap="square" rtlCol="0">
+                <a:spAutoFit/>
+              </a:bodyPr>
+              <a:lstStyle/>
+              <a:p>
+                <a:pPr algn="ctr"/>
+                <a:r>
+                  <a:rPr lang="pt-BR" dirty="0" smtClean="0"/>
+                  <a:t>Resultados </a:t>
+                </a:r>
+                <a:r>
+                  <a:rPr lang="pt-BR" dirty="0" smtClean="0"/>
+                  <a:t>esperados</a:t>
+                </a:r>
+              </a:p>
+              <a:p>
+                <a:pPr algn="ctr"/>
+                <a:r>
+                  <a:rPr lang="pt-BR" sz="1400" dirty="0"/>
+                  <a:t>e.g., </a:t>
+                </a:r>
+                <a14:m>
+                  <m:oMath xmlns:m="http://schemas.openxmlformats.org/officeDocument/2006/math">
+                    <m:r>
+                      <a:rPr lang="pt-BR" sz="1400" i="1">
+                        <a:latin typeface="Cambria Math" panose="02040503050406030204" pitchFamily="18" charset="0"/>
+                      </a:rPr>
+                      <m:t>𝑦</m:t>
+                    </m:r>
+                    <m:r>
+                      <a:rPr lang="pt-BR" sz="1400" i="1">
+                        <a:latin typeface="Cambria Math" panose="02040503050406030204" pitchFamily="18" charset="0"/>
+                      </a:rPr>
+                      <m:t>=</m:t>
+                    </m:r>
+                    <m:r>
+                      <a:rPr lang="pt-BR" sz="1400" i="1">
+                        <a:latin typeface="Cambria Math" panose="02040503050406030204" pitchFamily="18" charset="0"/>
+                      </a:rPr>
+                      <m:t>𝑓</m:t>
+                    </m:r>
+                    <m:d>
+                      <m:dPr>
+                        <m:ctrlPr>
+                          <a:rPr lang="pt-BR" sz="1400" i="1">
+                            <a:latin typeface="Cambria Math" panose="02040503050406030204" pitchFamily="18" charset="0"/>
+                          </a:rPr>
+                        </m:ctrlPr>
+                      </m:dPr>
+                      <m:e>
+                        <m:r>
+                          <a:rPr lang="pt-BR" sz="1400" i="1">
+                            <a:latin typeface="Cambria Math" panose="02040503050406030204" pitchFamily="18" charset="0"/>
+                          </a:rPr>
+                          <m:t>𝑥</m:t>
+                        </m:r>
+                      </m:e>
+                    </m:d>
+                  </m:oMath>
+                </a14:m>
+                <a:endParaRPr lang="pt-BR" dirty="0"/>
+              </a:p>
+            </p:txBody>
+          </p:sp>
+        </mc:Choice>
+        <mc:Fallback>
+          <p:sp>
+            <p:nvSpPr>
+              <p:cNvPr id="18" name="TextBox 17"/>
+              <p:cNvSpPr txBox="1">
+                <a:spLocks noRot="1" noChangeAspect="1" noMove="1" noResize="1" noEditPoints="1" noAdjustHandles="1" noChangeArrowheads="1" noChangeShapeType="1" noTextEdit="1"/>
+              </p:cNvSpPr>
+              <p:nvPr/>
+            </p:nvSpPr>
+            <p:spPr>
+              <a:xfrm>
+                <a:off x="2111868" y="5574492"/>
+                <a:ext cx="1512176" cy="861774"/>
+              </a:xfrm>
+              <a:prstGeom prst="rect">
+                <a:avLst/>
+              </a:prstGeom>
+              <a:blipFill rotWithShape="0">
+                <a:blip r:embed="rId7"/>
+                <a:stretch>
+                  <a:fillRect t="-3521" b="-6338"/>
+                </a:stretch>
+              </a:blipFill>
+            </p:spPr>
+            <p:txBody>
+              <a:bodyPr/>
+              <a:lstStyle/>
+              <a:p>
+                <a:r>
+                  <a:rPr lang="pt-BR">
+                    <a:noFill/>
+                  </a:rPr>
+                  <a:t> </a:t>
+                </a:r>
+              </a:p>
+            </p:txBody>
+          </p:sp>
+        </mc:Fallback>
+      </mc:AlternateContent>
       <p:cxnSp>
         <p:nvCxnSpPr>
           <p:cNvPr id="19" name="Straight Arrow Connector 18"/>
@@ -9859,48 +10241,169 @@
           </a:fontRef>
         </p:style>
       </p:cxnSp>
-      <p:sp>
-        <p:nvSpPr>
-          <p:cNvPr id="20" name="TextBox 19"/>
-          <p:cNvSpPr txBox="1"/>
-          <p:nvPr/>
-        </p:nvSpPr>
-        <p:spPr>
-          <a:xfrm>
-            <a:off x="7013192" y="5432734"/>
-            <a:ext cx="4988308" cy="369332"/>
-          </a:xfrm>
-          <a:prstGeom prst="rect">
-            <a:avLst/>
-          </a:prstGeom>
-          <a:noFill/>
-        </p:spPr>
-        <p:txBody>
-          <a:bodyPr wrap="square" rtlCol="0">
-            <a:spAutoFit/>
-          </a:bodyPr>
-          <a:lstStyle/>
-          <a:p>
-            <a:r>
-              <a:rPr lang="pt-BR" dirty="0" smtClean="0"/>
-              <a:t>Programa = </a:t>
-            </a:r>
-            <a:r>
-              <a:rPr lang="pt-BR" b="1" dirty="0" smtClean="0">
-                <a:solidFill>
-                  <a:srgbClr val="FF0000"/>
-                </a:solidFill>
-              </a:rPr>
-              <a:t>Modelo de Aprendizado de Máquina</a:t>
-            </a:r>
-            <a:endParaRPr lang="pt-BR" b="1" dirty="0">
-              <a:solidFill>
-                <a:srgbClr val="FF0000"/>
-              </a:solidFill>
-            </a:endParaRPr>
-          </a:p>
-        </p:txBody>
-      </p:sp>
+      <mc:AlternateContent xmlns:mc="http://schemas.openxmlformats.org/markup-compatibility/2006">
+        <mc:Choice xmlns:a14="http://schemas.microsoft.com/office/drawing/2010/main" Requires="a14">
+          <p:sp>
+            <p:nvSpPr>
+              <p:cNvPr id="20" name="TextBox 19"/>
+              <p:cNvSpPr txBox="1"/>
+              <p:nvPr/>
+            </p:nvSpPr>
+            <p:spPr>
+              <a:xfrm>
+                <a:off x="6910551" y="5404741"/>
+                <a:ext cx="4875720" cy="584775"/>
+              </a:xfrm>
+              <a:prstGeom prst="rect">
+                <a:avLst/>
+              </a:prstGeom>
+              <a:noFill/>
+            </p:spPr>
+            <p:txBody>
+              <a:bodyPr wrap="square" rtlCol="0">
+                <a:spAutoFit/>
+              </a:bodyPr>
+              <a:lstStyle/>
+              <a:p>
+                <a:pPr algn="ctr"/>
+                <a:r>
+                  <a:rPr lang="pt-BR" dirty="0" smtClean="0"/>
+                  <a:t>Programa = </a:t>
+                </a:r>
+                <a:r>
+                  <a:rPr lang="pt-BR" b="1" dirty="0" smtClean="0">
+                    <a:solidFill>
+                      <a:srgbClr val="FF0000"/>
+                    </a:solidFill>
+                  </a:rPr>
+                  <a:t>Modelo de Aprendizado de </a:t>
+                </a:r>
+                <a:r>
+                  <a:rPr lang="pt-BR" b="1" dirty="0" smtClean="0">
+                    <a:solidFill>
+                      <a:srgbClr val="FF0000"/>
+                    </a:solidFill>
+                  </a:rPr>
+                  <a:t>Máquina</a:t>
+                </a:r>
+              </a:p>
+              <a:p>
+                <a:pPr algn="ctr"/>
+                <a:r>
+                  <a:rPr lang="pt-BR" sz="1400" dirty="0" err="1" smtClean="0"/>
+                  <a:t>e.</a:t>
+                </a:r>
+                <a:r>
+                  <a:rPr lang="pt-BR" sz="1400" dirty="0" smtClean="0"/>
+                  <a:t>g., </a:t>
+                </a:r>
+                <a14:m>
+                  <m:oMath xmlns:m="http://schemas.openxmlformats.org/officeDocument/2006/math">
+                    <m:r>
+                      <a:rPr lang="pt-BR" sz="1400" i="1">
+                        <a:latin typeface="Cambria Math" panose="02040503050406030204" pitchFamily="18" charset="0"/>
+                      </a:rPr>
+                      <m:t>𝑦</m:t>
+                    </m:r>
+                    <m:r>
+                      <a:rPr lang="pt-BR" sz="1400" i="1">
+                        <a:latin typeface="Cambria Math" panose="02040503050406030204" pitchFamily="18" charset="0"/>
+                      </a:rPr>
+                      <m:t>=</m:t>
+                    </m:r>
+                    <m:r>
+                      <a:rPr lang="pt-BR" sz="1400" i="1">
+                        <a:latin typeface="Cambria Math" panose="02040503050406030204" pitchFamily="18" charset="0"/>
+                      </a:rPr>
+                      <m:t>𝑓</m:t>
+                    </m:r>
+                    <m:d>
+                      <m:dPr>
+                        <m:ctrlPr>
+                          <a:rPr lang="pt-BR" sz="1400" i="1">
+                            <a:latin typeface="Cambria Math" panose="02040503050406030204" pitchFamily="18" charset="0"/>
+                          </a:rPr>
+                        </m:ctrlPr>
+                      </m:dPr>
+                      <m:e>
+                        <m:r>
+                          <a:rPr lang="pt-BR" sz="1400" i="1">
+                            <a:latin typeface="Cambria Math" panose="02040503050406030204" pitchFamily="18" charset="0"/>
+                          </a:rPr>
+                          <m:t>𝑥</m:t>
+                        </m:r>
+                      </m:e>
+                    </m:d>
+                    <m:r>
+                      <a:rPr lang="pt-BR" sz="1400" i="1">
+                        <a:latin typeface="Cambria Math" panose="02040503050406030204" pitchFamily="18" charset="0"/>
+                      </a:rPr>
+                      <m:t>=</m:t>
+                    </m:r>
+                    <m:r>
+                      <a:rPr lang="pt-BR" sz="1400" i="1">
+                        <a:latin typeface="Cambria Math" panose="02040503050406030204" pitchFamily="18" charset="0"/>
+                      </a:rPr>
+                      <m:t>𝑎</m:t>
+                    </m:r>
+                    <m:r>
+                      <a:rPr lang="pt-BR" sz="1400" i="1">
+                        <a:latin typeface="Cambria Math" panose="02040503050406030204" pitchFamily="18" charset="0"/>
+                      </a:rPr>
+                      <m:t>+</m:t>
+                    </m:r>
+                    <m:r>
+                      <a:rPr lang="pt-BR" sz="1400" i="1">
+                        <a:latin typeface="Cambria Math" panose="02040503050406030204" pitchFamily="18" charset="0"/>
+                      </a:rPr>
+                      <m:t>𝑏𝑥</m:t>
+                    </m:r>
+                  </m:oMath>
+                </a14:m>
+                <a:endParaRPr lang="pt-BR" sz="1400" dirty="0"/>
+              </a:p>
+            </p:txBody>
+          </p:sp>
+        </mc:Choice>
+        <mc:Fallback>
+          <p:sp>
+            <p:nvSpPr>
+              <p:cNvPr id="20" name="TextBox 19"/>
+              <p:cNvSpPr txBox="1">
+                <a:spLocks noRot="1" noChangeAspect="1" noMove="1" noResize="1" noEditPoints="1" noAdjustHandles="1" noChangeArrowheads="1" noChangeShapeType="1" noTextEdit="1"/>
+              </p:cNvSpPr>
+              <p:nvPr/>
+            </p:nvSpPr>
+            <p:spPr>
+              <a:xfrm>
+                <a:off x="6910551" y="5404741"/>
+                <a:ext cx="4875720" cy="584775"/>
+              </a:xfrm>
+              <a:prstGeom prst="rect">
+                <a:avLst/>
+              </a:prstGeom>
+              <a:blipFill rotWithShape="0">
+                <a:blip r:embed="rId8"/>
+                <a:stretch>
+                  <a:fillRect l="-125" t="-6250" b="-9375"/>
+                </a:stretch>
+              </a:blipFill>
+            </p:spPr>
+            <p:txBody>
+              <a:bodyPr/>
+              <a:lstStyle/>
+              <a:p>
+                <a:r>
+                  <a:rPr lang="pt-BR">
+                    <a:noFill/>
+                  </a:rPr>
+                  <a:t> </a:t>
+                </a:r>
+              </a:p>
+            </p:txBody>
+          </p:sp>
+        </mc:Fallback>
+      </mc:AlternateContent>
       <p:sp>
         <p:nvSpPr>
           <p:cNvPr id="6" name="Retângulo 5"/>
@@ -9938,8 +10441,8 @@
         </p:nvSpPr>
         <p:spPr>
           <a:xfrm>
-            <a:off x="1998859" y="5106291"/>
-            <a:ext cx="1841896" cy="1151799"/>
+            <a:off x="1847461" y="5035402"/>
+            <a:ext cx="2062066" cy="1435278"/>
           </a:xfrm>
           <a:prstGeom prst="ellipse">
             <a:avLst/>
@@ -9987,8 +10490,8 @@
         </p:nvCxnSpPr>
         <p:spPr>
           <a:xfrm>
-            <a:off x="2919807" y="6258090"/>
-            <a:ext cx="792643" cy="310388"/>
+            <a:off x="2878494" y="6470680"/>
+            <a:ext cx="833956" cy="97798"/>
           </a:xfrm>
           <a:prstGeom prst="straightConnector1">
             <a:avLst/>
@@ -10023,7 +10526,7 @@
         </p:nvSpPr>
         <p:spPr>
           <a:xfrm>
-            <a:off x="7552551" y="4846822"/>
+            <a:off x="7581493" y="4770828"/>
             <a:ext cx="1169418" cy="422029"/>
           </a:xfrm>
           <a:prstGeom prst="wedgeRectCallout">
@@ -11585,7 +12088,15 @@
             </a:r>
             <a:r>
               <a:rPr lang="nl-BE" dirty="0"/>
-              <a:t>podem ser agrupados de acordo com o tipo de aprendizado que </a:t>
+              <a:t>podem ser agrupados de acordo com o tipo de </a:t>
+            </a:r>
+            <a:r>
+              <a:rPr lang="nl-BE" dirty="0"/>
+              <a:t>(paradigma) aprendizado </a:t>
+            </a:r>
+            <a:r>
+              <a:rPr lang="nl-BE" dirty="0" smtClean="0"/>
+              <a:t>que </a:t>
             </a:r>
             <a:r>
               <a:rPr lang="nl-BE" dirty="0" smtClean="0"/>
@@ -11779,7 +12290,7 @@
         </p:blipFill>
         <p:spPr bwMode="auto">
           <a:xfrm>
-            <a:off x="8400584" y="5198990"/>
+            <a:off x="8400584" y="4341811"/>
             <a:ext cx="3791416" cy="1212871"/>
           </a:xfrm>
           <a:prstGeom prst="rect">
@@ -11838,8 +12349,8 @@
           </a:extLst>
         </p:spPr>
       </p:pic>
-      <mc:AlternateContent xmlns:mc="http://schemas.openxmlformats.org/markup-compatibility/2006" xmlns:a14="http://schemas.microsoft.com/office/drawing/2010/main">
-        <mc:Choice Requires="a14">
+      <mc:AlternateContent xmlns:mc="http://schemas.openxmlformats.org/markup-compatibility/2006">
+        <mc:Choice xmlns:a14="http://schemas.microsoft.com/office/drawing/2010/main" Requires="a14">
           <p:sp>
             <p:nvSpPr>
               <p:cNvPr id="3" name="Content Placeholder 2"/>
@@ -11991,7 +12502,7 @@
                 </a14:m>
                 <a:r>
                   <a:rPr lang="pt-BR" dirty="0" smtClean="0"/>
-                  <a:t>, </a:t>
+                  <a:t> (atributos), </a:t>
                 </a:r>
                 <a:r>
                   <a:rPr lang="pt-BR" dirty="0"/>
@@ -12013,7 +12524,7 @@
                 </a14:m>
                 <a:r>
                   <a:rPr lang="pt-BR" dirty="0" smtClean="0"/>
-                  <a:t>.</a:t>
+                  <a:t> (rótulo).</a:t>
                 </a:r>
                 <a:endParaRPr lang="pt-BR" dirty="0"/>
               </a:p>
@@ -12040,7 +12551,7 @@
                   <a:t>algoritmos </a:t>
                 </a:r>
                 <a:r>
-                  <a:rPr lang="pt-BR" i="1" dirty="0" smtClean="0"/>
+                  <a:rPr lang="pt-BR" b="1" i="1" dirty="0" smtClean="0"/>
                   <a:t>supervisionados</a:t>
                 </a:r>
                 <a:r>
@@ -12287,7 +12798,7 @@
             </p:txBody>
           </p:sp>
         </mc:Choice>
-        <mc:Fallback xmlns="">
+        <mc:Fallback>
           <p:sp>
             <p:nvSpPr>
               <p:cNvPr id="3" name="Content Placeholder 2"/>
@@ -12315,7 +12826,611 @@
               <a:lstStyle/>
               <a:p>
                 <a:r>
-                  <a:rPr lang="en-US">
+                  <a:rPr lang="pt-BR">
+                    <a:noFill/>
+                  </a:rPr>
+                  <a:t> </a:t>
+                </a:r>
+              </a:p>
+            </p:txBody>
+          </p:sp>
+        </mc:Fallback>
+      </mc:AlternateContent>
+      <mc:AlternateContent xmlns:mc="http://schemas.openxmlformats.org/markup-compatibility/2006">
+        <mc:Choice xmlns:a14="http://schemas.microsoft.com/office/drawing/2010/main" Requires="a14">
+          <p:sp>
+            <p:nvSpPr>
+              <p:cNvPr id="6" name="CaixaDeTexto 5"/>
+              <p:cNvSpPr txBox="1"/>
+              <p:nvPr/>
+            </p:nvSpPr>
+            <p:spPr>
+              <a:xfrm>
+                <a:off x="10870163" y="3708851"/>
+                <a:ext cx="241041" cy="276999"/>
+              </a:xfrm>
+              <a:prstGeom prst="rect">
+                <a:avLst/>
+              </a:prstGeom>
+              <a:noFill/>
+            </p:spPr>
+            <p:txBody>
+              <a:bodyPr wrap="square" rtlCol="0">
+                <a:spAutoFit/>
+              </a:bodyPr>
+              <a:lstStyle/>
+              <a:p>
+                <a14:m>
+                  <m:oMathPara xmlns:m="http://schemas.openxmlformats.org/officeDocument/2006/math">
+                    <m:oMathParaPr>
+                      <m:jc m:val="centerGroup"/>
+                    </m:oMathParaPr>
+                    <m:oMath xmlns:m="http://schemas.openxmlformats.org/officeDocument/2006/math">
+                      <m:r>
+                        <a:rPr lang="pt-BR" sz="1200" b="0" i="1" smtClean="0">
+                          <a:latin typeface="Cambria Math" panose="02040503050406030204" pitchFamily="18" charset="0"/>
+                        </a:rPr>
+                        <m:t>(</m:t>
+                      </m:r>
+                      <m:r>
+                        <a:rPr lang="pt-BR" sz="1200" b="0" i="1" smtClean="0">
+                          <a:latin typeface="Cambria Math" panose="02040503050406030204" pitchFamily="18" charset="0"/>
+                        </a:rPr>
+                        <m:t>𝑥</m:t>
+                      </m:r>
+                      <m:r>
+                        <a:rPr lang="pt-BR" sz="1200" b="0" i="1" smtClean="0">
+                          <a:latin typeface="Cambria Math" panose="02040503050406030204" pitchFamily="18" charset="0"/>
+                        </a:rPr>
+                        <m:t>)</m:t>
+                      </m:r>
+                    </m:oMath>
+                  </m:oMathPara>
+                </a14:m>
+                <a:endParaRPr lang="pt-BR" sz="1200" dirty="0"/>
+              </a:p>
+            </p:txBody>
+          </p:sp>
+        </mc:Choice>
+        <mc:Fallback>
+          <p:sp>
+            <p:nvSpPr>
+              <p:cNvPr id="6" name="CaixaDeTexto 5"/>
+              <p:cNvSpPr txBox="1">
+                <a:spLocks noRot="1" noChangeAspect="1" noMove="1" noResize="1" noEditPoints="1" noAdjustHandles="1" noChangeArrowheads="1" noChangeShapeType="1" noTextEdit="1"/>
+              </p:cNvSpPr>
+              <p:nvPr/>
+            </p:nvSpPr>
+            <p:spPr>
+              <a:xfrm>
+                <a:off x="10870163" y="3708851"/>
+                <a:ext cx="241041" cy="276999"/>
+              </a:xfrm>
+              <a:prstGeom prst="rect">
+                <a:avLst/>
+              </a:prstGeom>
+              <a:blipFill rotWithShape="0">
+                <a:blip r:embed="rId6"/>
+                <a:stretch>
+                  <a:fillRect r="-55000" b="-6522"/>
+                </a:stretch>
+              </a:blipFill>
+            </p:spPr>
+            <p:txBody>
+              <a:bodyPr/>
+              <a:lstStyle/>
+              <a:p>
+                <a:r>
+                  <a:rPr lang="pt-BR">
+                    <a:noFill/>
+                  </a:rPr>
+                  <a:t> </a:t>
+                </a:r>
+              </a:p>
+            </p:txBody>
+          </p:sp>
+        </mc:Fallback>
+      </mc:AlternateContent>
+      <mc:AlternateContent xmlns:mc="http://schemas.openxmlformats.org/markup-compatibility/2006">
+        <mc:Choice xmlns:a14="http://schemas.microsoft.com/office/drawing/2010/main" Requires="a14">
+          <p:sp>
+            <p:nvSpPr>
+              <p:cNvPr id="7" name="CaixaDeTexto 6"/>
+              <p:cNvSpPr txBox="1"/>
+              <p:nvPr/>
+            </p:nvSpPr>
+            <p:spPr>
+              <a:xfrm>
+                <a:off x="9801501" y="2039459"/>
+                <a:ext cx="1222615" cy="276999"/>
+              </a:xfrm>
+              <a:prstGeom prst="rect">
+                <a:avLst/>
+              </a:prstGeom>
+              <a:noFill/>
+            </p:spPr>
+            <p:txBody>
+              <a:bodyPr wrap="square" rtlCol="0">
+                <a:spAutoFit/>
+              </a:bodyPr>
+              <a:lstStyle/>
+              <a:p>
+                <a14:m>
+                  <m:oMathPara xmlns:m="http://schemas.openxmlformats.org/officeDocument/2006/math">
+                    <m:oMathParaPr>
+                      <m:jc m:val="centerGroup"/>
+                    </m:oMathParaPr>
+                    <m:oMath xmlns:m="http://schemas.openxmlformats.org/officeDocument/2006/math">
+                      <m:r>
+                        <a:rPr lang="pt-BR" sz="1200" b="0" i="1" smtClean="0">
+                          <a:latin typeface="Cambria Math" panose="02040503050406030204" pitchFamily="18" charset="0"/>
+                        </a:rPr>
+                        <m:t>𝑓</m:t>
+                      </m:r>
+                      <m:d>
+                        <m:dPr>
+                          <m:ctrlPr>
+                            <a:rPr lang="pt-BR" sz="1200" b="0" i="1" smtClean="0">
+                              <a:latin typeface="Cambria Math" panose="02040503050406030204" pitchFamily="18" charset="0"/>
+                            </a:rPr>
+                          </m:ctrlPr>
+                        </m:dPr>
+                        <m:e>
+                          <m:r>
+                            <a:rPr lang="pt-BR" sz="1200" b="0" i="1" smtClean="0">
+                              <a:latin typeface="Cambria Math" panose="02040503050406030204" pitchFamily="18" charset="0"/>
+                            </a:rPr>
+                            <m:t>𝑥</m:t>
+                          </m:r>
+                        </m:e>
+                      </m:d>
+                      <m:r>
+                        <a:rPr lang="pt-BR" sz="1200" b="0" i="1" smtClean="0">
+                          <a:latin typeface="Cambria Math" panose="02040503050406030204" pitchFamily="18" charset="0"/>
+                        </a:rPr>
+                        <m:t>=</m:t>
+                      </m:r>
+                      <m:r>
+                        <a:rPr lang="pt-BR" sz="1200" b="0" i="1" smtClean="0">
+                          <a:latin typeface="Cambria Math" panose="02040503050406030204" pitchFamily="18" charset="0"/>
+                        </a:rPr>
+                        <m:t>𝑎</m:t>
+                      </m:r>
+                      <m:r>
+                        <a:rPr lang="pt-BR" sz="1200" b="0" i="1" smtClean="0">
+                          <a:latin typeface="Cambria Math" panose="02040503050406030204" pitchFamily="18" charset="0"/>
+                        </a:rPr>
+                        <m:t>+</m:t>
+                      </m:r>
+                      <m:r>
+                        <a:rPr lang="pt-BR" sz="1200" b="0" i="1" smtClean="0">
+                          <a:latin typeface="Cambria Math" panose="02040503050406030204" pitchFamily="18" charset="0"/>
+                        </a:rPr>
+                        <m:t>𝑏𝑥</m:t>
+                      </m:r>
+                    </m:oMath>
+                  </m:oMathPara>
+                </a14:m>
+                <a:endParaRPr lang="pt-BR" dirty="0"/>
+              </a:p>
+            </p:txBody>
+          </p:sp>
+        </mc:Choice>
+        <mc:Fallback>
+          <p:sp>
+            <p:nvSpPr>
+              <p:cNvPr id="7" name="CaixaDeTexto 6"/>
+              <p:cNvSpPr txBox="1">
+                <a:spLocks noRot="1" noChangeAspect="1" noMove="1" noResize="1" noEditPoints="1" noAdjustHandles="1" noChangeArrowheads="1" noChangeShapeType="1" noTextEdit="1"/>
+              </p:cNvSpPr>
+              <p:nvPr/>
+            </p:nvSpPr>
+            <p:spPr>
+              <a:xfrm>
+                <a:off x="9801501" y="2039459"/>
+                <a:ext cx="1222615" cy="276999"/>
+              </a:xfrm>
+              <a:prstGeom prst="rect">
+                <a:avLst/>
+              </a:prstGeom>
+              <a:blipFill rotWithShape="0">
+                <a:blip r:embed="rId7"/>
+                <a:stretch>
+                  <a:fillRect b="-4444"/>
+                </a:stretch>
+              </a:blipFill>
+            </p:spPr>
+            <p:txBody>
+              <a:bodyPr/>
+              <a:lstStyle/>
+              <a:p>
+                <a:r>
+                  <a:rPr lang="pt-BR">
+                    <a:noFill/>
+                  </a:rPr>
+                  <a:t> </a:t>
+                </a:r>
+              </a:p>
+            </p:txBody>
+          </p:sp>
+        </mc:Fallback>
+      </mc:AlternateContent>
+      <mc:AlternateContent xmlns:mc="http://schemas.openxmlformats.org/markup-compatibility/2006">
+        <mc:Choice xmlns:a14="http://schemas.microsoft.com/office/drawing/2010/main" Requires="a14">
+          <p:sp>
+            <p:nvSpPr>
+              <p:cNvPr id="8" name="CaixaDeTexto 7"/>
+              <p:cNvSpPr txBox="1"/>
+              <p:nvPr/>
+            </p:nvSpPr>
+            <p:spPr>
+              <a:xfrm rot="16200000">
+                <a:off x="8745897" y="2529811"/>
+                <a:ext cx="241041" cy="276999"/>
+              </a:xfrm>
+              <a:prstGeom prst="rect">
+                <a:avLst/>
+              </a:prstGeom>
+              <a:noFill/>
+            </p:spPr>
+            <p:txBody>
+              <a:bodyPr wrap="square" rtlCol="0">
+                <a:spAutoFit/>
+              </a:bodyPr>
+              <a:lstStyle/>
+              <a:p>
+                <a14:m>
+                  <m:oMathPara xmlns:m="http://schemas.openxmlformats.org/officeDocument/2006/math">
+                    <m:oMathParaPr>
+                      <m:jc m:val="centerGroup"/>
+                    </m:oMathParaPr>
+                    <m:oMath xmlns:m="http://schemas.openxmlformats.org/officeDocument/2006/math">
+                      <m:r>
+                        <a:rPr lang="pt-BR" sz="1200" b="0" i="1" smtClean="0">
+                          <a:latin typeface="Cambria Math" panose="02040503050406030204" pitchFamily="18" charset="0"/>
+                        </a:rPr>
+                        <m:t>(</m:t>
+                      </m:r>
+                      <m:r>
+                        <a:rPr lang="pt-BR" sz="1200" b="0" i="1" smtClean="0">
+                          <a:latin typeface="Cambria Math" panose="02040503050406030204" pitchFamily="18" charset="0"/>
+                        </a:rPr>
+                        <m:t>𝑦</m:t>
+                      </m:r>
+                      <m:r>
+                        <a:rPr lang="pt-BR" sz="1200" b="0" i="1" smtClean="0">
+                          <a:latin typeface="Cambria Math" panose="02040503050406030204" pitchFamily="18" charset="0"/>
+                        </a:rPr>
+                        <m:t>)</m:t>
+                      </m:r>
+                    </m:oMath>
+                  </m:oMathPara>
+                </a14:m>
+                <a:endParaRPr lang="pt-BR" sz="1200" dirty="0"/>
+              </a:p>
+            </p:txBody>
+          </p:sp>
+        </mc:Choice>
+        <mc:Fallback>
+          <p:sp>
+            <p:nvSpPr>
+              <p:cNvPr id="8" name="CaixaDeTexto 7"/>
+              <p:cNvSpPr txBox="1">
+                <a:spLocks noRot="1" noChangeAspect="1" noMove="1" noResize="1" noEditPoints="1" noAdjustHandles="1" noChangeArrowheads="1" noChangeShapeType="1" noTextEdit="1"/>
+              </p:cNvSpPr>
+              <p:nvPr/>
+            </p:nvSpPr>
+            <p:spPr>
+              <a:xfrm rot="16200000">
+                <a:off x="8745897" y="2529811"/>
+                <a:ext cx="241041" cy="276999"/>
+              </a:xfrm>
+              <a:prstGeom prst="rect">
+                <a:avLst/>
+              </a:prstGeom>
+              <a:blipFill rotWithShape="0">
+                <a:blip r:embed="rId8"/>
+                <a:stretch>
+                  <a:fillRect t="-58974" r="-8889"/>
+                </a:stretch>
+              </a:blipFill>
+            </p:spPr>
+            <p:txBody>
+              <a:bodyPr/>
+              <a:lstStyle/>
+              <a:p>
+                <a:r>
+                  <a:rPr lang="pt-BR">
+                    <a:noFill/>
+                  </a:rPr>
+                  <a:t> </a:t>
+                </a:r>
+              </a:p>
+            </p:txBody>
+          </p:sp>
+        </mc:Fallback>
+      </mc:AlternateContent>
+      <p:sp>
+        <p:nvSpPr>
+          <p:cNvPr id="9" name="Forma livre 8"/>
+          <p:cNvSpPr/>
+          <p:nvPr/>
+        </p:nvSpPr>
+        <p:spPr>
+          <a:xfrm>
+            <a:off x="10898155" y="2183363"/>
+            <a:ext cx="363894" cy="139959"/>
+          </a:xfrm>
+          <a:custGeom>
+            <a:avLst/>
+            <a:gdLst>
+              <a:gd name="connsiteX0" fmla="*/ 0 w 363894"/>
+              <a:gd name="connsiteY0" fmla="*/ 0 h 139959"/>
+              <a:gd name="connsiteX1" fmla="*/ 363894 w 363894"/>
+              <a:gd name="connsiteY1" fmla="*/ 139959 h 139959"/>
+            </a:gdLst>
+            <a:ahLst/>
+            <a:cxnLst>
+              <a:cxn ang="0">
+                <a:pos x="connsiteX0" y="connsiteY0"/>
+              </a:cxn>
+              <a:cxn ang="0">
+                <a:pos x="connsiteX1" y="connsiteY1"/>
+              </a:cxn>
+            </a:cxnLst>
+            <a:rect l="l" t="t" r="r" b="b"/>
+            <a:pathLst>
+              <a:path w="363894" h="139959">
+                <a:moveTo>
+                  <a:pt x="0" y="0"/>
+                </a:moveTo>
+                <a:lnTo>
+                  <a:pt x="363894" y="139959"/>
+                </a:lnTo>
+              </a:path>
+            </a:pathLst>
+          </a:custGeom>
+          <a:noFill/>
+          <a:ln>
+            <a:headEnd type="none" w="med" len="med"/>
+            <a:tailEnd type="arrow" w="med" len="med"/>
+          </a:ln>
+        </p:spPr>
+        <p:style>
+          <a:lnRef idx="2">
+            <a:schemeClr val="accent1">
+              <a:shade val="50000"/>
+            </a:schemeClr>
+          </a:lnRef>
+          <a:fillRef idx="1">
+            <a:schemeClr val="accent1"/>
+          </a:fillRef>
+          <a:effectRef idx="0">
+            <a:schemeClr val="accent1"/>
+          </a:effectRef>
+          <a:fontRef idx="minor">
+            <a:schemeClr val="lt1"/>
+          </a:fontRef>
+        </p:style>
+        <p:txBody>
+          <a:bodyPr rtlCol="0" anchor="ctr"/>
+          <a:lstStyle/>
+          <a:p>
+            <a:pPr algn="ctr"/>
+            <a:endParaRPr lang="pt-BR"/>
+          </a:p>
+        </p:txBody>
+      </p:sp>
+      <mc:AlternateContent xmlns:mc="http://schemas.openxmlformats.org/markup-compatibility/2006">
+        <mc:Choice xmlns:a14="http://schemas.microsoft.com/office/drawing/2010/main" Requires="a14">
+          <p:sp>
+            <p:nvSpPr>
+              <p:cNvPr id="10" name="CaixaDeTexto 9"/>
+              <p:cNvSpPr txBox="1"/>
+              <p:nvPr/>
+            </p:nvSpPr>
+            <p:spPr>
+              <a:xfrm>
+                <a:off x="8563403" y="5554682"/>
+                <a:ext cx="3698810" cy="492443"/>
+              </a:xfrm>
+              <a:prstGeom prst="rect">
+                <a:avLst/>
+              </a:prstGeom>
+              <a:noFill/>
+            </p:spPr>
+            <p:txBody>
+              <a:bodyPr wrap="square" rtlCol="0">
+                <a:spAutoFit/>
+              </a:bodyPr>
+              <a:lstStyle/>
+              <a:p>
+                <a14:m>
+                  <m:oMath xmlns:m="http://schemas.openxmlformats.org/officeDocument/2006/math">
+                    <m:r>
+                      <a:rPr lang="pt-BR" sz="1300" b="1" i="1" smtClean="0">
+                        <a:latin typeface="Cambria Math" panose="02040503050406030204" pitchFamily="18" charset="0"/>
+                      </a:rPr>
+                      <m:t>𝒙</m:t>
+                    </m:r>
+                    <m:r>
+                      <a:rPr lang="pt-BR" sz="1300" b="1" i="1" smtClean="0">
+                        <a:latin typeface="Cambria Math" panose="02040503050406030204" pitchFamily="18" charset="0"/>
+                      </a:rPr>
+                      <m:t>=</m:t>
+                    </m:r>
+                    <m:r>
+                      <a:rPr lang="pt-BR" sz="1300" b="0" i="1" smtClean="0">
+                        <a:latin typeface="Cambria Math" panose="02040503050406030204" pitchFamily="18" charset="0"/>
+                      </a:rPr>
+                      <m:t>[</m:t>
+                    </m:r>
+                    <m:sSub>
+                      <m:sSubPr>
+                        <m:ctrlPr>
+                          <a:rPr lang="pt-BR" sz="1300" i="1" smtClean="0">
+                            <a:latin typeface="Cambria Math" panose="02040503050406030204" pitchFamily="18" charset="0"/>
+                          </a:rPr>
+                        </m:ctrlPr>
+                      </m:sSubPr>
+                      <m:e>
+                        <m:r>
+                          <a:rPr lang="pt-BR" sz="1300" b="0" i="1" smtClean="0">
+                            <a:latin typeface="Cambria Math" panose="02040503050406030204" pitchFamily="18" charset="0"/>
+                          </a:rPr>
+                          <m:t>𝑥</m:t>
+                        </m:r>
+                      </m:e>
+                      <m:sub>
+                        <m:r>
+                          <a:rPr lang="pt-BR" sz="1300" b="0" i="1" smtClean="0">
+                            <a:latin typeface="Cambria Math" panose="02040503050406030204" pitchFamily="18" charset="0"/>
+                          </a:rPr>
+                          <m:t>1</m:t>
+                        </m:r>
+                      </m:sub>
+                    </m:sSub>
+                    <m:r>
+                      <a:rPr lang="pt-BR" sz="1300" b="0" i="1" smtClean="0">
+                        <a:latin typeface="Cambria Math" panose="02040503050406030204" pitchFamily="18" charset="0"/>
+                      </a:rPr>
+                      <m:t>,</m:t>
+                    </m:r>
+                    <m:sSub>
+                      <m:sSubPr>
+                        <m:ctrlPr>
+                          <a:rPr lang="pt-BR" sz="1300" i="1">
+                            <a:latin typeface="Cambria Math" panose="02040503050406030204" pitchFamily="18" charset="0"/>
+                          </a:rPr>
+                        </m:ctrlPr>
+                      </m:sSubPr>
+                      <m:e>
+                        <m:r>
+                          <a:rPr lang="pt-BR" sz="1300" b="0" i="1">
+                            <a:latin typeface="Cambria Math" panose="02040503050406030204" pitchFamily="18" charset="0"/>
+                          </a:rPr>
+                          <m:t>𝑥</m:t>
+                        </m:r>
+                      </m:e>
+                      <m:sub>
+                        <m:r>
+                          <a:rPr lang="pt-BR" sz="1300" b="0" i="1" smtClean="0">
+                            <a:latin typeface="Cambria Math" panose="02040503050406030204" pitchFamily="18" charset="0"/>
+                          </a:rPr>
+                          <m:t>2</m:t>
+                        </m:r>
+                      </m:sub>
+                    </m:sSub>
+                    <m:r>
+                      <a:rPr lang="pt-BR" sz="1300" b="0" i="1">
+                        <a:latin typeface="Cambria Math" panose="02040503050406030204" pitchFamily="18" charset="0"/>
+                      </a:rPr>
+                      <m:t>,</m:t>
+                    </m:r>
+                    <m:sSub>
+                      <m:sSubPr>
+                        <m:ctrlPr>
+                          <a:rPr lang="pt-BR" sz="1300" i="1">
+                            <a:latin typeface="Cambria Math" panose="02040503050406030204" pitchFamily="18" charset="0"/>
+                          </a:rPr>
+                        </m:ctrlPr>
+                      </m:sSubPr>
+                      <m:e>
+                        <m:r>
+                          <a:rPr lang="pt-BR" sz="1300" b="0" i="1">
+                            <a:latin typeface="Cambria Math" panose="02040503050406030204" pitchFamily="18" charset="0"/>
+                          </a:rPr>
+                          <m:t>𝑥</m:t>
+                        </m:r>
+                      </m:e>
+                      <m:sub>
+                        <m:r>
+                          <a:rPr lang="pt-BR" sz="1300" b="0" i="1" smtClean="0">
+                            <a:latin typeface="Cambria Math" panose="02040503050406030204" pitchFamily="18" charset="0"/>
+                          </a:rPr>
+                          <m:t>3</m:t>
+                        </m:r>
+                      </m:sub>
+                    </m:sSub>
+                    <m:r>
+                      <a:rPr lang="pt-BR" sz="1300" b="0" i="1">
+                        <a:latin typeface="Cambria Math" panose="02040503050406030204" pitchFamily="18" charset="0"/>
+                      </a:rPr>
+                      <m:t>,</m:t>
+                    </m:r>
+                    <m:r>
+                      <a:rPr lang="pt-BR" sz="1300" b="0" i="1" smtClean="0">
+                        <a:latin typeface="Cambria Math" panose="02040503050406030204" pitchFamily="18" charset="0"/>
+                      </a:rPr>
+                      <m:t>…</m:t>
+                    </m:r>
+                    <m:r>
+                      <a:rPr lang="pt-BR" sz="1300" b="0" i="1" smtClean="0">
+                        <a:latin typeface="Cambria Math" panose="02040503050406030204" pitchFamily="18" charset="0"/>
+                      </a:rPr>
+                      <m:t>]</m:t>
+                    </m:r>
+                  </m:oMath>
+                </a14:m>
+                <a:r>
+                  <a:rPr lang="pt-BR" sz="1300" dirty="0" smtClean="0"/>
+                  <a:t>: data, remetente, assunto, etc.</a:t>
+                </a:r>
+              </a:p>
+              <a:p>
+                <a14:m>
+                  <m:oMath xmlns:m="http://schemas.openxmlformats.org/officeDocument/2006/math">
+                    <m:r>
+                      <a:rPr lang="pt-BR" sz="1300" b="0" i="1" smtClean="0">
+                        <a:latin typeface="Cambria Math" panose="02040503050406030204" pitchFamily="18" charset="0"/>
+                      </a:rPr>
+                      <m:t>𝑦</m:t>
+                    </m:r>
+                  </m:oMath>
+                </a14:m>
+                <a:r>
+                  <a:rPr lang="pt-BR" sz="1300" dirty="0" smtClean="0"/>
+                  <a:t>: spam ou </a:t>
+                </a:r>
+                <a:r>
+                  <a:rPr lang="pt-BR" sz="1300" dirty="0" err="1" smtClean="0"/>
+                  <a:t>ham</a:t>
+                </a:r>
+                <a:endParaRPr lang="pt-BR" sz="1300" dirty="0"/>
+              </a:p>
+            </p:txBody>
+          </p:sp>
+        </mc:Choice>
+        <mc:Fallback>
+          <p:sp>
+            <p:nvSpPr>
+              <p:cNvPr id="10" name="CaixaDeTexto 9"/>
+              <p:cNvSpPr txBox="1">
+                <a:spLocks noRot="1" noChangeAspect="1" noMove="1" noResize="1" noEditPoints="1" noAdjustHandles="1" noChangeArrowheads="1" noChangeShapeType="1" noTextEdit="1"/>
+              </p:cNvSpPr>
+              <p:nvPr/>
+            </p:nvSpPr>
+            <p:spPr>
+              <a:xfrm>
+                <a:off x="8563403" y="5554682"/>
+                <a:ext cx="3698810" cy="492443"/>
+              </a:xfrm>
+              <a:prstGeom prst="rect">
+                <a:avLst/>
+              </a:prstGeom>
+              <a:blipFill rotWithShape="0">
+                <a:blip r:embed="rId9"/>
+                <a:stretch>
+                  <a:fillRect t="-1235" b="-9877"/>
+                </a:stretch>
+              </a:blipFill>
+            </p:spPr>
+            <p:txBody>
+              <a:bodyPr/>
+              <a:lstStyle/>
+              <a:p>
+                <a:r>
+                  <a:rPr lang="pt-BR">
                     <a:noFill/>
                   </a:rPr>
                   <a:t> </a:t>
@@ -13775,12 +14890,8 @@
           </a:p>
           <a:p>
             <a:r>
-              <a:rPr lang="pt-BR" smtClean="0"/>
-              <a:t>Não nos </a:t>
-            </a:r>
-            <a:r>
               <a:rPr lang="pt-BR" dirty="0" smtClean="0"/>
-              <a:t>aprofundaremos nos conceitos matemáticos envolvidos.</a:t>
+              <a:t>Não nos aprofundaremos nos conceitos matemáticos envolvidos.</a:t>
             </a:r>
           </a:p>
           <a:p>
@@ -13906,7 +15017,7 @@
               <a:t>, mas muitas vezes </a:t>
             </a:r>
             <a:r>
-              <a:rPr lang="pt-BR" b="1" i="1" dirty="0" err="1"/>
+              <a:rPr lang="pt-BR" b="1" i="1" dirty="0"/>
               <a:t>sub-ótimas</a:t>
             </a:r>
             <a:r>
@@ -14098,7 +15209,15 @@
             </a:r>
             <a:r>
               <a:rPr lang="pt-BR" dirty="0"/>
-              <a:t>(e.g., otimização da colônia de formigas</a:t>
+              <a:t>(e.g., </a:t>
+            </a:r>
+            <a:r>
+              <a:rPr lang="pt-BR" dirty="0" smtClean="0"/>
+              <a:t>algoritmo de otimização </a:t>
+            </a:r>
+            <a:r>
+              <a:rPr lang="pt-BR" dirty="0"/>
+              <a:t>da colônia de formigas</a:t>
             </a:r>
             <a:r>
               <a:rPr lang="pt-BR" dirty="0" smtClean="0"/>
@@ -14280,7 +15399,11 @@
           <a:p>
             <a:r>
               <a:rPr lang="pt-BR" dirty="0" smtClean="0"/>
-              <a:t>Para executá-los, utilizaremos o </a:t>
+              <a:t>Para executá-los, utilizaremos </a:t>
+            </a:r>
+            <a:r>
+              <a:rPr lang="pt-BR" dirty="0" smtClean="0"/>
+              <a:t>o </a:t>
             </a:r>
             <a:r>
               <a:rPr lang="pt-BR" b="1" i="1" dirty="0"/>
@@ -15219,8 +16342,8 @@
           </a:p>
         </p:txBody>
       </p:sp>
-      <mc:AlternateContent xmlns:mc="http://schemas.openxmlformats.org/markup-compatibility/2006" xmlns:a14="http://schemas.microsoft.com/office/drawing/2010/main">
-        <mc:Choice Requires="a14">
+      <mc:AlternateContent xmlns:mc="http://schemas.openxmlformats.org/markup-compatibility/2006">
+        <mc:Choice xmlns:a14="http://schemas.microsoft.com/office/drawing/2010/main" Requires="a14">
           <p:sp>
             <p:nvSpPr>
               <p:cNvPr id="3" name="Espaço Reservado para Conteúdo 2"/>
@@ -15234,7 +16357,7 @@
             <p:spPr>
               <a:xfrm>
                 <a:off x="838198" y="1825624"/>
-                <a:ext cx="6896101" cy="4956176"/>
+                <a:ext cx="6896101" cy="5032376"/>
               </a:xfrm>
             </p:spPr>
             <p:txBody>
@@ -15245,7 +16368,15 @@
               <a:p>
                 <a:r>
                   <a:rPr lang="pt-BR" dirty="0" smtClean="0"/>
-                  <a:t>O objetivo desta primeira parte do curso é encontrar uma </a:t>
+                  <a:t>O objetivo desta </a:t>
+                </a:r>
+                <a:r>
+                  <a:rPr lang="pt-BR" b="1" i="1" dirty="0" smtClean="0"/>
+                  <a:t>primeira parte do curso </a:t>
+                </a:r>
+                <a:r>
+                  <a:rPr lang="pt-BR" dirty="0" smtClean="0"/>
+                  <a:t>é encontrar uma </a:t>
                 </a:r>
                 <a:r>
                   <a:rPr lang="pt-BR" b="1" i="1" dirty="0" smtClean="0"/>
@@ -15315,7 +16446,15 @@
               <a:p>
                 <a:r>
                   <a:rPr lang="pt-BR" dirty="0" smtClean="0"/>
-                  <a:t>Na maioria dos casos, não conhecemos o </a:t>
+                  <a:t>Na maioria dos casos, </a:t>
+                </a:r>
+                <a:r>
+                  <a:rPr lang="pt-BR" dirty="0" smtClean="0"/>
+                  <a:t>nós não </a:t>
+                </a:r>
+                <a:r>
+                  <a:rPr lang="pt-BR" dirty="0" smtClean="0"/>
+                  <a:t>conhecemos o </a:t>
                 </a:r>
                 <a:r>
                   <a:rPr lang="pt-BR" b="1" i="1" dirty="0" smtClean="0"/>
@@ -15359,13 +16498,21 @@
                 </a:r>
                 <a:r>
                   <a:rPr lang="pt-BR" dirty="0" smtClean="0"/>
-                  <a:t> para definir se a aproximação é boa.</a:t>
+                  <a:t> para definir se a </a:t>
+                </a:r>
+                <a:r>
+                  <a:rPr lang="pt-BR" dirty="0" smtClean="0"/>
+                  <a:t>aproximação (função) </a:t>
+                </a:r>
+                <a:r>
+                  <a:rPr lang="pt-BR" dirty="0" smtClean="0"/>
+                  <a:t>é boa.</a:t>
                 </a:r>
               </a:p>
             </p:txBody>
           </p:sp>
         </mc:Choice>
-        <mc:Fallback xmlns="">
+        <mc:Fallback>
           <p:sp>
             <p:nvSpPr>
               <p:cNvPr id="3" name="Espaço Reservado para Conteúdo 2"/>
@@ -15379,12 +16526,12 @@
             <p:spPr>
               <a:xfrm>
                 <a:off x="838198" y="1825624"/>
-                <a:ext cx="6896101" cy="4956176"/>
+                <a:ext cx="6896101" cy="5032376"/>
               </a:xfrm>
               <a:blipFill rotWithShape="0">
                 <a:blip r:embed="rId3"/>
                 <a:stretch>
-                  <a:fillRect l="-1502" t="-1966" r="-530"/>
+                  <a:fillRect l="-1502" t="-1937" r="-2739"/>
                 </a:stretch>
               </a:blipFill>
             </p:spPr>
@@ -15393,7 +16540,7 @@
               <a:lstStyle/>
               <a:p>
                 <a:r>
-                  <a:rPr lang="en-US">
+                  <a:rPr lang="pt-BR">
                     <a:noFill/>
                   </a:rPr>
                   <a:t> </a:t>
@@ -15851,64 +16998,62 @@
         <p:spPr>
           <a:xfrm>
             <a:off x="838199" y="1825624"/>
-            <a:ext cx="11083725" cy="5032376"/>
+            <a:ext cx="11237537" cy="5032376"/>
           </a:xfrm>
         </p:spPr>
         <p:txBody>
-          <a:bodyPr/>
+          <a:bodyPr>
+            <a:normAutofit fontScale="92500" lnSpcReduction="20000"/>
+          </a:bodyPr>
           <a:lstStyle/>
           <a:p>
             <a:r>
-              <a:rPr lang="en-US" dirty="0" err="1" smtClean="0"/>
-              <a:t>Entregas</a:t>
-            </a:r>
-            <a:r>
-              <a:rPr lang="en-US" dirty="0" smtClean="0"/>
-              <a:t> de </a:t>
-            </a:r>
-            <a:r>
-              <a:rPr lang="en-US" dirty="0" err="1" smtClean="0"/>
-              <a:t>exercícios</a:t>
-            </a:r>
-            <a:r>
-              <a:rPr lang="en-US" dirty="0" smtClean="0"/>
-              <a:t> </a:t>
-            </a:r>
+              <a:rPr lang="pt-BR" dirty="0" smtClean="0"/>
+              <a:t>Toda nossa comunicação (avisos, atendimentos e tarefas) será feita via </a:t>
+            </a:r>
+            <a:r>
+              <a:rPr lang="pt-BR" dirty="0" err="1" smtClean="0"/>
+              <a:t>Teams</a:t>
+            </a:r>
+            <a:r>
+              <a:rPr lang="pt-BR" dirty="0" smtClean="0"/>
+              <a:t>.</a:t>
+            </a:r>
+          </a:p>
+          <a:p>
             <a:r>
               <a:rPr lang="pt-BR" dirty="0"/>
-              <a:t>(laboratórios e quizzes) </a:t>
-            </a:r>
-            <a:r>
-              <a:rPr lang="en-US" dirty="0" err="1" smtClean="0"/>
-              <a:t>devem</a:t>
-            </a:r>
-            <a:r>
-              <a:rPr lang="en-US" dirty="0" smtClean="0"/>
-              <a:t> </a:t>
-            </a:r>
-            <a:r>
-              <a:rPr lang="en-US" dirty="0" err="1" smtClean="0"/>
-              <a:t>ser</a:t>
-            </a:r>
-            <a:r>
-              <a:rPr lang="en-US" dirty="0" smtClean="0"/>
-              <a:t> </a:t>
-            </a:r>
-            <a:r>
-              <a:rPr lang="en-US" dirty="0" err="1" smtClean="0"/>
-              <a:t>feitas</a:t>
-            </a:r>
-            <a:r>
-              <a:rPr lang="en-US" dirty="0" smtClean="0"/>
-              <a:t> </a:t>
-            </a:r>
-            <a:r>
-              <a:rPr lang="en-US" dirty="0" err="1" smtClean="0"/>
-              <a:t>através</a:t>
-            </a:r>
-            <a:r>
-              <a:rPr lang="en-US" dirty="0" smtClean="0"/>
-              <a:t> do MS Teams.</a:t>
+              <a:t>Todas as aulas serão gravadas e os vídeos ficarão disponíveis na pasta "</a:t>
+            </a:r>
+            <a:r>
+              <a:rPr lang="pt-BR" dirty="0" err="1"/>
+              <a:t>Recordings</a:t>
+            </a:r>
+            <a:r>
+              <a:rPr lang="pt-BR" dirty="0"/>
+              <a:t>" dentro de “Arquivos</a:t>
+            </a:r>
+            <a:r>
+              <a:rPr lang="pt-BR" dirty="0" smtClean="0"/>
+              <a:t>”.</a:t>
+            </a:r>
+          </a:p>
+          <a:p>
+            <a:r>
+              <a:rPr lang="pt-BR" dirty="0" smtClean="0"/>
+              <a:t>Todo </a:t>
+            </a:r>
+            <a:r>
+              <a:rPr lang="pt-BR" dirty="0"/>
+              <a:t>material do curso </a:t>
+            </a:r>
+            <a:r>
+              <a:rPr lang="pt-BR" dirty="0" smtClean="0"/>
+              <a:t>está disponível no </a:t>
+            </a:r>
+            <a:r>
+              <a:rPr lang="pt-BR" dirty="0"/>
+              <a:t>GitHub: </a:t>
             </a:r>
           </a:p>
           <a:p>
@@ -15917,64 +17062,78 @@
               <a:buChar char="§"/>
             </a:pPr>
             <a:r>
-              <a:rPr lang="en-US" dirty="0" smtClean="0"/>
-              <a:t>Se </a:t>
-            </a:r>
-            <a:r>
-              <a:rPr lang="en-US" dirty="0" err="1"/>
-              <a:t>atentem</a:t>
-            </a:r>
-            <a:r>
-              <a:rPr lang="en-US" dirty="0"/>
-              <a:t> </a:t>
-            </a:r>
-            <a:r>
-              <a:rPr lang="en-US" dirty="0" err="1"/>
-              <a:t>às</a:t>
-            </a:r>
-            <a:r>
-              <a:rPr lang="en-US" dirty="0"/>
-              <a:t> </a:t>
-            </a:r>
+              <a:rPr lang="pt-BR" dirty="0">
+                <a:hlinkClick r:id="rId2"/>
+              </a:rPr>
+              <a:t>https://github.com/zz4fap/t319_aprendizado_de_maquina</a:t>
+            </a:r>
+            <a:endParaRPr lang="en-US" dirty="0" smtClean="0"/>
+          </a:p>
+          <a:p>
             <a:r>
               <a:rPr lang="en-US" dirty="0" err="1" smtClean="0"/>
-              <a:t>datas</a:t>
-            </a:r>
-            <a:r>
-              <a:rPr lang="en-US" dirty="0" smtClean="0"/>
-              <a:t>/</a:t>
-            </a:r>
-            <a:r>
-              <a:rPr lang="en-US" dirty="0" err="1" smtClean="0"/>
-              <a:t>horários</a:t>
+              <a:t>Entregas</a:t>
             </a:r>
             <a:r>
               <a:rPr lang="en-US" dirty="0" smtClean="0"/>
               <a:t> </a:t>
             </a:r>
             <a:r>
-              <a:rPr lang="en-US" dirty="0"/>
+              <a:rPr lang="en-US" dirty="0" smtClean="0"/>
               <a:t>de </a:t>
             </a:r>
             <a:r>
-              <a:rPr lang="en-US" dirty="0" err="1"/>
-              <a:t>entrega</a:t>
-            </a:r>
-            <a:r>
-              <a:rPr lang="en-US" dirty="0"/>
-              <a:t> no </a:t>
+              <a:rPr lang="en-US" dirty="0" err="1" smtClean="0"/>
+              <a:t>exercícios</a:t>
             </a:r>
             <a:r>
               <a:rPr lang="en-US" dirty="0" smtClean="0"/>
-              <a:t>MS Teams.</a:t>
-            </a:r>
-          </a:p>
-          <a:p>
-            <a:r>
-              <a:rPr lang="pt-BR" dirty="0" smtClean="0"/>
-              <a:t>Todo material do curso será disponibilizado no MS Teams e no GitHub: </a:t>
-            </a:r>
-            <a:endParaRPr lang="pt-BR" dirty="0"/>
+              <a:t> </a:t>
+            </a:r>
+            <a:r>
+              <a:rPr lang="pt-BR" dirty="0"/>
+              <a:t>(laboratórios e quizzes) </a:t>
+            </a:r>
+            <a:r>
+              <a:rPr lang="en-US" dirty="0" err="1" smtClean="0"/>
+              <a:t>devem</a:t>
+            </a:r>
+            <a:r>
+              <a:rPr lang="en-US" dirty="0" smtClean="0"/>
+              <a:t> </a:t>
+            </a:r>
+            <a:r>
+              <a:rPr lang="en-US" dirty="0" err="1" smtClean="0"/>
+              <a:t>ser</a:t>
+            </a:r>
+            <a:r>
+              <a:rPr lang="en-US" dirty="0" smtClean="0"/>
+              <a:t> </a:t>
+            </a:r>
+            <a:r>
+              <a:rPr lang="en-US" dirty="0" err="1" smtClean="0"/>
+              <a:t>feitas</a:t>
+            </a:r>
+            <a:r>
+              <a:rPr lang="en-US" dirty="0" smtClean="0"/>
+              <a:t> </a:t>
+            </a:r>
+            <a:r>
+              <a:rPr lang="en-US" dirty="0" err="1" smtClean="0"/>
+              <a:t>através</a:t>
+            </a:r>
+            <a:r>
+              <a:rPr lang="en-US" dirty="0" smtClean="0"/>
+              <a:t> </a:t>
+            </a:r>
+            <a:r>
+              <a:rPr lang="en-US" dirty="0" smtClean="0"/>
+              <a:t>do Teams</a:t>
+            </a:r>
+            <a:r>
+              <a:rPr lang="en-US" dirty="0" smtClean="0"/>
+              <a:t>.</a:t>
+            </a:r>
           </a:p>
           <a:p>
             <a:pPr lvl="1">
@@ -15982,22 +17141,122 @@
               <a:buChar char="§"/>
             </a:pPr>
             <a:r>
-              <a:rPr lang="pt-BR" dirty="0" smtClean="0">
-                <a:hlinkClick r:id="rId2"/>
-              </a:rPr>
-              <a:t>https</a:t>
-            </a:r>
-            <a:r>
-              <a:rPr lang="pt-BR" dirty="0">
-                <a:hlinkClick r:id="rId2"/>
-              </a:rPr>
-              <a:t>://</a:t>
-            </a:r>
-            <a:r>
-              <a:rPr lang="pt-BR" dirty="0" smtClean="0">
-                <a:hlinkClick r:id="rId2"/>
-              </a:rPr>
-              <a:t>github.com/zz4fap/t319_aprendizado_de_maquina</a:t>
+              <a:rPr lang="en-US" dirty="0" smtClean="0"/>
+              <a:t>Se </a:t>
+            </a:r>
+            <a:r>
+              <a:rPr lang="en-US" dirty="0" err="1"/>
+              <a:t>atentem</a:t>
+            </a:r>
+            <a:r>
+              <a:rPr lang="en-US" dirty="0"/>
+              <a:t> </a:t>
+            </a:r>
+            <a:r>
+              <a:rPr lang="en-US" dirty="0" err="1"/>
+              <a:t>às</a:t>
+            </a:r>
+            <a:r>
+              <a:rPr lang="en-US" dirty="0"/>
+              <a:t> </a:t>
+            </a:r>
+            <a:r>
+              <a:rPr lang="en-US" dirty="0" err="1" smtClean="0"/>
+              <a:t>datas</a:t>
+            </a:r>
+            <a:r>
+              <a:rPr lang="en-US" dirty="0" smtClean="0"/>
+              <a:t>/</a:t>
+            </a:r>
+            <a:r>
+              <a:rPr lang="en-US" dirty="0" err="1" smtClean="0"/>
+              <a:t>horários</a:t>
+            </a:r>
+            <a:r>
+              <a:rPr lang="en-US" dirty="0" smtClean="0"/>
+              <a:t> </a:t>
+            </a:r>
+            <a:r>
+              <a:rPr lang="en-US" dirty="0"/>
+              <a:t>de </a:t>
+            </a:r>
+            <a:r>
+              <a:rPr lang="en-US" dirty="0" err="1"/>
+              <a:t>entrega</a:t>
+            </a:r>
+            <a:r>
+              <a:rPr lang="en-US" dirty="0"/>
+              <a:t> no </a:t>
+            </a:r>
+            <a:r>
+              <a:rPr lang="en-US" dirty="0" smtClean="0"/>
+              <a:t>Teams.</a:t>
+            </a:r>
+          </a:p>
+          <a:p>
+            <a:r>
+              <a:rPr lang="en-US" dirty="0" err="1" smtClean="0"/>
+              <a:t>Vídeos</a:t>
+            </a:r>
+            <a:r>
+              <a:rPr lang="en-US" dirty="0" smtClean="0"/>
+              <a:t> </a:t>
+            </a:r>
+            <a:r>
+              <a:rPr lang="en-US" dirty="0" err="1" smtClean="0"/>
+              <a:t>sobre</a:t>
+            </a:r>
+            <a:r>
+              <a:rPr lang="en-US" dirty="0" smtClean="0"/>
+              <a:t> Python e </a:t>
+            </a:r>
+            <a:r>
+              <a:rPr lang="en-US" dirty="0" err="1" smtClean="0"/>
+              <a:t>como</a:t>
+            </a:r>
+            <a:r>
+              <a:rPr lang="en-US" dirty="0" smtClean="0"/>
+              <a:t> </a:t>
+            </a:r>
+            <a:r>
+              <a:rPr lang="en-US" dirty="0" err="1" smtClean="0"/>
+              <a:t>usar</a:t>
+            </a:r>
+            <a:r>
+              <a:rPr lang="en-US" dirty="0" smtClean="0"/>
+              <a:t> o </a:t>
+            </a:r>
+            <a:r>
+              <a:rPr lang="en-US" dirty="0" err="1" smtClean="0"/>
+              <a:t>Colab</a:t>
+            </a:r>
+            <a:r>
+              <a:rPr lang="en-US" dirty="0" smtClean="0"/>
+              <a:t> </a:t>
+            </a:r>
+            <a:r>
+              <a:rPr lang="en-US" dirty="0" err="1" smtClean="0"/>
+              <a:t>estão</a:t>
+            </a:r>
+            <a:r>
+              <a:rPr lang="en-US" dirty="0" smtClean="0"/>
+              <a:t> </a:t>
+            </a:r>
+            <a:r>
+              <a:rPr lang="pt-BR" dirty="0" smtClean="0"/>
+              <a:t>na </a:t>
+            </a:r>
+            <a:r>
+              <a:rPr lang="pt-BR" dirty="0"/>
+              <a:t>pasta "</a:t>
+            </a:r>
+            <a:r>
+              <a:rPr lang="pt-BR" dirty="0" err="1"/>
+              <a:t>Recordings</a:t>
+            </a:r>
+            <a:r>
+              <a:rPr lang="pt-BR" dirty="0"/>
+              <a:t>" dentro de “Arquivos”.</a:t>
             </a:r>
             <a:endParaRPr lang="pt-BR" dirty="0" smtClean="0"/>
           </a:p>
@@ -16066,7 +17325,7 @@
               <a:t>maycol.teles@ges.inatel.br</a:t>
             </a:r>
             <a:r>
-              <a:rPr lang="pt-BR" smtClean="0"/>
+              <a:rPr lang="pt-BR" dirty="0" smtClean="0"/>
               <a:t>): quartas-feiras das 18:30 às 19:30.</a:t>
             </a:r>
             <a:endParaRPr lang="pt-BR" dirty="0"/>
@@ -16081,8 +17340,12 @@
               <a:t>Atendimento remoto via </a:t>
             </a:r>
             <a:r>
+              <a:rPr lang="pt-BR" dirty="0" err="1" smtClean="0"/>
+              <a:t>Teams</a:t>
+            </a:r>
+            <a:r>
               <a:rPr lang="pt-BR" dirty="0"/>
-              <a:t>MS Teams. </a:t>
+              <a:t>. </a:t>
             </a:r>
             <a:br>
               <a:rPr lang="pt-BR" dirty="0"/>
@@ -16558,13 +17821,13 @@
             <p:ph idx="1"/>
             <p:extLst>
               <p:ext uri="{D42A27DB-BD31-4B8C-83A1-F6EECF244321}">
-                <p14:modId xmlns:p14="http://schemas.microsoft.com/office/powerpoint/2010/main" val="3963907668"/>
+                <p14:modId xmlns:p14="http://schemas.microsoft.com/office/powerpoint/2010/main" val="2175803746"/>
               </p:ext>
             </p:extLst>
           </p:nvPr>
         </p:nvGraphicFramePr>
         <p:xfrm>
-          <a:off x="838200" y="1585758"/>
+          <a:off x="838200" y="2301073"/>
           <a:ext cx="10515600" cy="4354163"/>
         </p:xfrm>
         <a:graphic>
@@ -18957,7 +20220,7 @@
                             <a:srgbClr val="00B050"/>
                           </a:solidFill>
                         </a:rPr>
-                        <a:t>Avaliação Presencial</a:t>
+                        <a:t>Avaliação Presencial (Sala I-15)</a:t>
                       </a:r>
                       <a:endParaRPr lang="pt-BR" sz="2000" b="1" dirty="0">
                         <a:solidFill>
@@ -19552,6 +20815,199 @@
           </a:graphicData>
         </a:graphic>
       </p:graphicFrame>
+      <p:sp>
+        <p:nvSpPr>
+          <p:cNvPr id="5" name="Content Placeholder 2"/>
+          <p:cNvSpPr txBox="1">
+            <a:spLocks/>
+          </p:cNvSpPr>
+          <p:nvPr/>
+        </p:nvSpPr>
+        <p:spPr>
+          <a:xfrm>
+            <a:off x="838199" y="1825624"/>
+            <a:ext cx="11188849" cy="475449"/>
+          </a:xfrm>
+          <a:prstGeom prst="rect">
+            <a:avLst/>
+          </a:prstGeom>
+        </p:spPr>
+        <p:txBody>
+          <a:bodyPr vert="horz" lIns="91440" tIns="45720" rIns="91440" bIns="45720" rtlCol="0">
+            <a:normAutofit lnSpcReduction="10000"/>
+          </a:bodyPr>
+          <a:lstStyle>
+            <a:lvl1pPr marL="228600" indent="-228600" algn="l" defTabSz="914400" rtl="0" eaLnBrk="1" latinLnBrk="0" hangingPunct="1">
+              <a:lnSpc>
+                <a:spcPct val="90000"/>
+              </a:lnSpc>
+              <a:spcBef>
+                <a:spcPts val="1000"/>
+              </a:spcBef>
+              <a:buFont typeface="Arial" panose="020B0604020202020204" pitchFamily="34" charset="0"/>
+              <a:buChar char="•"/>
+              <a:defRPr sz="2800" kern="1200">
+                <a:solidFill>
+                  <a:schemeClr val="tx1"/>
+                </a:solidFill>
+                <a:latin typeface="+mn-lt"/>
+                <a:ea typeface="+mn-ea"/>
+                <a:cs typeface="+mn-cs"/>
+              </a:defRPr>
+            </a:lvl1pPr>
+            <a:lvl2pPr marL="685800" indent="-228600" algn="l" defTabSz="914400" rtl="0" eaLnBrk="1" latinLnBrk="0" hangingPunct="1">
+              <a:lnSpc>
+                <a:spcPct val="90000"/>
+              </a:lnSpc>
+              <a:spcBef>
+                <a:spcPts val="500"/>
+              </a:spcBef>
+              <a:buFont typeface="Arial" panose="020B0604020202020204" pitchFamily="34" charset="0"/>
+              <a:buChar char="•"/>
+              <a:defRPr sz="2400" kern="1200">
+                <a:solidFill>
+                  <a:schemeClr val="tx1"/>
+                </a:solidFill>
+                <a:latin typeface="+mn-lt"/>
+                <a:ea typeface="+mn-ea"/>
+                <a:cs typeface="+mn-cs"/>
+              </a:defRPr>
+            </a:lvl2pPr>
+            <a:lvl3pPr marL="1143000" indent="-228600" algn="l" defTabSz="914400" rtl="0" eaLnBrk="1" latinLnBrk="0" hangingPunct="1">
+              <a:lnSpc>
+                <a:spcPct val="90000"/>
+              </a:lnSpc>
+              <a:spcBef>
+                <a:spcPts val="500"/>
+              </a:spcBef>
+              <a:buFont typeface="Arial" panose="020B0604020202020204" pitchFamily="34" charset="0"/>
+              <a:buChar char="•"/>
+              <a:defRPr sz="2000" kern="1200">
+                <a:solidFill>
+                  <a:schemeClr val="tx1"/>
+                </a:solidFill>
+                <a:latin typeface="+mn-lt"/>
+                <a:ea typeface="+mn-ea"/>
+                <a:cs typeface="+mn-cs"/>
+              </a:defRPr>
+            </a:lvl3pPr>
+            <a:lvl4pPr marL="1600200" indent="-228600" algn="l" defTabSz="914400" rtl="0" eaLnBrk="1" latinLnBrk="0" hangingPunct="1">
+              <a:lnSpc>
+                <a:spcPct val="90000"/>
+              </a:lnSpc>
+              <a:spcBef>
+                <a:spcPts val="500"/>
+              </a:spcBef>
+              <a:buFont typeface="Arial" panose="020B0604020202020204" pitchFamily="34" charset="0"/>
+              <a:buChar char="•"/>
+              <a:defRPr sz="1800" kern="1200">
+                <a:solidFill>
+                  <a:schemeClr val="tx1"/>
+                </a:solidFill>
+                <a:latin typeface="+mn-lt"/>
+                <a:ea typeface="+mn-ea"/>
+                <a:cs typeface="+mn-cs"/>
+              </a:defRPr>
+            </a:lvl4pPr>
+            <a:lvl5pPr marL="2057400" indent="-228600" algn="l" defTabSz="914400" rtl="0" eaLnBrk="1" latinLnBrk="0" hangingPunct="1">
+              <a:lnSpc>
+                <a:spcPct val="90000"/>
+              </a:lnSpc>
+              <a:spcBef>
+                <a:spcPts val="500"/>
+              </a:spcBef>
+              <a:buFont typeface="Arial" panose="020B0604020202020204" pitchFamily="34" charset="0"/>
+              <a:buChar char="•"/>
+              <a:defRPr sz="1800" kern="1200">
+                <a:solidFill>
+                  <a:schemeClr val="tx1"/>
+                </a:solidFill>
+                <a:latin typeface="+mn-lt"/>
+                <a:ea typeface="+mn-ea"/>
+                <a:cs typeface="+mn-cs"/>
+              </a:defRPr>
+            </a:lvl5pPr>
+            <a:lvl6pPr marL="2514600" indent="-228600" algn="l" defTabSz="914400" rtl="0" eaLnBrk="1" latinLnBrk="0" hangingPunct="1">
+              <a:lnSpc>
+                <a:spcPct val="90000"/>
+              </a:lnSpc>
+              <a:spcBef>
+                <a:spcPts val="500"/>
+              </a:spcBef>
+              <a:buFont typeface="Arial" panose="020B0604020202020204" pitchFamily="34" charset="0"/>
+              <a:buChar char="•"/>
+              <a:defRPr sz="1800" kern="1200">
+                <a:solidFill>
+                  <a:schemeClr val="tx1"/>
+                </a:solidFill>
+                <a:latin typeface="+mn-lt"/>
+                <a:ea typeface="+mn-ea"/>
+                <a:cs typeface="+mn-cs"/>
+              </a:defRPr>
+            </a:lvl6pPr>
+            <a:lvl7pPr marL="2971800" indent="-228600" algn="l" defTabSz="914400" rtl="0" eaLnBrk="1" latinLnBrk="0" hangingPunct="1">
+              <a:lnSpc>
+                <a:spcPct val="90000"/>
+              </a:lnSpc>
+              <a:spcBef>
+                <a:spcPts val="500"/>
+              </a:spcBef>
+              <a:buFont typeface="Arial" panose="020B0604020202020204" pitchFamily="34" charset="0"/>
+              <a:buChar char="•"/>
+              <a:defRPr sz="1800" kern="1200">
+                <a:solidFill>
+                  <a:schemeClr val="tx1"/>
+                </a:solidFill>
+                <a:latin typeface="+mn-lt"/>
+                <a:ea typeface="+mn-ea"/>
+                <a:cs typeface="+mn-cs"/>
+              </a:defRPr>
+            </a:lvl7pPr>
+            <a:lvl8pPr marL="3429000" indent="-228600" algn="l" defTabSz="914400" rtl="0" eaLnBrk="1" latinLnBrk="0" hangingPunct="1">
+              <a:lnSpc>
+                <a:spcPct val="90000"/>
+              </a:lnSpc>
+              <a:spcBef>
+                <a:spcPts val="500"/>
+              </a:spcBef>
+              <a:buFont typeface="Arial" panose="020B0604020202020204" pitchFamily="34" charset="0"/>
+              <a:buChar char="•"/>
+              <a:defRPr sz="1800" kern="1200">
+                <a:solidFill>
+                  <a:schemeClr val="tx1"/>
+                </a:solidFill>
+                <a:latin typeface="+mn-lt"/>
+                <a:ea typeface="+mn-ea"/>
+                <a:cs typeface="+mn-cs"/>
+              </a:defRPr>
+            </a:lvl8pPr>
+            <a:lvl9pPr marL="3886200" indent="-228600" algn="l" defTabSz="914400" rtl="0" eaLnBrk="1" latinLnBrk="0" hangingPunct="1">
+              <a:lnSpc>
+                <a:spcPct val="90000"/>
+              </a:lnSpc>
+              <a:spcBef>
+                <a:spcPts val="500"/>
+              </a:spcBef>
+              <a:buFont typeface="Arial" panose="020B0604020202020204" pitchFamily="34" charset="0"/>
+              <a:buChar char="•"/>
+              <a:defRPr sz="1800" kern="1200">
+                <a:solidFill>
+                  <a:schemeClr val="tx1"/>
+                </a:solidFill>
+                <a:latin typeface="+mn-lt"/>
+                <a:ea typeface="+mn-ea"/>
+                <a:cs typeface="+mn-cs"/>
+              </a:defRPr>
+            </a:lvl9pPr>
+          </a:lstStyle>
+          <a:p>
+            <a:r>
+              <a:rPr lang="pt-BR" dirty="0" smtClean="0"/>
+              <a:t>Aulas quinzenais, começando sempre às 19:30.</a:t>
+            </a:r>
+          </a:p>
+        </p:txBody>
+      </p:sp>
     </p:spTree>
     <p:extLst>
       <p:ext uri="{BB962C8B-B14F-4D97-AF65-F5344CB8AC3E}">
@@ -21639,7 +23095,15 @@
             </a:pPr>
             <a:r>
               <a:rPr lang="pt-BR" dirty="0" smtClean="0"/>
-              <a:t>os conceitos fundamentais da teoria do aprendizado de máquina.</a:t>
+              <a:t>os </a:t>
+            </a:r>
+            <a:r>
+              <a:rPr lang="pt-BR" b="1" i="1" dirty="0" smtClean="0"/>
+              <a:t>conceitos fundamentais </a:t>
+            </a:r>
+            <a:r>
+              <a:rPr lang="pt-BR" dirty="0" smtClean="0"/>
+              <a:t>da teoria do aprendizado de máquina.</a:t>
             </a:r>
           </a:p>
           <a:p>
@@ -21649,11 +23113,19 @@
             </a:pPr>
             <a:r>
               <a:rPr lang="pt-BR" dirty="0"/>
-              <a:t>um conjunto de </a:t>
+              <a:t>um </a:t>
+            </a:r>
+            <a:r>
+              <a:rPr lang="pt-BR" b="1" i="1" dirty="0"/>
+              <a:t>conjunto de </a:t>
+            </a:r>
+            <a:r>
+              <a:rPr lang="pt-BR" b="1" i="1" dirty="0" smtClean="0"/>
+              <a:t>ferramentas </a:t>
             </a:r>
             <a:r>
               <a:rPr lang="pt-BR" dirty="0" smtClean="0"/>
-              <a:t>ferramentas (ou seja, algoritmos) de </a:t>
+              <a:t>(ou seja, algoritmos) de </a:t>
             </a:r>
             <a:r>
               <a:rPr lang="pt-BR" dirty="0"/>
@@ -21732,8 +23204,12 @@
               <a:buChar char="§"/>
             </a:pPr>
             <a:r>
+              <a:rPr lang="pt-BR" dirty="0" smtClean="0"/>
+              <a:t>Entender o funcionamento de novos </a:t>
+            </a:r>
+            <a:r>
               <a:rPr lang="pt-BR" dirty="0"/>
-              <a:t>Analisar e entender novos algoritmos </a:t>
+              <a:t>algoritmos </a:t>
             </a:r>
             <a:r>
               <a:rPr lang="pt-BR" dirty="0" smtClean="0"/>
@@ -21914,7 +23390,7 @@
         <p:spPr>
           <a:xfrm>
             <a:off x="838199" y="1825624"/>
-            <a:ext cx="11028903" cy="4884753"/>
+            <a:ext cx="11028903" cy="5032376"/>
           </a:xfrm>
         </p:spPr>
         <p:txBody>
@@ -22047,6 +23523,13 @@
             <a:r>
               <a:rPr lang="pt-BR" dirty="0"/>
               <a:t>. </a:t>
+            </a:r>
+            <a:endParaRPr lang="pt-BR" dirty="0" smtClean="0"/>
+          </a:p>
+          <a:p>
+            <a:r>
+              <a:rPr lang="pt-BR" dirty="0" smtClean="0"/>
+              <a:t>Extra: 10% da nota da FETIN.</a:t>
             </a:r>
             <a:endParaRPr lang="pt-BR" dirty="0" smtClean="0"/>
           </a:p>
@@ -23143,8 +24626,8 @@
         </p:nvSpPr>
         <p:spPr>
           <a:xfrm>
-            <a:off x="838200" y="1825624"/>
-            <a:ext cx="10782300" cy="4664075"/>
+            <a:off x="838199" y="1825624"/>
+            <a:ext cx="11008807" cy="4664075"/>
           </a:xfrm>
         </p:spPr>
         <p:txBody>
@@ -23213,11 +24696,19 @@
             </a:r>
             <a:r>
               <a:rPr lang="pt-BR" dirty="0"/>
-              <a:t>: Criar máquinas que </a:t>
+              <a:t>: Criar máquinas </a:t>
+            </a:r>
+            <a:r>
+              <a:rPr lang="pt-BR" dirty="0" smtClean="0"/>
+              <a:t>que </a:t>
+            </a:r>
+            <a:r>
+              <a:rPr lang="pt-BR" b="1" i="1" dirty="0" smtClean="0"/>
+              <a:t>imitem </a:t>
             </a:r>
             <a:r>
               <a:rPr lang="pt-BR" b="1" i="1" dirty="0"/>
-              <a:t>imitem a inteligência humana </a:t>
+              <a:t>a inteligência humana </a:t>
             </a:r>
             <a:r>
               <a:rPr lang="pt-BR" dirty="0"/>
@@ -23244,7 +24735,11 @@
             </a:r>
             <a:r>
               <a:rPr lang="pt-BR" dirty="0" smtClean="0"/>
-              <a:t>as máquinas a pensar não </a:t>
+              <a:t>as máquinas a pensar </a:t>
+            </a:r>
+            <a:r>
+              <a:rPr lang="pt-BR" dirty="0" smtClean="0"/>
+              <a:t>como nós não </a:t>
             </a:r>
             <a:r>
               <a:rPr lang="pt-BR" dirty="0"/>
@@ -23459,7 +24954,11 @@
             <a:pPr algn="just"/>
             <a:r>
               <a:rPr lang="pt-BR" sz="2400" dirty="0" smtClean="0"/>
-              <a:t>Para criar uma máquina </a:t>
+              <a:t>Para criar </a:t>
+            </a:r>
+            <a:r>
+              <a:rPr lang="pt-BR" sz="2400" dirty="0" smtClean="0"/>
+              <a:t>máquinas </a:t>
             </a:r>
             <a:r>
               <a:rPr lang="pt-BR" sz="2400" dirty="0"/>
@@ -23467,7 +24966,11 @@
             </a:r>
             <a:r>
               <a:rPr lang="pt-BR" sz="2400" dirty="0" smtClean="0"/>
-              <a:t>simule a </a:t>
+              <a:t>simulem </a:t>
+            </a:r>
+            <a:r>
+              <a:rPr lang="pt-BR" sz="2400" dirty="0" smtClean="0"/>
+              <a:t>a </a:t>
             </a:r>
             <a:r>
               <a:rPr lang="pt-BR" sz="2400" dirty="0"/>
@@ -23867,7 +25370,11 @@
             </a:r>
             <a:r>
               <a:rPr lang="pt-BR" b="1" i="1" dirty="0" smtClean="0"/>
-              <a:t>aplicações diferentes.</a:t>
+              <a:t>aplicações (subáreas) </a:t>
+            </a:r>
+            <a:r>
+              <a:rPr lang="pt-BR" b="1" i="1" dirty="0" smtClean="0"/>
+              <a:t>diferentes.</a:t>
             </a:r>
             <a:endParaRPr lang="en-US" b="1" i="1" dirty="0"/>
           </a:p>
@@ -24381,15 +25888,23 @@
             </a:r>
             <a:r>
               <a:rPr lang="pt-BR" dirty="0"/>
-              <a:t>: ML oferece ferramentas </a:t>
-            </a:r>
-            <a:r>
-              <a:rPr lang="pt-BR" dirty="0" smtClean="0"/>
+              <a:t>: ML oferece </a:t>
+            </a:r>
+            <a:r>
+              <a:rPr lang="pt-BR" b="1" i="1" dirty="0"/>
+              <a:t>ferramentas </a:t>
+            </a:r>
+            <a:r>
+              <a:rPr lang="pt-BR" b="1" i="1" dirty="0" smtClean="0"/>
               <a:t>importantes para </a:t>
             </a:r>
             <a:r>
+              <a:rPr lang="pt-BR" b="1" i="1" dirty="0"/>
+              <a:t>a análise e solução eficiente de vários problemas </a:t>
+            </a:r>
+            <a:r>
               <a:rPr lang="pt-BR" dirty="0"/>
-              <a:t>a análise e solução eficiente de vários problemas em várias </a:t>
+              <a:t>em várias </a:t>
             </a:r>
             <a:r>
               <a:rPr lang="pt-BR" dirty="0" smtClean="0"/>
@@ -24430,7 +25945,23 @@
             </a:r>
             <a:r>
               <a:rPr lang="pt-BR" dirty="0"/>
-              <a:t>: existem muitos empregos na área de análise, ciência e engenharia de dados, além de pesquisas inovadoras </a:t>
+              <a:t>: existem muitos </a:t>
+            </a:r>
+            <a:r>
+              <a:rPr lang="pt-BR" b="1" i="1" dirty="0"/>
+              <a:t>empregos</a:t>
+            </a:r>
+            <a:r>
+              <a:rPr lang="pt-BR" dirty="0"/>
+              <a:t> na área de análise, ciência e engenharia de dados, além de </a:t>
+            </a:r>
+            <a:r>
+              <a:rPr lang="pt-BR" b="1" i="1" dirty="0"/>
+              <a:t>pesquisas inovadoras</a:t>
+            </a:r>
+            <a:r>
+              <a:rPr lang="pt-BR" dirty="0"/>
+              <a:t> </a:t>
             </a:r>
             <a:r>
               <a:rPr lang="pt-BR" dirty="0" smtClean="0"/>

--- a/slides/T319_Introdução.pptx
+++ b/slides/T319_Introdução.pptx
@@ -306,7 +306,7 @@
           <a:p>
             <a:fld id="{144F1436-6906-4D93-B7A2-786C327BFA14}" type="datetimeFigureOut">
               <a:rPr lang="nl-BE" smtClean="0"/>
-              <a:t>26/07/2023</a:t>
+              <a:t>29/07/2023</a:t>
             </a:fld>
             <a:endParaRPr lang="nl-BE"/>
           </a:p>
@@ -471,7 +471,7 @@
           <a:p>
             <a:fld id="{AA8CD09E-2914-4F47-B6C1-51B2C31814C9}" type="datetimeFigureOut">
               <a:rPr lang="pt-BR" smtClean="0"/>
-              <a:t>26/07/2023</a:t>
+              <a:t>29/07/2023</a:t>
             </a:fld>
             <a:endParaRPr lang="pt-BR"/>
           </a:p>
@@ -5535,7 +5535,7 @@
           <a:p>
             <a:fld id="{63289F7E-B80B-496E-81B4-D396C37C9454}" type="datetimeFigureOut">
               <a:rPr lang="pt-BR" smtClean="0"/>
-              <a:t>26/07/2023</a:t>
+              <a:t>29/07/2023</a:t>
             </a:fld>
             <a:endParaRPr lang="pt-BR"/>
           </a:p>
@@ -5733,7 +5733,7 @@
           <a:p>
             <a:fld id="{63289F7E-B80B-496E-81B4-D396C37C9454}" type="datetimeFigureOut">
               <a:rPr lang="pt-BR" smtClean="0"/>
-              <a:t>26/07/2023</a:t>
+              <a:t>29/07/2023</a:t>
             </a:fld>
             <a:endParaRPr lang="pt-BR"/>
           </a:p>
@@ -5941,7 +5941,7 @@
           <a:p>
             <a:fld id="{63289F7E-B80B-496E-81B4-D396C37C9454}" type="datetimeFigureOut">
               <a:rPr lang="pt-BR" smtClean="0"/>
-              <a:t>26/07/2023</a:t>
+              <a:t>29/07/2023</a:t>
             </a:fld>
             <a:endParaRPr lang="pt-BR"/>
           </a:p>
@@ -6139,7 +6139,7 @@
           <a:p>
             <a:fld id="{63289F7E-B80B-496E-81B4-D396C37C9454}" type="datetimeFigureOut">
               <a:rPr lang="pt-BR" smtClean="0"/>
-              <a:t>26/07/2023</a:t>
+              <a:t>29/07/2023</a:t>
             </a:fld>
             <a:endParaRPr lang="pt-BR"/>
           </a:p>
@@ -6414,7 +6414,7 @@
           <a:p>
             <a:fld id="{63289F7E-B80B-496E-81B4-D396C37C9454}" type="datetimeFigureOut">
               <a:rPr lang="pt-BR" smtClean="0"/>
-              <a:t>26/07/2023</a:t>
+              <a:t>29/07/2023</a:t>
             </a:fld>
             <a:endParaRPr lang="pt-BR"/>
           </a:p>
@@ -6679,7 +6679,7 @@
           <a:p>
             <a:fld id="{63289F7E-B80B-496E-81B4-D396C37C9454}" type="datetimeFigureOut">
               <a:rPr lang="pt-BR" smtClean="0"/>
-              <a:t>26/07/2023</a:t>
+              <a:t>29/07/2023</a:t>
             </a:fld>
             <a:endParaRPr lang="pt-BR"/>
           </a:p>
@@ -7091,7 +7091,7 @@
           <a:p>
             <a:fld id="{63289F7E-B80B-496E-81B4-D396C37C9454}" type="datetimeFigureOut">
               <a:rPr lang="pt-BR" smtClean="0"/>
-              <a:t>26/07/2023</a:t>
+              <a:t>29/07/2023</a:t>
             </a:fld>
             <a:endParaRPr lang="pt-BR"/>
           </a:p>
@@ -7232,7 +7232,7 @@
           <a:p>
             <a:fld id="{63289F7E-B80B-496E-81B4-D396C37C9454}" type="datetimeFigureOut">
               <a:rPr lang="pt-BR" smtClean="0"/>
-              <a:t>26/07/2023</a:t>
+              <a:t>29/07/2023</a:t>
             </a:fld>
             <a:endParaRPr lang="pt-BR"/>
           </a:p>
@@ -7345,7 +7345,7 @@
           <a:p>
             <a:fld id="{63289F7E-B80B-496E-81B4-D396C37C9454}" type="datetimeFigureOut">
               <a:rPr lang="pt-BR" smtClean="0"/>
-              <a:t>26/07/2023</a:t>
+              <a:t>29/07/2023</a:t>
             </a:fld>
             <a:endParaRPr lang="pt-BR"/>
           </a:p>
@@ -7656,7 +7656,7 @@
           <a:p>
             <a:fld id="{63289F7E-B80B-496E-81B4-D396C37C9454}" type="datetimeFigureOut">
               <a:rPr lang="pt-BR" smtClean="0"/>
-              <a:t>26/07/2023</a:t>
+              <a:t>29/07/2023</a:t>
             </a:fld>
             <a:endParaRPr lang="pt-BR"/>
           </a:p>
@@ -7944,7 +7944,7 @@
           <a:p>
             <a:fld id="{63289F7E-B80B-496E-81B4-D396C37C9454}" type="datetimeFigureOut">
               <a:rPr lang="pt-BR" smtClean="0"/>
-              <a:t>26/07/2023</a:t>
+              <a:t>29/07/2023</a:t>
             </a:fld>
             <a:endParaRPr lang="pt-BR"/>
           </a:p>
@@ -8185,7 +8185,7 @@
           <a:p>
             <a:fld id="{63289F7E-B80B-496E-81B4-D396C37C9454}" type="datetimeFigureOut">
               <a:rPr lang="pt-BR" smtClean="0"/>
-              <a:t>26/07/2023</a:t>
+              <a:t>29/07/2023</a:t>
             </a:fld>
             <a:endParaRPr lang="pt-BR"/>
           </a:p>
@@ -16208,16 +16208,12 @@
           <a:lstStyle/>
           <a:p>
             <a:r>
-              <a:rPr lang="pt-BR" dirty="0"/>
-              <a:t>Toda nossa comunicação (avisos, atendimentos e tarefas) será feita via </a:t>
-            </a:r>
-            <a:r>
-              <a:rPr lang="pt-BR" dirty="0" err="1"/>
-              <a:t>Teams</a:t>
-            </a:r>
-            <a:r>
-              <a:rPr lang="pt-BR" dirty="0"/>
-              <a:t>.</a:t>
+              <a:rPr lang="pt-BR"/>
+              <a:t>Toda a nossa </a:t>
+            </a:r>
+            <a:r>
+              <a:rPr lang="pt-BR" dirty="0"/>
+              <a:t>comunicação (avisos, atendimentos e tarefas) será feita via Teams.</a:t>
             </a:r>
           </a:p>
           <a:p>
